--- a/teaching/CS472/Timetable/OOD-V2.pptx
+++ b/teaching/CS472/Timetable/OOD-V2.pptx
@@ -492,11 +492,11 @@
 </file>
 
 <file path=ppt/notesSlides/notesSlide1.xml><?xml version="1.0" encoding="utf-8"?>
-<p:notes xmlns:a="http://schemas.openxmlformats.org/drawingml/2006/main" xmlns:r="http://schemas.openxmlformats.org/officeDocument/2006/relationships" xmlns:p="http://schemas.openxmlformats.org/presentationml/2006/main" showMasterSp="0" showMasterPhAnim="0">
+<p:notes xmlns:a="http://schemas.openxmlformats.org/drawingml/2006/main" xmlns:r="http://schemas.openxmlformats.org/officeDocument/2006/relationships" xmlns:p="http://schemas.openxmlformats.org/presentationml/2006/main">
   <p:cSld>
     <p:spTree>
       <p:nvGrpSpPr>
-        <p:cNvPr id="1" name="Shape 90"/>
+        <p:cNvPr id="1" name=""/>
         <p:cNvGrpSpPr/>
         <p:nvPr/>
       </p:nvGrpSpPr>
@@ -510,252 +510,64 @@
       </p:grpSpPr>
       <p:sp>
         <p:nvSpPr>
-          <p:cNvPr id="91" name="Google Shape;91;p2:notes"/>
+          <p:cNvPr id="2" name="Slide Image Placeholder 1"/>
           <p:cNvSpPr>
             <a:spLocks noGrp="1" noRot="1" noChangeAspect="1"/>
           </p:cNvSpPr>
           <p:nvPr>
-            <p:ph type="sldImg" idx="2"/>
+            <p:ph type="sldImg"/>
           </p:nvPr>
         </p:nvSpPr>
-        <p:spPr>
-          <a:xfrm>
-            <a:off x="685800" y="1143000"/>
-            <a:ext cx="5486400" cy="3086100"/>
-          </a:xfrm>
-          <a:custGeom>
-            <a:avLst/>
-            <a:gdLst/>
-            <a:ahLst/>
-            <a:cxnLst/>
-            <a:rect l="l" t="t" r="r" b="b"/>
-            <a:pathLst>
-              <a:path w="120000" h="120000" extrusionOk="0">
-                <a:moveTo>
-                  <a:pt x="0" y="0"/>
-                </a:moveTo>
-                <a:lnTo>
-                  <a:pt x="120000" y="0"/>
-                </a:lnTo>
-                <a:lnTo>
-                  <a:pt x="120000" y="120000"/>
-                </a:lnTo>
-                <a:lnTo>
-                  <a:pt x="0" y="120000"/>
-                </a:lnTo>
-                <a:close/>
-              </a:path>
-            </a:pathLst>
-          </a:custGeom>
-          <a:noFill/>
-          <a:ln w="12700" cap="flat" cmpd="sng">
-            <a:solidFill>
-              <a:srgbClr val="000000"/>
-            </a:solidFill>
-            <a:prstDash val="solid"/>
-            <a:round/>
-            <a:headEnd type="none" w="sm" len="sm"/>
-            <a:tailEnd type="none" w="sm" len="sm"/>
-          </a:ln>
-        </p:spPr>
+        <p:spPr/>
       </p:sp>
       <p:sp>
         <p:nvSpPr>
-          <p:cNvPr id="92" name="Google Shape;92;p2:notes"/>
-          <p:cNvSpPr txBox="1">
+          <p:cNvPr id="3" name="Notes Placeholder 2"/>
+          <p:cNvSpPr>
             <a:spLocks noGrp="1"/>
           </p:cNvSpPr>
           <p:nvPr>
             <p:ph type="body" idx="1"/>
           </p:nvPr>
         </p:nvSpPr>
-        <p:spPr>
-          <a:xfrm>
-            <a:off x="685800" y="4400550"/>
-            <a:ext cx="5486400" cy="3600450"/>
-          </a:xfrm>
-          <a:prstGeom prst="rect">
-            <a:avLst/>
-          </a:prstGeom>
-          <a:noFill/>
-          <a:ln>
-            <a:noFill/>
-          </a:ln>
-        </p:spPr>
+        <p:spPr/>
         <p:txBody>
-          <a:bodyPr spcFirstLastPara="1" wrap="square" lIns="91425" tIns="45700" rIns="91425" bIns="45700" anchor="t" anchorCtr="0">
-            <a:noAutofit/>
-          </a:bodyPr>
+          <a:bodyPr/>
           <a:lstStyle/>
           <a:p>
-            <a:pPr marL="0" lvl="0" indent="0" algn="l" rtl="0">
-              <a:spcBef>
-                <a:spcPts val="0"/>
-              </a:spcBef>
-              <a:spcAft>
-                <a:spcPts val="0"/>
-              </a:spcAft>
-              <a:buNone/>
-            </a:pPr>
-            <a:r>
-              <a:rPr lang="en-GB" b="0" i="0" dirty="0">
-                <a:solidFill>
-                  <a:srgbClr val="1F1F1F"/>
-                </a:solidFill>
-                <a:latin typeface="Source Sans Pro"/>
-                <a:ea typeface="Source Sans Pro"/>
-                <a:cs typeface="Source Sans Pro"/>
-                <a:sym typeface="Source Sans Pro"/>
-              </a:rPr>
-              <a:t>You may have worked on small programs, so you may worked on a larger-scale system. Take a minute and think of the projects that you worked on. </a:t>
-            </a:r>
-            <a:endParaRPr dirty="0"/>
-          </a:p>
-          <a:p>
-            <a:pPr marL="0" lvl="0" indent="0" algn="l" rtl="0">
-              <a:spcBef>
-                <a:spcPts val="0"/>
-              </a:spcBef>
-              <a:spcAft>
-                <a:spcPts val="0"/>
-              </a:spcAft>
-              <a:buNone/>
-            </a:pPr>
-            <a:r>
-              <a:rPr lang="en-GB" b="0" i="0" dirty="0">
-                <a:solidFill>
-                  <a:srgbClr val="1F1F1F"/>
-                </a:solidFill>
-                <a:latin typeface="Source Sans Pro"/>
-                <a:ea typeface="Source Sans Pro"/>
-                <a:cs typeface="Source Sans Pro"/>
-                <a:sym typeface="Source Sans Pro"/>
-              </a:rPr>
-              <a:t> </a:t>
-            </a:r>
-            <a:endParaRPr b="0" i="0" dirty="0">
-              <a:solidFill>
-                <a:srgbClr val="333333"/>
-              </a:solidFill>
-              <a:latin typeface="Open Sans"/>
-              <a:ea typeface="Open Sans"/>
-              <a:cs typeface="Open Sans"/>
-              <a:sym typeface="Open Sans"/>
-            </a:endParaRPr>
-          </a:p>
-          <a:p>
-            <a:pPr marL="0" lvl="0" indent="0" algn="l" rtl="0">
-              <a:spcBef>
-                <a:spcPts val="0"/>
-              </a:spcBef>
-              <a:spcAft>
-                <a:spcPts val="0"/>
-              </a:spcAft>
-              <a:buNone/>
-            </a:pPr>
-            <a:r>
-              <a:rPr lang="en-GB" b="0" i="0" dirty="0">
-                <a:solidFill>
-                  <a:srgbClr val="1F1F1F"/>
-                </a:solidFill>
-                <a:latin typeface="Source Sans Pro"/>
-                <a:ea typeface="Source Sans Pro"/>
-                <a:cs typeface="Source Sans Pro"/>
-                <a:sym typeface="Source Sans Pro"/>
-              </a:rPr>
-              <a:t>If you answered yes to any of these questions, chances are you could benefit from a better design. Good design isn't just about code</a:t>
-            </a:r>
-            <a:endParaRPr b="0" i="0" dirty="0">
-              <a:solidFill>
-                <a:srgbClr val="333333"/>
-              </a:solidFill>
-              <a:latin typeface="Open Sans"/>
-              <a:ea typeface="Open Sans"/>
-              <a:cs typeface="Open Sans"/>
-              <a:sym typeface="Open Sans"/>
-            </a:endParaRPr>
-          </a:p>
-          <a:p>
-            <a:pPr marL="0" lvl="0" indent="0" algn="l" rtl="0">
-              <a:spcBef>
-                <a:spcPts val="0"/>
-              </a:spcBef>
-              <a:spcAft>
-                <a:spcPts val="0"/>
-              </a:spcAft>
-              <a:buNone/>
-            </a:pPr>
-            <a:endParaRPr b="0" i="0" dirty="0">
-              <a:solidFill>
-                <a:srgbClr val="333333"/>
-              </a:solidFill>
-              <a:latin typeface="Open Sans"/>
-              <a:ea typeface="Open Sans"/>
-              <a:cs typeface="Open Sans"/>
-              <a:sym typeface="Open Sans"/>
-            </a:endParaRPr>
-          </a:p>
-          <a:p>
-            <a:pPr marL="0" lvl="0" indent="0" algn="l" rtl="0">
-              <a:spcBef>
-                <a:spcPts val="0"/>
-              </a:spcBef>
-              <a:spcAft>
-                <a:spcPts val="0"/>
-              </a:spcAft>
-              <a:buNone/>
-            </a:pPr>
-            <a:endParaRPr dirty="0"/>
+            <a:endParaRPr lang="en-BE" dirty="0"/>
           </a:p>
         </p:txBody>
       </p:sp>
       <p:sp>
         <p:nvSpPr>
-          <p:cNvPr id="93" name="Google Shape;93;p2:notes"/>
-          <p:cNvSpPr txBox="1">
+          <p:cNvPr id="4" name="Slide Number Placeholder 3"/>
+          <p:cNvSpPr>
             <a:spLocks noGrp="1"/>
           </p:cNvSpPr>
           <p:nvPr>
-            <p:ph type="sldNum" idx="12"/>
+            <p:ph type="sldNum" sz="quarter" idx="5"/>
           </p:nvPr>
         </p:nvSpPr>
-        <p:spPr>
-          <a:xfrm>
-            <a:off x="3884613" y="8685213"/>
-            <a:ext cx="2971800" cy="458787"/>
-          </a:xfrm>
-          <a:prstGeom prst="rect">
-            <a:avLst/>
-          </a:prstGeom>
-          <a:noFill/>
-          <a:ln>
-            <a:noFill/>
-          </a:ln>
-        </p:spPr>
+        <p:spPr/>
         <p:txBody>
-          <a:bodyPr spcFirstLastPara="1" wrap="square" lIns="91425" tIns="45700" rIns="91425" bIns="45700" anchor="b" anchorCtr="0">
-            <a:noAutofit/>
-          </a:bodyPr>
+          <a:bodyPr/>
           <a:lstStyle/>
           <a:p>
-            <a:pPr marL="0" lvl="0" indent="0" algn="r" rtl="0">
-              <a:spcBef>
-                <a:spcPts val="0"/>
-              </a:spcBef>
-              <a:spcAft>
-                <a:spcPts val="0"/>
-              </a:spcAft>
-              <a:buNone/>
-            </a:pPr>
-            <a:fld id="{00000000-1234-1234-1234-123412341234}" type="slidenum">
-              <a:rPr lang="en-GB"/>
-              <a:t>4</a:t>
+            <a:fld id="{29370A86-051A-7C48-98C3-08CACFB9377A}" type="slidenum">
+              <a:rPr lang="en-BE" smtClean="0"/>
+              <a:t>1</a:t>
             </a:fld>
-            <a:endParaRPr/>
+            <a:endParaRPr lang="en-BE"/>
           </a:p>
         </p:txBody>
       </p:sp>
     </p:spTree>
+    <p:extLst>
+      <p:ext uri="{BB962C8B-B14F-4D97-AF65-F5344CB8AC3E}">
+        <p14:creationId xmlns:p14="http://schemas.microsoft.com/office/powerpoint/2010/main" val="3641246011"/>
+      </p:ext>
+    </p:extLst>
   </p:cSld>
   <p:clrMapOvr>
     <a:masterClrMapping/>
@@ -860,32 +672,111 @@
           </a:bodyPr>
           <a:lstStyle/>
           <a:p>
-            <a:pPr algn="l"/>
+            <a:pPr marL="0" lvl="0" indent="0" algn="l" rtl="0">
+              <a:spcBef>
+                <a:spcPts val="0"/>
+              </a:spcBef>
+              <a:spcAft>
+                <a:spcPts val="0"/>
+              </a:spcAft>
+              <a:buNone/>
+            </a:pPr>
             <a:r>
               <a:rPr lang="en-GB" b="0" i="0" dirty="0">
                 <a:solidFill>
-                  <a:srgbClr val="333333"/>
+                  <a:srgbClr val="1F1F1F"/>
                 </a:solidFill>
-                <a:effectLst/>
-                <a:latin typeface="-apple-system"/>
+                <a:latin typeface="Source Sans Pro"/>
+                <a:ea typeface="Source Sans Pro"/>
+                <a:cs typeface="Source Sans Pro"/>
+                <a:sym typeface="Source Sans Pro"/>
               </a:rPr>
-              <a:t>During the design process, a number of questions need to be answered</a:t>
-            </a:r>
-            <a:br>
+              <a:t>You may have worked on small programs, so you may worked on a larger-scale system. Take a minute and think of the projects that you worked on. </a:t>
+            </a:r>
+            <a:endParaRPr dirty="0"/>
+          </a:p>
+          <a:p>
+            <a:pPr marL="0" lvl="0" indent="0" algn="l" rtl="0">
+              <a:spcBef>
+                <a:spcPts val="0"/>
+              </a:spcBef>
+              <a:spcAft>
+                <a:spcPts val="0"/>
+              </a:spcAft>
+              <a:buNone/>
+            </a:pPr>
+            <a:r>
               <a:rPr lang="en-GB" b="0" i="0" dirty="0">
                 <a:solidFill>
-                  <a:srgbClr val="333333"/>
+                  <a:srgbClr val="1F1F1F"/>
                 </a:solidFill>
-                <a:effectLst/>
-                <a:latin typeface="-apple-system"/>
+                <a:latin typeface="Source Sans Pro"/>
+                <a:ea typeface="Source Sans Pro"/>
+                <a:cs typeface="Source Sans Pro"/>
+                <a:sym typeface="Source Sans Pro"/>
               </a:rPr>
-            </a:br>
-            <a:endParaRPr lang="en-GB" b="0" i="0" dirty="0">
+              <a:t> </a:t>
+            </a:r>
+            <a:endParaRPr b="0" i="0" dirty="0">
               <a:solidFill>
                 <a:srgbClr val="333333"/>
               </a:solidFill>
-              <a:effectLst/>
-              <a:latin typeface="-apple-system"/>
+              <a:latin typeface="Open Sans"/>
+              <a:ea typeface="Open Sans"/>
+              <a:cs typeface="Open Sans"/>
+              <a:sym typeface="Open Sans"/>
+            </a:endParaRPr>
+          </a:p>
+          <a:p>
+            <a:pPr marL="0" lvl="0" indent="0" algn="l" rtl="0">
+              <a:spcBef>
+                <a:spcPts val="0"/>
+              </a:spcBef>
+              <a:spcAft>
+                <a:spcPts val="0"/>
+              </a:spcAft>
+              <a:buNone/>
+            </a:pPr>
+            <a:r>
+              <a:rPr lang="en-GB" b="0" i="0" dirty="0">
+                <a:solidFill>
+                  <a:srgbClr val="1F1F1F"/>
+                </a:solidFill>
+                <a:latin typeface="Source Sans Pro"/>
+                <a:ea typeface="Source Sans Pro"/>
+                <a:cs typeface="Source Sans Pro"/>
+                <a:sym typeface="Source Sans Pro"/>
+              </a:rPr>
+              <a:t>If you answered yes to any of these questions, chances are you could benefit from a better design. Good design isn't just about code</a:t>
+            </a:r>
+            <a:endParaRPr b="0" i="0" dirty="0">
+              <a:solidFill>
+                <a:srgbClr val="333333"/>
+              </a:solidFill>
+              <a:latin typeface="Open Sans"/>
+              <a:ea typeface="Open Sans"/>
+              <a:cs typeface="Open Sans"/>
+              <a:sym typeface="Open Sans"/>
+            </a:endParaRPr>
+          </a:p>
+          <a:p>
+            <a:pPr marL="0" lvl="0" indent="0" algn="l" rtl="0">
+              <a:spcBef>
+                <a:spcPts val="0"/>
+              </a:spcBef>
+              <a:spcAft>
+                <a:spcPts val="0"/>
+              </a:spcAft>
+              <a:buNone/>
+            </a:pPr>
+            <a:endParaRPr b="0" i="0" dirty="0">
+              <a:solidFill>
+                <a:srgbClr val="333333"/>
+              </a:solidFill>
+              <a:latin typeface="Open Sans"/>
+              <a:ea typeface="Open Sans"/>
+              <a:cs typeface="Open Sans"/>
+              <a:sym typeface="Open Sans"/>
             </a:endParaRPr>
           </a:p>
           <a:p>
@@ -942,6 +833,199 @@
             </a:pPr>
             <a:fld id="{00000000-1234-1234-1234-123412341234}" type="slidenum">
               <a:rPr lang="en-GB"/>
+              <a:t>4</a:t>
+            </a:fld>
+            <a:endParaRPr/>
+          </a:p>
+        </p:txBody>
+      </p:sp>
+    </p:spTree>
+  </p:cSld>
+  <p:clrMapOvr>
+    <a:masterClrMapping/>
+  </p:clrMapOvr>
+</p:notes>
+</file>
+
+<file path=ppt/notesSlides/notesSlide3.xml><?xml version="1.0" encoding="utf-8"?>
+<p:notes xmlns:a="http://schemas.openxmlformats.org/drawingml/2006/main" xmlns:r="http://schemas.openxmlformats.org/officeDocument/2006/relationships" xmlns:p="http://schemas.openxmlformats.org/presentationml/2006/main" showMasterSp="0" showMasterPhAnim="0">
+  <p:cSld>
+    <p:spTree>
+      <p:nvGrpSpPr>
+        <p:cNvPr id="1" name="Shape 90"/>
+        <p:cNvGrpSpPr/>
+        <p:nvPr/>
+      </p:nvGrpSpPr>
+      <p:grpSpPr>
+        <a:xfrm>
+          <a:off x="0" y="0"/>
+          <a:ext cx="0" cy="0"/>
+          <a:chOff x="0" y="0"/>
+          <a:chExt cx="0" cy="0"/>
+        </a:xfrm>
+      </p:grpSpPr>
+      <p:sp>
+        <p:nvSpPr>
+          <p:cNvPr id="91" name="Google Shape;91;p2:notes"/>
+          <p:cNvSpPr>
+            <a:spLocks noGrp="1" noRot="1" noChangeAspect="1"/>
+          </p:cNvSpPr>
+          <p:nvPr>
+            <p:ph type="sldImg" idx="2"/>
+          </p:nvPr>
+        </p:nvSpPr>
+        <p:spPr>
+          <a:xfrm>
+            <a:off x="685800" y="1143000"/>
+            <a:ext cx="5486400" cy="3086100"/>
+          </a:xfrm>
+          <a:custGeom>
+            <a:avLst/>
+            <a:gdLst/>
+            <a:ahLst/>
+            <a:cxnLst/>
+            <a:rect l="l" t="t" r="r" b="b"/>
+            <a:pathLst>
+              <a:path w="120000" h="120000" extrusionOk="0">
+                <a:moveTo>
+                  <a:pt x="0" y="0"/>
+                </a:moveTo>
+                <a:lnTo>
+                  <a:pt x="120000" y="0"/>
+                </a:lnTo>
+                <a:lnTo>
+                  <a:pt x="120000" y="120000"/>
+                </a:lnTo>
+                <a:lnTo>
+                  <a:pt x="0" y="120000"/>
+                </a:lnTo>
+                <a:close/>
+              </a:path>
+            </a:pathLst>
+          </a:custGeom>
+          <a:noFill/>
+          <a:ln w="12700" cap="flat" cmpd="sng">
+            <a:solidFill>
+              <a:srgbClr val="000000"/>
+            </a:solidFill>
+            <a:prstDash val="solid"/>
+            <a:round/>
+            <a:headEnd type="none" w="sm" len="sm"/>
+            <a:tailEnd type="none" w="sm" len="sm"/>
+          </a:ln>
+        </p:spPr>
+      </p:sp>
+      <p:sp>
+        <p:nvSpPr>
+          <p:cNvPr id="92" name="Google Shape;92;p2:notes"/>
+          <p:cNvSpPr txBox="1">
+            <a:spLocks noGrp="1"/>
+          </p:cNvSpPr>
+          <p:nvPr>
+            <p:ph type="body" idx="1"/>
+          </p:nvPr>
+        </p:nvSpPr>
+        <p:spPr>
+          <a:xfrm>
+            <a:off x="685800" y="4400550"/>
+            <a:ext cx="5486400" cy="3600450"/>
+          </a:xfrm>
+          <a:prstGeom prst="rect">
+            <a:avLst/>
+          </a:prstGeom>
+          <a:noFill/>
+          <a:ln>
+            <a:noFill/>
+          </a:ln>
+        </p:spPr>
+        <p:txBody>
+          <a:bodyPr spcFirstLastPara="1" wrap="square" lIns="91425" tIns="45700" rIns="91425" bIns="45700" anchor="t" anchorCtr="0">
+            <a:noAutofit/>
+          </a:bodyPr>
+          <a:lstStyle/>
+          <a:p>
+            <a:pPr algn="l"/>
+            <a:r>
+              <a:rPr lang="en-GB" b="0" i="0" dirty="0">
+                <a:solidFill>
+                  <a:srgbClr val="333333"/>
+                </a:solidFill>
+                <a:effectLst/>
+                <a:latin typeface="-apple-system"/>
+              </a:rPr>
+              <a:t>During the design process, a number of questions need to be answered</a:t>
+            </a:r>
+            <a:br>
+              <a:rPr lang="en-GB" b="0" i="0" dirty="0">
+                <a:solidFill>
+                  <a:srgbClr val="333333"/>
+                </a:solidFill>
+                <a:effectLst/>
+                <a:latin typeface="-apple-system"/>
+              </a:rPr>
+            </a:br>
+            <a:endParaRPr lang="en-GB" b="0" i="0" dirty="0">
+              <a:solidFill>
+                <a:srgbClr val="333333"/>
+              </a:solidFill>
+              <a:effectLst/>
+              <a:latin typeface="-apple-system"/>
+            </a:endParaRPr>
+          </a:p>
+          <a:p>
+            <a:pPr marL="0" lvl="0" indent="0" algn="l" rtl="0">
+              <a:spcBef>
+                <a:spcPts val="0"/>
+              </a:spcBef>
+              <a:spcAft>
+                <a:spcPts val="0"/>
+              </a:spcAft>
+              <a:buNone/>
+            </a:pPr>
+            <a:endParaRPr dirty="0"/>
+          </a:p>
+        </p:txBody>
+      </p:sp>
+      <p:sp>
+        <p:nvSpPr>
+          <p:cNvPr id="93" name="Google Shape;93;p2:notes"/>
+          <p:cNvSpPr txBox="1">
+            <a:spLocks noGrp="1"/>
+          </p:cNvSpPr>
+          <p:nvPr>
+            <p:ph type="sldNum" idx="12"/>
+          </p:nvPr>
+        </p:nvSpPr>
+        <p:spPr>
+          <a:xfrm>
+            <a:off x="3884613" y="8685213"/>
+            <a:ext cx="2971800" cy="458787"/>
+          </a:xfrm>
+          <a:prstGeom prst="rect">
+            <a:avLst/>
+          </a:prstGeom>
+          <a:noFill/>
+          <a:ln>
+            <a:noFill/>
+          </a:ln>
+        </p:spPr>
+        <p:txBody>
+          <a:bodyPr spcFirstLastPara="1" wrap="square" lIns="91425" tIns="45700" rIns="91425" bIns="45700" anchor="b" anchorCtr="0">
+            <a:noAutofit/>
+          </a:bodyPr>
+          <a:lstStyle/>
+          <a:p>
+            <a:pPr marL="0" lvl="0" indent="0" algn="r" rtl="0">
+              <a:spcBef>
+                <a:spcPts val="0"/>
+              </a:spcBef>
+              <a:spcAft>
+                <a:spcPts val="0"/>
+              </a:spcAft>
+              <a:buNone/>
+            </a:pPr>
+            <a:fld id="{00000000-1234-1234-1234-123412341234}" type="slidenum">
+              <a:rPr lang="en-GB"/>
               <a:t>5</a:t>
             </a:fld>
             <a:endParaRPr/>
@@ -961,7 +1045,7 @@
 </p:notes>
 </file>
 
-<file path=ppt/notesSlides/notesSlide3.xml><?xml version="1.0" encoding="utf-8"?>
+<file path=ppt/notesSlides/notesSlide4.xml><?xml version="1.0" encoding="utf-8"?>
 <p:notes xmlns:a="http://schemas.openxmlformats.org/drawingml/2006/main" xmlns:r="http://schemas.openxmlformats.org/officeDocument/2006/relationships" xmlns:p="http://schemas.openxmlformats.org/presentationml/2006/main" showMasterSp="0" showMasterPhAnim="0">
   <p:cSld>
     <p:spTree>
@@ -1389,100 +1473,6 @@
 </p:notes>
 </file>
 
-<file path=ppt/notesSlides/notesSlide4.xml><?xml version="1.0" encoding="utf-8"?>
-<p:notes xmlns:a="http://schemas.openxmlformats.org/drawingml/2006/main" xmlns:r="http://schemas.openxmlformats.org/officeDocument/2006/relationships" xmlns:p="http://schemas.openxmlformats.org/presentationml/2006/main">
-  <p:cSld>
-    <p:spTree>
-      <p:nvGrpSpPr>
-        <p:cNvPr id="1" name=""/>
-        <p:cNvGrpSpPr/>
-        <p:nvPr/>
-      </p:nvGrpSpPr>
-      <p:grpSpPr>
-        <a:xfrm>
-          <a:off x="0" y="0"/>
-          <a:ext cx="0" cy="0"/>
-          <a:chOff x="0" y="0"/>
-          <a:chExt cx="0" cy="0"/>
-        </a:xfrm>
-      </p:grpSpPr>
-      <p:sp>
-        <p:nvSpPr>
-          <p:cNvPr id="2" name="Slide Image Placeholder 1"/>
-          <p:cNvSpPr>
-            <a:spLocks noGrp="1" noRot="1" noChangeAspect="1"/>
-          </p:cNvSpPr>
-          <p:nvPr>
-            <p:ph type="sldImg"/>
-          </p:nvPr>
-        </p:nvSpPr>
-        <p:spPr/>
-      </p:sp>
-      <p:sp>
-        <p:nvSpPr>
-          <p:cNvPr id="3" name="Notes Placeholder 2"/>
-          <p:cNvSpPr>
-            <a:spLocks noGrp="1"/>
-          </p:cNvSpPr>
-          <p:nvPr>
-            <p:ph type="body" idx="1"/>
-          </p:nvPr>
-        </p:nvSpPr>
-        <p:spPr/>
-        <p:txBody>
-          <a:bodyPr/>
-          <a:lstStyle/>
-          <a:p>
-            <a:r>
-              <a:rPr lang="en-GB" b="0" i="0" dirty="0">
-                <a:solidFill>
-                  <a:srgbClr val="333333"/>
-                </a:solidFill>
-                <a:effectLst/>
-                <a:latin typeface="-apple-system"/>
-              </a:rPr>
-              <a:t>Having decided on an adequate set of software classes, our next task is to assign responsibilities to these.</a:t>
-            </a:r>
-            <a:endParaRPr lang="en-BE" dirty="0"/>
-          </a:p>
-        </p:txBody>
-      </p:sp>
-      <p:sp>
-        <p:nvSpPr>
-          <p:cNvPr id="4" name="Slide Number Placeholder 3"/>
-          <p:cNvSpPr>
-            <a:spLocks noGrp="1"/>
-          </p:cNvSpPr>
-          <p:nvPr>
-            <p:ph type="sldNum" sz="quarter" idx="5"/>
-          </p:nvPr>
-        </p:nvSpPr>
-        <p:spPr/>
-        <p:txBody>
-          <a:bodyPr/>
-          <a:lstStyle/>
-          <a:p>
-            <a:fld id="{29370A86-051A-7C48-98C3-08CACFB9377A}" type="slidenum">
-              <a:rPr lang="en-BE" smtClean="0"/>
-              <a:t>19</a:t>
-            </a:fld>
-            <a:endParaRPr lang="en-BE"/>
-          </a:p>
-        </p:txBody>
-      </p:sp>
-    </p:spTree>
-    <p:extLst>
-      <p:ext uri="{BB962C8B-B14F-4D97-AF65-F5344CB8AC3E}">
-        <p14:creationId xmlns:p14="http://schemas.microsoft.com/office/powerpoint/2010/main" val="1366296641"/>
-      </p:ext>
-    </p:extLst>
-  </p:cSld>
-  <p:clrMapOvr>
-    <a:masterClrMapping/>
-  </p:clrMapOvr>
-</p:notes>
-</file>
-
 <file path=ppt/notesSlides/notesSlide5.xml><?xml version="1.0" encoding="utf-8"?>
 <p:notes xmlns:a="http://schemas.openxmlformats.org/drawingml/2006/main" xmlns:r="http://schemas.openxmlformats.org/officeDocument/2006/relationships" xmlns:p="http://schemas.openxmlformats.org/presentationml/2006/main">
   <p:cSld>
@@ -1535,320 +1525,8 @@
                 <a:effectLst/>
                 <a:latin typeface="-apple-system"/>
               </a:rPr>
-              <a:t>Having decided on an adequate set of software classes, our next task is to assign responsibilities.</a:t>
-            </a:r>
-          </a:p>
-          <a:p>
-            <a:r>
-              <a:rPr lang="en-GB" b="0" i="0" dirty="0">
-                <a:solidFill>
-                  <a:srgbClr val="333333"/>
-                </a:solidFill>
-                <a:effectLst/>
-                <a:latin typeface="-apple-system"/>
-              </a:rPr>
-              <a:t>The next step is, therefore, to spell out the details of how the system meets its responsibilities</a:t>
-            </a:r>
-          </a:p>
-          <a:p>
-            <a:r>
-              <a:rPr lang="en-GB" b="0" i="0" dirty="0">
-                <a:solidFill>
-                  <a:srgbClr val="333333"/>
-                </a:solidFill>
-                <a:effectLst/>
-                <a:latin typeface="-apple-system"/>
-              </a:rPr>
-              <a:t>Sequence Diagrams are a great UML tool for describing responsibilities of classes</a:t>
-            </a:r>
-          </a:p>
-          <a:p>
-            <a:r>
-              <a:rPr lang="en-GB" b="0" i="0" dirty="0">
-                <a:solidFill>
-                  <a:srgbClr val="333333"/>
-                </a:solidFill>
-                <a:effectLst/>
-                <a:latin typeface="-apple-system"/>
-              </a:rPr>
-              <a:t>Back to our use case of registering users</a:t>
-            </a:r>
-          </a:p>
-          <a:p>
-            <a:endParaRPr lang="en-GB" b="0" i="0" dirty="0">
-              <a:solidFill>
-                <a:srgbClr val="333333"/>
-              </a:solidFill>
-              <a:effectLst/>
-              <a:latin typeface="-apple-system"/>
-            </a:endParaRPr>
-          </a:p>
-          <a:p>
-            <a:r>
-              <a:rPr lang="en-GB" b="0" i="0" dirty="0">
-                <a:solidFill>
-                  <a:srgbClr val="333333"/>
-                </a:solidFill>
-                <a:effectLst/>
-                <a:latin typeface="-apple-system"/>
-              </a:rPr>
-              <a:t>The clerk issues a request to the system to add a new member. The system responds by asking for the data about the new member. This interaction occurs between the library staff member and the </a:t>
-            </a:r>
-            <a:r>
-              <a:rPr lang="en-GB" b="0" i="0" dirty="0" err="1">
-                <a:solidFill>
-                  <a:srgbClr val="333333"/>
-                </a:solidFill>
-                <a:effectLst/>
-                <a:latin typeface="Courier New" panose="02070309020205020404" pitchFamily="49" charset="0"/>
-              </a:rPr>
-              <a:t>UserInterface</a:t>
-            </a:r>
-            <a:r>
-              <a:rPr lang="en-GB" b="0" i="0" dirty="0">
-                <a:solidFill>
-                  <a:srgbClr val="333333"/>
-                </a:solidFill>
-                <a:effectLst/>
-                <a:latin typeface="-apple-system"/>
-              </a:rPr>
-              <a:t> instance. The clerk enters the requested data, which the </a:t>
-            </a:r>
-            <a:r>
-              <a:rPr lang="en-GB" b="0" i="0" dirty="0" err="1">
-                <a:solidFill>
-                  <a:srgbClr val="333333"/>
-                </a:solidFill>
-                <a:effectLst/>
-                <a:latin typeface="Courier New" panose="02070309020205020404" pitchFamily="49" charset="0"/>
-              </a:rPr>
-              <a:t>UserInterface</a:t>
-            </a:r>
-            <a:r>
-              <a:rPr lang="en-GB" b="0" i="0" dirty="0">
-                <a:solidFill>
-                  <a:srgbClr val="333333"/>
-                </a:solidFill>
-                <a:effectLst/>
-                <a:latin typeface="-apple-system"/>
-              </a:rPr>
-              <a:t> accepts.</a:t>
-            </a:r>
-          </a:p>
-          <a:p>
-            <a:endParaRPr lang="en-GB" b="0" i="0" dirty="0">
-              <a:solidFill>
-                <a:srgbClr val="333333"/>
-              </a:solidFill>
-              <a:effectLst/>
-              <a:latin typeface="-apple-system"/>
-            </a:endParaRPr>
-          </a:p>
-          <a:p>
-            <a:r>
-              <a:rPr lang="en-GB" b="0" i="0" dirty="0">
-                <a:solidFill>
-                  <a:srgbClr val="333333"/>
-                </a:solidFill>
-                <a:effectLst/>
-                <a:latin typeface="-apple-system"/>
-              </a:rPr>
-              <a:t>1. </a:t>
-            </a:r>
-            <a:r>
-              <a:rPr lang="en-GB" b="0" i="0" dirty="0" err="1">
-                <a:solidFill>
-                  <a:srgbClr val="333333"/>
-                </a:solidFill>
-                <a:effectLst/>
-                <a:latin typeface="-apple-system"/>
-              </a:rPr>
-              <a:t>addMember</a:t>
-            </a:r>
-            <a:r>
-              <a:rPr lang="en-GB" b="0" i="0" dirty="0">
-                <a:solidFill>
-                  <a:srgbClr val="333333"/>
-                </a:solidFill>
-                <a:effectLst/>
-                <a:latin typeface="-apple-system"/>
-              </a:rPr>
-              <a:t> within the Library class, then</a:t>
-            </a:r>
-          </a:p>
-          <a:p>
-            <a:r>
-              <a:rPr lang="en-GB" b="0" i="0" dirty="0">
-                <a:solidFill>
-                  <a:srgbClr val="333333"/>
-                </a:solidFill>
-                <a:effectLst/>
-                <a:latin typeface="-apple-system"/>
-              </a:rPr>
-              <a:t>2. Create a Member object with the supplied parameters and return a reference to the Member object</a:t>
-            </a:r>
-          </a:p>
-          <a:p>
-            <a:r>
-              <a:rPr lang="en-GB" b="0" i="0" dirty="0">
-                <a:solidFill>
-                  <a:srgbClr val="333333"/>
-                </a:solidFill>
-                <a:effectLst/>
-                <a:latin typeface="-apple-system"/>
-              </a:rPr>
-              <a:t>3. Insert the member into the member list and return the result of the operation.</a:t>
-            </a:r>
-          </a:p>
-          <a:p>
-            <a:endParaRPr lang="en-GB" b="0" i="0" dirty="0">
-              <a:solidFill>
-                <a:srgbClr val="333333"/>
-              </a:solidFill>
-              <a:effectLst/>
-              <a:latin typeface="-apple-system"/>
-            </a:endParaRPr>
-          </a:p>
-          <a:p>
-            <a:pPr algn="l">
-              <a:buFontTx/>
-              <a:buNone/>
-            </a:pPr>
-            <a:r>
-              <a:rPr lang="en-GB" b="0" i="0" dirty="0">
-                <a:solidFill>
-                  <a:srgbClr val="333333"/>
-                </a:solidFill>
-                <a:effectLst/>
-                <a:latin typeface="-apple-system"/>
-              </a:rPr>
-              <a:t>Invoke the </a:t>
-            </a:r>
-            <a:r>
-              <a:rPr lang="en-GB" b="0" i="0" dirty="0">
-                <a:solidFill>
-                  <a:srgbClr val="333333"/>
-                </a:solidFill>
-                <a:effectLst/>
-                <a:latin typeface="Courier New" panose="02070309020205020404" pitchFamily="49" charset="0"/>
-              </a:rPr>
-              <a:t>Member</a:t>
-            </a:r>
-            <a:r>
-              <a:rPr lang="en-GB" b="0" i="0" dirty="0">
-                <a:solidFill>
-                  <a:srgbClr val="333333"/>
-                </a:solidFill>
-                <a:effectLst/>
-                <a:latin typeface="-apple-system"/>
-              </a:rPr>
-              <a:t> constructor from within the </a:t>
-            </a:r>
-            <a:r>
-              <a:rPr lang="en-GB" b="0" i="0" dirty="0" err="1">
-                <a:solidFill>
-                  <a:srgbClr val="333333"/>
-                </a:solidFill>
-                <a:effectLst/>
-                <a:latin typeface="Courier New" panose="02070309020205020404" pitchFamily="49" charset="0"/>
-              </a:rPr>
-              <a:t>addMember</a:t>
-            </a:r>
-            <a:r>
-              <a:rPr lang="en-GB" b="0" i="0" dirty="0">
-                <a:solidFill>
-                  <a:srgbClr val="333333"/>
-                </a:solidFill>
-                <a:effectLst/>
-                <a:latin typeface="-apple-system"/>
-              </a:rPr>
-              <a:t> method of </a:t>
-            </a:r>
-            <a:r>
-              <a:rPr lang="en-GB" b="0" i="0" dirty="0">
-                <a:solidFill>
-                  <a:srgbClr val="333333"/>
-                </a:solidFill>
-                <a:effectLst/>
-                <a:latin typeface="Courier New" panose="02070309020205020404" pitchFamily="49" charset="0"/>
-              </a:rPr>
-              <a:t>Library</a:t>
-            </a:r>
-            <a:r>
-              <a:rPr lang="en-GB" b="0" i="0" dirty="0">
-                <a:solidFill>
-                  <a:srgbClr val="333333"/>
-                </a:solidFill>
-                <a:effectLst/>
-                <a:latin typeface="-apple-system"/>
-              </a:rPr>
-              <a:t>. The constructor returns a reference to the </a:t>
-            </a:r>
-            <a:r>
-              <a:rPr lang="en-GB" b="0" i="0" dirty="0">
-                <a:solidFill>
-                  <a:srgbClr val="333333"/>
-                </a:solidFill>
-                <a:effectLst/>
-                <a:latin typeface="Courier New" panose="02070309020205020404" pitchFamily="49" charset="0"/>
-              </a:rPr>
-              <a:t>Member</a:t>
-            </a:r>
-            <a:r>
-              <a:rPr lang="en-GB" b="0" i="0" dirty="0">
-                <a:solidFill>
-                  <a:srgbClr val="333333"/>
-                </a:solidFill>
-                <a:effectLst/>
-                <a:latin typeface="-apple-system"/>
-              </a:rPr>
-              <a:t> object and an operation, </a:t>
-            </a:r>
-            <a:r>
-              <a:rPr lang="en-GB" b="0" i="0" dirty="0" err="1">
-                <a:solidFill>
-                  <a:srgbClr val="333333"/>
-                </a:solidFill>
-                <a:effectLst/>
-                <a:latin typeface="Courier New" panose="02070309020205020404" pitchFamily="49" charset="0"/>
-              </a:rPr>
-              <a:t>insertMember</a:t>
-            </a:r>
-            <a:r>
-              <a:rPr lang="en-GB" b="0" i="0" dirty="0">
-                <a:solidFill>
-                  <a:srgbClr val="333333"/>
-                </a:solidFill>
-                <a:effectLst/>
-                <a:latin typeface="-apple-system"/>
-              </a:rPr>
-              <a:t>, is invoked on </a:t>
-            </a:r>
-            <a:r>
-              <a:rPr lang="en-GB" b="0" i="0" dirty="0" err="1">
-                <a:solidFill>
-                  <a:srgbClr val="333333"/>
-                </a:solidFill>
-                <a:effectLst/>
-                <a:latin typeface="Courier New" panose="02070309020205020404" pitchFamily="49" charset="0"/>
-              </a:rPr>
-              <a:t>MemberList</a:t>
-            </a:r>
-            <a:r>
-              <a:rPr lang="en-GB" b="0" i="0" dirty="0">
-                <a:solidFill>
-                  <a:srgbClr val="333333"/>
-                </a:solidFill>
-                <a:effectLst/>
-                <a:latin typeface="-apple-system"/>
-              </a:rPr>
-              <a:t> to add the new member.</a:t>
-            </a:r>
-          </a:p>
-          <a:p>
-            <a:br>
-              <a:rPr lang="en-GB" dirty="0"/>
-            </a:br>
+              <a:t>Having decided on an adequate set of software classes, our next task is to assign responsibilities to these.</a:t>
+            </a:r>
             <a:endParaRPr lang="en-BE" dirty="0"/>
           </a:p>
         </p:txBody>
@@ -1870,7 +1548,7 @@
           <a:p>
             <a:fld id="{29370A86-051A-7C48-98C3-08CACFB9377A}" type="slidenum">
               <a:rPr lang="en-BE" smtClean="0"/>
-              <a:t>20</a:t>
+              <a:t>19</a:t>
             </a:fld>
             <a:endParaRPr lang="en-BE"/>
           </a:p>
@@ -1879,7 +1557,7 @@
     </p:spTree>
     <p:extLst>
       <p:ext uri="{BB962C8B-B14F-4D97-AF65-F5344CB8AC3E}">
-        <p14:creationId xmlns:p14="http://schemas.microsoft.com/office/powerpoint/2010/main" val="2425120555"/>
+        <p14:creationId xmlns:p14="http://schemas.microsoft.com/office/powerpoint/2010/main" val="1366296641"/>
       </p:ext>
     </p:extLst>
   </p:cSld>
@@ -1941,7 +1619,43 @@
                 <a:effectLst/>
                 <a:latin typeface="-apple-system"/>
               </a:rPr>
-              <a:t>In this case, when the request is made by the actor, the system enters a loop. Since the loop involves interacting repeatedly with the actor, the loop control mechanism is in the UI itself.</a:t>
+              <a:t>Having decided on an adequate set of software classes, our next task is to assign responsibilities.</a:t>
+            </a:r>
+          </a:p>
+          <a:p>
+            <a:r>
+              <a:rPr lang="en-GB" b="0" i="0" dirty="0">
+                <a:solidFill>
+                  <a:srgbClr val="333333"/>
+                </a:solidFill>
+                <a:effectLst/>
+                <a:latin typeface="-apple-system"/>
+              </a:rPr>
+              <a:t>The next step is, therefore, to spell out the details of how the system meets its responsibilities</a:t>
+            </a:r>
+          </a:p>
+          <a:p>
+            <a:r>
+              <a:rPr lang="en-GB" b="0" i="0" dirty="0">
+                <a:solidFill>
+                  <a:srgbClr val="333333"/>
+                </a:solidFill>
+                <a:effectLst/>
+                <a:latin typeface="-apple-system"/>
+              </a:rPr>
+              <a:t>Sequence Diagrams are a great UML tool for describing responsibilities of classes</a:t>
+            </a:r>
+          </a:p>
+          <a:p>
+            <a:r>
+              <a:rPr lang="en-GB" b="0" i="0" dirty="0">
+                <a:solidFill>
+                  <a:srgbClr val="333333"/>
+                </a:solidFill>
+                <a:effectLst/>
+                <a:latin typeface="-apple-system"/>
+              </a:rPr>
+              <a:t>Back to our use case of registering users</a:t>
             </a:r>
           </a:p>
           <a:p>
@@ -1962,13 +1676,18 @@
                 <a:effectLst/>
                 <a:latin typeface="-apple-system"/>
               </a:rPr>
-              <a:t>The first operation is to get the data about the book to be added. The algorithm here consists of the following steps: </a:t>
-            </a:r>
-          </a:p>
-          <a:p>
-            <a:pPr marL="285750" indent="-285750">
-              <a:buAutoNum type="romanLcParenBoth"/>
-            </a:pPr>
+              <a:t>The clerk issues a request to the system to add a new member. The system responds by asking for the data about the new member. This interaction occurs between the library staff member and the </a:t>
+            </a:r>
+            <a:r>
+              <a:rPr lang="en-GB" b="0" i="0" dirty="0" err="1">
+                <a:solidFill>
+                  <a:srgbClr val="333333"/>
+                </a:solidFill>
+                <a:effectLst/>
+                <a:latin typeface="Courier New" panose="02070309020205020404" pitchFamily="49" charset="0"/>
+              </a:rPr>
+              <a:t>UserInterface</a:t>
+            </a:r>
             <a:r>
               <a:rPr lang="en-GB" b="0" i="0" dirty="0">
                 <a:solidFill>
@@ -1977,7 +1696,117 @@
                 <a:effectLst/>
                 <a:latin typeface="-apple-system"/>
               </a:rPr>
-              <a:t>create a </a:t>
+              <a:t> instance. The clerk enters the requested data, which the </a:t>
+            </a:r>
+            <a:r>
+              <a:rPr lang="en-GB" b="0" i="0" dirty="0" err="1">
+                <a:solidFill>
+                  <a:srgbClr val="333333"/>
+                </a:solidFill>
+                <a:effectLst/>
+                <a:latin typeface="Courier New" panose="02070309020205020404" pitchFamily="49" charset="0"/>
+              </a:rPr>
+              <a:t>UserInterface</a:t>
+            </a:r>
+            <a:r>
+              <a:rPr lang="en-GB" b="0" i="0" dirty="0">
+                <a:solidFill>
+                  <a:srgbClr val="333333"/>
+                </a:solidFill>
+                <a:effectLst/>
+                <a:latin typeface="-apple-system"/>
+              </a:rPr>
+              <a:t> accepts.</a:t>
+            </a:r>
+          </a:p>
+          <a:p>
+            <a:endParaRPr lang="en-GB" b="0" i="0" dirty="0">
+              <a:solidFill>
+                <a:srgbClr val="333333"/>
+              </a:solidFill>
+              <a:effectLst/>
+              <a:latin typeface="-apple-system"/>
+            </a:endParaRPr>
+          </a:p>
+          <a:p>
+            <a:r>
+              <a:rPr lang="en-GB" b="0" i="0" dirty="0">
+                <a:solidFill>
+                  <a:srgbClr val="333333"/>
+                </a:solidFill>
+                <a:effectLst/>
+                <a:latin typeface="-apple-system"/>
+              </a:rPr>
+              <a:t>1. </a:t>
+            </a:r>
+            <a:r>
+              <a:rPr lang="en-GB" b="0" i="0" dirty="0" err="1">
+                <a:solidFill>
+                  <a:srgbClr val="333333"/>
+                </a:solidFill>
+                <a:effectLst/>
+                <a:latin typeface="-apple-system"/>
+              </a:rPr>
+              <a:t>addMember</a:t>
+            </a:r>
+            <a:r>
+              <a:rPr lang="en-GB" b="0" i="0" dirty="0">
+                <a:solidFill>
+                  <a:srgbClr val="333333"/>
+                </a:solidFill>
+                <a:effectLst/>
+                <a:latin typeface="-apple-system"/>
+              </a:rPr>
+              <a:t> within the Library class, then</a:t>
+            </a:r>
+          </a:p>
+          <a:p>
+            <a:r>
+              <a:rPr lang="en-GB" b="0" i="0" dirty="0">
+                <a:solidFill>
+                  <a:srgbClr val="333333"/>
+                </a:solidFill>
+                <a:effectLst/>
+                <a:latin typeface="-apple-system"/>
+              </a:rPr>
+              <a:t>2. Create a Member object with the supplied parameters and return a reference to the Member object</a:t>
+            </a:r>
+          </a:p>
+          <a:p>
+            <a:r>
+              <a:rPr lang="en-GB" b="0" i="0" dirty="0">
+                <a:solidFill>
+                  <a:srgbClr val="333333"/>
+                </a:solidFill>
+                <a:effectLst/>
+                <a:latin typeface="-apple-system"/>
+              </a:rPr>
+              <a:t>3. Insert the member into the member list and return the result of the operation.</a:t>
+            </a:r>
+          </a:p>
+          <a:p>
+            <a:endParaRPr lang="en-GB" b="0" i="0" dirty="0">
+              <a:solidFill>
+                <a:srgbClr val="333333"/>
+              </a:solidFill>
+              <a:effectLst/>
+              <a:latin typeface="-apple-system"/>
+            </a:endParaRPr>
+          </a:p>
+          <a:p>
+            <a:pPr algn="l">
+              <a:buFontTx/>
+              <a:buNone/>
+            </a:pPr>
+            <a:r>
+              <a:rPr lang="en-GB" b="0" i="0" dirty="0">
+                <a:solidFill>
+                  <a:srgbClr val="333333"/>
+                </a:solidFill>
+                <a:effectLst/>
+                <a:latin typeface="-apple-system"/>
+              </a:rPr>
+              <a:t>Invoke the </a:t>
             </a:r>
             <a:r>
               <a:rPr lang="en-GB" b="0" i="0" dirty="0">
@@ -1987,7 +1816,7 @@
                 <a:effectLst/>
                 <a:latin typeface="Courier New" panose="02070309020205020404" pitchFamily="49" charset="0"/>
               </a:rPr>
-              <a:t>Book</a:t>
+              <a:t>Member</a:t>
             </a:r>
             <a:r>
               <a:rPr lang="en-GB" b="0" i="0" dirty="0">
@@ -1997,13 +1826,18 @@
                 <a:effectLst/>
                 <a:latin typeface="-apple-system"/>
               </a:rPr>
-              <a:t> object, </a:t>
-            </a:r>
-          </a:p>
-          <a:p>
-            <a:pPr marL="285750" indent="-285750">
-              <a:buAutoNum type="romanLcParenBoth"/>
-            </a:pPr>
+              <a:t> constructor from within the </a:t>
+            </a:r>
+            <a:r>
+              <a:rPr lang="en-GB" b="0" i="0" dirty="0" err="1">
+                <a:solidFill>
+                  <a:srgbClr val="333333"/>
+                </a:solidFill>
+                <a:effectLst/>
+                <a:latin typeface="Courier New" panose="02070309020205020404" pitchFamily="49" charset="0"/>
+              </a:rPr>
+              <a:t>addMember</a:t>
+            </a:r>
             <a:r>
               <a:rPr lang="en-GB" b="0" i="0" dirty="0">
                 <a:solidFill>
@@ -2012,7 +1846,7 @@
                 <a:effectLst/>
                 <a:latin typeface="-apple-system"/>
               </a:rPr>
-              <a:t>add the </a:t>
+              <a:t> method of </a:t>
             </a:r>
             <a:r>
               <a:rPr lang="en-GB" b="0" i="0" dirty="0">
@@ -2022,7 +1856,7 @@
                 <a:effectLst/>
                 <a:latin typeface="Courier New" panose="02070309020205020404" pitchFamily="49" charset="0"/>
               </a:rPr>
-              <a:t>Book</a:t>
+              <a:t>Library</a:t>
             </a:r>
             <a:r>
               <a:rPr lang="en-GB" b="0" i="0" dirty="0">
@@ -2032,17 +1866,17 @@
                 <a:effectLst/>
                 <a:latin typeface="-apple-system"/>
               </a:rPr>
-              <a:t> object to the </a:t>
-            </a:r>
-            <a:r>
-              <a:rPr lang="en-GB" b="0" i="0" dirty="0" err="1">
+              <a:t>. The constructor returns a reference to the </a:t>
+            </a:r>
+            <a:r>
+              <a:rPr lang="en-GB" b="0" i="0" dirty="0">
                 <a:solidFill>
                   <a:srgbClr val="333333"/>
                 </a:solidFill>
                 <a:effectLst/>
-                <a:latin typeface="-apple-system"/>
+                <a:latin typeface="Courier New" panose="02070309020205020404" pitchFamily="49" charset="0"/>
               </a:rPr>
-              <a:t>catalog</a:t>
+              <a:t>Member</a:t>
             </a:r>
             <a:r>
               <a:rPr lang="en-GB" b="0" i="0" dirty="0">
@@ -2052,13 +1886,18 @@
                 <a:effectLst/>
                 <a:latin typeface="-apple-system"/>
               </a:rPr>
-              <a:t> and </a:t>
-            </a:r>
-          </a:p>
-          <a:p>
-            <a:pPr marL="285750" indent="-285750">
-              <a:buAutoNum type="romanLcParenBoth"/>
-            </a:pPr>
+              <a:t> object and an operation, </a:t>
+            </a:r>
+            <a:r>
+              <a:rPr lang="en-GB" b="0" i="0" dirty="0" err="1">
+                <a:solidFill>
+                  <a:srgbClr val="333333"/>
+                </a:solidFill>
+                <a:effectLst/>
+                <a:latin typeface="Courier New" panose="02070309020205020404" pitchFamily="49" charset="0"/>
+              </a:rPr>
+              <a:t>insertMember</a:t>
+            </a:r>
             <a:r>
               <a:rPr lang="en-GB" b="0" i="0" dirty="0">
                 <a:solidFill>
@@ -2067,27 +1906,18 @@
                 <a:effectLst/>
                 <a:latin typeface="-apple-system"/>
               </a:rPr>
-              <a:t>return the result of the operation. </a:t>
-            </a:r>
-          </a:p>
-          <a:p>
-            <a:pPr marL="0" indent="0">
-              <a:buFontTx/>
-              <a:buNone/>
-            </a:pPr>
-            <a:endParaRPr lang="en-GB" b="0" i="0" dirty="0">
-              <a:solidFill>
-                <a:srgbClr val="333333"/>
-              </a:solidFill>
-              <a:effectLst/>
-              <a:latin typeface="-apple-system"/>
-            </a:endParaRPr>
-          </a:p>
-          <a:p>
-            <a:pPr marL="0" indent="0">
-              <a:buFontTx/>
-              <a:buNone/>
-            </a:pPr>
+              <a:t>, is invoked on </a:t>
+            </a:r>
+            <a:r>
+              <a:rPr lang="en-GB" b="0" i="0" dirty="0" err="1">
+                <a:solidFill>
+                  <a:srgbClr val="333333"/>
+                </a:solidFill>
+                <a:effectLst/>
+                <a:latin typeface="Courier New" panose="02070309020205020404" pitchFamily="49" charset="0"/>
+              </a:rPr>
+              <a:t>MemberList</a:t>
+            </a:r>
             <a:r>
               <a:rPr lang="en-GB" b="0" i="0" dirty="0">
                 <a:solidFill>
@@ -2096,37 +1926,13 @@
                 <a:effectLst/>
                 <a:latin typeface="-apple-system"/>
               </a:rPr>
-              <a:t>This is handled in a manner similar to the previous use case.</a:t>
-            </a:r>
-          </a:p>
-          <a:p>
-            <a:pPr marL="0" indent="0">
-              <a:buFontTx/>
-              <a:buNone/>
-            </a:pPr>
-            <a:endParaRPr lang="en-GB" b="0" i="0" dirty="0">
-              <a:solidFill>
-                <a:srgbClr val="333333"/>
-              </a:solidFill>
-              <a:effectLst/>
-              <a:latin typeface="-apple-system"/>
-            </a:endParaRPr>
-          </a:p>
-          <a:p>
-            <a:pPr marL="0" indent="0">
-              <a:buFontTx/>
-              <a:buNone/>
-            </a:pPr>
-            <a:r>
-              <a:rPr lang="en-GB" b="0" i="0" dirty="0">
-                <a:solidFill>
-                  <a:srgbClr val="333333"/>
-                </a:solidFill>
-                <a:effectLst/>
-                <a:latin typeface="-apple-system"/>
-              </a:rPr>
-              <a:t>(iv) The UI returns the result and continues until the actor indicates an exit.</a:t>
-            </a:r>
+              <a:t> to add the new member.</a:t>
+            </a:r>
+          </a:p>
+          <a:p>
+            <a:br>
+              <a:rPr lang="en-GB" dirty="0"/>
+            </a:br>
             <a:endParaRPr lang="en-BE" dirty="0"/>
           </a:p>
         </p:txBody>
@@ -2148,7 +1954,7 @@
           <a:p>
             <a:fld id="{29370A86-051A-7C48-98C3-08CACFB9377A}" type="slidenum">
               <a:rPr lang="en-BE" smtClean="0"/>
-              <a:t>21</a:t>
+              <a:t>20</a:t>
             </a:fld>
             <a:endParaRPr lang="en-BE"/>
           </a:p>
@@ -2157,7 +1963,7 @@
     </p:spTree>
     <p:extLst>
       <p:ext uri="{BB962C8B-B14F-4D97-AF65-F5344CB8AC3E}">
-        <p14:creationId xmlns:p14="http://schemas.microsoft.com/office/powerpoint/2010/main" val="2742658539"/>
+        <p14:creationId xmlns:p14="http://schemas.microsoft.com/office/powerpoint/2010/main" val="2425120555"/>
       </p:ext>
     </p:extLst>
   </p:cSld>
@@ -2219,18 +2025,19 @@
                 <a:effectLst/>
                 <a:latin typeface="-apple-system"/>
               </a:rPr>
-              <a:t>In this phase, we code, test, and debug the classes that implement the business logic (</a:t>
-            </a:r>
-            <a:r>
-              <a:rPr lang="en-GB" b="0" i="0" dirty="0">
-                <a:solidFill>
-                  <a:srgbClr val="333333"/>
-                </a:solidFill>
-                <a:effectLst/>
-                <a:latin typeface="Courier New" panose="02070309020205020404" pitchFamily="49" charset="0"/>
-              </a:rPr>
-              <a:t>Library</a:t>
-            </a:r>
+              <a:t>In this case, when the request is made by the actor, the system enters a loop. Since the loop involves interacting repeatedly with the actor, the loop control mechanism is in the UI itself.</a:t>
+            </a:r>
+          </a:p>
+          <a:p>
+            <a:endParaRPr lang="en-GB" b="0" i="0" dirty="0">
+              <a:solidFill>
+                <a:srgbClr val="333333"/>
+              </a:solidFill>
+              <a:effectLst/>
+              <a:latin typeface="-apple-system"/>
+            </a:endParaRPr>
+          </a:p>
+          <a:p>
             <a:r>
               <a:rPr lang="en-GB" b="0" i="0" dirty="0">
                 <a:solidFill>
@@ -2239,7 +2046,22 @@
                 <a:effectLst/>
                 <a:latin typeface="-apple-system"/>
               </a:rPr>
-              <a:t>, </a:t>
+              <a:t>The first operation is to get the data about the book to be added. The algorithm here consists of the following steps: </a:t>
+            </a:r>
+          </a:p>
+          <a:p>
+            <a:pPr marL="285750" indent="-285750">
+              <a:buAutoNum type="romanLcParenBoth"/>
+            </a:pPr>
+            <a:r>
+              <a:rPr lang="en-GB" b="0" i="0" dirty="0">
+                <a:solidFill>
+                  <a:srgbClr val="333333"/>
+                </a:solidFill>
+                <a:effectLst/>
+                <a:latin typeface="-apple-system"/>
+              </a:rPr>
+              <a:t>create a </a:t>
             </a:r>
             <a:r>
               <a:rPr lang="en-GB" b="0" i="0" dirty="0">
@@ -2259,18 +2081,13 @@
                 <a:effectLst/>
                 <a:latin typeface="-apple-system"/>
               </a:rPr>
-              <a:t>, etc.) and </a:t>
-            </a:r>
-            <a:r>
-              <a:rPr lang="en-GB" b="0" i="0" dirty="0" err="1">
-                <a:solidFill>
-                  <a:srgbClr val="333333"/>
-                </a:solidFill>
-                <a:effectLst/>
-                <a:latin typeface="Courier New" panose="02070309020205020404" pitchFamily="49" charset="0"/>
-              </a:rPr>
-              <a:t>UserInterface</a:t>
-            </a:r>
+              <a:t> object, </a:t>
+            </a:r>
+          </a:p>
+          <a:p>
+            <a:pPr marL="285750" indent="-285750">
+              <a:buAutoNum type="romanLcParenBoth"/>
+            </a:pPr>
             <a:r>
               <a:rPr lang="en-GB" b="0" i="0" dirty="0">
                 <a:solidFill>
@@ -2279,7 +2096,120 @@
                 <a:effectLst/>
                 <a:latin typeface="-apple-system"/>
               </a:rPr>
-              <a:t>.</a:t>
+              <a:t>add the </a:t>
+            </a:r>
+            <a:r>
+              <a:rPr lang="en-GB" b="0" i="0" dirty="0">
+                <a:solidFill>
+                  <a:srgbClr val="333333"/>
+                </a:solidFill>
+                <a:effectLst/>
+                <a:latin typeface="Courier New" panose="02070309020205020404" pitchFamily="49" charset="0"/>
+              </a:rPr>
+              <a:t>Book</a:t>
+            </a:r>
+            <a:r>
+              <a:rPr lang="en-GB" b="0" i="0" dirty="0">
+                <a:solidFill>
+                  <a:srgbClr val="333333"/>
+                </a:solidFill>
+                <a:effectLst/>
+                <a:latin typeface="-apple-system"/>
+              </a:rPr>
+              <a:t> object to the </a:t>
+            </a:r>
+            <a:r>
+              <a:rPr lang="en-GB" b="0" i="0" dirty="0" err="1">
+                <a:solidFill>
+                  <a:srgbClr val="333333"/>
+                </a:solidFill>
+                <a:effectLst/>
+                <a:latin typeface="-apple-system"/>
+              </a:rPr>
+              <a:t>catalog</a:t>
+            </a:r>
+            <a:r>
+              <a:rPr lang="en-GB" b="0" i="0" dirty="0">
+                <a:solidFill>
+                  <a:srgbClr val="333333"/>
+                </a:solidFill>
+                <a:effectLst/>
+                <a:latin typeface="-apple-system"/>
+              </a:rPr>
+              <a:t> and </a:t>
+            </a:r>
+          </a:p>
+          <a:p>
+            <a:pPr marL="285750" indent="-285750">
+              <a:buAutoNum type="romanLcParenBoth"/>
+            </a:pPr>
+            <a:r>
+              <a:rPr lang="en-GB" b="0" i="0" dirty="0">
+                <a:solidFill>
+                  <a:srgbClr val="333333"/>
+                </a:solidFill>
+                <a:effectLst/>
+                <a:latin typeface="-apple-system"/>
+              </a:rPr>
+              <a:t>return the result of the operation. </a:t>
+            </a:r>
+          </a:p>
+          <a:p>
+            <a:pPr marL="0" indent="0">
+              <a:buFontTx/>
+              <a:buNone/>
+            </a:pPr>
+            <a:endParaRPr lang="en-GB" b="0" i="0" dirty="0">
+              <a:solidFill>
+                <a:srgbClr val="333333"/>
+              </a:solidFill>
+              <a:effectLst/>
+              <a:latin typeface="-apple-system"/>
+            </a:endParaRPr>
+          </a:p>
+          <a:p>
+            <a:pPr marL="0" indent="0">
+              <a:buFontTx/>
+              <a:buNone/>
+            </a:pPr>
+            <a:r>
+              <a:rPr lang="en-GB" b="0" i="0" dirty="0">
+                <a:solidFill>
+                  <a:srgbClr val="333333"/>
+                </a:solidFill>
+                <a:effectLst/>
+                <a:latin typeface="-apple-system"/>
+              </a:rPr>
+              <a:t>This is handled in a manner similar to the previous use case.</a:t>
+            </a:r>
+          </a:p>
+          <a:p>
+            <a:pPr marL="0" indent="0">
+              <a:buFontTx/>
+              <a:buNone/>
+            </a:pPr>
+            <a:endParaRPr lang="en-GB" b="0" i="0" dirty="0">
+              <a:solidFill>
+                <a:srgbClr val="333333"/>
+              </a:solidFill>
+              <a:effectLst/>
+              <a:latin typeface="-apple-system"/>
+            </a:endParaRPr>
+          </a:p>
+          <a:p>
+            <a:pPr marL="0" indent="0">
+              <a:buFontTx/>
+              <a:buNone/>
+            </a:pPr>
+            <a:r>
+              <a:rPr lang="en-GB" b="0" i="0" dirty="0">
+                <a:solidFill>
+                  <a:srgbClr val="333333"/>
+                </a:solidFill>
+                <a:effectLst/>
+                <a:latin typeface="-apple-system"/>
+              </a:rPr>
+              <a:t>(iv) The UI returns the result and continues until the actor indicates an exit.</a:t>
             </a:r>
             <a:endParaRPr lang="en-BE" dirty="0"/>
           </a:p>
@@ -2302,6 +2232,160 @@
           <a:p>
             <a:fld id="{29370A86-051A-7C48-98C3-08CACFB9377A}" type="slidenum">
               <a:rPr lang="en-BE" smtClean="0"/>
+              <a:t>21</a:t>
+            </a:fld>
+            <a:endParaRPr lang="en-BE"/>
+          </a:p>
+        </p:txBody>
+      </p:sp>
+    </p:spTree>
+    <p:extLst>
+      <p:ext uri="{BB962C8B-B14F-4D97-AF65-F5344CB8AC3E}">
+        <p14:creationId xmlns:p14="http://schemas.microsoft.com/office/powerpoint/2010/main" val="2742658539"/>
+      </p:ext>
+    </p:extLst>
+  </p:cSld>
+  <p:clrMapOvr>
+    <a:masterClrMapping/>
+  </p:clrMapOvr>
+</p:notes>
+</file>
+
+<file path=ppt/notesSlides/notesSlide8.xml><?xml version="1.0" encoding="utf-8"?>
+<p:notes xmlns:a="http://schemas.openxmlformats.org/drawingml/2006/main" xmlns:r="http://schemas.openxmlformats.org/officeDocument/2006/relationships" xmlns:p="http://schemas.openxmlformats.org/presentationml/2006/main">
+  <p:cSld>
+    <p:spTree>
+      <p:nvGrpSpPr>
+        <p:cNvPr id="1" name=""/>
+        <p:cNvGrpSpPr/>
+        <p:nvPr/>
+      </p:nvGrpSpPr>
+      <p:grpSpPr>
+        <a:xfrm>
+          <a:off x="0" y="0"/>
+          <a:ext cx="0" cy="0"/>
+          <a:chOff x="0" y="0"/>
+          <a:chExt cx="0" cy="0"/>
+        </a:xfrm>
+      </p:grpSpPr>
+      <p:sp>
+        <p:nvSpPr>
+          <p:cNvPr id="2" name="Slide Image Placeholder 1"/>
+          <p:cNvSpPr>
+            <a:spLocks noGrp="1" noRot="1" noChangeAspect="1"/>
+          </p:cNvSpPr>
+          <p:nvPr>
+            <p:ph type="sldImg"/>
+          </p:nvPr>
+        </p:nvSpPr>
+        <p:spPr/>
+      </p:sp>
+      <p:sp>
+        <p:nvSpPr>
+          <p:cNvPr id="3" name="Notes Placeholder 2"/>
+          <p:cNvSpPr>
+            <a:spLocks noGrp="1"/>
+          </p:cNvSpPr>
+          <p:nvPr>
+            <p:ph type="body" idx="1"/>
+          </p:nvPr>
+        </p:nvSpPr>
+        <p:spPr/>
+        <p:txBody>
+          <a:bodyPr/>
+          <a:lstStyle/>
+          <a:p>
+            <a:r>
+              <a:rPr lang="en-GB" b="0" i="0" dirty="0">
+                <a:solidFill>
+                  <a:srgbClr val="333333"/>
+                </a:solidFill>
+                <a:effectLst/>
+                <a:latin typeface="-apple-system"/>
+              </a:rPr>
+              <a:t>In this phase, we code, test, and debug the classes that implement the business logic (</a:t>
+            </a:r>
+            <a:r>
+              <a:rPr lang="en-GB" b="0" i="0" dirty="0">
+                <a:solidFill>
+                  <a:srgbClr val="333333"/>
+                </a:solidFill>
+                <a:effectLst/>
+                <a:latin typeface="Courier New" panose="02070309020205020404" pitchFamily="49" charset="0"/>
+              </a:rPr>
+              <a:t>Library</a:t>
+            </a:r>
+            <a:r>
+              <a:rPr lang="en-GB" b="0" i="0" dirty="0">
+                <a:solidFill>
+                  <a:srgbClr val="333333"/>
+                </a:solidFill>
+                <a:effectLst/>
+                <a:latin typeface="-apple-system"/>
+              </a:rPr>
+              <a:t>, </a:t>
+            </a:r>
+            <a:r>
+              <a:rPr lang="en-GB" b="0" i="0" dirty="0">
+                <a:solidFill>
+                  <a:srgbClr val="333333"/>
+                </a:solidFill>
+                <a:effectLst/>
+                <a:latin typeface="Courier New" panose="02070309020205020404" pitchFamily="49" charset="0"/>
+              </a:rPr>
+              <a:t>Book</a:t>
+            </a:r>
+            <a:r>
+              <a:rPr lang="en-GB" b="0" i="0" dirty="0">
+                <a:solidFill>
+                  <a:srgbClr val="333333"/>
+                </a:solidFill>
+                <a:effectLst/>
+                <a:latin typeface="-apple-system"/>
+              </a:rPr>
+              <a:t>, etc.) and </a:t>
+            </a:r>
+            <a:r>
+              <a:rPr lang="en-GB" b="0" i="0" dirty="0" err="1">
+                <a:solidFill>
+                  <a:srgbClr val="333333"/>
+                </a:solidFill>
+                <a:effectLst/>
+                <a:latin typeface="Courier New" panose="02070309020205020404" pitchFamily="49" charset="0"/>
+              </a:rPr>
+              <a:t>UserInterface</a:t>
+            </a:r>
+            <a:r>
+              <a:rPr lang="en-GB" b="0" i="0" dirty="0">
+                <a:solidFill>
+                  <a:srgbClr val="333333"/>
+                </a:solidFill>
+                <a:effectLst/>
+                <a:latin typeface="-apple-system"/>
+              </a:rPr>
+              <a:t>.</a:t>
+            </a:r>
+            <a:endParaRPr lang="en-BE" dirty="0"/>
+          </a:p>
+        </p:txBody>
+      </p:sp>
+      <p:sp>
+        <p:nvSpPr>
+          <p:cNvPr id="4" name="Slide Number Placeholder 3"/>
+          <p:cNvSpPr>
+            <a:spLocks noGrp="1"/>
+          </p:cNvSpPr>
+          <p:nvPr>
+            <p:ph type="sldNum" sz="quarter" idx="5"/>
+          </p:nvPr>
+        </p:nvSpPr>
+        <p:spPr/>
+        <p:txBody>
+          <a:bodyPr/>
+          <a:lstStyle/>
+          <a:p>
+            <a:fld id="{29370A86-051A-7C48-98C3-08CACFB9377A}" type="slidenum">
+              <a:rPr lang="en-BE" smtClean="0"/>
               <a:t>24</a:t>
             </a:fld>
             <a:endParaRPr lang="en-BE"/>
@@ -2321,7 +2405,7 @@
 </p:notes>
 </file>
 
-<file path=ppt/notesSlides/notesSlide8.xml><?xml version="1.0" encoding="utf-8"?>
+<file path=ppt/notesSlides/notesSlide9.xml><?xml version="1.0" encoding="utf-8"?>
 <p:notes xmlns:a="http://schemas.openxmlformats.org/drawingml/2006/main" xmlns:r="http://schemas.openxmlformats.org/officeDocument/2006/relationships" xmlns:p="http://schemas.openxmlformats.org/presentationml/2006/main">
   <p:cSld>
     <p:spTree>
@@ -10192,7 +10276,7 @@
                 <a:effectLst/>
                 <a:latin typeface="Georgia" panose="02040502050405020303" pitchFamily="18" charset="0"/>
               </a:rPr>
-              <a:t>Sequence diagram for adding a books</a:t>
+              <a:t>Sequence diagram for adding books</a:t>
             </a:r>
             <a:endParaRPr lang="en-BE" sz="2400" dirty="0"/>
           </a:p>
@@ -10243,36 +10327,6 @@
               </a14:hiddenFill>
             </a:ext>
           </a:extLst>
-        </p:spPr>
-      </p:pic>
-      <p:pic>
-        <p:nvPicPr>
-          <p:cNvPr id="3" name="Picture 2" descr="A white paper with black text&#10;&#10;Description automatically generated">
-            <a:extLst>
-              <a:ext uri="{FF2B5EF4-FFF2-40B4-BE49-F238E27FC236}">
-                <a16:creationId xmlns:a16="http://schemas.microsoft.com/office/drawing/2014/main" id="{67022D3F-5DF0-635A-61BF-44BFA76720B6}"/>
-              </a:ext>
-            </a:extLst>
-          </p:cNvPr>
-          <p:cNvPicPr>
-            <a:picLocks noChangeAspect="1"/>
-          </p:cNvPicPr>
-          <p:nvPr/>
-        </p:nvPicPr>
-        <p:blipFill>
-          <a:blip r:embed="rId4"/>
-          <a:stretch>
-            <a:fillRect/>
-          </a:stretch>
-        </p:blipFill>
-        <p:spPr>
-          <a:xfrm>
-            <a:off x="2838450" y="2413000"/>
-            <a:ext cx="6515100" cy="2032000"/>
-          </a:xfrm>
-          <a:prstGeom prst="rect">
-            <a:avLst/>
-          </a:prstGeom>
         </p:spPr>
       </p:pic>
     </p:spTree>

--- a/teaching/CS472/Timetable/OOD-V2.pptx
+++ b/teaching/CS472/Timetable/OOD-V2.pptx
@@ -8326,9 +8326,6 @@
           </a:bodyPr>
           <a:lstStyle/>
           <a:p>
-            <a:pPr marL="0" indent="0">
-              <a:buNone/>
-            </a:pPr>
             <a:r>
               <a:rPr lang="en-US" dirty="0"/>
               <a:t>Involves breaking down the system into smaller components or modules and designing their internal structure and interfaces.</a:t>
@@ -8404,9 +8401,6 @@
             </a:r>
           </a:p>
           <a:p>
-            <a:pPr marL="0" indent="0">
-              <a:buNone/>
-            </a:pPr>
             <a:r>
               <a:rPr lang="en-GB" b="1" i="0" dirty="0">
                 <a:solidFill>
@@ -8441,6 +8435,85 @@
   <p:clrMapOvr>
     <a:masterClrMapping/>
   </p:clrMapOvr>
+  <p:timing>
+    <p:tnLst>
+      <p:par>
+        <p:cTn id="1" dur="indefinite" restart="never" nodeType="tmRoot">
+          <p:childTnLst>
+            <p:seq concurrent="1" nextAc="seek">
+              <p:cTn id="2" dur="indefinite" nodeType="mainSeq">
+                <p:childTnLst>
+                  <p:par>
+                    <p:cTn id="3" fill="hold">
+                      <p:stCondLst>
+                        <p:cond delay="indefinite"/>
+                      </p:stCondLst>
+                      <p:childTnLst>
+                        <p:par>
+                          <p:cTn id="4" fill="hold">
+                            <p:stCondLst>
+                              <p:cond delay="0"/>
+                            </p:stCondLst>
+                            <p:childTnLst>
+                              <p:par>
+                                <p:cTn id="5" presetID="1" presetClass="entr" presetSubtype="0" fill="hold" nodeType="clickEffect">
+                                  <p:stCondLst>
+                                    <p:cond delay="0"/>
+                                  </p:stCondLst>
+                                  <p:childTnLst>
+                                    <p:set>
+                                      <p:cBhvr>
+                                        <p:cTn id="6" dur="1" fill="hold">
+                                          <p:stCondLst>
+                                            <p:cond delay="0"/>
+                                          </p:stCondLst>
+                                        </p:cTn>
+                                        <p:tgtEl>
+                                          <p:spTgt spid="3">
+                                            <p:txEl>
+                                              <p:pRg st="4" end="4"/>
+                                            </p:txEl>
+                                          </p:spTgt>
+                                        </p:tgtEl>
+                                        <p:attrNameLst>
+                                          <p:attrName>style.visibility</p:attrName>
+                                        </p:attrNameLst>
+                                      </p:cBhvr>
+                                      <p:to>
+                                        <p:strVal val="visible"/>
+                                      </p:to>
+                                    </p:set>
+                                  </p:childTnLst>
+                                </p:cTn>
+                              </p:par>
+                            </p:childTnLst>
+                          </p:cTn>
+                        </p:par>
+                      </p:childTnLst>
+                    </p:cTn>
+                  </p:par>
+                </p:childTnLst>
+              </p:cTn>
+              <p:prevCondLst>
+                <p:cond evt="onPrev" delay="0">
+                  <p:tgtEl>
+                    <p:sldTgt/>
+                  </p:tgtEl>
+                </p:cond>
+              </p:prevCondLst>
+              <p:nextCondLst>
+                <p:cond evt="onNext" delay="0">
+                  <p:tgtEl>
+                    <p:sldTgt/>
+                  </p:tgtEl>
+                </p:cond>
+              </p:nextCondLst>
+            </p:seq>
+          </p:childTnLst>
+        </p:cTn>
+      </p:par>
+    </p:tnLst>
+  </p:timing>
 </p:sld>
 </file>
 
@@ -11659,7 +11732,7 @@
         </p:nvSpPr>
         <p:spPr>
           <a:xfrm>
-            <a:off x="2432594" y="2762323"/>
+            <a:off x="2432594" y="2948067"/>
             <a:ext cx="7024915" cy="461665"/>
           </a:xfrm>
           <a:prstGeom prst="rect">
@@ -12814,8 +12887,8 @@
         </p:nvSpPr>
         <p:spPr>
           <a:xfrm>
-            <a:off x="1134065" y="5851250"/>
-            <a:ext cx="9667285" cy="707886"/>
+            <a:off x="1262357" y="5766146"/>
+            <a:ext cx="9667285" cy="969496"/>
           </a:xfrm>
           <a:prstGeom prst="rect">
             <a:avLst/>
@@ -12833,15 +12906,35 @@
           </a:bodyPr>
           <a:lstStyle/>
           <a:p>
-            <a:r>
-              <a:rPr lang="en-GB" sz="2000" b="0" i="0" dirty="0">
+            <a:pPr marL="342900" indent="-342900">
+              <a:buFont typeface="Arial" panose="020B0604020202020204" pitchFamily="34" charset="0"/>
+              <a:buChar char="•"/>
+            </a:pPr>
+            <a:r>
+              <a:rPr lang="en-GB" sz="1900" b="0" i="0" dirty="0">
                 <a:solidFill>
                   <a:srgbClr val="333333"/>
                 </a:solidFill>
                 <a:effectLst/>
                 <a:latin typeface="-apple-system"/>
               </a:rPr>
-              <a:t>In this case, when the request is made by the actor, the system enters a loop. Since the loop involves interacting repeatedly with the actor, the loop control mechanism is in the UI itself.</a:t>
+              <a:t>In this case, when the request is made by the actor, the system enters a loop. </a:t>
+            </a:r>
+          </a:p>
+          <a:p>
+            <a:pPr marL="342900" indent="-342900">
+              <a:buFont typeface="Arial" panose="020B0604020202020204" pitchFamily="34" charset="0"/>
+              <a:buChar char="•"/>
+            </a:pPr>
+            <a:r>
+              <a:rPr lang="en-GB" sz="1900" b="0" i="0" dirty="0">
+                <a:solidFill>
+                  <a:srgbClr val="333333"/>
+                </a:solidFill>
+                <a:effectLst/>
+                <a:latin typeface="-apple-system"/>
+              </a:rPr>
+              <a:t>Since the loop involves interacting repeatedly with the actor, the loop control mechanism is in the UI itself.</a:t>
             </a:r>
           </a:p>
         </p:txBody>
@@ -12980,7 +13073,7 @@
         <p:spPr>
           <a:xfrm>
             <a:off x="274322" y="2136338"/>
-            <a:ext cx="2588148" cy="2308324"/>
+            <a:ext cx="2588148" cy="2585323"/>
           </a:xfrm>
           <a:prstGeom prst="rect">
             <a:avLst/>
@@ -13071,6 +13164,16 @@
             <a:r>
               <a:rPr lang="en-BE" dirty="0"/>
               <a:t>Transaction</a:t>
+            </a:r>
+          </a:p>
+          <a:p>
+            <a:pPr marL="342900" indent="-342900">
+              <a:buFont typeface="+mj-lt"/>
+              <a:buAutoNum type="arabicPeriod"/>
+            </a:pPr>
+            <a:r>
+              <a:rPr lang="en-BE" dirty="0"/>
+              <a:t>UserInterface</a:t>
             </a:r>
           </a:p>
         </p:txBody>
@@ -18290,8 +18393,12 @@
           <a:lstStyle/>
           <a:p>
             <a:r>
+              <a:rPr lang="en-US" b="1" dirty="0"/>
+              <a:t>Conceptual design </a:t>
+            </a:r>
+            <a:r>
               <a:rPr lang="en-US" dirty="0"/>
-              <a:t>Conceptual design – sets out the stage</a:t>
+              <a:t>– sets out the stage</a:t>
             </a:r>
           </a:p>
           <a:p>
@@ -18331,8 +18438,12 @@
           </a:p>
           <a:p>
             <a:r>
+              <a:rPr lang="en-US" b="1" dirty="0"/>
+              <a:t>Technical Design </a:t>
+            </a:r>
+            <a:r>
               <a:rPr lang="en-US" dirty="0"/>
-              <a:t>Technical Design – dives deeper into specifics</a:t>
+              <a:t>– dives deeper into specifics</a:t>
             </a:r>
           </a:p>
           <a:p>
@@ -18504,7 +18615,7 @@
                             </p:stCondLst>
                             <p:childTnLst>
                               <p:par>
-                                <p:cTn id="5" presetID="2" presetClass="entr" presetSubtype="4" fill="hold" grpId="0" nodeType="clickEffect">
+                                <p:cTn id="5" presetID="1" presetClass="entr" presetSubtype="0" fill="hold" nodeType="clickEffect">
                                   <p:stCondLst>
                                     <p:cond delay="0"/>
                                   </p:stCondLst>
@@ -18512,6 +18623,179 @@
                                     <p:set>
                                       <p:cBhvr>
                                         <p:cTn id="6" dur="1" fill="hold">
+                                          <p:stCondLst>
+                                            <p:cond delay="0"/>
+                                          </p:stCondLst>
+                                        </p:cTn>
+                                        <p:tgtEl>
+                                          <p:spTgt spid="3">
+                                            <p:txEl>
+                                              <p:pRg st="6" end="6"/>
+                                            </p:txEl>
+                                          </p:spTgt>
+                                        </p:tgtEl>
+                                        <p:attrNameLst>
+                                          <p:attrName>style.visibility</p:attrName>
+                                        </p:attrNameLst>
+                                      </p:cBhvr>
+                                      <p:to>
+                                        <p:strVal val="visible"/>
+                                      </p:to>
+                                    </p:set>
+                                  </p:childTnLst>
+                                </p:cTn>
+                              </p:par>
+                              <p:par>
+                                <p:cTn id="7" presetID="1" presetClass="entr" presetSubtype="0" fill="hold" nodeType="withEffect">
+                                  <p:stCondLst>
+                                    <p:cond delay="0"/>
+                                  </p:stCondLst>
+                                  <p:childTnLst>
+                                    <p:set>
+                                      <p:cBhvr>
+                                        <p:cTn id="8" dur="1" fill="hold">
+                                          <p:stCondLst>
+                                            <p:cond delay="0"/>
+                                          </p:stCondLst>
+                                        </p:cTn>
+                                        <p:tgtEl>
+                                          <p:spTgt spid="3">
+                                            <p:txEl>
+                                              <p:pRg st="7" end="7"/>
+                                            </p:txEl>
+                                          </p:spTgt>
+                                        </p:tgtEl>
+                                        <p:attrNameLst>
+                                          <p:attrName>style.visibility</p:attrName>
+                                        </p:attrNameLst>
+                                      </p:cBhvr>
+                                      <p:to>
+                                        <p:strVal val="visible"/>
+                                      </p:to>
+                                    </p:set>
+                                  </p:childTnLst>
+                                </p:cTn>
+                              </p:par>
+                              <p:par>
+                                <p:cTn id="9" presetID="1" presetClass="entr" presetSubtype="0" fill="hold" nodeType="withEffect">
+                                  <p:stCondLst>
+                                    <p:cond delay="0"/>
+                                  </p:stCondLst>
+                                  <p:childTnLst>
+                                    <p:set>
+                                      <p:cBhvr>
+                                        <p:cTn id="10" dur="1" fill="hold">
+                                          <p:stCondLst>
+                                            <p:cond delay="0"/>
+                                          </p:stCondLst>
+                                        </p:cTn>
+                                        <p:tgtEl>
+                                          <p:spTgt spid="3">
+                                            <p:txEl>
+                                              <p:pRg st="8" end="8"/>
+                                            </p:txEl>
+                                          </p:spTgt>
+                                        </p:tgtEl>
+                                        <p:attrNameLst>
+                                          <p:attrName>style.visibility</p:attrName>
+                                        </p:attrNameLst>
+                                      </p:cBhvr>
+                                      <p:to>
+                                        <p:strVal val="visible"/>
+                                      </p:to>
+                                    </p:set>
+                                  </p:childTnLst>
+                                </p:cTn>
+                              </p:par>
+                              <p:par>
+                                <p:cTn id="11" presetID="1" presetClass="entr" presetSubtype="0" fill="hold" nodeType="withEffect">
+                                  <p:stCondLst>
+                                    <p:cond delay="0"/>
+                                  </p:stCondLst>
+                                  <p:childTnLst>
+                                    <p:set>
+                                      <p:cBhvr>
+                                        <p:cTn id="12" dur="1" fill="hold">
+                                          <p:stCondLst>
+                                            <p:cond delay="0"/>
+                                          </p:stCondLst>
+                                        </p:cTn>
+                                        <p:tgtEl>
+                                          <p:spTgt spid="3">
+                                            <p:txEl>
+                                              <p:pRg st="9" end="9"/>
+                                            </p:txEl>
+                                          </p:spTgt>
+                                        </p:tgtEl>
+                                        <p:attrNameLst>
+                                          <p:attrName>style.visibility</p:attrName>
+                                        </p:attrNameLst>
+                                      </p:cBhvr>
+                                      <p:to>
+                                        <p:strVal val="visible"/>
+                                      </p:to>
+                                    </p:set>
+                                  </p:childTnLst>
+                                </p:cTn>
+                              </p:par>
+                              <p:par>
+                                <p:cTn id="13" presetID="1" presetClass="entr" presetSubtype="0" fill="hold" nodeType="withEffect">
+                                  <p:stCondLst>
+                                    <p:cond delay="0"/>
+                                  </p:stCondLst>
+                                  <p:childTnLst>
+                                    <p:set>
+                                      <p:cBhvr>
+                                        <p:cTn id="14" dur="1" fill="hold">
+                                          <p:stCondLst>
+                                            <p:cond delay="0"/>
+                                          </p:stCondLst>
+                                        </p:cTn>
+                                        <p:tgtEl>
+                                          <p:spTgt spid="3">
+                                            <p:txEl>
+                                              <p:pRg st="10" end="10"/>
+                                            </p:txEl>
+                                          </p:spTgt>
+                                        </p:tgtEl>
+                                        <p:attrNameLst>
+                                          <p:attrName>style.visibility</p:attrName>
+                                        </p:attrNameLst>
+                                      </p:cBhvr>
+                                      <p:to>
+                                        <p:strVal val="visible"/>
+                                      </p:to>
+                                    </p:set>
+                                  </p:childTnLst>
+                                </p:cTn>
+                              </p:par>
+                            </p:childTnLst>
+                          </p:cTn>
+                        </p:par>
+                      </p:childTnLst>
+                    </p:cTn>
+                  </p:par>
+                  <p:par>
+                    <p:cTn id="15" fill="hold">
+                      <p:stCondLst>
+                        <p:cond delay="indefinite"/>
+                      </p:stCondLst>
+                      <p:childTnLst>
+                        <p:par>
+                          <p:cTn id="16" fill="hold">
+                            <p:stCondLst>
+                              <p:cond delay="0"/>
+                            </p:stCondLst>
+                            <p:childTnLst>
+                              <p:par>
+                                <p:cTn id="17" presetID="2" presetClass="entr" presetSubtype="4" fill="hold" grpId="0" nodeType="clickEffect">
+                                  <p:stCondLst>
+                                    <p:cond delay="0"/>
+                                  </p:stCondLst>
+                                  <p:childTnLst>
+                                    <p:set>
+                                      <p:cBhvr>
+                                        <p:cTn id="18" dur="1" fill="hold">
                                           <p:stCondLst>
                                             <p:cond delay="0"/>
                                           </p:stCondLst>
@@ -18529,7 +18813,7 @@
                                     </p:set>
                                     <p:anim calcmode="lin" valueType="num">
                                       <p:cBhvr additive="base">
-                                        <p:cTn id="7" dur="500" fill="hold"/>
+                                        <p:cTn id="19" dur="500" fill="hold"/>
                                         <p:tgtEl>
                                           <p:spTgt spid="5"/>
                                         </p:tgtEl>
@@ -18552,7 +18836,7 @@
                                     </p:anim>
                                     <p:anim calcmode="lin" valueType="num">
                                       <p:cBhvr additive="base">
-                                        <p:cTn id="8" dur="500" fill="hold"/>
+                                        <p:cTn id="20" dur="500" fill="hold"/>
                                         <p:tgtEl>
                                           <p:spTgt spid="5"/>
                                         </p:tgtEl>

--- a/teaching/CS472/Timetable/OOD-V2.pptx
+++ b/teaching/CS472/Timetable/OOD-V2.pptx
@@ -225,7 +225,7 @@
           <a:p>
             <a:fld id="{9D75346B-715E-CA4E-A294-01B0C7460D3C}" type="datetimeFigureOut">
               <a:rPr lang="en-BE" smtClean="0"/>
-              <a:t>20/02/2024</a:t>
+              <a:t>02/10/2024</a:t>
             </a:fld>
             <a:endParaRPr lang="en-BE"/>
           </a:p>
@@ -2974,7 +2974,7 @@
           <a:p>
             <a:fld id="{915E5E83-BDD3-3F47-8DA5-8D6610ED5E3B}" type="datetimeFigureOut">
               <a:rPr lang="en-BE" smtClean="0"/>
-              <a:t>20/02/2024</a:t>
+              <a:t>02/10/2024</a:t>
             </a:fld>
             <a:endParaRPr lang="en-BE"/>
           </a:p>
@@ -3174,7 +3174,7 @@
           <a:p>
             <a:fld id="{915E5E83-BDD3-3F47-8DA5-8D6610ED5E3B}" type="datetimeFigureOut">
               <a:rPr lang="en-BE" smtClean="0"/>
-              <a:t>20/02/2024</a:t>
+              <a:t>02/10/2024</a:t>
             </a:fld>
             <a:endParaRPr lang="en-BE"/>
           </a:p>
@@ -3384,7 +3384,7 @@
           <a:p>
             <a:fld id="{915E5E83-BDD3-3F47-8DA5-8D6610ED5E3B}" type="datetimeFigureOut">
               <a:rPr lang="en-BE" smtClean="0"/>
-              <a:t>20/02/2024</a:t>
+              <a:t>02/10/2024</a:t>
             </a:fld>
             <a:endParaRPr lang="en-BE"/>
           </a:p>
@@ -3584,7 +3584,7 @@
           <a:p>
             <a:fld id="{915E5E83-BDD3-3F47-8DA5-8D6610ED5E3B}" type="datetimeFigureOut">
               <a:rPr lang="en-BE" smtClean="0"/>
-              <a:t>20/02/2024</a:t>
+              <a:t>02/10/2024</a:t>
             </a:fld>
             <a:endParaRPr lang="en-BE"/>
           </a:p>
@@ -3860,7 +3860,7 @@
           <a:p>
             <a:fld id="{915E5E83-BDD3-3F47-8DA5-8D6610ED5E3B}" type="datetimeFigureOut">
               <a:rPr lang="en-BE" smtClean="0"/>
-              <a:t>20/02/2024</a:t>
+              <a:t>02/10/2024</a:t>
             </a:fld>
             <a:endParaRPr lang="en-BE"/>
           </a:p>
@@ -4128,7 +4128,7 @@
           <a:p>
             <a:fld id="{915E5E83-BDD3-3F47-8DA5-8D6610ED5E3B}" type="datetimeFigureOut">
               <a:rPr lang="en-BE" smtClean="0"/>
-              <a:t>20/02/2024</a:t>
+              <a:t>02/10/2024</a:t>
             </a:fld>
             <a:endParaRPr lang="en-BE"/>
           </a:p>
@@ -4543,7 +4543,7 @@
           <a:p>
             <a:fld id="{915E5E83-BDD3-3F47-8DA5-8D6610ED5E3B}" type="datetimeFigureOut">
               <a:rPr lang="en-BE" smtClean="0"/>
-              <a:t>20/02/2024</a:t>
+              <a:t>02/10/2024</a:t>
             </a:fld>
             <a:endParaRPr lang="en-BE"/>
           </a:p>
@@ -4685,7 +4685,7 @@
           <a:p>
             <a:fld id="{915E5E83-BDD3-3F47-8DA5-8D6610ED5E3B}" type="datetimeFigureOut">
               <a:rPr lang="en-BE" smtClean="0"/>
-              <a:t>20/02/2024</a:t>
+              <a:t>02/10/2024</a:t>
             </a:fld>
             <a:endParaRPr lang="en-BE"/>
           </a:p>
@@ -4798,7 +4798,7 @@
           <a:p>
             <a:fld id="{915E5E83-BDD3-3F47-8DA5-8D6610ED5E3B}" type="datetimeFigureOut">
               <a:rPr lang="en-BE" smtClean="0"/>
-              <a:t>20/02/2024</a:t>
+              <a:t>02/10/2024</a:t>
             </a:fld>
             <a:endParaRPr lang="en-BE"/>
           </a:p>
@@ -5111,7 +5111,7 @@
           <a:p>
             <a:fld id="{915E5E83-BDD3-3F47-8DA5-8D6610ED5E3B}" type="datetimeFigureOut">
               <a:rPr lang="en-BE" smtClean="0"/>
-              <a:t>20/02/2024</a:t>
+              <a:t>02/10/2024</a:t>
             </a:fld>
             <a:endParaRPr lang="en-BE"/>
           </a:p>
@@ -5400,7 +5400,7 @@
           <a:p>
             <a:fld id="{915E5E83-BDD3-3F47-8DA5-8D6610ED5E3B}" type="datetimeFigureOut">
               <a:rPr lang="en-BE" smtClean="0"/>
-              <a:t>20/02/2024</a:t>
+              <a:t>02/10/2024</a:t>
             </a:fld>
             <a:endParaRPr lang="en-BE"/>
           </a:p>
@@ -5643,7 +5643,7 @@
           <a:p>
             <a:fld id="{915E5E83-BDD3-3F47-8DA5-8D6610ED5E3B}" type="datetimeFigureOut">
               <a:rPr lang="en-BE" smtClean="0"/>
-              <a:t>20/02/2024</a:t>
+              <a:t>02/10/2024</a:t>
             </a:fld>
             <a:endParaRPr lang="en-BE"/>
           </a:p>
@@ -6165,12 +6165,16 @@
               <a:buNone/>
             </a:pPr>
             <a:r>
+              <a:rPr lang="en-GB" dirty="0" err="1"/>
+              <a:t>j</a:t>
+            </a:r>
+            <a:r>
               <a:rPr lang="en-GB" dirty="0" err="1">
                 <a:solidFill>
                   <a:schemeClr val="tx1"/>
                 </a:solidFill>
               </a:rPr>
-              <a:t>John.businge@unlv.edu</a:t>
+              <a:t>ohn.businge@unlv.edu</a:t>
             </a:r>
             <a:endParaRPr lang="en-GB" dirty="0">
               <a:solidFill>
@@ -6197,7 +6201,7 @@
 </file>
 
 <file path=ppt/slides/slide10.xml><?xml version="1.0" encoding="utf-8"?>
-<p:sld xmlns:a="http://schemas.openxmlformats.org/drawingml/2006/main" xmlns:r="http://schemas.openxmlformats.org/officeDocument/2006/relationships" xmlns:p="http://schemas.openxmlformats.org/presentationml/2006/main">
+<p:sld xmlns:a="http://schemas.openxmlformats.org/drawingml/2006/main" xmlns:r="http://schemas.openxmlformats.org/officeDocument/2006/relationships" xmlns:p="http://schemas.openxmlformats.org/presentationml/2006/main" show="0">
   <p:cSld>
     <p:spTree>
       <p:nvGrpSpPr>
@@ -8322,7 +8326,7 @@
         <p:spPr/>
         <p:txBody>
           <a:bodyPr>
-            <a:normAutofit lnSpcReduction="10000"/>
+            <a:normAutofit/>
           </a:bodyPr>
           <a:lstStyle/>
           <a:p>
@@ -8419,7 +8423,7 @@
                 <a:effectLst/>
                 <a:latin typeface="Söhne"/>
               </a:rPr>
-              <a:t>: These UML diagrams aid in decomposing the system, defining component structure and interactions, serving as a blueprint for developers during implementation to ensure meeting requirements and design goals.</a:t>
+              <a:t>: These UML diagrams serve as a blueprint for developers during implementation to ensure meeting requirements and design goals.</a:t>
             </a:r>
             <a:endParaRPr lang="en-US" dirty="0"/>
           </a:p>
@@ -9394,36 +9398,6 @@
           </a:p>
         </p:txBody>
       </p:sp>
-      <p:pic>
-        <p:nvPicPr>
-          <p:cNvPr id="8" name="Picture 7" descr="A diagram of a pill&#10;&#10;Description automatically generated">
-            <a:extLst>
-              <a:ext uri="{FF2B5EF4-FFF2-40B4-BE49-F238E27FC236}">
-                <a16:creationId xmlns:a16="http://schemas.microsoft.com/office/drawing/2014/main" id="{ADC651BD-089B-B4B1-69BF-8761B18BFC83}"/>
-              </a:ext>
-            </a:extLst>
-          </p:cNvPr>
-          <p:cNvPicPr>
-            <a:picLocks noChangeAspect="1"/>
-          </p:cNvPicPr>
-          <p:nvPr/>
-        </p:nvPicPr>
-        <p:blipFill>
-          <a:blip r:embed="rId3"/>
-          <a:stretch>
-            <a:fillRect/>
-          </a:stretch>
-        </p:blipFill>
-        <p:spPr>
-          <a:xfrm>
-            <a:off x="6704377" y="711451"/>
-            <a:ext cx="5043420" cy="2686445"/>
-          </a:xfrm>
-          <a:prstGeom prst="rect">
-            <a:avLst/>
-          </a:prstGeom>
-        </p:spPr>
-      </p:pic>
       <p:sp>
         <p:nvSpPr>
           <p:cNvPr id="9" name="TextBox 8">
@@ -9534,6 +9508,390 @@
           </a:p>
         </p:txBody>
       </p:sp>
+      <p:pic>
+        <p:nvPicPr>
+          <p:cNvPr id="3" name="Google Shape;303;p18" descr="Why Encapsulation? | Java tutorial, Reading data, New students">
+            <a:extLst>
+              <a:ext uri="{FF2B5EF4-FFF2-40B4-BE49-F238E27FC236}">
+                <a16:creationId xmlns:a16="http://schemas.microsoft.com/office/drawing/2014/main" id="{04B98C48-8AFE-AD06-9924-9CD60A3DCD98}"/>
+              </a:ext>
+            </a:extLst>
+          </p:cNvPr>
+          <p:cNvPicPr preferRelativeResize="0"/>
+          <p:nvPr/>
+        </p:nvPicPr>
+        <p:blipFill rotWithShape="1">
+          <a:blip r:embed="rId3">
+            <a:alphaModFix/>
+          </a:blip>
+          <a:srcRect l="22055" t="8381" r="62234" b="12880"/>
+          <a:stretch/>
+        </p:blipFill>
+        <p:spPr>
+          <a:xfrm rot="10800000">
+            <a:off x="8209016" y="621513"/>
+            <a:ext cx="715120" cy="2620948"/>
+          </a:xfrm>
+          <a:prstGeom prst="rect">
+            <a:avLst/>
+          </a:prstGeom>
+          <a:noFill/>
+          <a:ln>
+            <a:noFill/>
+          </a:ln>
+        </p:spPr>
+      </p:pic>
+      <p:pic>
+        <p:nvPicPr>
+          <p:cNvPr id="11" name="Google Shape;303;p18" descr="Why Encapsulation? | Java tutorial, Reading data, New students">
+            <a:extLst>
+              <a:ext uri="{FF2B5EF4-FFF2-40B4-BE49-F238E27FC236}">
+                <a16:creationId xmlns:a16="http://schemas.microsoft.com/office/drawing/2014/main" id="{D85C7B7D-1C0D-03A2-036F-EF3BEA04D83C}"/>
+              </a:ext>
+            </a:extLst>
+          </p:cNvPr>
+          <p:cNvPicPr preferRelativeResize="0"/>
+          <p:nvPr/>
+        </p:nvPicPr>
+        <p:blipFill rotWithShape="1">
+          <a:blip r:embed="rId3">
+            <a:alphaModFix/>
+          </a:blip>
+          <a:srcRect l="2954" t="8701" r="77859" b="12561"/>
+          <a:stretch/>
+        </p:blipFill>
+        <p:spPr>
+          <a:xfrm>
+            <a:off x="7011559" y="708404"/>
+            <a:ext cx="1131597" cy="2549146"/>
+          </a:xfrm>
+          <a:prstGeom prst="rect">
+            <a:avLst/>
+          </a:prstGeom>
+          <a:noFill/>
+          <a:ln>
+            <a:noFill/>
+          </a:ln>
+        </p:spPr>
+      </p:pic>
+      <p:grpSp>
+        <p:nvGrpSpPr>
+          <p:cNvPr id="12" name="Group 11">
+            <a:extLst>
+              <a:ext uri="{FF2B5EF4-FFF2-40B4-BE49-F238E27FC236}">
+                <a16:creationId xmlns:a16="http://schemas.microsoft.com/office/drawing/2014/main" id="{D9D715CF-1F72-0FE4-5790-DD7748E91A5C}"/>
+              </a:ext>
+            </a:extLst>
+          </p:cNvPr>
+          <p:cNvGrpSpPr/>
+          <p:nvPr/>
+        </p:nvGrpSpPr>
+        <p:grpSpPr>
+          <a:xfrm>
+            <a:off x="10469716" y="708404"/>
+            <a:ext cx="1592874" cy="2549146"/>
+            <a:chOff x="6341165" y="2186609"/>
+            <a:chExt cx="2296297" cy="3240157"/>
+          </a:xfrm>
+        </p:grpSpPr>
+        <p:pic>
+          <p:nvPicPr>
+            <p:cNvPr id="13" name="Google Shape;303;p18" descr="Why Encapsulation? | Java tutorial, Reading data, New students">
+              <a:extLst>
+                <a:ext uri="{FF2B5EF4-FFF2-40B4-BE49-F238E27FC236}">
+                  <a16:creationId xmlns:a16="http://schemas.microsoft.com/office/drawing/2014/main" id="{385FC6A1-5C29-97A1-00F6-3B7AB131C24F}"/>
+                </a:ext>
+              </a:extLst>
+            </p:cNvPr>
+            <p:cNvPicPr preferRelativeResize="0"/>
+            <p:nvPr/>
+          </p:nvPicPr>
+          <p:blipFill rotWithShape="1">
+            <a:blip r:embed="rId3">
+              <a:alphaModFix/>
+            </a:blip>
+            <a:srcRect l="64654" t="9474" r="4264" b="12505"/>
+            <a:stretch/>
+          </p:blipFill>
+          <p:spPr>
+            <a:xfrm>
+              <a:off x="6415501" y="2186609"/>
+              <a:ext cx="2221961" cy="3240157"/>
+            </a:xfrm>
+            <a:prstGeom prst="rect">
+              <a:avLst/>
+            </a:prstGeom>
+            <a:noFill/>
+            <a:ln>
+              <a:noFill/>
+            </a:ln>
+          </p:spPr>
+        </p:pic>
+        <p:sp>
+          <p:nvSpPr>
+            <p:cNvPr id="14" name="Oval 13">
+              <a:extLst>
+                <a:ext uri="{FF2B5EF4-FFF2-40B4-BE49-F238E27FC236}">
+                  <a16:creationId xmlns:a16="http://schemas.microsoft.com/office/drawing/2014/main" id="{4006E111-7E04-D302-11C7-7859F5144322}"/>
+                </a:ext>
+              </a:extLst>
+            </p:cNvPr>
+            <p:cNvSpPr/>
+            <p:nvPr/>
+          </p:nvSpPr>
+          <p:spPr>
+            <a:xfrm>
+              <a:off x="6341165" y="3130826"/>
+              <a:ext cx="248478" cy="387626"/>
+            </a:xfrm>
+            <a:prstGeom prst="ellipse">
+              <a:avLst/>
+            </a:prstGeom>
+            <a:solidFill>
+              <a:schemeClr val="bg1"/>
+            </a:solidFill>
+            <a:ln>
+              <a:noFill/>
+            </a:ln>
+          </p:spPr>
+          <p:style>
+            <a:lnRef idx="2">
+              <a:schemeClr val="accent1">
+                <a:shade val="50000"/>
+              </a:schemeClr>
+            </a:lnRef>
+            <a:fillRef idx="1">
+              <a:schemeClr val="accent1"/>
+            </a:fillRef>
+            <a:effectRef idx="0">
+              <a:schemeClr val="accent1"/>
+            </a:effectRef>
+            <a:fontRef idx="minor">
+              <a:schemeClr val="lt1"/>
+            </a:fontRef>
+          </p:style>
+          <p:txBody>
+            <a:bodyPr rtlCol="0" anchor="ctr"/>
+            <a:lstStyle/>
+            <a:p>
+              <a:pPr algn="ctr"/>
+              <a:endParaRPr lang="en-BE"/>
+            </a:p>
+          </p:txBody>
+        </p:sp>
+      </p:grpSp>
+      <p:grpSp>
+        <p:nvGrpSpPr>
+          <p:cNvPr id="15" name="Group 14">
+            <a:extLst>
+              <a:ext uri="{FF2B5EF4-FFF2-40B4-BE49-F238E27FC236}">
+                <a16:creationId xmlns:a16="http://schemas.microsoft.com/office/drawing/2014/main" id="{7A78D8DB-ED44-4C63-B9D2-25328442AF0C}"/>
+              </a:ext>
+            </a:extLst>
+          </p:cNvPr>
+          <p:cNvGrpSpPr/>
+          <p:nvPr/>
+        </p:nvGrpSpPr>
+        <p:grpSpPr>
+          <a:xfrm>
+            <a:off x="9004479" y="695921"/>
+            <a:ext cx="1658734" cy="1195114"/>
+            <a:chOff x="5336171" y="4604739"/>
+            <a:chExt cx="2187751" cy="1584420"/>
+          </a:xfrm>
+        </p:grpSpPr>
+        <p:pic>
+          <p:nvPicPr>
+            <p:cNvPr id="16" name="Google Shape;303;p18" descr="Why Encapsulation? | Java tutorial, Reading data, New students">
+              <a:extLst>
+                <a:ext uri="{FF2B5EF4-FFF2-40B4-BE49-F238E27FC236}">
+                  <a16:creationId xmlns:a16="http://schemas.microsoft.com/office/drawing/2014/main" id="{6F0DA4CF-3A46-0280-A931-653CEDEFC705}"/>
+                </a:ext>
+              </a:extLst>
+            </p:cNvPr>
+            <p:cNvPicPr preferRelativeResize="0"/>
+            <p:nvPr/>
+          </p:nvPicPr>
+          <p:blipFill rotWithShape="1">
+            <a:blip r:embed="rId3">
+              <a:alphaModFix/>
+            </a:blip>
+            <a:srcRect l="38137" t="49351" r="32474" b="12497"/>
+            <a:stretch/>
+          </p:blipFill>
+          <p:spPr>
+            <a:xfrm>
+              <a:off x="5336171" y="4604739"/>
+              <a:ext cx="2100886" cy="1584420"/>
+            </a:xfrm>
+            <a:prstGeom prst="rect">
+              <a:avLst/>
+            </a:prstGeom>
+            <a:noFill/>
+            <a:ln>
+              <a:noFill/>
+            </a:ln>
+          </p:spPr>
+        </p:pic>
+        <p:sp>
+          <p:nvSpPr>
+            <p:cNvPr id="17" name="Oval 16">
+              <a:extLst>
+                <a:ext uri="{FF2B5EF4-FFF2-40B4-BE49-F238E27FC236}">
+                  <a16:creationId xmlns:a16="http://schemas.microsoft.com/office/drawing/2014/main" id="{3DFFE06C-23B5-8538-CCED-09472668FA95}"/>
+                </a:ext>
+              </a:extLst>
+            </p:cNvPr>
+            <p:cNvSpPr/>
+            <p:nvPr/>
+          </p:nvSpPr>
+          <p:spPr>
+            <a:xfrm>
+              <a:off x="7178850" y="5983357"/>
+              <a:ext cx="345072" cy="205802"/>
+            </a:xfrm>
+            <a:prstGeom prst="ellipse">
+              <a:avLst/>
+            </a:prstGeom>
+            <a:solidFill>
+              <a:schemeClr val="bg1"/>
+            </a:solidFill>
+            <a:ln>
+              <a:noFill/>
+            </a:ln>
+          </p:spPr>
+          <p:style>
+            <a:lnRef idx="2">
+              <a:schemeClr val="accent1">
+                <a:shade val="50000"/>
+              </a:schemeClr>
+            </a:lnRef>
+            <a:fillRef idx="1">
+              <a:schemeClr val="accent1"/>
+            </a:fillRef>
+            <a:effectRef idx="0">
+              <a:schemeClr val="accent1"/>
+            </a:effectRef>
+            <a:fontRef idx="minor">
+              <a:schemeClr val="lt1"/>
+            </a:fontRef>
+          </p:style>
+          <p:txBody>
+            <a:bodyPr rtlCol="0" anchor="ctr"/>
+            <a:lstStyle/>
+            <a:p>
+              <a:pPr algn="ctr"/>
+              <a:endParaRPr lang="en-BE"/>
+            </a:p>
+          </p:txBody>
+        </p:sp>
+      </p:grpSp>
+      <p:grpSp>
+        <p:nvGrpSpPr>
+          <p:cNvPr id="18" name="Group 17">
+            <a:extLst>
+              <a:ext uri="{FF2B5EF4-FFF2-40B4-BE49-F238E27FC236}">
+                <a16:creationId xmlns:a16="http://schemas.microsoft.com/office/drawing/2014/main" id="{1E6A06AE-BB49-E816-DB02-99CD2F69A387}"/>
+              </a:ext>
+            </a:extLst>
+          </p:cNvPr>
+          <p:cNvGrpSpPr/>
+          <p:nvPr/>
+        </p:nvGrpSpPr>
+        <p:grpSpPr>
+          <a:xfrm>
+            <a:off x="9012691" y="2033967"/>
+            <a:ext cx="1674917" cy="1112625"/>
+            <a:chOff x="613116" y="2430027"/>
+            <a:chExt cx="2121383" cy="1625138"/>
+          </a:xfrm>
+        </p:grpSpPr>
+        <p:pic>
+          <p:nvPicPr>
+            <p:cNvPr id="19" name="Google Shape;303;p18" descr="Why Encapsulation? | Java tutorial, Reading data, New students">
+              <a:extLst>
+                <a:ext uri="{FF2B5EF4-FFF2-40B4-BE49-F238E27FC236}">
+                  <a16:creationId xmlns:a16="http://schemas.microsoft.com/office/drawing/2014/main" id="{8787AC48-7E6B-5676-98CD-5FC6C38A272B}"/>
+                </a:ext>
+              </a:extLst>
+            </p:cNvPr>
+            <p:cNvPicPr preferRelativeResize="0"/>
+            <p:nvPr/>
+          </p:nvPicPr>
+          <p:blipFill rotWithShape="1">
+            <a:blip r:embed="rId3">
+              <a:alphaModFix/>
+            </a:blip>
+            <a:srcRect l="38137" t="9483" r="32474" b="51385"/>
+            <a:stretch/>
+          </p:blipFill>
+          <p:spPr>
+            <a:xfrm>
+              <a:off x="613116" y="2430027"/>
+              <a:ext cx="2100886" cy="1625138"/>
+            </a:xfrm>
+            <a:prstGeom prst="rect">
+              <a:avLst/>
+            </a:prstGeom>
+            <a:noFill/>
+            <a:ln>
+              <a:noFill/>
+            </a:ln>
+          </p:spPr>
+        </p:pic>
+        <p:sp>
+          <p:nvSpPr>
+            <p:cNvPr id="20" name="Oval 19">
+              <a:extLst>
+                <a:ext uri="{FF2B5EF4-FFF2-40B4-BE49-F238E27FC236}">
+                  <a16:creationId xmlns:a16="http://schemas.microsoft.com/office/drawing/2014/main" id="{0F4953ED-C0D7-9BA3-7A98-2EF6F2E8CBA5}"/>
+                </a:ext>
+              </a:extLst>
+            </p:cNvPr>
+            <p:cNvSpPr/>
+            <p:nvPr/>
+          </p:nvSpPr>
+          <p:spPr>
+            <a:xfrm>
+              <a:off x="2389427" y="2453541"/>
+              <a:ext cx="345072" cy="205802"/>
+            </a:xfrm>
+            <a:prstGeom prst="ellipse">
+              <a:avLst/>
+            </a:prstGeom>
+            <a:solidFill>
+              <a:schemeClr val="bg1"/>
+            </a:solidFill>
+            <a:ln>
+              <a:noFill/>
+            </a:ln>
+          </p:spPr>
+          <p:style>
+            <a:lnRef idx="2">
+              <a:schemeClr val="accent1">
+                <a:shade val="50000"/>
+              </a:schemeClr>
+            </a:lnRef>
+            <a:fillRef idx="1">
+              <a:schemeClr val="accent1"/>
+            </a:fillRef>
+            <a:effectRef idx="0">
+              <a:schemeClr val="accent1"/>
+            </a:effectRef>
+            <a:fontRef idx="minor">
+              <a:schemeClr val="lt1"/>
+            </a:fontRef>
+          </p:style>
+          <p:txBody>
+            <a:bodyPr rtlCol="0" anchor="ctr"/>
+            <a:lstStyle/>
+            <a:p>
+              <a:pPr algn="ctr"/>
+              <a:endParaRPr lang="en-BE"/>
+            </a:p>
+          </p:txBody>
+        </p:sp>
+      </p:grpSp>
     </p:spTree>
     <p:extLst>
       <p:ext uri="{BB962C8B-B14F-4D97-AF65-F5344CB8AC3E}">
@@ -9544,6 +9902,292 @@
   <p:clrMapOvr>
     <a:masterClrMapping/>
   </p:clrMapOvr>
+  <p:timing>
+    <p:tnLst>
+      <p:par>
+        <p:cTn id="1" dur="indefinite" restart="never" nodeType="tmRoot">
+          <p:childTnLst>
+            <p:seq concurrent="1" nextAc="seek">
+              <p:cTn id="2" dur="indefinite" nodeType="mainSeq">
+                <p:childTnLst>
+                  <p:par>
+                    <p:cTn id="3" fill="hold">
+                      <p:stCondLst>
+                        <p:cond delay="indefinite"/>
+                      </p:stCondLst>
+                      <p:childTnLst>
+                        <p:par>
+                          <p:cTn id="4" fill="hold">
+                            <p:stCondLst>
+                              <p:cond delay="0"/>
+                            </p:stCondLst>
+                            <p:childTnLst>
+                              <p:par>
+                                <p:cTn id="5" presetID="9" presetClass="entr" presetSubtype="0" fill="hold" nodeType="clickEffect">
+                                  <p:stCondLst>
+                                    <p:cond delay="0"/>
+                                  </p:stCondLst>
+                                  <p:childTnLst>
+                                    <p:set>
+                                      <p:cBhvr>
+                                        <p:cTn id="6" dur="1" fill="hold">
+                                          <p:stCondLst>
+                                            <p:cond delay="0"/>
+                                          </p:stCondLst>
+                                        </p:cTn>
+                                        <p:tgtEl>
+                                          <p:spTgt spid="3"/>
+                                        </p:tgtEl>
+                                        <p:attrNameLst>
+                                          <p:attrName>style.visibility</p:attrName>
+                                        </p:attrNameLst>
+                                      </p:cBhvr>
+                                      <p:to>
+                                        <p:strVal val="visible"/>
+                                      </p:to>
+                                    </p:set>
+                                    <p:animEffect transition="in" filter="dissolve">
+                                      <p:cBhvr>
+                                        <p:cTn id="7" dur="500"/>
+                                        <p:tgtEl>
+                                          <p:spTgt spid="3"/>
+                                        </p:tgtEl>
+                                      </p:cBhvr>
+                                    </p:animEffect>
+                                  </p:childTnLst>
+                                </p:cTn>
+                              </p:par>
+                            </p:childTnLst>
+                          </p:cTn>
+                        </p:par>
+                      </p:childTnLst>
+                    </p:cTn>
+                  </p:par>
+                  <p:par>
+                    <p:cTn id="8" fill="hold">
+                      <p:stCondLst>
+                        <p:cond delay="indefinite"/>
+                      </p:stCondLst>
+                      <p:childTnLst>
+                        <p:par>
+                          <p:cTn id="9" fill="hold">
+                            <p:stCondLst>
+                              <p:cond delay="0"/>
+                            </p:stCondLst>
+                            <p:childTnLst>
+                              <p:par>
+                                <p:cTn id="10" presetID="9" presetClass="entr" presetSubtype="0" fill="hold" nodeType="clickEffect">
+                                  <p:stCondLst>
+                                    <p:cond delay="0"/>
+                                  </p:stCondLst>
+                                  <p:childTnLst>
+                                    <p:set>
+                                      <p:cBhvr>
+                                        <p:cTn id="11" dur="1" fill="hold">
+                                          <p:stCondLst>
+                                            <p:cond delay="0"/>
+                                          </p:stCondLst>
+                                        </p:cTn>
+                                        <p:tgtEl>
+                                          <p:spTgt spid="12"/>
+                                        </p:tgtEl>
+                                        <p:attrNameLst>
+                                          <p:attrName>style.visibility</p:attrName>
+                                        </p:attrNameLst>
+                                      </p:cBhvr>
+                                      <p:to>
+                                        <p:strVal val="visible"/>
+                                      </p:to>
+                                    </p:set>
+                                    <p:animEffect transition="in" filter="dissolve">
+                                      <p:cBhvr>
+                                        <p:cTn id="12" dur="500"/>
+                                        <p:tgtEl>
+                                          <p:spTgt spid="12"/>
+                                        </p:tgtEl>
+                                      </p:cBhvr>
+                                    </p:animEffect>
+                                  </p:childTnLst>
+                                </p:cTn>
+                              </p:par>
+                            </p:childTnLst>
+                          </p:cTn>
+                        </p:par>
+                        <p:par>
+                          <p:cTn id="13" fill="hold">
+                            <p:stCondLst>
+                              <p:cond delay="500"/>
+                            </p:stCondLst>
+                            <p:childTnLst>
+                              <p:par>
+                                <p:cTn id="14" presetID="9" presetClass="entr" presetSubtype="0" fill="hold" nodeType="afterEffect">
+                                  <p:stCondLst>
+                                    <p:cond delay="0"/>
+                                  </p:stCondLst>
+                                  <p:childTnLst>
+                                    <p:set>
+                                      <p:cBhvr>
+                                        <p:cTn id="15" dur="1" fill="hold">
+                                          <p:stCondLst>
+                                            <p:cond delay="0"/>
+                                          </p:stCondLst>
+                                        </p:cTn>
+                                        <p:tgtEl>
+                                          <p:spTgt spid="11"/>
+                                        </p:tgtEl>
+                                        <p:attrNameLst>
+                                          <p:attrName>style.visibility</p:attrName>
+                                        </p:attrNameLst>
+                                      </p:cBhvr>
+                                      <p:to>
+                                        <p:strVal val="visible"/>
+                                      </p:to>
+                                    </p:set>
+                                    <p:animEffect transition="in" filter="dissolve">
+                                      <p:cBhvr>
+                                        <p:cTn id="16" dur="500"/>
+                                        <p:tgtEl>
+                                          <p:spTgt spid="11"/>
+                                        </p:tgtEl>
+                                      </p:cBhvr>
+                                    </p:animEffect>
+                                  </p:childTnLst>
+                                </p:cTn>
+                              </p:par>
+                            </p:childTnLst>
+                          </p:cTn>
+                        </p:par>
+                      </p:childTnLst>
+                    </p:cTn>
+                  </p:par>
+                  <p:par>
+                    <p:cTn id="17" fill="hold">
+                      <p:stCondLst>
+                        <p:cond delay="indefinite"/>
+                      </p:stCondLst>
+                      <p:childTnLst>
+                        <p:par>
+                          <p:cTn id="18" fill="hold">
+                            <p:stCondLst>
+                              <p:cond delay="0"/>
+                            </p:stCondLst>
+                            <p:childTnLst>
+                              <p:par>
+                                <p:cTn id="19" presetID="9" presetClass="entr" presetSubtype="0" fill="hold" nodeType="clickEffect">
+                                  <p:stCondLst>
+                                    <p:cond delay="0"/>
+                                  </p:stCondLst>
+                                  <p:childTnLst>
+                                    <p:set>
+                                      <p:cBhvr>
+                                        <p:cTn id="20" dur="1" fill="hold">
+                                          <p:stCondLst>
+                                            <p:cond delay="0"/>
+                                          </p:stCondLst>
+                                        </p:cTn>
+                                        <p:tgtEl>
+                                          <p:spTgt spid="15"/>
+                                        </p:tgtEl>
+                                        <p:attrNameLst>
+                                          <p:attrName>style.visibility</p:attrName>
+                                        </p:attrNameLst>
+                                      </p:cBhvr>
+                                      <p:to>
+                                        <p:strVal val="visible"/>
+                                      </p:to>
+                                    </p:set>
+                                    <p:animEffect transition="in" filter="dissolve">
+                                      <p:cBhvr>
+                                        <p:cTn id="21" dur="500"/>
+                                        <p:tgtEl>
+                                          <p:spTgt spid="15"/>
+                                        </p:tgtEl>
+                                      </p:cBhvr>
+                                    </p:animEffect>
+                                  </p:childTnLst>
+                                </p:cTn>
+                              </p:par>
+                            </p:childTnLst>
+                          </p:cTn>
+                        </p:par>
+                      </p:childTnLst>
+                    </p:cTn>
+                  </p:par>
+                  <p:par>
+                    <p:cTn id="22" fill="hold">
+                      <p:stCondLst>
+                        <p:cond delay="indefinite"/>
+                      </p:stCondLst>
+                      <p:childTnLst>
+                        <p:par>
+                          <p:cTn id="23" fill="hold">
+                            <p:stCondLst>
+                              <p:cond delay="0"/>
+                            </p:stCondLst>
+                            <p:childTnLst>
+                              <p:par>
+                                <p:cTn id="24" presetID="9" presetClass="entr" presetSubtype="0" fill="hold" nodeType="clickEffect">
+                                  <p:stCondLst>
+                                    <p:cond delay="0"/>
+                                  </p:stCondLst>
+                                  <p:childTnLst>
+                                    <p:set>
+                                      <p:cBhvr>
+                                        <p:cTn id="25" dur="1" fill="hold">
+                                          <p:stCondLst>
+                                            <p:cond delay="0"/>
+                                          </p:stCondLst>
+                                        </p:cTn>
+                                        <p:tgtEl>
+                                          <p:spTgt spid="18"/>
+                                        </p:tgtEl>
+                                        <p:attrNameLst>
+                                          <p:attrName>style.visibility</p:attrName>
+                                        </p:attrNameLst>
+                                      </p:cBhvr>
+                                      <p:to>
+                                        <p:strVal val="visible"/>
+                                      </p:to>
+                                    </p:set>
+                                    <p:animEffect transition="in" filter="dissolve">
+                                      <p:cBhvr>
+                                        <p:cTn id="26" dur="500"/>
+                                        <p:tgtEl>
+                                          <p:spTgt spid="18"/>
+                                        </p:tgtEl>
+                                      </p:cBhvr>
+                                    </p:animEffect>
+                                  </p:childTnLst>
+                                </p:cTn>
+                              </p:par>
+                            </p:childTnLst>
+                          </p:cTn>
+                        </p:par>
+                      </p:childTnLst>
+                    </p:cTn>
+                  </p:par>
+                </p:childTnLst>
+              </p:cTn>
+              <p:prevCondLst>
+                <p:cond evt="onPrev" delay="0">
+                  <p:tgtEl>
+                    <p:sldTgt/>
+                  </p:tgtEl>
+                </p:cond>
+              </p:prevCondLst>
+              <p:nextCondLst>
+                <p:cond evt="onNext" delay="0">
+                  <p:tgtEl>
+                    <p:sldTgt/>
+                  </p:tgtEl>
+                </p:cond>
+              </p:nextCondLst>
+            </p:seq>
+          </p:childTnLst>
+        </p:cTn>
+      </p:par>
+    </p:tnLst>
+  </p:timing>
 </p:sld>
 </file>
 
@@ -9785,12 +10429,6 @@
           </a:p>
           <a:p>
             <a:r>
-              <a:rPr lang="en-BE" dirty="0"/>
-              <a:t>Meetings -  you should have a balance of online/physical meetings</a:t>
-            </a:r>
-          </a:p>
-          <a:p>
-            <a:r>
               <a:rPr lang="en-US" dirty="0"/>
               <a:t>After next week, aim for at least two meetings per week</a:t>
             </a:r>
@@ -9805,110 +10443,6 @@
           </a:p>
         </p:txBody>
       </p:sp>
-      <p:pic>
-        <p:nvPicPr>
-          <p:cNvPr id="5" name="Picture 4" descr="A close-up of a document&#10;&#10;Description automatically generated">
-            <a:extLst>
-              <a:ext uri="{FF2B5EF4-FFF2-40B4-BE49-F238E27FC236}">
-                <a16:creationId xmlns:a16="http://schemas.microsoft.com/office/drawing/2014/main" id="{496B0F4F-D3E2-E1E9-B1B3-DAA6E10107CA}"/>
-              </a:ext>
-            </a:extLst>
-          </p:cNvPr>
-          <p:cNvPicPr>
-            <a:picLocks noChangeAspect="1"/>
-          </p:cNvPicPr>
-          <p:nvPr/>
-        </p:nvPicPr>
-        <p:blipFill rotWithShape="1">
-          <a:blip r:embed="rId2"/>
-          <a:srcRect b="61522"/>
-          <a:stretch/>
-        </p:blipFill>
-        <p:spPr>
-          <a:xfrm>
-            <a:off x="6272213" y="5064918"/>
-            <a:ext cx="5320724" cy="1427957"/>
-          </a:xfrm>
-          <a:prstGeom prst="rect">
-            <a:avLst/>
-          </a:prstGeom>
-          <a:ln>
-            <a:solidFill>
-              <a:schemeClr val="tx1"/>
-            </a:solidFill>
-          </a:ln>
-        </p:spPr>
-      </p:pic>
-      <p:sp>
-        <p:nvSpPr>
-          <p:cNvPr id="6" name="TextBox 5">
-            <a:extLst>
-              <a:ext uri="{FF2B5EF4-FFF2-40B4-BE49-F238E27FC236}">
-                <a16:creationId xmlns:a16="http://schemas.microsoft.com/office/drawing/2014/main" id="{4B29901C-B491-AF33-8033-1B22D357FE8B}"/>
-              </a:ext>
-            </a:extLst>
-          </p:cNvPr>
-          <p:cNvSpPr txBox="1"/>
-          <p:nvPr/>
-        </p:nvSpPr>
-        <p:spPr>
-          <a:xfrm>
-            <a:off x="4799813" y="4560649"/>
-            <a:ext cx="2592373" cy="369332"/>
-          </a:xfrm>
-          <a:prstGeom prst="rect">
-            <a:avLst/>
-          </a:prstGeom>
-          <a:noFill/>
-        </p:spPr>
-        <p:txBody>
-          <a:bodyPr wrap="square" rtlCol="0">
-            <a:spAutoFit/>
-          </a:bodyPr>
-          <a:lstStyle/>
-          <a:p>
-            <a:r>
-              <a:rPr lang="en-US" dirty="0"/>
-              <a:t>Design Portfolio I changes</a:t>
-            </a:r>
-          </a:p>
-        </p:txBody>
-      </p:sp>
-      <p:pic>
-        <p:nvPicPr>
-          <p:cNvPr id="8" name="Picture 7" descr="A close-up of a document&#10;&#10;Description automatically generated">
-            <a:extLst>
-              <a:ext uri="{FF2B5EF4-FFF2-40B4-BE49-F238E27FC236}">
-                <a16:creationId xmlns:a16="http://schemas.microsoft.com/office/drawing/2014/main" id="{515AF8E0-D396-94E8-BDEF-484D5BC26CDC}"/>
-              </a:ext>
-            </a:extLst>
-          </p:cNvPr>
-          <p:cNvPicPr>
-            <a:picLocks noChangeAspect="1"/>
-          </p:cNvPicPr>
-          <p:nvPr/>
-        </p:nvPicPr>
-        <p:blipFill>
-          <a:blip r:embed="rId3"/>
-          <a:stretch>
-            <a:fillRect/>
-          </a:stretch>
-        </p:blipFill>
-        <p:spPr>
-          <a:xfrm>
-            <a:off x="599062" y="5064918"/>
-            <a:ext cx="5295341" cy="1427957"/>
-          </a:xfrm>
-          <a:prstGeom prst="rect">
-            <a:avLst/>
-          </a:prstGeom>
-          <a:ln>
-            <a:solidFill>
-              <a:schemeClr val="tx1"/>
-            </a:solidFill>
-          </a:ln>
-        </p:spPr>
-      </p:pic>
     </p:spTree>
     <p:extLst>
       <p:ext uri="{BB962C8B-B14F-4D97-AF65-F5344CB8AC3E}">
@@ -11612,7 +12146,7 @@
       </p:par>
     </p:tnLst>
     <p:bldLst>
-      <p:bldP spid="2" grpId="0"/>
+      <p:bldP spid="2" grpId="0" animBg="1"/>
     </p:bldLst>
   </p:timing>
 </p:sld>
@@ -11700,7 +12234,7 @@
         </p:blipFill>
         <p:spPr bwMode="auto">
           <a:xfrm>
-            <a:off x="2432594" y="3425110"/>
+            <a:off x="2432594" y="3318233"/>
             <a:ext cx="6908800" cy="3098800"/>
           </a:xfrm>
           <a:prstGeom prst="rect">
@@ -11732,7 +12266,7 @@
         </p:nvSpPr>
         <p:spPr>
           <a:xfrm>
-            <a:off x="2432594" y="2948067"/>
+            <a:off x="2432594" y="2841190"/>
             <a:ext cx="7024915" cy="461665"/>
           </a:xfrm>
           <a:prstGeom prst="rect">
@@ -11774,7 +12308,7 @@
         </p:nvCxnSpPr>
         <p:spPr>
           <a:xfrm>
-            <a:off x="2834640" y="3425110"/>
+            <a:off x="2834640" y="3318233"/>
             <a:ext cx="365760" cy="661126"/>
           </a:xfrm>
           <a:prstGeom prst="straightConnector1">
@@ -11816,7 +12350,7 @@
         </p:nvCxnSpPr>
         <p:spPr>
           <a:xfrm>
-            <a:off x="2704011" y="3715786"/>
+            <a:off x="2704011" y="3608909"/>
             <a:ext cx="365760" cy="661126"/>
           </a:xfrm>
           <a:prstGeom prst="straightConnector1">
@@ -11860,7 +12394,7 @@
         </p:nvCxnSpPr>
         <p:spPr>
           <a:xfrm flipV="1">
-            <a:off x="3069771" y="4748379"/>
+            <a:off x="3069771" y="4641502"/>
             <a:ext cx="555172" cy="556693"/>
           </a:xfrm>
           <a:prstGeom prst="straightConnector1">
@@ -11904,7 +12438,7 @@
         </p:nvCxnSpPr>
         <p:spPr>
           <a:xfrm>
-            <a:off x="5238206" y="3755673"/>
+            <a:off x="5238206" y="3648796"/>
             <a:ext cx="185058" cy="777994"/>
           </a:xfrm>
           <a:prstGeom prst="straightConnector1">
@@ -11948,7 +12482,7 @@
         </p:nvCxnSpPr>
         <p:spPr>
           <a:xfrm>
-            <a:off x="7354751" y="3948798"/>
+            <a:off x="7354751" y="3841921"/>
             <a:ext cx="212637" cy="660008"/>
           </a:xfrm>
           <a:prstGeom prst="straightConnector1">
@@ -11992,7 +12526,7 @@
         </p:nvCxnSpPr>
         <p:spPr>
           <a:xfrm flipV="1">
-            <a:off x="7461069" y="5534036"/>
+            <a:off x="7461069" y="5427159"/>
             <a:ext cx="238444" cy="596348"/>
           </a:xfrm>
           <a:prstGeom prst="straightConnector1">
@@ -12067,6 +12601,176 @@
           </a:p>
         </p:txBody>
       </p:sp>
+      <p:grpSp>
+        <p:nvGrpSpPr>
+          <p:cNvPr id="9" name="Group 8">
+            <a:extLst>
+              <a:ext uri="{FF2B5EF4-FFF2-40B4-BE49-F238E27FC236}">
+                <a16:creationId xmlns:a16="http://schemas.microsoft.com/office/drawing/2014/main" id="{25E248D7-9EDE-39D2-2B89-AED84F9610E3}"/>
+              </a:ext>
+            </a:extLst>
+          </p:cNvPr>
+          <p:cNvGrpSpPr/>
+          <p:nvPr/>
+        </p:nvGrpSpPr>
+        <p:grpSpPr>
+          <a:xfrm>
+            <a:off x="696688" y="3941936"/>
+            <a:ext cx="889000" cy="1794858"/>
+            <a:chOff x="696688" y="3941936"/>
+            <a:chExt cx="889000" cy="1794858"/>
+          </a:xfrm>
+        </p:grpSpPr>
+        <p:pic>
+          <p:nvPicPr>
+            <p:cNvPr id="1028" name="Picture 4" descr="Transfer Arrows Vector Art, Icons, and Graphics for Free Download">
+              <a:extLst>
+                <a:ext uri="{FF2B5EF4-FFF2-40B4-BE49-F238E27FC236}">
+                  <a16:creationId xmlns:a16="http://schemas.microsoft.com/office/drawing/2014/main" id="{21DFFB47-108C-C626-00E1-CDAF5242C922}"/>
+                </a:ext>
+              </a:extLst>
+            </p:cNvPr>
+            <p:cNvPicPr>
+              <a:picLocks noChangeAspect="1" noChangeArrowheads="1"/>
+            </p:cNvPicPr>
+            <p:nvPr/>
+          </p:nvPicPr>
+          <p:blipFill rotWithShape="1">
+            <a:blip r:embed="rId4">
+              <a:extLst>
+                <a:ext uri="{28A0092B-C50C-407E-A947-70E740481C1C}">
+                  <a14:useLocalDpi xmlns:a14="http://schemas.microsoft.com/office/drawing/2010/main" val="0"/>
+                </a:ext>
+              </a:extLst>
+            </a:blip>
+            <a:srcRect l="10809" t="17656" r="11718" b="18413"/>
+            <a:stretch/>
+          </p:blipFill>
+          <p:spPr bwMode="auto">
+            <a:xfrm rot="16200000">
+              <a:off x="832657" y="4443494"/>
+              <a:ext cx="545459" cy="242990"/>
+            </a:xfrm>
+            <a:prstGeom prst="rect">
+              <a:avLst/>
+            </a:prstGeom>
+            <a:noFill/>
+            <a:extLst>
+              <a:ext uri="{909E8E84-426E-40DD-AFC4-6F175D3DCCD1}">
+                <a14:hiddenFill xmlns:a14="http://schemas.microsoft.com/office/drawing/2010/main">
+                  <a:solidFill>
+                    <a:srgbClr val="FFFFFF"/>
+                  </a:solidFill>
+                </a14:hiddenFill>
+              </a:ext>
+            </a:extLst>
+          </p:spPr>
+        </p:pic>
+        <p:pic>
+          <p:nvPicPr>
+            <p:cNvPr id="6" name="Picture 5">
+              <a:extLst>
+                <a:ext uri="{FF2B5EF4-FFF2-40B4-BE49-F238E27FC236}">
+                  <a16:creationId xmlns:a16="http://schemas.microsoft.com/office/drawing/2014/main" id="{C1C7629F-4B5D-61B0-EB56-7F9ECBE55B78}"/>
+                </a:ext>
+              </a:extLst>
+            </p:cNvPr>
+            <p:cNvPicPr>
+              <a:picLocks noChangeAspect="1"/>
+            </p:cNvPicPr>
+            <p:nvPr/>
+          </p:nvPicPr>
+          <p:blipFill>
+            <a:blip r:embed="rId5"/>
+            <a:stretch>
+              <a:fillRect/>
+            </a:stretch>
+          </p:blipFill>
+          <p:spPr>
+            <a:xfrm>
+              <a:off x="696688" y="3941936"/>
+              <a:ext cx="889000" cy="292100"/>
+            </a:xfrm>
+            <a:prstGeom prst="rect">
+              <a:avLst/>
+            </a:prstGeom>
+          </p:spPr>
+        </p:pic>
+        <p:pic>
+          <p:nvPicPr>
+            <p:cNvPr id="8" name="Picture 7" descr="A black cross with a white background&#10;&#10;Description automatically generated">
+              <a:extLst>
+                <a:ext uri="{FF2B5EF4-FFF2-40B4-BE49-F238E27FC236}">
+                  <a16:creationId xmlns:a16="http://schemas.microsoft.com/office/drawing/2014/main" id="{57F26E31-77F1-16AD-213C-76910116D127}"/>
+                </a:ext>
+              </a:extLst>
+            </p:cNvPr>
+            <p:cNvPicPr>
+              <a:picLocks noChangeAspect="1"/>
+            </p:cNvPicPr>
+            <p:nvPr/>
+          </p:nvPicPr>
+          <p:blipFill>
+            <a:blip r:embed="rId6"/>
+            <a:stretch>
+              <a:fillRect/>
+            </a:stretch>
+          </p:blipFill>
+          <p:spPr>
+            <a:xfrm>
+              <a:off x="965678" y="4947001"/>
+              <a:ext cx="351019" cy="789793"/>
+            </a:xfrm>
+            <a:prstGeom prst="rect">
+              <a:avLst/>
+            </a:prstGeom>
+          </p:spPr>
+        </p:pic>
+      </p:grpSp>
+      <p:cxnSp>
+        <p:nvCxnSpPr>
+          <p:cNvPr id="10" name="Straight Arrow Connector 9">
+            <a:extLst>
+              <a:ext uri="{FF2B5EF4-FFF2-40B4-BE49-F238E27FC236}">
+                <a16:creationId xmlns:a16="http://schemas.microsoft.com/office/drawing/2014/main" id="{BEEFDBAF-1DDE-B89D-94C0-DE326F887A94}"/>
+              </a:ext>
+            </a:extLst>
+          </p:cNvPr>
+          <p:cNvCxnSpPr>
+            <a:cxnSpLocks/>
+          </p:cNvCxnSpPr>
+          <p:nvPr/>
+        </p:nvCxnSpPr>
+        <p:spPr>
+          <a:xfrm flipV="1">
+            <a:off x="3228135" y="5925116"/>
+            <a:ext cx="238444" cy="596348"/>
+          </a:xfrm>
+          <a:prstGeom prst="straightConnector1">
+            <a:avLst/>
+          </a:prstGeom>
+          <a:ln w="57150">
+            <a:solidFill>
+              <a:srgbClr val="C00000"/>
+            </a:solidFill>
+            <a:tailEnd type="triangle"/>
+          </a:ln>
+        </p:spPr>
+        <p:style>
+          <a:lnRef idx="1">
+            <a:schemeClr val="accent1"/>
+          </a:lnRef>
+          <a:fillRef idx="0">
+            <a:schemeClr val="accent1"/>
+          </a:fillRef>
+          <a:effectRef idx="0">
+            <a:schemeClr val="accent1"/>
+          </a:effectRef>
+          <a:fontRef idx="minor">
+            <a:schemeClr val="tx1"/>
+          </a:fontRef>
+        </p:style>
+      </p:cxnSp>
     </p:spTree>
     <p:extLst>
       <p:ext uri="{BB962C8B-B14F-4D97-AF65-F5344CB8AC3E}">
@@ -12170,7 +12874,7 @@
                             </p:stCondLst>
                             <p:childTnLst>
                               <p:par>
-                                <p:cTn id="11" presetID="9" presetClass="entr" presetSubtype="0" fill="hold" nodeType="clickEffect">
+                                <p:cTn id="11" presetID="1" presetClass="entr" presetSubtype="0" fill="hold" nodeType="clickEffect">
                                   <p:stCondLst>
                                     <p:cond delay="0"/>
                                   </p:stCondLst>
@@ -12178,6 +12882,51 @@
                                     <p:set>
                                       <p:cBhvr>
                                         <p:cTn id="12" dur="1" fill="hold">
+                                          <p:stCondLst>
+                                            <p:cond delay="0"/>
+                                          </p:stCondLst>
+                                        </p:cTn>
+                                        <p:tgtEl>
+                                          <p:spTgt spid="9"/>
+                                        </p:tgtEl>
+                                        <p:attrNameLst>
+                                          <p:attrName>style.visibility</p:attrName>
+                                        </p:attrNameLst>
+                                      </p:cBhvr>
+                                      <p:to>
+                                        <p:strVal val="visible"/>
+                                      </p:to>
+                                    </p:set>
+                                  </p:childTnLst>
+                                </p:cTn>
+                              </p:par>
+                            </p:childTnLst>
+                          </p:cTn>
+                        </p:par>
+                      </p:childTnLst>
+                    </p:cTn>
+                  </p:par>
+                  <p:par>
+                    <p:cTn id="13" fill="hold">
+                      <p:stCondLst>
+                        <p:cond delay="indefinite"/>
+                      </p:stCondLst>
+                      <p:childTnLst>
+                        <p:par>
+                          <p:cTn id="14" fill="hold">
+                            <p:stCondLst>
+                              <p:cond delay="0"/>
+                            </p:stCondLst>
+                            <p:childTnLst>
+                              <p:par>
+                                <p:cTn id="15" presetID="9" presetClass="entr" presetSubtype="0" fill="hold" nodeType="clickEffect">
+                                  <p:stCondLst>
+                                    <p:cond delay="0"/>
+                                  </p:stCondLst>
+                                  <p:childTnLst>
+                                    <p:set>
+                                      <p:cBhvr>
+                                        <p:cTn id="16" dur="1" fill="hold">
                                           <p:stCondLst>
                                             <p:cond delay="0"/>
                                           </p:stCondLst>
@@ -12195,7 +12944,7 @@
                                     </p:set>
                                     <p:animEffect transition="in" filter="dissolve">
                                       <p:cBhvr>
-                                        <p:cTn id="13" dur="500"/>
+                                        <p:cTn id="17" dur="500"/>
                                         <p:tgtEl>
                                           <p:spTgt spid="54"/>
                                         </p:tgtEl>
@@ -12211,26 +12960,26 @@
                     </p:cTn>
                   </p:par>
                   <p:par>
-                    <p:cTn id="14" fill="hold">
+                    <p:cTn id="18" fill="hold">
                       <p:stCondLst>
                         <p:cond delay="indefinite"/>
                       </p:stCondLst>
                       <p:childTnLst>
                         <p:par>
-                          <p:cTn id="15" fill="hold">
+                          <p:cTn id="19" fill="hold">
                             <p:stCondLst>
                               <p:cond delay="0"/>
                             </p:stCondLst>
                             <p:childTnLst>
                               <p:par>
-                                <p:cTn id="16" presetID="9" presetClass="exit" presetSubtype="0" fill="hold" nodeType="clickEffect">
+                                <p:cTn id="20" presetID="9" presetClass="exit" presetSubtype="0" fill="hold" nodeType="clickEffect">
                                   <p:stCondLst>
                                     <p:cond delay="0"/>
                                   </p:stCondLst>
                                   <p:childTnLst>
                                     <p:animEffect transition="out" filter="dissolve">
                                       <p:cBhvr>
-                                        <p:cTn id="17" dur="500"/>
+                                        <p:cTn id="21" dur="500"/>
                                         <p:tgtEl>
                                           <p:spTgt spid="54"/>
                                         </p:tgtEl>
@@ -12238,7 +12987,7 @@
                                     </p:animEffect>
                                     <p:set>
                                       <p:cBhvr>
-                                        <p:cTn id="18" dur="1" fill="hold">
+                                        <p:cTn id="22" dur="1" fill="hold">
                                           <p:stCondLst>
                                             <p:cond delay="499"/>
                                           </p:stCondLst>
@@ -12258,14 +13007,14 @@
                                 </p:cTn>
                               </p:par>
                               <p:par>
-                                <p:cTn id="19" presetID="9" presetClass="entr" presetSubtype="0" fill="hold" nodeType="withEffect">
+                                <p:cTn id="23" presetID="9" presetClass="entr" presetSubtype="0" fill="hold" nodeType="withEffect">
                                   <p:stCondLst>
                                     <p:cond delay="0"/>
                                   </p:stCondLst>
                                   <p:childTnLst>
                                     <p:set>
                                       <p:cBhvr>
-                                        <p:cTn id="20" dur="1" fill="hold">
+                                        <p:cTn id="24" dur="1" fill="hold">
                                           <p:stCondLst>
                                             <p:cond delay="0"/>
                                           </p:stCondLst>
@@ -12283,7 +13032,7 @@
                                     </p:set>
                                     <p:animEffect transition="in" filter="dissolve">
                                       <p:cBhvr>
-                                        <p:cTn id="21" dur="500"/>
+                                        <p:cTn id="25" dur="500"/>
                                         <p:tgtEl>
                                           <p:spTgt spid="57"/>
                                         </p:tgtEl>
@@ -12299,26 +13048,26 @@
                     </p:cTn>
                   </p:par>
                   <p:par>
-                    <p:cTn id="22" fill="hold">
+                    <p:cTn id="26" fill="hold">
                       <p:stCondLst>
                         <p:cond delay="indefinite"/>
                       </p:stCondLst>
                       <p:childTnLst>
                         <p:par>
-                          <p:cTn id="23" fill="hold">
+                          <p:cTn id="27" fill="hold">
                             <p:stCondLst>
                               <p:cond delay="0"/>
                             </p:stCondLst>
                             <p:childTnLst>
                               <p:par>
-                                <p:cTn id="24" presetID="9" presetClass="exit" presetSubtype="0" fill="hold" nodeType="clickEffect">
+                                <p:cTn id="28" presetID="9" presetClass="exit" presetSubtype="0" fill="hold" nodeType="clickEffect">
                                   <p:stCondLst>
                                     <p:cond delay="0"/>
                                   </p:stCondLst>
                                   <p:childTnLst>
                                     <p:animEffect transition="out" filter="dissolve">
                                       <p:cBhvr>
-                                        <p:cTn id="25" dur="500"/>
+                                        <p:cTn id="29" dur="500"/>
                                         <p:tgtEl>
                                           <p:spTgt spid="57"/>
                                         </p:tgtEl>
@@ -12326,7 +13075,7 @@
                                     </p:animEffect>
                                     <p:set>
                                       <p:cBhvr>
-                                        <p:cTn id="26" dur="1" fill="hold">
+                                        <p:cTn id="30" dur="1" fill="hold">
                                           <p:stCondLst>
                                             <p:cond delay="499"/>
                                           </p:stCondLst>
@@ -12346,14 +13095,14 @@
                                 </p:cTn>
                               </p:par>
                               <p:par>
-                                <p:cTn id="27" presetID="9" presetClass="entr" presetSubtype="0" fill="hold" nodeType="withEffect">
+                                <p:cTn id="31" presetID="9" presetClass="entr" presetSubtype="0" fill="hold" nodeType="withEffect">
                                   <p:stCondLst>
                                     <p:cond delay="0"/>
                                   </p:stCondLst>
                                   <p:childTnLst>
                                     <p:set>
                                       <p:cBhvr>
-                                        <p:cTn id="28" dur="1" fill="hold">
+                                        <p:cTn id="32" dur="1" fill="hold">
                                           <p:stCondLst>
                                             <p:cond delay="0"/>
                                           </p:stCondLst>
@@ -12371,7 +13120,7 @@
                                     </p:set>
                                     <p:animEffect transition="in" filter="dissolve">
                                       <p:cBhvr>
-                                        <p:cTn id="29" dur="500"/>
+                                        <p:cTn id="33" dur="500"/>
                                         <p:tgtEl>
                                           <p:spTgt spid="58"/>
                                         </p:tgtEl>
@@ -12387,26 +13136,26 @@
                     </p:cTn>
                   </p:par>
                   <p:par>
-                    <p:cTn id="30" fill="hold">
+                    <p:cTn id="34" fill="hold">
                       <p:stCondLst>
                         <p:cond delay="indefinite"/>
                       </p:stCondLst>
                       <p:childTnLst>
                         <p:par>
-                          <p:cTn id="31" fill="hold">
+                          <p:cTn id="35" fill="hold">
                             <p:stCondLst>
                               <p:cond delay="0"/>
                             </p:stCondLst>
                             <p:childTnLst>
                               <p:par>
-                                <p:cTn id="32" presetID="9" presetClass="exit" presetSubtype="0" fill="hold" nodeType="clickEffect">
+                                <p:cTn id="36" presetID="9" presetClass="exit" presetSubtype="0" fill="hold" nodeType="clickEffect">
                                   <p:stCondLst>
                                     <p:cond delay="0"/>
                                   </p:stCondLst>
                                   <p:childTnLst>
                                     <p:animEffect transition="out" filter="dissolve">
                                       <p:cBhvr>
-                                        <p:cTn id="33" dur="500"/>
+                                        <p:cTn id="37" dur="500"/>
                                         <p:tgtEl>
                                           <p:spTgt spid="58"/>
                                         </p:tgtEl>
@@ -12414,7 +13163,7 @@
                                     </p:animEffect>
                                     <p:set>
                                       <p:cBhvr>
-                                        <p:cTn id="34" dur="1" fill="hold">
+                                        <p:cTn id="38" dur="1" fill="hold">
                                           <p:stCondLst>
                                             <p:cond delay="499"/>
                                           </p:stCondLst>
@@ -12434,14 +13183,14 @@
                                 </p:cTn>
                               </p:par>
                               <p:par>
-                                <p:cTn id="35" presetID="9" presetClass="entr" presetSubtype="0" fill="hold" nodeType="withEffect">
+                                <p:cTn id="39" presetID="9" presetClass="entr" presetSubtype="0" fill="hold" nodeType="withEffect">
                                   <p:stCondLst>
                                     <p:cond delay="0"/>
                                   </p:stCondLst>
                                   <p:childTnLst>
                                     <p:set>
                                       <p:cBhvr>
-                                        <p:cTn id="36" dur="1" fill="hold">
+                                        <p:cTn id="40" dur="1" fill="hold">
                                           <p:stCondLst>
                                             <p:cond delay="0"/>
                                           </p:stCondLst>
@@ -12459,7 +13208,7 @@
                                     </p:set>
                                     <p:animEffect transition="in" filter="dissolve">
                                       <p:cBhvr>
-                                        <p:cTn id="37" dur="500"/>
+                                        <p:cTn id="41" dur="500"/>
                                         <p:tgtEl>
                                           <p:spTgt spid="61"/>
                                         </p:tgtEl>
@@ -12475,26 +13224,26 @@
                     </p:cTn>
                   </p:par>
                   <p:par>
-                    <p:cTn id="38" fill="hold">
+                    <p:cTn id="42" fill="hold">
                       <p:stCondLst>
                         <p:cond delay="indefinite"/>
                       </p:stCondLst>
                       <p:childTnLst>
                         <p:par>
-                          <p:cTn id="39" fill="hold">
+                          <p:cTn id="43" fill="hold">
                             <p:stCondLst>
                               <p:cond delay="0"/>
                             </p:stCondLst>
                             <p:childTnLst>
                               <p:par>
-                                <p:cTn id="40" presetID="9" presetClass="exit" presetSubtype="0" fill="hold" nodeType="clickEffect">
+                                <p:cTn id="44" presetID="9" presetClass="exit" presetSubtype="0" fill="hold" nodeType="clickEffect">
                                   <p:stCondLst>
                                     <p:cond delay="0"/>
                                   </p:stCondLst>
                                   <p:childTnLst>
                                     <p:animEffect transition="out" filter="dissolve">
                                       <p:cBhvr>
-                                        <p:cTn id="41" dur="500"/>
+                                        <p:cTn id="45" dur="500"/>
                                         <p:tgtEl>
                                           <p:spTgt spid="61"/>
                                         </p:tgtEl>
@@ -12502,7 +13251,7 @@
                                     </p:animEffect>
                                     <p:set>
                                       <p:cBhvr>
-                                        <p:cTn id="42" dur="1" fill="hold">
+                                        <p:cTn id="46" dur="1" fill="hold">
                                           <p:stCondLst>
                                             <p:cond delay="499"/>
                                           </p:stCondLst>
@@ -12522,14 +13271,14 @@
                                 </p:cTn>
                               </p:par>
                               <p:par>
-                                <p:cTn id="43" presetID="9" presetClass="entr" presetSubtype="0" fill="hold" nodeType="withEffect">
+                                <p:cTn id="47" presetID="9" presetClass="entr" presetSubtype="0" fill="hold" nodeType="withEffect">
                                   <p:stCondLst>
                                     <p:cond delay="0"/>
                                   </p:stCondLst>
                                   <p:childTnLst>
                                     <p:set>
                                       <p:cBhvr>
-                                        <p:cTn id="44" dur="1" fill="hold">
+                                        <p:cTn id="48" dur="1" fill="hold">
                                           <p:stCondLst>
                                             <p:cond delay="0"/>
                                           </p:stCondLst>
@@ -12547,7 +13296,7 @@
                                     </p:set>
                                     <p:animEffect transition="in" filter="dissolve">
                                       <p:cBhvr>
-                                        <p:cTn id="45" dur="500"/>
+                                        <p:cTn id="49" dur="500"/>
                                         <p:tgtEl>
                                           <p:spTgt spid="13312"/>
                                         </p:tgtEl>
@@ -12563,26 +13312,26 @@
                     </p:cTn>
                   </p:par>
                   <p:par>
-                    <p:cTn id="46" fill="hold">
+                    <p:cTn id="50" fill="hold">
                       <p:stCondLst>
                         <p:cond delay="indefinite"/>
                       </p:stCondLst>
                       <p:childTnLst>
                         <p:par>
-                          <p:cTn id="47" fill="hold">
+                          <p:cTn id="51" fill="hold">
                             <p:stCondLst>
                               <p:cond delay="0"/>
                             </p:stCondLst>
                             <p:childTnLst>
                               <p:par>
-                                <p:cTn id="48" presetID="9" presetClass="exit" presetSubtype="0" fill="hold" nodeType="clickEffect">
+                                <p:cTn id="52" presetID="9" presetClass="exit" presetSubtype="0" fill="hold" nodeType="clickEffect">
                                   <p:stCondLst>
                                     <p:cond delay="0"/>
                                   </p:stCondLst>
                                   <p:childTnLst>
                                     <p:animEffect transition="out" filter="dissolve">
                                       <p:cBhvr>
-                                        <p:cTn id="49" dur="500"/>
+                                        <p:cTn id="53" dur="500"/>
                                         <p:tgtEl>
                                           <p:spTgt spid="13312"/>
                                         </p:tgtEl>
@@ -12590,7 +13339,7 @@
                                     </p:animEffect>
                                     <p:set>
                                       <p:cBhvr>
-                                        <p:cTn id="50" dur="1" fill="hold">
+                                        <p:cTn id="54" dur="1" fill="hold">
                                           <p:stCondLst>
                                             <p:cond delay="499"/>
                                           </p:stCondLst>
@@ -12610,14 +13359,14 @@
                                 </p:cTn>
                               </p:par>
                               <p:par>
-                                <p:cTn id="51" presetID="9" presetClass="entr" presetSubtype="0" fill="hold" nodeType="withEffect">
+                                <p:cTn id="55" presetID="9" presetClass="entr" presetSubtype="0" fill="hold" nodeType="withEffect">
                                   <p:stCondLst>
                                     <p:cond delay="0"/>
                                   </p:stCondLst>
                                   <p:childTnLst>
                                     <p:set>
                                       <p:cBhvr>
-                                        <p:cTn id="52" dur="1" fill="hold">
+                                        <p:cTn id="56" dur="1" fill="hold">
                                           <p:stCondLst>
                                             <p:cond delay="0"/>
                                           </p:stCondLst>
@@ -12635,7 +13384,7 @@
                                     </p:set>
                                     <p:animEffect transition="in" filter="dissolve">
                                       <p:cBhvr>
-                                        <p:cTn id="53" dur="500"/>
+                                        <p:cTn id="57" dur="500"/>
                                         <p:tgtEl>
                                           <p:spTgt spid="2"/>
                                         </p:tgtEl>
@@ -12651,26 +13400,26 @@
                     </p:cTn>
                   </p:par>
                   <p:par>
-                    <p:cTn id="54" fill="hold">
+                    <p:cTn id="58" fill="hold">
                       <p:stCondLst>
                         <p:cond delay="indefinite"/>
                       </p:stCondLst>
                       <p:childTnLst>
                         <p:par>
-                          <p:cTn id="55" fill="hold">
+                          <p:cTn id="59" fill="hold">
                             <p:stCondLst>
                               <p:cond delay="0"/>
                             </p:stCondLst>
                             <p:childTnLst>
                               <p:par>
-                                <p:cTn id="56" presetID="9" presetClass="exit" presetSubtype="0" fill="hold" nodeType="clickEffect">
+                                <p:cTn id="60" presetID="9" presetClass="exit" presetSubtype="0" fill="hold" nodeType="clickEffect">
                                   <p:stCondLst>
                                     <p:cond delay="0"/>
                                   </p:stCondLst>
                                   <p:childTnLst>
                                     <p:animEffect transition="out" filter="dissolve">
                                       <p:cBhvr>
-                                        <p:cTn id="57" dur="500"/>
+                                        <p:cTn id="61" dur="500"/>
                                         <p:tgtEl>
                                           <p:spTgt spid="2"/>
                                         </p:tgtEl>
@@ -12678,13 +13427,101 @@
                                     </p:animEffect>
                                     <p:set>
                                       <p:cBhvr>
-                                        <p:cTn id="58" dur="1" fill="hold">
+                                        <p:cTn id="62" dur="1" fill="hold">
                                           <p:stCondLst>
                                             <p:cond delay="499"/>
                                           </p:stCondLst>
                                         </p:cTn>
                                         <p:tgtEl>
                                           <p:spTgt spid="2"/>
+                                        </p:tgtEl>
+                                        <p:attrNameLst>
+                                          <p:attrName>style.visibility</p:attrName>
+                                        </p:attrNameLst>
+                                      </p:cBhvr>
+                                      <p:to>
+                                        <p:strVal val="hidden"/>
+                                      </p:to>
+                                    </p:set>
+                                  </p:childTnLst>
+                                </p:cTn>
+                              </p:par>
+                              <p:par>
+                                <p:cTn id="63" presetID="9" presetClass="entr" presetSubtype="0" fill="hold" nodeType="withEffect">
+                                  <p:stCondLst>
+                                    <p:cond delay="0"/>
+                                  </p:stCondLst>
+                                  <p:childTnLst>
+                                    <p:set>
+                                      <p:cBhvr>
+                                        <p:cTn id="64" dur="1" fill="hold">
+                                          <p:stCondLst>
+                                            <p:cond delay="0"/>
+                                          </p:stCondLst>
+                                        </p:cTn>
+                                        <p:tgtEl>
+                                          <p:spTgt spid="10"/>
+                                        </p:tgtEl>
+                                        <p:attrNameLst>
+                                          <p:attrName>style.visibility</p:attrName>
+                                        </p:attrNameLst>
+                                      </p:cBhvr>
+                                      <p:to>
+                                        <p:strVal val="visible"/>
+                                      </p:to>
+                                    </p:set>
+                                    <p:animEffect transition="in" filter="dissolve">
+                                      <p:cBhvr>
+                                        <p:cTn id="65" dur="500"/>
+                                        <p:tgtEl>
+                                          <p:spTgt spid="10"/>
+                                        </p:tgtEl>
+                                      </p:cBhvr>
+                                    </p:animEffect>
+                                  </p:childTnLst>
+                                </p:cTn>
+                              </p:par>
+                            </p:childTnLst>
+                          </p:cTn>
+                        </p:par>
+                      </p:childTnLst>
+                    </p:cTn>
+                  </p:par>
+                  <p:par>
+                    <p:cTn id="66" fill="hold">
+                      <p:stCondLst>
+                        <p:cond delay="indefinite"/>
+                      </p:stCondLst>
+                      <p:childTnLst>
+                        <p:par>
+                          <p:cTn id="67" fill="hold">
+                            <p:stCondLst>
+                              <p:cond delay="0"/>
+                            </p:stCondLst>
+                            <p:childTnLst>
+                              <p:par>
+                                <p:cTn id="68" presetID="9" presetClass="exit" presetSubtype="0" fill="hold" nodeType="clickEffect">
+                                  <p:stCondLst>
+                                    <p:cond delay="0"/>
+                                  </p:stCondLst>
+                                  <p:childTnLst>
+                                    <p:animEffect transition="out" filter="dissolve">
+                                      <p:cBhvr>
+                                        <p:cTn id="69" dur="500"/>
+                                        <p:tgtEl>
+                                          <p:spTgt spid="10"/>
+                                        </p:tgtEl>
+                                      </p:cBhvr>
+                                    </p:animEffect>
+                                    <p:set>
+                                      <p:cBhvr>
+                                        <p:cTn id="70" dur="1" fill="hold">
+                                          <p:stCondLst>
+                                            <p:cond delay="499"/>
+                                          </p:stCondLst>
+                                        </p:cTn>
+                                        <p:tgtEl>
+                                          <p:spTgt spid="10"/>
                                         </p:tgtEl>
                                         <p:attrNameLst>
                                           <p:attrName>style.visibility</p:attrName>
@@ -18895,7 +19732,7 @@
 </file>
 
 <file path=ppt/slides/slide9.xml><?xml version="1.0" encoding="utf-8"?>
-<p:sld xmlns:a="http://schemas.openxmlformats.org/drawingml/2006/main" xmlns:r="http://schemas.openxmlformats.org/officeDocument/2006/relationships" xmlns:p="http://schemas.openxmlformats.org/presentationml/2006/main">
+<p:sld xmlns:a="http://schemas.openxmlformats.org/drawingml/2006/main" xmlns:r="http://schemas.openxmlformats.org/officeDocument/2006/relationships" xmlns:p="http://schemas.openxmlformats.org/presentationml/2006/main" show="0">
   <p:cSld>
     <p:spTree>
       <p:nvGrpSpPr>

--- a/teaching/CS472/Timetable/OOD-V2.pptx
+++ b/teaching/CS472/Timetable/OOD-V2.pptx
@@ -2091,16 +2091,6 @@
           <a:bodyPr/>
           <a:lstStyle/>
           <a:p>
-            <a:r>
-              <a:rPr lang="en-GB" b="0" i="0" dirty="0">
-                <a:solidFill>
-                  <a:srgbClr val="333333"/>
-                </a:solidFill>
-                <a:effectLst/>
-                <a:latin typeface="-apple-system"/>
-              </a:rPr>
-              <a:t>Having decided on an adequate set of software classes, our next task is to assign responsibilities to these.</a:t>
-            </a:r>
             <a:endParaRPr lang="en-BE" dirty="0"/>
           </a:p>
         </p:txBody>
@@ -9419,6 +9409,11 @@
             <a:avLst/>
           </a:prstGeom>
           <a:noFill/>
+          <a:ln w="19050">
+            <a:solidFill>
+              <a:srgbClr val="0000EA"/>
+            </a:solidFill>
+          </a:ln>
         </p:spPr>
         <p:txBody>
           <a:bodyPr wrap="square" rtlCol="0">
@@ -9454,6 +9449,11 @@
             <a:avLst/>
           </a:prstGeom>
           <a:noFill/>
+          <a:ln w="28575">
+            <a:solidFill>
+              <a:srgbClr val="0000EA"/>
+            </a:solidFill>
+          </a:ln>
         </p:spPr>
         <p:txBody>
           <a:bodyPr wrap="square" rtlCol="0">
@@ -9960,30 +9960,218 @@
                             </p:childTnLst>
                           </p:cTn>
                         </p:par>
-                      </p:childTnLst>
-                    </p:cTn>
-                  </p:par>
-                  <p:par>
-                    <p:cTn id="8" fill="hold">
-                      <p:stCondLst>
-                        <p:cond delay="indefinite"/>
-                      </p:stCondLst>
-                      <p:childTnLst>
                         <p:par>
-                          <p:cTn id="9" fill="hold">
+                          <p:cTn id="8" fill="hold">
                             <p:stCondLst>
-                              <p:cond delay="0"/>
+                              <p:cond delay="500"/>
                             </p:stCondLst>
                             <p:childTnLst>
                               <p:par>
-                                <p:cTn id="10" presetID="9" presetClass="entr" presetSubtype="0" fill="hold" nodeType="clickEffect">
+                                <p:cTn id="9" presetID="9" presetClass="entr" presetSubtype="0" fill="hold" nodeType="afterEffect">
                                   <p:stCondLst>
                                     <p:cond delay="0"/>
                                   </p:stCondLst>
                                   <p:childTnLst>
                                     <p:set>
                                       <p:cBhvr>
-                                        <p:cTn id="11" dur="1" fill="hold">
+                                        <p:cTn id="10" dur="1" fill="hold">
+                                          <p:stCondLst>
+                                            <p:cond delay="0"/>
+                                          </p:stCondLst>
+                                        </p:cTn>
+                                        <p:tgtEl>
+                                          <p:spTgt spid="11"/>
+                                        </p:tgtEl>
+                                        <p:attrNameLst>
+                                          <p:attrName>style.visibility</p:attrName>
+                                        </p:attrNameLst>
+                                      </p:cBhvr>
+                                      <p:to>
+                                        <p:strVal val="visible"/>
+                                      </p:to>
+                                    </p:set>
+                                    <p:animEffect transition="in" filter="dissolve">
+                                      <p:cBhvr>
+                                        <p:cTn id="11" dur="500"/>
+                                        <p:tgtEl>
+                                          <p:spTgt spid="11"/>
+                                        </p:tgtEl>
+                                      </p:cBhvr>
+                                    </p:animEffect>
+                                  </p:childTnLst>
+                                </p:cTn>
+                              </p:par>
+                            </p:childTnLst>
+                          </p:cTn>
+                        </p:par>
+                      </p:childTnLst>
+                    </p:cTn>
+                  </p:par>
+                  <p:par>
+                    <p:cTn id="12" fill="hold">
+                      <p:stCondLst>
+                        <p:cond delay="indefinite"/>
+                      </p:stCondLst>
+                      <p:childTnLst>
+                        <p:par>
+                          <p:cTn id="13" fill="hold">
+                            <p:stCondLst>
+                              <p:cond delay="0"/>
+                            </p:stCondLst>
+                            <p:childTnLst>
+                              <p:par>
+                                <p:cTn id="14" presetID="1" presetClass="entr" presetSubtype="0" fill="hold" nodeType="clickEffect">
+                                  <p:stCondLst>
+                                    <p:cond delay="0"/>
+                                  </p:stCondLst>
+                                  <p:childTnLst>
+                                    <p:set>
+                                      <p:cBhvr>
+                                        <p:cTn id="15" dur="1" fill="hold">
+                                          <p:stCondLst>
+                                            <p:cond delay="0"/>
+                                          </p:stCondLst>
+                                        </p:cTn>
+                                        <p:tgtEl>
+                                          <p:spTgt spid="15"/>
+                                        </p:tgtEl>
+                                        <p:attrNameLst>
+                                          <p:attrName>style.visibility</p:attrName>
+                                        </p:attrNameLst>
+                                      </p:cBhvr>
+                                      <p:to>
+                                        <p:strVal val="visible"/>
+                                      </p:to>
+                                    </p:set>
+                                  </p:childTnLst>
+                                </p:cTn>
+                              </p:par>
+                              <p:par>
+                                <p:cTn id="16" presetID="1" presetClass="entr" presetSubtype="0" fill="hold" grpId="0" nodeType="withEffect">
+                                  <p:stCondLst>
+                                    <p:cond delay="0"/>
+                                  </p:stCondLst>
+                                  <p:childTnLst>
+                                    <p:set>
+                                      <p:cBhvr>
+                                        <p:cTn id="17" dur="1" fill="hold">
+                                          <p:stCondLst>
+                                            <p:cond delay="0"/>
+                                          </p:stCondLst>
+                                        </p:cTn>
+                                        <p:tgtEl>
+                                          <p:spTgt spid="10"/>
+                                        </p:tgtEl>
+                                        <p:attrNameLst>
+                                          <p:attrName>style.visibility</p:attrName>
+                                        </p:attrNameLst>
+                                      </p:cBhvr>
+                                      <p:to>
+                                        <p:strVal val="visible"/>
+                                      </p:to>
+                                    </p:set>
+                                  </p:childTnLst>
+                                </p:cTn>
+                              </p:par>
+                            </p:childTnLst>
+                          </p:cTn>
+                        </p:par>
+                      </p:childTnLst>
+                    </p:cTn>
+                  </p:par>
+                  <p:par>
+                    <p:cTn id="18" fill="hold">
+                      <p:stCondLst>
+                        <p:cond delay="indefinite"/>
+                      </p:stCondLst>
+                      <p:childTnLst>
+                        <p:par>
+                          <p:cTn id="19" fill="hold">
+                            <p:stCondLst>
+                              <p:cond delay="0"/>
+                            </p:stCondLst>
+                            <p:childTnLst>
+                              <p:par>
+                                <p:cTn id="20" presetID="1" presetClass="entr" presetSubtype="0" fill="hold" nodeType="clickEffect">
+                                  <p:stCondLst>
+                                    <p:cond delay="0"/>
+                                  </p:stCondLst>
+                                  <p:childTnLst>
+                                    <p:set>
+                                      <p:cBhvr>
+                                        <p:cTn id="21" dur="1" fill="hold">
+                                          <p:stCondLst>
+                                            <p:cond delay="0"/>
+                                          </p:stCondLst>
+                                        </p:cTn>
+                                        <p:tgtEl>
+                                          <p:spTgt spid="18"/>
+                                        </p:tgtEl>
+                                        <p:attrNameLst>
+                                          <p:attrName>style.visibility</p:attrName>
+                                        </p:attrNameLst>
+                                      </p:cBhvr>
+                                      <p:to>
+                                        <p:strVal val="visible"/>
+                                      </p:to>
+                                    </p:set>
+                                  </p:childTnLst>
+                                </p:cTn>
+                              </p:par>
+                              <p:par>
+                                <p:cTn id="22" presetID="1" presetClass="entr" presetSubtype="0" fill="hold" grpId="0" nodeType="withEffect">
+                                  <p:stCondLst>
+                                    <p:cond delay="0"/>
+                                  </p:stCondLst>
+                                  <p:childTnLst>
+                                    <p:set>
+                                      <p:cBhvr>
+                                        <p:cTn id="23" dur="1" fill="hold">
+                                          <p:stCondLst>
+                                            <p:cond delay="0"/>
+                                          </p:stCondLst>
+                                        </p:cTn>
+                                        <p:tgtEl>
+                                          <p:spTgt spid="9"/>
+                                        </p:tgtEl>
+                                        <p:attrNameLst>
+                                          <p:attrName>style.visibility</p:attrName>
+                                        </p:attrNameLst>
+                                      </p:cBhvr>
+                                      <p:to>
+                                        <p:strVal val="visible"/>
+                                      </p:to>
+                                    </p:set>
+                                  </p:childTnLst>
+                                </p:cTn>
+                              </p:par>
+                            </p:childTnLst>
+                          </p:cTn>
+                        </p:par>
+                      </p:childTnLst>
+                    </p:cTn>
+                  </p:par>
+                  <p:par>
+                    <p:cTn id="24" fill="hold">
+                      <p:stCondLst>
+                        <p:cond delay="indefinite"/>
+                      </p:stCondLst>
+                      <p:childTnLst>
+                        <p:par>
+                          <p:cTn id="25" fill="hold">
+                            <p:stCondLst>
+                              <p:cond delay="0"/>
+                            </p:stCondLst>
+                            <p:childTnLst>
+                              <p:par>
+                                <p:cTn id="26" presetID="9" presetClass="entr" presetSubtype="0" fill="hold" nodeType="clickEffect">
+                                  <p:stCondLst>
+                                    <p:cond delay="0"/>
+                                  </p:stCondLst>
+                                  <p:childTnLst>
+                                    <p:set>
+                                      <p:cBhvr>
+                                        <p:cTn id="27" dur="1" fill="hold">
                                           <p:stCondLst>
                                             <p:cond delay="0"/>
                                           </p:stCondLst>
@@ -10001,159 +10189,9 @@
                                     </p:set>
                                     <p:animEffect transition="in" filter="dissolve">
                                       <p:cBhvr>
-                                        <p:cTn id="12" dur="500"/>
+                                        <p:cTn id="28" dur="500"/>
                                         <p:tgtEl>
                                           <p:spTgt spid="12"/>
-                                        </p:tgtEl>
-                                      </p:cBhvr>
-                                    </p:animEffect>
-                                  </p:childTnLst>
-                                </p:cTn>
-                              </p:par>
-                            </p:childTnLst>
-                          </p:cTn>
-                        </p:par>
-                        <p:par>
-                          <p:cTn id="13" fill="hold">
-                            <p:stCondLst>
-                              <p:cond delay="500"/>
-                            </p:stCondLst>
-                            <p:childTnLst>
-                              <p:par>
-                                <p:cTn id="14" presetID="9" presetClass="entr" presetSubtype="0" fill="hold" nodeType="afterEffect">
-                                  <p:stCondLst>
-                                    <p:cond delay="0"/>
-                                  </p:stCondLst>
-                                  <p:childTnLst>
-                                    <p:set>
-                                      <p:cBhvr>
-                                        <p:cTn id="15" dur="1" fill="hold">
-                                          <p:stCondLst>
-                                            <p:cond delay="0"/>
-                                          </p:stCondLst>
-                                        </p:cTn>
-                                        <p:tgtEl>
-                                          <p:spTgt spid="11"/>
-                                        </p:tgtEl>
-                                        <p:attrNameLst>
-                                          <p:attrName>style.visibility</p:attrName>
-                                        </p:attrNameLst>
-                                      </p:cBhvr>
-                                      <p:to>
-                                        <p:strVal val="visible"/>
-                                      </p:to>
-                                    </p:set>
-                                    <p:animEffect transition="in" filter="dissolve">
-                                      <p:cBhvr>
-                                        <p:cTn id="16" dur="500"/>
-                                        <p:tgtEl>
-                                          <p:spTgt spid="11"/>
-                                        </p:tgtEl>
-                                      </p:cBhvr>
-                                    </p:animEffect>
-                                  </p:childTnLst>
-                                </p:cTn>
-                              </p:par>
-                            </p:childTnLst>
-                          </p:cTn>
-                        </p:par>
-                      </p:childTnLst>
-                    </p:cTn>
-                  </p:par>
-                  <p:par>
-                    <p:cTn id="17" fill="hold">
-                      <p:stCondLst>
-                        <p:cond delay="indefinite"/>
-                      </p:stCondLst>
-                      <p:childTnLst>
-                        <p:par>
-                          <p:cTn id="18" fill="hold">
-                            <p:stCondLst>
-                              <p:cond delay="0"/>
-                            </p:stCondLst>
-                            <p:childTnLst>
-                              <p:par>
-                                <p:cTn id="19" presetID="9" presetClass="entr" presetSubtype="0" fill="hold" nodeType="clickEffect">
-                                  <p:stCondLst>
-                                    <p:cond delay="0"/>
-                                  </p:stCondLst>
-                                  <p:childTnLst>
-                                    <p:set>
-                                      <p:cBhvr>
-                                        <p:cTn id="20" dur="1" fill="hold">
-                                          <p:stCondLst>
-                                            <p:cond delay="0"/>
-                                          </p:stCondLst>
-                                        </p:cTn>
-                                        <p:tgtEl>
-                                          <p:spTgt spid="15"/>
-                                        </p:tgtEl>
-                                        <p:attrNameLst>
-                                          <p:attrName>style.visibility</p:attrName>
-                                        </p:attrNameLst>
-                                      </p:cBhvr>
-                                      <p:to>
-                                        <p:strVal val="visible"/>
-                                      </p:to>
-                                    </p:set>
-                                    <p:animEffect transition="in" filter="dissolve">
-                                      <p:cBhvr>
-                                        <p:cTn id="21" dur="500"/>
-                                        <p:tgtEl>
-                                          <p:spTgt spid="15"/>
-                                        </p:tgtEl>
-                                      </p:cBhvr>
-                                    </p:animEffect>
-                                  </p:childTnLst>
-                                </p:cTn>
-                              </p:par>
-                            </p:childTnLst>
-                          </p:cTn>
-                        </p:par>
-                      </p:childTnLst>
-                    </p:cTn>
-                  </p:par>
-                  <p:par>
-                    <p:cTn id="22" fill="hold">
-                      <p:stCondLst>
-                        <p:cond delay="indefinite"/>
-                      </p:stCondLst>
-                      <p:childTnLst>
-                        <p:par>
-                          <p:cTn id="23" fill="hold">
-                            <p:stCondLst>
-                              <p:cond delay="0"/>
-                            </p:stCondLst>
-                            <p:childTnLst>
-                              <p:par>
-                                <p:cTn id="24" presetID="9" presetClass="entr" presetSubtype="0" fill="hold" nodeType="clickEffect">
-                                  <p:stCondLst>
-                                    <p:cond delay="0"/>
-                                  </p:stCondLst>
-                                  <p:childTnLst>
-                                    <p:set>
-                                      <p:cBhvr>
-                                        <p:cTn id="25" dur="1" fill="hold">
-                                          <p:stCondLst>
-                                            <p:cond delay="0"/>
-                                          </p:stCondLst>
-                                        </p:cTn>
-                                        <p:tgtEl>
-                                          <p:spTgt spid="18"/>
-                                        </p:tgtEl>
-                                        <p:attrNameLst>
-                                          <p:attrName>style.visibility</p:attrName>
-                                        </p:attrNameLst>
-                                      </p:cBhvr>
-                                      <p:to>
-                                        <p:strVal val="visible"/>
-                                      </p:to>
-                                    </p:set>
-                                    <p:animEffect transition="in" filter="dissolve">
-                                      <p:cBhvr>
-                                        <p:cTn id="26" dur="500"/>
-                                        <p:tgtEl>
-                                          <p:spTgt spid="18"/>
                                         </p:tgtEl>
                                       </p:cBhvr>
                                     </p:animEffect>
@@ -10187,6 +10225,10 @@
         </p:cTn>
       </p:par>
     </p:tnLst>
+    <p:bldLst>
+      <p:bldP spid="9" grpId="0" animBg="1"/>
+      <p:bldP spid="10" grpId="0" animBg="1"/>
+    </p:bldLst>
   </p:timing>
 </p:sld>
 </file>
@@ -10429,15 +10471,44 @@
           </a:p>
           <a:p>
             <a:r>
+              <a:rPr lang="en-GB" dirty="0"/>
+              <a:t>M</a:t>
+            </a:r>
+            <a:r>
+              <a:rPr lang="en-BE" dirty="0"/>
+              <a:t>arks for CI will be published by end of tomorrow</a:t>
+            </a:r>
+          </a:p>
+          <a:p>
+            <a:r>
+              <a:rPr lang="en-BE" dirty="0"/>
+              <a:t>DP I marks will be published by end of this weekend</a:t>
+            </a:r>
+          </a:p>
+          <a:p>
+            <a:r>
+              <a:rPr lang="en-BE" dirty="0"/>
+              <a:t>Focus on DP II and III – Its both team and individual</a:t>
+            </a:r>
+          </a:p>
+          <a:p>
+            <a:pPr lvl="1"/>
+            <a:r>
+              <a:rPr lang="en-BE" dirty="0"/>
+              <a:t>Individual 60%</a:t>
+            </a:r>
+          </a:p>
+          <a:p>
+            <a:pPr lvl="1"/>
+            <a:r>
+              <a:rPr lang="en-BE" dirty="0"/>
+              <a:t>Team 40%</a:t>
+            </a:r>
+          </a:p>
+          <a:p>
+            <a:r>
               <a:rPr lang="en-US" dirty="0"/>
               <a:t>After next week, aim for at least two meetings per week</a:t>
-            </a:r>
-            <a:endParaRPr lang="en-BE" dirty="0"/>
-          </a:p>
-          <a:p>
-            <a:r>
-              <a:rPr lang="en-GB" dirty="0"/>
-              <a:t>In subsequent deliverables, each team member should indicate their contributions to the report sections</a:t>
             </a:r>
             <a:endParaRPr lang="en-BE" dirty="0"/>
           </a:p>
@@ -14356,7 +14427,7 @@
                 <a:effectLst/>
                 <a:latin typeface="-apple-system"/>
               </a:rPr>
-              <a:t>Class Diagrams</a:t>
+              <a:t>Class Diagrams Details</a:t>
             </a:r>
             <a:endParaRPr lang="en-BE" dirty="0"/>
           </a:p>
@@ -16744,7 +16815,7 @@
         </p:nvSpPr>
         <p:spPr>
           <a:xfrm>
-            <a:off x="838200" y="1325562"/>
+            <a:off x="838200" y="2254249"/>
             <a:ext cx="10515600" cy="4351338"/>
           </a:xfrm>
         </p:spPr>
@@ -16754,149 +16825,45 @@
           <a:p>
             <a:r>
               <a:rPr lang="en-BE" dirty="0"/>
-              <a:t>I expect use of at least the three UML diagrams</a:t>
-            </a:r>
-          </a:p>
-          <a:p>
-            <a:pPr lvl="1"/>
-            <a:r>
+              <a:t>For Design Portfolio II and III</a:t>
+            </a:r>
+          </a:p>
+          <a:p>
+            <a:pPr algn="l"/>
+            <a:r>
+              <a:rPr lang="en-BE" dirty="0"/>
+              <a:t>See - </a:t>
+            </a:r>
+            <a:r>
+              <a:rPr lang="en-GB" b="0" i="0" dirty="0">
+                <a:solidFill>
+                  <a:srgbClr val="000000"/>
+                </a:solidFill>
+                <a:effectLst/>
+                <a:latin typeface="Titillium Web" pitchFamily="2" charset="77"/>
+                <a:hlinkClick r:id="rId2"/>
+              </a:rPr>
+              <a:t>Instructions to the UML Diagrams and Design Process</a:t>
+            </a:r>
+            <a:endParaRPr lang="en-GB" b="0" i="0" dirty="0">
+              <a:solidFill>
+                <a:srgbClr val="000000"/>
+              </a:solidFill>
+              <a:effectLst/>
+              <a:latin typeface="Titillium Web" pitchFamily="2" charset="77"/>
+            </a:endParaRPr>
+          </a:p>
+          <a:p>
+            <a:pPr marL="0" indent="0">
+              <a:buNone/>
+            </a:pPr>
+            <a:br>
               <a:rPr lang="en-GB" dirty="0"/>
-              <a:t>U</a:t>
-            </a:r>
-            <a:r>
-              <a:rPr lang="en-BE" dirty="0"/>
-              <a:t>se case diagrams</a:t>
-            </a:r>
-          </a:p>
-          <a:p>
-            <a:pPr lvl="1"/>
-            <a:r>
-              <a:rPr lang="en-BE" dirty="0"/>
-              <a:t>Class diagrams</a:t>
-            </a:r>
-          </a:p>
-          <a:p>
-            <a:pPr lvl="1"/>
-            <a:r>
-              <a:rPr lang="en-BE" dirty="0"/>
-              <a:t>Sequence diagrams</a:t>
-            </a:r>
-          </a:p>
-          <a:p>
-            <a:pPr lvl="1"/>
+            </a:br>
             <a:endParaRPr lang="en-BE" dirty="0"/>
-          </a:p>
-          <a:p>
-            <a:r>
-              <a:rPr lang="en-BE" dirty="0"/>
-              <a:t>For the Starting Design Portfolio</a:t>
-            </a:r>
-          </a:p>
-          <a:p>
-            <a:pPr lvl="1"/>
-            <a:r>
-              <a:rPr lang="en-BE" dirty="0"/>
-              <a:t>One or two use cases/functionality comprising of the three of the UML diagrams</a:t>
-            </a:r>
-          </a:p>
-          <a:p>
-            <a:r>
-              <a:rPr lang="en-BE" dirty="0"/>
-              <a:t>For Design Portfolio II and III</a:t>
-            </a:r>
           </a:p>
         </p:txBody>
       </p:sp>
-      <p:grpSp>
-        <p:nvGrpSpPr>
-          <p:cNvPr id="8" name="Group 7">
-            <a:extLst>
-              <a:ext uri="{FF2B5EF4-FFF2-40B4-BE49-F238E27FC236}">
-                <a16:creationId xmlns:a16="http://schemas.microsoft.com/office/drawing/2014/main" id="{AE0959AB-8ADC-F2A9-8E88-1002E478A8E0}"/>
-              </a:ext>
-            </a:extLst>
-          </p:cNvPr>
-          <p:cNvGrpSpPr/>
-          <p:nvPr/>
-        </p:nvGrpSpPr>
-        <p:grpSpPr>
-          <a:xfrm>
-            <a:off x="750618" y="4864645"/>
-            <a:ext cx="10603182" cy="1369457"/>
-            <a:chOff x="750618" y="4864645"/>
-            <a:chExt cx="10603182" cy="1369457"/>
-          </a:xfrm>
-        </p:grpSpPr>
-        <p:pic>
-          <p:nvPicPr>
-            <p:cNvPr id="5" name="Picture 4">
-              <a:extLst>
-                <a:ext uri="{FF2B5EF4-FFF2-40B4-BE49-F238E27FC236}">
-                  <a16:creationId xmlns:a16="http://schemas.microsoft.com/office/drawing/2014/main" id="{6AA52382-2399-12AA-AAAA-1500F88B95C9}"/>
-                </a:ext>
-              </a:extLst>
-            </p:cNvPr>
-            <p:cNvPicPr>
-              <a:picLocks noChangeAspect="1"/>
-            </p:cNvPicPr>
-            <p:nvPr/>
-          </p:nvPicPr>
-          <p:blipFill rotWithShape="1">
-            <a:blip r:embed="rId2"/>
-            <a:srcRect t="8297"/>
-            <a:stretch/>
-          </p:blipFill>
-          <p:spPr>
-            <a:xfrm>
-              <a:off x="750618" y="5233977"/>
-              <a:ext cx="10603182" cy="1000125"/>
-            </a:xfrm>
-            <a:prstGeom prst="rect">
-              <a:avLst/>
-            </a:prstGeom>
-            <a:ln>
-              <a:solidFill>
-                <a:schemeClr val="tx1"/>
-              </a:solidFill>
-            </a:ln>
-          </p:spPr>
-        </p:pic>
-        <p:sp>
-          <p:nvSpPr>
-            <p:cNvPr id="6" name="TextBox 5">
-              <a:extLst>
-                <a:ext uri="{FF2B5EF4-FFF2-40B4-BE49-F238E27FC236}">
-                  <a16:creationId xmlns:a16="http://schemas.microsoft.com/office/drawing/2014/main" id="{01856170-0FCE-0298-D543-AB4606504965}"/>
-                </a:ext>
-              </a:extLst>
-            </p:cNvPr>
-            <p:cNvSpPr txBox="1"/>
-            <p:nvPr/>
-          </p:nvSpPr>
-          <p:spPr>
-            <a:xfrm>
-              <a:off x="7758112" y="4864645"/>
-              <a:ext cx="2428876" cy="369332"/>
-            </a:xfrm>
-            <a:prstGeom prst="rect">
-              <a:avLst/>
-            </a:prstGeom>
-            <a:noFill/>
-          </p:spPr>
-          <p:txBody>
-            <a:bodyPr wrap="square" rtlCol="0">
-              <a:spAutoFit/>
-            </a:bodyPr>
-            <a:lstStyle/>
-            <a:p>
-              <a:r>
-                <a:rPr lang="en-US" dirty="0"/>
-                <a:t>Extract from DP II        </a:t>
-              </a:r>
-            </a:p>
-          </p:txBody>
-        </p:sp>
-      </p:grpSp>
     </p:spTree>
     <p:extLst>
       <p:ext uri="{BB962C8B-B14F-4D97-AF65-F5344CB8AC3E}">
@@ -16907,81 +16874,6 @@
   <p:clrMapOvr>
     <a:masterClrMapping/>
   </p:clrMapOvr>
-  <p:timing>
-    <p:tnLst>
-      <p:par>
-        <p:cTn id="1" dur="indefinite" restart="never" nodeType="tmRoot">
-          <p:childTnLst>
-            <p:seq concurrent="1" nextAc="seek">
-              <p:cTn id="2" dur="indefinite" nodeType="mainSeq">
-                <p:childTnLst>
-                  <p:par>
-                    <p:cTn id="3" fill="hold">
-                      <p:stCondLst>
-                        <p:cond delay="indefinite"/>
-                      </p:stCondLst>
-                      <p:childTnLst>
-                        <p:par>
-                          <p:cTn id="4" fill="hold">
-                            <p:stCondLst>
-                              <p:cond delay="0"/>
-                            </p:stCondLst>
-                            <p:childTnLst>
-                              <p:par>
-                                <p:cTn id="5" presetID="1" presetClass="entr" presetSubtype="0" fill="hold" nodeType="clickEffect">
-                                  <p:stCondLst>
-                                    <p:cond delay="0"/>
-                                  </p:stCondLst>
-                                  <p:childTnLst>
-                                    <p:set>
-                                      <p:cBhvr>
-                                        <p:cTn id="6" dur="1" fill="hold">
-                                          <p:stCondLst>
-                                            <p:cond delay="0"/>
-                                          </p:stCondLst>
-                                        </p:cTn>
-                                        <p:tgtEl>
-                                          <p:spTgt spid="8"/>
-                                        </p:tgtEl>
-                                        <p:attrNameLst>
-                                          <p:attrName>style.visibility</p:attrName>
-                                        </p:attrNameLst>
-                                      </p:cBhvr>
-                                      <p:to>
-                                        <p:strVal val="visible"/>
-                                      </p:to>
-                                    </p:set>
-                                  </p:childTnLst>
-                                </p:cTn>
-                              </p:par>
-                            </p:childTnLst>
-                          </p:cTn>
-                        </p:par>
-                      </p:childTnLst>
-                    </p:cTn>
-                  </p:par>
-                </p:childTnLst>
-              </p:cTn>
-              <p:prevCondLst>
-                <p:cond evt="onPrev" delay="0">
-                  <p:tgtEl>
-                    <p:sldTgt/>
-                  </p:tgtEl>
-                </p:cond>
-              </p:prevCondLst>
-              <p:nextCondLst>
-                <p:cond evt="onNext" delay="0">
-                  <p:tgtEl>
-                    <p:sldTgt/>
-                  </p:tgtEl>
-                </p:cond>
-              </p:nextCondLst>
-            </p:seq>
-          </p:childTnLst>
-        </p:cTn>
-      </p:par>
-    </p:tnLst>
-  </p:timing>
 </p:sld>
 </file>
 
@@ -17284,8 +17176,8 @@
         </p:nvSpPr>
         <p:spPr>
           <a:xfrm>
-            <a:off x="838200" y="1878624"/>
-            <a:ext cx="10515600" cy="4351338"/>
+            <a:off x="838200" y="1457325"/>
+            <a:ext cx="10515600" cy="5200650"/>
           </a:xfrm>
           <a:prstGeom prst="rect">
             <a:avLst/>
@@ -17297,7 +17189,7 @@
         </p:spPr>
         <p:txBody>
           <a:bodyPr spcFirstLastPara="1" wrap="square" lIns="91425" tIns="45700" rIns="91425" bIns="45700" anchor="t" anchorCtr="0">
-            <a:normAutofit fontScale="92500" lnSpcReduction="20000"/>
+            <a:normAutofit lnSpcReduction="10000"/>
           </a:bodyPr>
           <a:lstStyle/>
           <a:p>
@@ -17318,7 +17210,7 @@
               <a:buNone/>
             </a:pPr>
             <a:r>
-              <a:rPr lang="en-GB" b="0" i="0" dirty="0">
+              <a:rPr lang="en-GB" b="1" i="0" dirty="0">
                 <a:solidFill>
                   <a:srgbClr val="1F1F1F"/>
                 </a:solidFill>

--- a/teaching/CS472/Timetable/OOD-V2.pptx
+++ b/teaching/CS472/Timetable/OOD-V2.pptx
@@ -7732,7 +7732,7 @@
           <a:p>
             <a:r>
               <a:rPr lang="en-BE" dirty="0"/>
-              <a:t>There are may Kinds of UML Diagrams</a:t>
+              <a:t>There are many Kinds of UML Diagrams</a:t>
             </a:r>
           </a:p>
         </p:txBody>
@@ -7857,7 +7857,7 @@
           <a:p>
             <a:r>
               <a:rPr lang="en-BE" dirty="0"/>
-              <a:t>There are may Kinds of UML Diagrams</a:t>
+              <a:t>There are many Kinds of UML Diagrams</a:t>
             </a:r>
           </a:p>
         </p:txBody>
@@ -16815,7 +16815,7 @@
         </p:nvSpPr>
         <p:spPr>
           <a:xfrm>
-            <a:off x="838200" y="2254249"/>
+            <a:off x="838200" y="1839911"/>
             <a:ext cx="10515600" cy="4351338"/>
           </a:xfrm>
         </p:spPr>
@@ -16864,6 +16864,36 @@
           </a:p>
         </p:txBody>
       </p:sp>
+      <p:pic>
+        <p:nvPicPr>
+          <p:cNvPr id="7" name="Picture 6" descr="A text on a page&#10;&#10;Description automatically generated">
+            <a:extLst>
+              <a:ext uri="{FF2B5EF4-FFF2-40B4-BE49-F238E27FC236}">
+                <a16:creationId xmlns:a16="http://schemas.microsoft.com/office/drawing/2014/main" id="{75D51F3A-49A9-91E2-86D7-ED80CA865FE5}"/>
+              </a:ext>
+            </a:extLst>
+          </p:cNvPr>
+          <p:cNvPicPr>
+            <a:picLocks noChangeAspect="1"/>
+          </p:cNvPicPr>
+          <p:nvPr/>
+        </p:nvPicPr>
+        <p:blipFill>
+          <a:blip r:embed="rId3"/>
+          <a:stretch>
+            <a:fillRect/>
+          </a:stretch>
+        </p:blipFill>
+        <p:spPr>
+          <a:xfrm>
+            <a:off x="1599105" y="3308603"/>
+            <a:ext cx="7026561" cy="3031869"/>
+          </a:xfrm>
+          <a:prstGeom prst="rect">
+            <a:avLst/>
+          </a:prstGeom>
+        </p:spPr>
+      </p:pic>
     </p:spTree>
     <p:extLst>
       <p:ext uri="{BB962C8B-B14F-4D97-AF65-F5344CB8AC3E}">

--- a/teaching/CS472/Timetable/OOD-V2.pptx
+++ b/teaching/CS472/Timetable/OOD-V2.pptx
@@ -5,38 +5,39 @@
     <p:sldMasterId id="2147483648" r:id="rId1"/>
   </p:sldMasterIdLst>
   <p:notesMasterIdLst>
-    <p:notesMasterId r:id="rId31"/>
+    <p:notesMasterId r:id="rId32"/>
   </p:notesMasterIdLst>
   <p:sldIdLst>
     <p:sldId id="256" r:id="rId2"/>
     <p:sldId id="276" r:id="rId3"/>
-    <p:sldId id="257" r:id="rId4"/>
-    <p:sldId id="277" r:id="rId5"/>
-    <p:sldId id="311" r:id="rId6"/>
-    <p:sldId id="312" r:id="rId7"/>
-    <p:sldId id="320" r:id="rId8"/>
-    <p:sldId id="317" r:id="rId9"/>
-    <p:sldId id="318" r:id="rId10"/>
-    <p:sldId id="319" r:id="rId11"/>
-    <p:sldId id="313" r:id="rId12"/>
-    <p:sldId id="258" r:id="rId13"/>
-    <p:sldId id="260" r:id="rId14"/>
-    <p:sldId id="321" r:id="rId15"/>
-    <p:sldId id="259" r:id="rId16"/>
-    <p:sldId id="261" r:id="rId17"/>
-    <p:sldId id="263" r:id="rId18"/>
-    <p:sldId id="262" r:id="rId19"/>
-    <p:sldId id="264" r:id="rId20"/>
-    <p:sldId id="265" r:id="rId21"/>
-    <p:sldId id="266" r:id="rId22"/>
-    <p:sldId id="271" r:id="rId23"/>
-    <p:sldId id="270" r:id="rId24"/>
-    <p:sldId id="272" r:id="rId25"/>
-    <p:sldId id="273" r:id="rId26"/>
-    <p:sldId id="274" r:id="rId27"/>
-    <p:sldId id="275" r:id="rId28"/>
-    <p:sldId id="314" r:id="rId29"/>
-    <p:sldId id="315" r:id="rId30"/>
+    <p:sldId id="322" r:id="rId4"/>
+    <p:sldId id="257" r:id="rId5"/>
+    <p:sldId id="277" r:id="rId6"/>
+    <p:sldId id="311" r:id="rId7"/>
+    <p:sldId id="312" r:id="rId8"/>
+    <p:sldId id="320" r:id="rId9"/>
+    <p:sldId id="317" r:id="rId10"/>
+    <p:sldId id="318" r:id="rId11"/>
+    <p:sldId id="319" r:id="rId12"/>
+    <p:sldId id="313" r:id="rId13"/>
+    <p:sldId id="258" r:id="rId14"/>
+    <p:sldId id="260" r:id="rId15"/>
+    <p:sldId id="321" r:id="rId16"/>
+    <p:sldId id="259" r:id="rId17"/>
+    <p:sldId id="261" r:id="rId18"/>
+    <p:sldId id="263" r:id="rId19"/>
+    <p:sldId id="262" r:id="rId20"/>
+    <p:sldId id="264" r:id="rId21"/>
+    <p:sldId id="265" r:id="rId22"/>
+    <p:sldId id="266" r:id="rId23"/>
+    <p:sldId id="271" r:id="rId24"/>
+    <p:sldId id="270" r:id="rId25"/>
+    <p:sldId id="272" r:id="rId26"/>
+    <p:sldId id="273" r:id="rId27"/>
+    <p:sldId id="274" r:id="rId28"/>
+    <p:sldId id="275" r:id="rId29"/>
+    <p:sldId id="314" r:id="rId30"/>
+    <p:sldId id="315" r:id="rId31"/>
   </p:sldIdLst>
   <p:sldSz cx="12192000" cy="6858000"/>
   <p:notesSz cx="6858000" cy="9144000"/>
@@ -225,7 +226,7 @@
           <a:p>
             <a:fld id="{9D75346B-715E-CA4E-A294-01B0C7460D3C}" type="datetimeFigureOut">
               <a:rPr lang="en-BE" smtClean="0"/>
-              <a:t>02/10/2024</a:t>
+              <a:t>18/02/2025</a:t>
             </a:fld>
             <a:endParaRPr lang="en-BE"/>
           </a:p>
@@ -712,7 +713,7 @@
           <a:p>
             <a:fld id="{29370A86-051A-7C48-98C3-08CACFB9377A}" type="slidenum">
               <a:rPr lang="en-BE" smtClean="0"/>
-              <a:t>27</a:t>
+              <a:t>28</a:t>
             </a:fld>
             <a:endParaRPr lang="en-BE"/>
           </a:p>
@@ -866,7 +867,7 @@
           <a:p>
             <a:fld id="{29370A86-051A-7C48-98C3-08CACFB9377A}" type="slidenum">
               <a:rPr lang="en-BE" smtClean="0"/>
-              <a:t>28</a:t>
+              <a:t>29</a:t>
             </a:fld>
             <a:endParaRPr lang="en-BE"/>
           </a:p>
@@ -1143,7 +1144,7 @@
             </a:pPr>
             <a:fld id="{00000000-1234-1234-1234-123412341234}" type="slidenum">
               <a:rPr lang="en-GB"/>
-              <a:t>4</a:t>
+              <a:t>5</a:t>
             </a:fld>
             <a:endParaRPr/>
           </a:p>
@@ -1336,7 +1337,7 @@
             </a:pPr>
             <a:fld id="{00000000-1234-1234-1234-123412341234}" type="slidenum">
               <a:rPr lang="en-GB"/>
-              <a:t>5</a:t>
+              <a:t>6</a:t>
             </a:fld>
             <a:endParaRPr/>
           </a:p>
@@ -1769,7 +1770,7 @@
             </a:pPr>
             <a:fld id="{00000000-1234-1234-1234-123412341234}" type="slidenum">
               <a:rPr lang="en-GB"/>
-              <a:t>6</a:t>
+              <a:t>7</a:t>
             </a:fld>
             <a:endParaRPr/>
           </a:p>
@@ -1949,7 +1950,7 @@
             </a:pPr>
             <a:fld id="{00000000-1234-1234-1234-123412341234}" type="slidenum">
               <a:rPr lang="en-GB"/>
-              <a:t>7</a:t>
+              <a:t>8</a:t>
             </a:fld>
             <a:endParaRPr/>
           </a:p>
@@ -2028,7 +2029,7 @@
           <a:p>
             <a:fld id="{29370A86-051A-7C48-98C3-08CACFB9377A}" type="slidenum">
               <a:rPr lang="en-BE" smtClean="0"/>
-              <a:t>8</a:t>
+              <a:t>9</a:t>
             </a:fld>
             <a:endParaRPr lang="en-BE"/>
           </a:p>
@@ -2112,7 +2113,7 @@
           <a:p>
             <a:fld id="{29370A86-051A-7C48-98C3-08CACFB9377A}" type="slidenum">
               <a:rPr lang="en-BE" smtClean="0"/>
-              <a:t>22</a:t>
+              <a:t>23</a:t>
             </a:fld>
             <a:endParaRPr lang="en-BE"/>
           </a:p>
@@ -2518,7 +2519,7 @@
           <a:p>
             <a:fld id="{29370A86-051A-7C48-98C3-08CACFB9377A}" type="slidenum">
               <a:rPr lang="en-BE" smtClean="0"/>
-              <a:t>23</a:t>
+              <a:t>24</a:t>
             </a:fld>
             <a:endParaRPr lang="en-BE"/>
           </a:p>
@@ -2796,7 +2797,7 @@
           <a:p>
             <a:fld id="{29370A86-051A-7C48-98C3-08CACFB9377A}" type="slidenum">
               <a:rPr lang="en-BE" smtClean="0"/>
-              <a:t>24</a:t>
+              <a:t>25</a:t>
             </a:fld>
             <a:endParaRPr lang="en-BE"/>
           </a:p>
@@ -2964,7 +2965,7 @@
           <a:p>
             <a:fld id="{915E5E83-BDD3-3F47-8DA5-8D6610ED5E3B}" type="datetimeFigureOut">
               <a:rPr lang="en-BE" smtClean="0"/>
-              <a:t>02/10/2024</a:t>
+              <a:t>18/02/2025</a:t>
             </a:fld>
             <a:endParaRPr lang="en-BE"/>
           </a:p>
@@ -3164,7 +3165,7 @@
           <a:p>
             <a:fld id="{915E5E83-BDD3-3F47-8DA5-8D6610ED5E3B}" type="datetimeFigureOut">
               <a:rPr lang="en-BE" smtClean="0"/>
-              <a:t>02/10/2024</a:t>
+              <a:t>18/02/2025</a:t>
             </a:fld>
             <a:endParaRPr lang="en-BE"/>
           </a:p>
@@ -3374,7 +3375,7 @@
           <a:p>
             <a:fld id="{915E5E83-BDD3-3F47-8DA5-8D6610ED5E3B}" type="datetimeFigureOut">
               <a:rPr lang="en-BE" smtClean="0"/>
-              <a:t>02/10/2024</a:t>
+              <a:t>18/02/2025</a:t>
             </a:fld>
             <a:endParaRPr lang="en-BE"/>
           </a:p>
@@ -3574,7 +3575,7 @@
           <a:p>
             <a:fld id="{915E5E83-BDD3-3F47-8DA5-8D6610ED5E3B}" type="datetimeFigureOut">
               <a:rPr lang="en-BE" smtClean="0"/>
-              <a:t>02/10/2024</a:t>
+              <a:t>18/02/2025</a:t>
             </a:fld>
             <a:endParaRPr lang="en-BE"/>
           </a:p>
@@ -3850,7 +3851,7 @@
           <a:p>
             <a:fld id="{915E5E83-BDD3-3F47-8DA5-8D6610ED5E3B}" type="datetimeFigureOut">
               <a:rPr lang="en-BE" smtClean="0"/>
-              <a:t>02/10/2024</a:t>
+              <a:t>18/02/2025</a:t>
             </a:fld>
             <a:endParaRPr lang="en-BE"/>
           </a:p>
@@ -4118,7 +4119,7 @@
           <a:p>
             <a:fld id="{915E5E83-BDD3-3F47-8DA5-8D6610ED5E3B}" type="datetimeFigureOut">
               <a:rPr lang="en-BE" smtClean="0"/>
-              <a:t>02/10/2024</a:t>
+              <a:t>18/02/2025</a:t>
             </a:fld>
             <a:endParaRPr lang="en-BE"/>
           </a:p>
@@ -4533,7 +4534,7 @@
           <a:p>
             <a:fld id="{915E5E83-BDD3-3F47-8DA5-8D6610ED5E3B}" type="datetimeFigureOut">
               <a:rPr lang="en-BE" smtClean="0"/>
-              <a:t>02/10/2024</a:t>
+              <a:t>18/02/2025</a:t>
             </a:fld>
             <a:endParaRPr lang="en-BE"/>
           </a:p>
@@ -4675,7 +4676,7 @@
           <a:p>
             <a:fld id="{915E5E83-BDD3-3F47-8DA5-8D6610ED5E3B}" type="datetimeFigureOut">
               <a:rPr lang="en-BE" smtClean="0"/>
-              <a:t>02/10/2024</a:t>
+              <a:t>18/02/2025</a:t>
             </a:fld>
             <a:endParaRPr lang="en-BE"/>
           </a:p>
@@ -4788,7 +4789,7 @@
           <a:p>
             <a:fld id="{915E5E83-BDD3-3F47-8DA5-8D6610ED5E3B}" type="datetimeFigureOut">
               <a:rPr lang="en-BE" smtClean="0"/>
-              <a:t>02/10/2024</a:t>
+              <a:t>18/02/2025</a:t>
             </a:fld>
             <a:endParaRPr lang="en-BE"/>
           </a:p>
@@ -5101,7 +5102,7 @@
           <a:p>
             <a:fld id="{915E5E83-BDD3-3F47-8DA5-8D6610ED5E3B}" type="datetimeFigureOut">
               <a:rPr lang="en-BE" smtClean="0"/>
-              <a:t>02/10/2024</a:t>
+              <a:t>18/02/2025</a:t>
             </a:fld>
             <a:endParaRPr lang="en-BE"/>
           </a:p>
@@ -5390,7 +5391,7 @@
           <a:p>
             <a:fld id="{915E5E83-BDD3-3F47-8DA5-8D6610ED5E3B}" type="datetimeFigureOut">
               <a:rPr lang="en-BE" smtClean="0"/>
-              <a:t>02/10/2024</a:t>
+              <a:t>18/02/2025</a:t>
             </a:fld>
             <a:endParaRPr lang="en-BE"/>
           </a:p>
@@ -5633,7 +5634,7 @@
           <a:p>
             <a:fld id="{915E5E83-BDD3-3F47-8DA5-8D6610ED5E3B}" type="datetimeFigureOut">
               <a:rPr lang="en-BE" smtClean="0"/>
-              <a:t>02/10/2024</a:t>
+              <a:t>18/02/2025</a:t>
             </a:fld>
             <a:endParaRPr lang="en-BE"/>
           </a:p>
@@ -6191,6 +6192,992 @@
 </file>
 
 <file path=ppt/slides/slide10.xml><?xml version="1.0" encoding="utf-8"?>
+<p:sld xmlns:a="http://schemas.openxmlformats.org/drawingml/2006/main" xmlns:r="http://schemas.openxmlformats.org/officeDocument/2006/relationships" xmlns:p="http://schemas.openxmlformats.org/presentationml/2006/main" show="0">
+  <p:cSld>
+    <p:spTree>
+      <p:nvGrpSpPr>
+        <p:cNvPr id="1" name=""/>
+        <p:cNvGrpSpPr/>
+        <p:nvPr/>
+      </p:nvGrpSpPr>
+      <p:grpSpPr>
+        <a:xfrm>
+          <a:off x="0" y="0"/>
+          <a:ext cx="0" cy="0"/>
+          <a:chOff x="0" y="0"/>
+          <a:chExt cx="0" cy="0"/>
+        </a:xfrm>
+      </p:grpSpPr>
+      <p:sp>
+        <p:nvSpPr>
+          <p:cNvPr id="2" name="Title 1">
+            <a:extLst>
+              <a:ext uri="{FF2B5EF4-FFF2-40B4-BE49-F238E27FC236}">
+                <a16:creationId xmlns:a16="http://schemas.microsoft.com/office/drawing/2014/main" id="{4A1894D3-33A2-4B7A-5A7D-BE8BF8C4A8B9}"/>
+              </a:ext>
+            </a:extLst>
+          </p:cNvPr>
+          <p:cNvSpPr>
+            <a:spLocks noGrp="1"/>
+          </p:cNvSpPr>
+          <p:nvPr>
+            <p:ph type="title"/>
+          </p:nvPr>
+        </p:nvSpPr>
+        <p:spPr>
+          <a:xfrm>
+            <a:off x="838200" y="365126"/>
+            <a:ext cx="10515600" cy="763588"/>
+          </a:xfrm>
+        </p:spPr>
+        <p:txBody>
+          <a:bodyPr/>
+          <a:lstStyle/>
+          <a:p>
+            <a:r>
+              <a:rPr lang="en-US" dirty="0"/>
+              <a:t>Conceptual Design vs Technical Design</a:t>
+            </a:r>
+          </a:p>
+        </p:txBody>
+      </p:sp>
+      <p:graphicFrame>
+        <p:nvGraphicFramePr>
+          <p:cNvPr id="4" name="Table 3">
+            <a:extLst>
+              <a:ext uri="{FF2B5EF4-FFF2-40B4-BE49-F238E27FC236}">
+                <a16:creationId xmlns:a16="http://schemas.microsoft.com/office/drawing/2014/main" id="{18847EB7-C485-502A-03A5-AF2233818998}"/>
+              </a:ext>
+            </a:extLst>
+          </p:cNvPr>
+          <p:cNvGraphicFramePr>
+            <a:graphicFrameLocks noGrp="1"/>
+          </p:cNvGraphicFramePr>
+          <p:nvPr>
+            <p:extLst>
+              <p:ext uri="{D42A27DB-BD31-4B8C-83A1-F6EECF244321}">
+                <p14:modId xmlns:p14="http://schemas.microsoft.com/office/powerpoint/2010/main" val="2628271176"/>
+              </p:ext>
+            </p:extLst>
+          </p:nvPr>
+        </p:nvGraphicFramePr>
+        <p:xfrm>
+          <a:off x="838200" y="1563686"/>
+          <a:ext cx="10215562" cy="4773640"/>
+        </p:xfrm>
+        <a:graphic>
+          <a:graphicData uri="http://schemas.openxmlformats.org/drawingml/2006/table">
+            <a:tbl>
+              <a:tblPr/>
+              <a:tblGrid>
+                <a:gridCol w="5107781">
+                  <a:extLst>
+                    <a:ext uri="{9D8B030D-6E8A-4147-A177-3AD203B41FA5}">
+                      <a16:colId xmlns:a16="http://schemas.microsoft.com/office/drawing/2014/main" val="1061370426"/>
+                    </a:ext>
+                  </a:extLst>
+                </a:gridCol>
+                <a:gridCol w="5107781">
+                  <a:extLst>
+                    <a:ext uri="{9D8B030D-6E8A-4147-A177-3AD203B41FA5}">
+                      <a16:colId xmlns:a16="http://schemas.microsoft.com/office/drawing/2014/main" val="3355039544"/>
+                    </a:ext>
+                  </a:extLst>
+                </a:gridCol>
+              </a:tblGrid>
+              <a:tr h="355211">
+                <a:tc>
+                  <a:txBody>
+                    <a:bodyPr/>
+                    <a:lstStyle/>
+                    <a:p>
+                      <a:pPr fontAlgn="b"/>
+                      <a:r>
+                        <a:rPr lang="en-GB" sz="2000" b="1" dirty="0">
+                          <a:solidFill>
+                            <a:schemeClr val="tx1"/>
+                          </a:solidFill>
+                          <a:effectLst/>
+                        </a:rPr>
+                        <a:t>Conceptual Design</a:t>
+                      </a:r>
+                    </a:p>
+                  </a:txBody>
+                  <a:tcPr marL="88803" marR="88803" marT="44401" marB="44401" anchor="b">
+                    <a:lnL w="9525" cap="flat" cmpd="sng" algn="ctr">
+                      <a:solidFill>
+                        <a:srgbClr val="E3E3E3"/>
+                      </a:solidFill>
+                      <a:prstDash val="solid"/>
+                      <a:round/>
+                      <a:headEnd type="none" w="med" len="med"/>
+                      <a:tailEnd type="none" w="med" len="med"/>
+                    </a:lnL>
+                    <a:lnR w="9525" cap="flat" cmpd="sng" algn="ctr">
+                      <a:solidFill>
+                        <a:srgbClr val="E3E3E3"/>
+                      </a:solidFill>
+                      <a:prstDash val="solid"/>
+                      <a:round/>
+                      <a:headEnd type="none" w="med" len="med"/>
+                      <a:tailEnd type="none" w="med" len="med"/>
+                    </a:lnR>
+                    <a:lnT w="9525" cap="flat" cmpd="sng" algn="ctr">
+                      <a:solidFill>
+                        <a:srgbClr val="E3E3E3"/>
+                      </a:solidFill>
+                      <a:prstDash val="solid"/>
+                      <a:round/>
+                      <a:headEnd type="none" w="med" len="med"/>
+                      <a:tailEnd type="none" w="med" len="med"/>
+                    </a:lnT>
+                    <a:lnB w="12700" cap="flat" cmpd="sng" algn="ctr">
+                      <a:solidFill>
+                        <a:srgbClr val="E3E3E3"/>
+                      </a:solidFill>
+                      <a:prstDash val="solid"/>
+                      <a:round/>
+                      <a:headEnd type="none" w="med" len="med"/>
+                      <a:tailEnd type="none" w="med" len="med"/>
+                    </a:lnB>
+                    <a:solidFill>
+                      <a:srgbClr val="FFFFFF"/>
+                    </a:solidFill>
+                  </a:tcPr>
+                </a:tc>
+                <a:tc>
+                  <a:txBody>
+                    <a:bodyPr/>
+                    <a:lstStyle/>
+                    <a:p>
+                      <a:pPr fontAlgn="b"/>
+                      <a:r>
+                        <a:rPr lang="en-GB" sz="2000" b="1">
+                          <a:solidFill>
+                            <a:schemeClr val="tx1"/>
+                          </a:solidFill>
+                          <a:effectLst/>
+                        </a:rPr>
+                        <a:t>Technical Design</a:t>
+                      </a:r>
+                    </a:p>
+                  </a:txBody>
+                  <a:tcPr marL="88803" marR="88803" marT="44401" marB="44401" anchor="b">
+                    <a:lnL w="9525" cap="flat" cmpd="sng" algn="ctr">
+                      <a:solidFill>
+                        <a:srgbClr val="E3E3E3"/>
+                      </a:solidFill>
+                      <a:prstDash val="solid"/>
+                      <a:round/>
+                      <a:headEnd type="none" w="med" len="med"/>
+                      <a:tailEnd type="none" w="med" len="med"/>
+                    </a:lnL>
+                    <a:lnR w="9525" cap="flat" cmpd="sng" algn="ctr">
+                      <a:solidFill>
+                        <a:srgbClr val="E3E3E3"/>
+                      </a:solidFill>
+                      <a:prstDash val="solid"/>
+                      <a:round/>
+                      <a:headEnd type="none" w="med" len="med"/>
+                      <a:tailEnd type="none" w="med" len="med"/>
+                    </a:lnR>
+                    <a:lnT w="9525" cap="flat" cmpd="sng" algn="ctr">
+                      <a:solidFill>
+                        <a:srgbClr val="E3E3E3"/>
+                      </a:solidFill>
+                      <a:prstDash val="solid"/>
+                      <a:round/>
+                      <a:headEnd type="none" w="med" len="med"/>
+                      <a:tailEnd type="none" w="med" len="med"/>
+                    </a:lnT>
+                    <a:lnB w="12700" cap="flat" cmpd="sng" algn="ctr">
+                      <a:solidFill>
+                        <a:srgbClr val="E3E3E3"/>
+                      </a:solidFill>
+                      <a:prstDash val="solid"/>
+                      <a:round/>
+                      <a:headEnd type="none" w="med" len="med"/>
+                      <a:tailEnd type="none" w="med" len="med"/>
+                    </a:lnB>
+                    <a:solidFill>
+                      <a:srgbClr val="FFFFFF"/>
+                    </a:solidFill>
+                  </a:tcPr>
+                </a:tc>
+                <a:extLst>
+                  <a:ext uri="{0D108BD9-81ED-4DB2-BD59-A6C34878D82A}">
+                    <a16:rowId xmlns:a16="http://schemas.microsoft.com/office/drawing/2014/main" val="545554010"/>
+                  </a:ext>
+                </a:extLst>
+              </a:tr>
+              <a:tr h="888028">
+                <a:tc>
+                  <a:txBody>
+                    <a:bodyPr/>
+                    <a:lstStyle/>
+                    <a:p>
+                      <a:pPr fontAlgn="base"/>
+                      <a:r>
+                        <a:rPr lang="en-GB" sz="2000" dirty="0">
+                          <a:solidFill>
+                            <a:schemeClr val="tx1"/>
+                          </a:solidFill>
+                          <a:effectLst/>
+                        </a:rPr>
+                        <a:t>Focuses on high-level ideas, goals, and requirements</a:t>
+                      </a:r>
+                    </a:p>
+                  </a:txBody>
+                  <a:tcPr marL="88803" marR="88803" marT="44401" marB="44401" anchor="ctr">
+                    <a:lnL w="9525" cap="flat" cmpd="sng" algn="ctr">
+                      <a:solidFill>
+                        <a:srgbClr val="E3E3E3"/>
+                      </a:solidFill>
+                      <a:prstDash val="solid"/>
+                      <a:round/>
+                      <a:headEnd type="none" w="med" len="med"/>
+                      <a:tailEnd type="none" w="med" len="med"/>
+                    </a:lnL>
+                    <a:lnR w="9525" cap="flat" cmpd="sng" algn="ctr">
+                      <a:solidFill>
+                        <a:srgbClr val="E3E3E3"/>
+                      </a:solidFill>
+                      <a:prstDash val="solid"/>
+                      <a:round/>
+                      <a:headEnd type="none" w="med" len="med"/>
+                      <a:tailEnd type="none" w="med" len="med"/>
+                    </a:lnR>
+                    <a:lnT w="12700" cap="flat" cmpd="sng" algn="ctr">
+                      <a:solidFill>
+                        <a:srgbClr val="E3E3E3"/>
+                      </a:solidFill>
+                      <a:prstDash val="solid"/>
+                      <a:round/>
+                      <a:headEnd type="none" w="med" len="med"/>
+                      <a:tailEnd type="none" w="med" len="med"/>
+                    </a:lnT>
+                    <a:lnB w="12700" cap="flat" cmpd="sng" algn="ctr">
+                      <a:solidFill>
+                        <a:srgbClr val="E3E3E3"/>
+                      </a:solidFill>
+                      <a:prstDash val="solid"/>
+                      <a:round/>
+                      <a:headEnd type="none" w="med" len="med"/>
+                      <a:tailEnd type="none" w="med" len="med"/>
+                    </a:lnB>
+                    <a:solidFill>
+                      <a:srgbClr val="FFFFFF"/>
+                    </a:solidFill>
+                  </a:tcPr>
+                </a:tc>
+                <a:tc>
+                  <a:txBody>
+                    <a:bodyPr/>
+                    <a:lstStyle/>
+                    <a:p>
+                      <a:pPr fontAlgn="base"/>
+                      <a:r>
+                        <a:rPr lang="en-GB" sz="2000">
+                          <a:solidFill>
+                            <a:schemeClr val="tx1"/>
+                          </a:solidFill>
+                          <a:effectLst/>
+                        </a:rPr>
+                        <a:t>Focuses on detailed specifications and implementation details</a:t>
+                      </a:r>
+                    </a:p>
+                  </a:txBody>
+                  <a:tcPr marL="88803" marR="88803" marT="44401" marB="44401" anchor="ctr">
+                    <a:lnL w="9525" cap="flat" cmpd="sng" algn="ctr">
+                      <a:solidFill>
+                        <a:srgbClr val="E3E3E3"/>
+                      </a:solidFill>
+                      <a:prstDash val="solid"/>
+                      <a:round/>
+                      <a:headEnd type="none" w="med" len="med"/>
+                      <a:tailEnd type="none" w="med" len="med"/>
+                    </a:lnL>
+                    <a:lnR w="9525" cap="flat" cmpd="sng" algn="ctr">
+                      <a:solidFill>
+                        <a:srgbClr val="E3E3E3"/>
+                      </a:solidFill>
+                      <a:prstDash val="solid"/>
+                      <a:round/>
+                      <a:headEnd type="none" w="med" len="med"/>
+                      <a:tailEnd type="none" w="med" len="med"/>
+                    </a:lnR>
+                    <a:lnT w="12700" cap="flat" cmpd="sng" algn="ctr">
+                      <a:solidFill>
+                        <a:srgbClr val="E3E3E3"/>
+                      </a:solidFill>
+                      <a:prstDash val="solid"/>
+                      <a:round/>
+                      <a:headEnd type="none" w="med" len="med"/>
+                      <a:tailEnd type="none" w="med" len="med"/>
+                    </a:lnT>
+                    <a:lnB w="12700" cap="flat" cmpd="sng" algn="ctr">
+                      <a:solidFill>
+                        <a:srgbClr val="E3E3E3"/>
+                      </a:solidFill>
+                      <a:prstDash val="solid"/>
+                      <a:round/>
+                      <a:headEnd type="none" w="med" len="med"/>
+                      <a:tailEnd type="none" w="med" len="med"/>
+                    </a:lnB>
+                    <a:solidFill>
+                      <a:srgbClr val="FFFFFF"/>
+                    </a:solidFill>
+                  </a:tcPr>
+                </a:tc>
+                <a:extLst>
+                  <a:ext uri="{0D108BD9-81ED-4DB2-BD59-A6C34878D82A}">
+                    <a16:rowId xmlns:a16="http://schemas.microsoft.com/office/drawing/2014/main" val="3821555425"/>
+                  </a:ext>
+                </a:extLst>
+              </a:tr>
+              <a:tr h="621620">
+                <a:tc>
+                  <a:txBody>
+                    <a:bodyPr/>
+                    <a:lstStyle/>
+                    <a:p>
+                      <a:pPr fontAlgn="base"/>
+                      <a:r>
+                        <a:rPr lang="en-GB" sz="2000" dirty="0">
+                          <a:solidFill>
+                            <a:schemeClr val="tx1"/>
+                          </a:solidFill>
+                          <a:effectLst/>
+                        </a:rPr>
+                        <a:t>Captures the essence and purpose of the system</a:t>
+                      </a:r>
+                    </a:p>
+                  </a:txBody>
+                  <a:tcPr marL="88803" marR="88803" marT="44401" marB="44401" anchor="ctr">
+                    <a:lnL w="9525" cap="flat" cmpd="sng" algn="ctr">
+                      <a:solidFill>
+                        <a:srgbClr val="E3E3E3"/>
+                      </a:solidFill>
+                      <a:prstDash val="solid"/>
+                      <a:round/>
+                      <a:headEnd type="none" w="med" len="med"/>
+                      <a:tailEnd type="none" w="med" len="med"/>
+                    </a:lnL>
+                    <a:lnR w="9525" cap="flat" cmpd="sng" algn="ctr">
+                      <a:solidFill>
+                        <a:srgbClr val="E3E3E3"/>
+                      </a:solidFill>
+                      <a:prstDash val="solid"/>
+                      <a:round/>
+                      <a:headEnd type="none" w="med" len="med"/>
+                      <a:tailEnd type="none" w="med" len="med"/>
+                    </a:lnR>
+                    <a:lnT w="12700" cap="flat" cmpd="sng" algn="ctr">
+                      <a:solidFill>
+                        <a:srgbClr val="E3E3E3"/>
+                      </a:solidFill>
+                      <a:prstDash val="solid"/>
+                      <a:round/>
+                      <a:headEnd type="none" w="med" len="med"/>
+                      <a:tailEnd type="none" w="med" len="med"/>
+                    </a:lnT>
+                    <a:lnB w="12700" cap="flat" cmpd="sng" algn="ctr">
+                      <a:solidFill>
+                        <a:srgbClr val="E3E3E3"/>
+                      </a:solidFill>
+                      <a:prstDash val="solid"/>
+                      <a:round/>
+                      <a:headEnd type="none" w="med" len="med"/>
+                      <a:tailEnd type="none" w="med" len="med"/>
+                    </a:lnB>
+                    <a:solidFill>
+                      <a:srgbClr val="FFFFFF"/>
+                    </a:solidFill>
+                  </a:tcPr>
+                </a:tc>
+                <a:tc>
+                  <a:txBody>
+                    <a:bodyPr/>
+                    <a:lstStyle/>
+                    <a:p>
+                      <a:pPr fontAlgn="base"/>
+                      <a:r>
+                        <a:rPr lang="en-GB" sz="2000">
+                          <a:solidFill>
+                            <a:schemeClr val="tx1"/>
+                          </a:solidFill>
+                          <a:effectLst/>
+                        </a:rPr>
+                        <a:t>Specifies how the system will be built and function</a:t>
+                      </a:r>
+                    </a:p>
+                  </a:txBody>
+                  <a:tcPr marL="88803" marR="88803" marT="44401" marB="44401" anchor="ctr">
+                    <a:lnL w="9525" cap="flat" cmpd="sng" algn="ctr">
+                      <a:solidFill>
+                        <a:srgbClr val="E3E3E3"/>
+                      </a:solidFill>
+                      <a:prstDash val="solid"/>
+                      <a:round/>
+                      <a:headEnd type="none" w="med" len="med"/>
+                      <a:tailEnd type="none" w="med" len="med"/>
+                    </a:lnL>
+                    <a:lnR w="9525" cap="flat" cmpd="sng" algn="ctr">
+                      <a:solidFill>
+                        <a:srgbClr val="E3E3E3"/>
+                      </a:solidFill>
+                      <a:prstDash val="solid"/>
+                      <a:round/>
+                      <a:headEnd type="none" w="med" len="med"/>
+                      <a:tailEnd type="none" w="med" len="med"/>
+                    </a:lnR>
+                    <a:lnT w="12700" cap="flat" cmpd="sng" algn="ctr">
+                      <a:solidFill>
+                        <a:srgbClr val="E3E3E3"/>
+                      </a:solidFill>
+                      <a:prstDash val="solid"/>
+                      <a:round/>
+                      <a:headEnd type="none" w="med" len="med"/>
+                      <a:tailEnd type="none" w="med" len="med"/>
+                    </a:lnT>
+                    <a:lnB w="12700" cap="flat" cmpd="sng" algn="ctr">
+                      <a:solidFill>
+                        <a:srgbClr val="E3E3E3"/>
+                      </a:solidFill>
+                      <a:prstDash val="solid"/>
+                      <a:round/>
+                      <a:headEnd type="none" w="med" len="med"/>
+                      <a:tailEnd type="none" w="med" len="med"/>
+                    </a:lnB>
+                    <a:solidFill>
+                      <a:srgbClr val="FFFFFF"/>
+                    </a:solidFill>
+                  </a:tcPr>
+                </a:tc>
+                <a:extLst>
+                  <a:ext uri="{0D108BD9-81ED-4DB2-BD59-A6C34878D82A}">
+                    <a16:rowId xmlns:a16="http://schemas.microsoft.com/office/drawing/2014/main" val="798187894"/>
+                  </a:ext>
+                </a:extLst>
+              </a:tr>
+              <a:tr h="621620">
+                <a:tc>
+                  <a:txBody>
+                    <a:bodyPr/>
+                    <a:lstStyle/>
+                    <a:p>
+                      <a:pPr fontAlgn="base"/>
+                      <a:r>
+                        <a:rPr lang="en-GB" sz="2000" dirty="0">
+                          <a:solidFill>
+                            <a:schemeClr val="tx1"/>
+                          </a:solidFill>
+                          <a:effectLst/>
+                        </a:rPr>
+                        <a:t>Emphasizes the "what" of the system</a:t>
+                      </a:r>
+                    </a:p>
+                  </a:txBody>
+                  <a:tcPr marL="88803" marR="88803" marT="44401" marB="44401" anchor="ctr">
+                    <a:lnL w="9525" cap="flat" cmpd="sng" algn="ctr">
+                      <a:solidFill>
+                        <a:srgbClr val="E3E3E3"/>
+                      </a:solidFill>
+                      <a:prstDash val="solid"/>
+                      <a:round/>
+                      <a:headEnd type="none" w="med" len="med"/>
+                      <a:tailEnd type="none" w="med" len="med"/>
+                    </a:lnL>
+                    <a:lnR w="9525" cap="flat" cmpd="sng" algn="ctr">
+                      <a:solidFill>
+                        <a:srgbClr val="E3E3E3"/>
+                      </a:solidFill>
+                      <a:prstDash val="solid"/>
+                      <a:round/>
+                      <a:headEnd type="none" w="med" len="med"/>
+                      <a:tailEnd type="none" w="med" len="med"/>
+                    </a:lnR>
+                    <a:lnT w="12700" cap="flat" cmpd="sng" algn="ctr">
+                      <a:solidFill>
+                        <a:srgbClr val="E3E3E3"/>
+                      </a:solidFill>
+                      <a:prstDash val="solid"/>
+                      <a:round/>
+                      <a:headEnd type="none" w="med" len="med"/>
+                      <a:tailEnd type="none" w="med" len="med"/>
+                    </a:lnT>
+                    <a:lnB w="12700" cap="flat" cmpd="sng" algn="ctr">
+                      <a:solidFill>
+                        <a:srgbClr val="E3E3E3"/>
+                      </a:solidFill>
+                      <a:prstDash val="solid"/>
+                      <a:round/>
+                      <a:headEnd type="none" w="med" len="med"/>
+                      <a:tailEnd type="none" w="med" len="med"/>
+                    </a:lnB>
+                    <a:solidFill>
+                      <a:srgbClr val="FFFFFF"/>
+                    </a:solidFill>
+                  </a:tcPr>
+                </a:tc>
+                <a:tc>
+                  <a:txBody>
+                    <a:bodyPr/>
+                    <a:lstStyle/>
+                    <a:p>
+                      <a:pPr fontAlgn="base"/>
+                      <a:r>
+                        <a:rPr lang="en-GB" sz="2000">
+                          <a:solidFill>
+                            <a:schemeClr val="tx1"/>
+                          </a:solidFill>
+                          <a:effectLst/>
+                        </a:rPr>
+                        <a:t>Emphasizes the "how" of implementing the system</a:t>
+                      </a:r>
+                    </a:p>
+                  </a:txBody>
+                  <a:tcPr marL="88803" marR="88803" marT="44401" marB="44401" anchor="ctr">
+                    <a:lnL w="9525" cap="flat" cmpd="sng" algn="ctr">
+                      <a:solidFill>
+                        <a:srgbClr val="E3E3E3"/>
+                      </a:solidFill>
+                      <a:prstDash val="solid"/>
+                      <a:round/>
+                      <a:headEnd type="none" w="med" len="med"/>
+                      <a:tailEnd type="none" w="med" len="med"/>
+                    </a:lnL>
+                    <a:lnR w="9525" cap="flat" cmpd="sng" algn="ctr">
+                      <a:solidFill>
+                        <a:srgbClr val="E3E3E3"/>
+                      </a:solidFill>
+                      <a:prstDash val="solid"/>
+                      <a:round/>
+                      <a:headEnd type="none" w="med" len="med"/>
+                      <a:tailEnd type="none" w="med" len="med"/>
+                    </a:lnR>
+                    <a:lnT w="12700" cap="flat" cmpd="sng" algn="ctr">
+                      <a:solidFill>
+                        <a:srgbClr val="E3E3E3"/>
+                      </a:solidFill>
+                      <a:prstDash val="solid"/>
+                      <a:round/>
+                      <a:headEnd type="none" w="med" len="med"/>
+                      <a:tailEnd type="none" w="med" len="med"/>
+                    </a:lnT>
+                    <a:lnB w="12700" cap="flat" cmpd="sng" algn="ctr">
+                      <a:solidFill>
+                        <a:srgbClr val="E3E3E3"/>
+                      </a:solidFill>
+                      <a:prstDash val="solid"/>
+                      <a:round/>
+                      <a:headEnd type="none" w="med" len="med"/>
+                      <a:tailEnd type="none" w="med" len="med"/>
+                    </a:lnB>
+                    <a:solidFill>
+                      <a:srgbClr val="FFFFFF"/>
+                    </a:solidFill>
+                  </a:tcPr>
+                </a:tc>
+                <a:extLst>
+                  <a:ext uri="{0D108BD9-81ED-4DB2-BD59-A6C34878D82A}">
+                    <a16:rowId xmlns:a16="http://schemas.microsoft.com/office/drawing/2014/main" val="2484308898"/>
+                  </a:ext>
+                </a:extLst>
+              </a:tr>
+              <a:tr h="621620">
+                <a:tc>
+                  <a:txBody>
+                    <a:bodyPr/>
+                    <a:lstStyle/>
+                    <a:p>
+                      <a:pPr fontAlgn="base"/>
+                      <a:r>
+                        <a:rPr lang="en-GB" sz="2000" dirty="0">
+                          <a:solidFill>
+                            <a:schemeClr val="tx1"/>
+                          </a:solidFill>
+                          <a:effectLst/>
+                        </a:rPr>
+                        <a:t>Typically expressed through diagrams and narratives</a:t>
+                      </a:r>
+                    </a:p>
+                  </a:txBody>
+                  <a:tcPr marL="88803" marR="88803" marT="44401" marB="44401" anchor="ctr">
+                    <a:lnL w="9525" cap="flat" cmpd="sng" algn="ctr">
+                      <a:solidFill>
+                        <a:srgbClr val="E3E3E3"/>
+                      </a:solidFill>
+                      <a:prstDash val="solid"/>
+                      <a:round/>
+                      <a:headEnd type="none" w="med" len="med"/>
+                      <a:tailEnd type="none" w="med" len="med"/>
+                    </a:lnL>
+                    <a:lnR w="9525" cap="flat" cmpd="sng" algn="ctr">
+                      <a:solidFill>
+                        <a:srgbClr val="E3E3E3"/>
+                      </a:solidFill>
+                      <a:prstDash val="solid"/>
+                      <a:round/>
+                      <a:headEnd type="none" w="med" len="med"/>
+                      <a:tailEnd type="none" w="med" len="med"/>
+                    </a:lnR>
+                    <a:lnT w="12700" cap="flat" cmpd="sng" algn="ctr">
+                      <a:solidFill>
+                        <a:srgbClr val="E3E3E3"/>
+                      </a:solidFill>
+                      <a:prstDash val="solid"/>
+                      <a:round/>
+                      <a:headEnd type="none" w="med" len="med"/>
+                      <a:tailEnd type="none" w="med" len="med"/>
+                    </a:lnT>
+                    <a:lnB w="12700" cap="flat" cmpd="sng" algn="ctr">
+                      <a:solidFill>
+                        <a:srgbClr val="E3E3E3"/>
+                      </a:solidFill>
+                      <a:prstDash val="solid"/>
+                      <a:round/>
+                      <a:headEnd type="none" w="med" len="med"/>
+                      <a:tailEnd type="none" w="med" len="med"/>
+                    </a:lnB>
+                    <a:solidFill>
+                      <a:srgbClr val="FFFFFF"/>
+                    </a:solidFill>
+                  </a:tcPr>
+                </a:tc>
+                <a:tc>
+                  <a:txBody>
+                    <a:bodyPr/>
+                    <a:lstStyle/>
+                    <a:p>
+                      <a:pPr fontAlgn="base"/>
+                      <a:r>
+                        <a:rPr lang="en-GB" sz="2000">
+                          <a:solidFill>
+                            <a:schemeClr val="tx1"/>
+                          </a:solidFill>
+                          <a:effectLst/>
+                        </a:rPr>
+                        <a:t>Typically expressed through diagrams and documentation</a:t>
+                      </a:r>
+                    </a:p>
+                  </a:txBody>
+                  <a:tcPr marL="88803" marR="88803" marT="44401" marB="44401" anchor="ctr">
+                    <a:lnL w="9525" cap="flat" cmpd="sng" algn="ctr">
+                      <a:solidFill>
+                        <a:srgbClr val="E3E3E3"/>
+                      </a:solidFill>
+                      <a:prstDash val="solid"/>
+                      <a:round/>
+                      <a:headEnd type="none" w="med" len="med"/>
+                      <a:tailEnd type="none" w="med" len="med"/>
+                    </a:lnL>
+                    <a:lnR w="9525" cap="flat" cmpd="sng" algn="ctr">
+                      <a:solidFill>
+                        <a:srgbClr val="E3E3E3"/>
+                      </a:solidFill>
+                      <a:prstDash val="solid"/>
+                      <a:round/>
+                      <a:headEnd type="none" w="med" len="med"/>
+                      <a:tailEnd type="none" w="med" len="med"/>
+                    </a:lnR>
+                    <a:lnT w="12700" cap="flat" cmpd="sng" algn="ctr">
+                      <a:solidFill>
+                        <a:srgbClr val="E3E3E3"/>
+                      </a:solidFill>
+                      <a:prstDash val="solid"/>
+                      <a:round/>
+                      <a:headEnd type="none" w="med" len="med"/>
+                      <a:tailEnd type="none" w="med" len="med"/>
+                    </a:lnT>
+                    <a:lnB w="12700" cap="flat" cmpd="sng" algn="ctr">
+                      <a:solidFill>
+                        <a:srgbClr val="E3E3E3"/>
+                      </a:solidFill>
+                      <a:prstDash val="solid"/>
+                      <a:round/>
+                      <a:headEnd type="none" w="med" len="med"/>
+                      <a:tailEnd type="none" w="med" len="med"/>
+                    </a:lnB>
+                    <a:solidFill>
+                      <a:srgbClr val="FFFFFF"/>
+                    </a:solidFill>
+                  </a:tcPr>
+                </a:tc>
+                <a:extLst>
+                  <a:ext uri="{0D108BD9-81ED-4DB2-BD59-A6C34878D82A}">
+                    <a16:rowId xmlns:a16="http://schemas.microsoft.com/office/drawing/2014/main" val="1736528481"/>
+                  </a:ext>
+                </a:extLst>
+              </a:tr>
+              <a:tr h="621620">
+                <a:tc>
+                  <a:txBody>
+                    <a:bodyPr/>
+                    <a:lstStyle/>
+                    <a:p>
+                      <a:pPr fontAlgn="base"/>
+                      <a:r>
+                        <a:rPr lang="en-GB" sz="2000" dirty="0">
+                          <a:solidFill>
+                            <a:schemeClr val="tx1"/>
+                          </a:solidFill>
+                          <a:effectLst/>
+                        </a:rPr>
+                        <a:t>Helps stakeholders understand the scope and vision</a:t>
+                      </a:r>
+                    </a:p>
+                  </a:txBody>
+                  <a:tcPr marL="88803" marR="88803" marT="44401" marB="44401" anchor="ctr">
+                    <a:lnL w="9525" cap="flat" cmpd="sng" algn="ctr">
+                      <a:solidFill>
+                        <a:srgbClr val="E3E3E3"/>
+                      </a:solidFill>
+                      <a:prstDash val="solid"/>
+                      <a:round/>
+                      <a:headEnd type="none" w="med" len="med"/>
+                      <a:tailEnd type="none" w="med" len="med"/>
+                    </a:lnL>
+                    <a:lnR w="9525" cap="flat" cmpd="sng" algn="ctr">
+                      <a:solidFill>
+                        <a:srgbClr val="E3E3E3"/>
+                      </a:solidFill>
+                      <a:prstDash val="solid"/>
+                      <a:round/>
+                      <a:headEnd type="none" w="med" len="med"/>
+                      <a:tailEnd type="none" w="med" len="med"/>
+                    </a:lnR>
+                    <a:lnT w="12700" cap="flat" cmpd="sng" algn="ctr">
+                      <a:solidFill>
+                        <a:srgbClr val="E3E3E3"/>
+                      </a:solidFill>
+                      <a:prstDash val="solid"/>
+                      <a:round/>
+                      <a:headEnd type="none" w="med" len="med"/>
+                      <a:tailEnd type="none" w="med" len="med"/>
+                    </a:lnT>
+                    <a:lnB w="12700" cap="flat" cmpd="sng" algn="ctr">
+                      <a:solidFill>
+                        <a:srgbClr val="E3E3E3"/>
+                      </a:solidFill>
+                      <a:prstDash val="solid"/>
+                      <a:round/>
+                      <a:headEnd type="none" w="med" len="med"/>
+                      <a:tailEnd type="none" w="med" len="med"/>
+                    </a:lnB>
+                    <a:solidFill>
+                      <a:srgbClr val="FFFFFF"/>
+                    </a:solidFill>
+                  </a:tcPr>
+                </a:tc>
+                <a:tc>
+                  <a:txBody>
+                    <a:bodyPr/>
+                    <a:lstStyle/>
+                    <a:p>
+                      <a:pPr fontAlgn="base"/>
+                      <a:r>
+                        <a:rPr lang="en-GB" sz="2000">
+                          <a:solidFill>
+                            <a:schemeClr val="tx1"/>
+                          </a:solidFill>
+                          <a:effectLst/>
+                        </a:rPr>
+                        <a:t>Guides developers in building the system components</a:t>
+                      </a:r>
+                    </a:p>
+                  </a:txBody>
+                  <a:tcPr marL="88803" marR="88803" marT="44401" marB="44401" anchor="ctr">
+                    <a:lnL w="9525" cap="flat" cmpd="sng" algn="ctr">
+                      <a:solidFill>
+                        <a:srgbClr val="E3E3E3"/>
+                      </a:solidFill>
+                      <a:prstDash val="solid"/>
+                      <a:round/>
+                      <a:headEnd type="none" w="med" len="med"/>
+                      <a:tailEnd type="none" w="med" len="med"/>
+                    </a:lnL>
+                    <a:lnR w="9525" cap="flat" cmpd="sng" algn="ctr">
+                      <a:solidFill>
+                        <a:srgbClr val="E3E3E3"/>
+                      </a:solidFill>
+                      <a:prstDash val="solid"/>
+                      <a:round/>
+                      <a:headEnd type="none" w="med" len="med"/>
+                      <a:tailEnd type="none" w="med" len="med"/>
+                    </a:lnR>
+                    <a:lnT w="12700" cap="flat" cmpd="sng" algn="ctr">
+                      <a:solidFill>
+                        <a:srgbClr val="E3E3E3"/>
+                      </a:solidFill>
+                      <a:prstDash val="solid"/>
+                      <a:round/>
+                      <a:headEnd type="none" w="med" len="med"/>
+                      <a:tailEnd type="none" w="med" len="med"/>
+                    </a:lnT>
+                    <a:lnB w="12700" cap="flat" cmpd="sng" algn="ctr">
+                      <a:solidFill>
+                        <a:srgbClr val="E3E3E3"/>
+                      </a:solidFill>
+                      <a:prstDash val="solid"/>
+                      <a:round/>
+                      <a:headEnd type="none" w="med" len="med"/>
+                      <a:tailEnd type="none" w="med" len="med"/>
+                    </a:lnB>
+                    <a:solidFill>
+                      <a:srgbClr val="FFFFFF"/>
+                    </a:solidFill>
+                  </a:tcPr>
+                </a:tc>
+                <a:extLst>
+                  <a:ext uri="{0D108BD9-81ED-4DB2-BD59-A6C34878D82A}">
+                    <a16:rowId xmlns:a16="http://schemas.microsoft.com/office/drawing/2014/main" val="700628358"/>
+                  </a:ext>
+                </a:extLst>
+              </a:tr>
+              <a:tr h="621620">
+                <a:tc>
+                  <a:txBody>
+                    <a:bodyPr/>
+                    <a:lstStyle/>
+                    <a:p>
+                      <a:pPr fontAlgn="base"/>
+                      <a:r>
+                        <a:rPr lang="en-GB" sz="2000">
+                          <a:solidFill>
+                            <a:schemeClr val="tx1"/>
+                          </a:solidFill>
+                          <a:effectLst/>
+                        </a:rPr>
+                        <a:t>May involve brainstorming sessions and user interviews</a:t>
+                      </a:r>
+                    </a:p>
+                  </a:txBody>
+                  <a:tcPr marL="88803" marR="88803" marT="44401" marB="44401" anchor="ctr">
+                    <a:lnL w="9525" cap="flat" cmpd="sng" algn="ctr">
+                      <a:solidFill>
+                        <a:srgbClr val="E3E3E3"/>
+                      </a:solidFill>
+                      <a:prstDash val="solid"/>
+                      <a:round/>
+                      <a:headEnd type="none" w="med" len="med"/>
+                      <a:tailEnd type="none" w="med" len="med"/>
+                    </a:lnL>
+                    <a:lnR w="9525" cap="flat" cmpd="sng" algn="ctr">
+                      <a:solidFill>
+                        <a:srgbClr val="E3E3E3"/>
+                      </a:solidFill>
+                      <a:prstDash val="solid"/>
+                      <a:round/>
+                      <a:headEnd type="none" w="med" len="med"/>
+                      <a:tailEnd type="none" w="med" len="med"/>
+                    </a:lnR>
+                    <a:lnT w="12700" cap="flat" cmpd="sng" algn="ctr">
+                      <a:solidFill>
+                        <a:srgbClr val="E3E3E3"/>
+                      </a:solidFill>
+                      <a:prstDash val="solid"/>
+                      <a:round/>
+                      <a:headEnd type="none" w="med" len="med"/>
+                      <a:tailEnd type="none" w="med" len="med"/>
+                    </a:lnT>
+                    <a:lnB w="9525" cap="flat" cmpd="sng" algn="ctr">
+                      <a:solidFill>
+                        <a:srgbClr val="E3E3E3"/>
+                      </a:solidFill>
+                      <a:prstDash val="solid"/>
+                      <a:round/>
+                      <a:headEnd type="none" w="med" len="med"/>
+                      <a:tailEnd type="none" w="med" len="med"/>
+                    </a:lnB>
+                    <a:solidFill>
+                      <a:srgbClr val="FFFFFF"/>
+                    </a:solidFill>
+                  </a:tcPr>
+                </a:tc>
+                <a:tc>
+                  <a:txBody>
+                    <a:bodyPr/>
+                    <a:lstStyle/>
+                    <a:p>
+                      <a:pPr fontAlgn="base"/>
+                      <a:r>
+                        <a:rPr lang="en-GB" sz="2000" dirty="0">
+                          <a:solidFill>
+                            <a:schemeClr val="tx1"/>
+                          </a:solidFill>
+                          <a:effectLst/>
+                        </a:rPr>
+                        <a:t>Involves architectural decisions and technical trade-offs</a:t>
+                      </a:r>
+                    </a:p>
+                  </a:txBody>
+                  <a:tcPr marL="88803" marR="88803" marT="44401" marB="44401" anchor="ctr">
+                    <a:lnL w="9525" cap="flat" cmpd="sng" algn="ctr">
+                      <a:solidFill>
+                        <a:srgbClr val="E3E3E3"/>
+                      </a:solidFill>
+                      <a:prstDash val="solid"/>
+                      <a:round/>
+                      <a:headEnd type="none" w="med" len="med"/>
+                      <a:tailEnd type="none" w="med" len="med"/>
+                    </a:lnL>
+                    <a:lnR w="9525" cap="flat" cmpd="sng" algn="ctr">
+                      <a:solidFill>
+                        <a:srgbClr val="E3E3E3"/>
+                      </a:solidFill>
+                      <a:prstDash val="solid"/>
+                      <a:round/>
+                      <a:headEnd type="none" w="med" len="med"/>
+                      <a:tailEnd type="none" w="med" len="med"/>
+                    </a:lnR>
+                    <a:lnT w="12700" cap="flat" cmpd="sng" algn="ctr">
+                      <a:solidFill>
+                        <a:srgbClr val="E3E3E3"/>
+                      </a:solidFill>
+                      <a:prstDash val="solid"/>
+                      <a:round/>
+                      <a:headEnd type="none" w="med" len="med"/>
+                      <a:tailEnd type="none" w="med" len="med"/>
+                    </a:lnT>
+                    <a:lnB w="9525" cap="flat" cmpd="sng" algn="ctr">
+                      <a:solidFill>
+                        <a:srgbClr val="E3E3E3"/>
+                      </a:solidFill>
+                      <a:prstDash val="solid"/>
+                      <a:round/>
+                      <a:headEnd type="none" w="med" len="med"/>
+                      <a:tailEnd type="none" w="med" len="med"/>
+                    </a:lnB>
+                    <a:solidFill>
+                      <a:srgbClr val="FFFFFF"/>
+                    </a:solidFill>
+                  </a:tcPr>
+                </a:tc>
+                <a:extLst>
+                  <a:ext uri="{0D108BD9-81ED-4DB2-BD59-A6C34878D82A}">
+                    <a16:rowId xmlns:a16="http://schemas.microsoft.com/office/drawing/2014/main" val="3023893508"/>
+                  </a:ext>
+                </a:extLst>
+              </a:tr>
+            </a:tbl>
+          </a:graphicData>
+        </a:graphic>
+      </p:graphicFrame>
+    </p:spTree>
+    <p:extLst>
+      <p:ext uri="{BB962C8B-B14F-4D97-AF65-F5344CB8AC3E}">
+        <p14:creationId xmlns:p14="http://schemas.microsoft.com/office/powerpoint/2010/main" val="3924461794"/>
+      </p:ext>
+    </p:extLst>
+  </p:cSld>
+  <p:clrMapOvr>
+    <a:masterClrMapping/>
+  </p:clrMapOvr>
+</p:sld>
+</file>
+
+<file path=ppt/slides/slide11.xml><?xml version="1.0" encoding="utf-8"?>
 <p:sld xmlns:a="http://schemas.openxmlformats.org/drawingml/2006/main" xmlns:r="http://schemas.openxmlformats.org/officeDocument/2006/relationships" xmlns:p="http://schemas.openxmlformats.org/presentationml/2006/main" show="0">
   <p:cSld>
     <p:spTree>
@@ -7596,7 +8583,7 @@
 </p:sld>
 </file>
 
-<file path=ppt/slides/slide11.xml><?xml version="1.0" encoding="utf-8"?>
+<file path=ppt/slides/slide12.xml><?xml version="1.0" encoding="utf-8"?>
 <p:sld xmlns:a="http://schemas.openxmlformats.org/drawingml/2006/main" xmlns:r="http://schemas.openxmlformats.org/officeDocument/2006/relationships" xmlns:p="http://schemas.openxmlformats.org/presentationml/2006/main">
   <p:cSld>
     <p:spTree>
@@ -7692,7 +8679,7 @@
 </p:sld>
 </file>
 
-<file path=ppt/slides/slide12.xml><?xml version="1.0" encoding="utf-8"?>
+<file path=ppt/slides/slide13.xml><?xml version="1.0" encoding="utf-8"?>
 <p:sld xmlns:a="http://schemas.openxmlformats.org/drawingml/2006/main" xmlns:r="http://schemas.openxmlformats.org/officeDocument/2006/relationships" xmlns:p="http://schemas.openxmlformats.org/presentationml/2006/main">
   <p:cSld>
     <p:spTree>
@@ -7817,7 +8804,7 @@
 </p:sld>
 </file>
 
-<file path=ppt/slides/slide13.xml><?xml version="1.0" encoding="utf-8"?>
+<file path=ppt/slides/slide14.xml><?xml version="1.0" encoding="utf-8"?>
 <p:sld xmlns:a="http://schemas.openxmlformats.org/drawingml/2006/main" xmlns:r="http://schemas.openxmlformats.org/officeDocument/2006/relationships" xmlns:p="http://schemas.openxmlformats.org/presentationml/2006/main">
   <p:cSld>
     <p:spTree>
@@ -8247,7 +9234,7 @@
 </p:sld>
 </file>
 
-<file path=ppt/slides/slide14.xml><?xml version="1.0" encoding="utf-8"?>
+<file path=ppt/slides/slide15.xml><?xml version="1.0" encoding="utf-8"?>
 <p:sld xmlns:a="http://schemas.openxmlformats.org/drawingml/2006/main" xmlns:r="http://schemas.openxmlformats.org/officeDocument/2006/relationships" xmlns:p="http://schemas.openxmlformats.org/presentationml/2006/main">
   <p:cSld>
     <p:spTree>
@@ -8511,7 +9498,7 @@
 </p:sld>
 </file>
 
-<file path=ppt/slides/slide15.xml><?xml version="1.0" encoding="utf-8"?>
+<file path=ppt/slides/slide16.xml><?xml version="1.0" encoding="utf-8"?>
 <p:sld xmlns:a="http://schemas.openxmlformats.org/drawingml/2006/main" xmlns:r="http://schemas.openxmlformats.org/officeDocument/2006/relationships" xmlns:p="http://schemas.openxmlformats.org/presentationml/2006/main">
   <p:cSld>
     <p:spTree>
@@ -8820,7 +9807,7 @@
 </p:sld>
 </file>
 
-<file path=ppt/slides/slide16.xml><?xml version="1.0" encoding="utf-8"?>
+<file path=ppt/slides/slide17.xml><?xml version="1.0" encoding="utf-8"?>
 <p:sld xmlns:a="http://schemas.openxmlformats.org/drawingml/2006/main" xmlns:r="http://schemas.openxmlformats.org/officeDocument/2006/relationships" xmlns:p="http://schemas.openxmlformats.org/presentationml/2006/main">
   <p:cSld>
     <p:spTree>
@@ -8961,7 +9948,7 @@
 </p:sld>
 </file>
 
-<file path=ppt/slides/slide17.xml><?xml version="1.0" encoding="utf-8"?>
+<file path=ppt/slides/slide18.xml><?xml version="1.0" encoding="utf-8"?>
 <p:sld xmlns:a="http://schemas.openxmlformats.org/drawingml/2006/main" xmlns:r="http://schemas.openxmlformats.org/officeDocument/2006/relationships" xmlns:p="http://schemas.openxmlformats.org/presentationml/2006/main">
   <p:cSld>
     <p:spTree>
@@ -9176,7 +10163,7 @@
 </p:sld>
 </file>
 
-<file path=ppt/slides/slide18.xml><?xml version="1.0" encoding="utf-8"?>
+<file path=ppt/slides/slide19.xml><?xml version="1.0" encoding="utf-8"?>
 <p:sld xmlns:a="http://schemas.openxmlformats.org/drawingml/2006/main" xmlns:r="http://schemas.openxmlformats.org/officeDocument/2006/relationships" xmlns:p="http://schemas.openxmlformats.org/presentationml/2006/main">
   <p:cSld>
     <p:spTree>
@@ -10233,7 +11220,132 @@
 </p:sld>
 </file>
 
-<file path=ppt/slides/slide19.xml><?xml version="1.0" encoding="utf-8"?>
+<file path=ppt/slides/slide2.xml><?xml version="1.0" encoding="utf-8"?>
+<p:sld xmlns:a="http://schemas.openxmlformats.org/drawingml/2006/main" xmlns:r="http://schemas.openxmlformats.org/officeDocument/2006/relationships" xmlns:p="http://schemas.openxmlformats.org/presentationml/2006/main">
+  <p:cSld>
+    <p:spTree>
+      <p:nvGrpSpPr>
+        <p:cNvPr id="1" name=""/>
+        <p:cNvGrpSpPr/>
+        <p:nvPr/>
+      </p:nvGrpSpPr>
+      <p:grpSpPr>
+        <a:xfrm>
+          <a:off x="0" y="0"/>
+          <a:ext cx="0" cy="0"/>
+          <a:chOff x="0" y="0"/>
+          <a:chExt cx="0" cy="0"/>
+        </a:xfrm>
+      </p:grpSpPr>
+      <p:sp>
+        <p:nvSpPr>
+          <p:cNvPr id="2" name="Title 1">
+            <a:extLst>
+              <a:ext uri="{FF2B5EF4-FFF2-40B4-BE49-F238E27FC236}">
+                <a16:creationId xmlns:a16="http://schemas.microsoft.com/office/drawing/2014/main" id="{C052B02A-6D2C-8593-D1D2-0F7F93D99A00}"/>
+              </a:ext>
+            </a:extLst>
+          </p:cNvPr>
+          <p:cNvSpPr>
+            <a:spLocks noGrp="1"/>
+          </p:cNvSpPr>
+          <p:nvPr>
+            <p:ph type="title"/>
+          </p:nvPr>
+        </p:nvSpPr>
+        <p:spPr/>
+        <p:txBody>
+          <a:bodyPr/>
+          <a:lstStyle/>
+          <a:p>
+            <a:r>
+              <a:rPr lang="en-BE" dirty="0"/>
+              <a:t>Announcements</a:t>
+            </a:r>
+          </a:p>
+        </p:txBody>
+      </p:sp>
+      <p:sp>
+        <p:nvSpPr>
+          <p:cNvPr id="3" name="Content Placeholder 2">
+            <a:extLst>
+              <a:ext uri="{FF2B5EF4-FFF2-40B4-BE49-F238E27FC236}">
+                <a16:creationId xmlns:a16="http://schemas.microsoft.com/office/drawing/2014/main" id="{0ADB13C0-2F22-7B03-F87C-066C9440C4DF}"/>
+              </a:ext>
+            </a:extLst>
+          </p:cNvPr>
+          <p:cNvSpPr>
+            <a:spLocks noGrp="1"/>
+          </p:cNvSpPr>
+          <p:nvPr>
+            <p:ph idx="1"/>
+          </p:nvPr>
+        </p:nvSpPr>
+        <p:spPr/>
+        <p:txBody>
+          <a:bodyPr/>
+          <a:lstStyle/>
+          <a:p>
+            <a:r>
+              <a:rPr lang="en-BE" dirty="0"/>
+              <a:t>Today is the last Face-to-face</a:t>
+            </a:r>
+          </a:p>
+          <a:p>
+            <a:r>
+              <a:rPr lang="en-BE" dirty="0"/>
+              <a:t>Submit your DP I today on Canvas and pin the Google doc on Discord</a:t>
+            </a:r>
+          </a:p>
+          <a:p>
+            <a:r>
+              <a:rPr lang="en-BE" dirty="0"/>
+              <a:t>Testing and CI grades will be posted end of this week.</a:t>
+            </a:r>
+          </a:p>
+          <a:p>
+            <a:r>
+              <a:rPr lang="en-BE" dirty="0"/>
+              <a:t>Focus on DP II and III – Its both team and individual</a:t>
+            </a:r>
+          </a:p>
+          <a:p>
+            <a:pPr lvl="1"/>
+            <a:r>
+              <a:rPr lang="en-BE" dirty="0"/>
+              <a:t>Individual 60%</a:t>
+            </a:r>
+          </a:p>
+          <a:p>
+            <a:pPr lvl="1"/>
+            <a:r>
+              <a:rPr lang="en-BE" dirty="0"/>
+              <a:t>Team 40%</a:t>
+            </a:r>
+          </a:p>
+          <a:p>
+            <a:r>
+              <a:rPr lang="en-US" dirty="0"/>
+              <a:t>Starting next week, aim for at least two meetings per week</a:t>
+            </a:r>
+            <a:endParaRPr lang="en-BE" dirty="0"/>
+          </a:p>
+        </p:txBody>
+      </p:sp>
+    </p:spTree>
+    <p:extLst>
+      <p:ext uri="{BB962C8B-B14F-4D97-AF65-F5344CB8AC3E}">
+        <p14:creationId xmlns:p14="http://schemas.microsoft.com/office/powerpoint/2010/main" val="2495615062"/>
+      </p:ext>
+    </p:extLst>
+  </p:cSld>
+  <p:clrMapOvr>
+    <a:masterClrMapping/>
+  </p:clrMapOvr>
+</p:sld>
+</file>
+
+<file path=ppt/slides/slide20.xml><?xml version="1.0" encoding="utf-8"?>
 <p:sld xmlns:a="http://schemas.openxmlformats.org/drawingml/2006/main" xmlns:r="http://schemas.openxmlformats.org/officeDocument/2006/relationships" xmlns:p="http://schemas.openxmlformats.org/presentationml/2006/main">
   <p:cSld>
     <p:spTree>
@@ -10398,136 +11510,7 @@
 </p:sld>
 </file>
 
-<file path=ppt/slides/slide2.xml><?xml version="1.0" encoding="utf-8"?>
-<p:sld xmlns:a="http://schemas.openxmlformats.org/drawingml/2006/main" xmlns:r="http://schemas.openxmlformats.org/officeDocument/2006/relationships" xmlns:p="http://schemas.openxmlformats.org/presentationml/2006/main">
-  <p:cSld>
-    <p:spTree>
-      <p:nvGrpSpPr>
-        <p:cNvPr id="1" name=""/>
-        <p:cNvGrpSpPr/>
-        <p:nvPr/>
-      </p:nvGrpSpPr>
-      <p:grpSpPr>
-        <a:xfrm>
-          <a:off x="0" y="0"/>
-          <a:ext cx="0" cy="0"/>
-          <a:chOff x="0" y="0"/>
-          <a:chExt cx="0" cy="0"/>
-        </a:xfrm>
-      </p:grpSpPr>
-      <p:sp>
-        <p:nvSpPr>
-          <p:cNvPr id="2" name="Title 1">
-            <a:extLst>
-              <a:ext uri="{FF2B5EF4-FFF2-40B4-BE49-F238E27FC236}">
-                <a16:creationId xmlns:a16="http://schemas.microsoft.com/office/drawing/2014/main" id="{C052B02A-6D2C-8593-D1D2-0F7F93D99A00}"/>
-              </a:ext>
-            </a:extLst>
-          </p:cNvPr>
-          <p:cNvSpPr>
-            <a:spLocks noGrp="1"/>
-          </p:cNvSpPr>
-          <p:nvPr>
-            <p:ph type="title"/>
-          </p:nvPr>
-        </p:nvSpPr>
-        <p:spPr/>
-        <p:txBody>
-          <a:bodyPr/>
-          <a:lstStyle/>
-          <a:p>
-            <a:r>
-              <a:rPr lang="en-BE" dirty="0"/>
-              <a:t>Announcements</a:t>
-            </a:r>
-          </a:p>
-        </p:txBody>
-      </p:sp>
-      <p:sp>
-        <p:nvSpPr>
-          <p:cNvPr id="3" name="Content Placeholder 2">
-            <a:extLst>
-              <a:ext uri="{FF2B5EF4-FFF2-40B4-BE49-F238E27FC236}">
-                <a16:creationId xmlns:a16="http://schemas.microsoft.com/office/drawing/2014/main" id="{0ADB13C0-2F22-7B03-F87C-066C9440C4DF}"/>
-              </a:ext>
-            </a:extLst>
-          </p:cNvPr>
-          <p:cNvSpPr>
-            <a:spLocks noGrp="1"/>
-          </p:cNvSpPr>
-          <p:nvPr>
-            <p:ph idx="1"/>
-          </p:nvPr>
-        </p:nvSpPr>
-        <p:spPr/>
-        <p:txBody>
-          <a:bodyPr/>
-          <a:lstStyle/>
-          <a:p>
-            <a:r>
-              <a:rPr lang="en-BE" dirty="0"/>
-              <a:t>Second last week of our face-to-face</a:t>
-            </a:r>
-          </a:p>
-          <a:p>
-            <a:r>
-              <a:rPr lang="en-GB" dirty="0"/>
-              <a:t>M</a:t>
-            </a:r>
-            <a:r>
-              <a:rPr lang="en-BE" dirty="0"/>
-              <a:t>arks for CI will be published by end of tomorrow</a:t>
-            </a:r>
-          </a:p>
-          <a:p>
-            <a:r>
-              <a:rPr lang="en-BE" dirty="0"/>
-              <a:t>DP I marks will be published by end of this weekend</a:t>
-            </a:r>
-          </a:p>
-          <a:p>
-            <a:r>
-              <a:rPr lang="en-BE" dirty="0"/>
-              <a:t>Focus on DP II and III – Its both team and individual</a:t>
-            </a:r>
-          </a:p>
-          <a:p>
-            <a:pPr lvl="1"/>
-            <a:r>
-              <a:rPr lang="en-BE" dirty="0"/>
-              <a:t>Individual 60%</a:t>
-            </a:r>
-          </a:p>
-          <a:p>
-            <a:pPr lvl="1"/>
-            <a:r>
-              <a:rPr lang="en-BE" dirty="0"/>
-              <a:t>Team 40%</a:t>
-            </a:r>
-          </a:p>
-          <a:p>
-            <a:r>
-              <a:rPr lang="en-US" dirty="0"/>
-              <a:t>After next week, aim for at least two meetings per week</a:t>
-            </a:r>
-            <a:endParaRPr lang="en-BE" dirty="0"/>
-          </a:p>
-        </p:txBody>
-      </p:sp>
-    </p:spTree>
-    <p:extLst>
-      <p:ext uri="{BB962C8B-B14F-4D97-AF65-F5344CB8AC3E}">
-        <p14:creationId xmlns:p14="http://schemas.microsoft.com/office/powerpoint/2010/main" val="2495615062"/>
-      </p:ext>
-    </p:extLst>
-  </p:cSld>
-  <p:clrMapOvr>
-    <a:masterClrMapping/>
-  </p:clrMapOvr>
-</p:sld>
-</file>
-
-<file path=ppt/slides/slide20.xml><?xml version="1.0" encoding="utf-8"?>
+<file path=ppt/slides/slide21.xml><?xml version="1.0" encoding="utf-8"?>
 <p:sld xmlns:a="http://schemas.openxmlformats.org/drawingml/2006/main" xmlns:r="http://schemas.openxmlformats.org/officeDocument/2006/relationships" xmlns:p="http://schemas.openxmlformats.org/presentationml/2006/main">
   <p:cSld>
     <p:spTree>
@@ -10893,7 +11876,7 @@
 </p:sld>
 </file>
 
-<file path=ppt/slides/slide21.xml><?xml version="1.0" encoding="utf-8"?>
+<file path=ppt/slides/slide22.xml><?xml version="1.0" encoding="utf-8"?>
 <p:sld xmlns:a="http://schemas.openxmlformats.org/drawingml/2006/main" xmlns:r="http://schemas.openxmlformats.org/officeDocument/2006/relationships" xmlns:p="http://schemas.openxmlformats.org/presentationml/2006/main">
   <p:cSld>
     <p:spTree>
@@ -11430,7 +12413,7 @@
 </p:sld>
 </file>
 
-<file path=ppt/slides/slide22.xml><?xml version="1.0" encoding="utf-8"?>
+<file path=ppt/slides/slide23.xml><?xml version="1.0" encoding="utf-8"?>
 <p:sld xmlns:a="http://schemas.openxmlformats.org/drawingml/2006/main" xmlns:r="http://schemas.openxmlformats.org/officeDocument/2006/relationships" xmlns:p="http://schemas.openxmlformats.org/presentationml/2006/main">
   <p:cSld>
     <p:spTree>
@@ -12223,7 +13206,7 @@
 </p:sld>
 </file>
 
-<file path=ppt/slides/slide23.xml><?xml version="1.0" encoding="utf-8"?>
+<file path=ppt/slides/slide24.xml><?xml version="1.0" encoding="utf-8"?>
 <p:sld xmlns:a="http://schemas.openxmlformats.org/drawingml/2006/main" xmlns:r="http://schemas.openxmlformats.org/officeDocument/2006/relationships" xmlns:p="http://schemas.openxmlformats.org/presentationml/2006/main">
   <p:cSld>
     <p:spTree>
@@ -13639,7 +14622,7 @@
 </p:sld>
 </file>
 
-<file path=ppt/slides/slide24.xml><?xml version="1.0" encoding="utf-8"?>
+<file path=ppt/slides/slide25.xml><?xml version="1.0" encoding="utf-8"?>
 <p:sld xmlns:a="http://schemas.openxmlformats.org/drawingml/2006/main" xmlns:r="http://schemas.openxmlformats.org/officeDocument/2006/relationships" xmlns:p="http://schemas.openxmlformats.org/presentationml/2006/main">
   <p:cSld>
     <p:spTree>
@@ -13860,7 +14843,7 @@
 </p:sld>
 </file>
 
-<file path=ppt/slides/slide25.xml><?xml version="1.0" encoding="utf-8"?>
+<file path=ppt/slides/slide26.xml><?xml version="1.0" encoding="utf-8"?>
 <p:sld xmlns:a="http://schemas.openxmlformats.org/drawingml/2006/main" xmlns:r="http://schemas.openxmlformats.org/officeDocument/2006/relationships" xmlns:p="http://schemas.openxmlformats.org/presentationml/2006/main">
   <p:cSld>
     <p:spTree>
@@ -14374,7 +15357,7 @@
 </p:sld>
 </file>
 
-<file path=ppt/slides/slide26.xml><?xml version="1.0" encoding="utf-8"?>
+<file path=ppt/slides/slide27.xml><?xml version="1.0" encoding="utf-8"?>
 <p:sld xmlns:a="http://schemas.openxmlformats.org/drawingml/2006/main" xmlns:r="http://schemas.openxmlformats.org/officeDocument/2006/relationships" xmlns:p="http://schemas.openxmlformats.org/presentationml/2006/main">
   <p:cSld>
     <p:spTree>
@@ -14680,7 +15663,7 @@
 </p:sld>
 </file>
 
-<file path=ppt/slides/slide27.xml><?xml version="1.0" encoding="utf-8"?>
+<file path=ppt/slides/slide28.xml><?xml version="1.0" encoding="utf-8"?>
 <p:sld xmlns:a="http://schemas.openxmlformats.org/drawingml/2006/main" xmlns:r="http://schemas.openxmlformats.org/officeDocument/2006/relationships" xmlns:p="http://schemas.openxmlformats.org/presentationml/2006/main">
   <p:cSld>
     <p:spTree>
@@ -15396,7 +16379,7 @@
 </p:sld>
 </file>
 
-<file path=ppt/slides/slide28.xml><?xml version="1.0" encoding="utf-8"?>
+<file path=ppt/slides/slide29.xml><?xml version="1.0" encoding="utf-8"?>
 <p:sld xmlns:a="http://schemas.openxmlformats.org/drawingml/2006/main" xmlns:r="http://schemas.openxmlformats.org/officeDocument/2006/relationships" xmlns:p="http://schemas.openxmlformats.org/presentationml/2006/main">
   <p:cSld>
     <p:spTree>
@@ -16752,7 +17735,105 @@
 </p:sld>
 </file>
 
-<file path=ppt/slides/slide29.xml><?xml version="1.0" encoding="utf-8"?>
+<file path=ppt/slides/slide3.xml><?xml version="1.0" encoding="utf-8"?>
+<p:sld xmlns:a="http://schemas.openxmlformats.org/drawingml/2006/main" xmlns:r="http://schemas.openxmlformats.org/officeDocument/2006/relationships" xmlns:p="http://schemas.openxmlformats.org/presentationml/2006/main">
+  <p:cSld>
+    <p:spTree>
+      <p:nvGrpSpPr>
+        <p:cNvPr id="1" name=""/>
+        <p:cNvGrpSpPr/>
+        <p:nvPr/>
+      </p:nvGrpSpPr>
+      <p:grpSpPr>
+        <a:xfrm>
+          <a:off x="0" y="0"/>
+          <a:ext cx="0" cy="0"/>
+          <a:chOff x="0" y="0"/>
+          <a:chExt cx="0" cy="0"/>
+        </a:xfrm>
+      </p:grpSpPr>
+      <p:sp>
+        <p:nvSpPr>
+          <p:cNvPr id="2" name="Title 1">
+            <a:extLst>
+              <a:ext uri="{FF2B5EF4-FFF2-40B4-BE49-F238E27FC236}">
+                <a16:creationId xmlns:a16="http://schemas.microsoft.com/office/drawing/2014/main" id="{122DE6B9-ED28-F606-E858-5664D6CD9749}"/>
+              </a:ext>
+            </a:extLst>
+          </p:cNvPr>
+          <p:cNvSpPr>
+            <a:spLocks noGrp="1"/>
+          </p:cNvSpPr>
+          <p:nvPr>
+            <p:ph type="title"/>
+          </p:nvPr>
+        </p:nvSpPr>
+        <p:spPr/>
+        <p:txBody>
+          <a:bodyPr/>
+          <a:lstStyle/>
+          <a:p>
+            <a:r>
+              <a:rPr lang="en-US" dirty="0"/>
+              <a:t>Senior Design Competition </a:t>
+            </a:r>
+          </a:p>
+        </p:txBody>
+      </p:sp>
+      <p:sp>
+        <p:nvSpPr>
+          <p:cNvPr id="3" name="Content Placeholder 2">
+            <a:extLst>
+              <a:ext uri="{FF2B5EF4-FFF2-40B4-BE49-F238E27FC236}">
+                <a16:creationId xmlns:a16="http://schemas.microsoft.com/office/drawing/2014/main" id="{B070E083-3CB0-9D6C-21AF-771AE53575F6}"/>
+              </a:ext>
+            </a:extLst>
+          </p:cNvPr>
+          <p:cNvSpPr>
+            <a:spLocks noGrp="1"/>
+          </p:cNvSpPr>
+          <p:nvPr>
+            <p:ph idx="1"/>
+          </p:nvPr>
+        </p:nvSpPr>
+        <p:spPr/>
+        <p:txBody>
+          <a:bodyPr/>
+          <a:lstStyle/>
+          <a:p>
+            <a:r>
+              <a:rPr lang="en-US" dirty="0">
+                <a:hlinkClick r:id="rId2"/>
+              </a:rPr>
+              <a:t>https://johnxu21.github.io/teaching/CS472/project/Competition/</a:t>
+            </a:r>
+            <a:r>
+              <a:rPr lang="en-US" dirty="0"/>
+              <a:t>?</a:t>
+            </a:r>
+          </a:p>
+          <a:p>
+            <a:endParaRPr lang="en-US" dirty="0"/>
+          </a:p>
+          <a:p>
+            <a:endParaRPr lang="en-US" dirty="0"/>
+          </a:p>
+        </p:txBody>
+      </p:sp>
+    </p:spTree>
+    <p:extLst>
+      <p:ext uri="{BB962C8B-B14F-4D97-AF65-F5344CB8AC3E}">
+        <p14:creationId xmlns:p14="http://schemas.microsoft.com/office/powerpoint/2010/main" val="1732481751"/>
+      </p:ext>
+    </p:extLst>
+  </p:cSld>
+  <p:clrMapOvr>
+    <a:masterClrMapping/>
+  </p:clrMapOvr>
+</p:sld>
+</file>
+
+<file path=ppt/slides/slide30.xml><?xml version="1.0" encoding="utf-8"?>
 <p:sld xmlns:a="http://schemas.openxmlformats.org/drawingml/2006/main" xmlns:r="http://schemas.openxmlformats.org/officeDocument/2006/relationships" xmlns:p="http://schemas.openxmlformats.org/presentationml/2006/main">
   <p:cSld>
     <p:spTree>
@@ -16785,7 +17866,12 @@
             <p:ph type="title"/>
           </p:nvPr>
         </p:nvSpPr>
-        <p:spPr/>
+        <p:spPr>
+          <a:xfrm>
+            <a:off x="838200" y="0"/>
+            <a:ext cx="10515600" cy="1325563"/>
+          </a:xfrm>
+        </p:spPr>
         <p:txBody>
           <a:bodyPr/>
           <a:lstStyle/>
@@ -16815,7 +17901,7 @@
         </p:nvSpPr>
         <p:spPr>
           <a:xfrm>
-            <a:off x="838200" y="1839911"/>
+            <a:off x="838200" y="1325563"/>
             <a:ext cx="10515600" cy="4351338"/>
           </a:xfrm>
         </p:spPr>
@@ -16886,8 +17972,8 @@
         </p:blipFill>
         <p:spPr>
           <a:xfrm>
-            <a:off x="1599105" y="3308603"/>
-            <a:ext cx="7026561" cy="3031869"/>
+            <a:off x="1158756" y="2736099"/>
+            <a:ext cx="8353379" cy="3604374"/>
           </a:xfrm>
           <a:prstGeom prst="rect">
             <a:avLst/>
@@ -16907,7 +17993,7 @@
 </p:sld>
 </file>
 
-<file path=ppt/slides/slide3.xml><?xml version="1.0" encoding="utf-8"?>
+<file path=ppt/slides/slide4.xml><?xml version="1.0" encoding="utf-8"?>
 <p:sld xmlns:a="http://schemas.openxmlformats.org/drawingml/2006/main" xmlns:r="http://schemas.openxmlformats.org/officeDocument/2006/relationships" xmlns:p="http://schemas.openxmlformats.org/presentationml/2006/main">
   <p:cSld>
     <p:spTree>
@@ -17123,8 +18209,8 @@
 </p:sld>
 </file>
 
-<file path=ppt/slides/slide4.xml><?xml version="1.0" encoding="utf-8"?>
-<p:sld xmlns:a="http://schemas.openxmlformats.org/drawingml/2006/main" xmlns:r="http://schemas.openxmlformats.org/officeDocument/2006/relationships" xmlns:p="http://schemas.openxmlformats.org/presentationml/2006/main">
+<file path=ppt/slides/slide5.xml><?xml version="1.0" encoding="utf-8"?>
+<p:sld xmlns:a="http://schemas.openxmlformats.org/drawingml/2006/main" xmlns:r="http://schemas.openxmlformats.org/officeDocument/2006/relationships" xmlns:p="http://schemas.openxmlformats.org/presentationml/2006/main" show="0">
   <p:cSld>
     <p:spTree>
       <p:nvGrpSpPr>
@@ -17564,8 +18650,8 @@
 </p:sld>
 </file>
 
-<file path=ppt/slides/slide5.xml><?xml version="1.0" encoding="utf-8"?>
-<p:sld xmlns:a="http://schemas.openxmlformats.org/drawingml/2006/main" xmlns:r="http://schemas.openxmlformats.org/officeDocument/2006/relationships" xmlns:p="http://schemas.openxmlformats.org/presentationml/2006/main">
+<file path=ppt/slides/slide6.xml><?xml version="1.0" encoding="utf-8"?>
+<p:sld xmlns:a="http://schemas.openxmlformats.org/drawingml/2006/main" xmlns:r="http://schemas.openxmlformats.org/officeDocument/2006/relationships" xmlns:p="http://schemas.openxmlformats.org/presentationml/2006/main" show="0">
   <p:cSld>
     <p:spTree>
       <p:nvGrpSpPr>
@@ -17858,7 +18944,7 @@
 </p:sld>
 </file>
 
-<file path=ppt/slides/slide6.xml><?xml version="1.0" encoding="utf-8"?>
+<file path=ppt/slides/slide7.xml><?xml version="1.0" encoding="utf-8"?>
 <p:sld xmlns:a="http://schemas.openxmlformats.org/drawingml/2006/main" xmlns:r="http://schemas.openxmlformats.org/officeDocument/2006/relationships" xmlns:p="http://schemas.openxmlformats.org/presentationml/2006/main">
   <p:cSld>
     <p:spTree>
@@ -17919,7 +19005,7 @@
                 <a:cs typeface="Calibri"/>
                 <a:sym typeface="Calibri"/>
               </a:rPr>
-              <a:t>6</a:t>
+              <a:t>7</a:t>
             </a:fld>
             <a:endParaRPr sz="1200" b="0" u="none">
               <a:solidFill>
@@ -18133,7 +19219,7 @@
 </p:sld>
 </file>
 
-<file path=ppt/slides/slide7.xml><?xml version="1.0" encoding="utf-8"?>
+<file path=ppt/slides/slide8.xml><?xml version="1.0" encoding="utf-8"?>
 <p:sld xmlns:a="http://schemas.openxmlformats.org/drawingml/2006/main" xmlns:r="http://schemas.openxmlformats.org/officeDocument/2006/relationships" xmlns:p="http://schemas.openxmlformats.org/presentationml/2006/main">
   <p:cSld>
     <p:spTree>
@@ -19073,7 +20159,7 @@
 </p:sld>
 </file>
 
-<file path=ppt/slides/slide8.xml><?xml version="1.0" encoding="utf-8"?>
+<file path=ppt/slides/slide9.xml><?xml version="1.0" encoding="utf-8"?>
 <p:sld xmlns:a="http://schemas.openxmlformats.org/drawingml/2006/main" xmlns:r="http://schemas.openxmlformats.org/officeDocument/2006/relationships" xmlns:p="http://schemas.openxmlformats.org/presentationml/2006/main">
   <p:cSld>
     <p:spTree>
@@ -19650,992 +20736,6 @@
       <p:bldP spid="5" grpId="0" animBg="1"/>
     </p:bldLst>
   </p:timing>
-</p:sld>
-</file>
-
-<file path=ppt/slides/slide9.xml><?xml version="1.0" encoding="utf-8"?>
-<p:sld xmlns:a="http://schemas.openxmlformats.org/drawingml/2006/main" xmlns:r="http://schemas.openxmlformats.org/officeDocument/2006/relationships" xmlns:p="http://schemas.openxmlformats.org/presentationml/2006/main" show="0">
-  <p:cSld>
-    <p:spTree>
-      <p:nvGrpSpPr>
-        <p:cNvPr id="1" name=""/>
-        <p:cNvGrpSpPr/>
-        <p:nvPr/>
-      </p:nvGrpSpPr>
-      <p:grpSpPr>
-        <a:xfrm>
-          <a:off x="0" y="0"/>
-          <a:ext cx="0" cy="0"/>
-          <a:chOff x="0" y="0"/>
-          <a:chExt cx="0" cy="0"/>
-        </a:xfrm>
-      </p:grpSpPr>
-      <p:sp>
-        <p:nvSpPr>
-          <p:cNvPr id="2" name="Title 1">
-            <a:extLst>
-              <a:ext uri="{FF2B5EF4-FFF2-40B4-BE49-F238E27FC236}">
-                <a16:creationId xmlns:a16="http://schemas.microsoft.com/office/drawing/2014/main" id="{4A1894D3-33A2-4B7A-5A7D-BE8BF8C4A8B9}"/>
-              </a:ext>
-            </a:extLst>
-          </p:cNvPr>
-          <p:cNvSpPr>
-            <a:spLocks noGrp="1"/>
-          </p:cNvSpPr>
-          <p:nvPr>
-            <p:ph type="title"/>
-          </p:nvPr>
-        </p:nvSpPr>
-        <p:spPr>
-          <a:xfrm>
-            <a:off x="838200" y="365126"/>
-            <a:ext cx="10515600" cy="763588"/>
-          </a:xfrm>
-        </p:spPr>
-        <p:txBody>
-          <a:bodyPr/>
-          <a:lstStyle/>
-          <a:p>
-            <a:r>
-              <a:rPr lang="en-US" dirty="0"/>
-              <a:t>Conceptual Design vs Technical Design</a:t>
-            </a:r>
-          </a:p>
-        </p:txBody>
-      </p:sp>
-      <p:graphicFrame>
-        <p:nvGraphicFramePr>
-          <p:cNvPr id="4" name="Table 3">
-            <a:extLst>
-              <a:ext uri="{FF2B5EF4-FFF2-40B4-BE49-F238E27FC236}">
-                <a16:creationId xmlns:a16="http://schemas.microsoft.com/office/drawing/2014/main" id="{18847EB7-C485-502A-03A5-AF2233818998}"/>
-              </a:ext>
-            </a:extLst>
-          </p:cNvPr>
-          <p:cNvGraphicFramePr>
-            <a:graphicFrameLocks noGrp="1"/>
-          </p:cNvGraphicFramePr>
-          <p:nvPr>
-            <p:extLst>
-              <p:ext uri="{D42A27DB-BD31-4B8C-83A1-F6EECF244321}">
-                <p14:modId xmlns:p14="http://schemas.microsoft.com/office/powerpoint/2010/main" val="2628271176"/>
-              </p:ext>
-            </p:extLst>
-          </p:nvPr>
-        </p:nvGraphicFramePr>
-        <p:xfrm>
-          <a:off x="838200" y="1563686"/>
-          <a:ext cx="10215562" cy="4773640"/>
-        </p:xfrm>
-        <a:graphic>
-          <a:graphicData uri="http://schemas.openxmlformats.org/drawingml/2006/table">
-            <a:tbl>
-              <a:tblPr/>
-              <a:tblGrid>
-                <a:gridCol w="5107781">
-                  <a:extLst>
-                    <a:ext uri="{9D8B030D-6E8A-4147-A177-3AD203B41FA5}">
-                      <a16:colId xmlns:a16="http://schemas.microsoft.com/office/drawing/2014/main" val="1061370426"/>
-                    </a:ext>
-                  </a:extLst>
-                </a:gridCol>
-                <a:gridCol w="5107781">
-                  <a:extLst>
-                    <a:ext uri="{9D8B030D-6E8A-4147-A177-3AD203B41FA5}">
-                      <a16:colId xmlns:a16="http://schemas.microsoft.com/office/drawing/2014/main" val="3355039544"/>
-                    </a:ext>
-                  </a:extLst>
-                </a:gridCol>
-              </a:tblGrid>
-              <a:tr h="355211">
-                <a:tc>
-                  <a:txBody>
-                    <a:bodyPr/>
-                    <a:lstStyle/>
-                    <a:p>
-                      <a:pPr fontAlgn="b"/>
-                      <a:r>
-                        <a:rPr lang="en-GB" sz="2000" b="1" dirty="0">
-                          <a:solidFill>
-                            <a:schemeClr val="tx1"/>
-                          </a:solidFill>
-                          <a:effectLst/>
-                        </a:rPr>
-                        <a:t>Conceptual Design</a:t>
-                      </a:r>
-                    </a:p>
-                  </a:txBody>
-                  <a:tcPr marL="88803" marR="88803" marT="44401" marB="44401" anchor="b">
-                    <a:lnL w="9525" cap="flat" cmpd="sng" algn="ctr">
-                      <a:solidFill>
-                        <a:srgbClr val="E3E3E3"/>
-                      </a:solidFill>
-                      <a:prstDash val="solid"/>
-                      <a:round/>
-                      <a:headEnd type="none" w="med" len="med"/>
-                      <a:tailEnd type="none" w="med" len="med"/>
-                    </a:lnL>
-                    <a:lnR w="9525" cap="flat" cmpd="sng" algn="ctr">
-                      <a:solidFill>
-                        <a:srgbClr val="E3E3E3"/>
-                      </a:solidFill>
-                      <a:prstDash val="solid"/>
-                      <a:round/>
-                      <a:headEnd type="none" w="med" len="med"/>
-                      <a:tailEnd type="none" w="med" len="med"/>
-                    </a:lnR>
-                    <a:lnT w="9525" cap="flat" cmpd="sng" algn="ctr">
-                      <a:solidFill>
-                        <a:srgbClr val="E3E3E3"/>
-                      </a:solidFill>
-                      <a:prstDash val="solid"/>
-                      <a:round/>
-                      <a:headEnd type="none" w="med" len="med"/>
-                      <a:tailEnd type="none" w="med" len="med"/>
-                    </a:lnT>
-                    <a:lnB w="12700" cap="flat" cmpd="sng" algn="ctr">
-                      <a:solidFill>
-                        <a:srgbClr val="E3E3E3"/>
-                      </a:solidFill>
-                      <a:prstDash val="solid"/>
-                      <a:round/>
-                      <a:headEnd type="none" w="med" len="med"/>
-                      <a:tailEnd type="none" w="med" len="med"/>
-                    </a:lnB>
-                    <a:solidFill>
-                      <a:srgbClr val="FFFFFF"/>
-                    </a:solidFill>
-                  </a:tcPr>
-                </a:tc>
-                <a:tc>
-                  <a:txBody>
-                    <a:bodyPr/>
-                    <a:lstStyle/>
-                    <a:p>
-                      <a:pPr fontAlgn="b"/>
-                      <a:r>
-                        <a:rPr lang="en-GB" sz="2000" b="1">
-                          <a:solidFill>
-                            <a:schemeClr val="tx1"/>
-                          </a:solidFill>
-                          <a:effectLst/>
-                        </a:rPr>
-                        <a:t>Technical Design</a:t>
-                      </a:r>
-                    </a:p>
-                  </a:txBody>
-                  <a:tcPr marL="88803" marR="88803" marT="44401" marB="44401" anchor="b">
-                    <a:lnL w="9525" cap="flat" cmpd="sng" algn="ctr">
-                      <a:solidFill>
-                        <a:srgbClr val="E3E3E3"/>
-                      </a:solidFill>
-                      <a:prstDash val="solid"/>
-                      <a:round/>
-                      <a:headEnd type="none" w="med" len="med"/>
-                      <a:tailEnd type="none" w="med" len="med"/>
-                    </a:lnL>
-                    <a:lnR w="9525" cap="flat" cmpd="sng" algn="ctr">
-                      <a:solidFill>
-                        <a:srgbClr val="E3E3E3"/>
-                      </a:solidFill>
-                      <a:prstDash val="solid"/>
-                      <a:round/>
-                      <a:headEnd type="none" w="med" len="med"/>
-                      <a:tailEnd type="none" w="med" len="med"/>
-                    </a:lnR>
-                    <a:lnT w="9525" cap="flat" cmpd="sng" algn="ctr">
-                      <a:solidFill>
-                        <a:srgbClr val="E3E3E3"/>
-                      </a:solidFill>
-                      <a:prstDash val="solid"/>
-                      <a:round/>
-                      <a:headEnd type="none" w="med" len="med"/>
-                      <a:tailEnd type="none" w="med" len="med"/>
-                    </a:lnT>
-                    <a:lnB w="12700" cap="flat" cmpd="sng" algn="ctr">
-                      <a:solidFill>
-                        <a:srgbClr val="E3E3E3"/>
-                      </a:solidFill>
-                      <a:prstDash val="solid"/>
-                      <a:round/>
-                      <a:headEnd type="none" w="med" len="med"/>
-                      <a:tailEnd type="none" w="med" len="med"/>
-                    </a:lnB>
-                    <a:solidFill>
-                      <a:srgbClr val="FFFFFF"/>
-                    </a:solidFill>
-                  </a:tcPr>
-                </a:tc>
-                <a:extLst>
-                  <a:ext uri="{0D108BD9-81ED-4DB2-BD59-A6C34878D82A}">
-                    <a16:rowId xmlns:a16="http://schemas.microsoft.com/office/drawing/2014/main" val="545554010"/>
-                  </a:ext>
-                </a:extLst>
-              </a:tr>
-              <a:tr h="888028">
-                <a:tc>
-                  <a:txBody>
-                    <a:bodyPr/>
-                    <a:lstStyle/>
-                    <a:p>
-                      <a:pPr fontAlgn="base"/>
-                      <a:r>
-                        <a:rPr lang="en-GB" sz="2000" dirty="0">
-                          <a:solidFill>
-                            <a:schemeClr val="tx1"/>
-                          </a:solidFill>
-                          <a:effectLst/>
-                        </a:rPr>
-                        <a:t>Focuses on high-level ideas, goals, and requirements</a:t>
-                      </a:r>
-                    </a:p>
-                  </a:txBody>
-                  <a:tcPr marL="88803" marR="88803" marT="44401" marB="44401" anchor="ctr">
-                    <a:lnL w="9525" cap="flat" cmpd="sng" algn="ctr">
-                      <a:solidFill>
-                        <a:srgbClr val="E3E3E3"/>
-                      </a:solidFill>
-                      <a:prstDash val="solid"/>
-                      <a:round/>
-                      <a:headEnd type="none" w="med" len="med"/>
-                      <a:tailEnd type="none" w="med" len="med"/>
-                    </a:lnL>
-                    <a:lnR w="9525" cap="flat" cmpd="sng" algn="ctr">
-                      <a:solidFill>
-                        <a:srgbClr val="E3E3E3"/>
-                      </a:solidFill>
-                      <a:prstDash val="solid"/>
-                      <a:round/>
-                      <a:headEnd type="none" w="med" len="med"/>
-                      <a:tailEnd type="none" w="med" len="med"/>
-                    </a:lnR>
-                    <a:lnT w="12700" cap="flat" cmpd="sng" algn="ctr">
-                      <a:solidFill>
-                        <a:srgbClr val="E3E3E3"/>
-                      </a:solidFill>
-                      <a:prstDash val="solid"/>
-                      <a:round/>
-                      <a:headEnd type="none" w="med" len="med"/>
-                      <a:tailEnd type="none" w="med" len="med"/>
-                    </a:lnT>
-                    <a:lnB w="12700" cap="flat" cmpd="sng" algn="ctr">
-                      <a:solidFill>
-                        <a:srgbClr val="E3E3E3"/>
-                      </a:solidFill>
-                      <a:prstDash val="solid"/>
-                      <a:round/>
-                      <a:headEnd type="none" w="med" len="med"/>
-                      <a:tailEnd type="none" w="med" len="med"/>
-                    </a:lnB>
-                    <a:solidFill>
-                      <a:srgbClr val="FFFFFF"/>
-                    </a:solidFill>
-                  </a:tcPr>
-                </a:tc>
-                <a:tc>
-                  <a:txBody>
-                    <a:bodyPr/>
-                    <a:lstStyle/>
-                    <a:p>
-                      <a:pPr fontAlgn="base"/>
-                      <a:r>
-                        <a:rPr lang="en-GB" sz="2000">
-                          <a:solidFill>
-                            <a:schemeClr val="tx1"/>
-                          </a:solidFill>
-                          <a:effectLst/>
-                        </a:rPr>
-                        <a:t>Focuses on detailed specifications and implementation details</a:t>
-                      </a:r>
-                    </a:p>
-                  </a:txBody>
-                  <a:tcPr marL="88803" marR="88803" marT="44401" marB="44401" anchor="ctr">
-                    <a:lnL w="9525" cap="flat" cmpd="sng" algn="ctr">
-                      <a:solidFill>
-                        <a:srgbClr val="E3E3E3"/>
-                      </a:solidFill>
-                      <a:prstDash val="solid"/>
-                      <a:round/>
-                      <a:headEnd type="none" w="med" len="med"/>
-                      <a:tailEnd type="none" w="med" len="med"/>
-                    </a:lnL>
-                    <a:lnR w="9525" cap="flat" cmpd="sng" algn="ctr">
-                      <a:solidFill>
-                        <a:srgbClr val="E3E3E3"/>
-                      </a:solidFill>
-                      <a:prstDash val="solid"/>
-                      <a:round/>
-                      <a:headEnd type="none" w="med" len="med"/>
-                      <a:tailEnd type="none" w="med" len="med"/>
-                    </a:lnR>
-                    <a:lnT w="12700" cap="flat" cmpd="sng" algn="ctr">
-                      <a:solidFill>
-                        <a:srgbClr val="E3E3E3"/>
-                      </a:solidFill>
-                      <a:prstDash val="solid"/>
-                      <a:round/>
-                      <a:headEnd type="none" w="med" len="med"/>
-                      <a:tailEnd type="none" w="med" len="med"/>
-                    </a:lnT>
-                    <a:lnB w="12700" cap="flat" cmpd="sng" algn="ctr">
-                      <a:solidFill>
-                        <a:srgbClr val="E3E3E3"/>
-                      </a:solidFill>
-                      <a:prstDash val="solid"/>
-                      <a:round/>
-                      <a:headEnd type="none" w="med" len="med"/>
-                      <a:tailEnd type="none" w="med" len="med"/>
-                    </a:lnB>
-                    <a:solidFill>
-                      <a:srgbClr val="FFFFFF"/>
-                    </a:solidFill>
-                  </a:tcPr>
-                </a:tc>
-                <a:extLst>
-                  <a:ext uri="{0D108BD9-81ED-4DB2-BD59-A6C34878D82A}">
-                    <a16:rowId xmlns:a16="http://schemas.microsoft.com/office/drawing/2014/main" val="3821555425"/>
-                  </a:ext>
-                </a:extLst>
-              </a:tr>
-              <a:tr h="621620">
-                <a:tc>
-                  <a:txBody>
-                    <a:bodyPr/>
-                    <a:lstStyle/>
-                    <a:p>
-                      <a:pPr fontAlgn="base"/>
-                      <a:r>
-                        <a:rPr lang="en-GB" sz="2000" dirty="0">
-                          <a:solidFill>
-                            <a:schemeClr val="tx1"/>
-                          </a:solidFill>
-                          <a:effectLst/>
-                        </a:rPr>
-                        <a:t>Captures the essence and purpose of the system</a:t>
-                      </a:r>
-                    </a:p>
-                  </a:txBody>
-                  <a:tcPr marL="88803" marR="88803" marT="44401" marB="44401" anchor="ctr">
-                    <a:lnL w="9525" cap="flat" cmpd="sng" algn="ctr">
-                      <a:solidFill>
-                        <a:srgbClr val="E3E3E3"/>
-                      </a:solidFill>
-                      <a:prstDash val="solid"/>
-                      <a:round/>
-                      <a:headEnd type="none" w="med" len="med"/>
-                      <a:tailEnd type="none" w="med" len="med"/>
-                    </a:lnL>
-                    <a:lnR w="9525" cap="flat" cmpd="sng" algn="ctr">
-                      <a:solidFill>
-                        <a:srgbClr val="E3E3E3"/>
-                      </a:solidFill>
-                      <a:prstDash val="solid"/>
-                      <a:round/>
-                      <a:headEnd type="none" w="med" len="med"/>
-                      <a:tailEnd type="none" w="med" len="med"/>
-                    </a:lnR>
-                    <a:lnT w="12700" cap="flat" cmpd="sng" algn="ctr">
-                      <a:solidFill>
-                        <a:srgbClr val="E3E3E3"/>
-                      </a:solidFill>
-                      <a:prstDash val="solid"/>
-                      <a:round/>
-                      <a:headEnd type="none" w="med" len="med"/>
-                      <a:tailEnd type="none" w="med" len="med"/>
-                    </a:lnT>
-                    <a:lnB w="12700" cap="flat" cmpd="sng" algn="ctr">
-                      <a:solidFill>
-                        <a:srgbClr val="E3E3E3"/>
-                      </a:solidFill>
-                      <a:prstDash val="solid"/>
-                      <a:round/>
-                      <a:headEnd type="none" w="med" len="med"/>
-                      <a:tailEnd type="none" w="med" len="med"/>
-                    </a:lnB>
-                    <a:solidFill>
-                      <a:srgbClr val="FFFFFF"/>
-                    </a:solidFill>
-                  </a:tcPr>
-                </a:tc>
-                <a:tc>
-                  <a:txBody>
-                    <a:bodyPr/>
-                    <a:lstStyle/>
-                    <a:p>
-                      <a:pPr fontAlgn="base"/>
-                      <a:r>
-                        <a:rPr lang="en-GB" sz="2000">
-                          <a:solidFill>
-                            <a:schemeClr val="tx1"/>
-                          </a:solidFill>
-                          <a:effectLst/>
-                        </a:rPr>
-                        <a:t>Specifies how the system will be built and function</a:t>
-                      </a:r>
-                    </a:p>
-                  </a:txBody>
-                  <a:tcPr marL="88803" marR="88803" marT="44401" marB="44401" anchor="ctr">
-                    <a:lnL w="9525" cap="flat" cmpd="sng" algn="ctr">
-                      <a:solidFill>
-                        <a:srgbClr val="E3E3E3"/>
-                      </a:solidFill>
-                      <a:prstDash val="solid"/>
-                      <a:round/>
-                      <a:headEnd type="none" w="med" len="med"/>
-                      <a:tailEnd type="none" w="med" len="med"/>
-                    </a:lnL>
-                    <a:lnR w="9525" cap="flat" cmpd="sng" algn="ctr">
-                      <a:solidFill>
-                        <a:srgbClr val="E3E3E3"/>
-                      </a:solidFill>
-                      <a:prstDash val="solid"/>
-                      <a:round/>
-                      <a:headEnd type="none" w="med" len="med"/>
-                      <a:tailEnd type="none" w="med" len="med"/>
-                    </a:lnR>
-                    <a:lnT w="12700" cap="flat" cmpd="sng" algn="ctr">
-                      <a:solidFill>
-                        <a:srgbClr val="E3E3E3"/>
-                      </a:solidFill>
-                      <a:prstDash val="solid"/>
-                      <a:round/>
-                      <a:headEnd type="none" w="med" len="med"/>
-                      <a:tailEnd type="none" w="med" len="med"/>
-                    </a:lnT>
-                    <a:lnB w="12700" cap="flat" cmpd="sng" algn="ctr">
-                      <a:solidFill>
-                        <a:srgbClr val="E3E3E3"/>
-                      </a:solidFill>
-                      <a:prstDash val="solid"/>
-                      <a:round/>
-                      <a:headEnd type="none" w="med" len="med"/>
-                      <a:tailEnd type="none" w="med" len="med"/>
-                    </a:lnB>
-                    <a:solidFill>
-                      <a:srgbClr val="FFFFFF"/>
-                    </a:solidFill>
-                  </a:tcPr>
-                </a:tc>
-                <a:extLst>
-                  <a:ext uri="{0D108BD9-81ED-4DB2-BD59-A6C34878D82A}">
-                    <a16:rowId xmlns:a16="http://schemas.microsoft.com/office/drawing/2014/main" val="798187894"/>
-                  </a:ext>
-                </a:extLst>
-              </a:tr>
-              <a:tr h="621620">
-                <a:tc>
-                  <a:txBody>
-                    <a:bodyPr/>
-                    <a:lstStyle/>
-                    <a:p>
-                      <a:pPr fontAlgn="base"/>
-                      <a:r>
-                        <a:rPr lang="en-GB" sz="2000" dirty="0">
-                          <a:solidFill>
-                            <a:schemeClr val="tx1"/>
-                          </a:solidFill>
-                          <a:effectLst/>
-                        </a:rPr>
-                        <a:t>Emphasizes the "what" of the system</a:t>
-                      </a:r>
-                    </a:p>
-                  </a:txBody>
-                  <a:tcPr marL="88803" marR="88803" marT="44401" marB="44401" anchor="ctr">
-                    <a:lnL w="9525" cap="flat" cmpd="sng" algn="ctr">
-                      <a:solidFill>
-                        <a:srgbClr val="E3E3E3"/>
-                      </a:solidFill>
-                      <a:prstDash val="solid"/>
-                      <a:round/>
-                      <a:headEnd type="none" w="med" len="med"/>
-                      <a:tailEnd type="none" w="med" len="med"/>
-                    </a:lnL>
-                    <a:lnR w="9525" cap="flat" cmpd="sng" algn="ctr">
-                      <a:solidFill>
-                        <a:srgbClr val="E3E3E3"/>
-                      </a:solidFill>
-                      <a:prstDash val="solid"/>
-                      <a:round/>
-                      <a:headEnd type="none" w="med" len="med"/>
-                      <a:tailEnd type="none" w="med" len="med"/>
-                    </a:lnR>
-                    <a:lnT w="12700" cap="flat" cmpd="sng" algn="ctr">
-                      <a:solidFill>
-                        <a:srgbClr val="E3E3E3"/>
-                      </a:solidFill>
-                      <a:prstDash val="solid"/>
-                      <a:round/>
-                      <a:headEnd type="none" w="med" len="med"/>
-                      <a:tailEnd type="none" w="med" len="med"/>
-                    </a:lnT>
-                    <a:lnB w="12700" cap="flat" cmpd="sng" algn="ctr">
-                      <a:solidFill>
-                        <a:srgbClr val="E3E3E3"/>
-                      </a:solidFill>
-                      <a:prstDash val="solid"/>
-                      <a:round/>
-                      <a:headEnd type="none" w="med" len="med"/>
-                      <a:tailEnd type="none" w="med" len="med"/>
-                    </a:lnB>
-                    <a:solidFill>
-                      <a:srgbClr val="FFFFFF"/>
-                    </a:solidFill>
-                  </a:tcPr>
-                </a:tc>
-                <a:tc>
-                  <a:txBody>
-                    <a:bodyPr/>
-                    <a:lstStyle/>
-                    <a:p>
-                      <a:pPr fontAlgn="base"/>
-                      <a:r>
-                        <a:rPr lang="en-GB" sz="2000">
-                          <a:solidFill>
-                            <a:schemeClr val="tx1"/>
-                          </a:solidFill>
-                          <a:effectLst/>
-                        </a:rPr>
-                        <a:t>Emphasizes the "how" of implementing the system</a:t>
-                      </a:r>
-                    </a:p>
-                  </a:txBody>
-                  <a:tcPr marL="88803" marR="88803" marT="44401" marB="44401" anchor="ctr">
-                    <a:lnL w="9525" cap="flat" cmpd="sng" algn="ctr">
-                      <a:solidFill>
-                        <a:srgbClr val="E3E3E3"/>
-                      </a:solidFill>
-                      <a:prstDash val="solid"/>
-                      <a:round/>
-                      <a:headEnd type="none" w="med" len="med"/>
-                      <a:tailEnd type="none" w="med" len="med"/>
-                    </a:lnL>
-                    <a:lnR w="9525" cap="flat" cmpd="sng" algn="ctr">
-                      <a:solidFill>
-                        <a:srgbClr val="E3E3E3"/>
-                      </a:solidFill>
-                      <a:prstDash val="solid"/>
-                      <a:round/>
-                      <a:headEnd type="none" w="med" len="med"/>
-                      <a:tailEnd type="none" w="med" len="med"/>
-                    </a:lnR>
-                    <a:lnT w="12700" cap="flat" cmpd="sng" algn="ctr">
-                      <a:solidFill>
-                        <a:srgbClr val="E3E3E3"/>
-                      </a:solidFill>
-                      <a:prstDash val="solid"/>
-                      <a:round/>
-                      <a:headEnd type="none" w="med" len="med"/>
-                      <a:tailEnd type="none" w="med" len="med"/>
-                    </a:lnT>
-                    <a:lnB w="12700" cap="flat" cmpd="sng" algn="ctr">
-                      <a:solidFill>
-                        <a:srgbClr val="E3E3E3"/>
-                      </a:solidFill>
-                      <a:prstDash val="solid"/>
-                      <a:round/>
-                      <a:headEnd type="none" w="med" len="med"/>
-                      <a:tailEnd type="none" w="med" len="med"/>
-                    </a:lnB>
-                    <a:solidFill>
-                      <a:srgbClr val="FFFFFF"/>
-                    </a:solidFill>
-                  </a:tcPr>
-                </a:tc>
-                <a:extLst>
-                  <a:ext uri="{0D108BD9-81ED-4DB2-BD59-A6C34878D82A}">
-                    <a16:rowId xmlns:a16="http://schemas.microsoft.com/office/drawing/2014/main" val="2484308898"/>
-                  </a:ext>
-                </a:extLst>
-              </a:tr>
-              <a:tr h="621620">
-                <a:tc>
-                  <a:txBody>
-                    <a:bodyPr/>
-                    <a:lstStyle/>
-                    <a:p>
-                      <a:pPr fontAlgn="base"/>
-                      <a:r>
-                        <a:rPr lang="en-GB" sz="2000" dirty="0">
-                          <a:solidFill>
-                            <a:schemeClr val="tx1"/>
-                          </a:solidFill>
-                          <a:effectLst/>
-                        </a:rPr>
-                        <a:t>Typically expressed through diagrams and narratives</a:t>
-                      </a:r>
-                    </a:p>
-                  </a:txBody>
-                  <a:tcPr marL="88803" marR="88803" marT="44401" marB="44401" anchor="ctr">
-                    <a:lnL w="9525" cap="flat" cmpd="sng" algn="ctr">
-                      <a:solidFill>
-                        <a:srgbClr val="E3E3E3"/>
-                      </a:solidFill>
-                      <a:prstDash val="solid"/>
-                      <a:round/>
-                      <a:headEnd type="none" w="med" len="med"/>
-                      <a:tailEnd type="none" w="med" len="med"/>
-                    </a:lnL>
-                    <a:lnR w="9525" cap="flat" cmpd="sng" algn="ctr">
-                      <a:solidFill>
-                        <a:srgbClr val="E3E3E3"/>
-                      </a:solidFill>
-                      <a:prstDash val="solid"/>
-                      <a:round/>
-                      <a:headEnd type="none" w="med" len="med"/>
-                      <a:tailEnd type="none" w="med" len="med"/>
-                    </a:lnR>
-                    <a:lnT w="12700" cap="flat" cmpd="sng" algn="ctr">
-                      <a:solidFill>
-                        <a:srgbClr val="E3E3E3"/>
-                      </a:solidFill>
-                      <a:prstDash val="solid"/>
-                      <a:round/>
-                      <a:headEnd type="none" w="med" len="med"/>
-                      <a:tailEnd type="none" w="med" len="med"/>
-                    </a:lnT>
-                    <a:lnB w="12700" cap="flat" cmpd="sng" algn="ctr">
-                      <a:solidFill>
-                        <a:srgbClr val="E3E3E3"/>
-                      </a:solidFill>
-                      <a:prstDash val="solid"/>
-                      <a:round/>
-                      <a:headEnd type="none" w="med" len="med"/>
-                      <a:tailEnd type="none" w="med" len="med"/>
-                    </a:lnB>
-                    <a:solidFill>
-                      <a:srgbClr val="FFFFFF"/>
-                    </a:solidFill>
-                  </a:tcPr>
-                </a:tc>
-                <a:tc>
-                  <a:txBody>
-                    <a:bodyPr/>
-                    <a:lstStyle/>
-                    <a:p>
-                      <a:pPr fontAlgn="base"/>
-                      <a:r>
-                        <a:rPr lang="en-GB" sz="2000">
-                          <a:solidFill>
-                            <a:schemeClr val="tx1"/>
-                          </a:solidFill>
-                          <a:effectLst/>
-                        </a:rPr>
-                        <a:t>Typically expressed through diagrams and documentation</a:t>
-                      </a:r>
-                    </a:p>
-                  </a:txBody>
-                  <a:tcPr marL="88803" marR="88803" marT="44401" marB="44401" anchor="ctr">
-                    <a:lnL w="9525" cap="flat" cmpd="sng" algn="ctr">
-                      <a:solidFill>
-                        <a:srgbClr val="E3E3E3"/>
-                      </a:solidFill>
-                      <a:prstDash val="solid"/>
-                      <a:round/>
-                      <a:headEnd type="none" w="med" len="med"/>
-                      <a:tailEnd type="none" w="med" len="med"/>
-                    </a:lnL>
-                    <a:lnR w="9525" cap="flat" cmpd="sng" algn="ctr">
-                      <a:solidFill>
-                        <a:srgbClr val="E3E3E3"/>
-                      </a:solidFill>
-                      <a:prstDash val="solid"/>
-                      <a:round/>
-                      <a:headEnd type="none" w="med" len="med"/>
-                      <a:tailEnd type="none" w="med" len="med"/>
-                    </a:lnR>
-                    <a:lnT w="12700" cap="flat" cmpd="sng" algn="ctr">
-                      <a:solidFill>
-                        <a:srgbClr val="E3E3E3"/>
-                      </a:solidFill>
-                      <a:prstDash val="solid"/>
-                      <a:round/>
-                      <a:headEnd type="none" w="med" len="med"/>
-                      <a:tailEnd type="none" w="med" len="med"/>
-                    </a:lnT>
-                    <a:lnB w="12700" cap="flat" cmpd="sng" algn="ctr">
-                      <a:solidFill>
-                        <a:srgbClr val="E3E3E3"/>
-                      </a:solidFill>
-                      <a:prstDash val="solid"/>
-                      <a:round/>
-                      <a:headEnd type="none" w="med" len="med"/>
-                      <a:tailEnd type="none" w="med" len="med"/>
-                    </a:lnB>
-                    <a:solidFill>
-                      <a:srgbClr val="FFFFFF"/>
-                    </a:solidFill>
-                  </a:tcPr>
-                </a:tc>
-                <a:extLst>
-                  <a:ext uri="{0D108BD9-81ED-4DB2-BD59-A6C34878D82A}">
-                    <a16:rowId xmlns:a16="http://schemas.microsoft.com/office/drawing/2014/main" val="1736528481"/>
-                  </a:ext>
-                </a:extLst>
-              </a:tr>
-              <a:tr h="621620">
-                <a:tc>
-                  <a:txBody>
-                    <a:bodyPr/>
-                    <a:lstStyle/>
-                    <a:p>
-                      <a:pPr fontAlgn="base"/>
-                      <a:r>
-                        <a:rPr lang="en-GB" sz="2000" dirty="0">
-                          <a:solidFill>
-                            <a:schemeClr val="tx1"/>
-                          </a:solidFill>
-                          <a:effectLst/>
-                        </a:rPr>
-                        <a:t>Helps stakeholders understand the scope and vision</a:t>
-                      </a:r>
-                    </a:p>
-                  </a:txBody>
-                  <a:tcPr marL="88803" marR="88803" marT="44401" marB="44401" anchor="ctr">
-                    <a:lnL w="9525" cap="flat" cmpd="sng" algn="ctr">
-                      <a:solidFill>
-                        <a:srgbClr val="E3E3E3"/>
-                      </a:solidFill>
-                      <a:prstDash val="solid"/>
-                      <a:round/>
-                      <a:headEnd type="none" w="med" len="med"/>
-                      <a:tailEnd type="none" w="med" len="med"/>
-                    </a:lnL>
-                    <a:lnR w="9525" cap="flat" cmpd="sng" algn="ctr">
-                      <a:solidFill>
-                        <a:srgbClr val="E3E3E3"/>
-                      </a:solidFill>
-                      <a:prstDash val="solid"/>
-                      <a:round/>
-                      <a:headEnd type="none" w="med" len="med"/>
-                      <a:tailEnd type="none" w="med" len="med"/>
-                    </a:lnR>
-                    <a:lnT w="12700" cap="flat" cmpd="sng" algn="ctr">
-                      <a:solidFill>
-                        <a:srgbClr val="E3E3E3"/>
-                      </a:solidFill>
-                      <a:prstDash val="solid"/>
-                      <a:round/>
-                      <a:headEnd type="none" w="med" len="med"/>
-                      <a:tailEnd type="none" w="med" len="med"/>
-                    </a:lnT>
-                    <a:lnB w="12700" cap="flat" cmpd="sng" algn="ctr">
-                      <a:solidFill>
-                        <a:srgbClr val="E3E3E3"/>
-                      </a:solidFill>
-                      <a:prstDash val="solid"/>
-                      <a:round/>
-                      <a:headEnd type="none" w="med" len="med"/>
-                      <a:tailEnd type="none" w="med" len="med"/>
-                    </a:lnB>
-                    <a:solidFill>
-                      <a:srgbClr val="FFFFFF"/>
-                    </a:solidFill>
-                  </a:tcPr>
-                </a:tc>
-                <a:tc>
-                  <a:txBody>
-                    <a:bodyPr/>
-                    <a:lstStyle/>
-                    <a:p>
-                      <a:pPr fontAlgn="base"/>
-                      <a:r>
-                        <a:rPr lang="en-GB" sz="2000">
-                          <a:solidFill>
-                            <a:schemeClr val="tx1"/>
-                          </a:solidFill>
-                          <a:effectLst/>
-                        </a:rPr>
-                        <a:t>Guides developers in building the system components</a:t>
-                      </a:r>
-                    </a:p>
-                  </a:txBody>
-                  <a:tcPr marL="88803" marR="88803" marT="44401" marB="44401" anchor="ctr">
-                    <a:lnL w="9525" cap="flat" cmpd="sng" algn="ctr">
-                      <a:solidFill>
-                        <a:srgbClr val="E3E3E3"/>
-                      </a:solidFill>
-                      <a:prstDash val="solid"/>
-                      <a:round/>
-                      <a:headEnd type="none" w="med" len="med"/>
-                      <a:tailEnd type="none" w="med" len="med"/>
-                    </a:lnL>
-                    <a:lnR w="9525" cap="flat" cmpd="sng" algn="ctr">
-                      <a:solidFill>
-                        <a:srgbClr val="E3E3E3"/>
-                      </a:solidFill>
-                      <a:prstDash val="solid"/>
-                      <a:round/>
-                      <a:headEnd type="none" w="med" len="med"/>
-                      <a:tailEnd type="none" w="med" len="med"/>
-                    </a:lnR>
-                    <a:lnT w="12700" cap="flat" cmpd="sng" algn="ctr">
-                      <a:solidFill>
-                        <a:srgbClr val="E3E3E3"/>
-                      </a:solidFill>
-                      <a:prstDash val="solid"/>
-                      <a:round/>
-                      <a:headEnd type="none" w="med" len="med"/>
-                      <a:tailEnd type="none" w="med" len="med"/>
-                    </a:lnT>
-                    <a:lnB w="12700" cap="flat" cmpd="sng" algn="ctr">
-                      <a:solidFill>
-                        <a:srgbClr val="E3E3E3"/>
-                      </a:solidFill>
-                      <a:prstDash val="solid"/>
-                      <a:round/>
-                      <a:headEnd type="none" w="med" len="med"/>
-                      <a:tailEnd type="none" w="med" len="med"/>
-                    </a:lnB>
-                    <a:solidFill>
-                      <a:srgbClr val="FFFFFF"/>
-                    </a:solidFill>
-                  </a:tcPr>
-                </a:tc>
-                <a:extLst>
-                  <a:ext uri="{0D108BD9-81ED-4DB2-BD59-A6C34878D82A}">
-                    <a16:rowId xmlns:a16="http://schemas.microsoft.com/office/drawing/2014/main" val="700628358"/>
-                  </a:ext>
-                </a:extLst>
-              </a:tr>
-              <a:tr h="621620">
-                <a:tc>
-                  <a:txBody>
-                    <a:bodyPr/>
-                    <a:lstStyle/>
-                    <a:p>
-                      <a:pPr fontAlgn="base"/>
-                      <a:r>
-                        <a:rPr lang="en-GB" sz="2000">
-                          <a:solidFill>
-                            <a:schemeClr val="tx1"/>
-                          </a:solidFill>
-                          <a:effectLst/>
-                        </a:rPr>
-                        <a:t>May involve brainstorming sessions and user interviews</a:t>
-                      </a:r>
-                    </a:p>
-                  </a:txBody>
-                  <a:tcPr marL="88803" marR="88803" marT="44401" marB="44401" anchor="ctr">
-                    <a:lnL w="9525" cap="flat" cmpd="sng" algn="ctr">
-                      <a:solidFill>
-                        <a:srgbClr val="E3E3E3"/>
-                      </a:solidFill>
-                      <a:prstDash val="solid"/>
-                      <a:round/>
-                      <a:headEnd type="none" w="med" len="med"/>
-                      <a:tailEnd type="none" w="med" len="med"/>
-                    </a:lnL>
-                    <a:lnR w="9525" cap="flat" cmpd="sng" algn="ctr">
-                      <a:solidFill>
-                        <a:srgbClr val="E3E3E3"/>
-                      </a:solidFill>
-                      <a:prstDash val="solid"/>
-                      <a:round/>
-                      <a:headEnd type="none" w="med" len="med"/>
-                      <a:tailEnd type="none" w="med" len="med"/>
-                    </a:lnR>
-                    <a:lnT w="12700" cap="flat" cmpd="sng" algn="ctr">
-                      <a:solidFill>
-                        <a:srgbClr val="E3E3E3"/>
-                      </a:solidFill>
-                      <a:prstDash val="solid"/>
-                      <a:round/>
-                      <a:headEnd type="none" w="med" len="med"/>
-                      <a:tailEnd type="none" w="med" len="med"/>
-                    </a:lnT>
-                    <a:lnB w="9525" cap="flat" cmpd="sng" algn="ctr">
-                      <a:solidFill>
-                        <a:srgbClr val="E3E3E3"/>
-                      </a:solidFill>
-                      <a:prstDash val="solid"/>
-                      <a:round/>
-                      <a:headEnd type="none" w="med" len="med"/>
-                      <a:tailEnd type="none" w="med" len="med"/>
-                    </a:lnB>
-                    <a:solidFill>
-                      <a:srgbClr val="FFFFFF"/>
-                    </a:solidFill>
-                  </a:tcPr>
-                </a:tc>
-                <a:tc>
-                  <a:txBody>
-                    <a:bodyPr/>
-                    <a:lstStyle/>
-                    <a:p>
-                      <a:pPr fontAlgn="base"/>
-                      <a:r>
-                        <a:rPr lang="en-GB" sz="2000" dirty="0">
-                          <a:solidFill>
-                            <a:schemeClr val="tx1"/>
-                          </a:solidFill>
-                          <a:effectLst/>
-                        </a:rPr>
-                        <a:t>Involves architectural decisions and technical trade-offs</a:t>
-                      </a:r>
-                    </a:p>
-                  </a:txBody>
-                  <a:tcPr marL="88803" marR="88803" marT="44401" marB="44401" anchor="ctr">
-                    <a:lnL w="9525" cap="flat" cmpd="sng" algn="ctr">
-                      <a:solidFill>
-                        <a:srgbClr val="E3E3E3"/>
-                      </a:solidFill>
-                      <a:prstDash val="solid"/>
-                      <a:round/>
-                      <a:headEnd type="none" w="med" len="med"/>
-                      <a:tailEnd type="none" w="med" len="med"/>
-                    </a:lnL>
-                    <a:lnR w="9525" cap="flat" cmpd="sng" algn="ctr">
-                      <a:solidFill>
-                        <a:srgbClr val="E3E3E3"/>
-                      </a:solidFill>
-                      <a:prstDash val="solid"/>
-                      <a:round/>
-                      <a:headEnd type="none" w="med" len="med"/>
-                      <a:tailEnd type="none" w="med" len="med"/>
-                    </a:lnR>
-                    <a:lnT w="12700" cap="flat" cmpd="sng" algn="ctr">
-                      <a:solidFill>
-                        <a:srgbClr val="E3E3E3"/>
-                      </a:solidFill>
-                      <a:prstDash val="solid"/>
-                      <a:round/>
-                      <a:headEnd type="none" w="med" len="med"/>
-                      <a:tailEnd type="none" w="med" len="med"/>
-                    </a:lnT>
-                    <a:lnB w="9525" cap="flat" cmpd="sng" algn="ctr">
-                      <a:solidFill>
-                        <a:srgbClr val="E3E3E3"/>
-                      </a:solidFill>
-                      <a:prstDash val="solid"/>
-                      <a:round/>
-                      <a:headEnd type="none" w="med" len="med"/>
-                      <a:tailEnd type="none" w="med" len="med"/>
-                    </a:lnB>
-                    <a:solidFill>
-                      <a:srgbClr val="FFFFFF"/>
-                    </a:solidFill>
-                  </a:tcPr>
-                </a:tc>
-                <a:extLst>
-                  <a:ext uri="{0D108BD9-81ED-4DB2-BD59-A6C34878D82A}">
-                    <a16:rowId xmlns:a16="http://schemas.microsoft.com/office/drawing/2014/main" val="3023893508"/>
-                  </a:ext>
-                </a:extLst>
-              </a:tr>
-            </a:tbl>
-          </a:graphicData>
-        </a:graphic>
-      </p:graphicFrame>
-    </p:spTree>
-    <p:extLst>
-      <p:ext uri="{BB962C8B-B14F-4D97-AF65-F5344CB8AC3E}">
-        <p14:creationId xmlns:p14="http://schemas.microsoft.com/office/powerpoint/2010/main" val="3924461794"/>
-      </p:ext>
-    </p:extLst>
-  </p:cSld>
-  <p:clrMapOvr>
-    <a:masterClrMapping/>
-  </p:clrMapOvr>
 </p:sld>
 </file>
 

--- a/teaching/CS472/Timetable/OOD-V2.pptx
+++ b/teaching/CS472/Timetable/OOD-V2.pptx
@@ -5,39 +5,38 @@
     <p:sldMasterId id="2147483648" r:id="rId1"/>
   </p:sldMasterIdLst>
   <p:notesMasterIdLst>
-    <p:notesMasterId r:id="rId32"/>
+    <p:notesMasterId r:id="rId31"/>
   </p:notesMasterIdLst>
   <p:sldIdLst>
     <p:sldId id="256" r:id="rId2"/>
     <p:sldId id="276" r:id="rId3"/>
-    <p:sldId id="322" r:id="rId4"/>
-    <p:sldId id="257" r:id="rId5"/>
-    <p:sldId id="277" r:id="rId6"/>
-    <p:sldId id="311" r:id="rId7"/>
-    <p:sldId id="312" r:id="rId8"/>
-    <p:sldId id="320" r:id="rId9"/>
-    <p:sldId id="317" r:id="rId10"/>
-    <p:sldId id="318" r:id="rId11"/>
-    <p:sldId id="319" r:id="rId12"/>
-    <p:sldId id="313" r:id="rId13"/>
-    <p:sldId id="258" r:id="rId14"/>
-    <p:sldId id="260" r:id="rId15"/>
-    <p:sldId id="321" r:id="rId16"/>
-    <p:sldId id="259" r:id="rId17"/>
-    <p:sldId id="261" r:id="rId18"/>
-    <p:sldId id="263" r:id="rId19"/>
-    <p:sldId id="262" r:id="rId20"/>
-    <p:sldId id="264" r:id="rId21"/>
-    <p:sldId id="265" r:id="rId22"/>
-    <p:sldId id="266" r:id="rId23"/>
-    <p:sldId id="271" r:id="rId24"/>
-    <p:sldId id="270" r:id="rId25"/>
-    <p:sldId id="272" r:id="rId26"/>
-    <p:sldId id="273" r:id="rId27"/>
-    <p:sldId id="274" r:id="rId28"/>
-    <p:sldId id="275" r:id="rId29"/>
-    <p:sldId id="314" r:id="rId30"/>
-    <p:sldId id="315" r:id="rId31"/>
+    <p:sldId id="257" r:id="rId4"/>
+    <p:sldId id="277" r:id="rId5"/>
+    <p:sldId id="311" r:id="rId6"/>
+    <p:sldId id="312" r:id="rId7"/>
+    <p:sldId id="320" r:id="rId8"/>
+    <p:sldId id="317" r:id="rId9"/>
+    <p:sldId id="318" r:id="rId10"/>
+    <p:sldId id="319" r:id="rId11"/>
+    <p:sldId id="313" r:id="rId12"/>
+    <p:sldId id="258" r:id="rId13"/>
+    <p:sldId id="260" r:id="rId14"/>
+    <p:sldId id="321" r:id="rId15"/>
+    <p:sldId id="259" r:id="rId16"/>
+    <p:sldId id="261" r:id="rId17"/>
+    <p:sldId id="263" r:id="rId18"/>
+    <p:sldId id="262" r:id="rId19"/>
+    <p:sldId id="264" r:id="rId20"/>
+    <p:sldId id="265" r:id="rId21"/>
+    <p:sldId id="266" r:id="rId22"/>
+    <p:sldId id="271" r:id="rId23"/>
+    <p:sldId id="270" r:id="rId24"/>
+    <p:sldId id="272" r:id="rId25"/>
+    <p:sldId id="273" r:id="rId26"/>
+    <p:sldId id="274" r:id="rId27"/>
+    <p:sldId id="275" r:id="rId28"/>
+    <p:sldId id="314" r:id="rId29"/>
+    <p:sldId id="315" r:id="rId30"/>
   </p:sldIdLst>
   <p:sldSz cx="12192000" cy="6858000"/>
   <p:notesSz cx="6858000" cy="9144000"/>
@@ -226,7 +225,7 @@
           <a:p>
             <a:fld id="{9D75346B-715E-CA4E-A294-01B0C7460D3C}" type="datetimeFigureOut">
               <a:rPr lang="en-BE" smtClean="0"/>
-              <a:t>18/02/2025</a:t>
+              <a:t>22/09/2025</a:t>
             </a:fld>
             <a:endParaRPr lang="en-BE"/>
           </a:p>
@@ -630,18 +629,19 @@
                 <a:effectLst/>
                 <a:latin typeface="-apple-system"/>
               </a:rPr>
-              <a:t>In this phase, we code, test, and debug the classes that implement the business logic (</a:t>
-            </a:r>
-            <a:r>
-              <a:rPr lang="en-GB" b="0" i="0" dirty="0">
-                <a:solidFill>
-                  <a:srgbClr val="333333"/>
-                </a:solidFill>
-                <a:effectLst/>
-                <a:latin typeface="Courier New" panose="02070309020205020404" pitchFamily="49" charset="0"/>
-              </a:rPr>
-              <a:t>Library</a:t>
-            </a:r>
+              <a:t>In this case, when the request is made by the actor, the system enters a loop. Since the loop involves interacting repeatedly with the actor, the loop control mechanism is in the UI itself.</a:t>
+            </a:r>
+          </a:p>
+          <a:p>
+            <a:endParaRPr lang="en-GB" b="0" i="0" dirty="0">
+              <a:solidFill>
+                <a:srgbClr val="333333"/>
+              </a:solidFill>
+              <a:effectLst/>
+              <a:latin typeface="-apple-system"/>
+            </a:endParaRPr>
+          </a:p>
+          <a:p>
             <a:r>
               <a:rPr lang="en-GB" b="0" i="0" dirty="0">
                 <a:solidFill>
@@ -650,7 +650,22 @@
                 <a:effectLst/>
                 <a:latin typeface="-apple-system"/>
               </a:rPr>
-              <a:t>, </a:t>
+              <a:t>The first operation is to get the data about the book to be added. The algorithm here consists of the following steps: </a:t>
+            </a:r>
+          </a:p>
+          <a:p>
+            <a:pPr marL="285750" indent="-285750">
+              <a:buAutoNum type="romanLcParenBoth"/>
+            </a:pPr>
+            <a:r>
+              <a:rPr lang="en-GB" b="0" i="0" dirty="0">
+                <a:solidFill>
+                  <a:srgbClr val="333333"/>
+                </a:solidFill>
+                <a:effectLst/>
+                <a:latin typeface="-apple-system"/>
+              </a:rPr>
+              <a:t>create a </a:t>
             </a:r>
             <a:r>
               <a:rPr lang="en-GB" b="0" i="0" dirty="0">
@@ -670,18 +685,13 @@
                 <a:effectLst/>
                 <a:latin typeface="-apple-system"/>
               </a:rPr>
-              <a:t>, etc.) and </a:t>
-            </a:r>
-            <a:r>
-              <a:rPr lang="en-GB" b="0" i="0" dirty="0" err="1">
-                <a:solidFill>
-                  <a:srgbClr val="333333"/>
-                </a:solidFill>
-                <a:effectLst/>
-                <a:latin typeface="Courier New" panose="02070309020205020404" pitchFamily="49" charset="0"/>
-              </a:rPr>
-              <a:t>UserInterface</a:t>
-            </a:r>
+              <a:t> object, </a:t>
+            </a:r>
+          </a:p>
+          <a:p>
+            <a:pPr marL="285750" indent="-285750">
+              <a:buAutoNum type="romanLcParenBoth"/>
+            </a:pPr>
             <a:r>
               <a:rPr lang="en-GB" b="0" i="0" dirty="0">
                 <a:solidFill>
@@ -690,7 +700,120 @@
                 <a:effectLst/>
                 <a:latin typeface="-apple-system"/>
               </a:rPr>
-              <a:t>.</a:t>
+              <a:t>add the </a:t>
+            </a:r>
+            <a:r>
+              <a:rPr lang="en-GB" b="0" i="0" dirty="0">
+                <a:solidFill>
+                  <a:srgbClr val="333333"/>
+                </a:solidFill>
+                <a:effectLst/>
+                <a:latin typeface="Courier New" panose="02070309020205020404" pitchFamily="49" charset="0"/>
+              </a:rPr>
+              <a:t>Book</a:t>
+            </a:r>
+            <a:r>
+              <a:rPr lang="en-GB" b="0" i="0" dirty="0">
+                <a:solidFill>
+                  <a:srgbClr val="333333"/>
+                </a:solidFill>
+                <a:effectLst/>
+                <a:latin typeface="-apple-system"/>
+              </a:rPr>
+              <a:t> object to the </a:t>
+            </a:r>
+            <a:r>
+              <a:rPr lang="en-GB" b="0" i="0" dirty="0" err="1">
+                <a:solidFill>
+                  <a:srgbClr val="333333"/>
+                </a:solidFill>
+                <a:effectLst/>
+                <a:latin typeface="-apple-system"/>
+              </a:rPr>
+              <a:t>catalog</a:t>
+            </a:r>
+            <a:r>
+              <a:rPr lang="en-GB" b="0" i="0" dirty="0">
+                <a:solidFill>
+                  <a:srgbClr val="333333"/>
+                </a:solidFill>
+                <a:effectLst/>
+                <a:latin typeface="-apple-system"/>
+              </a:rPr>
+              <a:t> and </a:t>
+            </a:r>
+          </a:p>
+          <a:p>
+            <a:pPr marL="285750" indent="-285750">
+              <a:buAutoNum type="romanLcParenBoth"/>
+            </a:pPr>
+            <a:r>
+              <a:rPr lang="en-GB" b="0" i="0" dirty="0">
+                <a:solidFill>
+                  <a:srgbClr val="333333"/>
+                </a:solidFill>
+                <a:effectLst/>
+                <a:latin typeface="-apple-system"/>
+              </a:rPr>
+              <a:t>return the result of the operation. </a:t>
+            </a:r>
+          </a:p>
+          <a:p>
+            <a:pPr marL="0" indent="0">
+              <a:buFontTx/>
+              <a:buNone/>
+            </a:pPr>
+            <a:endParaRPr lang="en-GB" b="0" i="0" dirty="0">
+              <a:solidFill>
+                <a:srgbClr val="333333"/>
+              </a:solidFill>
+              <a:effectLst/>
+              <a:latin typeface="-apple-system"/>
+            </a:endParaRPr>
+          </a:p>
+          <a:p>
+            <a:pPr marL="0" indent="0">
+              <a:buFontTx/>
+              <a:buNone/>
+            </a:pPr>
+            <a:r>
+              <a:rPr lang="en-GB" b="0" i="0" dirty="0">
+                <a:solidFill>
+                  <a:srgbClr val="333333"/>
+                </a:solidFill>
+                <a:effectLst/>
+                <a:latin typeface="-apple-system"/>
+              </a:rPr>
+              <a:t>The first three are is handled in a manner similar to the previous use case.</a:t>
+            </a:r>
+          </a:p>
+          <a:p>
+            <a:pPr marL="0" indent="0">
+              <a:buFontTx/>
+              <a:buNone/>
+            </a:pPr>
+            <a:endParaRPr lang="en-GB" b="0" i="0" dirty="0">
+              <a:solidFill>
+                <a:srgbClr val="333333"/>
+              </a:solidFill>
+              <a:effectLst/>
+              <a:latin typeface="-apple-system"/>
+            </a:endParaRPr>
+          </a:p>
+          <a:p>
+            <a:pPr marL="0" indent="0">
+              <a:buFontTx/>
+              <a:buNone/>
+            </a:pPr>
+            <a:r>
+              <a:rPr lang="en-GB" b="0" i="0" dirty="0">
+                <a:solidFill>
+                  <a:srgbClr val="333333"/>
+                </a:solidFill>
+                <a:effectLst/>
+                <a:latin typeface="-apple-system"/>
+              </a:rPr>
+              <a:t>(iv) The UI returns the result and continues until the actor indicates an exit.</a:t>
             </a:r>
             <a:endParaRPr lang="en-BE" dirty="0"/>
           </a:p>
@@ -713,7 +836,7 @@
           <a:p>
             <a:fld id="{29370A86-051A-7C48-98C3-08CACFB9377A}" type="slidenum">
               <a:rPr lang="en-BE" smtClean="0"/>
-              <a:t>28</a:t>
+              <a:t>24</a:t>
             </a:fld>
             <a:endParaRPr lang="en-BE"/>
           </a:p>
@@ -722,7 +845,7 @@
     </p:spTree>
     <p:extLst>
       <p:ext uri="{BB962C8B-B14F-4D97-AF65-F5344CB8AC3E}">
-        <p14:creationId xmlns:p14="http://schemas.microsoft.com/office/powerpoint/2010/main" val="714339210"/>
+        <p14:creationId xmlns:p14="http://schemas.microsoft.com/office/powerpoint/2010/main" val="2742658539"/>
       </p:ext>
     </p:extLst>
   </p:cSld>
@@ -867,7 +990,161 @@
           <a:p>
             <a:fld id="{29370A86-051A-7C48-98C3-08CACFB9377A}" type="slidenum">
               <a:rPr lang="en-BE" smtClean="0"/>
-              <a:t>29</a:t>
+              <a:t>27</a:t>
+            </a:fld>
+            <a:endParaRPr lang="en-BE"/>
+          </a:p>
+        </p:txBody>
+      </p:sp>
+    </p:spTree>
+    <p:extLst>
+      <p:ext uri="{BB962C8B-B14F-4D97-AF65-F5344CB8AC3E}">
+        <p14:creationId xmlns:p14="http://schemas.microsoft.com/office/powerpoint/2010/main" val="714339210"/>
+      </p:ext>
+    </p:extLst>
+  </p:cSld>
+  <p:clrMapOvr>
+    <a:masterClrMapping/>
+  </p:clrMapOvr>
+</p:notes>
+</file>
+
+<file path=ppt/notesSlides/notesSlide12.xml><?xml version="1.0" encoding="utf-8"?>
+<p:notes xmlns:a="http://schemas.openxmlformats.org/drawingml/2006/main" xmlns:r="http://schemas.openxmlformats.org/officeDocument/2006/relationships" xmlns:p="http://schemas.openxmlformats.org/presentationml/2006/main">
+  <p:cSld>
+    <p:spTree>
+      <p:nvGrpSpPr>
+        <p:cNvPr id="1" name=""/>
+        <p:cNvGrpSpPr/>
+        <p:nvPr/>
+      </p:nvGrpSpPr>
+      <p:grpSpPr>
+        <a:xfrm>
+          <a:off x="0" y="0"/>
+          <a:ext cx="0" cy="0"/>
+          <a:chOff x="0" y="0"/>
+          <a:chExt cx="0" cy="0"/>
+        </a:xfrm>
+      </p:grpSpPr>
+      <p:sp>
+        <p:nvSpPr>
+          <p:cNvPr id="2" name="Slide Image Placeholder 1"/>
+          <p:cNvSpPr>
+            <a:spLocks noGrp="1" noRot="1" noChangeAspect="1"/>
+          </p:cNvSpPr>
+          <p:nvPr>
+            <p:ph type="sldImg"/>
+          </p:nvPr>
+        </p:nvSpPr>
+        <p:spPr/>
+      </p:sp>
+      <p:sp>
+        <p:nvSpPr>
+          <p:cNvPr id="3" name="Notes Placeholder 2"/>
+          <p:cNvSpPr>
+            <a:spLocks noGrp="1"/>
+          </p:cNvSpPr>
+          <p:nvPr>
+            <p:ph type="body" idx="1"/>
+          </p:nvPr>
+        </p:nvSpPr>
+        <p:spPr/>
+        <p:txBody>
+          <a:bodyPr/>
+          <a:lstStyle/>
+          <a:p>
+            <a:r>
+              <a:rPr lang="en-GB" b="0" i="0" dirty="0">
+                <a:solidFill>
+                  <a:srgbClr val="333333"/>
+                </a:solidFill>
+                <a:effectLst/>
+                <a:latin typeface="-apple-system"/>
+              </a:rPr>
+              <a:t>In this phase, we code, test, and debug the classes that implement the business logic (</a:t>
+            </a:r>
+            <a:r>
+              <a:rPr lang="en-GB" b="0" i="0" dirty="0">
+                <a:solidFill>
+                  <a:srgbClr val="333333"/>
+                </a:solidFill>
+                <a:effectLst/>
+                <a:latin typeface="Courier New" panose="02070309020205020404" pitchFamily="49" charset="0"/>
+              </a:rPr>
+              <a:t>Library</a:t>
+            </a:r>
+            <a:r>
+              <a:rPr lang="en-GB" b="0" i="0" dirty="0">
+                <a:solidFill>
+                  <a:srgbClr val="333333"/>
+                </a:solidFill>
+                <a:effectLst/>
+                <a:latin typeface="-apple-system"/>
+              </a:rPr>
+              <a:t>, </a:t>
+            </a:r>
+            <a:r>
+              <a:rPr lang="en-GB" b="0" i="0" dirty="0">
+                <a:solidFill>
+                  <a:srgbClr val="333333"/>
+                </a:solidFill>
+                <a:effectLst/>
+                <a:latin typeface="Courier New" panose="02070309020205020404" pitchFamily="49" charset="0"/>
+              </a:rPr>
+              <a:t>Book</a:t>
+            </a:r>
+            <a:r>
+              <a:rPr lang="en-GB" b="0" i="0" dirty="0">
+                <a:solidFill>
+                  <a:srgbClr val="333333"/>
+                </a:solidFill>
+                <a:effectLst/>
+                <a:latin typeface="-apple-system"/>
+              </a:rPr>
+              <a:t>, etc.) and </a:t>
+            </a:r>
+            <a:r>
+              <a:rPr lang="en-GB" b="0" i="0" dirty="0" err="1">
+                <a:solidFill>
+                  <a:srgbClr val="333333"/>
+                </a:solidFill>
+                <a:effectLst/>
+                <a:latin typeface="Courier New" panose="02070309020205020404" pitchFamily="49" charset="0"/>
+              </a:rPr>
+              <a:t>UserInterface</a:t>
+            </a:r>
+            <a:r>
+              <a:rPr lang="en-GB" b="0" i="0" dirty="0">
+                <a:solidFill>
+                  <a:srgbClr val="333333"/>
+                </a:solidFill>
+                <a:effectLst/>
+                <a:latin typeface="-apple-system"/>
+              </a:rPr>
+              <a:t>.</a:t>
+            </a:r>
+            <a:endParaRPr lang="en-BE" dirty="0"/>
+          </a:p>
+        </p:txBody>
+      </p:sp>
+      <p:sp>
+        <p:nvSpPr>
+          <p:cNvPr id="4" name="Slide Number Placeholder 3"/>
+          <p:cNvSpPr>
+            <a:spLocks noGrp="1"/>
+          </p:cNvSpPr>
+          <p:nvPr>
+            <p:ph type="sldNum" sz="quarter" idx="5"/>
+          </p:nvPr>
+        </p:nvSpPr>
+        <p:spPr/>
+        <p:txBody>
+          <a:bodyPr/>
+          <a:lstStyle/>
+          <a:p>
+            <a:fld id="{29370A86-051A-7C48-98C3-08CACFB9377A}" type="slidenum">
+              <a:rPr lang="en-BE" smtClean="0"/>
+              <a:t>28</a:t>
             </a:fld>
             <a:endParaRPr lang="en-BE"/>
           </a:p>
@@ -1144,7 +1421,7 @@
             </a:pPr>
             <a:fld id="{00000000-1234-1234-1234-123412341234}" type="slidenum">
               <a:rPr lang="en-GB"/>
-              <a:t>5</a:t>
+              <a:t>4</a:t>
             </a:fld>
             <a:endParaRPr/>
           </a:p>
@@ -1337,7 +1614,7 @@
             </a:pPr>
             <a:fld id="{00000000-1234-1234-1234-123412341234}" type="slidenum">
               <a:rPr lang="en-GB"/>
-              <a:t>6</a:t>
+              <a:t>5</a:t>
             </a:fld>
             <a:endParaRPr/>
           </a:p>
@@ -1770,7 +2047,7 @@
             </a:pPr>
             <a:fld id="{00000000-1234-1234-1234-123412341234}" type="slidenum">
               <a:rPr lang="en-GB"/>
-              <a:t>7</a:t>
+              <a:t>6</a:t>
             </a:fld>
             <a:endParaRPr/>
           </a:p>
@@ -1950,7 +2227,7 @@
             </a:pPr>
             <a:fld id="{00000000-1234-1234-1234-123412341234}" type="slidenum">
               <a:rPr lang="en-GB"/>
-              <a:t>8</a:t>
+              <a:t>7</a:t>
             </a:fld>
             <a:endParaRPr/>
           </a:p>
@@ -2029,7 +2306,7 @@
           <a:p>
             <a:fld id="{29370A86-051A-7C48-98C3-08CACFB9377A}" type="slidenum">
               <a:rPr lang="en-BE" smtClean="0"/>
-              <a:t>9</a:t>
+              <a:t>8</a:t>
             </a:fld>
             <a:endParaRPr lang="en-BE"/>
           </a:p>
@@ -2092,7 +2369,7 @@
           <a:bodyPr/>
           <a:lstStyle/>
           <a:p>
-            <a:endParaRPr lang="en-BE" dirty="0"/>
+            <a:endParaRPr lang="en-US" dirty="0"/>
           </a:p>
         </p:txBody>
       </p:sp>
@@ -2113,7 +2390,7 @@
           <a:p>
             <a:fld id="{29370A86-051A-7C48-98C3-08CACFB9377A}" type="slidenum">
               <a:rPr lang="en-BE" smtClean="0"/>
-              <a:t>23</a:t>
+              <a:t>10</a:t>
             </a:fld>
             <a:endParaRPr lang="en-BE"/>
           </a:p>
@@ -2122,7 +2399,7 @@
     </p:spTree>
     <p:extLst>
       <p:ext uri="{BB962C8B-B14F-4D97-AF65-F5344CB8AC3E}">
-        <p14:creationId xmlns:p14="http://schemas.microsoft.com/office/powerpoint/2010/main" val="1366296641"/>
+        <p14:creationId xmlns:p14="http://schemas.microsoft.com/office/powerpoint/2010/main" val="1164428028"/>
       </p:ext>
     </p:extLst>
   </p:cSld>
@@ -2176,328 +2453,6 @@
           <a:bodyPr/>
           <a:lstStyle/>
           <a:p>
-            <a:r>
-              <a:rPr lang="en-GB" b="0" i="0" dirty="0">
-                <a:solidFill>
-                  <a:srgbClr val="333333"/>
-                </a:solidFill>
-                <a:effectLst/>
-                <a:latin typeface="-apple-system"/>
-              </a:rPr>
-              <a:t>Having decided on an adequate set of software classes, our next task is to assign responsibilities.</a:t>
-            </a:r>
-          </a:p>
-          <a:p>
-            <a:r>
-              <a:rPr lang="en-GB" b="0" i="0" dirty="0">
-                <a:solidFill>
-                  <a:srgbClr val="333333"/>
-                </a:solidFill>
-                <a:effectLst/>
-                <a:latin typeface="-apple-system"/>
-              </a:rPr>
-              <a:t>The next step is, therefore, to spell out the details of how the system meets its responsibilities</a:t>
-            </a:r>
-          </a:p>
-          <a:p>
-            <a:r>
-              <a:rPr lang="en-GB" b="0" i="0" dirty="0">
-                <a:solidFill>
-                  <a:srgbClr val="333333"/>
-                </a:solidFill>
-                <a:effectLst/>
-                <a:latin typeface="-apple-system"/>
-              </a:rPr>
-              <a:t>Sequence Diagrams are a great UML tool for describing responsibilities of classes</a:t>
-            </a:r>
-          </a:p>
-          <a:p>
-            <a:r>
-              <a:rPr lang="en-GB" b="0" i="0" dirty="0">
-                <a:solidFill>
-                  <a:srgbClr val="333333"/>
-                </a:solidFill>
-                <a:effectLst/>
-                <a:latin typeface="-apple-system"/>
-              </a:rPr>
-              <a:t>Back to our use case of registering users</a:t>
-            </a:r>
-          </a:p>
-          <a:p>
-            <a:endParaRPr lang="en-GB" b="0" i="0" dirty="0">
-              <a:solidFill>
-                <a:srgbClr val="333333"/>
-              </a:solidFill>
-              <a:effectLst/>
-              <a:latin typeface="-apple-system"/>
-            </a:endParaRPr>
-          </a:p>
-          <a:p>
-            <a:r>
-              <a:rPr lang="en-GB" b="0" i="0" dirty="0">
-                <a:solidFill>
-                  <a:srgbClr val="333333"/>
-                </a:solidFill>
-                <a:effectLst/>
-                <a:latin typeface="-apple-system"/>
-              </a:rPr>
-              <a:t>The clerk issues a request to the system to add a new member. The system responds by asking for the data about the new member. This interaction occurs between the library staff member and the </a:t>
-            </a:r>
-            <a:r>
-              <a:rPr lang="en-GB" b="0" i="0" dirty="0" err="1">
-                <a:solidFill>
-                  <a:srgbClr val="333333"/>
-                </a:solidFill>
-                <a:effectLst/>
-                <a:latin typeface="Courier New" panose="02070309020205020404" pitchFamily="49" charset="0"/>
-              </a:rPr>
-              <a:t>UserInterface</a:t>
-            </a:r>
-            <a:r>
-              <a:rPr lang="en-GB" b="0" i="0" dirty="0">
-                <a:solidFill>
-                  <a:srgbClr val="333333"/>
-                </a:solidFill>
-                <a:effectLst/>
-                <a:latin typeface="-apple-system"/>
-              </a:rPr>
-              <a:t> instance. The clerk enters the requested data, which the </a:t>
-            </a:r>
-            <a:r>
-              <a:rPr lang="en-GB" b="0" i="0" dirty="0" err="1">
-                <a:solidFill>
-                  <a:srgbClr val="333333"/>
-                </a:solidFill>
-                <a:effectLst/>
-                <a:latin typeface="Courier New" panose="02070309020205020404" pitchFamily="49" charset="0"/>
-              </a:rPr>
-              <a:t>UserInterface</a:t>
-            </a:r>
-            <a:r>
-              <a:rPr lang="en-GB" b="0" i="0" dirty="0">
-                <a:solidFill>
-                  <a:srgbClr val="333333"/>
-                </a:solidFill>
-                <a:effectLst/>
-                <a:latin typeface="-apple-system"/>
-              </a:rPr>
-              <a:t> accepts.</a:t>
-            </a:r>
-          </a:p>
-          <a:p>
-            <a:endParaRPr lang="en-GB" b="0" i="0" dirty="0">
-              <a:solidFill>
-                <a:srgbClr val="333333"/>
-              </a:solidFill>
-              <a:effectLst/>
-              <a:latin typeface="-apple-system"/>
-            </a:endParaRPr>
-          </a:p>
-          <a:p>
-            <a:r>
-              <a:rPr lang="en-GB" b="0" i="0" dirty="0">
-                <a:solidFill>
-                  <a:srgbClr val="333333"/>
-                </a:solidFill>
-                <a:effectLst/>
-                <a:latin typeface="-apple-system"/>
-              </a:rPr>
-              <a:t>1. </a:t>
-            </a:r>
-            <a:r>
-              <a:rPr lang="en-GB" b="0" i="0" dirty="0" err="1">
-                <a:solidFill>
-                  <a:srgbClr val="333333"/>
-                </a:solidFill>
-                <a:effectLst/>
-                <a:latin typeface="-apple-system"/>
-              </a:rPr>
-              <a:t>addMember</a:t>
-            </a:r>
-            <a:r>
-              <a:rPr lang="en-GB" b="0" i="0" dirty="0">
-                <a:solidFill>
-                  <a:srgbClr val="333333"/>
-                </a:solidFill>
-                <a:effectLst/>
-                <a:latin typeface="-apple-system"/>
-              </a:rPr>
-              <a:t> within the Library class, then</a:t>
-            </a:r>
-          </a:p>
-          <a:p>
-            <a:r>
-              <a:rPr lang="en-GB" b="0" i="0" dirty="0">
-                <a:solidFill>
-                  <a:srgbClr val="333333"/>
-                </a:solidFill>
-                <a:effectLst/>
-                <a:latin typeface="-apple-system"/>
-              </a:rPr>
-              <a:t>2. Create a Member object with the supplied parameters and return a reference to the Member object</a:t>
-            </a:r>
-          </a:p>
-          <a:p>
-            <a:r>
-              <a:rPr lang="en-GB" b="0" i="0" dirty="0">
-                <a:solidFill>
-                  <a:srgbClr val="333333"/>
-                </a:solidFill>
-                <a:effectLst/>
-                <a:latin typeface="-apple-system"/>
-              </a:rPr>
-              <a:t>3. Insert the member into the member list and return the result of the operation.</a:t>
-            </a:r>
-          </a:p>
-          <a:p>
-            <a:endParaRPr lang="en-GB" b="0" i="0" dirty="0">
-              <a:solidFill>
-                <a:srgbClr val="333333"/>
-              </a:solidFill>
-              <a:effectLst/>
-              <a:latin typeface="-apple-system"/>
-            </a:endParaRPr>
-          </a:p>
-          <a:p>
-            <a:pPr algn="l">
-              <a:buFontTx/>
-              <a:buNone/>
-            </a:pPr>
-            <a:r>
-              <a:rPr lang="en-GB" b="0" i="0" dirty="0">
-                <a:solidFill>
-                  <a:srgbClr val="333333"/>
-                </a:solidFill>
-                <a:effectLst/>
-                <a:latin typeface="-apple-system"/>
-              </a:rPr>
-              <a:t>Invoke the </a:t>
-            </a:r>
-            <a:r>
-              <a:rPr lang="en-GB" b="0" i="0" dirty="0">
-                <a:solidFill>
-                  <a:srgbClr val="333333"/>
-                </a:solidFill>
-                <a:effectLst/>
-                <a:latin typeface="Courier New" panose="02070309020205020404" pitchFamily="49" charset="0"/>
-              </a:rPr>
-              <a:t>Member</a:t>
-            </a:r>
-            <a:r>
-              <a:rPr lang="en-GB" b="0" i="0" dirty="0">
-                <a:solidFill>
-                  <a:srgbClr val="333333"/>
-                </a:solidFill>
-                <a:effectLst/>
-                <a:latin typeface="-apple-system"/>
-              </a:rPr>
-              <a:t> constructor from within the </a:t>
-            </a:r>
-            <a:r>
-              <a:rPr lang="en-GB" b="0" i="0" dirty="0" err="1">
-                <a:solidFill>
-                  <a:srgbClr val="333333"/>
-                </a:solidFill>
-                <a:effectLst/>
-                <a:latin typeface="Courier New" panose="02070309020205020404" pitchFamily="49" charset="0"/>
-              </a:rPr>
-              <a:t>addMember</a:t>
-            </a:r>
-            <a:r>
-              <a:rPr lang="en-GB" b="0" i="0" dirty="0">
-                <a:solidFill>
-                  <a:srgbClr val="333333"/>
-                </a:solidFill>
-                <a:effectLst/>
-                <a:latin typeface="-apple-system"/>
-              </a:rPr>
-              <a:t> method of </a:t>
-            </a:r>
-            <a:r>
-              <a:rPr lang="en-GB" b="0" i="0" dirty="0">
-                <a:solidFill>
-                  <a:srgbClr val="333333"/>
-                </a:solidFill>
-                <a:effectLst/>
-                <a:latin typeface="Courier New" panose="02070309020205020404" pitchFamily="49" charset="0"/>
-              </a:rPr>
-              <a:t>Library</a:t>
-            </a:r>
-            <a:r>
-              <a:rPr lang="en-GB" b="0" i="0" dirty="0">
-                <a:solidFill>
-                  <a:srgbClr val="333333"/>
-                </a:solidFill>
-                <a:effectLst/>
-                <a:latin typeface="-apple-system"/>
-              </a:rPr>
-              <a:t>. The constructor returns a reference to the </a:t>
-            </a:r>
-            <a:r>
-              <a:rPr lang="en-GB" b="0" i="0" dirty="0">
-                <a:solidFill>
-                  <a:srgbClr val="333333"/>
-                </a:solidFill>
-                <a:effectLst/>
-                <a:latin typeface="Courier New" panose="02070309020205020404" pitchFamily="49" charset="0"/>
-              </a:rPr>
-              <a:t>Member</a:t>
-            </a:r>
-            <a:r>
-              <a:rPr lang="en-GB" b="0" i="0" dirty="0">
-                <a:solidFill>
-                  <a:srgbClr val="333333"/>
-                </a:solidFill>
-                <a:effectLst/>
-                <a:latin typeface="-apple-system"/>
-              </a:rPr>
-              <a:t> object and an operation, </a:t>
-            </a:r>
-            <a:r>
-              <a:rPr lang="en-GB" b="0" i="0" dirty="0" err="1">
-                <a:solidFill>
-                  <a:srgbClr val="333333"/>
-                </a:solidFill>
-                <a:effectLst/>
-                <a:latin typeface="Courier New" panose="02070309020205020404" pitchFamily="49" charset="0"/>
-              </a:rPr>
-              <a:t>insertMember</a:t>
-            </a:r>
-            <a:r>
-              <a:rPr lang="en-GB" b="0" i="0" dirty="0">
-                <a:solidFill>
-                  <a:srgbClr val="333333"/>
-                </a:solidFill>
-                <a:effectLst/>
-                <a:latin typeface="-apple-system"/>
-              </a:rPr>
-              <a:t>, is invoked on </a:t>
-            </a:r>
-            <a:r>
-              <a:rPr lang="en-GB" b="0" i="0" dirty="0" err="1">
-                <a:solidFill>
-                  <a:srgbClr val="333333"/>
-                </a:solidFill>
-                <a:effectLst/>
-                <a:latin typeface="Courier New" panose="02070309020205020404" pitchFamily="49" charset="0"/>
-              </a:rPr>
-              <a:t>MemberList</a:t>
-            </a:r>
-            <a:r>
-              <a:rPr lang="en-GB" b="0" i="0" dirty="0">
-                <a:solidFill>
-                  <a:srgbClr val="333333"/>
-                </a:solidFill>
-                <a:effectLst/>
-                <a:latin typeface="-apple-system"/>
-              </a:rPr>
-              <a:t> to add the new member.</a:t>
-            </a:r>
-          </a:p>
-          <a:p>
-            <a:br>
-              <a:rPr lang="en-GB" dirty="0"/>
-            </a:br>
             <a:endParaRPr lang="en-BE" dirty="0"/>
           </a:p>
         </p:txBody>
@@ -2519,7 +2474,7 @@
           <a:p>
             <a:fld id="{29370A86-051A-7C48-98C3-08CACFB9377A}" type="slidenum">
               <a:rPr lang="en-BE" smtClean="0"/>
-              <a:t>24</a:t>
+              <a:t>22</a:t>
             </a:fld>
             <a:endParaRPr lang="en-BE"/>
           </a:p>
@@ -2528,7 +2483,7 @@
     </p:spTree>
     <p:extLst>
       <p:ext uri="{BB962C8B-B14F-4D97-AF65-F5344CB8AC3E}">
-        <p14:creationId xmlns:p14="http://schemas.microsoft.com/office/powerpoint/2010/main" val="2425120555"/>
+        <p14:creationId xmlns:p14="http://schemas.microsoft.com/office/powerpoint/2010/main" val="1366296641"/>
       </p:ext>
     </p:extLst>
   </p:cSld>
@@ -2590,7 +2545,43 @@
                 <a:effectLst/>
                 <a:latin typeface="-apple-system"/>
               </a:rPr>
-              <a:t>In this case, when the request is made by the actor, the system enters a loop. Since the loop involves interacting repeatedly with the actor, the loop control mechanism is in the UI itself.</a:t>
+              <a:t>Having decided on an adequate set of software classes, our next task is to assign responsibilities.</a:t>
+            </a:r>
+          </a:p>
+          <a:p>
+            <a:r>
+              <a:rPr lang="en-GB" b="0" i="0" dirty="0">
+                <a:solidFill>
+                  <a:srgbClr val="333333"/>
+                </a:solidFill>
+                <a:effectLst/>
+                <a:latin typeface="-apple-system"/>
+              </a:rPr>
+              <a:t>The next step is, therefore, to spell out the details of how the system meets its responsibilities</a:t>
+            </a:r>
+          </a:p>
+          <a:p>
+            <a:r>
+              <a:rPr lang="en-GB" b="0" i="0" dirty="0">
+                <a:solidFill>
+                  <a:srgbClr val="333333"/>
+                </a:solidFill>
+                <a:effectLst/>
+                <a:latin typeface="-apple-system"/>
+              </a:rPr>
+              <a:t>Sequence Diagrams are a great UML tool for describing responsibilities of classes</a:t>
+            </a:r>
+          </a:p>
+          <a:p>
+            <a:r>
+              <a:rPr lang="en-GB" b="0" i="0" dirty="0">
+                <a:solidFill>
+                  <a:srgbClr val="333333"/>
+                </a:solidFill>
+                <a:effectLst/>
+                <a:latin typeface="-apple-system"/>
+              </a:rPr>
+              <a:t>Back to our use case of registering users</a:t>
             </a:r>
           </a:p>
           <a:p>
@@ -2611,13 +2602,18 @@
                 <a:effectLst/>
                 <a:latin typeface="-apple-system"/>
               </a:rPr>
-              <a:t>The first operation is to get the data about the book to be added. The algorithm here consists of the following steps: </a:t>
-            </a:r>
-          </a:p>
-          <a:p>
-            <a:pPr marL="285750" indent="-285750">
-              <a:buAutoNum type="romanLcParenBoth"/>
-            </a:pPr>
+              <a:t>The clerk issues a request to the system to add a new member. The system responds by asking for the data about the new member. This interaction occurs between the library staff member and the </a:t>
+            </a:r>
+            <a:r>
+              <a:rPr lang="en-GB" b="0" i="0" dirty="0" err="1">
+                <a:solidFill>
+                  <a:srgbClr val="333333"/>
+                </a:solidFill>
+                <a:effectLst/>
+                <a:latin typeface="Courier New" panose="02070309020205020404" pitchFamily="49" charset="0"/>
+              </a:rPr>
+              <a:t>UserInterface</a:t>
+            </a:r>
             <a:r>
               <a:rPr lang="en-GB" b="0" i="0" dirty="0">
                 <a:solidFill>
@@ -2626,7 +2622,117 @@
                 <a:effectLst/>
                 <a:latin typeface="-apple-system"/>
               </a:rPr>
-              <a:t>create a </a:t>
+              <a:t> instance. The clerk enters the requested data, which the </a:t>
+            </a:r>
+            <a:r>
+              <a:rPr lang="en-GB" b="0" i="0" dirty="0" err="1">
+                <a:solidFill>
+                  <a:srgbClr val="333333"/>
+                </a:solidFill>
+                <a:effectLst/>
+                <a:latin typeface="Courier New" panose="02070309020205020404" pitchFamily="49" charset="0"/>
+              </a:rPr>
+              <a:t>UserInterface</a:t>
+            </a:r>
+            <a:r>
+              <a:rPr lang="en-GB" b="0" i="0" dirty="0">
+                <a:solidFill>
+                  <a:srgbClr val="333333"/>
+                </a:solidFill>
+                <a:effectLst/>
+                <a:latin typeface="-apple-system"/>
+              </a:rPr>
+              <a:t> accepts.</a:t>
+            </a:r>
+          </a:p>
+          <a:p>
+            <a:endParaRPr lang="en-GB" b="0" i="0" dirty="0">
+              <a:solidFill>
+                <a:srgbClr val="333333"/>
+              </a:solidFill>
+              <a:effectLst/>
+              <a:latin typeface="-apple-system"/>
+            </a:endParaRPr>
+          </a:p>
+          <a:p>
+            <a:r>
+              <a:rPr lang="en-GB" b="0" i="0" dirty="0">
+                <a:solidFill>
+                  <a:srgbClr val="333333"/>
+                </a:solidFill>
+                <a:effectLst/>
+                <a:latin typeface="-apple-system"/>
+              </a:rPr>
+              <a:t>1. </a:t>
+            </a:r>
+            <a:r>
+              <a:rPr lang="en-GB" b="0" i="0" dirty="0" err="1">
+                <a:solidFill>
+                  <a:srgbClr val="333333"/>
+                </a:solidFill>
+                <a:effectLst/>
+                <a:latin typeface="-apple-system"/>
+              </a:rPr>
+              <a:t>addMember</a:t>
+            </a:r>
+            <a:r>
+              <a:rPr lang="en-GB" b="0" i="0" dirty="0">
+                <a:solidFill>
+                  <a:srgbClr val="333333"/>
+                </a:solidFill>
+                <a:effectLst/>
+                <a:latin typeface="-apple-system"/>
+              </a:rPr>
+              <a:t> within the Library class, then</a:t>
+            </a:r>
+          </a:p>
+          <a:p>
+            <a:r>
+              <a:rPr lang="en-GB" b="0" i="0" dirty="0">
+                <a:solidFill>
+                  <a:srgbClr val="333333"/>
+                </a:solidFill>
+                <a:effectLst/>
+                <a:latin typeface="-apple-system"/>
+              </a:rPr>
+              <a:t>2. Create a Member object with the supplied parameters and return a reference to the Member object</a:t>
+            </a:r>
+          </a:p>
+          <a:p>
+            <a:r>
+              <a:rPr lang="en-GB" b="0" i="0" dirty="0">
+                <a:solidFill>
+                  <a:srgbClr val="333333"/>
+                </a:solidFill>
+                <a:effectLst/>
+                <a:latin typeface="-apple-system"/>
+              </a:rPr>
+              <a:t>3. Insert the member into the member list and return the result of the operation.</a:t>
+            </a:r>
+          </a:p>
+          <a:p>
+            <a:endParaRPr lang="en-GB" b="0" i="0" dirty="0">
+              <a:solidFill>
+                <a:srgbClr val="333333"/>
+              </a:solidFill>
+              <a:effectLst/>
+              <a:latin typeface="-apple-system"/>
+            </a:endParaRPr>
+          </a:p>
+          <a:p>
+            <a:pPr algn="l">
+              <a:buFontTx/>
+              <a:buNone/>
+            </a:pPr>
+            <a:r>
+              <a:rPr lang="en-GB" b="0" i="0" dirty="0">
+                <a:solidFill>
+                  <a:srgbClr val="333333"/>
+                </a:solidFill>
+                <a:effectLst/>
+                <a:latin typeface="-apple-system"/>
+              </a:rPr>
+              <a:t>Invoke the </a:t>
             </a:r>
             <a:r>
               <a:rPr lang="en-GB" b="0" i="0" dirty="0">
@@ -2636,7 +2742,7 @@
                 <a:effectLst/>
                 <a:latin typeface="Courier New" panose="02070309020205020404" pitchFamily="49" charset="0"/>
               </a:rPr>
-              <a:t>Book</a:t>
+              <a:t>Member</a:t>
             </a:r>
             <a:r>
               <a:rPr lang="en-GB" b="0" i="0" dirty="0">
@@ -2646,13 +2752,18 @@
                 <a:effectLst/>
                 <a:latin typeface="-apple-system"/>
               </a:rPr>
-              <a:t> object, </a:t>
-            </a:r>
-          </a:p>
-          <a:p>
-            <a:pPr marL="285750" indent="-285750">
-              <a:buAutoNum type="romanLcParenBoth"/>
-            </a:pPr>
+              <a:t> constructor from within the </a:t>
+            </a:r>
+            <a:r>
+              <a:rPr lang="en-GB" b="0" i="0" dirty="0" err="1">
+                <a:solidFill>
+                  <a:srgbClr val="333333"/>
+                </a:solidFill>
+                <a:effectLst/>
+                <a:latin typeface="Courier New" panose="02070309020205020404" pitchFamily="49" charset="0"/>
+              </a:rPr>
+              <a:t>addMember</a:t>
+            </a:r>
             <a:r>
               <a:rPr lang="en-GB" b="0" i="0" dirty="0">
                 <a:solidFill>
@@ -2661,7 +2772,7 @@
                 <a:effectLst/>
                 <a:latin typeface="-apple-system"/>
               </a:rPr>
-              <a:t>add the </a:t>
+              <a:t> method of </a:t>
             </a:r>
             <a:r>
               <a:rPr lang="en-GB" b="0" i="0" dirty="0">
@@ -2671,7 +2782,7 @@
                 <a:effectLst/>
                 <a:latin typeface="Courier New" panose="02070309020205020404" pitchFamily="49" charset="0"/>
               </a:rPr>
-              <a:t>Book</a:t>
+              <a:t>Library</a:t>
             </a:r>
             <a:r>
               <a:rPr lang="en-GB" b="0" i="0" dirty="0">
@@ -2681,17 +2792,17 @@
                 <a:effectLst/>
                 <a:latin typeface="-apple-system"/>
               </a:rPr>
-              <a:t> object to the </a:t>
-            </a:r>
-            <a:r>
-              <a:rPr lang="en-GB" b="0" i="0" dirty="0" err="1">
+              <a:t>. The constructor returns a reference to the </a:t>
+            </a:r>
+            <a:r>
+              <a:rPr lang="en-GB" b="0" i="0" dirty="0">
                 <a:solidFill>
                   <a:srgbClr val="333333"/>
                 </a:solidFill>
                 <a:effectLst/>
-                <a:latin typeface="-apple-system"/>
+                <a:latin typeface="Courier New" panose="02070309020205020404" pitchFamily="49" charset="0"/>
               </a:rPr>
-              <a:t>catalog</a:t>
+              <a:t>Member</a:t>
             </a:r>
             <a:r>
               <a:rPr lang="en-GB" b="0" i="0" dirty="0">
@@ -2701,13 +2812,18 @@
                 <a:effectLst/>
                 <a:latin typeface="-apple-system"/>
               </a:rPr>
-              <a:t> and </a:t>
-            </a:r>
-          </a:p>
-          <a:p>
-            <a:pPr marL="285750" indent="-285750">
-              <a:buAutoNum type="romanLcParenBoth"/>
-            </a:pPr>
+              <a:t> object and an operation, </a:t>
+            </a:r>
+            <a:r>
+              <a:rPr lang="en-GB" b="0" i="0" dirty="0" err="1">
+                <a:solidFill>
+                  <a:srgbClr val="333333"/>
+                </a:solidFill>
+                <a:effectLst/>
+                <a:latin typeface="Courier New" panose="02070309020205020404" pitchFamily="49" charset="0"/>
+              </a:rPr>
+              <a:t>insertMember</a:t>
+            </a:r>
             <a:r>
               <a:rPr lang="en-GB" b="0" i="0" dirty="0">
                 <a:solidFill>
@@ -2716,27 +2832,18 @@
                 <a:effectLst/>
                 <a:latin typeface="-apple-system"/>
               </a:rPr>
-              <a:t>return the result of the operation. </a:t>
-            </a:r>
-          </a:p>
-          <a:p>
-            <a:pPr marL="0" indent="0">
-              <a:buFontTx/>
-              <a:buNone/>
-            </a:pPr>
-            <a:endParaRPr lang="en-GB" b="0" i="0" dirty="0">
-              <a:solidFill>
-                <a:srgbClr val="333333"/>
-              </a:solidFill>
-              <a:effectLst/>
-              <a:latin typeface="-apple-system"/>
-            </a:endParaRPr>
-          </a:p>
-          <a:p>
-            <a:pPr marL="0" indent="0">
-              <a:buFontTx/>
-              <a:buNone/>
-            </a:pPr>
+              <a:t>, is invoked on </a:t>
+            </a:r>
+            <a:r>
+              <a:rPr lang="en-GB" b="0" i="0" dirty="0" err="1">
+                <a:solidFill>
+                  <a:srgbClr val="333333"/>
+                </a:solidFill>
+                <a:effectLst/>
+                <a:latin typeface="Courier New" panose="02070309020205020404" pitchFamily="49" charset="0"/>
+              </a:rPr>
+              <a:t>MemberList</a:t>
+            </a:r>
             <a:r>
               <a:rPr lang="en-GB" b="0" i="0" dirty="0">
                 <a:solidFill>
@@ -2745,37 +2852,13 @@
                 <a:effectLst/>
                 <a:latin typeface="-apple-system"/>
               </a:rPr>
-              <a:t>The first three are is handled in a manner similar to the previous use case.</a:t>
-            </a:r>
-          </a:p>
-          <a:p>
-            <a:pPr marL="0" indent="0">
-              <a:buFontTx/>
-              <a:buNone/>
-            </a:pPr>
-            <a:endParaRPr lang="en-GB" b="0" i="0" dirty="0">
-              <a:solidFill>
-                <a:srgbClr val="333333"/>
-              </a:solidFill>
-              <a:effectLst/>
-              <a:latin typeface="-apple-system"/>
-            </a:endParaRPr>
-          </a:p>
-          <a:p>
-            <a:pPr marL="0" indent="0">
-              <a:buFontTx/>
-              <a:buNone/>
-            </a:pPr>
-            <a:r>
-              <a:rPr lang="en-GB" b="0" i="0" dirty="0">
-                <a:solidFill>
-                  <a:srgbClr val="333333"/>
-                </a:solidFill>
-                <a:effectLst/>
-                <a:latin typeface="-apple-system"/>
-              </a:rPr>
-              <a:t>(iv) The UI returns the result and continues until the actor indicates an exit.</a:t>
-            </a:r>
+              <a:t> to add the new member.</a:t>
+            </a:r>
+          </a:p>
+          <a:p>
+            <a:br>
+              <a:rPr lang="en-GB" dirty="0"/>
+            </a:br>
             <a:endParaRPr lang="en-BE" dirty="0"/>
           </a:p>
         </p:txBody>
@@ -2797,7 +2880,7 @@
           <a:p>
             <a:fld id="{29370A86-051A-7C48-98C3-08CACFB9377A}" type="slidenum">
               <a:rPr lang="en-BE" smtClean="0"/>
-              <a:t>25</a:t>
+              <a:t>23</a:t>
             </a:fld>
             <a:endParaRPr lang="en-BE"/>
           </a:p>
@@ -2806,7 +2889,7 @@
     </p:spTree>
     <p:extLst>
       <p:ext uri="{BB962C8B-B14F-4D97-AF65-F5344CB8AC3E}">
-        <p14:creationId xmlns:p14="http://schemas.microsoft.com/office/powerpoint/2010/main" val="2742658539"/>
+        <p14:creationId xmlns:p14="http://schemas.microsoft.com/office/powerpoint/2010/main" val="2425120555"/>
       </p:ext>
     </p:extLst>
   </p:cSld>
@@ -2965,7 +3048,7 @@
           <a:p>
             <a:fld id="{915E5E83-BDD3-3F47-8DA5-8D6610ED5E3B}" type="datetimeFigureOut">
               <a:rPr lang="en-BE" smtClean="0"/>
-              <a:t>18/02/2025</a:t>
+              <a:t>22/09/2025</a:t>
             </a:fld>
             <a:endParaRPr lang="en-BE"/>
           </a:p>
@@ -3165,7 +3248,7 @@
           <a:p>
             <a:fld id="{915E5E83-BDD3-3F47-8DA5-8D6610ED5E3B}" type="datetimeFigureOut">
               <a:rPr lang="en-BE" smtClean="0"/>
-              <a:t>18/02/2025</a:t>
+              <a:t>22/09/2025</a:t>
             </a:fld>
             <a:endParaRPr lang="en-BE"/>
           </a:p>
@@ -3375,7 +3458,7 @@
           <a:p>
             <a:fld id="{915E5E83-BDD3-3F47-8DA5-8D6610ED5E3B}" type="datetimeFigureOut">
               <a:rPr lang="en-BE" smtClean="0"/>
-              <a:t>18/02/2025</a:t>
+              <a:t>22/09/2025</a:t>
             </a:fld>
             <a:endParaRPr lang="en-BE"/>
           </a:p>
@@ -3575,7 +3658,7 @@
           <a:p>
             <a:fld id="{915E5E83-BDD3-3F47-8DA5-8D6610ED5E3B}" type="datetimeFigureOut">
               <a:rPr lang="en-BE" smtClean="0"/>
-              <a:t>18/02/2025</a:t>
+              <a:t>22/09/2025</a:t>
             </a:fld>
             <a:endParaRPr lang="en-BE"/>
           </a:p>
@@ -3851,7 +3934,7 @@
           <a:p>
             <a:fld id="{915E5E83-BDD3-3F47-8DA5-8D6610ED5E3B}" type="datetimeFigureOut">
               <a:rPr lang="en-BE" smtClean="0"/>
-              <a:t>18/02/2025</a:t>
+              <a:t>22/09/2025</a:t>
             </a:fld>
             <a:endParaRPr lang="en-BE"/>
           </a:p>
@@ -4119,7 +4202,7 @@
           <a:p>
             <a:fld id="{915E5E83-BDD3-3F47-8DA5-8D6610ED5E3B}" type="datetimeFigureOut">
               <a:rPr lang="en-BE" smtClean="0"/>
-              <a:t>18/02/2025</a:t>
+              <a:t>22/09/2025</a:t>
             </a:fld>
             <a:endParaRPr lang="en-BE"/>
           </a:p>
@@ -4534,7 +4617,7 @@
           <a:p>
             <a:fld id="{915E5E83-BDD3-3F47-8DA5-8D6610ED5E3B}" type="datetimeFigureOut">
               <a:rPr lang="en-BE" smtClean="0"/>
-              <a:t>18/02/2025</a:t>
+              <a:t>22/09/2025</a:t>
             </a:fld>
             <a:endParaRPr lang="en-BE"/>
           </a:p>
@@ -4676,7 +4759,7 @@
           <a:p>
             <a:fld id="{915E5E83-BDD3-3F47-8DA5-8D6610ED5E3B}" type="datetimeFigureOut">
               <a:rPr lang="en-BE" smtClean="0"/>
-              <a:t>18/02/2025</a:t>
+              <a:t>22/09/2025</a:t>
             </a:fld>
             <a:endParaRPr lang="en-BE"/>
           </a:p>
@@ -4789,7 +4872,7 @@
           <a:p>
             <a:fld id="{915E5E83-BDD3-3F47-8DA5-8D6610ED5E3B}" type="datetimeFigureOut">
               <a:rPr lang="en-BE" smtClean="0"/>
-              <a:t>18/02/2025</a:t>
+              <a:t>22/09/2025</a:t>
             </a:fld>
             <a:endParaRPr lang="en-BE"/>
           </a:p>
@@ -5102,7 +5185,7 @@
           <a:p>
             <a:fld id="{915E5E83-BDD3-3F47-8DA5-8D6610ED5E3B}" type="datetimeFigureOut">
               <a:rPr lang="en-BE" smtClean="0"/>
-              <a:t>18/02/2025</a:t>
+              <a:t>22/09/2025</a:t>
             </a:fld>
             <a:endParaRPr lang="en-BE"/>
           </a:p>
@@ -5391,7 +5474,7 @@
           <a:p>
             <a:fld id="{915E5E83-BDD3-3F47-8DA5-8D6610ED5E3B}" type="datetimeFigureOut">
               <a:rPr lang="en-BE" smtClean="0"/>
-              <a:t>18/02/2025</a:t>
+              <a:t>22/09/2025</a:t>
             </a:fld>
             <a:endParaRPr lang="en-BE"/>
           </a:p>
@@ -5634,7 +5717,7 @@
           <a:p>
             <a:fld id="{915E5E83-BDD3-3F47-8DA5-8D6610ED5E3B}" type="datetimeFigureOut">
               <a:rPr lang="en-BE" smtClean="0"/>
-              <a:t>18/02/2025</a:t>
+              <a:t>22/09/2025</a:t>
             </a:fld>
             <a:endParaRPr lang="en-BE"/>
           </a:p>
@@ -6192,992 +6275,6 @@
 </file>
 
 <file path=ppt/slides/slide10.xml><?xml version="1.0" encoding="utf-8"?>
-<p:sld xmlns:a="http://schemas.openxmlformats.org/drawingml/2006/main" xmlns:r="http://schemas.openxmlformats.org/officeDocument/2006/relationships" xmlns:p="http://schemas.openxmlformats.org/presentationml/2006/main" show="0">
-  <p:cSld>
-    <p:spTree>
-      <p:nvGrpSpPr>
-        <p:cNvPr id="1" name=""/>
-        <p:cNvGrpSpPr/>
-        <p:nvPr/>
-      </p:nvGrpSpPr>
-      <p:grpSpPr>
-        <a:xfrm>
-          <a:off x="0" y="0"/>
-          <a:ext cx="0" cy="0"/>
-          <a:chOff x="0" y="0"/>
-          <a:chExt cx="0" cy="0"/>
-        </a:xfrm>
-      </p:grpSpPr>
-      <p:sp>
-        <p:nvSpPr>
-          <p:cNvPr id="2" name="Title 1">
-            <a:extLst>
-              <a:ext uri="{FF2B5EF4-FFF2-40B4-BE49-F238E27FC236}">
-                <a16:creationId xmlns:a16="http://schemas.microsoft.com/office/drawing/2014/main" id="{4A1894D3-33A2-4B7A-5A7D-BE8BF8C4A8B9}"/>
-              </a:ext>
-            </a:extLst>
-          </p:cNvPr>
-          <p:cNvSpPr>
-            <a:spLocks noGrp="1"/>
-          </p:cNvSpPr>
-          <p:nvPr>
-            <p:ph type="title"/>
-          </p:nvPr>
-        </p:nvSpPr>
-        <p:spPr>
-          <a:xfrm>
-            <a:off x="838200" y="365126"/>
-            <a:ext cx="10515600" cy="763588"/>
-          </a:xfrm>
-        </p:spPr>
-        <p:txBody>
-          <a:bodyPr/>
-          <a:lstStyle/>
-          <a:p>
-            <a:r>
-              <a:rPr lang="en-US" dirty="0"/>
-              <a:t>Conceptual Design vs Technical Design</a:t>
-            </a:r>
-          </a:p>
-        </p:txBody>
-      </p:sp>
-      <p:graphicFrame>
-        <p:nvGraphicFramePr>
-          <p:cNvPr id="4" name="Table 3">
-            <a:extLst>
-              <a:ext uri="{FF2B5EF4-FFF2-40B4-BE49-F238E27FC236}">
-                <a16:creationId xmlns:a16="http://schemas.microsoft.com/office/drawing/2014/main" id="{18847EB7-C485-502A-03A5-AF2233818998}"/>
-              </a:ext>
-            </a:extLst>
-          </p:cNvPr>
-          <p:cNvGraphicFramePr>
-            <a:graphicFrameLocks noGrp="1"/>
-          </p:cNvGraphicFramePr>
-          <p:nvPr>
-            <p:extLst>
-              <p:ext uri="{D42A27DB-BD31-4B8C-83A1-F6EECF244321}">
-                <p14:modId xmlns:p14="http://schemas.microsoft.com/office/powerpoint/2010/main" val="2628271176"/>
-              </p:ext>
-            </p:extLst>
-          </p:nvPr>
-        </p:nvGraphicFramePr>
-        <p:xfrm>
-          <a:off x="838200" y="1563686"/>
-          <a:ext cx="10215562" cy="4773640"/>
-        </p:xfrm>
-        <a:graphic>
-          <a:graphicData uri="http://schemas.openxmlformats.org/drawingml/2006/table">
-            <a:tbl>
-              <a:tblPr/>
-              <a:tblGrid>
-                <a:gridCol w="5107781">
-                  <a:extLst>
-                    <a:ext uri="{9D8B030D-6E8A-4147-A177-3AD203B41FA5}">
-                      <a16:colId xmlns:a16="http://schemas.microsoft.com/office/drawing/2014/main" val="1061370426"/>
-                    </a:ext>
-                  </a:extLst>
-                </a:gridCol>
-                <a:gridCol w="5107781">
-                  <a:extLst>
-                    <a:ext uri="{9D8B030D-6E8A-4147-A177-3AD203B41FA5}">
-                      <a16:colId xmlns:a16="http://schemas.microsoft.com/office/drawing/2014/main" val="3355039544"/>
-                    </a:ext>
-                  </a:extLst>
-                </a:gridCol>
-              </a:tblGrid>
-              <a:tr h="355211">
-                <a:tc>
-                  <a:txBody>
-                    <a:bodyPr/>
-                    <a:lstStyle/>
-                    <a:p>
-                      <a:pPr fontAlgn="b"/>
-                      <a:r>
-                        <a:rPr lang="en-GB" sz="2000" b="1" dirty="0">
-                          <a:solidFill>
-                            <a:schemeClr val="tx1"/>
-                          </a:solidFill>
-                          <a:effectLst/>
-                        </a:rPr>
-                        <a:t>Conceptual Design</a:t>
-                      </a:r>
-                    </a:p>
-                  </a:txBody>
-                  <a:tcPr marL="88803" marR="88803" marT="44401" marB="44401" anchor="b">
-                    <a:lnL w="9525" cap="flat" cmpd="sng" algn="ctr">
-                      <a:solidFill>
-                        <a:srgbClr val="E3E3E3"/>
-                      </a:solidFill>
-                      <a:prstDash val="solid"/>
-                      <a:round/>
-                      <a:headEnd type="none" w="med" len="med"/>
-                      <a:tailEnd type="none" w="med" len="med"/>
-                    </a:lnL>
-                    <a:lnR w="9525" cap="flat" cmpd="sng" algn="ctr">
-                      <a:solidFill>
-                        <a:srgbClr val="E3E3E3"/>
-                      </a:solidFill>
-                      <a:prstDash val="solid"/>
-                      <a:round/>
-                      <a:headEnd type="none" w="med" len="med"/>
-                      <a:tailEnd type="none" w="med" len="med"/>
-                    </a:lnR>
-                    <a:lnT w="9525" cap="flat" cmpd="sng" algn="ctr">
-                      <a:solidFill>
-                        <a:srgbClr val="E3E3E3"/>
-                      </a:solidFill>
-                      <a:prstDash val="solid"/>
-                      <a:round/>
-                      <a:headEnd type="none" w="med" len="med"/>
-                      <a:tailEnd type="none" w="med" len="med"/>
-                    </a:lnT>
-                    <a:lnB w="12700" cap="flat" cmpd="sng" algn="ctr">
-                      <a:solidFill>
-                        <a:srgbClr val="E3E3E3"/>
-                      </a:solidFill>
-                      <a:prstDash val="solid"/>
-                      <a:round/>
-                      <a:headEnd type="none" w="med" len="med"/>
-                      <a:tailEnd type="none" w="med" len="med"/>
-                    </a:lnB>
-                    <a:solidFill>
-                      <a:srgbClr val="FFFFFF"/>
-                    </a:solidFill>
-                  </a:tcPr>
-                </a:tc>
-                <a:tc>
-                  <a:txBody>
-                    <a:bodyPr/>
-                    <a:lstStyle/>
-                    <a:p>
-                      <a:pPr fontAlgn="b"/>
-                      <a:r>
-                        <a:rPr lang="en-GB" sz="2000" b="1">
-                          <a:solidFill>
-                            <a:schemeClr val="tx1"/>
-                          </a:solidFill>
-                          <a:effectLst/>
-                        </a:rPr>
-                        <a:t>Technical Design</a:t>
-                      </a:r>
-                    </a:p>
-                  </a:txBody>
-                  <a:tcPr marL="88803" marR="88803" marT="44401" marB="44401" anchor="b">
-                    <a:lnL w="9525" cap="flat" cmpd="sng" algn="ctr">
-                      <a:solidFill>
-                        <a:srgbClr val="E3E3E3"/>
-                      </a:solidFill>
-                      <a:prstDash val="solid"/>
-                      <a:round/>
-                      <a:headEnd type="none" w="med" len="med"/>
-                      <a:tailEnd type="none" w="med" len="med"/>
-                    </a:lnL>
-                    <a:lnR w="9525" cap="flat" cmpd="sng" algn="ctr">
-                      <a:solidFill>
-                        <a:srgbClr val="E3E3E3"/>
-                      </a:solidFill>
-                      <a:prstDash val="solid"/>
-                      <a:round/>
-                      <a:headEnd type="none" w="med" len="med"/>
-                      <a:tailEnd type="none" w="med" len="med"/>
-                    </a:lnR>
-                    <a:lnT w="9525" cap="flat" cmpd="sng" algn="ctr">
-                      <a:solidFill>
-                        <a:srgbClr val="E3E3E3"/>
-                      </a:solidFill>
-                      <a:prstDash val="solid"/>
-                      <a:round/>
-                      <a:headEnd type="none" w="med" len="med"/>
-                      <a:tailEnd type="none" w="med" len="med"/>
-                    </a:lnT>
-                    <a:lnB w="12700" cap="flat" cmpd="sng" algn="ctr">
-                      <a:solidFill>
-                        <a:srgbClr val="E3E3E3"/>
-                      </a:solidFill>
-                      <a:prstDash val="solid"/>
-                      <a:round/>
-                      <a:headEnd type="none" w="med" len="med"/>
-                      <a:tailEnd type="none" w="med" len="med"/>
-                    </a:lnB>
-                    <a:solidFill>
-                      <a:srgbClr val="FFFFFF"/>
-                    </a:solidFill>
-                  </a:tcPr>
-                </a:tc>
-                <a:extLst>
-                  <a:ext uri="{0D108BD9-81ED-4DB2-BD59-A6C34878D82A}">
-                    <a16:rowId xmlns:a16="http://schemas.microsoft.com/office/drawing/2014/main" val="545554010"/>
-                  </a:ext>
-                </a:extLst>
-              </a:tr>
-              <a:tr h="888028">
-                <a:tc>
-                  <a:txBody>
-                    <a:bodyPr/>
-                    <a:lstStyle/>
-                    <a:p>
-                      <a:pPr fontAlgn="base"/>
-                      <a:r>
-                        <a:rPr lang="en-GB" sz="2000" dirty="0">
-                          <a:solidFill>
-                            <a:schemeClr val="tx1"/>
-                          </a:solidFill>
-                          <a:effectLst/>
-                        </a:rPr>
-                        <a:t>Focuses on high-level ideas, goals, and requirements</a:t>
-                      </a:r>
-                    </a:p>
-                  </a:txBody>
-                  <a:tcPr marL="88803" marR="88803" marT="44401" marB="44401" anchor="ctr">
-                    <a:lnL w="9525" cap="flat" cmpd="sng" algn="ctr">
-                      <a:solidFill>
-                        <a:srgbClr val="E3E3E3"/>
-                      </a:solidFill>
-                      <a:prstDash val="solid"/>
-                      <a:round/>
-                      <a:headEnd type="none" w="med" len="med"/>
-                      <a:tailEnd type="none" w="med" len="med"/>
-                    </a:lnL>
-                    <a:lnR w="9525" cap="flat" cmpd="sng" algn="ctr">
-                      <a:solidFill>
-                        <a:srgbClr val="E3E3E3"/>
-                      </a:solidFill>
-                      <a:prstDash val="solid"/>
-                      <a:round/>
-                      <a:headEnd type="none" w="med" len="med"/>
-                      <a:tailEnd type="none" w="med" len="med"/>
-                    </a:lnR>
-                    <a:lnT w="12700" cap="flat" cmpd="sng" algn="ctr">
-                      <a:solidFill>
-                        <a:srgbClr val="E3E3E3"/>
-                      </a:solidFill>
-                      <a:prstDash val="solid"/>
-                      <a:round/>
-                      <a:headEnd type="none" w="med" len="med"/>
-                      <a:tailEnd type="none" w="med" len="med"/>
-                    </a:lnT>
-                    <a:lnB w="12700" cap="flat" cmpd="sng" algn="ctr">
-                      <a:solidFill>
-                        <a:srgbClr val="E3E3E3"/>
-                      </a:solidFill>
-                      <a:prstDash val="solid"/>
-                      <a:round/>
-                      <a:headEnd type="none" w="med" len="med"/>
-                      <a:tailEnd type="none" w="med" len="med"/>
-                    </a:lnB>
-                    <a:solidFill>
-                      <a:srgbClr val="FFFFFF"/>
-                    </a:solidFill>
-                  </a:tcPr>
-                </a:tc>
-                <a:tc>
-                  <a:txBody>
-                    <a:bodyPr/>
-                    <a:lstStyle/>
-                    <a:p>
-                      <a:pPr fontAlgn="base"/>
-                      <a:r>
-                        <a:rPr lang="en-GB" sz="2000">
-                          <a:solidFill>
-                            <a:schemeClr val="tx1"/>
-                          </a:solidFill>
-                          <a:effectLst/>
-                        </a:rPr>
-                        <a:t>Focuses on detailed specifications and implementation details</a:t>
-                      </a:r>
-                    </a:p>
-                  </a:txBody>
-                  <a:tcPr marL="88803" marR="88803" marT="44401" marB="44401" anchor="ctr">
-                    <a:lnL w="9525" cap="flat" cmpd="sng" algn="ctr">
-                      <a:solidFill>
-                        <a:srgbClr val="E3E3E3"/>
-                      </a:solidFill>
-                      <a:prstDash val="solid"/>
-                      <a:round/>
-                      <a:headEnd type="none" w="med" len="med"/>
-                      <a:tailEnd type="none" w="med" len="med"/>
-                    </a:lnL>
-                    <a:lnR w="9525" cap="flat" cmpd="sng" algn="ctr">
-                      <a:solidFill>
-                        <a:srgbClr val="E3E3E3"/>
-                      </a:solidFill>
-                      <a:prstDash val="solid"/>
-                      <a:round/>
-                      <a:headEnd type="none" w="med" len="med"/>
-                      <a:tailEnd type="none" w="med" len="med"/>
-                    </a:lnR>
-                    <a:lnT w="12700" cap="flat" cmpd="sng" algn="ctr">
-                      <a:solidFill>
-                        <a:srgbClr val="E3E3E3"/>
-                      </a:solidFill>
-                      <a:prstDash val="solid"/>
-                      <a:round/>
-                      <a:headEnd type="none" w="med" len="med"/>
-                      <a:tailEnd type="none" w="med" len="med"/>
-                    </a:lnT>
-                    <a:lnB w="12700" cap="flat" cmpd="sng" algn="ctr">
-                      <a:solidFill>
-                        <a:srgbClr val="E3E3E3"/>
-                      </a:solidFill>
-                      <a:prstDash val="solid"/>
-                      <a:round/>
-                      <a:headEnd type="none" w="med" len="med"/>
-                      <a:tailEnd type="none" w="med" len="med"/>
-                    </a:lnB>
-                    <a:solidFill>
-                      <a:srgbClr val="FFFFFF"/>
-                    </a:solidFill>
-                  </a:tcPr>
-                </a:tc>
-                <a:extLst>
-                  <a:ext uri="{0D108BD9-81ED-4DB2-BD59-A6C34878D82A}">
-                    <a16:rowId xmlns:a16="http://schemas.microsoft.com/office/drawing/2014/main" val="3821555425"/>
-                  </a:ext>
-                </a:extLst>
-              </a:tr>
-              <a:tr h="621620">
-                <a:tc>
-                  <a:txBody>
-                    <a:bodyPr/>
-                    <a:lstStyle/>
-                    <a:p>
-                      <a:pPr fontAlgn="base"/>
-                      <a:r>
-                        <a:rPr lang="en-GB" sz="2000" dirty="0">
-                          <a:solidFill>
-                            <a:schemeClr val="tx1"/>
-                          </a:solidFill>
-                          <a:effectLst/>
-                        </a:rPr>
-                        <a:t>Captures the essence and purpose of the system</a:t>
-                      </a:r>
-                    </a:p>
-                  </a:txBody>
-                  <a:tcPr marL="88803" marR="88803" marT="44401" marB="44401" anchor="ctr">
-                    <a:lnL w="9525" cap="flat" cmpd="sng" algn="ctr">
-                      <a:solidFill>
-                        <a:srgbClr val="E3E3E3"/>
-                      </a:solidFill>
-                      <a:prstDash val="solid"/>
-                      <a:round/>
-                      <a:headEnd type="none" w="med" len="med"/>
-                      <a:tailEnd type="none" w="med" len="med"/>
-                    </a:lnL>
-                    <a:lnR w="9525" cap="flat" cmpd="sng" algn="ctr">
-                      <a:solidFill>
-                        <a:srgbClr val="E3E3E3"/>
-                      </a:solidFill>
-                      <a:prstDash val="solid"/>
-                      <a:round/>
-                      <a:headEnd type="none" w="med" len="med"/>
-                      <a:tailEnd type="none" w="med" len="med"/>
-                    </a:lnR>
-                    <a:lnT w="12700" cap="flat" cmpd="sng" algn="ctr">
-                      <a:solidFill>
-                        <a:srgbClr val="E3E3E3"/>
-                      </a:solidFill>
-                      <a:prstDash val="solid"/>
-                      <a:round/>
-                      <a:headEnd type="none" w="med" len="med"/>
-                      <a:tailEnd type="none" w="med" len="med"/>
-                    </a:lnT>
-                    <a:lnB w="12700" cap="flat" cmpd="sng" algn="ctr">
-                      <a:solidFill>
-                        <a:srgbClr val="E3E3E3"/>
-                      </a:solidFill>
-                      <a:prstDash val="solid"/>
-                      <a:round/>
-                      <a:headEnd type="none" w="med" len="med"/>
-                      <a:tailEnd type="none" w="med" len="med"/>
-                    </a:lnB>
-                    <a:solidFill>
-                      <a:srgbClr val="FFFFFF"/>
-                    </a:solidFill>
-                  </a:tcPr>
-                </a:tc>
-                <a:tc>
-                  <a:txBody>
-                    <a:bodyPr/>
-                    <a:lstStyle/>
-                    <a:p>
-                      <a:pPr fontAlgn="base"/>
-                      <a:r>
-                        <a:rPr lang="en-GB" sz="2000">
-                          <a:solidFill>
-                            <a:schemeClr val="tx1"/>
-                          </a:solidFill>
-                          <a:effectLst/>
-                        </a:rPr>
-                        <a:t>Specifies how the system will be built and function</a:t>
-                      </a:r>
-                    </a:p>
-                  </a:txBody>
-                  <a:tcPr marL="88803" marR="88803" marT="44401" marB="44401" anchor="ctr">
-                    <a:lnL w="9525" cap="flat" cmpd="sng" algn="ctr">
-                      <a:solidFill>
-                        <a:srgbClr val="E3E3E3"/>
-                      </a:solidFill>
-                      <a:prstDash val="solid"/>
-                      <a:round/>
-                      <a:headEnd type="none" w="med" len="med"/>
-                      <a:tailEnd type="none" w="med" len="med"/>
-                    </a:lnL>
-                    <a:lnR w="9525" cap="flat" cmpd="sng" algn="ctr">
-                      <a:solidFill>
-                        <a:srgbClr val="E3E3E3"/>
-                      </a:solidFill>
-                      <a:prstDash val="solid"/>
-                      <a:round/>
-                      <a:headEnd type="none" w="med" len="med"/>
-                      <a:tailEnd type="none" w="med" len="med"/>
-                    </a:lnR>
-                    <a:lnT w="12700" cap="flat" cmpd="sng" algn="ctr">
-                      <a:solidFill>
-                        <a:srgbClr val="E3E3E3"/>
-                      </a:solidFill>
-                      <a:prstDash val="solid"/>
-                      <a:round/>
-                      <a:headEnd type="none" w="med" len="med"/>
-                      <a:tailEnd type="none" w="med" len="med"/>
-                    </a:lnT>
-                    <a:lnB w="12700" cap="flat" cmpd="sng" algn="ctr">
-                      <a:solidFill>
-                        <a:srgbClr val="E3E3E3"/>
-                      </a:solidFill>
-                      <a:prstDash val="solid"/>
-                      <a:round/>
-                      <a:headEnd type="none" w="med" len="med"/>
-                      <a:tailEnd type="none" w="med" len="med"/>
-                    </a:lnB>
-                    <a:solidFill>
-                      <a:srgbClr val="FFFFFF"/>
-                    </a:solidFill>
-                  </a:tcPr>
-                </a:tc>
-                <a:extLst>
-                  <a:ext uri="{0D108BD9-81ED-4DB2-BD59-A6C34878D82A}">
-                    <a16:rowId xmlns:a16="http://schemas.microsoft.com/office/drawing/2014/main" val="798187894"/>
-                  </a:ext>
-                </a:extLst>
-              </a:tr>
-              <a:tr h="621620">
-                <a:tc>
-                  <a:txBody>
-                    <a:bodyPr/>
-                    <a:lstStyle/>
-                    <a:p>
-                      <a:pPr fontAlgn="base"/>
-                      <a:r>
-                        <a:rPr lang="en-GB" sz="2000" dirty="0">
-                          <a:solidFill>
-                            <a:schemeClr val="tx1"/>
-                          </a:solidFill>
-                          <a:effectLst/>
-                        </a:rPr>
-                        <a:t>Emphasizes the "what" of the system</a:t>
-                      </a:r>
-                    </a:p>
-                  </a:txBody>
-                  <a:tcPr marL="88803" marR="88803" marT="44401" marB="44401" anchor="ctr">
-                    <a:lnL w="9525" cap="flat" cmpd="sng" algn="ctr">
-                      <a:solidFill>
-                        <a:srgbClr val="E3E3E3"/>
-                      </a:solidFill>
-                      <a:prstDash val="solid"/>
-                      <a:round/>
-                      <a:headEnd type="none" w="med" len="med"/>
-                      <a:tailEnd type="none" w="med" len="med"/>
-                    </a:lnL>
-                    <a:lnR w="9525" cap="flat" cmpd="sng" algn="ctr">
-                      <a:solidFill>
-                        <a:srgbClr val="E3E3E3"/>
-                      </a:solidFill>
-                      <a:prstDash val="solid"/>
-                      <a:round/>
-                      <a:headEnd type="none" w="med" len="med"/>
-                      <a:tailEnd type="none" w="med" len="med"/>
-                    </a:lnR>
-                    <a:lnT w="12700" cap="flat" cmpd="sng" algn="ctr">
-                      <a:solidFill>
-                        <a:srgbClr val="E3E3E3"/>
-                      </a:solidFill>
-                      <a:prstDash val="solid"/>
-                      <a:round/>
-                      <a:headEnd type="none" w="med" len="med"/>
-                      <a:tailEnd type="none" w="med" len="med"/>
-                    </a:lnT>
-                    <a:lnB w="12700" cap="flat" cmpd="sng" algn="ctr">
-                      <a:solidFill>
-                        <a:srgbClr val="E3E3E3"/>
-                      </a:solidFill>
-                      <a:prstDash val="solid"/>
-                      <a:round/>
-                      <a:headEnd type="none" w="med" len="med"/>
-                      <a:tailEnd type="none" w="med" len="med"/>
-                    </a:lnB>
-                    <a:solidFill>
-                      <a:srgbClr val="FFFFFF"/>
-                    </a:solidFill>
-                  </a:tcPr>
-                </a:tc>
-                <a:tc>
-                  <a:txBody>
-                    <a:bodyPr/>
-                    <a:lstStyle/>
-                    <a:p>
-                      <a:pPr fontAlgn="base"/>
-                      <a:r>
-                        <a:rPr lang="en-GB" sz="2000">
-                          <a:solidFill>
-                            <a:schemeClr val="tx1"/>
-                          </a:solidFill>
-                          <a:effectLst/>
-                        </a:rPr>
-                        <a:t>Emphasizes the "how" of implementing the system</a:t>
-                      </a:r>
-                    </a:p>
-                  </a:txBody>
-                  <a:tcPr marL="88803" marR="88803" marT="44401" marB="44401" anchor="ctr">
-                    <a:lnL w="9525" cap="flat" cmpd="sng" algn="ctr">
-                      <a:solidFill>
-                        <a:srgbClr val="E3E3E3"/>
-                      </a:solidFill>
-                      <a:prstDash val="solid"/>
-                      <a:round/>
-                      <a:headEnd type="none" w="med" len="med"/>
-                      <a:tailEnd type="none" w="med" len="med"/>
-                    </a:lnL>
-                    <a:lnR w="9525" cap="flat" cmpd="sng" algn="ctr">
-                      <a:solidFill>
-                        <a:srgbClr val="E3E3E3"/>
-                      </a:solidFill>
-                      <a:prstDash val="solid"/>
-                      <a:round/>
-                      <a:headEnd type="none" w="med" len="med"/>
-                      <a:tailEnd type="none" w="med" len="med"/>
-                    </a:lnR>
-                    <a:lnT w="12700" cap="flat" cmpd="sng" algn="ctr">
-                      <a:solidFill>
-                        <a:srgbClr val="E3E3E3"/>
-                      </a:solidFill>
-                      <a:prstDash val="solid"/>
-                      <a:round/>
-                      <a:headEnd type="none" w="med" len="med"/>
-                      <a:tailEnd type="none" w="med" len="med"/>
-                    </a:lnT>
-                    <a:lnB w="12700" cap="flat" cmpd="sng" algn="ctr">
-                      <a:solidFill>
-                        <a:srgbClr val="E3E3E3"/>
-                      </a:solidFill>
-                      <a:prstDash val="solid"/>
-                      <a:round/>
-                      <a:headEnd type="none" w="med" len="med"/>
-                      <a:tailEnd type="none" w="med" len="med"/>
-                    </a:lnB>
-                    <a:solidFill>
-                      <a:srgbClr val="FFFFFF"/>
-                    </a:solidFill>
-                  </a:tcPr>
-                </a:tc>
-                <a:extLst>
-                  <a:ext uri="{0D108BD9-81ED-4DB2-BD59-A6C34878D82A}">
-                    <a16:rowId xmlns:a16="http://schemas.microsoft.com/office/drawing/2014/main" val="2484308898"/>
-                  </a:ext>
-                </a:extLst>
-              </a:tr>
-              <a:tr h="621620">
-                <a:tc>
-                  <a:txBody>
-                    <a:bodyPr/>
-                    <a:lstStyle/>
-                    <a:p>
-                      <a:pPr fontAlgn="base"/>
-                      <a:r>
-                        <a:rPr lang="en-GB" sz="2000" dirty="0">
-                          <a:solidFill>
-                            <a:schemeClr val="tx1"/>
-                          </a:solidFill>
-                          <a:effectLst/>
-                        </a:rPr>
-                        <a:t>Typically expressed through diagrams and narratives</a:t>
-                      </a:r>
-                    </a:p>
-                  </a:txBody>
-                  <a:tcPr marL="88803" marR="88803" marT="44401" marB="44401" anchor="ctr">
-                    <a:lnL w="9525" cap="flat" cmpd="sng" algn="ctr">
-                      <a:solidFill>
-                        <a:srgbClr val="E3E3E3"/>
-                      </a:solidFill>
-                      <a:prstDash val="solid"/>
-                      <a:round/>
-                      <a:headEnd type="none" w="med" len="med"/>
-                      <a:tailEnd type="none" w="med" len="med"/>
-                    </a:lnL>
-                    <a:lnR w="9525" cap="flat" cmpd="sng" algn="ctr">
-                      <a:solidFill>
-                        <a:srgbClr val="E3E3E3"/>
-                      </a:solidFill>
-                      <a:prstDash val="solid"/>
-                      <a:round/>
-                      <a:headEnd type="none" w="med" len="med"/>
-                      <a:tailEnd type="none" w="med" len="med"/>
-                    </a:lnR>
-                    <a:lnT w="12700" cap="flat" cmpd="sng" algn="ctr">
-                      <a:solidFill>
-                        <a:srgbClr val="E3E3E3"/>
-                      </a:solidFill>
-                      <a:prstDash val="solid"/>
-                      <a:round/>
-                      <a:headEnd type="none" w="med" len="med"/>
-                      <a:tailEnd type="none" w="med" len="med"/>
-                    </a:lnT>
-                    <a:lnB w="12700" cap="flat" cmpd="sng" algn="ctr">
-                      <a:solidFill>
-                        <a:srgbClr val="E3E3E3"/>
-                      </a:solidFill>
-                      <a:prstDash val="solid"/>
-                      <a:round/>
-                      <a:headEnd type="none" w="med" len="med"/>
-                      <a:tailEnd type="none" w="med" len="med"/>
-                    </a:lnB>
-                    <a:solidFill>
-                      <a:srgbClr val="FFFFFF"/>
-                    </a:solidFill>
-                  </a:tcPr>
-                </a:tc>
-                <a:tc>
-                  <a:txBody>
-                    <a:bodyPr/>
-                    <a:lstStyle/>
-                    <a:p>
-                      <a:pPr fontAlgn="base"/>
-                      <a:r>
-                        <a:rPr lang="en-GB" sz="2000">
-                          <a:solidFill>
-                            <a:schemeClr val="tx1"/>
-                          </a:solidFill>
-                          <a:effectLst/>
-                        </a:rPr>
-                        <a:t>Typically expressed through diagrams and documentation</a:t>
-                      </a:r>
-                    </a:p>
-                  </a:txBody>
-                  <a:tcPr marL="88803" marR="88803" marT="44401" marB="44401" anchor="ctr">
-                    <a:lnL w="9525" cap="flat" cmpd="sng" algn="ctr">
-                      <a:solidFill>
-                        <a:srgbClr val="E3E3E3"/>
-                      </a:solidFill>
-                      <a:prstDash val="solid"/>
-                      <a:round/>
-                      <a:headEnd type="none" w="med" len="med"/>
-                      <a:tailEnd type="none" w="med" len="med"/>
-                    </a:lnL>
-                    <a:lnR w="9525" cap="flat" cmpd="sng" algn="ctr">
-                      <a:solidFill>
-                        <a:srgbClr val="E3E3E3"/>
-                      </a:solidFill>
-                      <a:prstDash val="solid"/>
-                      <a:round/>
-                      <a:headEnd type="none" w="med" len="med"/>
-                      <a:tailEnd type="none" w="med" len="med"/>
-                    </a:lnR>
-                    <a:lnT w="12700" cap="flat" cmpd="sng" algn="ctr">
-                      <a:solidFill>
-                        <a:srgbClr val="E3E3E3"/>
-                      </a:solidFill>
-                      <a:prstDash val="solid"/>
-                      <a:round/>
-                      <a:headEnd type="none" w="med" len="med"/>
-                      <a:tailEnd type="none" w="med" len="med"/>
-                    </a:lnT>
-                    <a:lnB w="12700" cap="flat" cmpd="sng" algn="ctr">
-                      <a:solidFill>
-                        <a:srgbClr val="E3E3E3"/>
-                      </a:solidFill>
-                      <a:prstDash val="solid"/>
-                      <a:round/>
-                      <a:headEnd type="none" w="med" len="med"/>
-                      <a:tailEnd type="none" w="med" len="med"/>
-                    </a:lnB>
-                    <a:solidFill>
-                      <a:srgbClr val="FFFFFF"/>
-                    </a:solidFill>
-                  </a:tcPr>
-                </a:tc>
-                <a:extLst>
-                  <a:ext uri="{0D108BD9-81ED-4DB2-BD59-A6C34878D82A}">
-                    <a16:rowId xmlns:a16="http://schemas.microsoft.com/office/drawing/2014/main" val="1736528481"/>
-                  </a:ext>
-                </a:extLst>
-              </a:tr>
-              <a:tr h="621620">
-                <a:tc>
-                  <a:txBody>
-                    <a:bodyPr/>
-                    <a:lstStyle/>
-                    <a:p>
-                      <a:pPr fontAlgn="base"/>
-                      <a:r>
-                        <a:rPr lang="en-GB" sz="2000" dirty="0">
-                          <a:solidFill>
-                            <a:schemeClr val="tx1"/>
-                          </a:solidFill>
-                          <a:effectLst/>
-                        </a:rPr>
-                        <a:t>Helps stakeholders understand the scope and vision</a:t>
-                      </a:r>
-                    </a:p>
-                  </a:txBody>
-                  <a:tcPr marL="88803" marR="88803" marT="44401" marB="44401" anchor="ctr">
-                    <a:lnL w="9525" cap="flat" cmpd="sng" algn="ctr">
-                      <a:solidFill>
-                        <a:srgbClr val="E3E3E3"/>
-                      </a:solidFill>
-                      <a:prstDash val="solid"/>
-                      <a:round/>
-                      <a:headEnd type="none" w="med" len="med"/>
-                      <a:tailEnd type="none" w="med" len="med"/>
-                    </a:lnL>
-                    <a:lnR w="9525" cap="flat" cmpd="sng" algn="ctr">
-                      <a:solidFill>
-                        <a:srgbClr val="E3E3E3"/>
-                      </a:solidFill>
-                      <a:prstDash val="solid"/>
-                      <a:round/>
-                      <a:headEnd type="none" w="med" len="med"/>
-                      <a:tailEnd type="none" w="med" len="med"/>
-                    </a:lnR>
-                    <a:lnT w="12700" cap="flat" cmpd="sng" algn="ctr">
-                      <a:solidFill>
-                        <a:srgbClr val="E3E3E3"/>
-                      </a:solidFill>
-                      <a:prstDash val="solid"/>
-                      <a:round/>
-                      <a:headEnd type="none" w="med" len="med"/>
-                      <a:tailEnd type="none" w="med" len="med"/>
-                    </a:lnT>
-                    <a:lnB w="12700" cap="flat" cmpd="sng" algn="ctr">
-                      <a:solidFill>
-                        <a:srgbClr val="E3E3E3"/>
-                      </a:solidFill>
-                      <a:prstDash val="solid"/>
-                      <a:round/>
-                      <a:headEnd type="none" w="med" len="med"/>
-                      <a:tailEnd type="none" w="med" len="med"/>
-                    </a:lnB>
-                    <a:solidFill>
-                      <a:srgbClr val="FFFFFF"/>
-                    </a:solidFill>
-                  </a:tcPr>
-                </a:tc>
-                <a:tc>
-                  <a:txBody>
-                    <a:bodyPr/>
-                    <a:lstStyle/>
-                    <a:p>
-                      <a:pPr fontAlgn="base"/>
-                      <a:r>
-                        <a:rPr lang="en-GB" sz="2000">
-                          <a:solidFill>
-                            <a:schemeClr val="tx1"/>
-                          </a:solidFill>
-                          <a:effectLst/>
-                        </a:rPr>
-                        <a:t>Guides developers in building the system components</a:t>
-                      </a:r>
-                    </a:p>
-                  </a:txBody>
-                  <a:tcPr marL="88803" marR="88803" marT="44401" marB="44401" anchor="ctr">
-                    <a:lnL w="9525" cap="flat" cmpd="sng" algn="ctr">
-                      <a:solidFill>
-                        <a:srgbClr val="E3E3E3"/>
-                      </a:solidFill>
-                      <a:prstDash val="solid"/>
-                      <a:round/>
-                      <a:headEnd type="none" w="med" len="med"/>
-                      <a:tailEnd type="none" w="med" len="med"/>
-                    </a:lnL>
-                    <a:lnR w="9525" cap="flat" cmpd="sng" algn="ctr">
-                      <a:solidFill>
-                        <a:srgbClr val="E3E3E3"/>
-                      </a:solidFill>
-                      <a:prstDash val="solid"/>
-                      <a:round/>
-                      <a:headEnd type="none" w="med" len="med"/>
-                      <a:tailEnd type="none" w="med" len="med"/>
-                    </a:lnR>
-                    <a:lnT w="12700" cap="flat" cmpd="sng" algn="ctr">
-                      <a:solidFill>
-                        <a:srgbClr val="E3E3E3"/>
-                      </a:solidFill>
-                      <a:prstDash val="solid"/>
-                      <a:round/>
-                      <a:headEnd type="none" w="med" len="med"/>
-                      <a:tailEnd type="none" w="med" len="med"/>
-                    </a:lnT>
-                    <a:lnB w="12700" cap="flat" cmpd="sng" algn="ctr">
-                      <a:solidFill>
-                        <a:srgbClr val="E3E3E3"/>
-                      </a:solidFill>
-                      <a:prstDash val="solid"/>
-                      <a:round/>
-                      <a:headEnd type="none" w="med" len="med"/>
-                      <a:tailEnd type="none" w="med" len="med"/>
-                    </a:lnB>
-                    <a:solidFill>
-                      <a:srgbClr val="FFFFFF"/>
-                    </a:solidFill>
-                  </a:tcPr>
-                </a:tc>
-                <a:extLst>
-                  <a:ext uri="{0D108BD9-81ED-4DB2-BD59-A6C34878D82A}">
-                    <a16:rowId xmlns:a16="http://schemas.microsoft.com/office/drawing/2014/main" val="700628358"/>
-                  </a:ext>
-                </a:extLst>
-              </a:tr>
-              <a:tr h="621620">
-                <a:tc>
-                  <a:txBody>
-                    <a:bodyPr/>
-                    <a:lstStyle/>
-                    <a:p>
-                      <a:pPr fontAlgn="base"/>
-                      <a:r>
-                        <a:rPr lang="en-GB" sz="2000">
-                          <a:solidFill>
-                            <a:schemeClr val="tx1"/>
-                          </a:solidFill>
-                          <a:effectLst/>
-                        </a:rPr>
-                        <a:t>May involve brainstorming sessions and user interviews</a:t>
-                      </a:r>
-                    </a:p>
-                  </a:txBody>
-                  <a:tcPr marL="88803" marR="88803" marT="44401" marB="44401" anchor="ctr">
-                    <a:lnL w="9525" cap="flat" cmpd="sng" algn="ctr">
-                      <a:solidFill>
-                        <a:srgbClr val="E3E3E3"/>
-                      </a:solidFill>
-                      <a:prstDash val="solid"/>
-                      <a:round/>
-                      <a:headEnd type="none" w="med" len="med"/>
-                      <a:tailEnd type="none" w="med" len="med"/>
-                    </a:lnL>
-                    <a:lnR w="9525" cap="flat" cmpd="sng" algn="ctr">
-                      <a:solidFill>
-                        <a:srgbClr val="E3E3E3"/>
-                      </a:solidFill>
-                      <a:prstDash val="solid"/>
-                      <a:round/>
-                      <a:headEnd type="none" w="med" len="med"/>
-                      <a:tailEnd type="none" w="med" len="med"/>
-                    </a:lnR>
-                    <a:lnT w="12700" cap="flat" cmpd="sng" algn="ctr">
-                      <a:solidFill>
-                        <a:srgbClr val="E3E3E3"/>
-                      </a:solidFill>
-                      <a:prstDash val="solid"/>
-                      <a:round/>
-                      <a:headEnd type="none" w="med" len="med"/>
-                      <a:tailEnd type="none" w="med" len="med"/>
-                    </a:lnT>
-                    <a:lnB w="9525" cap="flat" cmpd="sng" algn="ctr">
-                      <a:solidFill>
-                        <a:srgbClr val="E3E3E3"/>
-                      </a:solidFill>
-                      <a:prstDash val="solid"/>
-                      <a:round/>
-                      <a:headEnd type="none" w="med" len="med"/>
-                      <a:tailEnd type="none" w="med" len="med"/>
-                    </a:lnB>
-                    <a:solidFill>
-                      <a:srgbClr val="FFFFFF"/>
-                    </a:solidFill>
-                  </a:tcPr>
-                </a:tc>
-                <a:tc>
-                  <a:txBody>
-                    <a:bodyPr/>
-                    <a:lstStyle/>
-                    <a:p>
-                      <a:pPr fontAlgn="base"/>
-                      <a:r>
-                        <a:rPr lang="en-GB" sz="2000" dirty="0">
-                          <a:solidFill>
-                            <a:schemeClr val="tx1"/>
-                          </a:solidFill>
-                          <a:effectLst/>
-                        </a:rPr>
-                        <a:t>Involves architectural decisions and technical trade-offs</a:t>
-                      </a:r>
-                    </a:p>
-                  </a:txBody>
-                  <a:tcPr marL="88803" marR="88803" marT="44401" marB="44401" anchor="ctr">
-                    <a:lnL w="9525" cap="flat" cmpd="sng" algn="ctr">
-                      <a:solidFill>
-                        <a:srgbClr val="E3E3E3"/>
-                      </a:solidFill>
-                      <a:prstDash val="solid"/>
-                      <a:round/>
-                      <a:headEnd type="none" w="med" len="med"/>
-                      <a:tailEnd type="none" w="med" len="med"/>
-                    </a:lnL>
-                    <a:lnR w="9525" cap="flat" cmpd="sng" algn="ctr">
-                      <a:solidFill>
-                        <a:srgbClr val="E3E3E3"/>
-                      </a:solidFill>
-                      <a:prstDash val="solid"/>
-                      <a:round/>
-                      <a:headEnd type="none" w="med" len="med"/>
-                      <a:tailEnd type="none" w="med" len="med"/>
-                    </a:lnR>
-                    <a:lnT w="12700" cap="flat" cmpd="sng" algn="ctr">
-                      <a:solidFill>
-                        <a:srgbClr val="E3E3E3"/>
-                      </a:solidFill>
-                      <a:prstDash val="solid"/>
-                      <a:round/>
-                      <a:headEnd type="none" w="med" len="med"/>
-                      <a:tailEnd type="none" w="med" len="med"/>
-                    </a:lnT>
-                    <a:lnB w="9525" cap="flat" cmpd="sng" algn="ctr">
-                      <a:solidFill>
-                        <a:srgbClr val="E3E3E3"/>
-                      </a:solidFill>
-                      <a:prstDash val="solid"/>
-                      <a:round/>
-                      <a:headEnd type="none" w="med" len="med"/>
-                      <a:tailEnd type="none" w="med" len="med"/>
-                    </a:lnB>
-                    <a:solidFill>
-                      <a:srgbClr val="FFFFFF"/>
-                    </a:solidFill>
-                  </a:tcPr>
-                </a:tc>
-                <a:extLst>
-                  <a:ext uri="{0D108BD9-81ED-4DB2-BD59-A6C34878D82A}">
-                    <a16:rowId xmlns:a16="http://schemas.microsoft.com/office/drawing/2014/main" val="3023893508"/>
-                  </a:ext>
-                </a:extLst>
-              </a:tr>
-            </a:tbl>
-          </a:graphicData>
-        </a:graphic>
-      </p:graphicFrame>
-    </p:spTree>
-    <p:extLst>
-      <p:ext uri="{BB962C8B-B14F-4D97-AF65-F5344CB8AC3E}">
-        <p14:creationId xmlns:p14="http://schemas.microsoft.com/office/powerpoint/2010/main" val="3924461794"/>
-      </p:ext>
-    </p:extLst>
-  </p:cSld>
-  <p:clrMapOvr>
-    <a:masterClrMapping/>
-  </p:clrMapOvr>
-</p:sld>
-</file>
-
-<file path=ppt/slides/slide11.xml><?xml version="1.0" encoding="utf-8"?>
 <p:sld xmlns:a="http://schemas.openxmlformats.org/drawingml/2006/main" xmlns:r="http://schemas.openxmlformats.org/officeDocument/2006/relationships" xmlns:p="http://schemas.openxmlformats.org/presentationml/2006/main" show="0">
   <p:cSld>
     <p:spTree>
@@ -8583,7 +7680,7 @@
 </p:sld>
 </file>
 
-<file path=ppt/slides/slide12.xml><?xml version="1.0" encoding="utf-8"?>
+<file path=ppt/slides/slide11.xml><?xml version="1.0" encoding="utf-8"?>
 <p:sld xmlns:a="http://schemas.openxmlformats.org/drawingml/2006/main" xmlns:r="http://schemas.openxmlformats.org/officeDocument/2006/relationships" xmlns:p="http://schemas.openxmlformats.org/presentationml/2006/main">
   <p:cSld>
     <p:spTree>
@@ -8679,7 +7776,7 @@
 </p:sld>
 </file>
 
-<file path=ppt/slides/slide13.xml><?xml version="1.0" encoding="utf-8"?>
+<file path=ppt/slides/slide12.xml><?xml version="1.0" encoding="utf-8"?>
 <p:sld xmlns:a="http://schemas.openxmlformats.org/drawingml/2006/main" xmlns:r="http://schemas.openxmlformats.org/officeDocument/2006/relationships" xmlns:p="http://schemas.openxmlformats.org/presentationml/2006/main">
   <p:cSld>
     <p:spTree>
@@ -8804,7 +7901,7 @@
 </p:sld>
 </file>
 
-<file path=ppt/slides/slide14.xml><?xml version="1.0" encoding="utf-8"?>
+<file path=ppt/slides/slide13.xml><?xml version="1.0" encoding="utf-8"?>
 <p:sld xmlns:a="http://schemas.openxmlformats.org/drawingml/2006/main" xmlns:r="http://schemas.openxmlformats.org/officeDocument/2006/relationships" xmlns:p="http://schemas.openxmlformats.org/presentationml/2006/main">
   <p:cSld>
     <p:spTree>
@@ -9234,7 +8331,7 @@
 </p:sld>
 </file>
 
-<file path=ppt/slides/slide15.xml><?xml version="1.0" encoding="utf-8"?>
+<file path=ppt/slides/slide14.xml><?xml version="1.0" encoding="utf-8"?>
 <p:sld xmlns:a="http://schemas.openxmlformats.org/drawingml/2006/main" xmlns:r="http://schemas.openxmlformats.org/officeDocument/2006/relationships" xmlns:p="http://schemas.openxmlformats.org/presentationml/2006/main">
   <p:cSld>
     <p:spTree>
@@ -9498,7 +8595,7 @@
 </p:sld>
 </file>
 
-<file path=ppt/slides/slide16.xml><?xml version="1.0" encoding="utf-8"?>
+<file path=ppt/slides/slide15.xml><?xml version="1.0" encoding="utf-8"?>
 <p:sld xmlns:a="http://schemas.openxmlformats.org/drawingml/2006/main" xmlns:r="http://schemas.openxmlformats.org/officeDocument/2006/relationships" xmlns:p="http://schemas.openxmlformats.org/presentationml/2006/main">
   <p:cSld>
     <p:spTree>
@@ -9807,7 +8904,7 @@
 </p:sld>
 </file>
 
-<file path=ppt/slides/slide17.xml><?xml version="1.0" encoding="utf-8"?>
+<file path=ppt/slides/slide16.xml><?xml version="1.0" encoding="utf-8"?>
 <p:sld xmlns:a="http://schemas.openxmlformats.org/drawingml/2006/main" xmlns:r="http://schemas.openxmlformats.org/officeDocument/2006/relationships" xmlns:p="http://schemas.openxmlformats.org/presentationml/2006/main">
   <p:cSld>
     <p:spTree>
@@ -9948,7 +9045,7 @@
 </p:sld>
 </file>
 
-<file path=ppt/slides/slide18.xml><?xml version="1.0" encoding="utf-8"?>
+<file path=ppt/slides/slide17.xml><?xml version="1.0" encoding="utf-8"?>
 <p:sld xmlns:a="http://schemas.openxmlformats.org/drawingml/2006/main" xmlns:r="http://schemas.openxmlformats.org/officeDocument/2006/relationships" xmlns:p="http://schemas.openxmlformats.org/presentationml/2006/main">
   <p:cSld>
     <p:spTree>
@@ -10163,7 +9260,7 @@
 </p:sld>
 </file>
 
-<file path=ppt/slides/slide19.xml><?xml version="1.0" encoding="utf-8"?>
+<file path=ppt/slides/slide18.xml><?xml version="1.0" encoding="utf-8"?>
 <p:sld xmlns:a="http://schemas.openxmlformats.org/drawingml/2006/main" xmlns:r="http://schemas.openxmlformats.org/officeDocument/2006/relationships" xmlns:p="http://schemas.openxmlformats.org/presentationml/2006/main">
   <p:cSld>
     <p:spTree>
@@ -11220,132 +10317,7 @@
 </p:sld>
 </file>
 
-<file path=ppt/slides/slide2.xml><?xml version="1.0" encoding="utf-8"?>
-<p:sld xmlns:a="http://schemas.openxmlformats.org/drawingml/2006/main" xmlns:r="http://schemas.openxmlformats.org/officeDocument/2006/relationships" xmlns:p="http://schemas.openxmlformats.org/presentationml/2006/main">
-  <p:cSld>
-    <p:spTree>
-      <p:nvGrpSpPr>
-        <p:cNvPr id="1" name=""/>
-        <p:cNvGrpSpPr/>
-        <p:nvPr/>
-      </p:nvGrpSpPr>
-      <p:grpSpPr>
-        <a:xfrm>
-          <a:off x="0" y="0"/>
-          <a:ext cx="0" cy="0"/>
-          <a:chOff x="0" y="0"/>
-          <a:chExt cx="0" cy="0"/>
-        </a:xfrm>
-      </p:grpSpPr>
-      <p:sp>
-        <p:nvSpPr>
-          <p:cNvPr id="2" name="Title 1">
-            <a:extLst>
-              <a:ext uri="{FF2B5EF4-FFF2-40B4-BE49-F238E27FC236}">
-                <a16:creationId xmlns:a16="http://schemas.microsoft.com/office/drawing/2014/main" id="{C052B02A-6D2C-8593-D1D2-0F7F93D99A00}"/>
-              </a:ext>
-            </a:extLst>
-          </p:cNvPr>
-          <p:cNvSpPr>
-            <a:spLocks noGrp="1"/>
-          </p:cNvSpPr>
-          <p:nvPr>
-            <p:ph type="title"/>
-          </p:nvPr>
-        </p:nvSpPr>
-        <p:spPr/>
-        <p:txBody>
-          <a:bodyPr/>
-          <a:lstStyle/>
-          <a:p>
-            <a:r>
-              <a:rPr lang="en-BE" dirty="0"/>
-              <a:t>Announcements</a:t>
-            </a:r>
-          </a:p>
-        </p:txBody>
-      </p:sp>
-      <p:sp>
-        <p:nvSpPr>
-          <p:cNvPr id="3" name="Content Placeholder 2">
-            <a:extLst>
-              <a:ext uri="{FF2B5EF4-FFF2-40B4-BE49-F238E27FC236}">
-                <a16:creationId xmlns:a16="http://schemas.microsoft.com/office/drawing/2014/main" id="{0ADB13C0-2F22-7B03-F87C-066C9440C4DF}"/>
-              </a:ext>
-            </a:extLst>
-          </p:cNvPr>
-          <p:cNvSpPr>
-            <a:spLocks noGrp="1"/>
-          </p:cNvSpPr>
-          <p:nvPr>
-            <p:ph idx="1"/>
-          </p:nvPr>
-        </p:nvSpPr>
-        <p:spPr/>
-        <p:txBody>
-          <a:bodyPr/>
-          <a:lstStyle/>
-          <a:p>
-            <a:r>
-              <a:rPr lang="en-BE" dirty="0"/>
-              <a:t>Today is the last Face-to-face</a:t>
-            </a:r>
-          </a:p>
-          <a:p>
-            <a:r>
-              <a:rPr lang="en-BE" dirty="0"/>
-              <a:t>Submit your DP I today on Canvas and pin the Google doc on Discord</a:t>
-            </a:r>
-          </a:p>
-          <a:p>
-            <a:r>
-              <a:rPr lang="en-BE" dirty="0"/>
-              <a:t>Testing and CI grades will be posted end of this week.</a:t>
-            </a:r>
-          </a:p>
-          <a:p>
-            <a:r>
-              <a:rPr lang="en-BE" dirty="0"/>
-              <a:t>Focus on DP II and III – Its both team and individual</a:t>
-            </a:r>
-          </a:p>
-          <a:p>
-            <a:pPr lvl="1"/>
-            <a:r>
-              <a:rPr lang="en-BE" dirty="0"/>
-              <a:t>Individual 60%</a:t>
-            </a:r>
-          </a:p>
-          <a:p>
-            <a:pPr lvl="1"/>
-            <a:r>
-              <a:rPr lang="en-BE" dirty="0"/>
-              <a:t>Team 40%</a:t>
-            </a:r>
-          </a:p>
-          <a:p>
-            <a:r>
-              <a:rPr lang="en-US" dirty="0"/>
-              <a:t>Starting next week, aim for at least two meetings per week</a:t>
-            </a:r>
-            <a:endParaRPr lang="en-BE" dirty="0"/>
-          </a:p>
-        </p:txBody>
-      </p:sp>
-    </p:spTree>
-    <p:extLst>
-      <p:ext uri="{BB962C8B-B14F-4D97-AF65-F5344CB8AC3E}">
-        <p14:creationId xmlns:p14="http://schemas.microsoft.com/office/powerpoint/2010/main" val="2495615062"/>
-      </p:ext>
-    </p:extLst>
-  </p:cSld>
-  <p:clrMapOvr>
-    <a:masterClrMapping/>
-  </p:clrMapOvr>
-</p:sld>
-</file>
-
-<file path=ppt/slides/slide20.xml><?xml version="1.0" encoding="utf-8"?>
+<file path=ppt/slides/slide19.xml><?xml version="1.0" encoding="utf-8"?>
 <p:sld xmlns:a="http://schemas.openxmlformats.org/drawingml/2006/main" xmlns:r="http://schemas.openxmlformats.org/officeDocument/2006/relationships" xmlns:p="http://schemas.openxmlformats.org/presentationml/2006/main">
   <p:cSld>
     <p:spTree>
@@ -11510,7 +10482,195 @@
 </p:sld>
 </file>
 
-<file path=ppt/slides/slide21.xml><?xml version="1.0" encoding="utf-8"?>
+<file path=ppt/slides/slide2.xml><?xml version="1.0" encoding="utf-8"?>
+<p:sld xmlns:a="http://schemas.openxmlformats.org/drawingml/2006/main" xmlns:r="http://schemas.openxmlformats.org/officeDocument/2006/relationships" xmlns:p="http://schemas.openxmlformats.org/presentationml/2006/main">
+  <p:cSld>
+    <p:spTree>
+      <p:nvGrpSpPr>
+        <p:cNvPr id="1" name=""/>
+        <p:cNvGrpSpPr/>
+        <p:nvPr/>
+      </p:nvGrpSpPr>
+      <p:grpSpPr>
+        <a:xfrm>
+          <a:off x="0" y="0"/>
+          <a:ext cx="0" cy="0"/>
+          <a:chOff x="0" y="0"/>
+          <a:chExt cx="0" cy="0"/>
+        </a:xfrm>
+      </p:grpSpPr>
+      <p:sp>
+        <p:nvSpPr>
+          <p:cNvPr id="2" name="Title 1">
+            <a:extLst>
+              <a:ext uri="{FF2B5EF4-FFF2-40B4-BE49-F238E27FC236}">
+                <a16:creationId xmlns:a16="http://schemas.microsoft.com/office/drawing/2014/main" id="{C052B02A-6D2C-8593-D1D2-0F7F93D99A00}"/>
+              </a:ext>
+            </a:extLst>
+          </p:cNvPr>
+          <p:cNvSpPr>
+            <a:spLocks noGrp="1"/>
+          </p:cNvSpPr>
+          <p:nvPr>
+            <p:ph type="title"/>
+          </p:nvPr>
+        </p:nvSpPr>
+        <p:spPr/>
+        <p:txBody>
+          <a:bodyPr/>
+          <a:lstStyle/>
+          <a:p>
+            <a:r>
+              <a:rPr lang="en-BE" dirty="0"/>
+              <a:t>Announcements</a:t>
+            </a:r>
+          </a:p>
+        </p:txBody>
+      </p:sp>
+      <p:sp>
+        <p:nvSpPr>
+          <p:cNvPr id="3" name="Content Placeholder 2">
+            <a:extLst>
+              <a:ext uri="{FF2B5EF4-FFF2-40B4-BE49-F238E27FC236}">
+                <a16:creationId xmlns:a16="http://schemas.microsoft.com/office/drawing/2014/main" id="{0ADB13C0-2F22-7B03-F87C-066C9440C4DF}"/>
+              </a:ext>
+            </a:extLst>
+          </p:cNvPr>
+          <p:cNvSpPr>
+            <a:spLocks noGrp="1"/>
+          </p:cNvSpPr>
+          <p:nvPr>
+            <p:ph idx="1"/>
+          </p:nvPr>
+        </p:nvSpPr>
+        <p:spPr/>
+        <p:txBody>
+          <a:bodyPr/>
+          <a:lstStyle/>
+          <a:p>
+            <a:r>
+              <a:rPr lang="en-BE" dirty="0"/>
+              <a:t>Submit your DP I Tomorrow on Canvas and pin the Google doc on Discord</a:t>
+            </a:r>
+          </a:p>
+          <a:p>
+            <a:r>
+              <a:rPr lang="en-BE" dirty="0"/>
+              <a:t>Focus on DP II and III – Its both team and individual</a:t>
+            </a:r>
+          </a:p>
+          <a:p>
+            <a:pPr lvl="1"/>
+            <a:r>
+              <a:rPr lang="en-BE" dirty="0"/>
+              <a:t>Individual 60%</a:t>
+            </a:r>
+          </a:p>
+          <a:p>
+            <a:pPr lvl="1"/>
+            <a:r>
+              <a:rPr lang="en-BE" dirty="0"/>
+              <a:t>Team 40%</a:t>
+            </a:r>
+          </a:p>
+        </p:txBody>
+      </p:sp>
+      <p:pic>
+        <p:nvPicPr>
+          <p:cNvPr id="5" name="Picture 4" descr="A screenshot of a computer&#10;&#10;AI-generated content may be incorrect.">
+            <a:extLst>
+              <a:ext uri="{FF2B5EF4-FFF2-40B4-BE49-F238E27FC236}">
+                <a16:creationId xmlns:a16="http://schemas.microsoft.com/office/drawing/2014/main" id="{295659BA-58C9-A0EC-85F5-73A7A2353F3F}"/>
+              </a:ext>
+            </a:extLst>
+          </p:cNvPr>
+          <p:cNvPicPr>
+            <a:picLocks noChangeAspect="1"/>
+          </p:cNvPicPr>
+          <p:nvPr/>
+        </p:nvPicPr>
+        <p:blipFill>
+          <a:blip r:embed="rId2"/>
+          <a:stretch>
+            <a:fillRect/>
+          </a:stretch>
+        </p:blipFill>
+        <p:spPr>
+          <a:xfrm>
+            <a:off x="838200" y="4001294"/>
+            <a:ext cx="7035800" cy="2540000"/>
+          </a:xfrm>
+          <a:prstGeom prst="rect">
+            <a:avLst/>
+          </a:prstGeom>
+          <a:solidFill>
+            <a:schemeClr val="tx1"/>
+          </a:solidFill>
+          <a:ln>
+            <a:solidFill>
+              <a:schemeClr val="tx1"/>
+            </a:solidFill>
+          </a:ln>
+        </p:spPr>
+      </p:pic>
+      <p:cxnSp>
+        <p:nvCxnSpPr>
+          <p:cNvPr id="7" name="Straight Arrow Connector 6">
+            <a:extLst>
+              <a:ext uri="{FF2B5EF4-FFF2-40B4-BE49-F238E27FC236}">
+                <a16:creationId xmlns:a16="http://schemas.microsoft.com/office/drawing/2014/main" id="{E83B6E9F-AEB4-0930-EE64-B16D90017A21}"/>
+              </a:ext>
+            </a:extLst>
+          </p:cNvPr>
+          <p:cNvCxnSpPr>
+            <a:cxnSpLocks/>
+          </p:cNvCxnSpPr>
+          <p:nvPr/>
+        </p:nvCxnSpPr>
+        <p:spPr>
+          <a:xfrm flipH="1">
+            <a:off x="4476998" y="5983814"/>
+            <a:ext cx="3028207" cy="0"/>
+          </a:xfrm>
+          <a:prstGeom prst="straightConnector1">
+            <a:avLst/>
+          </a:prstGeom>
+          <a:ln w="57150">
+            <a:solidFill>
+              <a:schemeClr val="tx1"/>
+            </a:solidFill>
+            <a:tailEnd type="triangle"/>
+          </a:ln>
+        </p:spPr>
+        <p:style>
+          <a:lnRef idx="1">
+            <a:schemeClr val="accent1"/>
+          </a:lnRef>
+          <a:fillRef idx="0">
+            <a:schemeClr val="accent1"/>
+          </a:fillRef>
+          <a:effectRef idx="0">
+            <a:schemeClr val="accent1"/>
+          </a:effectRef>
+          <a:fontRef idx="minor">
+            <a:schemeClr val="tx1"/>
+          </a:fontRef>
+        </p:style>
+      </p:cxnSp>
+    </p:spTree>
+    <p:extLst>
+      <p:ext uri="{BB962C8B-B14F-4D97-AF65-F5344CB8AC3E}">
+        <p14:creationId xmlns:p14="http://schemas.microsoft.com/office/powerpoint/2010/main" val="2495615062"/>
+      </p:ext>
+    </p:extLst>
+  </p:cSld>
+  <p:clrMapOvr>
+    <a:masterClrMapping/>
+  </p:clrMapOvr>
+</p:sld>
+</file>
+
+<file path=ppt/slides/slide20.xml><?xml version="1.0" encoding="utf-8"?>
 <p:sld xmlns:a="http://schemas.openxmlformats.org/drawingml/2006/main" xmlns:r="http://schemas.openxmlformats.org/officeDocument/2006/relationships" xmlns:p="http://schemas.openxmlformats.org/presentationml/2006/main">
   <p:cSld>
     <p:spTree>
@@ -11876,7 +11036,7 @@
 </p:sld>
 </file>
 
-<file path=ppt/slides/slide22.xml><?xml version="1.0" encoding="utf-8"?>
+<file path=ppt/slides/slide21.xml><?xml version="1.0" encoding="utf-8"?>
 <p:sld xmlns:a="http://schemas.openxmlformats.org/drawingml/2006/main" xmlns:r="http://schemas.openxmlformats.org/officeDocument/2006/relationships" xmlns:p="http://schemas.openxmlformats.org/presentationml/2006/main">
   <p:cSld>
     <p:spTree>
@@ -12413,7 +11573,7 @@
 </p:sld>
 </file>
 
-<file path=ppt/slides/slide23.xml><?xml version="1.0" encoding="utf-8"?>
+<file path=ppt/slides/slide22.xml><?xml version="1.0" encoding="utf-8"?>
 <p:sld xmlns:a="http://schemas.openxmlformats.org/drawingml/2006/main" xmlns:r="http://schemas.openxmlformats.org/officeDocument/2006/relationships" xmlns:p="http://schemas.openxmlformats.org/presentationml/2006/main">
   <p:cSld>
     <p:spTree>
@@ -13206,7 +12366,7 @@
 </p:sld>
 </file>
 
-<file path=ppt/slides/slide24.xml><?xml version="1.0" encoding="utf-8"?>
+<file path=ppt/slides/slide23.xml><?xml version="1.0" encoding="utf-8"?>
 <p:sld xmlns:a="http://schemas.openxmlformats.org/drawingml/2006/main" xmlns:r="http://schemas.openxmlformats.org/officeDocument/2006/relationships" xmlns:p="http://schemas.openxmlformats.org/presentationml/2006/main">
   <p:cSld>
     <p:spTree>
@@ -14622,7 +13782,7 @@
 </p:sld>
 </file>
 
-<file path=ppt/slides/slide25.xml><?xml version="1.0" encoding="utf-8"?>
+<file path=ppt/slides/slide24.xml><?xml version="1.0" encoding="utf-8"?>
 <p:sld xmlns:a="http://schemas.openxmlformats.org/drawingml/2006/main" xmlns:r="http://schemas.openxmlformats.org/officeDocument/2006/relationships" xmlns:p="http://schemas.openxmlformats.org/presentationml/2006/main">
   <p:cSld>
     <p:spTree>
@@ -14843,7 +14003,7 @@
 </p:sld>
 </file>
 
-<file path=ppt/slides/slide26.xml><?xml version="1.0" encoding="utf-8"?>
+<file path=ppt/slides/slide25.xml><?xml version="1.0" encoding="utf-8"?>
 <p:sld xmlns:a="http://schemas.openxmlformats.org/drawingml/2006/main" xmlns:r="http://schemas.openxmlformats.org/officeDocument/2006/relationships" xmlns:p="http://schemas.openxmlformats.org/presentationml/2006/main">
   <p:cSld>
     <p:spTree>
@@ -15357,7 +14517,7 @@
 </p:sld>
 </file>
 
-<file path=ppt/slides/slide27.xml><?xml version="1.0" encoding="utf-8"?>
+<file path=ppt/slides/slide26.xml><?xml version="1.0" encoding="utf-8"?>
 <p:sld xmlns:a="http://schemas.openxmlformats.org/drawingml/2006/main" xmlns:r="http://schemas.openxmlformats.org/officeDocument/2006/relationships" xmlns:p="http://schemas.openxmlformats.org/presentationml/2006/main">
   <p:cSld>
     <p:spTree>
@@ -15663,7 +14823,7 @@
 </p:sld>
 </file>
 
-<file path=ppt/slides/slide28.xml><?xml version="1.0" encoding="utf-8"?>
+<file path=ppt/slides/slide27.xml><?xml version="1.0" encoding="utf-8"?>
 <p:sld xmlns:a="http://schemas.openxmlformats.org/drawingml/2006/main" xmlns:r="http://schemas.openxmlformats.org/officeDocument/2006/relationships" xmlns:p="http://schemas.openxmlformats.org/presentationml/2006/main">
   <p:cSld>
     <p:spTree>
@@ -16379,7 +15539,7 @@
 </p:sld>
 </file>
 
-<file path=ppt/slides/slide29.xml><?xml version="1.0" encoding="utf-8"?>
+<file path=ppt/slides/slide28.xml><?xml version="1.0" encoding="utf-8"?>
 <p:sld xmlns:a="http://schemas.openxmlformats.org/drawingml/2006/main" xmlns:r="http://schemas.openxmlformats.org/officeDocument/2006/relationships" xmlns:p="http://schemas.openxmlformats.org/presentationml/2006/main">
   <p:cSld>
     <p:spTree>
@@ -17735,105 +16895,7 @@
 </p:sld>
 </file>
 
-<file path=ppt/slides/slide3.xml><?xml version="1.0" encoding="utf-8"?>
-<p:sld xmlns:a="http://schemas.openxmlformats.org/drawingml/2006/main" xmlns:r="http://schemas.openxmlformats.org/officeDocument/2006/relationships" xmlns:p="http://schemas.openxmlformats.org/presentationml/2006/main">
-  <p:cSld>
-    <p:spTree>
-      <p:nvGrpSpPr>
-        <p:cNvPr id="1" name=""/>
-        <p:cNvGrpSpPr/>
-        <p:nvPr/>
-      </p:nvGrpSpPr>
-      <p:grpSpPr>
-        <a:xfrm>
-          <a:off x="0" y="0"/>
-          <a:ext cx="0" cy="0"/>
-          <a:chOff x="0" y="0"/>
-          <a:chExt cx="0" cy="0"/>
-        </a:xfrm>
-      </p:grpSpPr>
-      <p:sp>
-        <p:nvSpPr>
-          <p:cNvPr id="2" name="Title 1">
-            <a:extLst>
-              <a:ext uri="{FF2B5EF4-FFF2-40B4-BE49-F238E27FC236}">
-                <a16:creationId xmlns:a16="http://schemas.microsoft.com/office/drawing/2014/main" id="{122DE6B9-ED28-F606-E858-5664D6CD9749}"/>
-              </a:ext>
-            </a:extLst>
-          </p:cNvPr>
-          <p:cNvSpPr>
-            <a:spLocks noGrp="1"/>
-          </p:cNvSpPr>
-          <p:nvPr>
-            <p:ph type="title"/>
-          </p:nvPr>
-        </p:nvSpPr>
-        <p:spPr/>
-        <p:txBody>
-          <a:bodyPr/>
-          <a:lstStyle/>
-          <a:p>
-            <a:r>
-              <a:rPr lang="en-US" dirty="0"/>
-              <a:t>Senior Design Competition </a:t>
-            </a:r>
-          </a:p>
-        </p:txBody>
-      </p:sp>
-      <p:sp>
-        <p:nvSpPr>
-          <p:cNvPr id="3" name="Content Placeholder 2">
-            <a:extLst>
-              <a:ext uri="{FF2B5EF4-FFF2-40B4-BE49-F238E27FC236}">
-                <a16:creationId xmlns:a16="http://schemas.microsoft.com/office/drawing/2014/main" id="{B070E083-3CB0-9D6C-21AF-771AE53575F6}"/>
-              </a:ext>
-            </a:extLst>
-          </p:cNvPr>
-          <p:cNvSpPr>
-            <a:spLocks noGrp="1"/>
-          </p:cNvSpPr>
-          <p:nvPr>
-            <p:ph idx="1"/>
-          </p:nvPr>
-        </p:nvSpPr>
-        <p:spPr/>
-        <p:txBody>
-          <a:bodyPr/>
-          <a:lstStyle/>
-          <a:p>
-            <a:r>
-              <a:rPr lang="en-US" dirty="0">
-                <a:hlinkClick r:id="rId2"/>
-              </a:rPr>
-              <a:t>https://johnxu21.github.io/teaching/CS472/project/Competition/</a:t>
-            </a:r>
-            <a:r>
-              <a:rPr lang="en-US" dirty="0"/>
-              <a:t>?</a:t>
-            </a:r>
-          </a:p>
-          <a:p>
-            <a:endParaRPr lang="en-US" dirty="0"/>
-          </a:p>
-          <a:p>
-            <a:endParaRPr lang="en-US" dirty="0"/>
-          </a:p>
-        </p:txBody>
-      </p:sp>
-    </p:spTree>
-    <p:extLst>
-      <p:ext uri="{BB962C8B-B14F-4D97-AF65-F5344CB8AC3E}">
-        <p14:creationId xmlns:p14="http://schemas.microsoft.com/office/powerpoint/2010/main" val="1732481751"/>
-      </p:ext>
-    </p:extLst>
-  </p:cSld>
-  <p:clrMapOvr>
-    <a:masterClrMapping/>
-  </p:clrMapOvr>
-</p:sld>
-</file>
-
-<file path=ppt/slides/slide30.xml><?xml version="1.0" encoding="utf-8"?>
+<file path=ppt/slides/slide29.xml><?xml version="1.0" encoding="utf-8"?>
 <p:sld xmlns:a="http://schemas.openxmlformats.org/drawingml/2006/main" xmlns:r="http://schemas.openxmlformats.org/officeDocument/2006/relationships" xmlns:p="http://schemas.openxmlformats.org/presentationml/2006/main">
   <p:cSld>
     <p:spTree>
@@ -17993,7 +17055,7 @@
 </p:sld>
 </file>
 
-<file path=ppt/slides/slide4.xml><?xml version="1.0" encoding="utf-8"?>
+<file path=ppt/slides/slide3.xml><?xml version="1.0" encoding="utf-8"?>
 <p:sld xmlns:a="http://schemas.openxmlformats.org/drawingml/2006/main" xmlns:r="http://schemas.openxmlformats.org/officeDocument/2006/relationships" xmlns:p="http://schemas.openxmlformats.org/presentationml/2006/main">
   <p:cSld>
     <p:spTree>
@@ -18209,6 +17271,447 @@
 </p:sld>
 </file>
 
+<file path=ppt/slides/slide4.xml><?xml version="1.0" encoding="utf-8"?>
+<p:sld xmlns:a="http://schemas.openxmlformats.org/drawingml/2006/main" xmlns:r="http://schemas.openxmlformats.org/officeDocument/2006/relationships" xmlns:p="http://schemas.openxmlformats.org/presentationml/2006/main" show="0">
+  <p:cSld>
+    <p:spTree>
+      <p:nvGrpSpPr>
+        <p:cNvPr id="1" name="Shape 94"/>
+        <p:cNvGrpSpPr/>
+        <p:nvPr/>
+      </p:nvGrpSpPr>
+      <p:grpSpPr>
+        <a:xfrm>
+          <a:off x="0" y="0"/>
+          <a:ext cx="0" cy="0"/>
+          <a:chOff x="0" y="0"/>
+          <a:chExt cx="0" cy="0"/>
+        </a:xfrm>
+      </p:grpSpPr>
+      <p:sp>
+        <p:nvSpPr>
+          <p:cNvPr id="95" name="Google Shape;95;p2"/>
+          <p:cNvSpPr txBox="1">
+            <a:spLocks noGrp="1"/>
+          </p:cNvSpPr>
+          <p:nvPr>
+            <p:ph type="title"/>
+          </p:nvPr>
+        </p:nvSpPr>
+        <p:spPr>
+          <a:xfrm>
+            <a:off x="838200" y="365125"/>
+            <a:ext cx="10515600" cy="639427"/>
+          </a:xfrm>
+          <a:prstGeom prst="rect">
+            <a:avLst/>
+          </a:prstGeom>
+          <a:noFill/>
+          <a:ln>
+            <a:noFill/>
+          </a:ln>
+        </p:spPr>
+        <p:txBody>
+          <a:bodyPr spcFirstLastPara="1" wrap="square" lIns="91425" tIns="45700" rIns="91425" bIns="45700" anchor="ctr" anchorCtr="0">
+            <a:normAutofit fontScale="90000"/>
+          </a:bodyPr>
+          <a:lstStyle/>
+          <a:p>
+            <a:pPr marL="0" lvl="0" indent="0" algn="l" rtl="0">
+              <a:lnSpc>
+                <a:spcPct val="90000"/>
+              </a:lnSpc>
+              <a:spcBef>
+                <a:spcPts val="0"/>
+              </a:spcBef>
+              <a:spcAft>
+                <a:spcPts val="0"/>
+              </a:spcAft>
+              <a:buClr>
+                <a:schemeClr val="dk1"/>
+              </a:buClr>
+              <a:buSzPct val="100000"/>
+              <a:buFont typeface="Calibri"/>
+              <a:buNone/>
+            </a:pPr>
+            <a:r>
+              <a:rPr lang="en-GB" dirty="0"/>
+              <a:t>Software design questions</a:t>
+            </a:r>
+            <a:endParaRPr dirty="0"/>
+          </a:p>
+        </p:txBody>
+      </p:sp>
+      <p:sp>
+        <p:nvSpPr>
+          <p:cNvPr id="96" name="Google Shape;96;p2"/>
+          <p:cNvSpPr txBox="1">
+            <a:spLocks noGrp="1"/>
+          </p:cNvSpPr>
+          <p:nvPr>
+            <p:ph type="body" idx="1"/>
+          </p:nvPr>
+        </p:nvSpPr>
+        <p:spPr>
+          <a:xfrm>
+            <a:off x="838200" y="1457325"/>
+            <a:ext cx="10515600" cy="5200650"/>
+          </a:xfrm>
+          <a:prstGeom prst="rect">
+            <a:avLst/>
+          </a:prstGeom>
+          <a:noFill/>
+          <a:ln>
+            <a:noFill/>
+          </a:ln>
+        </p:spPr>
+        <p:txBody>
+          <a:bodyPr spcFirstLastPara="1" wrap="square" lIns="91425" tIns="45700" rIns="91425" bIns="45700" anchor="t" anchorCtr="0">
+            <a:normAutofit lnSpcReduction="10000"/>
+          </a:bodyPr>
+          <a:lstStyle/>
+          <a:p>
+            <a:pPr marL="0" lvl="0" indent="0" algn="l" rtl="0">
+              <a:lnSpc>
+                <a:spcPct val="90000"/>
+              </a:lnSpc>
+              <a:spcBef>
+                <a:spcPts val="0"/>
+              </a:spcBef>
+              <a:spcAft>
+                <a:spcPts val="0"/>
+              </a:spcAft>
+              <a:buClr>
+                <a:srgbClr val="166623"/>
+              </a:buClr>
+              <a:buSzPts val="2800"/>
+              <a:buNone/>
+            </a:pPr>
+            <a:r>
+              <a:rPr lang="en-GB" b="1" i="0" dirty="0">
+                <a:solidFill>
+                  <a:srgbClr val="1F1F1F"/>
+                </a:solidFill>
+                <a:latin typeface="Source Sans Pro"/>
+                <a:ea typeface="Source Sans Pro"/>
+                <a:cs typeface="Source Sans Pro"/>
+                <a:sym typeface="Source Sans Pro"/>
+              </a:rPr>
+              <a:t>Take a minute and think of the projects that you worked on</a:t>
+            </a:r>
+          </a:p>
+          <a:p>
+            <a:pPr marL="0" lvl="0" indent="0" algn="l" rtl="0">
+              <a:lnSpc>
+                <a:spcPct val="90000"/>
+              </a:lnSpc>
+              <a:spcBef>
+                <a:spcPts val="0"/>
+              </a:spcBef>
+              <a:spcAft>
+                <a:spcPts val="0"/>
+              </a:spcAft>
+              <a:buClr>
+                <a:srgbClr val="166623"/>
+              </a:buClr>
+              <a:buSzPts val="2800"/>
+              <a:buNone/>
+            </a:pPr>
+            <a:endParaRPr lang="en-GB" b="0" i="0" dirty="0">
+              <a:latin typeface="Source Sans Pro"/>
+              <a:ea typeface="Source Sans Pro"/>
+              <a:cs typeface="Source Sans Pro"/>
+              <a:sym typeface="Source Sans Pro"/>
+            </a:endParaRPr>
+          </a:p>
+          <a:p>
+            <a:pPr marL="228600" lvl="0" indent="-228600" algn="l" rtl="0">
+              <a:lnSpc>
+                <a:spcPct val="90000"/>
+              </a:lnSpc>
+              <a:spcBef>
+                <a:spcPts val="0"/>
+              </a:spcBef>
+              <a:spcAft>
+                <a:spcPts val="0"/>
+              </a:spcAft>
+              <a:buClr>
+                <a:srgbClr val="166623"/>
+              </a:buClr>
+              <a:buSzPts val="2800"/>
+              <a:buChar char="•"/>
+            </a:pPr>
+            <a:r>
+              <a:rPr lang="en-GB" b="0" i="0" dirty="0">
+                <a:latin typeface="Source Sans Pro"/>
+                <a:ea typeface="Source Sans Pro"/>
+                <a:cs typeface="Source Sans Pro"/>
+                <a:sym typeface="Source Sans Pro"/>
+              </a:rPr>
+              <a:t>Did they have a good design? </a:t>
+            </a:r>
+            <a:endParaRPr dirty="0"/>
+          </a:p>
+          <a:p>
+            <a:pPr marL="228600" lvl="0" indent="-228600" algn="l" rtl="0">
+              <a:lnSpc>
+                <a:spcPct val="90000"/>
+              </a:lnSpc>
+              <a:spcBef>
+                <a:spcPts val="1000"/>
+              </a:spcBef>
+              <a:spcAft>
+                <a:spcPts val="0"/>
+              </a:spcAft>
+              <a:buClr>
+                <a:srgbClr val="166623"/>
+              </a:buClr>
+              <a:buSzPts val="2800"/>
+              <a:buChar char="•"/>
+            </a:pPr>
+            <a:r>
+              <a:rPr lang="en-GB" b="0" i="0" dirty="0">
+                <a:latin typeface="Source Sans Pro"/>
+                <a:ea typeface="Source Sans Pro"/>
+                <a:cs typeface="Source Sans Pro"/>
+                <a:sym typeface="Source Sans Pro"/>
+              </a:rPr>
+              <a:t>Could the design be done better? </a:t>
+            </a:r>
+            <a:endParaRPr b="0" i="0" dirty="0">
+              <a:latin typeface="Open Sans"/>
+              <a:ea typeface="Open Sans"/>
+              <a:cs typeface="Open Sans"/>
+              <a:sym typeface="Open Sans"/>
+            </a:endParaRPr>
+          </a:p>
+          <a:p>
+            <a:pPr marL="228600" lvl="0" indent="-228600" algn="l" rtl="0">
+              <a:lnSpc>
+                <a:spcPct val="90000"/>
+              </a:lnSpc>
+              <a:spcBef>
+                <a:spcPts val="1000"/>
+              </a:spcBef>
+              <a:spcAft>
+                <a:spcPts val="0"/>
+              </a:spcAft>
+              <a:buClr>
+                <a:srgbClr val="166623"/>
+              </a:buClr>
+              <a:buSzPts val="2800"/>
+              <a:buChar char="•"/>
+            </a:pPr>
+            <a:r>
+              <a:rPr lang="en-GB" b="0" i="0" dirty="0">
+                <a:latin typeface="Source Sans Pro"/>
+                <a:ea typeface="Source Sans Pro"/>
+                <a:cs typeface="Source Sans Pro"/>
+                <a:sym typeface="Source Sans Pro"/>
+              </a:rPr>
+              <a:t>Was there even a design at all? </a:t>
+            </a:r>
+            <a:endParaRPr b="0" i="0" dirty="0">
+              <a:latin typeface="Open Sans"/>
+              <a:ea typeface="Open Sans"/>
+              <a:cs typeface="Open Sans"/>
+              <a:sym typeface="Open Sans"/>
+            </a:endParaRPr>
+          </a:p>
+          <a:p>
+            <a:pPr marL="228600" lvl="0" indent="-228600" algn="l" rtl="0">
+              <a:lnSpc>
+                <a:spcPct val="90000"/>
+              </a:lnSpc>
+              <a:spcBef>
+                <a:spcPts val="1000"/>
+              </a:spcBef>
+              <a:spcAft>
+                <a:spcPts val="0"/>
+              </a:spcAft>
+              <a:buClr>
+                <a:srgbClr val="166623"/>
+              </a:buClr>
+              <a:buSzPts val="2800"/>
+              <a:buChar char="•"/>
+            </a:pPr>
+            <a:r>
+              <a:rPr lang="en-GB" b="0" i="0" dirty="0">
+                <a:latin typeface="Source Sans Pro"/>
+                <a:ea typeface="Source Sans Pro"/>
+                <a:cs typeface="Source Sans Pro"/>
+                <a:sym typeface="Source Sans Pro"/>
+              </a:rPr>
+              <a:t>How do you know if the software was well-designed? </a:t>
+            </a:r>
+            <a:endParaRPr b="0" i="0" dirty="0">
+              <a:latin typeface="Open Sans"/>
+              <a:ea typeface="Open Sans"/>
+              <a:cs typeface="Open Sans"/>
+              <a:sym typeface="Open Sans"/>
+            </a:endParaRPr>
+          </a:p>
+          <a:p>
+            <a:pPr marL="228600" lvl="0" indent="-228600" algn="l" rtl="0">
+              <a:lnSpc>
+                <a:spcPct val="90000"/>
+              </a:lnSpc>
+              <a:spcBef>
+                <a:spcPts val="1000"/>
+              </a:spcBef>
+              <a:spcAft>
+                <a:spcPts val="0"/>
+              </a:spcAft>
+              <a:buClr>
+                <a:srgbClr val="166623"/>
+              </a:buClr>
+              <a:buSzPts val="2800"/>
+              <a:buChar char="•"/>
+            </a:pPr>
+            <a:r>
+              <a:rPr lang="en-GB" b="0" i="0" dirty="0">
+                <a:latin typeface="Source Sans Pro"/>
+                <a:ea typeface="Source Sans Pro"/>
+                <a:cs typeface="Source Sans Pro"/>
+                <a:sym typeface="Source Sans Pro"/>
+              </a:rPr>
+              <a:t>Think of how easy it was to make changes to your code. </a:t>
+            </a:r>
+            <a:endParaRPr b="0" i="0" dirty="0">
+              <a:latin typeface="Open Sans"/>
+              <a:ea typeface="Open Sans"/>
+              <a:cs typeface="Open Sans"/>
+              <a:sym typeface="Open Sans"/>
+            </a:endParaRPr>
+          </a:p>
+          <a:p>
+            <a:pPr marL="228600" lvl="0" indent="-228600" algn="l" rtl="0">
+              <a:lnSpc>
+                <a:spcPct val="90000"/>
+              </a:lnSpc>
+              <a:spcBef>
+                <a:spcPts val="1000"/>
+              </a:spcBef>
+              <a:spcAft>
+                <a:spcPts val="0"/>
+              </a:spcAft>
+              <a:buClr>
+                <a:srgbClr val="166623"/>
+              </a:buClr>
+              <a:buSzPts val="2800"/>
+              <a:buChar char="•"/>
+            </a:pPr>
+            <a:r>
+              <a:rPr lang="en-GB" b="0" i="0" dirty="0">
+                <a:latin typeface="Source Sans Pro"/>
+                <a:ea typeface="Source Sans Pro"/>
+                <a:cs typeface="Source Sans Pro"/>
+                <a:sym typeface="Source Sans Pro"/>
+              </a:rPr>
+              <a:t>Did a small code change produce a ripple-effect for changes elsewhere in the code? </a:t>
+            </a:r>
+            <a:endParaRPr b="0" i="0" dirty="0">
+              <a:latin typeface="Open Sans"/>
+              <a:ea typeface="Open Sans"/>
+              <a:cs typeface="Open Sans"/>
+              <a:sym typeface="Open Sans"/>
+            </a:endParaRPr>
+          </a:p>
+          <a:p>
+            <a:pPr marL="228600" lvl="0" indent="-228600" algn="l" rtl="0">
+              <a:lnSpc>
+                <a:spcPct val="90000"/>
+              </a:lnSpc>
+              <a:spcBef>
+                <a:spcPts val="1000"/>
+              </a:spcBef>
+              <a:spcAft>
+                <a:spcPts val="0"/>
+              </a:spcAft>
+              <a:buClr>
+                <a:srgbClr val="166623"/>
+              </a:buClr>
+              <a:buSzPts val="2800"/>
+              <a:buChar char="•"/>
+            </a:pPr>
+            <a:r>
+              <a:rPr lang="en-GB" b="0" i="0" dirty="0">
+                <a:latin typeface="Source Sans Pro"/>
+                <a:ea typeface="Source Sans Pro"/>
+                <a:cs typeface="Source Sans Pro"/>
+                <a:sym typeface="Source Sans Pro"/>
+              </a:rPr>
+              <a:t>Was your code hard to reuse? </a:t>
+            </a:r>
+            <a:endParaRPr b="0" i="0" dirty="0">
+              <a:latin typeface="Open Sans"/>
+              <a:ea typeface="Open Sans"/>
+              <a:cs typeface="Open Sans"/>
+              <a:sym typeface="Open Sans"/>
+            </a:endParaRPr>
+          </a:p>
+          <a:p>
+            <a:pPr marL="228600" lvl="0" indent="-228600" algn="l" rtl="0">
+              <a:lnSpc>
+                <a:spcPct val="90000"/>
+              </a:lnSpc>
+              <a:spcBef>
+                <a:spcPts val="1000"/>
+              </a:spcBef>
+              <a:spcAft>
+                <a:spcPts val="0"/>
+              </a:spcAft>
+              <a:buClr>
+                <a:srgbClr val="166623"/>
+              </a:buClr>
+              <a:buSzPts val="2800"/>
+              <a:buChar char="•"/>
+            </a:pPr>
+            <a:r>
+              <a:rPr lang="en-GB" b="0" i="0" dirty="0">
+                <a:latin typeface="Source Sans Pro"/>
+                <a:ea typeface="Source Sans Pro"/>
+                <a:cs typeface="Source Sans Pro"/>
+                <a:sym typeface="Source Sans Pro"/>
+              </a:rPr>
+              <a:t>Was the software difficult to maintain after a release? </a:t>
+            </a:r>
+            <a:endParaRPr b="0" i="0" dirty="0">
+              <a:latin typeface="Open Sans"/>
+              <a:ea typeface="Open Sans"/>
+              <a:cs typeface="Open Sans"/>
+              <a:sym typeface="Open Sans"/>
+            </a:endParaRPr>
+          </a:p>
+          <a:p>
+            <a:pPr marL="228600" lvl="0" indent="-50800" algn="l" rtl="0">
+              <a:lnSpc>
+                <a:spcPct val="90000"/>
+              </a:lnSpc>
+              <a:spcBef>
+                <a:spcPts val="1000"/>
+              </a:spcBef>
+              <a:spcAft>
+                <a:spcPts val="0"/>
+              </a:spcAft>
+              <a:buClr>
+                <a:schemeClr val="dk1"/>
+              </a:buClr>
+              <a:buSzPts val="2800"/>
+              <a:buNone/>
+            </a:pPr>
+            <a:endParaRPr dirty="0"/>
+          </a:p>
+        </p:txBody>
+      </p:sp>
+    </p:spTree>
+  </p:cSld>
+  <p:clrMapOvr>
+    <a:masterClrMapping/>
+  </p:clrMapOvr>
+</p:sld>
+</file>
+
 <file path=ppt/slides/slide5.xml><?xml version="1.0" encoding="utf-8"?>
 <p:sld xmlns:a="http://schemas.openxmlformats.org/drawingml/2006/main" xmlns:r="http://schemas.openxmlformats.org/officeDocument/2006/relationships" xmlns:p="http://schemas.openxmlformats.org/presentationml/2006/main" show="0">
   <p:cSld>
@@ -18274,447 +17777,6 @@
             </a:pPr>
             <a:r>
               <a:rPr lang="en-GB" dirty="0"/>
-              <a:t>Software design questions</a:t>
-            </a:r>
-            <a:endParaRPr dirty="0"/>
-          </a:p>
-        </p:txBody>
-      </p:sp>
-      <p:sp>
-        <p:nvSpPr>
-          <p:cNvPr id="96" name="Google Shape;96;p2"/>
-          <p:cNvSpPr txBox="1">
-            <a:spLocks noGrp="1"/>
-          </p:cNvSpPr>
-          <p:nvPr>
-            <p:ph type="body" idx="1"/>
-          </p:nvPr>
-        </p:nvSpPr>
-        <p:spPr>
-          <a:xfrm>
-            <a:off x="838200" y="1457325"/>
-            <a:ext cx="10515600" cy="5200650"/>
-          </a:xfrm>
-          <a:prstGeom prst="rect">
-            <a:avLst/>
-          </a:prstGeom>
-          <a:noFill/>
-          <a:ln>
-            <a:noFill/>
-          </a:ln>
-        </p:spPr>
-        <p:txBody>
-          <a:bodyPr spcFirstLastPara="1" wrap="square" lIns="91425" tIns="45700" rIns="91425" bIns="45700" anchor="t" anchorCtr="0">
-            <a:normAutofit lnSpcReduction="10000"/>
-          </a:bodyPr>
-          <a:lstStyle/>
-          <a:p>
-            <a:pPr marL="0" lvl="0" indent="0" algn="l" rtl="0">
-              <a:lnSpc>
-                <a:spcPct val="90000"/>
-              </a:lnSpc>
-              <a:spcBef>
-                <a:spcPts val="0"/>
-              </a:spcBef>
-              <a:spcAft>
-                <a:spcPts val="0"/>
-              </a:spcAft>
-              <a:buClr>
-                <a:srgbClr val="166623"/>
-              </a:buClr>
-              <a:buSzPts val="2800"/>
-              <a:buNone/>
-            </a:pPr>
-            <a:r>
-              <a:rPr lang="en-GB" b="1" i="0" dirty="0">
-                <a:solidFill>
-                  <a:srgbClr val="1F1F1F"/>
-                </a:solidFill>
-                <a:latin typeface="Source Sans Pro"/>
-                <a:ea typeface="Source Sans Pro"/>
-                <a:cs typeface="Source Sans Pro"/>
-                <a:sym typeface="Source Sans Pro"/>
-              </a:rPr>
-              <a:t>Take a minute and think of the projects that you worked on</a:t>
-            </a:r>
-          </a:p>
-          <a:p>
-            <a:pPr marL="0" lvl="0" indent="0" algn="l" rtl="0">
-              <a:lnSpc>
-                <a:spcPct val="90000"/>
-              </a:lnSpc>
-              <a:spcBef>
-                <a:spcPts val="0"/>
-              </a:spcBef>
-              <a:spcAft>
-                <a:spcPts val="0"/>
-              </a:spcAft>
-              <a:buClr>
-                <a:srgbClr val="166623"/>
-              </a:buClr>
-              <a:buSzPts val="2800"/>
-              <a:buNone/>
-            </a:pPr>
-            <a:endParaRPr lang="en-GB" b="0" i="0" dirty="0">
-              <a:latin typeface="Source Sans Pro"/>
-              <a:ea typeface="Source Sans Pro"/>
-              <a:cs typeface="Source Sans Pro"/>
-              <a:sym typeface="Source Sans Pro"/>
-            </a:endParaRPr>
-          </a:p>
-          <a:p>
-            <a:pPr marL="228600" lvl="0" indent="-228600" algn="l" rtl="0">
-              <a:lnSpc>
-                <a:spcPct val="90000"/>
-              </a:lnSpc>
-              <a:spcBef>
-                <a:spcPts val="0"/>
-              </a:spcBef>
-              <a:spcAft>
-                <a:spcPts val="0"/>
-              </a:spcAft>
-              <a:buClr>
-                <a:srgbClr val="166623"/>
-              </a:buClr>
-              <a:buSzPts val="2800"/>
-              <a:buChar char="•"/>
-            </a:pPr>
-            <a:r>
-              <a:rPr lang="en-GB" b="0" i="0" dirty="0">
-                <a:latin typeface="Source Sans Pro"/>
-                <a:ea typeface="Source Sans Pro"/>
-                <a:cs typeface="Source Sans Pro"/>
-                <a:sym typeface="Source Sans Pro"/>
-              </a:rPr>
-              <a:t>Did they have a good design? </a:t>
-            </a:r>
-            <a:endParaRPr dirty="0"/>
-          </a:p>
-          <a:p>
-            <a:pPr marL="228600" lvl="0" indent="-228600" algn="l" rtl="0">
-              <a:lnSpc>
-                <a:spcPct val="90000"/>
-              </a:lnSpc>
-              <a:spcBef>
-                <a:spcPts val="1000"/>
-              </a:spcBef>
-              <a:spcAft>
-                <a:spcPts val="0"/>
-              </a:spcAft>
-              <a:buClr>
-                <a:srgbClr val="166623"/>
-              </a:buClr>
-              <a:buSzPts val="2800"/>
-              <a:buChar char="•"/>
-            </a:pPr>
-            <a:r>
-              <a:rPr lang="en-GB" b="0" i="0" dirty="0">
-                <a:latin typeface="Source Sans Pro"/>
-                <a:ea typeface="Source Sans Pro"/>
-                <a:cs typeface="Source Sans Pro"/>
-                <a:sym typeface="Source Sans Pro"/>
-              </a:rPr>
-              <a:t>Could the design be done better? </a:t>
-            </a:r>
-            <a:endParaRPr b="0" i="0" dirty="0">
-              <a:latin typeface="Open Sans"/>
-              <a:ea typeface="Open Sans"/>
-              <a:cs typeface="Open Sans"/>
-              <a:sym typeface="Open Sans"/>
-            </a:endParaRPr>
-          </a:p>
-          <a:p>
-            <a:pPr marL="228600" lvl="0" indent="-228600" algn="l" rtl="0">
-              <a:lnSpc>
-                <a:spcPct val="90000"/>
-              </a:lnSpc>
-              <a:spcBef>
-                <a:spcPts val="1000"/>
-              </a:spcBef>
-              <a:spcAft>
-                <a:spcPts val="0"/>
-              </a:spcAft>
-              <a:buClr>
-                <a:srgbClr val="166623"/>
-              </a:buClr>
-              <a:buSzPts val="2800"/>
-              <a:buChar char="•"/>
-            </a:pPr>
-            <a:r>
-              <a:rPr lang="en-GB" b="0" i="0" dirty="0">
-                <a:latin typeface="Source Sans Pro"/>
-                <a:ea typeface="Source Sans Pro"/>
-                <a:cs typeface="Source Sans Pro"/>
-                <a:sym typeface="Source Sans Pro"/>
-              </a:rPr>
-              <a:t>Was there even a design at all? </a:t>
-            </a:r>
-            <a:endParaRPr b="0" i="0" dirty="0">
-              <a:latin typeface="Open Sans"/>
-              <a:ea typeface="Open Sans"/>
-              <a:cs typeface="Open Sans"/>
-              <a:sym typeface="Open Sans"/>
-            </a:endParaRPr>
-          </a:p>
-          <a:p>
-            <a:pPr marL="228600" lvl="0" indent="-228600" algn="l" rtl="0">
-              <a:lnSpc>
-                <a:spcPct val="90000"/>
-              </a:lnSpc>
-              <a:spcBef>
-                <a:spcPts val="1000"/>
-              </a:spcBef>
-              <a:spcAft>
-                <a:spcPts val="0"/>
-              </a:spcAft>
-              <a:buClr>
-                <a:srgbClr val="166623"/>
-              </a:buClr>
-              <a:buSzPts val="2800"/>
-              <a:buChar char="•"/>
-            </a:pPr>
-            <a:r>
-              <a:rPr lang="en-GB" b="0" i="0" dirty="0">
-                <a:latin typeface="Source Sans Pro"/>
-                <a:ea typeface="Source Sans Pro"/>
-                <a:cs typeface="Source Sans Pro"/>
-                <a:sym typeface="Source Sans Pro"/>
-              </a:rPr>
-              <a:t>How do you know if the software was well-designed? </a:t>
-            </a:r>
-            <a:endParaRPr b="0" i="0" dirty="0">
-              <a:latin typeface="Open Sans"/>
-              <a:ea typeface="Open Sans"/>
-              <a:cs typeface="Open Sans"/>
-              <a:sym typeface="Open Sans"/>
-            </a:endParaRPr>
-          </a:p>
-          <a:p>
-            <a:pPr marL="228600" lvl="0" indent="-228600" algn="l" rtl="0">
-              <a:lnSpc>
-                <a:spcPct val="90000"/>
-              </a:lnSpc>
-              <a:spcBef>
-                <a:spcPts val="1000"/>
-              </a:spcBef>
-              <a:spcAft>
-                <a:spcPts val="0"/>
-              </a:spcAft>
-              <a:buClr>
-                <a:srgbClr val="166623"/>
-              </a:buClr>
-              <a:buSzPts val="2800"/>
-              <a:buChar char="•"/>
-            </a:pPr>
-            <a:r>
-              <a:rPr lang="en-GB" b="0" i="0" dirty="0">
-                <a:latin typeface="Source Sans Pro"/>
-                <a:ea typeface="Source Sans Pro"/>
-                <a:cs typeface="Source Sans Pro"/>
-                <a:sym typeface="Source Sans Pro"/>
-              </a:rPr>
-              <a:t>Think of how easy it was to make changes to your code. </a:t>
-            </a:r>
-            <a:endParaRPr b="0" i="0" dirty="0">
-              <a:latin typeface="Open Sans"/>
-              <a:ea typeface="Open Sans"/>
-              <a:cs typeface="Open Sans"/>
-              <a:sym typeface="Open Sans"/>
-            </a:endParaRPr>
-          </a:p>
-          <a:p>
-            <a:pPr marL="228600" lvl="0" indent="-228600" algn="l" rtl="0">
-              <a:lnSpc>
-                <a:spcPct val="90000"/>
-              </a:lnSpc>
-              <a:spcBef>
-                <a:spcPts val="1000"/>
-              </a:spcBef>
-              <a:spcAft>
-                <a:spcPts val="0"/>
-              </a:spcAft>
-              <a:buClr>
-                <a:srgbClr val="166623"/>
-              </a:buClr>
-              <a:buSzPts val="2800"/>
-              <a:buChar char="•"/>
-            </a:pPr>
-            <a:r>
-              <a:rPr lang="en-GB" b="0" i="0" dirty="0">
-                <a:latin typeface="Source Sans Pro"/>
-                <a:ea typeface="Source Sans Pro"/>
-                <a:cs typeface="Source Sans Pro"/>
-                <a:sym typeface="Source Sans Pro"/>
-              </a:rPr>
-              <a:t>Did a small code change produce a ripple-effect for changes elsewhere in the code? </a:t>
-            </a:r>
-            <a:endParaRPr b="0" i="0" dirty="0">
-              <a:latin typeface="Open Sans"/>
-              <a:ea typeface="Open Sans"/>
-              <a:cs typeface="Open Sans"/>
-              <a:sym typeface="Open Sans"/>
-            </a:endParaRPr>
-          </a:p>
-          <a:p>
-            <a:pPr marL="228600" lvl="0" indent="-228600" algn="l" rtl="0">
-              <a:lnSpc>
-                <a:spcPct val="90000"/>
-              </a:lnSpc>
-              <a:spcBef>
-                <a:spcPts val="1000"/>
-              </a:spcBef>
-              <a:spcAft>
-                <a:spcPts val="0"/>
-              </a:spcAft>
-              <a:buClr>
-                <a:srgbClr val="166623"/>
-              </a:buClr>
-              <a:buSzPts val="2800"/>
-              <a:buChar char="•"/>
-            </a:pPr>
-            <a:r>
-              <a:rPr lang="en-GB" b="0" i="0" dirty="0">
-                <a:latin typeface="Source Sans Pro"/>
-                <a:ea typeface="Source Sans Pro"/>
-                <a:cs typeface="Source Sans Pro"/>
-                <a:sym typeface="Source Sans Pro"/>
-              </a:rPr>
-              <a:t>Was your code hard to reuse? </a:t>
-            </a:r>
-            <a:endParaRPr b="0" i="0" dirty="0">
-              <a:latin typeface="Open Sans"/>
-              <a:ea typeface="Open Sans"/>
-              <a:cs typeface="Open Sans"/>
-              <a:sym typeface="Open Sans"/>
-            </a:endParaRPr>
-          </a:p>
-          <a:p>
-            <a:pPr marL="228600" lvl="0" indent="-228600" algn="l" rtl="0">
-              <a:lnSpc>
-                <a:spcPct val="90000"/>
-              </a:lnSpc>
-              <a:spcBef>
-                <a:spcPts val="1000"/>
-              </a:spcBef>
-              <a:spcAft>
-                <a:spcPts val="0"/>
-              </a:spcAft>
-              <a:buClr>
-                <a:srgbClr val="166623"/>
-              </a:buClr>
-              <a:buSzPts val="2800"/>
-              <a:buChar char="•"/>
-            </a:pPr>
-            <a:r>
-              <a:rPr lang="en-GB" b="0" i="0" dirty="0">
-                <a:latin typeface="Source Sans Pro"/>
-                <a:ea typeface="Source Sans Pro"/>
-                <a:cs typeface="Source Sans Pro"/>
-                <a:sym typeface="Source Sans Pro"/>
-              </a:rPr>
-              <a:t>Was the software difficult to maintain after a release? </a:t>
-            </a:r>
-            <a:endParaRPr b="0" i="0" dirty="0">
-              <a:latin typeface="Open Sans"/>
-              <a:ea typeface="Open Sans"/>
-              <a:cs typeface="Open Sans"/>
-              <a:sym typeface="Open Sans"/>
-            </a:endParaRPr>
-          </a:p>
-          <a:p>
-            <a:pPr marL="228600" lvl="0" indent="-50800" algn="l" rtl="0">
-              <a:lnSpc>
-                <a:spcPct val="90000"/>
-              </a:lnSpc>
-              <a:spcBef>
-                <a:spcPts val="1000"/>
-              </a:spcBef>
-              <a:spcAft>
-                <a:spcPts val="0"/>
-              </a:spcAft>
-              <a:buClr>
-                <a:schemeClr val="dk1"/>
-              </a:buClr>
-              <a:buSzPts val="2800"/>
-              <a:buNone/>
-            </a:pPr>
-            <a:endParaRPr dirty="0"/>
-          </a:p>
-        </p:txBody>
-      </p:sp>
-    </p:spTree>
-  </p:cSld>
-  <p:clrMapOvr>
-    <a:masterClrMapping/>
-  </p:clrMapOvr>
-</p:sld>
-</file>
-
-<file path=ppt/slides/slide6.xml><?xml version="1.0" encoding="utf-8"?>
-<p:sld xmlns:a="http://schemas.openxmlformats.org/drawingml/2006/main" xmlns:r="http://schemas.openxmlformats.org/officeDocument/2006/relationships" xmlns:p="http://schemas.openxmlformats.org/presentationml/2006/main" show="0">
-  <p:cSld>
-    <p:spTree>
-      <p:nvGrpSpPr>
-        <p:cNvPr id="1" name="Shape 94"/>
-        <p:cNvGrpSpPr/>
-        <p:nvPr/>
-      </p:nvGrpSpPr>
-      <p:grpSpPr>
-        <a:xfrm>
-          <a:off x="0" y="0"/>
-          <a:ext cx="0" cy="0"/>
-          <a:chOff x="0" y="0"/>
-          <a:chExt cx="0" cy="0"/>
-        </a:xfrm>
-      </p:grpSpPr>
-      <p:sp>
-        <p:nvSpPr>
-          <p:cNvPr id="95" name="Google Shape;95;p2"/>
-          <p:cNvSpPr txBox="1">
-            <a:spLocks noGrp="1"/>
-          </p:cNvSpPr>
-          <p:nvPr>
-            <p:ph type="title"/>
-          </p:nvPr>
-        </p:nvSpPr>
-        <p:spPr>
-          <a:xfrm>
-            <a:off x="838200" y="365125"/>
-            <a:ext cx="10515600" cy="639427"/>
-          </a:xfrm>
-          <a:prstGeom prst="rect">
-            <a:avLst/>
-          </a:prstGeom>
-          <a:noFill/>
-          <a:ln>
-            <a:noFill/>
-          </a:ln>
-        </p:spPr>
-        <p:txBody>
-          <a:bodyPr spcFirstLastPara="1" wrap="square" lIns="91425" tIns="45700" rIns="91425" bIns="45700" anchor="ctr" anchorCtr="0">
-            <a:normAutofit fontScale="90000"/>
-          </a:bodyPr>
-          <a:lstStyle/>
-          <a:p>
-            <a:pPr marL="0" lvl="0" indent="0" algn="l" rtl="0">
-              <a:lnSpc>
-                <a:spcPct val="90000"/>
-              </a:lnSpc>
-              <a:spcBef>
-                <a:spcPts val="0"/>
-              </a:spcBef>
-              <a:spcAft>
-                <a:spcPts val="0"/>
-              </a:spcAft>
-              <a:buClr>
-                <a:schemeClr val="dk1"/>
-              </a:buClr>
-              <a:buSzPct val="100000"/>
-              <a:buFont typeface="Calibri"/>
-              <a:buNone/>
-            </a:pPr>
-            <a:r>
-              <a:rPr lang="en-GB" dirty="0"/>
               <a:t>The Design Process Questions</a:t>
             </a:r>
             <a:endParaRPr dirty="0"/>
@@ -18944,7 +18006,7 @@
 </p:sld>
 </file>
 
-<file path=ppt/slides/slide7.xml><?xml version="1.0" encoding="utf-8"?>
+<file path=ppt/slides/slide6.xml><?xml version="1.0" encoding="utf-8"?>
 <p:sld xmlns:a="http://schemas.openxmlformats.org/drawingml/2006/main" xmlns:r="http://schemas.openxmlformats.org/officeDocument/2006/relationships" xmlns:p="http://schemas.openxmlformats.org/presentationml/2006/main">
   <p:cSld>
     <p:spTree>
@@ -19005,7 +18067,7 @@
                 <a:cs typeface="Calibri"/>
                 <a:sym typeface="Calibri"/>
               </a:rPr>
-              <a:t>7</a:t>
+              <a:t>6</a:t>
             </a:fld>
             <a:endParaRPr sz="1200" b="0" u="none">
               <a:solidFill>
@@ -19219,7 +18281,7 @@
 </p:sld>
 </file>
 
-<file path=ppt/slides/slide8.xml><?xml version="1.0" encoding="utf-8"?>
+<file path=ppt/slides/slide7.xml><?xml version="1.0" encoding="utf-8"?>
 <p:sld xmlns:a="http://schemas.openxmlformats.org/drawingml/2006/main" xmlns:r="http://schemas.openxmlformats.org/officeDocument/2006/relationships" xmlns:p="http://schemas.openxmlformats.org/presentationml/2006/main">
   <p:cSld>
     <p:spTree>
@@ -20159,7 +19221,7 @@
 </p:sld>
 </file>
 
-<file path=ppt/slides/slide9.xml><?xml version="1.0" encoding="utf-8"?>
+<file path=ppt/slides/slide8.xml><?xml version="1.0" encoding="utf-8"?>
 <p:sld xmlns:a="http://schemas.openxmlformats.org/drawingml/2006/main" xmlns:r="http://schemas.openxmlformats.org/officeDocument/2006/relationships" xmlns:p="http://schemas.openxmlformats.org/presentationml/2006/main">
   <p:cSld>
     <p:spTree>
@@ -20736,6 +19798,992 @@
       <p:bldP spid="5" grpId="0" animBg="1"/>
     </p:bldLst>
   </p:timing>
+</p:sld>
+</file>
+
+<file path=ppt/slides/slide9.xml><?xml version="1.0" encoding="utf-8"?>
+<p:sld xmlns:a="http://schemas.openxmlformats.org/drawingml/2006/main" xmlns:r="http://schemas.openxmlformats.org/officeDocument/2006/relationships" xmlns:p="http://schemas.openxmlformats.org/presentationml/2006/main" show="0">
+  <p:cSld>
+    <p:spTree>
+      <p:nvGrpSpPr>
+        <p:cNvPr id="1" name=""/>
+        <p:cNvGrpSpPr/>
+        <p:nvPr/>
+      </p:nvGrpSpPr>
+      <p:grpSpPr>
+        <a:xfrm>
+          <a:off x="0" y="0"/>
+          <a:ext cx="0" cy="0"/>
+          <a:chOff x="0" y="0"/>
+          <a:chExt cx="0" cy="0"/>
+        </a:xfrm>
+      </p:grpSpPr>
+      <p:sp>
+        <p:nvSpPr>
+          <p:cNvPr id="2" name="Title 1">
+            <a:extLst>
+              <a:ext uri="{FF2B5EF4-FFF2-40B4-BE49-F238E27FC236}">
+                <a16:creationId xmlns:a16="http://schemas.microsoft.com/office/drawing/2014/main" id="{4A1894D3-33A2-4B7A-5A7D-BE8BF8C4A8B9}"/>
+              </a:ext>
+            </a:extLst>
+          </p:cNvPr>
+          <p:cNvSpPr>
+            <a:spLocks noGrp="1"/>
+          </p:cNvSpPr>
+          <p:nvPr>
+            <p:ph type="title"/>
+          </p:nvPr>
+        </p:nvSpPr>
+        <p:spPr>
+          <a:xfrm>
+            <a:off x="838200" y="365126"/>
+            <a:ext cx="10515600" cy="763588"/>
+          </a:xfrm>
+        </p:spPr>
+        <p:txBody>
+          <a:bodyPr/>
+          <a:lstStyle/>
+          <a:p>
+            <a:r>
+              <a:rPr lang="en-US" dirty="0"/>
+              <a:t>Conceptual Design vs Technical Design</a:t>
+            </a:r>
+          </a:p>
+        </p:txBody>
+      </p:sp>
+      <p:graphicFrame>
+        <p:nvGraphicFramePr>
+          <p:cNvPr id="4" name="Table 3">
+            <a:extLst>
+              <a:ext uri="{FF2B5EF4-FFF2-40B4-BE49-F238E27FC236}">
+                <a16:creationId xmlns:a16="http://schemas.microsoft.com/office/drawing/2014/main" id="{18847EB7-C485-502A-03A5-AF2233818998}"/>
+              </a:ext>
+            </a:extLst>
+          </p:cNvPr>
+          <p:cNvGraphicFramePr>
+            <a:graphicFrameLocks noGrp="1"/>
+          </p:cNvGraphicFramePr>
+          <p:nvPr>
+            <p:extLst>
+              <p:ext uri="{D42A27DB-BD31-4B8C-83A1-F6EECF244321}">
+                <p14:modId xmlns:p14="http://schemas.microsoft.com/office/powerpoint/2010/main" val="2628271176"/>
+              </p:ext>
+            </p:extLst>
+          </p:nvPr>
+        </p:nvGraphicFramePr>
+        <p:xfrm>
+          <a:off x="838200" y="1563686"/>
+          <a:ext cx="10215562" cy="4773640"/>
+        </p:xfrm>
+        <a:graphic>
+          <a:graphicData uri="http://schemas.openxmlformats.org/drawingml/2006/table">
+            <a:tbl>
+              <a:tblPr/>
+              <a:tblGrid>
+                <a:gridCol w="5107781">
+                  <a:extLst>
+                    <a:ext uri="{9D8B030D-6E8A-4147-A177-3AD203B41FA5}">
+                      <a16:colId xmlns:a16="http://schemas.microsoft.com/office/drawing/2014/main" val="1061370426"/>
+                    </a:ext>
+                  </a:extLst>
+                </a:gridCol>
+                <a:gridCol w="5107781">
+                  <a:extLst>
+                    <a:ext uri="{9D8B030D-6E8A-4147-A177-3AD203B41FA5}">
+                      <a16:colId xmlns:a16="http://schemas.microsoft.com/office/drawing/2014/main" val="3355039544"/>
+                    </a:ext>
+                  </a:extLst>
+                </a:gridCol>
+              </a:tblGrid>
+              <a:tr h="355211">
+                <a:tc>
+                  <a:txBody>
+                    <a:bodyPr/>
+                    <a:lstStyle/>
+                    <a:p>
+                      <a:pPr fontAlgn="b"/>
+                      <a:r>
+                        <a:rPr lang="en-GB" sz="2000" b="1" dirty="0">
+                          <a:solidFill>
+                            <a:schemeClr val="tx1"/>
+                          </a:solidFill>
+                          <a:effectLst/>
+                        </a:rPr>
+                        <a:t>Conceptual Design</a:t>
+                      </a:r>
+                    </a:p>
+                  </a:txBody>
+                  <a:tcPr marL="88803" marR="88803" marT="44401" marB="44401" anchor="b">
+                    <a:lnL w="9525" cap="flat" cmpd="sng" algn="ctr">
+                      <a:solidFill>
+                        <a:srgbClr val="E3E3E3"/>
+                      </a:solidFill>
+                      <a:prstDash val="solid"/>
+                      <a:round/>
+                      <a:headEnd type="none" w="med" len="med"/>
+                      <a:tailEnd type="none" w="med" len="med"/>
+                    </a:lnL>
+                    <a:lnR w="9525" cap="flat" cmpd="sng" algn="ctr">
+                      <a:solidFill>
+                        <a:srgbClr val="E3E3E3"/>
+                      </a:solidFill>
+                      <a:prstDash val="solid"/>
+                      <a:round/>
+                      <a:headEnd type="none" w="med" len="med"/>
+                      <a:tailEnd type="none" w="med" len="med"/>
+                    </a:lnR>
+                    <a:lnT w="9525" cap="flat" cmpd="sng" algn="ctr">
+                      <a:solidFill>
+                        <a:srgbClr val="E3E3E3"/>
+                      </a:solidFill>
+                      <a:prstDash val="solid"/>
+                      <a:round/>
+                      <a:headEnd type="none" w="med" len="med"/>
+                      <a:tailEnd type="none" w="med" len="med"/>
+                    </a:lnT>
+                    <a:lnB w="12700" cap="flat" cmpd="sng" algn="ctr">
+                      <a:solidFill>
+                        <a:srgbClr val="E3E3E3"/>
+                      </a:solidFill>
+                      <a:prstDash val="solid"/>
+                      <a:round/>
+                      <a:headEnd type="none" w="med" len="med"/>
+                      <a:tailEnd type="none" w="med" len="med"/>
+                    </a:lnB>
+                    <a:solidFill>
+                      <a:srgbClr val="FFFFFF"/>
+                    </a:solidFill>
+                  </a:tcPr>
+                </a:tc>
+                <a:tc>
+                  <a:txBody>
+                    <a:bodyPr/>
+                    <a:lstStyle/>
+                    <a:p>
+                      <a:pPr fontAlgn="b"/>
+                      <a:r>
+                        <a:rPr lang="en-GB" sz="2000" b="1">
+                          <a:solidFill>
+                            <a:schemeClr val="tx1"/>
+                          </a:solidFill>
+                          <a:effectLst/>
+                        </a:rPr>
+                        <a:t>Technical Design</a:t>
+                      </a:r>
+                    </a:p>
+                  </a:txBody>
+                  <a:tcPr marL="88803" marR="88803" marT="44401" marB="44401" anchor="b">
+                    <a:lnL w="9525" cap="flat" cmpd="sng" algn="ctr">
+                      <a:solidFill>
+                        <a:srgbClr val="E3E3E3"/>
+                      </a:solidFill>
+                      <a:prstDash val="solid"/>
+                      <a:round/>
+                      <a:headEnd type="none" w="med" len="med"/>
+                      <a:tailEnd type="none" w="med" len="med"/>
+                    </a:lnL>
+                    <a:lnR w="9525" cap="flat" cmpd="sng" algn="ctr">
+                      <a:solidFill>
+                        <a:srgbClr val="E3E3E3"/>
+                      </a:solidFill>
+                      <a:prstDash val="solid"/>
+                      <a:round/>
+                      <a:headEnd type="none" w="med" len="med"/>
+                      <a:tailEnd type="none" w="med" len="med"/>
+                    </a:lnR>
+                    <a:lnT w="9525" cap="flat" cmpd="sng" algn="ctr">
+                      <a:solidFill>
+                        <a:srgbClr val="E3E3E3"/>
+                      </a:solidFill>
+                      <a:prstDash val="solid"/>
+                      <a:round/>
+                      <a:headEnd type="none" w="med" len="med"/>
+                      <a:tailEnd type="none" w="med" len="med"/>
+                    </a:lnT>
+                    <a:lnB w="12700" cap="flat" cmpd="sng" algn="ctr">
+                      <a:solidFill>
+                        <a:srgbClr val="E3E3E3"/>
+                      </a:solidFill>
+                      <a:prstDash val="solid"/>
+                      <a:round/>
+                      <a:headEnd type="none" w="med" len="med"/>
+                      <a:tailEnd type="none" w="med" len="med"/>
+                    </a:lnB>
+                    <a:solidFill>
+                      <a:srgbClr val="FFFFFF"/>
+                    </a:solidFill>
+                  </a:tcPr>
+                </a:tc>
+                <a:extLst>
+                  <a:ext uri="{0D108BD9-81ED-4DB2-BD59-A6C34878D82A}">
+                    <a16:rowId xmlns:a16="http://schemas.microsoft.com/office/drawing/2014/main" val="545554010"/>
+                  </a:ext>
+                </a:extLst>
+              </a:tr>
+              <a:tr h="888028">
+                <a:tc>
+                  <a:txBody>
+                    <a:bodyPr/>
+                    <a:lstStyle/>
+                    <a:p>
+                      <a:pPr fontAlgn="base"/>
+                      <a:r>
+                        <a:rPr lang="en-GB" sz="2000" dirty="0">
+                          <a:solidFill>
+                            <a:schemeClr val="tx1"/>
+                          </a:solidFill>
+                          <a:effectLst/>
+                        </a:rPr>
+                        <a:t>Focuses on high-level ideas, goals, and requirements</a:t>
+                      </a:r>
+                    </a:p>
+                  </a:txBody>
+                  <a:tcPr marL="88803" marR="88803" marT="44401" marB="44401" anchor="ctr">
+                    <a:lnL w="9525" cap="flat" cmpd="sng" algn="ctr">
+                      <a:solidFill>
+                        <a:srgbClr val="E3E3E3"/>
+                      </a:solidFill>
+                      <a:prstDash val="solid"/>
+                      <a:round/>
+                      <a:headEnd type="none" w="med" len="med"/>
+                      <a:tailEnd type="none" w="med" len="med"/>
+                    </a:lnL>
+                    <a:lnR w="9525" cap="flat" cmpd="sng" algn="ctr">
+                      <a:solidFill>
+                        <a:srgbClr val="E3E3E3"/>
+                      </a:solidFill>
+                      <a:prstDash val="solid"/>
+                      <a:round/>
+                      <a:headEnd type="none" w="med" len="med"/>
+                      <a:tailEnd type="none" w="med" len="med"/>
+                    </a:lnR>
+                    <a:lnT w="12700" cap="flat" cmpd="sng" algn="ctr">
+                      <a:solidFill>
+                        <a:srgbClr val="E3E3E3"/>
+                      </a:solidFill>
+                      <a:prstDash val="solid"/>
+                      <a:round/>
+                      <a:headEnd type="none" w="med" len="med"/>
+                      <a:tailEnd type="none" w="med" len="med"/>
+                    </a:lnT>
+                    <a:lnB w="12700" cap="flat" cmpd="sng" algn="ctr">
+                      <a:solidFill>
+                        <a:srgbClr val="E3E3E3"/>
+                      </a:solidFill>
+                      <a:prstDash val="solid"/>
+                      <a:round/>
+                      <a:headEnd type="none" w="med" len="med"/>
+                      <a:tailEnd type="none" w="med" len="med"/>
+                    </a:lnB>
+                    <a:solidFill>
+                      <a:srgbClr val="FFFFFF"/>
+                    </a:solidFill>
+                  </a:tcPr>
+                </a:tc>
+                <a:tc>
+                  <a:txBody>
+                    <a:bodyPr/>
+                    <a:lstStyle/>
+                    <a:p>
+                      <a:pPr fontAlgn="base"/>
+                      <a:r>
+                        <a:rPr lang="en-GB" sz="2000">
+                          <a:solidFill>
+                            <a:schemeClr val="tx1"/>
+                          </a:solidFill>
+                          <a:effectLst/>
+                        </a:rPr>
+                        <a:t>Focuses on detailed specifications and implementation details</a:t>
+                      </a:r>
+                    </a:p>
+                  </a:txBody>
+                  <a:tcPr marL="88803" marR="88803" marT="44401" marB="44401" anchor="ctr">
+                    <a:lnL w="9525" cap="flat" cmpd="sng" algn="ctr">
+                      <a:solidFill>
+                        <a:srgbClr val="E3E3E3"/>
+                      </a:solidFill>
+                      <a:prstDash val="solid"/>
+                      <a:round/>
+                      <a:headEnd type="none" w="med" len="med"/>
+                      <a:tailEnd type="none" w="med" len="med"/>
+                    </a:lnL>
+                    <a:lnR w="9525" cap="flat" cmpd="sng" algn="ctr">
+                      <a:solidFill>
+                        <a:srgbClr val="E3E3E3"/>
+                      </a:solidFill>
+                      <a:prstDash val="solid"/>
+                      <a:round/>
+                      <a:headEnd type="none" w="med" len="med"/>
+                      <a:tailEnd type="none" w="med" len="med"/>
+                    </a:lnR>
+                    <a:lnT w="12700" cap="flat" cmpd="sng" algn="ctr">
+                      <a:solidFill>
+                        <a:srgbClr val="E3E3E3"/>
+                      </a:solidFill>
+                      <a:prstDash val="solid"/>
+                      <a:round/>
+                      <a:headEnd type="none" w="med" len="med"/>
+                      <a:tailEnd type="none" w="med" len="med"/>
+                    </a:lnT>
+                    <a:lnB w="12700" cap="flat" cmpd="sng" algn="ctr">
+                      <a:solidFill>
+                        <a:srgbClr val="E3E3E3"/>
+                      </a:solidFill>
+                      <a:prstDash val="solid"/>
+                      <a:round/>
+                      <a:headEnd type="none" w="med" len="med"/>
+                      <a:tailEnd type="none" w="med" len="med"/>
+                    </a:lnB>
+                    <a:solidFill>
+                      <a:srgbClr val="FFFFFF"/>
+                    </a:solidFill>
+                  </a:tcPr>
+                </a:tc>
+                <a:extLst>
+                  <a:ext uri="{0D108BD9-81ED-4DB2-BD59-A6C34878D82A}">
+                    <a16:rowId xmlns:a16="http://schemas.microsoft.com/office/drawing/2014/main" val="3821555425"/>
+                  </a:ext>
+                </a:extLst>
+              </a:tr>
+              <a:tr h="621620">
+                <a:tc>
+                  <a:txBody>
+                    <a:bodyPr/>
+                    <a:lstStyle/>
+                    <a:p>
+                      <a:pPr fontAlgn="base"/>
+                      <a:r>
+                        <a:rPr lang="en-GB" sz="2000" dirty="0">
+                          <a:solidFill>
+                            <a:schemeClr val="tx1"/>
+                          </a:solidFill>
+                          <a:effectLst/>
+                        </a:rPr>
+                        <a:t>Captures the essence and purpose of the system</a:t>
+                      </a:r>
+                    </a:p>
+                  </a:txBody>
+                  <a:tcPr marL="88803" marR="88803" marT="44401" marB="44401" anchor="ctr">
+                    <a:lnL w="9525" cap="flat" cmpd="sng" algn="ctr">
+                      <a:solidFill>
+                        <a:srgbClr val="E3E3E3"/>
+                      </a:solidFill>
+                      <a:prstDash val="solid"/>
+                      <a:round/>
+                      <a:headEnd type="none" w="med" len="med"/>
+                      <a:tailEnd type="none" w="med" len="med"/>
+                    </a:lnL>
+                    <a:lnR w="9525" cap="flat" cmpd="sng" algn="ctr">
+                      <a:solidFill>
+                        <a:srgbClr val="E3E3E3"/>
+                      </a:solidFill>
+                      <a:prstDash val="solid"/>
+                      <a:round/>
+                      <a:headEnd type="none" w="med" len="med"/>
+                      <a:tailEnd type="none" w="med" len="med"/>
+                    </a:lnR>
+                    <a:lnT w="12700" cap="flat" cmpd="sng" algn="ctr">
+                      <a:solidFill>
+                        <a:srgbClr val="E3E3E3"/>
+                      </a:solidFill>
+                      <a:prstDash val="solid"/>
+                      <a:round/>
+                      <a:headEnd type="none" w="med" len="med"/>
+                      <a:tailEnd type="none" w="med" len="med"/>
+                    </a:lnT>
+                    <a:lnB w="12700" cap="flat" cmpd="sng" algn="ctr">
+                      <a:solidFill>
+                        <a:srgbClr val="E3E3E3"/>
+                      </a:solidFill>
+                      <a:prstDash val="solid"/>
+                      <a:round/>
+                      <a:headEnd type="none" w="med" len="med"/>
+                      <a:tailEnd type="none" w="med" len="med"/>
+                    </a:lnB>
+                    <a:solidFill>
+                      <a:srgbClr val="FFFFFF"/>
+                    </a:solidFill>
+                  </a:tcPr>
+                </a:tc>
+                <a:tc>
+                  <a:txBody>
+                    <a:bodyPr/>
+                    <a:lstStyle/>
+                    <a:p>
+                      <a:pPr fontAlgn="base"/>
+                      <a:r>
+                        <a:rPr lang="en-GB" sz="2000">
+                          <a:solidFill>
+                            <a:schemeClr val="tx1"/>
+                          </a:solidFill>
+                          <a:effectLst/>
+                        </a:rPr>
+                        <a:t>Specifies how the system will be built and function</a:t>
+                      </a:r>
+                    </a:p>
+                  </a:txBody>
+                  <a:tcPr marL="88803" marR="88803" marT="44401" marB="44401" anchor="ctr">
+                    <a:lnL w="9525" cap="flat" cmpd="sng" algn="ctr">
+                      <a:solidFill>
+                        <a:srgbClr val="E3E3E3"/>
+                      </a:solidFill>
+                      <a:prstDash val="solid"/>
+                      <a:round/>
+                      <a:headEnd type="none" w="med" len="med"/>
+                      <a:tailEnd type="none" w="med" len="med"/>
+                    </a:lnL>
+                    <a:lnR w="9525" cap="flat" cmpd="sng" algn="ctr">
+                      <a:solidFill>
+                        <a:srgbClr val="E3E3E3"/>
+                      </a:solidFill>
+                      <a:prstDash val="solid"/>
+                      <a:round/>
+                      <a:headEnd type="none" w="med" len="med"/>
+                      <a:tailEnd type="none" w="med" len="med"/>
+                    </a:lnR>
+                    <a:lnT w="12700" cap="flat" cmpd="sng" algn="ctr">
+                      <a:solidFill>
+                        <a:srgbClr val="E3E3E3"/>
+                      </a:solidFill>
+                      <a:prstDash val="solid"/>
+                      <a:round/>
+                      <a:headEnd type="none" w="med" len="med"/>
+                      <a:tailEnd type="none" w="med" len="med"/>
+                    </a:lnT>
+                    <a:lnB w="12700" cap="flat" cmpd="sng" algn="ctr">
+                      <a:solidFill>
+                        <a:srgbClr val="E3E3E3"/>
+                      </a:solidFill>
+                      <a:prstDash val="solid"/>
+                      <a:round/>
+                      <a:headEnd type="none" w="med" len="med"/>
+                      <a:tailEnd type="none" w="med" len="med"/>
+                    </a:lnB>
+                    <a:solidFill>
+                      <a:srgbClr val="FFFFFF"/>
+                    </a:solidFill>
+                  </a:tcPr>
+                </a:tc>
+                <a:extLst>
+                  <a:ext uri="{0D108BD9-81ED-4DB2-BD59-A6C34878D82A}">
+                    <a16:rowId xmlns:a16="http://schemas.microsoft.com/office/drawing/2014/main" val="798187894"/>
+                  </a:ext>
+                </a:extLst>
+              </a:tr>
+              <a:tr h="621620">
+                <a:tc>
+                  <a:txBody>
+                    <a:bodyPr/>
+                    <a:lstStyle/>
+                    <a:p>
+                      <a:pPr fontAlgn="base"/>
+                      <a:r>
+                        <a:rPr lang="en-GB" sz="2000" dirty="0">
+                          <a:solidFill>
+                            <a:schemeClr val="tx1"/>
+                          </a:solidFill>
+                          <a:effectLst/>
+                        </a:rPr>
+                        <a:t>Emphasizes the "what" of the system</a:t>
+                      </a:r>
+                    </a:p>
+                  </a:txBody>
+                  <a:tcPr marL="88803" marR="88803" marT="44401" marB="44401" anchor="ctr">
+                    <a:lnL w="9525" cap="flat" cmpd="sng" algn="ctr">
+                      <a:solidFill>
+                        <a:srgbClr val="E3E3E3"/>
+                      </a:solidFill>
+                      <a:prstDash val="solid"/>
+                      <a:round/>
+                      <a:headEnd type="none" w="med" len="med"/>
+                      <a:tailEnd type="none" w="med" len="med"/>
+                    </a:lnL>
+                    <a:lnR w="9525" cap="flat" cmpd="sng" algn="ctr">
+                      <a:solidFill>
+                        <a:srgbClr val="E3E3E3"/>
+                      </a:solidFill>
+                      <a:prstDash val="solid"/>
+                      <a:round/>
+                      <a:headEnd type="none" w="med" len="med"/>
+                      <a:tailEnd type="none" w="med" len="med"/>
+                    </a:lnR>
+                    <a:lnT w="12700" cap="flat" cmpd="sng" algn="ctr">
+                      <a:solidFill>
+                        <a:srgbClr val="E3E3E3"/>
+                      </a:solidFill>
+                      <a:prstDash val="solid"/>
+                      <a:round/>
+                      <a:headEnd type="none" w="med" len="med"/>
+                      <a:tailEnd type="none" w="med" len="med"/>
+                    </a:lnT>
+                    <a:lnB w="12700" cap="flat" cmpd="sng" algn="ctr">
+                      <a:solidFill>
+                        <a:srgbClr val="E3E3E3"/>
+                      </a:solidFill>
+                      <a:prstDash val="solid"/>
+                      <a:round/>
+                      <a:headEnd type="none" w="med" len="med"/>
+                      <a:tailEnd type="none" w="med" len="med"/>
+                    </a:lnB>
+                    <a:solidFill>
+                      <a:srgbClr val="FFFFFF"/>
+                    </a:solidFill>
+                  </a:tcPr>
+                </a:tc>
+                <a:tc>
+                  <a:txBody>
+                    <a:bodyPr/>
+                    <a:lstStyle/>
+                    <a:p>
+                      <a:pPr fontAlgn="base"/>
+                      <a:r>
+                        <a:rPr lang="en-GB" sz="2000">
+                          <a:solidFill>
+                            <a:schemeClr val="tx1"/>
+                          </a:solidFill>
+                          <a:effectLst/>
+                        </a:rPr>
+                        <a:t>Emphasizes the "how" of implementing the system</a:t>
+                      </a:r>
+                    </a:p>
+                  </a:txBody>
+                  <a:tcPr marL="88803" marR="88803" marT="44401" marB="44401" anchor="ctr">
+                    <a:lnL w="9525" cap="flat" cmpd="sng" algn="ctr">
+                      <a:solidFill>
+                        <a:srgbClr val="E3E3E3"/>
+                      </a:solidFill>
+                      <a:prstDash val="solid"/>
+                      <a:round/>
+                      <a:headEnd type="none" w="med" len="med"/>
+                      <a:tailEnd type="none" w="med" len="med"/>
+                    </a:lnL>
+                    <a:lnR w="9525" cap="flat" cmpd="sng" algn="ctr">
+                      <a:solidFill>
+                        <a:srgbClr val="E3E3E3"/>
+                      </a:solidFill>
+                      <a:prstDash val="solid"/>
+                      <a:round/>
+                      <a:headEnd type="none" w="med" len="med"/>
+                      <a:tailEnd type="none" w="med" len="med"/>
+                    </a:lnR>
+                    <a:lnT w="12700" cap="flat" cmpd="sng" algn="ctr">
+                      <a:solidFill>
+                        <a:srgbClr val="E3E3E3"/>
+                      </a:solidFill>
+                      <a:prstDash val="solid"/>
+                      <a:round/>
+                      <a:headEnd type="none" w="med" len="med"/>
+                      <a:tailEnd type="none" w="med" len="med"/>
+                    </a:lnT>
+                    <a:lnB w="12700" cap="flat" cmpd="sng" algn="ctr">
+                      <a:solidFill>
+                        <a:srgbClr val="E3E3E3"/>
+                      </a:solidFill>
+                      <a:prstDash val="solid"/>
+                      <a:round/>
+                      <a:headEnd type="none" w="med" len="med"/>
+                      <a:tailEnd type="none" w="med" len="med"/>
+                    </a:lnB>
+                    <a:solidFill>
+                      <a:srgbClr val="FFFFFF"/>
+                    </a:solidFill>
+                  </a:tcPr>
+                </a:tc>
+                <a:extLst>
+                  <a:ext uri="{0D108BD9-81ED-4DB2-BD59-A6C34878D82A}">
+                    <a16:rowId xmlns:a16="http://schemas.microsoft.com/office/drawing/2014/main" val="2484308898"/>
+                  </a:ext>
+                </a:extLst>
+              </a:tr>
+              <a:tr h="621620">
+                <a:tc>
+                  <a:txBody>
+                    <a:bodyPr/>
+                    <a:lstStyle/>
+                    <a:p>
+                      <a:pPr fontAlgn="base"/>
+                      <a:r>
+                        <a:rPr lang="en-GB" sz="2000" dirty="0">
+                          <a:solidFill>
+                            <a:schemeClr val="tx1"/>
+                          </a:solidFill>
+                          <a:effectLst/>
+                        </a:rPr>
+                        <a:t>Typically expressed through diagrams and narratives</a:t>
+                      </a:r>
+                    </a:p>
+                  </a:txBody>
+                  <a:tcPr marL="88803" marR="88803" marT="44401" marB="44401" anchor="ctr">
+                    <a:lnL w="9525" cap="flat" cmpd="sng" algn="ctr">
+                      <a:solidFill>
+                        <a:srgbClr val="E3E3E3"/>
+                      </a:solidFill>
+                      <a:prstDash val="solid"/>
+                      <a:round/>
+                      <a:headEnd type="none" w="med" len="med"/>
+                      <a:tailEnd type="none" w="med" len="med"/>
+                    </a:lnL>
+                    <a:lnR w="9525" cap="flat" cmpd="sng" algn="ctr">
+                      <a:solidFill>
+                        <a:srgbClr val="E3E3E3"/>
+                      </a:solidFill>
+                      <a:prstDash val="solid"/>
+                      <a:round/>
+                      <a:headEnd type="none" w="med" len="med"/>
+                      <a:tailEnd type="none" w="med" len="med"/>
+                    </a:lnR>
+                    <a:lnT w="12700" cap="flat" cmpd="sng" algn="ctr">
+                      <a:solidFill>
+                        <a:srgbClr val="E3E3E3"/>
+                      </a:solidFill>
+                      <a:prstDash val="solid"/>
+                      <a:round/>
+                      <a:headEnd type="none" w="med" len="med"/>
+                      <a:tailEnd type="none" w="med" len="med"/>
+                    </a:lnT>
+                    <a:lnB w="12700" cap="flat" cmpd="sng" algn="ctr">
+                      <a:solidFill>
+                        <a:srgbClr val="E3E3E3"/>
+                      </a:solidFill>
+                      <a:prstDash val="solid"/>
+                      <a:round/>
+                      <a:headEnd type="none" w="med" len="med"/>
+                      <a:tailEnd type="none" w="med" len="med"/>
+                    </a:lnB>
+                    <a:solidFill>
+                      <a:srgbClr val="FFFFFF"/>
+                    </a:solidFill>
+                  </a:tcPr>
+                </a:tc>
+                <a:tc>
+                  <a:txBody>
+                    <a:bodyPr/>
+                    <a:lstStyle/>
+                    <a:p>
+                      <a:pPr fontAlgn="base"/>
+                      <a:r>
+                        <a:rPr lang="en-GB" sz="2000">
+                          <a:solidFill>
+                            <a:schemeClr val="tx1"/>
+                          </a:solidFill>
+                          <a:effectLst/>
+                        </a:rPr>
+                        <a:t>Typically expressed through diagrams and documentation</a:t>
+                      </a:r>
+                    </a:p>
+                  </a:txBody>
+                  <a:tcPr marL="88803" marR="88803" marT="44401" marB="44401" anchor="ctr">
+                    <a:lnL w="9525" cap="flat" cmpd="sng" algn="ctr">
+                      <a:solidFill>
+                        <a:srgbClr val="E3E3E3"/>
+                      </a:solidFill>
+                      <a:prstDash val="solid"/>
+                      <a:round/>
+                      <a:headEnd type="none" w="med" len="med"/>
+                      <a:tailEnd type="none" w="med" len="med"/>
+                    </a:lnL>
+                    <a:lnR w="9525" cap="flat" cmpd="sng" algn="ctr">
+                      <a:solidFill>
+                        <a:srgbClr val="E3E3E3"/>
+                      </a:solidFill>
+                      <a:prstDash val="solid"/>
+                      <a:round/>
+                      <a:headEnd type="none" w="med" len="med"/>
+                      <a:tailEnd type="none" w="med" len="med"/>
+                    </a:lnR>
+                    <a:lnT w="12700" cap="flat" cmpd="sng" algn="ctr">
+                      <a:solidFill>
+                        <a:srgbClr val="E3E3E3"/>
+                      </a:solidFill>
+                      <a:prstDash val="solid"/>
+                      <a:round/>
+                      <a:headEnd type="none" w="med" len="med"/>
+                      <a:tailEnd type="none" w="med" len="med"/>
+                    </a:lnT>
+                    <a:lnB w="12700" cap="flat" cmpd="sng" algn="ctr">
+                      <a:solidFill>
+                        <a:srgbClr val="E3E3E3"/>
+                      </a:solidFill>
+                      <a:prstDash val="solid"/>
+                      <a:round/>
+                      <a:headEnd type="none" w="med" len="med"/>
+                      <a:tailEnd type="none" w="med" len="med"/>
+                    </a:lnB>
+                    <a:solidFill>
+                      <a:srgbClr val="FFFFFF"/>
+                    </a:solidFill>
+                  </a:tcPr>
+                </a:tc>
+                <a:extLst>
+                  <a:ext uri="{0D108BD9-81ED-4DB2-BD59-A6C34878D82A}">
+                    <a16:rowId xmlns:a16="http://schemas.microsoft.com/office/drawing/2014/main" val="1736528481"/>
+                  </a:ext>
+                </a:extLst>
+              </a:tr>
+              <a:tr h="621620">
+                <a:tc>
+                  <a:txBody>
+                    <a:bodyPr/>
+                    <a:lstStyle/>
+                    <a:p>
+                      <a:pPr fontAlgn="base"/>
+                      <a:r>
+                        <a:rPr lang="en-GB" sz="2000" dirty="0">
+                          <a:solidFill>
+                            <a:schemeClr val="tx1"/>
+                          </a:solidFill>
+                          <a:effectLst/>
+                        </a:rPr>
+                        <a:t>Helps stakeholders understand the scope and vision</a:t>
+                      </a:r>
+                    </a:p>
+                  </a:txBody>
+                  <a:tcPr marL="88803" marR="88803" marT="44401" marB="44401" anchor="ctr">
+                    <a:lnL w="9525" cap="flat" cmpd="sng" algn="ctr">
+                      <a:solidFill>
+                        <a:srgbClr val="E3E3E3"/>
+                      </a:solidFill>
+                      <a:prstDash val="solid"/>
+                      <a:round/>
+                      <a:headEnd type="none" w="med" len="med"/>
+                      <a:tailEnd type="none" w="med" len="med"/>
+                    </a:lnL>
+                    <a:lnR w="9525" cap="flat" cmpd="sng" algn="ctr">
+                      <a:solidFill>
+                        <a:srgbClr val="E3E3E3"/>
+                      </a:solidFill>
+                      <a:prstDash val="solid"/>
+                      <a:round/>
+                      <a:headEnd type="none" w="med" len="med"/>
+                      <a:tailEnd type="none" w="med" len="med"/>
+                    </a:lnR>
+                    <a:lnT w="12700" cap="flat" cmpd="sng" algn="ctr">
+                      <a:solidFill>
+                        <a:srgbClr val="E3E3E3"/>
+                      </a:solidFill>
+                      <a:prstDash val="solid"/>
+                      <a:round/>
+                      <a:headEnd type="none" w="med" len="med"/>
+                      <a:tailEnd type="none" w="med" len="med"/>
+                    </a:lnT>
+                    <a:lnB w="12700" cap="flat" cmpd="sng" algn="ctr">
+                      <a:solidFill>
+                        <a:srgbClr val="E3E3E3"/>
+                      </a:solidFill>
+                      <a:prstDash val="solid"/>
+                      <a:round/>
+                      <a:headEnd type="none" w="med" len="med"/>
+                      <a:tailEnd type="none" w="med" len="med"/>
+                    </a:lnB>
+                    <a:solidFill>
+                      <a:srgbClr val="FFFFFF"/>
+                    </a:solidFill>
+                  </a:tcPr>
+                </a:tc>
+                <a:tc>
+                  <a:txBody>
+                    <a:bodyPr/>
+                    <a:lstStyle/>
+                    <a:p>
+                      <a:pPr fontAlgn="base"/>
+                      <a:r>
+                        <a:rPr lang="en-GB" sz="2000">
+                          <a:solidFill>
+                            <a:schemeClr val="tx1"/>
+                          </a:solidFill>
+                          <a:effectLst/>
+                        </a:rPr>
+                        <a:t>Guides developers in building the system components</a:t>
+                      </a:r>
+                    </a:p>
+                  </a:txBody>
+                  <a:tcPr marL="88803" marR="88803" marT="44401" marB="44401" anchor="ctr">
+                    <a:lnL w="9525" cap="flat" cmpd="sng" algn="ctr">
+                      <a:solidFill>
+                        <a:srgbClr val="E3E3E3"/>
+                      </a:solidFill>
+                      <a:prstDash val="solid"/>
+                      <a:round/>
+                      <a:headEnd type="none" w="med" len="med"/>
+                      <a:tailEnd type="none" w="med" len="med"/>
+                    </a:lnL>
+                    <a:lnR w="9525" cap="flat" cmpd="sng" algn="ctr">
+                      <a:solidFill>
+                        <a:srgbClr val="E3E3E3"/>
+                      </a:solidFill>
+                      <a:prstDash val="solid"/>
+                      <a:round/>
+                      <a:headEnd type="none" w="med" len="med"/>
+                      <a:tailEnd type="none" w="med" len="med"/>
+                    </a:lnR>
+                    <a:lnT w="12700" cap="flat" cmpd="sng" algn="ctr">
+                      <a:solidFill>
+                        <a:srgbClr val="E3E3E3"/>
+                      </a:solidFill>
+                      <a:prstDash val="solid"/>
+                      <a:round/>
+                      <a:headEnd type="none" w="med" len="med"/>
+                      <a:tailEnd type="none" w="med" len="med"/>
+                    </a:lnT>
+                    <a:lnB w="12700" cap="flat" cmpd="sng" algn="ctr">
+                      <a:solidFill>
+                        <a:srgbClr val="E3E3E3"/>
+                      </a:solidFill>
+                      <a:prstDash val="solid"/>
+                      <a:round/>
+                      <a:headEnd type="none" w="med" len="med"/>
+                      <a:tailEnd type="none" w="med" len="med"/>
+                    </a:lnB>
+                    <a:solidFill>
+                      <a:srgbClr val="FFFFFF"/>
+                    </a:solidFill>
+                  </a:tcPr>
+                </a:tc>
+                <a:extLst>
+                  <a:ext uri="{0D108BD9-81ED-4DB2-BD59-A6C34878D82A}">
+                    <a16:rowId xmlns:a16="http://schemas.microsoft.com/office/drawing/2014/main" val="700628358"/>
+                  </a:ext>
+                </a:extLst>
+              </a:tr>
+              <a:tr h="621620">
+                <a:tc>
+                  <a:txBody>
+                    <a:bodyPr/>
+                    <a:lstStyle/>
+                    <a:p>
+                      <a:pPr fontAlgn="base"/>
+                      <a:r>
+                        <a:rPr lang="en-GB" sz="2000">
+                          <a:solidFill>
+                            <a:schemeClr val="tx1"/>
+                          </a:solidFill>
+                          <a:effectLst/>
+                        </a:rPr>
+                        <a:t>May involve brainstorming sessions and user interviews</a:t>
+                      </a:r>
+                    </a:p>
+                  </a:txBody>
+                  <a:tcPr marL="88803" marR="88803" marT="44401" marB="44401" anchor="ctr">
+                    <a:lnL w="9525" cap="flat" cmpd="sng" algn="ctr">
+                      <a:solidFill>
+                        <a:srgbClr val="E3E3E3"/>
+                      </a:solidFill>
+                      <a:prstDash val="solid"/>
+                      <a:round/>
+                      <a:headEnd type="none" w="med" len="med"/>
+                      <a:tailEnd type="none" w="med" len="med"/>
+                    </a:lnL>
+                    <a:lnR w="9525" cap="flat" cmpd="sng" algn="ctr">
+                      <a:solidFill>
+                        <a:srgbClr val="E3E3E3"/>
+                      </a:solidFill>
+                      <a:prstDash val="solid"/>
+                      <a:round/>
+                      <a:headEnd type="none" w="med" len="med"/>
+                      <a:tailEnd type="none" w="med" len="med"/>
+                    </a:lnR>
+                    <a:lnT w="12700" cap="flat" cmpd="sng" algn="ctr">
+                      <a:solidFill>
+                        <a:srgbClr val="E3E3E3"/>
+                      </a:solidFill>
+                      <a:prstDash val="solid"/>
+                      <a:round/>
+                      <a:headEnd type="none" w="med" len="med"/>
+                      <a:tailEnd type="none" w="med" len="med"/>
+                    </a:lnT>
+                    <a:lnB w="9525" cap="flat" cmpd="sng" algn="ctr">
+                      <a:solidFill>
+                        <a:srgbClr val="E3E3E3"/>
+                      </a:solidFill>
+                      <a:prstDash val="solid"/>
+                      <a:round/>
+                      <a:headEnd type="none" w="med" len="med"/>
+                      <a:tailEnd type="none" w="med" len="med"/>
+                    </a:lnB>
+                    <a:solidFill>
+                      <a:srgbClr val="FFFFFF"/>
+                    </a:solidFill>
+                  </a:tcPr>
+                </a:tc>
+                <a:tc>
+                  <a:txBody>
+                    <a:bodyPr/>
+                    <a:lstStyle/>
+                    <a:p>
+                      <a:pPr fontAlgn="base"/>
+                      <a:r>
+                        <a:rPr lang="en-GB" sz="2000" dirty="0">
+                          <a:solidFill>
+                            <a:schemeClr val="tx1"/>
+                          </a:solidFill>
+                          <a:effectLst/>
+                        </a:rPr>
+                        <a:t>Involves architectural decisions and technical trade-offs</a:t>
+                      </a:r>
+                    </a:p>
+                  </a:txBody>
+                  <a:tcPr marL="88803" marR="88803" marT="44401" marB="44401" anchor="ctr">
+                    <a:lnL w="9525" cap="flat" cmpd="sng" algn="ctr">
+                      <a:solidFill>
+                        <a:srgbClr val="E3E3E3"/>
+                      </a:solidFill>
+                      <a:prstDash val="solid"/>
+                      <a:round/>
+                      <a:headEnd type="none" w="med" len="med"/>
+                      <a:tailEnd type="none" w="med" len="med"/>
+                    </a:lnL>
+                    <a:lnR w="9525" cap="flat" cmpd="sng" algn="ctr">
+                      <a:solidFill>
+                        <a:srgbClr val="E3E3E3"/>
+                      </a:solidFill>
+                      <a:prstDash val="solid"/>
+                      <a:round/>
+                      <a:headEnd type="none" w="med" len="med"/>
+                      <a:tailEnd type="none" w="med" len="med"/>
+                    </a:lnR>
+                    <a:lnT w="12700" cap="flat" cmpd="sng" algn="ctr">
+                      <a:solidFill>
+                        <a:srgbClr val="E3E3E3"/>
+                      </a:solidFill>
+                      <a:prstDash val="solid"/>
+                      <a:round/>
+                      <a:headEnd type="none" w="med" len="med"/>
+                      <a:tailEnd type="none" w="med" len="med"/>
+                    </a:lnT>
+                    <a:lnB w="9525" cap="flat" cmpd="sng" algn="ctr">
+                      <a:solidFill>
+                        <a:srgbClr val="E3E3E3"/>
+                      </a:solidFill>
+                      <a:prstDash val="solid"/>
+                      <a:round/>
+                      <a:headEnd type="none" w="med" len="med"/>
+                      <a:tailEnd type="none" w="med" len="med"/>
+                    </a:lnB>
+                    <a:solidFill>
+                      <a:srgbClr val="FFFFFF"/>
+                    </a:solidFill>
+                  </a:tcPr>
+                </a:tc>
+                <a:extLst>
+                  <a:ext uri="{0D108BD9-81ED-4DB2-BD59-A6C34878D82A}">
+                    <a16:rowId xmlns:a16="http://schemas.microsoft.com/office/drawing/2014/main" val="3023893508"/>
+                  </a:ext>
+                </a:extLst>
+              </a:tr>
+            </a:tbl>
+          </a:graphicData>
+        </a:graphic>
+      </p:graphicFrame>
+    </p:spTree>
+    <p:extLst>
+      <p:ext uri="{BB962C8B-B14F-4D97-AF65-F5344CB8AC3E}">
+        <p14:creationId xmlns:p14="http://schemas.microsoft.com/office/powerpoint/2010/main" val="3924461794"/>
+      </p:ext>
+    </p:extLst>
+  </p:cSld>
+  <p:clrMapOvr>
+    <a:masterClrMapping/>
+  </p:clrMapOvr>
 </p:sld>
 </file>
 

--- a/teaching/CS472/Timetable/OOD-V2.pptx
+++ b/teaching/CS472/Timetable/OOD-V2.pptx
@@ -5,33 +5,32 @@
     <p:sldMasterId id="2147483648" r:id="rId1"/>
   </p:sldMasterIdLst>
   <p:notesMasterIdLst>
-    <p:notesMasterId r:id="rId26"/>
+    <p:notesMasterId r:id="rId25"/>
   </p:notesMasterIdLst>
   <p:sldIdLst>
     <p:sldId id="256" r:id="rId2"/>
     <p:sldId id="276" r:id="rId3"/>
-    <p:sldId id="257" r:id="rId4"/>
-    <p:sldId id="324" r:id="rId5"/>
-    <p:sldId id="322" r:id="rId6"/>
-    <p:sldId id="323" r:id="rId7"/>
-    <p:sldId id="325" r:id="rId8"/>
-    <p:sldId id="326" r:id="rId9"/>
-    <p:sldId id="327" r:id="rId10"/>
-    <p:sldId id="328" r:id="rId11"/>
-    <p:sldId id="329" r:id="rId12"/>
-    <p:sldId id="331" r:id="rId13"/>
-    <p:sldId id="332" r:id="rId14"/>
-    <p:sldId id="333" r:id="rId15"/>
-    <p:sldId id="334" r:id="rId16"/>
-    <p:sldId id="335" r:id="rId17"/>
-    <p:sldId id="336" r:id="rId18"/>
-    <p:sldId id="337" r:id="rId19"/>
-    <p:sldId id="338" r:id="rId20"/>
-    <p:sldId id="339" r:id="rId21"/>
-    <p:sldId id="340" r:id="rId22"/>
-    <p:sldId id="342" r:id="rId23"/>
-    <p:sldId id="341" r:id="rId24"/>
-    <p:sldId id="315" r:id="rId25"/>
+    <p:sldId id="324" r:id="rId4"/>
+    <p:sldId id="322" r:id="rId5"/>
+    <p:sldId id="323" r:id="rId6"/>
+    <p:sldId id="325" r:id="rId7"/>
+    <p:sldId id="326" r:id="rId8"/>
+    <p:sldId id="327" r:id="rId9"/>
+    <p:sldId id="328" r:id="rId10"/>
+    <p:sldId id="329" r:id="rId11"/>
+    <p:sldId id="331" r:id="rId12"/>
+    <p:sldId id="332" r:id="rId13"/>
+    <p:sldId id="333" r:id="rId14"/>
+    <p:sldId id="334" r:id="rId15"/>
+    <p:sldId id="335" r:id="rId16"/>
+    <p:sldId id="336" r:id="rId17"/>
+    <p:sldId id="337" r:id="rId18"/>
+    <p:sldId id="338" r:id="rId19"/>
+    <p:sldId id="339" r:id="rId20"/>
+    <p:sldId id="340" r:id="rId21"/>
+    <p:sldId id="342" r:id="rId22"/>
+    <p:sldId id="341" r:id="rId23"/>
+    <p:sldId id="315" r:id="rId24"/>
   </p:sldIdLst>
   <p:sldSz cx="12192000" cy="6858000"/>
   <p:notesSz cx="6858000" cy="9144000"/>
@@ -720,7 +719,7 @@
           <a:p>
             <a:fld id="{29370A86-051A-7C48-98C3-08CACFB9377A}" type="slidenum">
               <a:rPr lang="en-BE" smtClean="0"/>
-              <a:t>14</a:t>
+              <a:t>13</a:t>
             </a:fld>
             <a:endParaRPr lang="en-BE"/>
           </a:p>
@@ -880,7 +879,7 @@
           <a:p>
             <a:fld id="{29370A86-051A-7C48-98C3-08CACFB9377A}" type="slidenum">
               <a:rPr lang="en-BE" smtClean="0"/>
-              <a:t>15</a:t>
+              <a:t>14</a:t>
             </a:fld>
             <a:endParaRPr lang="en-BE"/>
           </a:p>
@@ -1033,7 +1032,7 @@
           <a:p>
             <a:fld id="{29370A86-051A-7C48-98C3-08CACFB9377A}" type="slidenum">
               <a:rPr lang="en-BE" smtClean="0"/>
-              <a:t>16</a:t>
+              <a:t>15</a:t>
             </a:fld>
             <a:endParaRPr lang="en-BE"/>
           </a:p>
@@ -1148,7 +1147,7 @@
           <a:p>
             <a:fld id="{29370A86-051A-7C48-98C3-08CACFB9377A}" type="slidenum">
               <a:rPr lang="en-BE" smtClean="0"/>
-              <a:t>17</a:t>
+              <a:t>16</a:t>
             </a:fld>
             <a:endParaRPr lang="en-BE"/>
           </a:p>
@@ -1263,7 +1262,7 @@
           <a:p>
             <a:fld id="{29370A86-051A-7C48-98C3-08CACFB9377A}" type="slidenum">
               <a:rPr lang="en-BE" smtClean="0"/>
-              <a:t>18</a:t>
+              <a:t>17</a:t>
             </a:fld>
             <a:endParaRPr lang="en-BE"/>
           </a:p>
@@ -1378,7 +1377,7 @@
           <a:p>
             <a:fld id="{29370A86-051A-7C48-98C3-08CACFB9377A}" type="slidenum">
               <a:rPr lang="en-BE" smtClean="0"/>
-              <a:t>19</a:t>
+              <a:t>18</a:t>
             </a:fld>
             <a:endParaRPr lang="en-BE"/>
           </a:p>
@@ -1493,7 +1492,7 @@
           <a:p>
             <a:fld id="{29370A86-051A-7C48-98C3-08CACFB9377A}" type="slidenum">
               <a:rPr lang="en-BE" smtClean="0"/>
-              <a:t>20</a:t>
+              <a:t>19</a:t>
             </a:fld>
             <a:endParaRPr lang="en-BE"/>
           </a:p>
@@ -1608,7 +1607,7 @@
           <a:p>
             <a:fld id="{29370A86-051A-7C48-98C3-08CACFB9377A}" type="slidenum">
               <a:rPr lang="en-BE" smtClean="0"/>
-              <a:t>21</a:t>
+              <a:t>20</a:t>
             </a:fld>
             <a:endParaRPr lang="en-BE"/>
           </a:p>
@@ -1723,7 +1722,7 @@
           <a:p>
             <a:fld id="{29370A86-051A-7C48-98C3-08CACFB9377A}" type="slidenum">
               <a:rPr lang="en-BE" smtClean="0"/>
-              <a:t>22</a:t>
+              <a:t>21</a:t>
             </a:fld>
             <a:endParaRPr lang="en-BE"/>
           </a:p>
@@ -1836,7 +1835,7 @@
           <a:p>
             <a:fld id="{29370A86-051A-7C48-98C3-08CACFB9377A}" type="slidenum">
               <a:rPr lang="en-BE" smtClean="0"/>
-              <a:t>6</a:t>
+              <a:t>5</a:t>
             </a:fld>
             <a:endParaRPr lang="en-BE"/>
           </a:p>
@@ -1973,7 +1972,7 @@
           <a:p>
             <a:fld id="{29370A86-051A-7C48-98C3-08CACFB9377A}" type="slidenum">
               <a:rPr lang="en-BE" smtClean="0"/>
-              <a:t>7</a:t>
+              <a:t>6</a:t>
             </a:fld>
             <a:endParaRPr lang="en-BE"/>
           </a:p>
@@ -2110,7 +2109,7 @@
           <a:p>
             <a:fld id="{29370A86-051A-7C48-98C3-08CACFB9377A}" type="slidenum">
               <a:rPr lang="en-BE" smtClean="0"/>
-              <a:t>8</a:t>
+              <a:t>7</a:t>
             </a:fld>
             <a:endParaRPr lang="en-BE"/>
           </a:p>
@@ -2225,7 +2224,7 @@
           <a:p>
             <a:fld id="{29370A86-051A-7C48-98C3-08CACFB9377A}" type="slidenum">
               <a:rPr lang="en-BE" smtClean="0"/>
-              <a:t>9</a:t>
+              <a:t>8</a:t>
             </a:fld>
             <a:endParaRPr lang="en-BE"/>
           </a:p>
@@ -2340,7 +2339,7 @@
           <a:p>
             <a:fld id="{29370A86-051A-7C48-98C3-08CACFB9377A}" type="slidenum">
               <a:rPr lang="en-BE" smtClean="0"/>
-              <a:t>10</a:t>
+              <a:t>9</a:t>
             </a:fld>
             <a:endParaRPr lang="en-BE"/>
           </a:p>
@@ -2455,7 +2454,7 @@
           <a:p>
             <a:fld id="{29370A86-051A-7C48-98C3-08CACFB9377A}" type="slidenum">
               <a:rPr lang="en-BE" smtClean="0"/>
-              <a:t>11</a:t>
+              <a:t>10</a:t>
             </a:fld>
             <a:endParaRPr lang="en-BE"/>
           </a:p>
@@ -2615,7 +2614,7 @@
           <a:p>
             <a:fld id="{29370A86-051A-7C48-98C3-08CACFB9377A}" type="slidenum">
               <a:rPr lang="en-BE" smtClean="0"/>
-              <a:t>12</a:t>
+              <a:t>11</a:t>
             </a:fld>
             <a:endParaRPr lang="en-BE"/>
           </a:p>
@@ -2775,7 +2774,7 @@
           <a:p>
             <a:fld id="{29370A86-051A-7C48-98C3-08CACFB9377A}" type="slidenum">
               <a:rPr lang="en-BE" smtClean="0"/>
-              <a:t>13</a:t>
+              <a:t>12</a:t>
             </a:fld>
             <a:endParaRPr lang="en-BE"/>
           </a:p>
@@ -6205,345 +6204,6 @@
         <p:cNvPr id="1" name="">
           <a:extLst>
             <a:ext uri="{FF2B5EF4-FFF2-40B4-BE49-F238E27FC236}">
-              <a16:creationId xmlns:a16="http://schemas.microsoft.com/office/drawing/2014/main" id="{1D93AA2D-010E-DD16-BB32-786E16F71A5C}"/>
-            </a:ext>
-          </a:extLst>
-        </p:cNvPr>
-        <p:cNvGrpSpPr/>
-        <p:nvPr/>
-      </p:nvGrpSpPr>
-      <p:grpSpPr>
-        <a:xfrm>
-          <a:off x="0" y="0"/>
-          <a:ext cx="0" cy="0"/>
-          <a:chOff x="0" y="0"/>
-          <a:chExt cx="0" cy="0"/>
-        </a:xfrm>
-      </p:grpSpPr>
-      <p:sp>
-        <p:nvSpPr>
-          <p:cNvPr id="4" name="Title 1">
-            <a:extLst>
-              <a:ext uri="{FF2B5EF4-FFF2-40B4-BE49-F238E27FC236}">
-                <a16:creationId xmlns:a16="http://schemas.microsoft.com/office/drawing/2014/main" id="{B51741D5-4469-65B4-E6AB-1840E0AA0463}"/>
-              </a:ext>
-            </a:extLst>
-          </p:cNvPr>
-          <p:cNvSpPr>
-            <a:spLocks noGrp="1"/>
-          </p:cNvSpPr>
-          <p:nvPr>
-            <p:ph type="title"/>
-          </p:nvPr>
-        </p:nvSpPr>
-        <p:spPr>
-          <a:xfrm>
-            <a:off x="838200" y="37676"/>
-            <a:ext cx="10515600" cy="1026849"/>
-          </a:xfrm>
-        </p:spPr>
-        <p:txBody>
-          <a:bodyPr/>
-          <a:lstStyle/>
-          <a:p>
-            <a:r>
-              <a:rPr lang="en-GB" b="1" dirty="0"/>
-              <a:t>Think of Google Maps</a:t>
-            </a:r>
-            <a:endParaRPr lang="en-GB" dirty="0"/>
-          </a:p>
-        </p:txBody>
-      </p:sp>
-      <p:pic>
-        <p:nvPicPr>
-          <p:cNvPr id="7" name="Picture 6" descr="A map of a city and street&#10;&#10;AI-generated content may be incorrect.">
-            <a:extLst>
-              <a:ext uri="{FF2B5EF4-FFF2-40B4-BE49-F238E27FC236}">
-                <a16:creationId xmlns:a16="http://schemas.microsoft.com/office/drawing/2014/main" id="{BB495570-ECF0-F1D3-E4D8-558505EE8239}"/>
-              </a:ext>
-            </a:extLst>
-          </p:cNvPr>
-          <p:cNvPicPr>
-            <a:picLocks noChangeAspect="1"/>
-          </p:cNvPicPr>
-          <p:nvPr/>
-        </p:nvPicPr>
-        <p:blipFill>
-          <a:blip r:embed="rId3"/>
-          <a:srcRect t="28381" b="3405"/>
-          <a:stretch>
-            <a:fillRect/>
-          </a:stretch>
-        </p:blipFill>
-        <p:spPr>
-          <a:xfrm>
-            <a:off x="1814285" y="1951856"/>
-            <a:ext cx="7772400" cy="3534546"/>
-          </a:xfrm>
-          <a:prstGeom prst="rect">
-            <a:avLst/>
-          </a:prstGeom>
-          <a:ln>
-            <a:solidFill>
-              <a:schemeClr val="tx1"/>
-            </a:solidFill>
-          </a:ln>
-        </p:spPr>
-      </p:pic>
-      <p:sp>
-        <p:nvSpPr>
-          <p:cNvPr id="8" name="TextBox 7">
-            <a:extLst>
-              <a:ext uri="{FF2B5EF4-FFF2-40B4-BE49-F238E27FC236}">
-                <a16:creationId xmlns:a16="http://schemas.microsoft.com/office/drawing/2014/main" id="{9EEEB512-E9D4-4662-0E45-AC86FAE99E4F}"/>
-              </a:ext>
-            </a:extLst>
-          </p:cNvPr>
-          <p:cNvSpPr txBox="1"/>
-          <p:nvPr/>
-        </p:nvSpPr>
-        <p:spPr>
-          <a:xfrm>
-            <a:off x="1814286" y="989881"/>
-            <a:ext cx="3074956" cy="830997"/>
-          </a:xfrm>
-          <a:prstGeom prst="rect">
-            <a:avLst/>
-          </a:prstGeom>
-          <a:noFill/>
-          <a:ln w="28575">
-            <a:solidFill>
-              <a:srgbClr val="C00000"/>
-            </a:solidFill>
-          </a:ln>
-        </p:spPr>
-        <p:txBody>
-          <a:bodyPr wrap="square" rtlCol="0">
-            <a:spAutoFit/>
-          </a:bodyPr>
-          <a:lstStyle/>
-          <a:p>
-            <a:r>
-              <a:rPr lang="en-US" sz="2400" dirty="0"/>
-              <a:t>System = City</a:t>
-            </a:r>
-          </a:p>
-          <a:p>
-            <a:r>
-              <a:rPr lang="en-US" sz="2400" dirty="0"/>
-              <a:t>Your PR = One Street</a:t>
-            </a:r>
-          </a:p>
-        </p:txBody>
-      </p:sp>
-      <p:sp>
-        <p:nvSpPr>
-          <p:cNvPr id="10" name="TextBox 9">
-            <a:extLst>
-              <a:ext uri="{FF2B5EF4-FFF2-40B4-BE49-F238E27FC236}">
-                <a16:creationId xmlns:a16="http://schemas.microsoft.com/office/drawing/2014/main" id="{4E19D6EC-BC12-6351-7B35-9DC3801647C6}"/>
-              </a:ext>
-            </a:extLst>
-          </p:cNvPr>
-          <p:cNvSpPr txBox="1"/>
-          <p:nvPr/>
-        </p:nvSpPr>
-        <p:spPr>
-          <a:xfrm>
-            <a:off x="838200" y="5793475"/>
-            <a:ext cx="10731759" cy="830997"/>
-          </a:xfrm>
-          <a:prstGeom prst="rect">
-            <a:avLst/>
-          </a:prstGeom>
-          <a:noFill/>
-          <a:ln w="28575">
-            <a:solidFill>
-              <a:srgbClr val="C00000"/>
-            </a:solidFill>
-          </a:ln>
-        </p:spPr>
-        <p:txBody>
-          <a:bodyPr wrap="square">
-            <a:spAutoFit/>
-          </a:bodyPr>
-          <a:lstStyle/>
-          <a:p>
-            <a:r>
-              <a:rPr lang="en-GB" sz="2400" dirty="0"/>
-              <a:t>You do </a:t>
-            </a:r>
-            <a:r>
-              <a:rPr lang="en-GB" sz="2400" b="1" dirty="0"/>
-              <a:t>NOT</a:t>
-            </a:r>
-            <a:r>
-              <a:rPr lang="en-GB" sz="2400" dirty="0"/>
-              <a:t> redraw the entire system.</a:t>
-            </a:r>
-            <a:br>
-              <a:rPr lang="en-GB" sz="2400" dirty="0"/>
-            </a:br>
-            <a:r>
-              <a:rPr lang="en-GB" sz="2400" dirty="0"/>
-              <a:t>You show only the </a:t>
-            </a:r>
-            <a:r>
-              <a:rPr lang="en-GB" sz="2400" b="1" dirty="0"/>
-              <a:t>part your PR changes</a:t>
-            </a:r>
-            <a:r>
-              <a:rPr lang="en-GB" sz="2400" dirty="0"/>
-              <a:t> — but it must clearly fit back into the whole.</a:t>
-            </a:r>
-            <a:endParaRPr lang="en-US" sz="2400" dirty="0"/>
-          </a:p>
-        </p:txBody>
-      </p:sp>
-    </p:spTree>
-    <p:extLst>
-      <p:ext uri="{BB962C8B-B14F-4D97-AF65-F5344CB8AC3E}">
-        <p14:creationId xmlns:p14="http://schemas.microsoft.com/office/powerpoint/2010/main" val="321433039"/>
-      </p:ext>
-    </p:extLst>
-  </p:cSld>
-  <p:clrMapOvr>
-    <a:masterClrMapping/>
-  </p:clrMapOvr>
-  <p:timing>
-    <p:tnLst>
-      <p:par>
-        <p:cTn id="1" dur="indefinite" restart="never" nodeType="tmRoot">
-          <p:childTnLst>
-            <p:seq concurrent="1" nextAc="seek">
-              <p:cTn id="2" dur="indefinite" nodeType="mainSeq">
-                <p:childTnLst>
-                  <p:par>
-                    <p:cTn id="3" fill="hold">
-                      <p:stCondLst>
-                        <p:cond delay="indefinite"/>
-                      </p:stCondLst>
-                      <p:childTnLst>
-                        <p:par>
-                          <p:cTn id="4" fill="hold">
-                            <p:stCondLst>
-                              <p:cond delay="0"/>
-                            </p:stCondLst>
-                            <p:childTnLst>
-                              <p:par>
-                                <p:cTn id="5" presetID="1" presetClass="entr" presetSubtype="0" fill="hold" nodeType="clickEffect">
-                                  <p:stCondLst>
-                                    <p:cond delay="0"/>
-                                  </p:stCondLst>
-                                  <p:childTnLst>
-                                    <p:set>
-                                      <p:cBhvr>
-                                        <p:cTn id="6" dur="1" fill="hold">
-                                          <p:stCondLst>
-                                            <p:cond delay="0"/>
-                                          </p:stCondLst>
-                                        </p:cTn>
-                                        <p:tgtEl>
-                                          <p:spTgt spid="7"/>
-                                        </p:tgtEl>
-                                        <p:attrNameLst>
-                                          <p:attrName>style.visibility</p:attrName>
-                                        </p:attrNameLst>
-                                      </p:cBhvr>
-                                      <p:to>
-                                        <p:strVal val="visible"/>
-                                      </p:to>
-                                    </p:set>
-                                  </p:childTnLst>
-                                </p:cTn>
-                              </p:par>
-                            </p:childTnLst>
-                          </p:cTn>
-                        </p:par>
-                      </p:childTnLst>
-                    </p:cTn>
-                  </p:par>
-                  <p:par>
-                    <p:cTn id="7" fill="hold">
-                      <p:stCondLst>
-                        <p:cond delay="indefinite"/>
-                      </p:stCondLst>
-                      <p:childTnLst>
-                        <p:par>
-                          <p:cTn id="8" fill="hold">
-                            <p:stCondLst>
-                              <p:cond delay="0"/>
-                            </p:stCondLst>
-                            <p:childTnLst>
-                              <p:par>
-                                <p:cTn id="9" presetID="1" presetClass="entr" presetSubtype="0" fill="hold" grpId="0" nodeType="clickEffect">
-                                  <p:stCondLst>
-                                    <p:cond delay="0"/>
-                                  </p:stCondLst>
-                                  <p:childTnLst>
-                                    <p:set>
-                                      <p:cBhvr>
-                                        <p:cTn id="10" dur="1" fill="hold">
-                                          <p:stCondLst>
-                                            <p:cond delay="0"/>
-                                          </p:stCondLst>
-                                        </p:cTn>
-                                        <p:tgtEl>
-                                          <p:spTgt spid="10"/>
-                                        </p:tgtEl>
-                                        <p:attrNameLst>
-                                          <p:attrName>style.visibility</p:attrName>
-                                        </p:attrNameLst>
-                                      </p:cBhvr>
-                                      <p:to>
-                                        <p:strVal val="visible"/>
-                                      </p:to>
-                                    </p:set>
-                                  </p:childTnLst>
-                                </p:cTn>
-                              </p:par>
-                            </p:childTnLst>
-                          </p:cTn>
-                        </p:par>
-                      </p:childTnLst>
-                    </p:cTn>
-                  </p:par>
-                </p:childTnLst>
-              </p:cTn>
-              <p:prevCondLst>
-                <p:cond evt="onPrev" delay="0">
-                  <p:tgtEl>
-                    <p:sldTgt/>
-                  </p:tgtEl>
-                </p:cond>
-              </p:prevCondLst>
-              <p:nextCondLst>
-                <p:cond evt="onNext" delay="0">
-                  <p:tgtEl>
-                    <p:sldTgt/>
-                  </p:tgtEl>
-                </p:cond>
-              </p:nextCondLst>
-            </p:seq>
-          </p:childTnLst>
-        </p:cTn>
-      </p:par>
-    </p:tnLst>
-    <p:bldLst>
-      <p:bldP spid="10" grpId="0" animBg="1"/>
-    </p:bldLst>
-  </p:timing>
-</p:sld>
-</file>
-
-<file path=ppt/slides/slide11.xml><?xml version="1.0" encoding="utf-8"?>
-<p:sld xmlns:a="http://schemas.openxmlformats.org/drawingml/2006/main" xmlns:r="http://schemas.openxmlformats.org/officeDocument/2006/relationships" xmlns:p="http://schemas.openxmlformats.org/presentationml/2006/main">
-  <p:cSld>
-    <p:spTree>
-      <p:nvGrpSpPr>
-        <p:cNvPr id="1" name="">
-          <a:extLst>
-            <a:ext uri="{FF2B5EF4-FFF2-40B4-BE49-F238E27FC236}">
               <a16:creationId xmlns:a16="http://schemas.microsoft.com/office/drawing/2014/main" id="{3A25D1A0-AF78-3BC3-121E-BBAC0DF3276C}"/>
             </a:ext>
           </a:extLst>
@@ -7011,7 +6671,7 @@
 </p:sld>
 </file>
 
-<file path=ppt/slides/slide12.xml><?xml version="1.0" encoding="utf-8"?>
+<file path=ppt/slides/slide11.xml><?xml version="1.0" encoding="utf-8"?>
 <p:sld xmlns:a="http://schemas.openxmlformats.org/drawingml/2006/main" xmlns:r="http://schemas.openxmlformats.org/officeDocument/2006/relationships" xmlns:p="http://schemas.openxmlformats.org/presentationml/2006/main">
   <p:cSld>
     <p:spTree>
@@ -7057,7 +6717,7 @@
           <a:p>
             <a:fld id="{76FC44FA-978A-2F4D-B308-AF3FA2E1E6ED}" type="slidenum">
               <a:rPr lang="en-BE" smtClean="0"/>
-              <a:t>12</a:t>
+              <a:t>11</a:t>
             </a:fld>
             <a:endParaRPr lang="en-BE"/>
           </a:p>
@@ -7529,7 +7189,7 @@
 </p:sld>
 </file>
 
-<file path=ppt/slides/slide13.xml><?xml version="1.0" encoding="utf-8"?>
+<file path=ppt/slides/slide12.xml><?xml version="1.0" encoding="utf-8"?>
 <p:sld xmlns:a="http://schemas.openxmlformats.org/drawingml/2006/main" xmlns:r="http://schemas.openxmlformats.org/officeDocument/2006/relationships" xmlns:p="http://schemas.openxmlformats.org/presentationml/2006/main">
   <p:cSld>
     <p:spTree>
@@ -7575,7 +7235,7 @@
           <a:p>
             <a:fld id="{76FC44FA-978A-2F4D-B308-AF3FA2E1E6ED}" type="slidenum">
               <a:rPr lang="en-BE" smtClean="0"/>
-              <a:t>13</a:t>
+              <a:t>12</a:t>
             </a:fld>
             <a:endParaRPr lang="en-BE"/>
           </a:p>
@@ -7905,7 +7565,7 @@
 </p:sld>
 </file>
 
-<file path=ppt/slides/slide14.xml><?xml version="1.0" encoding="utf-8"?>
+<file path=ppt/slides/slide13.xml><?xml version="1.0" encoding="utf-8"?>
 <p:sld xmlns:a="http://schemas.openxmlformats.org/drawingml/2006/main" xmlns:r="http://schemas.openxmlformats.org/officeDocument/2006/relationships" xmlns:p="http://schemas.openxmlformats.org/presentationml/2006/main">
   <p:cSld>
     <p:spTree>
@@ -7951,7 +7611,7 @@
           <a:p>
             <a:fld id="{76FC44FA-978A-2F4D-B308-AF3FA2E1E6ED}" type="slidenum">
               <a:rPr lang="en-BE" smtClean="0"/>
-              <a:t>14</a:t>
+              <a:t>13</a:t>
             </a:fld>
             <a:endParaRPr lang="en-BE"/>
           </a:p>
@@ -8168,7 +7828,7 @@
 </p:sld>
 </file>
 
-<file path=ppt/slides/slide15.xml><?xml version="1.0" encoding="utf-8"?>
+<file path=ppt/slides/slide14.xml><?xml version="1.0" encoding="utf-8"?>
 <p:sld xmlns:a="http://schemas.openxmlformats.org/drawingml/2006/main" xmlns:r="http://schemas.openxmlformats.org/officeDocument/2006/relationships" xmlns:p="http://schemas.openxmlformats.org/presentationml/2006/main">
   <p:cSld>
     <p:spTree>
@@ -8214,7 +7874,7 @@
           <a:p>
             <a:fld id="{76FC44FA-978A-2F4D-B308-AF3FA2E1E6ED}" type="slidenum">
               <a:rPr lang="en-BE" smtClean="0"/>
-              <a:t>15</a:t>
+              <a:t>14</a:t>
             </a:fld>
             <a:endParaRPr lang="en-BE"/>
           </a:p>
@@ -8877,7 +8537,7 @@
 </p:sld>
 </file>
 
-<file path=ppt/slides/slide16.xml><?xml version="1.0" encoding="utf-8"?>
+<file path=ppt/slides/slide15.xml><?xml version="1.0" encoding="utf-8"?>
 <p:sld xmlns:a="http://schemas.openxmlformats.org/drawingml/2006/main" xmlns:r="http://schemas.openxmlformats.org/officeDocument/2006/relationships" xmlns:p="http://schemas.openxmlformats.org/presentationml/2006/main">
   <p:cSld>
     <p:spTree>
@@ -8923,7 +8583,7 @@
           <a:p>
             <a:fld id="{76FC44FA-978A-2F4D-B308-AF3FA2E1E6ED}" type="slidenum">
               <a:rPr lang="en-BE" smtClean="0"/>
-              <a:t>16</a:t>
+              <a:t>15</a:t>
             </a:fld>
             <a:endParaRPr lang="en-BE" dirty="0"/>
           </a:p>
@@ -9551,6 +9211,905 @@
     <p:extLst>
       <p:ext uri="{BB962C8B-B14F-4D97-AF65-F5344CB8AC3E}">
         <p14:creationId xmlns:p14="http://schemas.microsoft.com/office/powerpoint/2010/main" val="2003188299"/>
+      </p:ext>
+    </p:extLst>
+  </p:cSld>
+  <p:clrMapOvr>
+    <a:masterClrMapping/>
+  </p:clrMapOvr>
+  <p:timing>
+    <p:tnLst>
+      <p:par>
+        <p:cTn id="1" dur="indefinite" restart="never" nodeType="tmRoot">
+          <p:childTnLst>
+            <p:seq concurrent="1" nextAc="seek">
+              <p:cTn id="2" dur="indefinite" nodeType="mainSeq">
+                <p:childTnLst>
+                  <p:par>
+                    <p:cTn id="3" fill="hold">
+                      <p:stCondLst>
+                        <p:cond delay="indefinite"/>
+                      </p:stCondLst>
+                      <p:childTnLst>
+                        <p:par>
+                          <p:cTn id="4" fill="hold">
+                            <p:stCondLst>
+                              <p:cond delay="0"/>
+                            </p:stCondLst>
+                            <p:childTnLst>
+                              <p:par>
+                                <p:cTn id="5" presetID="1" presetClass="entr" presetSubtype="0" fill="hold" grpId="0" nodeType="clickEffect">
+                                  <p:stCondLst>
+                                    <p:cond delay="0"/>
+                                  </p:stCondLst>
+                                  <p:childTnLst>
+                                    <p:set>
+                                      <p:cBhvr>
+                                        <p:cTn id="6" dur="1" fill="hold">
+                                          <p:stCondLst>
+                                            <p:cond delay="0"/>
+                                          </p:stCondLst>
+                                        </p:cTn>
+                                        <p:tgtEl>
+                                          <p:spTgt spid="9"/>
+                                        </p:tgtEl>
+                                        <p:attrNameLst>
+                                          <p:attrName>style.visibility</p:attrName>
+                                        </p:attrNameLst>
+                                      </p:cBhvr>
+                                      <p:to>
+                                        <p:strVal val="visible"/>
+                                      </p:to>
+                                    </p:set>
+                                  </p:childTnLst>
+                                </p:cTn>
+                              </p:par>
+                            </p:childTnLst>
+                          </p:cTn>
+                        </p:par>
+                      </p:childTnLst>
+                    </p:cTn>
+                  </p:par>
+                  <p:par>
+                    <p:cTn id="7" fill="hold">
+                      <p:stCondLst>
+                        <p:cond delay="indefinite"/>
+                      </p:stCondLst>
+                      <p:childTnLst>
+                        <p:par>
+                          <p:cTn id="8" fill="hold">
+                            <p:stCondLst>
+                              <p:cond delay="0"/>
+                            </p:stCondLst>
+                            <p:childTnLst>
+                              <p:par>
+                                <p:cTn id="9" presetID="1" presetClass="entr" presetSubtype="0" fill="hold" grpId="0" nodeType="clickEffect">
+                                  <p:stCondLst>
+                                    <p:cond delay="0"/>
+                                  </p:stCondLst>
+                                  <p:childTnLst>
+                                    <p:set>
+                                      <p:cBhvr>
+                                        <p:cTn id="10" dur="1" fill="hold">
+                                          <p:stCondLst>
+                                            <p:cond delay="0"/>
+                                          </p:stCondLst>
+                                        </p:cTn>
+                                        <p:tgtEl>
+                                          <p:spTgt spid="11"/>
+                                        </p:tgtEl>
+                                        <p:attrNameLst>
+                                          <p:attrName>style.visibility</p:attrName>
+                                        </p:attrNameLst>
+                                      </p:cBhvr>
+                                      <p:to>
+                                        <p:strVal val="visible"/>
+                                      </p:to>
+                                    </p:set>
+                                  </p:childTnLst>
+                                </p:cTn>
+                              </p:par>
+                            </p:childTnLst>
+                          </p:cTn>
+                        </p:par>
+                      </p:childTnLst>
+                    </p:cTn>
+                  </p:par>
+                  <p:par>
+                    <p:cTn id="11" fill="hold">
+                      <p:stCondLst>
+                        <p:cond delay="indefinite"/>
+                      </p:stCondLst>
+                      <p:childTnLst>
+                        <p:par>
+                          <p:cTn id="12" fill="hold">
+                            <p:stCondLst>
+                              <p:cond delay="0"/>
+                            </p:stCondLst>
+                            <p:childTnLst>
+                              <p:par>
+                                <p:cTn id="13" presetID="1" presetClass="entr" presetSubtype="0" fill="hold" grpId="0" nodeType="clickEffect">
+                                  <p:stCondLst>
+                                    <p:cond delay="0"/>
+                                  </p:stCondLst>
+                                  <p:childTnLst>
+                                    <p:set>
+                                      <p:cBhvr>
+                                        <p:cTn id="14" dur="1" fill="hold">
+                                          <p:stCondLst>
+                                            <p:cond delay="0"/>
+                                          </p:stCondLst>
+                                        </p:cTn>
+                                        <p:tgtEl>
+                                          <p:spTgt spid="19"/>
+                                        </p:tgtEl>
+                                        <p:attrNameLst>
+                                          <p:attrName>style.visibility</p:attrName>
+                                        </p:attrNameLst>
+                                      </p:cBhvr>
+                                      <p:to>
+                                        <p:strVal val="visible"/>
+                                      </p:to>
+                                    </p:set>
+                                  </p:childTnLst>
+                                </p:cTn>
+                              </p:par>
+                            </p:childTnLst>
+                          </p:cTn>
+                        </p:par>
+                      </p:childTnLst>
+                    </p:cTn>
+                  </p:par>
+                  <p:par>
+                    <p:cTn id="15" fill="hold">
+                      <p:stCondLst>
+                        <p:cond delay="indefinite"/>
+                      </p:stCondLst>
+                      <p:childTnLst>
+                        <p:par>
+                          <p:cTn id="16" fill="hold">
+                            <p:stCondLst>
+                              <p:cond delay="0"/>
+                            </p:stCondLst>
+                            <p:childTnLst>
+                              <p:par>
+                                <p:cTn id="17" presetID="1" presetClass="entr" presetSubtype="0" fill="hold" grpId="0" nodeType="clickEffect">
+                                  <p:stCondLst>
+                                    <p:cond delay="0"/>
+                                  </p:stCondLst>
+                                  <p:childTnLst>
+                                    <p:set>
+                                      <p:cBhvr>
+                                        <p:cTn id="18" dur="1" fill="hold">
+                                          <p:stCondLst>
+                                            <p:cond delay="0"/>
+                                          </p:stCondLst>
+                                        </p:cTn>
+                                        <p:tgtEl>
+                                          <p:spTgt spid="23"/>
+                                        </p:tgtEl>
+                                        <p:attrNameLst>
+                                          <p:attrName>style.visibility</p:attrName>
+                                        </p:attrNameLst>
+                                      </p:cBhvr>
+                                      <p:to>
+                                        <p:strVal val="visible"/>
+                                      </p:to>
+                                    </p:set>
+                                  </p:childTnLst>
+                                </p:cTn>
+                              </p:par>
+                            </p:childTnLst>
+                          </p:cTn>
+                        </p:par>
+                      </p:childTnLst>
+                    </p:cTn>
+                  </p:par>
+                </p:childTnLst>
+              </p:cTn>
+              <p:prevCondLst>
+                <p:cond evt="onPrev" delay="0">
+                  <p:tgtEl>
+                    <p:sldTgt/>
+                  </p:tgtEl>
+                </p:cond>
+              </p:prevCondLst>
+              <p:nextCondLst>
+                <p:cond evt="onNext" delay="0">
+                  <p:tgtEl>
+                    <p:sldTgt/>
+                  </p:tgtEl>
+                </p:cond>
+              </p:nextCondLst>
+            </p:seq>
+          </p:childTnLst>
+        </p:cTn>
+      </p:par>
+    </p:tnLst>
+    <p:bldLst>
+      <p:bldP spid="9" grpId="0"/>
+      <p:bldP spid="11" grpId="0"/>
+      <p:bldP spid="19" grpId="0" animBg="1"/>
+      <p:bldP spid="23" grpId="0"/>
+    </p:bldLst>
+  </p:timing>
+</p:sld>
+</file>
+
+<file path=ppt/slides/slide16.xml><?xml version="1.0" encoding="utf-8"?>
+<p:sld xmlns:a="http://schemas.openxmlformats.org/drawingml/2006/main" xmlns:r="http://schemas.openxmlformats.org/officeDocument/2006/relationships" xmlns:p="http://schemas.openxmlformats.org/presentationml/2006/main">
+  <p:cSld>
+    <p:spTree>
+      <p:nvGrpSpPr>
+        <p:cNvPr id="1" name="">
+          <a:extLst>
+            <a:ext uri="{FF2B5EF4-FFF2-40B4-BE49-F238E27FC236}">
+              <a16:creationId xmlns:a16="http://schemas.microsoft.com/office/drawing/2014/main" id="{3212EB04-CE5D-AFA8-3306-23F04B43DBCB}"/>
+            </a:ext>
+          </a:extLst>
+        </p:cNvPr>
+        <p:cNvGrpSpPr/>
+        <p:nvPr/>
+      </p:nvGrpSpPr>
+      <p:grpSpPr>
+        <a:xfrm>
+          <a:off x="0" y="0"/>
+          <a:ext cx="0" cy="0"/>
+          <a:chOff x="0" y="0"/>
+          <a:chExt cx="0" cy="0"/>
+        </a:xfrm>
+      </p:grpSpPr>
+      <p:sp>
+        <p:nvSpPr>
+          <p:cNvPr id="4" name="Slide Number Placeholder 3">
+            <a:extLst>
+              <a:ext uri="{FF2B5EF4-FFF2-40B4-BE49-F238E27FC236}">
+                <a16:creationId xmlns:a16="http://schemas.microsoft.com/office/drawing/2014/main" id="{87F73BE8-FD66-0BB2-0936-97A6C4B5BD63}"/>
+              </a:ext>
+            </a:extLst>
+          </p:cNvPr>
+          <p:cNvSpPr>
+            <a:spLocks noGrp="1"/>
+          </p:cNvSpPr>
+          <p:nvPr>
+            <p:ph type="sldNum" sz="quarter" idx="12"/>
+          </p:nvPr>
+        </p:nvSpPr>
+        <p:spPr/>
+        <p:txBody>
+          <a:bodyPr/>
+          <a:lstStyle/>
+          <a:p>
+            <a:fld id="{76FC44FA-978A-2F4D-B308-AF3FA2E1E6ED}" type="slidenum">
+              <a:rPr lang="en-BE" smtClean="0"/>
+              <a:t>16</a:t>
+            </a:fld>
+            <a:endParaRPr lang="en-BE" dirty="0"/>
+          </a:p>
+        </p:txBody>
+      </p:sp>
+      <p:sp>
+        <p:nvSpPr>
+          <p:cNvPr id="14" name="Title 1">
+            <a:extLst>
+              <a:ext uri="{FF2B5EF4-FFF2-40B4-BE49-F238E27FC236}">
+                <a16:creationId xmlns:a16="http://schemas.microsoft.com/office/drawing/2014/main" id="{AC2E4353-5CDD-603D-D593-A235462FF1A0}"/>
+              </a:ext>
+            </a:extLst>
+          </p:cNvPr>
+          <p:cNvSpPr>
+            <a:spLocks noGrp="1"/>
+          </p:cNvSpPr>
+          <p:nvPr>
+            <p:ph type="title"/>
+          </p:nvPr>
+        </p:nvSpPr>
+        <p:spPr>
+          <a:xfrm>
+            <a:off x="838200" y="37676"/>
+            <a:ext cx="10515600" cy="1026849"/>
+          </a:xfrm>
+        </p:spPr>
+        <p:txBody>
+          <a:bodyPr/>
+          <a:lstStyle/>
+          <a:p>
+            <a:r>
+              <a:rPr lang="en-GB" b="1" dirty="0"/>
+              <a:t>Design Maturity in Senior Projects</a:t>
+            </a:r>
+          </a:p>
+        </p:txBody>
+      </p:sp>
+      <p:sp>
+        <p:nvSpPr>
+          <p:cNvPr id="2" name="AutoShape 2" descr="Output image">
+            <a:extLst>
+              <a:ext uri="{FF2B5EF4-FFF2-40B4-BE49-F238E27FC236}">
+                <a16:creationId xmlns:a16="http://schemas.microsoft.com/office/drawing/2014/main" id="{4496E4CF-9B15-6E15-7B68-9EE44D491702}"/>
+              </a:ext>
+            </a:extLst>
+          </p:cNvPr>
+          <p:cNvSpPr>
+            <a:spLocks noChangeAspect="1" noChangeArrowheads="1"/>
+          </p:cNvSpPr>
+          <p:nvPr/>
+        </p:nvSpPr>
+        <p:spPr bwMode="auto">
+          <a:xfrm>
+            <a:off x="5943600" y="3276600"/>
+            <a:ext cx="304800" cy="304800"/>
+          </a:xfrm>
+          <a:prstGeom prst="rect">
+            <a:avLst/>
+          </a:prstGeom>
+          <a:noFill/>
+          <a:extLst>
+            <a:ext uri="{909E8E84-426E-40DD-AFC4-6F175D3DCCD1}">
+              <a14:hiddenFill xmlns:a14="http://schemas.microsoft.com/office/drawing/2010/main">
+                <a:solidFill>
+                  <a:srgbClr val="FFFFFF"/>
+                </a:solidFill>
+              </a14:hiddenFill>
+            </a:ext>
+          </a:extLst>
+        </p:spPr>
+        <p:txBody>
+          <a:bodyPr vert="horz" wrap="square" lIns="91440" tIns="45720" rIns="91440" bIns="45720" numCol="1" anchor="t" anchorCtr="0" compatLnSpc="1">
+            <a:prstTxWarp prst="textNoShape">
+              <a:avLst/>
+            </a:prstTxWarp>
+          </a:bodyPr>
+          <a:lstStyle/>
+          <a:p>
+            <a:endParaRPr lang="en-US"/>
+          </a:p>
+        </p:txBody>
+      </p:sp>
+      <p:sp>
+        <p:nvSpPr>
+          <p:cNvPr id="3" name="AutoShape 4" descr="Output image">
+            <a:extLst>
+              <a:ext uri="{FF2B5EF4-FFF2-40B4-BE49-F238E27FC236}">
+                <a16:creationId xmlns:a16="http://schemas.microsoft.com/office/drawing/2014/main" id="{5955B0B5-8F5A-A0BD-9002-478911A5E62F}"/>
+              </a:ext>
+            </a:extLst>
+          </p:cNvPr>
+          <p:cNvSpPr>
+            <a:spLocks noChangeAspect="1" noChangeArrowheads="1"/>
+          </p:cNvSpPr>
+          <p:nvPr/>
+        </p:nvSpPr>
+        <p:spPr bwMode="auto">
+          <a:xfrm>
+            <a:off x="6096000" y="3429000"/>
+            <a:ext cx="304800" cy="304800"/>
+          </a:xfrm>
+          <a:prstGeom prst="rect">
+            <a:avLst/>
+          </a:prstGeom>
+          <a:noFill/>
+          <a:extLst>
+            <a:ext uri="{909E8E84-426E-40DD-AFC4-6F175D3DCCD1}">
+              <a14:hiddenFill xmlns:a14="http://schemas.microsoft.com/office/drawing/2010/main">
+                <a:solidFill>
+                  <a:srgbClr val="FFFFFF"/>
+                </a:solidFill>
+              </a14:hiddenFill>
+            </a:ext>
+          </a:extLst>
+        </p:spPr>
+        <p:txBody>
+          <a:bodyPr vert="horz" wrap="square" lIns="91440" tIns="45720" rIns="91440" bIns="45720" numCol="1" anchor="t" anchorCtr="0" compatLnSpc="1">
+            <a:prstTxWarp prst="textNoShape">
+              <a:avLst/>
+            </a:prstTxWarp>
+          </a:bodyPr>
+          <a:lstStyle/>
+          <a:p>
+            <a:endParaRPr lang="en-US"/>
+          </a:p>
+        </p:txBody>
+      </p:sp>
+      <p:sp>
+        <p:nvSpPr>
+          <p:cNvPr id="5" name="AutoShape 6" descr="Generated image">
+            <a:extLst>
+              <a:ext uri="{FF2B5EF4-FFF2-40B4-BE49-F238E27FC236}">
+                <a16:creationId xmlns:a16="http://schemas.microsoft.com/office/drawing/2014/main" id="{AF54452D-5D4A-EB63-AF39-8FF4C88FEF78}"/>
+              </a:ext>
+            </a:extLst>
+          </p:cNvPr>
+          <p:cNvSpPr>
+            <a:spLocks noChangeAspect="1" noChangeArrowheads="1"/>
+          </p:cNvSpPr>
+          <p:nvPr/>
+        </p:nvSpPr>
+        <p:spPr bwMode="auto">
+          <a:xfrm>
+            <a:off x="6248400" y="3581400"/>
+            <a:ext cx="304800" cy="304800"/>
+          </a:xfrm>
+          <a:prstGeom prst="rect">
+            <a:avLst/>
+          </a:prstGeom>
+          <a:noFill/>
+          <a:extLst>
+            <a:ext uri="{909E8E84-426E-40DD-AFC4-6F175D3DCCD1}">
+              <a14:hiddenFill xmlns:a14="http://schemas.microsoft.com/office/drawing/2010/main">
+                <a:solidFill>
+                  <a:srgbClr val="FFFFFF"/>
+                </a:solidFill>
+              </a14:hiddenFill>
+            </a:ext>
+          </a:extLst>
+        </p:spPr>
+        <p:txBody>
+          <a:bodyPr vert="horz" wrap="square" lIns="91440" tIns="45720" rIns="91440" bIns="45720" numCol="1" anchor="t" anchorCtr="0" compatLnSpc="1">
+            <a:prstTxWarp prst="textNoShape">
+              <a:avLst/>
+            </a:prstTxWarp>
+          </a:bodyPr>
+          <a:lstStyle/>
+          <a:p>
+            <a:endParaRPr lang="en-US"/>
+          </a:p>
+        </p:txBody>
+      </p:sp>
+      <p:sp>
+        <p:nvSpPr>
+          <p:cNvPr id="6" name="AutoShape 8">
+            <a:extLst>
+              <a:ext uri="{FF2B5EF4-FFF2-40B4-BE49-F238E27FC236}">
+                <a16:creationId xmlns:a16="http://schemas.microsoft.com/office/drawing/2014/main" id="{AE7AD8FE-9F96-F5F7-6630-FA4736891CAF}"/>
+              </a:ext>
+            </a:extLst>
+          </p:cNvPr>
+          <p:cNvSpPr>
+            <a:spLocks noChangeAspect="1" noChangeArrowheads="1"/>
+          </p:cNvSpPr>
+          <p:nvPr/>
+        </p:nvSpPr>
+        <p:spPr bwMode="auto">
+          <a:xfrm>
+            <a:off x="6400800" y="3733800"/>
+            <a:ext cx="304800" cy="304800"/>
+          </a:xfrm>
+          <a:prstGeom prst="rect">
+            <a:avLst/>
+          </a:prstGeom>
+          <a:noFill/>
+          <a:extLst>
+            <a:ext uri="{909E8E84-426E-40DD-AFC4-6F175D3DCCD1}">
+              <a14:hiddenFill xmlns:a14="http://schemas.microsoft.com/office/drawing/2010/main">
+                <a:solidFill>
+                  <a:srgbClr val="FFFFFF"/>
+                </a:solidFill>
+              </a14:hiddenFill>
+            </a:ext>
+          </a:extLst>
+        </p:spPr>
+        <p:txBody>
+          <a:bodyPr vert="horz" wrap="square" lIns="91440" tIns="45720" rIns="91440" bIns="45720" numCol="1" anchor="t" anchorCtr="0" compatLnSpc="1">
+            <a:prstTxWarp prst="textNoShape">
+              <a:avLst/>
+            </a:prstTxWarp>
+          </a:bodyPr>
+          <a:lstStyle/>
+          <a:p>
+            <a:endParaRPr lang="en-US"/>
+          </a:p>
+        </p:txBody>
+      </p:sp>
+      <p:cxnSp>
+        <p:nvCxnSpPr>
+          <p:cNvPr id="22" name="Straight Connector 21">
+            <a:extLst>
+              <a:ext uri="{FF2B5EF4-FFF2-40B4-BE49-F238E27FC236}">
+                <a16:creationId xmlns:a16="http://schemas.microsoft.com/office/drawing/2014/main" id="{61402176-EFE2-F94E-EB30-855395B60985}"/>
+              </a:ext>
+            </a:extLst>
+          </p:cNvPr>
+          <p:cNvCxnSpPr>
+            <a:cxnSpLocks/>
+          </p:cNvCxnSpPr>
+          <p:nvPr/>
+        </p:nvCxnSpPr>
+        <p:spPr>
+          <a:xfrm>
+            <a:off x="5411755" y="1240315"/>
+            <a:ext cx="0" cy="5116035"/>
+          </a:xfrm>
+          <a:prstGeom prst="line">
+            <a:avLst/>
+          </a:prstGeom>
+          <a:ln w="38100">
+            <a:solidFill>
+              <a:schemeClr val="tx1"/>
+            </a:solidFill>
+          </a:ln>
+        </p:spPr>
+        <p:style>
+          <a:lnRef idx="1">
+            <a:schemeClr val="accent1"/>
+          </a:lnRef>
+          <a:fillRef idx="0">
+            <a:schemeClr val="accent1"/>
+          </a:fillRef>
+          <a:effectRef idx="0">
+            <a:schemeClr val="accent1"/>
+          </a:effectRef>
+          <a:fontRef idx="minor">
+            <a:schemeClr val="tx1"/>
+          </a:fontRef>
+        </p:style>
+      </p:cxnSp>
+      <p:sp>
+        <p:nvSpPr>
+          <p:cNvPr id="9" name="TextBox 8">
+            <a:extLst>
+              <a:ext uri="{FF2B5EF4-FFF2-40B4-BE49-F238E27FC236}">
+                <a16:creationId xmlns:a16="http://schemas.microsoft.com/office/drawing/2014/main" id="{758EBE92-225B-F409-7748-B54E7556A076}"/>
+              </a:ext>
+            </a:extLst>
+          </p:cNvPr>
+          <p:cNvSpPr txBox="1"/>
+          <p:nvPr/>
+        </p:nvSpPr>
+        <p:spPr>
+          <a:xfrm>
+            <a:off x="524070" y="2950458"/>
+            <a:ext cx="4051041" cy="1261884"/>
+          </a:xfrm>
+          <a:prstGeom prst="rect">
+            <a:avLst/>
+          </a:prstGeom>
+          <a:noFill/>
+        </p:spPr>
+        <p:txBody>
+          <a:bodyPr wrap="square">
+            <a:spAutoFit/>
+          </a:bodyPr>
+          <a:lstStyle/>
+          <a:p>
+            <a:pPr>
+              <a:buNone/>
+            </a:pPr>
+            <a:r>
+              <a:rPr lang="en-BE" sz="2800" b="1" dirty="0"/>
+              <a:t>🔴 </a:t>
+            </a:r>
+            <a:r>
+              <a:rPr lang="en-GB" sz="2800" b="1" dirty="0"/>
+              <a:t>Level 1 — Reactive</a:t>
+            </a:r>
+          </a:p>
+          <a:p>
+            <a:pPr marL="342900" indent="-342900">
+              <a:buFont typeface="Arial" panose="020B0604020202020204" pitchFamily="34" charset="0"/>
+              <a:buChar char="•"/>
+            </a:pPr>
+            <a:r>
+              <a:rPr lang="en-GB" sz="2400" dirty="0"/>
+              <a:t>Code first.</a:t>
+            </a:r>
+          </a:p>
+          <a:p>
+            <a:pPr marL="342900" indent="-342900">
+              <a:buFont typeface="Arial" panose="020B0604020202020204" pitchFamily="34" charset="0"/>
+              <a:buChar char="•"/>
+            </a:pPr>
+            <a:r>
+              <a:rPr lang="en-GB" sz="2400" dirty="0"/>
+              <a:t>Diagram after (if at all).</a:t>
+            </a:r>
+          </a:p>
+        </p:txBody>
+      </p:sp>
+      <p:sp>
+        <p:nvSpPr>
+          <p:cNvPr id="11" name="TextBox 10">
+            <a:extLst>
+              <a:ext uri="{FF2B5EF4-FFF2-40B4-BE49-F238E27FC236}">
+                <a16:creationId xmlns:a16="http://schemas.microsoft.com/office/drawing/2014/main" id="{CD7F4D56-8803-15D6-918A-B647C3915D21}"/>
+              </a:ext>
+            </a:extLst>
+          </p:cNvPr>
+          <p:cNvSpPr txBox="1"/>
+          <p:nvPr/>
+        </p:nvSpPr>
+        <p:spPr>
+          <a:xfrm>
+            <a:off x="387055" y="4700699"/>
+            <a:ext cx="4340456" cy="1261884"/>
+          </a:xfrm>
+          <a:prstGeom prst="rect">
+            <a:avLst/>
+          </a:prstGeom>
+          <a:noFill/>
+        </p:spPr>
+        <p:txBody>
+          <a:bodyPr wrap="square">
+            <a:spAutoFit/>
+          </a:bodyPr>
+          <a:lstStyle/>
+          <a:p>
+            <a:pPr>
+              <a:buNone/>
+            </a:pPr>
+            <a:r>
+              <a:rPr lang="en-BE" sz="2800" b="1" dirty="0"/>
+              <a:t>🟠 </a:t>
+            </a:r>
+            <a:r>
+              <a:rPr lang="en-GB" sz="2800" b="1" dirty="0"/>
+              <a:t>Level 2 — Selective</a:t>
+            </a:r>
+          </a:p>
+          <a:p>
+            <a:pPr marL="342900" indent="-342900">
+              <a:buFont typeface="Arial" panose="020B0604020202020204" pitchFamily="34" charset="0"/>
+              <a:buChar char="•"/>
+            </a:pPr>
+            <a:r>
+              <a:rPr lang="en-GB" sz="2400" dirty="0"/>
+              <a:t>Design only major features.</a:t>
+            </a:r>
+          </a:p>
+          <a:p>
+            <a:pPr marL="342900" indent="-342900">
+              <a:buFont typeface="Arial" panose="020B0604020202020204" pitchFamily="34" charset="0"/>
+              <a:buChar char="•"/>
+            </a:pPr>
+            <a:r>
+              <a:rPr lang="en-GB" sz="2400" dirty="0"/>
+              <a:t>Small PRs skip design.</a:t>
+            </a:r>
+          </a:p>
+        </p:txBody>
+      </p:sp>
+      <p:sp>
+        <p:nvSpPr>
+          <p:cNvPr id="19" name="TextBox 18">
+            <a:extLst>
+              <a:ext uri="{FF2B5EF4-FFF2-40B4-BE49-F238E27FC236}">
+                <a16:creationId xmlns:a16="http://schemas.microsoft.com/office/drawing/2014/main" id="{E90D7E1B-5F31-7A7D-7771-2EAD59AC4A6E}"/>
+              </a:ext>
+            </a:extLst>
+          </p:cNvPr>
+          <p:cNvSpPr txBox="1"/>
+          <p:nvPr/>
+        </p:nvSpPr>
+        <p:spPr>
+          <a:xfrm>
+            <a:off x="5559490" y="1240315"/>
+            <a:ext cx="5637237" cy="2492990"/>
+          </a:xfrm>
+          <a:prstGeom prst="rect">
+            <a:avLst/>
+          </a:prstGeom>
+          <a:noFill/>
+          <a:ln w="38100">
+            <a:solidFill>
+              <a:srgbClr val="006600"/>
+            </a:solidFill>
+          </a:ln>
+        </p:spPr>
+        <p:txBody>
+          <a:bodyPr wrap="square">
+            <a:spAutoFit/>
+          </a:bodyPr>
+          <a:lstStyle/>
+          <a:p>
+            <a:pPr>
+              <a:buNone/>
+            </a:pPr>
+            <a:r>
+              <a:rPr lang="en-BE" sz="2800" b="1" dirty="0"/>
+              <a:t>🟡 </a:t>
+            </a:r>
+            <a:r>
+              <a:rPr lang="en-GB" sz="2800" b="1" dirty="0"/>
+              <a:t>Level 3 — Intentional PR Design</a:t>
+            </a:r>
+            <a:endParaRPr lang="en-BE" sz="2800" b="1" dirty="0"/>
+          </a:p>
+          <a:p>
+            <a:pPr>
+              <a:buNone/>
+            </a:pPr>
+            <a:r>
+              <a:rPr lang="en-GB" sz="2800" b="1" dirty="0"/>
+              <a:t>Every meaningful PR:</a:t>
+            </a:r>
+          </a:p>
+          <a:p>
+            <a:pPr marL="342900" indent="-342900">
+              <a:buFont typeface="Arial" panose="020B0604020202020204" pitchFamily="34" charset="0"/>
+              <a:buChar char="•"/>
+            </a:pPr>
+            <a:r>
+              <a:rPr lang="en-GB" sz="2400" dirty="0"/>
+              <a:t>Evaluates structural impact</a:t>
+            </a:r>
+          </a:p>
+          <a:p>
+            <a:pPr marL="342900" indent="-342900">
+              <a:buFont typeface="Arial" panose="020B0604020202020204" pitchFamily="34" charset="0"/>
+              <a:buChar char="•"/>
+            </a:pPr>
+            <a:r>
+              <a:rPr lang="en-GB" sz="2400" dirty="0"/>
+              <a:t>Evaluates </a:t>
+            </a:r>
+            <a:r>
+              <a:rPr lang="en-GB" sz="2400" dirty="0" err="1"/>
+              <a:t>behavioral</a:t>
+            </a:r>
+            <a:r>
+              <a:rPr lang="en-GB" sz="2400" dirty="0"/>
+              <a:t> impact</a:t>
+            </a:r>
+          </a:p>
+          <a:p>
+            <a:pPr marL="342900" indent="-342900">
+              <a:buFont typeface="Arial" panose="020B0604020202020204" pitchFamily="34" charset="0"/>
+              <a:buChar char="•"/>
+            </a:pPr>
+            <a:r>
+              <a:rPr lang="en-GB" sz="2400" dirty="0"/>
+              <a:t>Updates the correct diagram</a:t>
+            </a:r>
+          </a:p>
+          <a:p>
+            <a:pPr>
+              <a:buNone/>
+            </a:pPr>
+            <a:r>
+              <a:rPr lang="en-GB" sz="2800" b="1" dirty="0"/>
+              <a:t>Senior Design Target</a:t>
+            </a:r>
+            <a:endParaRPr lang="en-GB" sz="2800" dirty="0"/>
+          </a:p>
+        </p:txBody>
+      </p:sp>
+      <p:sp>
+        <p:nvSpPr>
+          <p:cNvPr id="23" name="TextBox 22">
+            <a:extLst>
+              <a:ext uri="{FF2B5EF4-FFF2-40B4-BE49-F238E27FC236}">
+                <a16:creationId xmlns:a16="http://schemas.microsoft.com/office/drawing/2014/main" id="{43087DCF-8989-1F89-C344-DE871982468C}"/>
+              </a:ext>
+            </a:extLst>
+          </p:cNvPr>
+          <p:cNvSpPr txBox="1"/>
+          <p:nvPr/>
+        </p:nvSpPr>
+        <p:spPr>
+          <a:xfrm>
+            <a:off x="5559490" y="3896921"/>
+            <a:ext cx="6102220" cy="2800767"/>
+          </a:xfrm>
+          <a:prstGeom prst="rect">
+            <a:avLst/>
+          </a:prstGeom>
+          <a:noFill/>
+        </p:spPr>
+        <p:txBody>
+          <a:bodyPr wrap="square">
+            <a:spAutoFit/>
+          </a:bodyPr>
+          <a:lstStyle/>
+          <a:p>
+            <a:pPr>
+              <a:buNone/>
+            </a:pPr>
+            <a:r>
+              <a:rPr lang="en-BE" sz="2800" b="1" dirty="0"/>
+              <a:t>🟢 </a:t>
+            </a:r>
+            <a:r>
+              <a:rPr lang="en-GB" sz="2800" b="1" dirty="0"/>
+              <a:t>Level 4 — Architectural Stewardship</a:t>
+            </a:r>
+          </a:p>
+          <a:p>
+            <a:pPr>
+              <a:buNone/>
+            </a:pPr>
+            <a:r>
+              <a:rPr lang="en-GB" sz="2800" dirty="0"/>
+              <a:t>Architecture evolves intentionally:</a:t>
+            </a:r>
+          </a:p>
+          <a:p>
+            <a:pPr marL="285750" indent="-285750">
+              <a:buFont typeface="Arial" panose="020B0604020202020204" pitchFamily="34" charset="0"/>
+              <a:buChar char="•"/>
+            </a:pPr>
+            <a:r>
+              <a:rPr lang="en-GB" sz="2400" dirty="0"/>
+              <a:t>Refactor proactively</a:t>
+            </a:r>
+          </a:p>
+          <a:p>
+            <a:pPr marL="285750" indent="-285750">
+              <a:buFont typeface="Arial" panose="020B0604020202020204" pitchFamily="34" charset="0"/>
+              <a:buChar char="•"/>
+            </a:pPr>
+            <a:r>
+              <a:rPr lang="en-GB" sz="2400" dirty="0"/>
+              <a:t>Protect boundaries</a:t>
+            </a:r>
+          </a:p>
+          <a:p>
+            <a:pPr marL="285750" indent="-285750">
+              <a:buFont typeface="Arial" panose="020B0604020202020204" pitchFamily="34" charset="0"/>
+              <a:buChar char="•"/>
+            </a:pPr>
+            <a:r>
+              <a:rPr lang="en-GB" sz="2400" dirty="0"/>
+              <a:t>Reduce coupling</a:t>
+            </a:r>
+          </a:p>
+          <a:p>
+            <a:pPr marL="285750" indent="-285750">
+              <a:buFont typeface="Arial" panose="020B0604020202020204" pitchFamily="34" charset="0"/>
+              <a:buChar char="•"/>
+            </a:pPr>
+            <a:r>
+              <a:rPr lang="en-GB" sz="2400" dirty="0"/>
+              <a:t>Improve design over time</a:t>
+            </a:r>
+          </a:p>
+          <a:p>
+            <a:r>
+              <a:rPr lang="en-GB" sz="2400" b="1" dirty="0"/>
+              <a:t>Senior engineers and architects do in industry.</a:t>
+            </a:r>
+          </a:p>
+        </p:txBody>
+      </p:sp>
+      <p:sp>
+        <p:nvSpPr>
+          <p:cNvPr id="26" name="TextBox 25">
+            <a:extLst>
+              <a:ext uri="{FF2B5EF4-FFF2-40B4-BE49-F238E27FC236}">
+                <a16:creationId xmlns:a16="http://schemas.microsoft.com/office/drawing/2014/main" id="{93D293BE-284B-8205-059E-81234B4C56FC}"/>
+              </a:ext>
+            </a:extLst>
+          </p:cNvPr>
+          <p:cNvSpPr txBox="1"/>
+          <p:nvPr/>
+        </p:nvSpPr>
+        <p:spPr>
+          <a:xfrm>
+            <a:off x="242603" y="1326304"/>
+            <a:ext cx="5095286" cy="954107"/>
+          </a:xfrm>
+          <a:prstGeom prst="rect">
+            <a:avLst/>
+          </a:prstGeom>
+          <a:noFill/>
+        </p:spPr>
+        <p:txBody>
+          <a:bodyPr wrap="square">
+            <a:spAutoFit/>
+          </a:bodyPr>
+          <a:lstStyle/>
+          <a:p>
+            <a:r>
+              <a:rPr lang="en-GB" sz="2800" dirty="0"/>
+              <a:t>There are four levels of design maturity in software projects.</a:t>
+            </a:r>
+            <a:endParaRPr lang="en-US" sz="2800" dirty="0"/>
+          </a:p>
+        </p:txBody>
+      </p:sp>
+    </p:spTree>
+    <p:extLst>
+      <p:ext uri="{BB962C8B-B14F-4D97-AF65-F5344CB8AC3E}">
+        <p14:creationId xmlns:p14="http://schemas.microsoft.com/office/powerpoint/2010/main" val="688346710"/>
       </p:ext>
     </p:extLst>
   </p:cSld>
@@ -9784,905 +10343,6 @@
         <p:cNvPr id="1" name="">
           <a:extLst>
             <a:ext uri="{FF2B5EF4-FFF2-40B4-BE49-F238E27FC236}">
-              <a16:creationId xmlns:a16="http://schemas.microsoft.com/office/drawing/2014/main" id="{3212EB04-CE5D-AFA8-3306-23F04B43DBCB}"/>
-            </a:ext>
-          </a:extLst>
-        </p:cNvPr>
-        <p:cNvGrpSpPr/>
-        <p:nvPr/>
-      </p:nvGrpSpPr>
-      <p:grpSpPr>
-        <a:xfrm>
-          <a:off x="0" y="0"/>
-          <a:ext cx="0" cy="0"/>
-          <a:chOff x="0" y="0"/>
-          <a:chExt cx="0" cy="0"/>
-        </a:xfrm>
-      </p:grpSpPr>
-      <p:sp>
-        <p:nvSpPr>
-          <p:cNvPr id="4" name="Slide Number Placeholder 3">
-            <a:extLst>
-              <a:ext uri="{FF2B5EF4-FFF2-40B4-BE49-F238E27FC236}">
-                <a16:creationId xmlns:a16="http://schemas.microsoft.com/office/drawing/2014/main" id="{87F73BE8-FD66-0BB2-0936-97A6C4B5BD63}"/>
-              </a:ext>
-            </a:extLst>
-          </p:cNvPr>
-          <p:cNvSpPr>
-            <a:spLocks noGrp="1"/>
-          </p:cNvSpPr>
-          <p:nvPr>
-            <p:ph type="sldNum" sz="quarter" idx="12"/>
-          </p:nvPr>
-        </p:nvSpPr>
-        <p:spPr/>
-        <p:txBody>
-          <a:bodyPr/>
-          <a:lstStyle/>
-          <a:p>
-            <a:fld id="{76FC44FA-978A-2F4D-B308-AF3FA2E1E6ED}" type="slidenum">
-              <a:rPr lang="en-BE" smtClean="0"/>
-              <a:t>17</a:t>
-            </a:fld>
-            <a:endParaRPr lang="en-BE" dirty="0"/>
-          </a:p>
-        </p:txBody>
-      </p:sp>
-      <p:sp>
-        <p:nvSpPr>
-          <p:cNvPr id="14" name="Title 1">
-            <a:extLst>
-              <a:ext uri="{FF2B5EF4-FFF2-40B4-BE49-F238E27FC236}">
-                <a16:creationId xmlns:a16="http://schemas.microsoft.com/office/drawing/2014/main" id="{AC2E4353-5CDD-603D-D593-A235462FF1A0}"/>
-              </a:ext>
-            </a:extLst>
-          </p:cNvPr>
-          <p:cNvSpPr>
-            <a:spLocks noGrp="1"/>
-          </p:cNvSpPr>
-          <p:nvPr>
-            <p:ph type="title"/>
-          </p:nvPr>
-        </p:nvSpPr>
-        <p:spPr>
-          <a:xfrm>
-            <a:off x="838200" y="37676"/>
-            <a:ext cx="10515600" cy="1026849"/>
-          </a:xfrm>
-        </p:spPr>
-        <p:txBody>
-          <a:bodyPr/>
-          <a:lstStyle/>
-          <a:p>
-            <a:r>
-              <a:rPr lang="en-GB" b="1" dirty="0"/>
-              <a:t>Design Maturity in Senior Projects</a:t>
-            </a:r>
-          </a:p>
-        </p:txBody>
-      </p:sp>
-      <p:sp>
-        <p:nvSpPr>
-          <p:cNvPr id="2" name="AutoShape 2" descr="Output image">
-            <a:extLst>
-              <a:ext uri="{FF2B5EF4-FFF2-40B4-BE49-F238E27FC236}">
-                <a16:creationId xmlns:a16="http://schemas.microsoft.com/office/drawing/2014/main" id="{4496E4CF-9B15-6E15-7B68-9EE44D491702}"/>
-              </a:ext>
-            </a:extLst>
-          </p:cNvPr>
-          <p:cNvSpPr>
-            <a:spLocks noChangeAspect="1" noChangeArrowheads="1"/>
-          </p:cNvSpPr>
-          <p:nvPr/>
-        </p:nvSpPr>
-        <p:spPr bwMode="auto">
-          <a:xfrm>
-            <a:off x="5943600" y="3276600"/>
-            <a:ext cx="304800" cy="304800"/>
-          </a:xfrm>
-          <a:prstGeom prst="rect">
-            <a:avLst/>
-          </a:prstGeom>
-          <a:noFill/>
-          <a:extLst>
-            <a:ext uri="{909E8E84-426E-40DD-AFC4-6F175D3DCCD1}">
-              <a14:hiddenFill xmlns:a14="http://schemas.microsoft.com/office/drawing/2010/main">
-                <a:solidFill>
-                  <a:srgbClr val="FFFFFF"/>
-                </a:solidFill>
-              </a14:hiddenFill>
-            </a:ext>
-          </a:extLst>
-        </p:spPr>
-        <p:txBody>
-          <a:bodyPr vert="horz" wrap="square" lIns="91440" tIns="45720" rIns="91440" bIns="45720" numCol="1" anchor="t" anchorCtr="0" compatLnSpc="1">
-            <a:prstTxWarp prst="textNoShape">
-              <a:avLst/>
-            </a:prstTxWarp>
-          </a:bodyPr>
-          <a:lstStyle/>
-          <a:p>
-            <a:endParaRPr lang="en-US"/>
-          </a:p>
-        </p:txBody>
-      </p:sp>
-      <p:sp>
-        <p:nvSpPr>
-          <p:cNvPr id="3" name="AutoShape 4" descr="Output image">
-            <a:extLst>
-              <a:ext uri="{FF2B5EF4-FFF2-40B4-BE49-F238E27FC236}">
-                <a16:creationId xmlns:a16="http://schemas.microsoft.com/office/drawing/2014/main" id="{5955B0B5-8F5A-A0BD-9002-478911A5E62F}"/>
-              </a:ext>
-            </a:extLst>
-          </p:cNvPr>
-          <p:cNvSpPr>
-            <a:spLocks noChangeAspect="1" noChangeArrowheads="1"/>
-          </p:cNvSpPr>
-          <p:nvPr/>
-        </p:nvSpPr>
-        <p:spPr bwMode="auto">
-          <a:xfrm>
-            <a:off x="6096000" y="3429000"/>
-            <a:ext cx="304800" cy="304800"/>
-          </a:xfrm>
-          <a:prstGeom prst="rect">
-            <a:avLst/>
-          </a:prstGeom>
-          <a:noFill/>
-          <a:extLst>
-            <a:ext uri="{909E8E84-426E-40DD-AFC4-6F175D3DCCD1}">
-              <a14:hiddenFill xmlns:a14="http://schemas.microsoft.com/office/drawing/2010/main">
-                <a:solidFill>
-                  <a:srgbClr val="FFFFFF"/>
-                </a:solidFill>
-              </a14:hiddenFill>
-            </a:ext>
-          </a:extLst>
-        </p:spPr>
-        <p:txBody>
-          <a:bodyPr vert="horz" wrap="square" lIns="91440" tIns="45720" rIns="91440" bIns="45720" numCol="1" anchor="t" anchorCtr="0" compatLnSpc="1">
-            <a:prstTxWarp prst="textNoShape">
-              <a:avLst/>
-            </a:prstTxWarp>
-          </a:bodyPr>
-          <a:lstStyle/>
-          <a:p>
-            <a:endParaRPr lang="en-US"/>
-          </a:p>
-        </p:txBody>
-      </p:sp>
-      <p:sp>
-        <p:nvSpPr>
-          <p:cNvPr id="5" name="AutoShape 6" descr="Generated image">
-            <a:extLst>
-              <a:ext uri="{FF2B5EF4-FFF2-40B4-BE49-F238E27FC236}">
-                <a16:creationId xmlns:a16="http://schemas.microsoft.com/office/drawing/2014/main" id="{AF54452D-5D4A-EB63-AF39-8FF4C88FEF78}"/>
-              </a:ext>
-            </a:extLst>
-          </p:cNvPr>
-          <p:cNvSpPr>
-            <a:spLocks noChangeAspect="1" noChangeArrowheads="1"/>
-          </p:cNvSpPr>
-          <p:nvPr/>
-        </p:nvSpPr>
-        <p:spPr bwMode="auto">
-          <a:xfrm>
-            <a:off x="6248400" y="3581400"/>
-            <a:ext cx="304800" cy="304800"/>
-          </a:xfrm>
-          <a:prstGeom prst="rect">
-            <a:avLst/>
-          </a:prstGeom>
-          <a:noFill/>
-          <a:extLst>
-            <a:ext uri="{909E8E84-426E-40DD-AFC4-6F175D3DCCD1}">
-              <a14:hiddenFill xmlns:a14="http://schemas.microsoft.com/office/drawing/2010/main">
-                <a:solidFill>
-                  <a:srgbClr val="FFFFFF"/>
-                </a:solidFill>
-              </a14:hiddenFill>
-            </a:ext>
-          </a:extLst>
-        </p:spPr>
-        <p:txBody>
-          <a:bodyPr vert="horz" wrap="square" lIns="91440" tIns="45720" rIns="91440" bIns="45720" numCol="1" anchor="t" anchorCtr="0" compatLnSpc="1">
-            <a:prstTxWarp prst="textNoShape">
-              <a:avLst/>
-            </a:prstTxWarp>
-          </a:bodyPr>
-          <a:lstStyle/>
-          <a:p>
-            <a:endParaRPr lang="en-US"/>
-          </a:p>
-        </p:txBody>
-      </p:sp>
-      <p:sp>
-        <p:nvSpPr>
-          <p:cNvPr id="6" name="AutoShape 8">
-            <a:extLst>
-              <a:ext uri="{FF2B5EF4-FFF2-40B4-BE49-F238E27FC236}">
-                <a16:creationId xmlns:a16="http://schemas.microsoft.com/office/drawing/2014/main" id="{AE7AD8FE-9F96-F5F7-6630-FA4736891CAF}"/>
-              </a:ext>
-            </a:extLst>
-          </p:cNvPr>
-          <p:cNvSpPr>
-            <a:spLocks noChangeAspect="1" noChangeArrowheads="1"/>
-          </p:cNvSpPr>
-          <p:nvPr/>
-        </p:nvSpPr>
-        <p:spPr bwMode="auto">
-          <a:xfrm>
-            <a:off x="6400800" y="3733800"/>
-            <a:ext cx="304800" cy="304800"/>
-          </a:xfrm>
-          <a:prstGeom prst="rect">
-            <a:avLst/>
-          </a:prstGeom>
-          <a:noFill/>
-          <a:extLst>
-            <a:ext uri="{909E8E84-426E-40DD-AFC4-6F175D3DCCD1}">
-              <a14:hiddenFill xmlns:a14="http://schemas.microsoft.com/office/drawing/2010/main">
-                <a:solidFill>
-                  <a:srgbClr val="FFFFFF"/>
-                </a:solidFill>
-              </a14:hiddenFill>
-            </a:ext>
-          </a:extLst>
-        </p:spPr>
-        <p:txBody>
-          <a:bodyPr vert="horz" wrap="square" lIns="91440" tIns="45720" rIns="91440" bIns="45720" numCol="1" anchor="t" anchorCtr="0" compatLnSpc="1">
-            <a:prstTxWarp prst="textNoShape">
-              <a:avLst/>
-            </a:prstTxWarp>
-          </a:bodyPr>
-          <a:lstStyle/>
-          <a:p>
-            <a:endParaRPr lang="en-US"/>
-          </a:p>
-        </p:txBody>
-      </p:sp>
-      <p:cxnSp>
-        <p:nvCxnSpPr>
-          <p:cNvPr id="22" name="Straight Connector 21">
-            <a:extLst>
-              <a:ext uri="{FF2B5EF4-FFF2-40B4-BE49-F238E27FC236}">
-                <a16:creationId xmlns:a16="http://schemas.microsoft.com/office/drawing/2014/main" id="{61402176-EFE2-F94E-EB30-855395B60985}"/>
-              </a:ext>
-            </a:extLst>
-          </p:cNvPr>
-          <p:cNvCxnSpPr>
-            <a:cxnSpLocks/>
-          </p:cNvCxnSpPr>
-          <p:nvPr/>
-        </p:nvCxnSpPr>
-        <p:spPr>
-          <a:xfrm>
-            <a:off x="5411755" y="1240315"/>
-            <a:ext cx="0" cy="5116035"/>
-          </a:xfrm>
-          <a:prstGeom prst="line">
-            <a:avLst/>
-          </a:prstGeom>
-          <a:ln w="38100">
-            <a:solidFill>
-              <a:schemeClr val="tx1"/>
-            </a:solidFill>
-          </a:ln>
-        </p:spPr>
-        <p:style>
-          <a:lnRef idx="1">
-            <a:schemeClr val="accent1"/>
-          </a:lnRef>
-          <a:fillRef idx="0">
-            <a:schemeClr val="accent1"/>
-          </a:fillRef>
-          <a:effectRef idx="0">
-            <a:schemeClr val="accent1"/>
-          </a:effectRef>
-          <a:fontRef idx="minor">
-            <a:schemeClr val="tx1"/>
-          </a:fontRef>
-        </p:style>
-      </p:cxnSp>
-      <p:sp>
-        <p:nvSpPr>
-          <p:cNvPr id="9" name="TextBox 8">
-            <a:extLst>
-              <a:ext uri="{FF2B5EF4-FFF2-40B4-BE49-F238E27FC236}">
-                <a16:creationId xmlns:a16="http://schemas.microsoft.com/office/drawing/2014/main" id="{758EBE92-225B-F409-7748-B54E7556A076}"/>
-              </a:ext>
-            </a:extLst>
-          </p:cNvPr>
-          <p:cNvSpPr txBox="1"/>
-          <p:nvPr/>
-        </p:nvSpPr>
-        <p:spPr>
-          <a:xfrm>
-            <a:off x="524070" y="2950458"/>
-            <a:ext cx="4051041" cy="1261884"/>
-          </a:xfrm>
-          <a:prstGeom prst="rect">
-            <a:avLst/>
-          </a:prstGeom>
-          <a:noFill/>
-        </p:spPr>
-        <p:txBody>
-          <a:bodyPr wrap="square">
-            <a:spAutoFit/>
-          </a:bodyPr>
-          <a:lstStyle/>
-          <a:p>
-            <a:pPr>
-              <a:buNone/>
-            </a:pPr>
-            <a:r>
-              <a:rPr lang="en-BE" sz="2800" b="1" dirty="0"/>
-              <a:t>🔴 </a:t>
-            </a:r>
-            <a:r>
-              <a:rPr lang="en-GB" sz="2800" b="1" dirty="0"/>
-              <a:t>Level 1 — Reactive</a:t>
-            </a:r>
-          </a:p>
-          <a:p>
-            <a:pPr marL="342900" indent="-342900">
-              <a:buFont typeface="Arial" panose="020B0604020202020204" pitchFamily="34" charset="0"/>
-              <a:buChar char="•"/>
-            </a:pPr>
-            <a:r>
-              <a:rPr lang="en-GB" sz="2400" dirty="0"/>
-              <a:t>Code first.</a:t>
-            </a:r>
-          </a:p>
-          <a:p>
-            <a:pPr marL="342900" indent="-342900">
-              <a:buFont typeface="Arial" panose="020B0604020202020204" pitchFamily="34" charset="0"/>
-              <a:buChar char="•"/>
-            </a:pPr>
-            <a:r>
-              <a:rPr lang="en-GB" sz="2400" dirty="0"/>
-              <a:t>Diagram after (if at all).</a:t>
-            </a:r>
-          </a:p>
-        </p:txBody>
-      </p:sp>
-      <p:sp>
-        <p:nvSpPr>
-          <p:cNvPr id="11" name="TextBox 10">
-            <a:extLst>
-              <a:ext uri="{FF2B5EF4-FFF2-40B4-BE49-F238E27FC236}">
-                <a16:creationId xmlns:a16="http://schemas.microsoft.com/office/drawing/2014/main" id="{CD7F4D56-8803-15D6-918A-B647C3915D21}"/>
-              </a:ext>
-            </a:extLst>
-          </p:cNvPr>
-          <p:cNvSpPr txBox="1"/>
-          <p:nvPr/>
-        </p:nvSpPr>
-        <p:spPr>
-          <a:xfrm>
-            <a:off x="387055" y="4700699"/>
-            <a:ext cx="4340456" cy="1261884"/>
-          </a:xfrm>
-          <a:prstGeom prst="rect">
-            <a:avLst/>
-          </a:prstGeom>
-          <a:noFill/>
-        </p:spPr>
-        <p:txBody>
-          <a:bodyPr wrap="square">
-            <a:spAutoFit/>
-          </a:bodyPr>
-          <a:lstStyle/>
-          <a:p>
-            <a:pPr>
-              <a:buNone/>
-            </a:pPr>
-            <a:r>
-              <a:rPr lang="en-BE" sz="2800" b="1" dirty="0"/>
-              <a:t>🟠 </a:t>
-            </a:r>
-            <a:r>
-              <a:rPr lang="en-GB" sz="2800" b="1" dirty="0"/>
-              <a:t>Level 2 — Selective</a:t>
-            </a:r>
-          </a:p>
-          <a:p>
-            <a:pPr marL="342900" indent="-342900">
-              <a:buFont typeface="Arial" panose="020B0604020202020204" pitchFamily="34" charset="0"/>
-              <a:buChar char="•"/>
-            </a:pPr>
-            <a:r>
-              <a:rPr lang="en-GB" sz="2400" dirty="0"/>
-              <a:t>Design only major features.</a:t>
-            </a:r>
-          </a:p>
-          <a:p>
-            <a:pPr marL="342900" indent="-342900">
-              <a:buFont typeface="Arial" panose="020B0604020202020204" pitchFamily="34" charset="0"/>
-              <a:buChar char="•"/>
-            </a:pPr>
-            <a:r>
-              <a:rPr lang="en-GB" sz="2400" dirty="0"/>
-              <a:t>Small PRs skip design.</a:t>
-            </a:r>
-          </a:p>
-        </p:txBody>
-      </p:sp>
-      <p:sp>
-        <p:nvSpPr>
-          <p:cNvPr id="19" name="TextBox 18">
-            <a:extLst>
-              <a:ext uri="{FF2B5EF4-FFF2-40B4-BE49-F238E27FC236}">
-                <a16:creationId xmlns:a16="http://schemas.microsoft.com/office/drawing/2014/main" id="{E90D7E1B-5F31-7A7D-7771-2EAD59AC4A6E}"/>
-              </a:ext>
-            </a:extLst>
-          </p:cNvPr>
-          <p:cNvSpPr txBox="1"/>
-          <p:nvPr/>
-        </p:nvSpPr>
-        <p:spPr>
-          <a:xfrm>
-            <a:off x="5559490" y="1240315"/>
-            <a:ext cx="5637237" cy="2492990"/>
-          </a:xfrm>
-          <a:prstGeom prst="rect">
-            <a:avLst/>
-          </a:prstGeom>
-          <a:noFill/>
-          <a:ln w="38100">
-            <a:solidFill>
-              <a:srgbClr val="006600"/>
-            </a:solidFill>
-          </a:ln>
-        </p:spPr>
-        <p:txBody>
-          <a:bodyPr wrap="square">
-            <a:spAutoFit/>
-          </a:bodyPr>
-          <a:lstStyle/>
-          <a:p>
-            <a:pPr>
-              <a:buNone/>
-            </a:pPr>
-            <a:r>
-              <a:rPr lang="en-BE" sz="2800" b="1" dirty="0"/>
-              <a:t>🟡 </a:t>
-            </a:r>
-            <a:r>
-              <a:rPr lang="en-GB" sz="2800" b="1" dirty="0"/>
-              <a:t>Level 3 — Intentional PR Design</a:t>
-            </a:r>
-            <a:endParaRPr lang="en-BE" sz="2800" b="1" dirty="0"/>
-          </a:p>
-          <a:p>
-            <a:pPr>
-              <a:buNone/>
-            </a:pPr>
-            <a:r>
-              <a:rPr lang="en-GB" sz="2800" b="1" dirty="0"/>
-              <a:t>Every meaningful PR:</a:t>
-            </a:r>
-          </a:p>
-          <a:p>
-            <a:pPr marL="342900" indent="-342900">
-              <a:buFont typeface="Arial" panose="020B0604020202020204" pitchFamily="34" charset="0"/>
-              <a:buChar char="•"/>
-            </a:pPr>
-            <a:r>
-              <a:rPr lang="en-GB" sz="2400" dirty="0"/>
-              <a:t>Evaluates structural impact</a:t>
-            </a:r>
-          </a:p>
-          <a:p>
-            <a:pPr marL="342900" indent="-342900">
-              <a:buFont typeface="Arial" panose="020B0604020202020204" pitchFamily="34" charset="0"/>
-              <a:buChar char="•"/>
-            </a:pPr>
-            <a:r>
-              <a:rPr lang="en-GB" sz="2400" dirty="0"/>
-              <a:t>Evaluates </a:t>
-            </a:r>
-            <a:r>
-              <a:rPr lang="en-GB" sz="2400" dirty="0" err="1"/>
-              <a:t>behavioral</a:t>
-            </a:r>
-            <a:r>
-              <a:rPr lang="en-GB" sz="2400" dirty="0"/>
-              <a:t> impact</a:t>
-            </a:r>
-          </a:p>
-          <a:p>
-            <a:pPr marL="342900" indent="-342900">
-              <a:buFont typeface="Arial" panose="020B0604020202020204" pitchFamily="34" charset="0"/>
-              <a:buChar char="•"/>
-            </a:pPr>
-            <a:r>
-              <a:rPr lang="en-GB" sz="2400" dirty="0"/>
-              <a:t>Updates the correct diagram</a:t>
-            </a:r>
-          </a:p>
-          <a:p>
-            <a:pPr>
-              <a:buNone/>
-            </a:pPr>
-            <a:r>
-              <a:rPr lang="en-GB" sz="2800" b="1" dirty="0"/>
-              <a:t>Senior Design Target</a:t>
-            </a:r>
-            <a:endParaRPr lang="en-GB" sz="2800" dirty="0"/>
-          </a:p>
-        </p:txBody>
-      </p:sp>
-      <p:sp>
-        <p:nvSpPr>
-          <p:cNvPr id="23" name="TextBox 22">
-            <a:extLst>
-              <a:ext uri="{FF2B5EF4-FFF2-40B4-BE49-F238E27FC236}">
-                <a16:creationId xmlns:a16="http://schemas.microsoft.com/office/drawing/2014/main" id="{43087DCF-8989-1F89-C344-DE871982468C}"/>
-              </a:ext>
-            </a:extLst>
-          </p:cNvPr>
-          <p:cNvSpPr txBox="1"/>
-          <p:nvPr/>
-        </p:nvSpPr>
-        <p:spPr>
-          <a:xfrm>
-            <a:off x="5559490" y="3896921"/>
-            <a:ext cx="6102220" cy="2800767"/>
-          </a:xfrm>
-          <a:prstGeom prst="rect">
-            <a:avLst/>
-          </a:prstGeom>
-          <a:noFill/>
-        </p:spPr>
-        <p:txBody>
-          <a:bodyPr wrap="square">
-            <a:spAutoFit/>
-          </a:bodyPr>
-          <a:lstStyle/>
-          <a:p>
-            <a:pPr>
-              <a:buNone/>
-            </a:pPr>
-            <a:r>
-              <a:rPr lang="en-BE" sz="2800" b="1" dirty="0"/>
-              <a:t>🟢 </a:t>
-            </a:r>
-            <a:r>
-              <a:rPr lang="en-GB" sz="2800" b="1" dirty="0"/>
-              <a:t>Level 4 — Architectural Stewardship</a:t>
-            </a:r>
-          </a:p>
-          <a:p>
-            <a:pPr>
-              <a:buNone/>
-            </a:pPr>
-            <a:r>
-              <a:rPr lang="en-GB" sz="2800" dirty="0"/>
-              <a:t>Architecture evolves intentionally:</a:t>
-            </a:r>
-          </a:p>
-          <a:p>
-            <a:pPr marL="285750" indent="-285750">
-              <a:buFont typeface="Arial" panose="020B0604020202020204" pitchFamily="34" charset="0"/>
-              <a:buChar char="•"/>
-            </a:pPr>
-            <a:r>
-              <a:rPr lang="en-GB" sz="2400" dirty="0"/>
-              <a:t>Refactor proactively</a:t>
-            </a:r>
-          </a:p>
-          <a:p>
-            <a:pPr marL="285750" indent="-285750">
-              <a:buFont typeface="Arial" panose="020B0604020202020204" pitchFamily="34" charset="0"/>
-              <a:buChar char="•"/>
-            </a:pPr>
-            <a:r>
-              <a:rPr lang="en-GB" sz="2400" dirty="0"/>
-              <a:t>Protect boundaries</a:t>
-            </a:r>
-          </a:p>
-          <a:p>
-            <a:pPr marL="285750" indent="-285750">
-              <a:buFont typeface="Arial" panose="020B0604020202020204" pitchFamily="34" charset="0"/>
-              <a:buChar char="•"/>
-            </a:pPr>
-            <a:r>
-              <a:rPr lang="en-GB" sz="2400" dirty="0"/>
-              <a:t>Reduce coupling</a:t>
-            </a:r>
-          </a:p>
-          <a:p>
-            <a:pPr marL="285750" indent="-285750">
-              <a:buFont typeface="Arial" panose="020B0604020202020204" pitchFamily="34" charset="0"/>
-              <a:buChar char="•"/>
-            </a:pPr>
-            <a:r>
-              <a:rPr lang="en-GB" sz="2400" dirty="0"/>
-              <a:t>Improve design over time</a:t>
-            </a:r>
-          </a:p>
-          <a:p>
-            <a:r>
-              <a:rPr lang="en-GB" sz="2400" b="1" dirty="0"/>
-              <a:t>Senior engineers and architects do in industry.</a:t>
-            </a:r>
-          </a:p>
-        </p:txBody>
-      </p:sp>
-      <p:sp>
-        <p:nvSpPr>
-          <p:cNvPr id="26" name="TextBox 25">
-            <a:extLst>
-              <a:ext uri="{FF2B5EF4-FFF2-40B4-BE49-F238E27FC236}">
-                <a16:creationId xmlns:a16="http://schemas.microsoft.com/office/drawing/2014/main" id="{93D293BE-284B-8205-059E-81234B4C56FC}"/>
-              </a:ext>
-            </a:extLst>
-          </p:cNvPr>
-          <p:cNvSpPr txBox="1"/>
-          <p:nvPr/>
-        </p:nvSpPr>
-        <p:spPr>
-          <a:xfrm>
-            <a:off x="242603" y="1326304"/>
-            <a:ext cx="5095286" cy="954107"/>
-          </a:xfrm>
-          <a:prstGeom prst="rect">
-            <a:avLst/>
-          </a:prstGeom>
-          <a:noFill/>
-        </p:spPr>
-        <p:txBody>
-          <a:bodyPr wrap="square">
-            <a:spAutoFit/>
-          </a:bodyPr>
-          <a:lstStyle/>
-          <a:p>
-            <a:r>
-              <a:rPr lang="en-GB" sz="2800" dirty="0"/>
-              <a:t>There are four levels of design maturity in software projects.</a:t>
-            </a:r>
-            <a:endParaRPr lang="en-US" sz="2800" dirty="0"/>
-          </a:p>
-        </p:txBody>
-      </p:sp>
-    </p:spTree>
-    <p:extLst>
-      <p:ext uri="{BB962C8B-B14F-4D97-AF65-F5344CB8AC3E}">
-        <p14:creationId xmlns:p14="http://schemas.microsoft.com/office/powerpoint/2010/main" val="688346710"/>
-      </p:ext>
-    </p:extLst>
-  </p:cSld>
-  <p:clrMapOvr>
-    <a:masterClrMapping/>
-  </p:clrMapOvr>
-  <p:timing>
-    <p:tnLst>
-      <p:par>
-        <p:cTn id="1" dur="indefinite" restart="never" nodeType="tmRoot">
-          <p:childTnLst>
-            <p:seq concurrent="1" nextAc="seek">
-              <p:cTn id="2" dur="indefinite" nodeType="mainSeq">
-                <p:childTnLst>
-                  <p:par>
-                    <p:cTn id="3" fill="hold">
-                      <p:stCondLst>
-                        <p:cond delay="indefinite"/>
-                      </p:stCondLst>
-                      <p:childTnLst>
-                        <p:par>
-                          <p:cTn id="4" fill="hold">
-                            <p:stCondLst>
-                              <p:cond delay="0"/>
-                            </p:stCondLst>
-                            <p:childTnLst>
-                              <p:par>
-                                <p:cTn id="5" presetID="1" presetClass="entr" presetSubtype="0" fill="hold" grpId="0" nodeType="clickEffect">
-                                  <p:stCondLst>
-                                    <p:cond delay="0"/>
-                                  </p:stCondLst>
-                                  <p:childTnLst>
-                                    <p:set>
-                                      <p:cBhvr>
-                                        <p:cTn id="6" dur="1" fill="hold">
-                                          <p:stCondLst>
-                                            <p:cond delay="0"/>
-                                          </p:stCondLst>
-                                        </p:cTn>
-                                        <p:tgtEl>
-                                          <p:spTgt spid="9"/>
-                                        </p:tgtEl>
-                                        <p:attrNameLst>
-                                          <p:attrName>style.visibility</p:attrName>
-                                        </p:attrNameLst>
-                                      </p:cBhvr>
-                                      <p:to>
-                                        <p:strVal val="visible"/>
-                                      </p:to>
-                                    </p:set>
-                                  </p:childTnLst>
-                                </p:cTn>
-                              </p:par>
-                            </p:childTnLst>
-                          </p:cTn>
-                        </p:par>
-                      </p:childTnLst>
-                    </p:cTn>
-                  </p:par>
-                  <p:par>
-                    <p:cTn id="7" fill="hold">
-                      <p:stCondLst>
-                        <p:cond delay="indefinite"/>
-                      </p:stCondLst>
-                      <p:childTnLst>
-                        <p:par>
-                          <p:cTn id="8" fill="hold">
-                            <p:stCondLst>
-                              <p:cond delay="0"/>
-                            </p:stCondLst>
-                            <p:childTnLst>
-                              <p:par>
-                                <p:cTn id="9" presetID="1" presetClass="entr" presetSubtype="0" fill="hold" grpId="0" nodeType="clickEffect">
-                                  <p:stCondLst>
-                                    <p:cond delay="0"/>
-                                  </p:stCondLst>
-                                  <p:childTnLst>
-                                    <p:set>
-                                      <p:cBhvr>
-                                        <p:cTn id="10" dur="1" fill="hold">
-                                          <p:stCondLst>
-                                            <p:cond delay="0"/>
-                                          </p:stCondLst>
-                                        </p:cTn>
-                                        <p:tgtEl>
-                                          <p:spTgt spid="11"/>
-                                        </p:tgtEl>
-                                        <p:attrNameLst>
-                                          <p:attrName>style.visibility</p:attrName>
-                                        </p:attrNameLst>
-                                      </p:cBhvr>
-                                      <p:to>
-                                        <p:strVal val="visible"/>
-                                      </p:to>
-                                    </p:set>
-                                  </p:childTnLst>
-                                </p:cTn>
-                              </p:par>
-                            </p:childTnLst>
-                          </p:cTn>
-                        </p:par>
-                      </p:childTnLst>
-                    </p:cTn>
-                  </p:par>
-                  <p:par>
-                    <p:cTn id="11" fill="hold">
-                      <p:stCondLst>
-                        <p:cond delay="indefinite"/>
-                      </p:stCondLst>
-                      <p:childTnLst>
-                        <p:par>
-                          <p:cTn id="12" fill="hold">
-                            <p:stCondLst>
-                              <p:cond delay="0"/>
-                            </p:stCondLst>
-                            <p:childTnLst>
-                              <p:par>
-                                <p:cTn id="13" presetID="1" presetClass="entr" presetSubtype="0" fill="hold" grpId="0" nodeType="clickEffect">
-                                  <p:stCondLst>
-                                    <p:cond delay="0"/>
-                                  </p:stCondLst>
-                                  <p:childTnLst>
-                                    <p:set>
-                                      <p:cBhvr>
-                                        <p:cTn id="14" dur="1" fill="hold">
-                                          <p:stCondLst>
-                                            <p:cond delay="0"/>
-                                          </p:stCondLst>
-                                        </p:cTn>
-                                        <p:tgtEl>
-                                          <p:spTgt spid="19"/>
-                                        </p:tgtEl>
-                                        <p:attrNameLst>
-                                          <p:attrName>style.visibility</p:attrName>
-                                        </p:attrNameLst>
-                                      </p:cBhvr>
-                                      <p:to>
-                                        <p:strVal val="visible"/>
-                                      </p:to>
-                                    </p:set>
-                                  </p:childTnLst>
-                                </p:cTn>
-                              </p:par>
-                            </p:childTnLst>
-                          </p:cTn>
-                        </p:par>
-                      </p:childTnLst>
-                    </p:cTn>
-                  </p:par>
-                  <p:par>
-                    <p:cTn id="15" fill="hold">
-                      <p:stCondLst>
-                        <p:cond delay="indefinite"/>
-                      </p:stCondLst>
-                      <p:childTnLst>
-                        <p:par>
-                          <p:cTn id="16" fill="hold">
-                            <p:stCondLst>
-                              <p:cond delay="0"/>
-                            </p:stCondLst>
-                            <p:childTnLst>
-                              <p:par>
-                                <p:cTn id="17" presetID="1" presetClass="entr" presetSubtype="0" fill="hold" grpId="0" nodeType="clickEffect">
-                                  <p:stCondLst>
-                                    <p:cond delay="0"/>
-                                  </p:stCondLst>
-                                  <p:childTnLst>
-                                    <p:set>
-                                      <p:cBhvr>
-                                        <p:cTn id="18" dur="1" fill="hold">
-                                          <p:stCondLst>
-                                            <p:cond delay="0"/>
-                                          </p:stCondLst>
-                                        </p:cTn>
-                                        <p:tgtEl>
-                                          <p:spTgt spid="23"/>
-                                        </p:tgtEl>
-                                        <p:attrNameLst>
-                                          <p:attrName>style.visibility</p:attrName>
-                                        </p:attrNameLst>
-                                      </p:cBhvr>
-                                      <p:to>
-                                        <p:strVal val="visible"/>
-                                      </p:to>
-                                    </p:set>
-                                  </p:childTnLst>
-                                </p:cTn>
-                              </p:par>
-                            </p:childTnLst>
-                          </p:cTn>
-                        </p:par>
-                      </p:childTnLst>
-                    </p:cTn>
-                  </p:par>
-                </p:childTnLst>
-              </p:cTn>
-              <p:prevCondLst>
-                <p:cond evt="onPrev" delay="0">
-                  <p:tgtEl>
-                    <p:sldTgt/>
-                  </p:tgtEl>
-                </p:cond>
-              </p:prevCondLst>
-              <p:nextCondLst>
-                <p:cond evt="onNext" delay="0">
-                  <p:tgtEl>
-                    <p:sldTgt/>
-                  </p:tgtEl>
-                </p:cond>
-              </p:nextCondLst>
-            </p:seq>
-          </p:childTnLst>
-        </p:cTn>
-      </p:par>
-    </p:tnLst>
-    <p:bldLst>
-      <p:bldP spid="9" grpId="0"/>
-      <p:bldP spid="11" grpId="0"/>
-      <p:bldP spid="19" grpId="0" animBg="1"/>
-      <p:bldP spid="23" grpId="0"/>
-    </p:bldLst>
-  </p:timing>
-</p:sld>
-</file>
-
-<file path=ppt/slides/slide18.xml><?xml version="1.0" encoding="utf-8"?>
-<p:sld xmlns:a="http://schemas.openxmlformats.org/drawingml/2006/main" xmlns:r="http://schemas.openxmlformats.org/officeDocument/2006/relationships" xmlns:p="http://schemas.openxmlformats.org/presentationml/2006/main">
-  <p:cSld>
-    <p:spTree>
-      <p:nvGrpSpPr>
-        <p:cNvPr id="1" name="">
-          <a:extLst>
-            <a:ext uri="{FF2B5EF4-FFF2-40B4-BE49-F238E27FC236}">
               <a16:creationId xmlns:a16="http://schemas.microsoft.com/office/drawing/2014/main" id="{9CF052F8-CD4F-2A70-3BEA-ECECD0B9B9E1}"/>
             </a:ext>
           </a:extLst>
@@ -11778,7 +11438,7 @@
 </p:sld>
 </file>
 
-<file path=ppt/slides/slide19.xml><?xml version="1.0" encoding="utf-8"?>
+<file path=ppt/slides/slide18.xml><?xml version="1.0" encoding="utf-8"?>
 <p:sld xmlns:a="http://schemas.openxmlformats.org/drawingml/2006/main" xmlns:r="http://schemas.openxmlformats.org/officeDocument/2006/relationships" xmlns:p="http://schemas.openxmlformats.org/presentationml/2006/main">
   <p:cSld>
     <p:spTree>
@@ -12559,224 +12219,7 @@
 </p:sld>
 </file>
 
-<file path=ppt/slides/slide2.xml><?xml version="1.0" encoding="utf-8"?>
-<p:sld xmlns:a="http://schemas.openxmlformats.org/drawingml/2006/main" xmlns:r="http://schemas.openxmlformats.org/officeDocument/2006/relationships" xmlns:p="http://schemas.openxmlformats.org/presentationml/2006/main">
-  <p:cSld>
-    <p:spTree>
-      <p:nvGrpSpPr>
-        <p:cNvPr id="1" name=""/>
-        <p:cNvGrpSpPr/>
-        <p:nvPr/>
-      </p:nvGrpSpPr>
-      <p:grpSpPr>
-        <a:xfrm>
-          <a:off x="0" y="0"/>
-          <a:ext cx="0" cy="0"/>
-          <a:chOff x="0" y="0"/>
-          <a:chExt cx="0" cy="0"/>
-        </a:xfrm>
-      </p:grpSpPr>
-      <p:sp>
-        <p:nvSpPr>
-          <p:cNvPr id="2" name="Title 1">
-            <a:extLst>
-              <a:ext uri="{FF2B5EF4-FFF2-40B4-BE49-F238E27FC236}">
-                <a16:creationId xmlns:a16="http://schemas.microsoft.com/office/drawing/2014/main" id="{C052B02A-6D2C-8593-D1D2-0F7F93D99A00}"/>
-              </a:ext>
-            </a:extLst>
-          </p:cNvPr>
-          <p:cNvSpPr>
-            <a:spLocks noGrp="1"/>
-          </p:cNvSpPr>
-          <p:nvPr>
-            <p:ph type="title"/>
-          </p:nvPr>
-        </p:nvSpPr>
-        <p:spPr/>
-        <p:txBody>
-          <a:bodyPr/>
-          <a:lstStyle/>
-          <a:p>
-            <a:r>
-              <a:rPr lang="en-BE" dirty="0"/>
-              <a:t>Announcements</a:t>
-            </a:r>
-          </a:p>
-        </p:txBody>
-      </p:sp>
-      <p:sp>
-        <p:nvSpPr>
-          <p:cNvPr id="3" name="Content Placeholder 2">
-            <a:extLst>
-              <a:ext uri="{FF2B5EF4-FFF2-40B4-BE49-F238E27FC236}">
-                <a16:creationId xmlns:a16="http://schemas.microsoft.com/office/drawing/2014/main" id="{0ADB13C0-2F22-7B03-F87C-066C9440C4DF}"/>
-              </a:ext>
-            </a:extLst>
-          </p:cNvPr>
-          <p:cNvSpPr>
-            <a:spLocks noGrp="1"/>
-          </p:cNvSpPr>
-          <p:nvPr>
-            <p:ph idx="1"/>
-          </p:nvPr>
-        </p:nvSpPr>
-        <p:spPr/>
-        <p:txBody>
-          <a:bodyPr/>
-          <a:lstStyle/>
-          <a:p>
-            <a:r>
-              <a:rPr lang="en-BE" dirty="0"/>
-              <a:t>Submit your DP I Tomorrow on Canvas and pin the Google doc on Discord</a:t>
-            </a:r>
-          </a:p>
-          <a:p>
-            <a:r>
-              <a:rPr lang="en-BE" dirty="0"/>
-              <a:t>Focus on DP II and III – Its both team and individual</a:t>
-            </a:r>
-          </a:p>
-          <a:p>
-            <a:pPr lvl="1"/>
-            <a:r>
-              <a:rPr lang="en-BE" dirty="0"/>
-              <a:t>Individual 60%</a:t>
-            </a:r>
-          </a:p>
-          <a:p>
-            <a:pPr lvl="1"/>
-            <a:r>
-              <a:rPr lang="en-BE" dirty="0"/>
-              <a:t>Team 40%</a:t>
-            </a:r>
-          </a:p>
-        </p:txBody>
-      </p:sp>
-      <p:pic>
-        <p:nvPicPr>
-          <p:cNvPr id="5" name="Picture 4" descr="A screenshot of a computer&#10;&#10;AI-generated content may be incorrect.">
-            <a:extLst>
-              <a:ext uri="{FF2B5EF4-FFF2-40B4-BE49-F238E27FC236}">
-                <a16:creationId xmlns:a16="http://schemas.microsoft.com/office/drawing/2014/main" id="{295659BA-58C9-A0EC-85F5-73A7A2353F3F}"/>
-              </a:ext>
-            </a:extLst>
-          </p:cNvPr>
-          <p:cNvPicPr>
-            <a:picLocks noChangeAspect="1"/>
-          </p:cNvPicPr>
-          <p:nvPr/>
-        </p:nvPicPr>
-        <p:blipFill>
-          <a:blip r:embed="rId2"/>
-          <a:stretch>
-            <a:fillRect/>
-          </a:stretch>
-        </p:blipFill>
-        <p:spPr>
-          <a:xfrm>
-            <a:off x="838200" y="4001294"/>
-            <a:ext cx="7035800" cy="2540000"/>
-          </a:xfrm>
-          <a:prstGeom prst="rect">
-            <a:avLst/>
-          </a:prstGeom>
-          <a:solidFill>
-            <a:schemeClr val="tx1"/>
-          </a:solidFill>
-          <a:ln>
-            <a:solidFill>
-              <a:schemeClr val="tx1"/>
-            </a:solidFill>
-          </a:ln>
-        </p:spPr>
-      </p:pic>
-      <p:cxnSp>
-        <p:nvCxnSpPr>
-          <p:cNvPr id="7" name="Straight Arrow Connector 6">
-            <a:extLst>
-              <a:ext uri="{FF2B5EF4-FFF2-40B4-BE49-F238E27FC236}">
-                <a16:creationId xmlns:a16="http://schemas.microsoft.com/office/drawing/2014/main" id="{E83B6E9F-AEB4-0930-EE64-B16D90017A21}"/>
-              </a:ext>
-            </a:extLst>
-          </p:cNvPr>
-          <p:cNvCxnSpPr>
-            <a:cxnSpLocks/>
-          </p:cNvCxnSpPr>
-          <p:nvPr/>
-        </p:nvCxnSpPr>
-        <p:spPr>
-          <a:xfrm flipH="1">
-            <a:off x="4476998" y="5983814"/>
-            <a:ext cx="3028207" cy="0"/>
-          </a:xfrm>
-          <a:prstGeom prst="straightConnector1">
-            <a:avLst/>
-          </a:prstGeom>
-          <a:ln w="57150">
-            <a:solidFill>
-              <a:schemeClr val="tx1"/>
-            </a:solidFill>
-            <a:tailEnd type="triangle"/>
-          </a:ln>
-        </p:spPr>
-        <p:style>
-          <a:lnRef idx="1">
-            <a:schemeClr val="accent1"/>
-          </a:lnRef>
-          <a:fillRef idx="0">
-            <a:schemeClr val="accent1"/>
-          </a:fillRef>
-          <a:effectRef idx="0">
-            <a:schemeClr val="accent1"/>
-          </a:effectRef>
-          <a:fontRef idx="minor">
-            <a:schemeClr val="tx1"/>
-          </a:fontRef>
-        </p:style>
-      </p:cxnSp>
-      <p:sp>
-        <p:nvSpPr>
-          <p:cNvPr id="4" name="Slide Number Placeholder 3">
-            <a:extLst>
-              <a:ext uri="{FF2B5EF4-FFF2-40B4-BE49-F238E27FC236}">
-                <a16:creationId xmlns:a16="http://schemas.microsoft.com/office/drawing/2014/main" id="{AF8C59AC-2B89-7EC9-1148-E29E8463B429}"/>
-              </a:ext>
-            </a:extLst>
-          </p:cNvPr>
-          <p:cNvSpPr>
-            <a:spLocks noGrp="1"/>
-          </p:cNvSpPr>
-          <p:nvPr>
-            <p:ph type="sldNum" sz="quarter" idx="12"/>
-          </p:nvPr>
-        </p:nvSpPr>
-        <p:spPr/>
-        <p:txBody>
-          <a:bodyPr/>
-          <a:lstStyle/>
-          <a:p>
-            <a:fld id="{76FC44FA-978A-2F4D-B308-AF3FA2E1E6ED}" type="slidenum">
-              <a:rPr lang="en-BE" smtClean="0"/>
-              <a:t>2</a:t>
-            </a:fld>
-            <a:endParaRPr lang="en-BE"/>
-          </a:p>
-        </p:txBody>
-      </p:sp>
-    </p:spTree>
-    <p:extLst>
-      <p:ext uri="{BB962C8B-B14F-4D97-AF65-F5344CB8AC3E}">
-        <p14:creationId xmlns:p14="http://schemas.microsoft.com/office/powerpoint/2010/main" val="2495615062"/>
-      </p:ext>
-    </p:extLst>
-  </p:cSld>
-  <p:clrMapOvr>
-    <a:masterClrMapping/>
-  </p:clrMapOvr>
-</p:sld>
-</file>
-
-<file path=ppt/slides/slide20.xml><?xml version="1.0" encoding="utf-8"?>
+<file path=ppt/slides/slide19.xml><?xml version="1.0" encoding="utf-8"?>
 <p:sld xmlns:a="http://schemas.openxmlformats.org/drawingml/2006/main" xmlns:r="http://schemas.openxmlformats.org/officeDocument/2006/relationships" xmlns:p="http://schemas.openxmlformats.org/presentationml/2006/main">
   <p:cSld>
     <p:spTree>
@@ -13398,7 +12841,261 @@
 </p:sld>
 </file>
 
-<file path=ppt/slides/slide21.xml><?xml version="1.0" encoding="utf-8"?>
+<file path=ppt/slides/slide2.xml><?xml version="1.0" encoding="utf-8"?>
+<p:sld xmlns:a="http://schemas.openxmlformats.org/drawingml/2006/main" xmlns:r="http://schemas.openxmlformats.org/officeDocument/2006/relationships" xmlns:p="http://schemas.openxmlformats.org/presentationml/2006/main">
+  <p:cSld>
+    <p:spTree>
+      <p:nvGrpSpPr>
+        <p:cNvPr id="1" name=""/>
+        <p:cNvGrpSpPr/>
+        <p:nvPr/>
+      </p:nvGrpSpPr>
+      <p:grpSpPr>
+        <a:xfrm>
+          <a:off x="0" y="0"/>
+          <a:ext cx="0" cy="0"/>
+          <a:chOff x="0" y="0"/>
+          <a:chExt cx="0" cy="0"/>
+        </a:xfrm>
+      </p:grpSpPr>
+      <p:sp>
+        <p:nvSpPr>
+          <p:cNvPr id="2" name="Title 1">
+            <a:extLst>
+              <a:ext uri="{FF2B5EF4-FFF2-40B4-BE49-F238E27FC236}">
+                <a16:creationId xmlns:a16="http://schemas.microsoft.com/office/drawing/2014/main" id="{C052B02A-6D2C-8593-D1D2-0F7F93D99A00}"/>
+              </a:ext>
+            </a:extLst>
+          </p:cNvPr>
+          <p:cNvSpPr>
+            <a:spLocks noGrp="1"/>
+          </p:cNvSpPr>
+          <p:nvPr>
+            <p:ph type="title"/>
+          </p:nvPr>
+        </p:nvSpPr>
+        <p:spPr/>
+        <p:txBody>
+          <a:bodyPr/>
+          <a:lstStyle/>
+          <a:p>
+            <a:r>
+              <a:rPr lang="en-BE" dirty="0"/>
+              <a:t>Announcements</a:t>
+            </a:r>
+          </a:p>
+        </p:txBody>
+      </p:sp>
+      <p:sp>
+        <p:nvSpPr>
+          <p:cNvPr id="3" name="Content Placeholder 2">
+            <a:extLst>
+              <a:ext uri="{FF2B5EF4-FFF2-40B4-BE49-F238E27FC236}">
+                <a16:creationId xmlns:a16="http://schemas.microsoft.com/office/drawing/2014/main" id="{0ADB13C0-2F22-7B03-F87C-066C9440C4DF}"/>
+              </a:ext>
+            </a:extLst>
+          </p:cNvPr>
+          <p:cNvSpPr>
+            <a:spLocks noGrp="1"/>
+          </p:cNvSpPr>
+          <p:nvPr>
+            <p:ph idx="1"/>
+          </p:nvPr>
+        </p:nvSpPr>
+        <p:spPr/>
+        <p:txBody>
+          <a:bodyPr/>
+          <a:lstStyle/>
+          <a:p>
+            <a:r>
+              <a:rPr lang="en-BE"/>
+              <a:t>Grading Lab 1 </a:t>
+            </a:r>
+          </a:p>
+          <a:p>
+            <a:r>
+              <a:rPr lang="en-BE" dirty="0"/>
+              <a:t>Submit your DP I 02/20 on Canvas and pin the Google doc on Discord</a:t>
+            </a:r>
+          </a:p>
+          <a:p>
+            <a:r>
+              <a:rPr lang="en-BE" dirty="0"/>
+              <a:t>Focus on DP II and III – Its both team and individual</a:t>
+            </a:r>
+          </a:p>
+          <a:p>
+            <a:pPr lvl="1"/>
+            <a:r>
+              <a:rPr lang="en-BE" dirty="0"/>
+              <a:t>Individual 60%</a:t>
+            </a:r>
+          </a:p>
+          <a:p>
+            <a:pPr lvl="1"/>
+            <a:r>
+              <a:rPr lang="en-BE" dirty="0"/>
+              <a:t>Team 40%</a:t>
+            </a:r>
+          </a:p>
+        </p:txBody>
+      </p:sp>
+      <p:sp>
+        <p:nvSpPr>
+          <p:cNvPr id="4" name="Slide Number Placeholder 3">
+            <a:extLst>
+              <a:ext uri="{FF2B5EF4-FFF2-40B4-BE49-F238E27FC236}">
+                <a16:creationId xmlns:a16="http://schemas.microsoft.com/office/drawing/2014/main" id="{AF8C59AC-2B89-7EC9-1148-E29E8463B429}"/>
+              </a:ext>
+            </a:extLst>
+          </p:cNvPr>
+          <p:cNvSpPr>
+            <a:spLocks noGrp="1"/>
+          </p:cNvSpPr>
+          <p:nvPr>
+            <p:ph type="sldNum" sz="quarter" idx="12"/>
+          </p:nvPr>
+        </p:nvSpPr>
+        <p:spPr/>
+        <p:txBody>
+          <a:bodyPr/>
+          <a:lstStyle/>
+          <a:p>
+            <a:fld id="{76FC44FA-978A-2F4D-B308-AF3FA2E1E6ED}" type="slidenum">
+              <a:rPr lang="en-BE" smtClean="0"/>
+              <a:t>2</a:t>
+            </a:fld>
+            <a:endParaRPr lang="en-BE"/>
+          </a:p>
+        </p:txBody>
+      </p:sp>
+      <p:pic>
+        <p:nvPicPr>
+          <p:cNvPr id="8" name="Picture 7" descr="A screenshot of a computer&#10;&#10;AI-generated content may be incorrect.">
+            <a:extLst>
+              <a:ext uri="{FF2B5EF4-FFF2-40B4-BE49-F238E27FC236}">
+                <a16:creationId xmlns:a16="http://schemas.microsoft.com/office/drawing/2014/main" id="{F3CE81E4-9D9D-5461-5ACE-6C4430DF06A8}"/>
+              </a:ext>
+            </a:extLst>
+          </p:cNvPr>
+          <p:cNvPicPr>
+            <a:picLocks noChangeAspect="1"/>
+          </p:cNvPicPr>
+          <p:nvPr/>
+        </p:nvPicPr>
+        <p:blipFill>
+          <a:blip r:embed="rId2"/>
+          <a:stretch>
+            <a:fillRect/>
+          </a:stretch>
+        </p:blipFill>
+        <p:spPr>
+          <a:xfrm>
+            <a:off x="1065373" y="4024312"/>
+            <a:ext cx="5540699" cy="2618278"/>
+          </a:xfrm>
+          <a:prstGeom prst="rect">
+            <a:avLst/>
+          </a:prstGeom>
+        </p:spPr>
+      </p:pic>
+      <p:cxnSp>
+        <p:nvCxnSpPr>
+          <p:cNvPr id="9" name="Straight Arrow Connector 8">
+            <a:extLst>
+              <a:ext uri="{FF2B5EF4-FFF2-40B4-BE49-F238E27FC236}">
+                <a16:creationId xmlns:a16="http://schemas.microsoft.com/office/drawing/2014/main" id="{F4B6F42F-F6EC-B399-95BE-7724D451F8F2}"/>
+              </a:ext>
+            </a:extLst>
+          </p:cNvPr>
+          <p:cNvCxnSpPr>
+            <a:cxnSpLocks/>
+          </p:cNvCxnSpPr>
+          <p:nvPr/>
+        </p:nvCxnSpPr>
+        <p:spPr>
+          <a:xfrm flipH="1">
+            <a:off x="3928754" y="5407089"/>
+            <a:ext cx="4028704" cy="0"/>
+          </a:xfrm>
+          <a:prstGeom prst="straightConnector1">
+            <a:avLst/>
+          </a:prstGeom>
+          <a:ln w="57150">
+            <a:solidFill>
+              <a:schemeClr val="tx1"/>
+            </a:solidFill>
+            <a:tailEnd type="triangle"/>
+          </a:ln>
+        </p:spPr>
+        <p:style>
+          <a:lnRef idx="1">
+            <a:schemeClr val="accent1"/>
+          </a:lnRef>
+          <a:fillRef idx="0">
+            <a:schemeClr val="accent1"/>
+          </a:fillRef>
+          <a:effectRef idx="0">
+            <a:schemeClr val="accent1"/>
+          </a:effectRef>
+          <a:fontRef idx="minor">
+            <a:schemeClr val="tx1"/>
+          </a:fontRef>
+        </p:style>
+      </p:cxnSp>
+      <p:sp>
+        <p:nvSpPr>
+          <p:cNvPr id="11" name="TextBox 10">
+            <a:extLst>
+              <a:ext uri="{FF2B5EF4-FFF2-40B4-BE49-F238E27FC236}">
+                <a16:creationId xmlns:a16="http://schemas.microsoft.com/office/drawing/2014/main" id="{09A590A8-C26E-7BBE-EAE5-FACE80C6E063}"/>
+              </a:ext>
+            </a:extLst>
+          </p:cNvPr>
+          <p:cNvSpPr txBox="1"/>
+          <p:nvPr/>
+        </p:nvSpPr>
+        <p:spPr>
+          <a:xfrm>
+            <a:off x="7957585" y="5176256"/>
+            <a:ext cx="3623388" cy="461665"/>
+          </a:xfrm>
+          <a:prstGeom prst="rect">
+            <a:avLst/>
+          </a:prstGeom>
+          <a:noFill/>
+        </p:spPr>
+        <p:txBody>
+          <a:bodyPr wrap="square" rtlCol="0">
+            <a:spAutoFit/>
+          </a:bodyPr>
+          <a:lstStyle/>
+          <a:p>
+            <a:r>
+              <a:rPr lang="en-US" sz="2400" dirty="0"/>
+              <a:t>Reimbursement up to </a:t>
+            </a:r>
+            <a:r>
+              <a:rPr lang="en-US" sz="2400" b="1" dirty="0"/>
+              <a:t>$750 </a:t>
+            </a:r>
+          </a:p>
+        </p:txBody>
+      </p:sp>
+    </p:spTree>
+    <p:extLst>
+      <p:ext uri="{BB962C8B-B14F-4D97-AF65-F5344CB8AC3E}">
+        <p14:creationId xmlns:p14="http://schemas.microsoft.com/office/powerpoint/2010/main" val="2495615062"/>
+      </p:ext>
+    </p:extLst>
+  </p:cSld>
+  <p:clrMapOvr>
+    <a:masterClrMapping/>
+  </p:clrMapOvr>
+</p:sld>
+</file>
+
+<file path=ppt/slides/slide20.xml><?xml version="1.0" encoding="utf-8"?>
 <p:sld xmlns:a="http://schemas.openxmlformats.org/drawingml/2006/main" xmlns:r="http://schemas.openxmlformats.org/officeDocument/2006/relationships" xmlns:p="http://schemas.openxmlformats.org/presentationml/2006/main">
   <p:cSld>
     <p:spTree>
@@ -14447,7 +14144,7 @@
 </p:sld>
 </file>
 
-<file path=ppt/slides/slide22.xml><?xml version="1.0" encoding="utf-8"?>
+<file path=ppt/slides/slide21.xml><?xml version="1.0" encoding="utf-8"?>
 <p:sld xmlns:a="http://schemas.openxmlformats.org/drawingml/2006/main" xmlns:r="http://schemas.openxmlformats.org/officeDocument/2006/relationships" xmlns:p="http://schemas.openxmlformats.org/presentationml/2006/main">
   <p:cSld>
     <p:spTree>
@@ -14620,6 +14317,162 @@
     <p:extLst>
       <p:ext uri="{BB962C8B-B14F-4D97-AF65-F5344CB8AC3E}">
         <p14:creationId xmlns:p14="http://schemas.microsoft.com/office/powerpoint/2010/main" val="2057761732"/>
+      </p:ext>
+    </p:extLst>
+  </p:cSld>
+  <p:clrMapOvr>
+    <a:masterClrMapping/>
+  </p:clrMapOvr>
+</p:sld>
+</file>
+
+<file path=ppt/slides/slide22.xml><?xml version="1.0" encoding="utf-8"?>
+<p:sld xmlns:a="http://schemas.openxmlformats.org/drawingml/2006/main" xmlns:r="http://schemas.openxmlformats.org/officeDocument/2006/relationships" xmlns:p="http://schemas.openxmlformats.org/presentationml/2006/main">
+  <p:cSld>
+    <p:spTree>
+      <p:nvGrpSpPr>
+        <p:cNvPr id="1" name=""/>
+        <p:cNvGrpSpPr/>
+        <p:nvPr/>
+      </p:nvGrpSpPr>
+      <p:grpSpPr>
+        <a:xfrm>
+          <a:off x="0" y="0"/>
+          <a:ext cx="0" cy="0"/>
+          <a:chOff x="0" y="0"/>
+          <a:chExt cx="0" cy="0"/>
+        </a:xfrm>
+      </p:grpSpPr>
+      <p:sp>
+        <p:nvSpPr>
+          <p:cNvPr id="3" name="Content Placeholder 2">
+            <a:extLst>
+              <a:ext uri="{FF2B5EF4-FFF2-40B4-BE49-F238E27FC236}">
+                <a16:creationId xmlns:a16="http://schemas.microsoft.com/office/drawing/2014/main" id="{76B4662C-FE4E-7564-5D04-BDEFC9C7A47D}"/>
+              </a:ext>
+            </a:extLst>
+          </p:cNvPr>
+          <p:cNvSpPr>
+            <a:spLocks noGrp="1"/>
+          </p:cNvSpPr>
+          <p:nvPr>
+            <p:ph idx="1"/>
+          </p:nvPr>
+        </p:nvSpPr>
+        <p:spPr/>
+        <p:txBody>
+          <a:bodyPr/>
+          <a:lstStyle/>
+          <a:p>
+            <a:r>
+              <a:rPr lang="en-GB" sz="4000" dirty="0"/>
+              <a:t>Design controls change.</a:t>
+            </a:r>
+          </a:p>
+          <a:p>
+            <a:r>
+              <a:rPr lang="en-GB" sz="4000" dirty="0"/>
+              <a:t>PRs implement design.</a:t>
+            </a:r>
+          </a:p>
+          <a:p>
+            <a:r>
+              <a:rPr lang="en-GB" sz="4000" dirty="0"/>
+              <a:t>CI protects architecture.</a:t>
+            </a:r>
+          </a:p>
+          <a:p>
+            <a:pPr marL="0" indent="0">
+              <a:buNone/>
+            </a:pPr>
+            <a:endParaRPr lang="en-GB" dirty="0"/>
+          </a:p>
+          <a:p>
+            <a:pPr marL="0" indent="0">
+              <a:buNone/>
+            </a:pPr>
+            <a:endParaRPr lang="en-GB" dirty="0"/>
+          </a:p>
+          <a:p>
+            <a:pPr marL="0" indent="0">
+              <a:buNone/>
+            </a:pPr>
+            <a:r>
+              <a:rPr lang="en-GB" sz="4000" dirty="0"/>
+              <a:t>Senior Design goal: Intentional architecture evolution.</a:t>
+            </a:r>
+          </a:p>
+          <a:p>
+            <a:endParaRPr lang="en-US" dirty="0"/>
+          </a:p>
+        </p:txBody>
+      </p:sp>
+      <p:sp>
+        <p:nvSpPr>
+          <p:cNvPr id="4" name="Slide Number Placeholder 3">
+            <a:extLst>
+              <a:ext uri="{FF2B5EF4-FFF2-40B4-BE49-F238E27FC236}">
+                <a16:creationId xmlns:a16="http://schemas.microsoft.com/office/drawing/2014/main" id="{10F13599-49FA-BD8D-8889-4DF418D6A01C}"/>
+              </a:ext>
+            </a:extLst>
+          </p:cNvPr>
+          <p:cNvSpPr>
+            <a:spLocks noGrp="1"/>
+          </p:cNvSpPr>
+          <p:nvPr>
+            <p:ph type="sldNum" sz="quarter" idx="12"/>
+          </p:nvPr>
+        </p:nvSpPr>
+        <p:spPr/>
+        <p:txBody>
+          <a:bodyPr/>
+          <a:lstStyle/>
+          <a:p>
+            <a:fld id="{76FC44FA-978A-2F4D-B308-AF3FA2E1E6ED}" type="slidenum">
+              <a:rPr lang="en-BE" smtClean="0"/>
+              <a:t>22</a:t>
+            </a:fld>
+            <a:endParaRPr lang="en-BE"/>
+          </a:p>
+        </p:txBody>
+      </p:sp>
+      <p:sp>
+        <p:nvSpPr>
+          <p:cNvPr id="7" name="Title 1">
+            <a:extLst>
+              <a:ext uri="{FF2B5EF4-FFF2-40B4-BE49-F238E27FC236}">
+                <a16:creationId xmlns:a16="http://schemas.microsoft.com/office/drawing/2014/main" id="{814547B8-4486-695F-C887-D0CECFCA1427}"/>
+              </a:ext>
+            </a:extLst>
+          </p:cNvPr>
+          <p:cNvSpPr>
+            <a:spLocks noGrp="1"/>
+          </p:cNvSpPr>
+          <p:nvPr>
+            <p:ph type="title"/>
+          </p:nvPr>
+        </p:nvSpPr>
+        <p:spPr>
+          <a:xfrm>
+            <a:off x="838200" y="37676"/>
+            <a:ext cx="10515600" cy="1026849"/>
+          </a:xfrm>
+        </p:spPr>
+        <p:txBody>
+          <a:bodyPr/>
+          <a:lstStyle/>
+          <a:p>
+            <a:r>
+              <a:rPr lang="en-GB" b="1" dirty="0"/>
+              <a:t>The Collaborative Engineering Control Loop</a:t>
+            </a:r>
+          </a:p>
+        </p:txBody>
+      </p:sp>
+    </p:spTree>
+    <p:extLst>
+      <p:ext uri="{BB962C8B-B14F-4D97-AF65-F5344CB8AC3E}">
+        <p14:creationId xmlns:p14="http://schemas.microsoft.com/office/powerpoint/2010/main" val="1350729985"/>
       </p:ext>
     </p:extLst>
   </p:cSld>
@@ -14648,10 +14501,43 @@
       </p:grpSpPr>
       <p:sp>
         <p:nvSpPr>
+          <p:cNvPr id="2" name="Title 1">
+            <a:extLst>
+              <a:ext uri="{FF2B5EF4-FFF2-40B4-BE49-F238E27FC236}">
+                <a16:creationId xmlns:a16="http://schemas.microsoft.com/office/drawing/2014/main" id="{5A30973F-4AAC-6BBA-9B38-696F6C368619}"/>
+              </a:ext>
+            </a:extLst>
+          </p:cNvPr>
+          <p:cNvSpPr>
+            <a:spLocks noGrp="1"/>
+          </p:cNvSpPr>
+          <p:nvPr>
+            <p:ph type="title"/>
+          </p:nvPr>
+        </p:nvSpPr>
+        <p:spPr>
+          <a:xfrm>
+            <a:off x="838200" y="0"/>
+            <a:ext cx="10515600" cy="1325563"/>
+          </a:xfrm>
+        </p:spPr>
+        <p:txBody>
+          <a:bodyPr/>
+          <a:lstStyle/>
+          <a:p>
+            <a:r>
+              <a:rPr lang="en-BE" dirty="0"/>
+              <a:t>Project</a:t>
+            </a:r>
+          </a:p>
+        </p:txBody>
+      </p:sp>
+      <p:sp>
+        <p:nvSpPr>
           <p:cNvPr id="3" name="Content Placeholder 2">
             <a:extLst>
               <a:ext uri="{FF2B5EF4-FFF2-40B4-BE49-F238E27FC236}">
-                <a16:creationId xmlns:a16="http://schemas.microsoft.com/office/drawing/2014/main" id="{76B4662C-FE4E-7564-5D04-BDEFC9C7A47D}"/>
+                <a16:creationId xmlns:a16="http://schemas.microsoft.com/office/drawing/2014/main" id="{CDA2F6D2-1C9C-329F-0736-4BD87688D870}"/>
               </a:ext>
             </a:extLst>
           </p:cNvPr>
@@ -14662,51 +14548,24 @@
             <p:ph idx="1"/>
           </p:nvPr>
         </p:nvSpPr>
-        <p:spPr/>
+        <p:spPr>
+          <a:xfrm>
+            <a:off x="838200" y="1325563"/>
+            <a:ext cx="10515600" cy="4351338"/>
+          </a:xfrm>
+        </p:spPr>
         <p:txBody>
           <a:bodyPr/>
           <a:lstStyle/>
           <a:p>
             <a:r>
-              <a:rPr lang="en-GB" sz="4000" dirty="0"/>
-              <a:t>Design controls change.</a:t>
-            </a:r>
-          </a:p>
-          <a:p>
-            <a:r>
-              <a:rPr lang="en-GB" sz="4000" dirty="0"/>
-              <a:t>PRs implement design.</a:t>
-            </a:r>
-          </a:p>
-          <a:p>
-            <a:r>
-              <a:rPr lang="en-GB" sz="4000" dirty="0"/>
-              <a:t>CI protects architecture.</a:t>
-            </a:r>
-          </a:p>
-          <a:p>
-            <a:pPr marL="0" indent="0">
-              <a:buNone/>
-            </a:pPr>
-            <a:endParaRPr lang="en-GB" dirty="0"/>
-          </a:p>
-          <a:p>
-            <a:pPr marL="0" indent="0">
-              <a:buNone/>
-            </a:pPr>
-            <a:endParaRPr lang="en-GB" dirty="0"/>
-          </a:p>
-          <a:p>
-            <a:pPr marL="0" indent="0">
-              <a:buNone/>
-            </a:pPr>
-            <a:r>
-              <a:rPr lang="en-GB" sz="4000" dirty="0"/>
-              <a:t>Senior Design goal: Intentional architecture evolution.</a:t>
-            </a:r>
-          </a:p>
-          <a:p>
-            <a:endParaRPr lang="en-US" dirty="0"/>
+              <a:rPr lang="en-BE" dirty="0"/>
+              <a:t>For Design Portfolio II and III</a:t>
+            </a:r>
+            <a:br>
+              <a:rPr lang="en-GB" dirty="0"/>
+            </a:br>
+            <a:endParaRPr lang="en-BE" dirty="0"/>
           </a:p>
         </p:txBody>
       </p:sp>
@@ -14715,7 +14574,7 @@
           <p:cNvPr id="4" name="Slide Number Placeholder 3">
             <a:extLst>
               <a:ext uri="{FF2B5EF4-FFF2-40B4-BE49-F238E27FC236}">
-                <a16:creationId xmlns:a16="http://schemas.microsoft.com/office/drawing/2014/main" id="{10F13599-49FA-BD8D-8889-4DF418D6A01C}"/>
+                <a16:creationId xmlns:a16="http://schemas.microsoft.com/office/drawing/2014/main" id="{F8BABE01-23A1-652A-CBB6-5FAA459AED6F}"/>
               </a:ext>
             </a:extLst>
           </p:cNvPr>
@@ -14734,168 +14593,6 @@
             <a:fld id="{76FC44FA-978A-2F4D-B308-AF3FA2E1E6ED}" type="slidenum">
               <a:rPr lang="en-BE" smtClean="0"/>
               <a:t>23</a:t>
-            </a:fld>
-            <a:endParaRPr lang="en-BE"/>
-          </a:p>
-        </p:txBody>
-      </p:sp>
-      <p:sp>
-        <p:nvSpPr>
-          <p:cNvPr id="7" name="Title 1">
-            <a:extLst>
-              <a:ext uri="{FF2B5EF4-FFF2-40B4-BE49-F238E27FC236}">
-                <a16:creationId xmlns:a16="http://schemas.microsoft.com/office/drawing/2014/main" id="{814547B8-4486-695F-C887-D0CECFCA1427}"/>
-              </a:ext>
-            </a:extLst>
-          </p:cNvPr>
-          <p:cNvSpPr>
-            <a:spLocks noGrp="1"/>
-          </p:cNvSpPr>
-          <p:nvPr>
-            <p:ph type="title"/>
-          </p:nvPr>
-        </p:nvSpPr>
-        <p:spPr>
-          <a:xfrm>
-            <a:off x="838200" y="37676"/>
-            <a:ext cx="10515600" cy="1026849"/>
-          </a:xfrm>
-        </p:spPr>
-        <p:txBody>
-          <a:bodyPr/>
-          <a:lstStyle/>
-          <a:p>
-            <a:r>
-              <a:rPr lang="en-GB" b="1" dirty="0"/>
-              <a:t>The Collaborative Engineering Control Loop</a:t>
-            </a:r>
-          </a:p>
-        </p:txBody>
-      </p:sp>
-    </p:spTree>
-    <p:extLst>
-      <p:ext uri="{BB962C8B-B14F-4D97-AF65-F5344CB8AC3E}">
-        <p14:creationId xmlns:p14="http://schemas.microsoft.com/office/powerpoint/2010/main" val="1350729985"/>
-      </p:ext>
-    </p:extLst>
-  </p:cSld>
-  <p:clrMapOvr>
-    <a:masterClrMapping/>
-  </p:clrMapOvr>
-</p:sld>
-</file>
-
-<file path=ppt/slides/slide24.xml><?xml version="1.0" encoding="utf-8"?>
-<p:sld xmlns:a="http://schemas.openxmlformats.org/drawingml/2006/main" xmlns:r="http://schemas.openxmlformats.org/officeDocument/2006/relationships" xmlns:p="http://schemas.openxmlformats.org/presentationml/2006/main">
-  <p:cSld>
-    <p:spTree>
-      <p:nvGrpSpPr>
-        <p:cNvPr id="1" name=""/>
-        <p:cNvGrpSpPr/>
-        <p:nvPr/>
-      </p:nvGrpSpPr>
-      <p:grpSpPr>
-        <a:xfrm>
-          <a:off x="0" y="0"/>
-          <a:ext cx="0" cy="0"/>
-          <a:chOff x="0" y="0"/>
-          <a:chExt cx="0" cy="0"/>
-        </a:xfrm>
-      </p:grpSpPr>
-      <p:sp>
-        <p:nvSpPr>
-          <p:cNvPr id="2" name="Title 1">
-            <a:extLst>
-              <a:ext uri="{FF2B5EF4-FFF2-40B4-BE49-F238E27FC236}">
-                <a16:creationId xmlns:a16="http://schemas.microsoft.com/office/drawing/2014/main" id="{5A30973F-4AAC-6BBA-9B38-696F6C368619}"/>
-              </a:ext>
-            </a:extLst>
-          </p:cNvPr>
-          <p:cNvSpPr>
-            <a:spLocks noGrp="1"/>
-          </p:cNvSpPr>
-          <p:nvPr>
-            <p:ph type="title"/>
-          </p:nvPr>
-        </p:nvSpPr>
-        <p:spPr>
-          <a:xfrm>
-            <a:off x="838200" y="0"/>
-            <a:ext cx="10515600" cy="1325563"/>
-          </a:xfrm>
-        </p:spPr>
-        <p:txBody>
-          <a:bodyPr/>
-          <a:lstStyle/>
-          <a:p>
-            <a:r>
-              <a:rPr lang="en-BE" dirty="0"/>
-              <a:t>Project</a:t>
-            </a:r>
-          </a:p>
-        </p:txBody>
-      </p:sp>
-      <p:sp>
-        <p:nvSpPr>
-          <p:cNvPr id="3" name="Content Placeholder 2">
-            <a:extLst>
-              <a:ext uri="{FF2B5EF4-FFF2-40B4-BE49-F238E27FC236}">
-                <a16:creationId xmlns:a16="http://schemas.microsoft.com/office/drawing/2014/main" id="{CDA2F6D2-1C9C-329F-0736-4BD87688D870}"/>
-              </a:ext>
-            </a:extLst>
-          </p:cNvPr>
-          <p:cNvSpPr>
-            <a:spLocks noGrp="1"/>
-          </p:cNvSpPr>
-          <p:nvPr>
-            <p:ph idx="1"/>
-          </p:nvPr>
-        </p:nvSpPr>
-        <p:spPr>
-          <a:xfrm>
-            <a:off x="838200" y="1325563"/>
-            <a:ext cx="10515600" cy="4351338"/>
-          </a:xfrm>
-        </p:spPr>
-        <p:txBody>
-          <a:bodyPr/>
-          <a:lstStyle/>
-          <a:p>
-            <a:r>
-              <a:rPr lang="en-BE" dirty="0"/>
-              <a:t>For Design Portfolio II and III</a:t>
-            </a:r>
-            <a:br>
-              <a:rPr lang="en-GB" dirty="0"/>
-            </a:br>
-            <a:endParaRPr lang="en-BE" dirty="0"/>
-          </a:p>
-        </p:txBody>
-      </p:sp>
-      <p:sp>
-        <p:nvSpPr>
-          <p:cNvPr id="4" name="Slide Number Placeholder 3">
-            <a:extLst>
-              <a:ext uri="{FF2B5EF4-FFF2-40B4-BE49-F238E27FC236}">
-                <a16:creationId xmlns:a16="http://schemas.microsoft.com/office/drawing/2014/main" id="{F8BABE01-23A1-652A-CBB6-5FAA459AED6F}"/>
-              </a:ext>
-            </a:extLst>
-          </p:cNvPr>
-          <p:cNvSpPr>
-            <a:spLocks noGrp="1"/>
-          </p:cNvSpPr>
-          <p:nvPr>
-            <p:ph type="sldNum" sz="quarter" idx="12"/>
-          </p:nvPr>
-        </p:nvSpPr>
-        <p:spPr/>
-        <p:txBody>
-          <a:bodyPr/>
-          <a:lstStyle/>
-          <a:p>
-            <a:fld id="{76FC44FA-978A-2F4D-B308-AF3FA2E1E6ED}" type="slidenum">
-              <a:rPr lang="en-BE" smtClean="0"/>
-              <a:t>24</a:t>
             </a:fld>
             <a:endParaRPr lang="en-BE"/>
           </a:p>
@@ -14945,251 +14642,6 @@
 </file>
 
 <file path=ppt/slides/slide3.xml><?xml version="1.0" encoding="utf-8"?>
-<p:sld xmlns:a="http://schemas.openxmlformats.org/drawingml/2006/main" xmlns:r="http://schemas.openxmlformats.org/officeDocument/2006/relationships" xmlns:p="http://schemas.openxmlformats.org/presentationml/2006/main">
-  <p:cSld>
-    <p:spTree>
-      <p:nvGrpSpPr>
-        <p:cNvPr id="1" name=""/>
-        <p:cNvGrpSpPr/>
-        <p:nvPr/>
-      </p:nvGrpSpPr>
-      <p:grpSpPr>
-        <a:xfrm>
-          <a:off x="0" y="0"/>
-          <a:ext cx="0" cy="0"/>
-          <a:chOff x="0" y="0"/>
-          <a:chExt cx="0" cy="0"/>
-        </a:xfrm>
-      </p:grpSpPr>
-      <p:sp>
-        <p:nvSpPr>
-          <p:cNvPr id="4" name="TextBox 3">
-            <a:extLst>
-              <a:ext uri="{FF2B5EF4-FFF2-40B4-BE49-F238E27FC236}">
-                <a16:creationId xmlns:a16="http://schemas.microsoft.com/office/drawing/2014/main" id="{D16BCF2C-39A4-F502-ED12-500E66ACB060}"/>
-              </a:ext>
-            </a:extLst>
-          </p:cNvPr>
-          <p:cNvSpPr txBox="1"/>
-          <p:nvPr/>
-        </p:nvSpPr>
-        <p:spPr>
-          <a:xfrm>
-            <a:off x="983391" y="5771541"/>
-            <a:ext cx="7625526" cy="646331"/>
-          </a:xfrm>
-          <a:prstGeom prst="rect">
-            <a:avLst/>
-          </a:prstGeom>
-          <a:noFill/>
-        </p:spPr>
-        <p:txBody>
-          <a:bodyPr wrap="square" rtlCol="0">
-            <a:spAutoFit/>
-          </a:bodyPr>
-          <a:lstStyle/>
-          <a:p>
-            <a:pPr algn="ctr"/>
-            <a:r>
-              <a:rPr lang="en-BE" dirty="0"/>
-              <a:t>Free PDF version on Springer</a:t>
-            </a:r>
-          </a:p>
-          <a:p>
-            <a:pPr algn="ctr"/>
-            <a:r>
-              <a:rPr lang="en-GB" b="0" i="0" dirty="0">
-                <a:solidFill>
-                  <a:srgbClr val="333333"/>
-                </a:solidFill>
-                <a:effectLst/>
-                <a:latin typeface="-apple-system"/>
-              </a:rPr>
-              <a:t>https://</a:t>
-            </a:r>
-            <a:r>
-              <a:rPr lang="en-GB" b="0" i="0" dirty="0" err="1">
-                <a:solidFill>
-                  <a:srgbClr val="333333"/>
-                </a:solidFill>
-                <a:effectLst/>
-                <a:latin typeface="-apple-system"/>
-              </a:rPr>
-              <a:t>doi.org</a:t>
-            </a:r>
-            <a:r>
-              <a:rPr lang="en-GB" b="0" i="0" dirty="0">
-                <a:solidFill>
-                  <a:srgbClr val="333333"/>
-                </a:solidFill>
-                <a:effectLst/>
-                <a:latin typeface="-apple-system"/>
-              </a:rPr>
-              <a:t>/10.1007/978-3-319-24280-4_7</a:t>
-            </a:r>
-            <a:endParaRPr lang="en-BE" dirty="0"/>
-          </a:p>
-        </p:txBody>
-      </p:sp>
-      <p:pic>
-        <p:nvPicPr>
-          <p:cNvPr id="5" name="Picture 4" descr="Graphical user interface&#10;&#10;Description automatically generated with medium confidence">
-            <a:extLst>
-              <a:ext uri="{FF2B5EF4-FFF2-40B4-BE49-F238E27FC236}">
-                <a16:creationId xmlns:a16="http://schemas.microsoft.com/office/drawing/2014/main" id="{428306D3-1636-4738-A50B-09F7B0AD7633}"/>
-              </a:ext>
-            </a:extLst>
-          </p:cNvPr>
-          <p:cNvPicPr>
-            <a:picLocks noChangeAspect="1"/>
-          </p:cNvPicPr>
-          <p:nvPr/>
-        </p:nvPicPr>
-        <p:blipFill>
-          <a:blip r:embed="rId2"/>
-          <a:stretch>
-            <a:fillRect/>
-          </a:stretch>
-        </p:blipFill>
-        <p:spPr>
-          <a:xfrm>
-            <a:off x="1814181" y="440128"/>
-            <a:ext cx="3426154" cy="4999387"/>
-          </a:xfrm>
-          <a:prstGeom prst="rect">
-            <a:avLst/>
-          </a:prstGeom>
-        </p:spPr>
-      </p:pic>
-      <p:sp>
-        <p:nvSpPr>
-          <p:cNvPr id="6" name="TextBox 5">
-            <a:extLst>
-              <a:ext uri="{FF2B5EF4-FFF2-40B4-BE49-F238E27FC236}">
-                <a16:creationId xmlns:a16="http://schemas.microsoft.com/office/drawing/2014/main" id="{9D4451D1-F246-F4A5-B1F2-8C719152C465}"/>
-              </a:ext>
-            </a:extLst>
-          </p:cNvPr>
-          <p:cNvSpPr txBox="1"/>
-          <p:nvPr/>
-        </p:nvSpPr>
-        <p:spPr>
-          <a:xfrm>
-            <a:off x="5426765" y="2478157"/>
-            <a:ext cx="6407427" cy="2031325"/>
-          </a:xfrm>
-          <a:prstGeom prst="rect">
-            <a:avLst/>
-          </a:prstGeom>
-          <a:noFill/>
-        </p:spPr>
-        <p:txBody>
-          <a:bodyPr wrap="square" rtlCol="0">
-            <a:spAutoFit/>
-          </a:bodyPr>
-          <a:lstStyle/>
-          <a:p>
-            <a:r>
-              <a:rPr lang="en-BE" dirty="0"/>
-              <a:t>Chapters 6 -  7</a:t>
-            </a:r>
-          </a:p>
-          <a:p>
-            <a:pPr marL="285750" indent="-285750">
-              <a:buFont typeface="Arial" panose="020B0604020202020204" pitchFamily="34" charset="0"/>
-              <a:buChar char="•"/>
-            </a:pPr>
-            <a:r>
-              <a:rPr lang="en-BE" dirty="0"/>
-              <a:t>Chapter 6 - </a:t>
-            </a:r>
-            <a:r>
-              <a:rPr lang="en-GB" dirty="0"/>
-              <a:t>Analysing a System</a:t>
-            </a:r>
-            <a:endParaRPr lang="en-BE" dirty="0"/>
-          </a:p>
-          <a:p>
-            <a:pPr marL="742950" lvl="1" indent="-285750">
-              <a:buFont typeface="Arial" panose="020B0604020202020204" pitchFamily="34" charset="0"/>
-              <a:buChar char="•"/>
-            </a:pPr>
-            <a:r>
-              <a:rPr lang="en-GB" dirty="0">
-                <a:hlinkClick r:id="rId3"/>
-              </a:rPr>
-              <a:t>https://link.springer.com/chapter/10.1007/978-3-319-24280-4_6</a:t>
-            </a:r>
-            <a:endParaRPr lang="en-GB" dirty="0"/>
-          </a:p>
-          <a:p>
-            <a:pPr marL="285750" indent="-285750">
-              <a:buFont typeface="Arial" panose="020B0604020202020204" pitchFamily="34" charset="0"/>
-              <a:buChar char="•"/>
-            </a:pPr>
-            <a:r>
-              <a:rPr lang="en-GB" dirty="0"/>
-              <a:t>Chapter 7 - Design and Implementation</a:t>
-            </a:r>
-          </a:p>
-          <a:p>
-            <a:pPr marL="742950" lvl="1" indent="-285750">
-              <a:buFont typeface="Arial" panose="020B0604020202020204" pitchFamily="34" charset="0"/>
-              <a:buChar char="•"/>
-            </a:pPr>
-            <a:r>
-              <a:rPr lang="en-GB" dirty="0">
-                <a:hlinkClick r:id="rId4"/>
-              </a:rPr>
-              <a:t>https://link.springer.com/chapter/10.1007/978-3-319-24280-4_7</a:t>
-            </a:r>
-            <a:endParaRPr lang="en-GB" dirty="0"/>
-          </a:p>
-        </p:txBody>
-      </p:sp>
-      <p:sp>
-        <p:nvSpPr>
-          <p:cNvPr id="2" name="Slide Number Placeholder 1">
-            <a:extLst>
-              <a:ext uri="{FF2B5EF4-FFF2-40B4-BE49-F238E27FC236}">
-                <a16:creationId xmlns:a16="http://schemas.microsoft.com/office/drawing/2014/main" id="{8DB4A4AB-7467-E152-80FE-C6DBE0ABC15B}"/>
-              </a:ext>
-            </a:extLst>
-          </p:cNvPr>
-          <p:cNvSpPr>
-            <a:spLocks noGrp="1"/>
-          </p:cNvSpPr>
-          <p:nvPr>
-            <p:ph type="sldNum" sz="quarter" idx="12"/>
-          </p:nvPr>
-        </p:nvSpPr>
-        <p:spPr/>
-        <p:txBody>
-          <a:bodyPr/>
-          <a:lstStyle/>
-          <a:p>
-            <a:fld id="{76FC44FA-978A-2F4D-B308-AF3FA2E1E6ED}" type="slidenum">
-              <a:rPr lang="en-BE" smtClean="0"/>
-              <a:t>3</a:t>
-            </a:fld>
-            <a:endParaRPr lang="en-BE"/>
-          </a:p>
-        </p:txBody>
-      </p:sp>
-    </p:spTree>
-    <p:extLst>
-      <p:ext uri="{BB962C8B-B14F-4D97-AF65-F5344CB8AC3E}">
-        <p14:creationId xmlns:p14="http://schemas.microsoft.com/office/powerpoint/2010/main" val="3755663219"/>
-      </p:ext>
-    </p:extLst>
-  </p:cSld>
-  <p:clrMapOvr>
-    <a:masterClrMapping/>
-  </p:clrMapOvr>
-</p:sld>
-</file>
-
-<file path=ppt/slides/slide4.xml><?xml version="1.0" encoding="utf-8"?>
 <p:sld xmlns:a="http://schemas.openxmlformats.org/drawingml/2006/main" xmlns:r="http://schemas.openxmlformats.org/officeDocument/2006/relationships" xmlns:p="http://schemas.openxmlformats.org/presentationml/2006/main">
   <p:cSld>
     <p:spTree>
@@ -15856,7 +15308,7 @@
           <a:p>
             <a:fld id="{76FC44FA-978A-2F4D-B308-AF3FA2E1E6ED}" type="slidenum">
               <a:rPr lang="en-BE" smtClean="0"/>
-              <a:t>4</a:t>
+              <a:t>3</a:t>
             </a:fld>
             <a:endParaRPr lang="en-BE"/>
           </a:p>
@@ -16085,7 +15537,7 @@
 </p:sld>
 </file>
 
-<file path=ppt/slides/slide5.xml><?xml version="1.0" encoding="utf-8"?>
+<file path=ppt/slides/slide4.xml><?xml version="1.0" encoding="utf-8"?>
 <p:sld xmlns:a="http://schemas.openxmlformats.org/drawingml/2006/main" xmlns:r="http://schemas.openxmlformats.org/officeDocument/2006/relationships" xmlns:p="http://schemas.openxmlformats.org/presentationml/2006/main">
   <p:cSld>
     <p:spTree>
@@ -17255,7 +16707,7 @@
           <a:p>
             <a:fld id="{76FC44FA-978A-2F4D-B308-AF3FA2E1E6ED}" type="slidenum">
               <a:rPr lang="en-BE" smtClean="0"/>
-              <a:t>5</a:t>
+              <a:t>4</a:t>
             </a:fld>
             <a:endParaRPr lang="en-BE"/>
           </a:p>
@@ -17274,7 +16726,7 @@
 </p:sld>
 </file>
 
-<file path=ppt/slides/slide6.xml><?xml version="1.0" encoding="utf-8"?>
+<file path=ppt/slides/slide5.xml><?xml version="1.0" encoding="utf-8"?>
 <p:sld xmlns:a="http://schemas.openxmlformats.org/drawingml/2006/main" xmlns:r="http://schemas.openxmlformats.org/officeDocument/2006/relationships" xmlns:p="http://schemas.openxmlformats.org/presentationml/2006/main">
   <p:cSld>
     <p:spTree>
@@ -17816,7 +17268,7 @@
           <a:p>
             <a:fld id="{76FC44FA-978A-2F4D-B308-AF3FA2E1E6ED}" type="slidenum">
               <a:rPr lang="en-BE" smtClean="0"/>
-              <a:t>6</a:t>
+              <a:t>5</a:t>
             </a:fld>
             <a:endParaRPr lang="en-BE"/>
           </a:p>
@@ -18169,7 +17621,7 @@
 </p:sld>
 </file>
 
-<file path=ppt/slides/slide7.xml><?xml version="1.0" encoding="utf-8"?>
+<file path=ppt/slides/slide6.xml><?xml version="1.0" encoding="utf-8"?>
 <p:sld xmlns:a="http://schemas.openxmlformats.org/drawingml/2006/main" xmlns:r="http://schemas.openxmlformats.org/officeDocument/2006/relationships" xmlns:p="http://schemas.openxmlformats.org/presentationml/2006/main">
   <p:cSld>
     <p:spTree>
@@ -18402,7 +17854,7 @@
           <a:p>
             <a:fld id="{76FC44FA-978A-2F4D-B308-AF3FA2E1E6ED}" type="slidenum">
               <a:rPr lang="en-BE" smtClean="0"/>
-              <a:t>7</a:t>
+              <a:t>6</a:t>
             </a:fld>
             <a:endParaRPr lang="en-BE"/>
           </a:p>
@@ -18991,7 +18443,7 @@
 </p:sld>
 </file>
 
-<file path=ppt/slides/slide8.xml><?xml version="1.0" encoding="utf-8"?>
+<file path=ppt/slides/slide7.xml><?xml version="1.0" encoding="utf-8"?>
 <p:sld xmlns:a="http://schemas.openxmlformats.org/drawingml/2006/main" xmlns:r="http://schemas.openxmlformats.org/officeDocument/2006/relationships" xmlns:p="http://schemas.openxmlformats.org/presentationml/2006/main">
   <p:cSld>
     <p:spTree>
@@ -19071,7 +18523,7 @@
           <a:p>
             <a:fld id="{76FC44FA-978A-2F4D-B308-AF3FA2E1E6ED}" type="slidenum">
               <a:rPr lang="en-BE" smtClean="0"/>
-              <a:t>8</a:t>
+              <a:t>7</a:t>
             </a:fld>
             <a:endParaRPr lang="en-BE"/>
           </a:p>
@@ -20208,7 +19660,7 @@
 </p:sld>
 </file>
 
-<file path=ppt/slides/slide9.xml><?xml version="1.0" encoding="utf-8"?>
+<file path=ppt/slides/slide8.xml><?xml version="1.0" encoding="utf-8"?>
 <p:sld xmlns:a="http://schemas.openxmlformats.org/drawingml/2006/main" xmlns:r="http://schemas.openxmlformats.org/officeDocument/2006/relationships" xmlns:p="http://schemas.openxmlformats.org/presentationml/2006/main">
   <p:cSld>
     <p:spTree>
@@ -20559,6 +20011,345 @@
     </p:tnLst>
     <p:bldLst>
       <p:bldP spid="8" grpId="0" animBg="1"/>
+    </p:bldLst>
+  </p:timing>
+</p:sld>
+</file>
+
+<file path=ppt/slides/slide9.xml><?xml version="1.0" encoding="utf-8"?>
+<p:sld xmlns:a="http://schemas.openxmlformats.org/drawingml/2006/main" xmlns:r="http://schemas.openxmlformats.org/officeDocument/2006/relationships" xmlns:p="http://schemas.openxmlformats.org/presentationml/2006/main">
+  <p:cSld>
+    <p:spTree>
+      <p:nvGrpSpPr>
+        <p:cNvPr id="1" name="">
+          <a:extLst>
+            <a:ext uri="{FF2B5EF4-FFF2-40B4-BE49-F238E27FC236}">
+              <a16:creationId xmlns:a16="http://schemas.microsoft.com/office/drawing/2014/main" id="{1D93AA2D-010E-DD16-BB32-786E16F71A5C}"/>
+            </a:ext>
+          </a:extLst>
+        </p:cNvPr>
+        <p:cNvGrpSpPr/>
+        <p:nvPr/>
+      </p:nvGrpSpPr>
+      <p:grpSpPr>
+        <a:xfrm>
+          <a:off x="0" y="0"/>
+          <a:ext cx="0" cy="0"/>
+          <a:chOff x="0" y="0"/>
+          <a:chExt cx="0" cy="0"/>
+        </a:xfrm>
+      </p:grpSpPr>
+      <p:sp>
+        <p:nvSpPr>
+          <p:cNvPr id="4" name="Title 1">
+            <a:extLst>
+              <a:ext uri="{FF2B5EF4-FFF2-40B4-BE49-F238E27FC236}">
+                <a16:creationId xmlns:a16="http://schemas.microsoft.com/office/drawing/2014/main" id="{B51741D5-4469-65B4-E6AB-1840E0AA0463}"/>
+              </a:ext>
+            </a:extLst>
+          </p:cNvPr>
+          <p:cNvSpPr>
+            <a:spLocks noGrp="1"/>
+          </p:cNvSpPr>
+          <p:nvPr>
+            <p:ph type="title"/>
+          </p:nvPr>
+        </p:nvSpPr>
+        <p:spPr>
+          <a:xfrm>
+            <a:off x="838200" y="37676"/>
+            <a:ext cx="10515600" cy="1026849"/>
+          </a:xfrm>
+        </p:spPr>
+        <p:txBody>
+          <a:bodyPr/>
+          <a:lstStyle/>
+          <a:p>
+            <a:r>
+              <a:rPr lang="en-GB" b="1" dirty="0"/>
+              <a:t>Think of Google Maps</a:t>
+            </a:r>
+            <a:endParaRPr lang="en-GB" dirty="0"/>
+          </a:p>
+        </p:txBody>
+      </p:sp>
+      <p:pic>
+        <p:nvPicPr>
+          <p:cNvPr id="7" name="Picture 6" descr="A map of a city and street&#10;&#10;AI-generated content may be incorrect.">
+            <a:extLst>
+              <a:ext uri="{FF2B5EF4-FFF2-40B4-BE49-F238E27FC236}">
+                <a16:creationId xmlns:a16="http://schemas.microsoft.com/office/drawing/2014/main" id="{BB495570-ECF0-F1D3-E4D8-558505EE8239}"/>
+              </a:ext>
+            </a:extLst>
+          </p:cNvPr>
+          <p:cNvPicPr>
+            <a:picLocks noChangeAspect="1"/>
+          </p:cNvPicPr>
+          <p:nvPr/>
+        </p:nvPicPr>
+        <p:blipFill>
+          <a:blip r:embed="rId3"/>
+          <a:srcRect t="28381" b="3405"/>
+          <a:stretch>
+            <a:fillRect/>
+          </a:stretch>
+        </p:blipFill>
+        <p:spPr>
+          <a:xfrm>
+            <a:off x="1814285" y="1951856"/>
+            <a:ext cx="7772400" cy="3534546"/>
+          </a:xfrm>
+          <a:prstGeom prst="rect">
+            <a:avLst/>
+          </a:prstGeom>
+          <a:ln>
+            <a:solidFill>
+              <a:schemeClr val="tx1"/>
+            </a:solidFill>
+          </a:ln>
+        </p:spPr>
+      </p:pic>
+      <p:sp>
+        <p:nvSpPr>
+          <p:cNvPr id="8" name="TextBox 7">
+            <a:extLst>
+              <a:ext uri="{FF2B5EF4-FFF2-40B4-BE49-F238E27FC236}">
+                <a16:creationId xmlns:a16="http://schemas.microsoft.com/office/drawing/2014/main" id="{9EEEB512-E9D4-4662-0E45-AC86FAE99E4F}"/>
+              </a:ext>
+            </a:extLst>
+          </p:cNvPr>
+          <p:cNvSpPr txBox="1"/>
+          <p:nvPr/>
+        </p:nvSpPr>
+        <p:spPr>
+          <a:xfrm>
+            <a:off x="1814286" y="989881"/>
+            <a:ext cx="3074956" cy="830997"/>
+          </a:xfrm>
+          <a:prstGeom prst="rect">
+            <a:avLst/>
+          </a:prstGeom>
+          <a:noFill/>
+          <a:ln w="28575">
+            <a:solidFill>
+              <a:srgbClr val="C00000"/>
+            </a:solidFill>
+          </a:ln>
+        </p:spPr>
+        <p:txBody>
+          <a:bodyPr wrap="square" rtlCol="0">
+            <a:spAutoFit/>
+          </a:bodyPr>
+          <a:lstStyle/>
+          <a:p>
+            <a:r>
+              <a:rPr lang="en-US" sz="2400" dirty="0"/>
+              <a:t>System = City</a:t>
+            </a:r>
+          </a:p>
+          <a:p>
+            <a:r>
+              <a:rPr lang="en-US" sz="2400" dirty="0"/>
+              <a:t>Your PR = One Street</a:t>
+            </a:r>
+          </a:p>
+        </p:txBody>
+      </p:sp>
+      <p:sp>
+        <p:nvSpPr>
+          <p:cNvPr id="10" name="TextBox 9">
+            <a:extLst>
+              <a:ext uri="{FF2B5EF4-FFF2-40B4-BE49-F238E27FC236}">
+                <a16:creationId xmlns:a16="http://schemas.microsoft.com/office/drawing/2014/main" id="{4E19D6EC-BC12-6351-7B35-9DC3801647C6}"/>
+              </a:ext>
+            </a:extLst>
+          </p:cNvPr>
+          <p:cNvSpPr txBox="1"/>
+          <p:nvPr/>
+        </p:nvSpPr>
+        <p:spPr>
+          <a:xfrm>
+            <a:off x="838200" y="5793475"/>
+            <a:ext cx="10731759" cy="830997"/>
+          </a:xfrm>
+          <a:prstGeom prst="rect">
+            <a:avLst/>
+          </a:prstGeom>
+          <a:noFill/>
+          <a:ln w="28575">
+            <a:solidFill>
+              <a:srgbClr val="C00000"/>
+            </a:solidFill>
+          </a:ln>
+        </p:spPr>
+        <p:txBody>
+          <a:bodyPr wrap="square">
+            <a:spAutoFit/>
+          </a:bodyPr>
+          <a:lstStyle/>
+          <a:p>
+            <a:r>
+              <a:rPr lang="en-GB" sz="2400" dirty="0"/>
+              <a:t>You do </a:t>
+            </a:r>
+            <a:r>
+              <a:rPr lang="en-GB" sz="2400" b="1" dirty="0"/>
+              <a:t>NOT</a:t>
+            </a:r>
+            <a:r>
+              <a:rPr lang="en-GB" sz="2400" dirty="0"/>
+              <a:t> redraw the entire system.</a:t>
+            </a:r>
+            <a:br>
+              <a:rPr lang="en-GB" sz="2400" dirty="0"/>
+            </a:br>
+            <a:r>
+              <a:rPr lang="en-GB" sz="2400" dirty="0"/>
+              <a:t>You show only the </a:t>
+            </a:r>
+            <a:r>
+              <a:rPr lang="en-GB" sz="2400" b="1" dirty="0"/>
+              <a:t>part your PR changes</a:t>
+            </a:r>
+            <a:r>
+              <a:rPr lang="en-GB" sz="2400" dirty="0"/>
+              <a:t> — but it must clearly fit back into the whole.</a:t>
+            </a:r>
+            <a:endParaRPr lang="en-US" sz="2400" dirty="0"/>
+          </a:p>
+        </p:txBody>
+      </p:sp>
+    </p:spTree>
+    <p:extLst>
+      <p:ext uri="{BB962C8B-B14F-4D97-AF65-F5344CB8AC3E}">
+        <p14:creationId xmlns:p14="http://schemas.microsoft.com/office/powerpoint/2010/main" val="321433039"/>
+      </p:ext>
+    </p:extLst>
+  </p:cSld>
+  <p:clrMapOvr>
+    <a:masterClrMapping/>
+  </p:clrMapOvr>
+  <p:timing>
+    <p:tnLst>
+      <p:par>
+        <p:cTn id="1" dur="indefinite" restart="never" nodeType="tmRoot">
+          <p:childTnLst>
+            <p:seq concurrent="1" nextAc="seek">
+              <p:cTn id="2" dur="indefinite" nodeType="mainSeq">
+                <p:childTnLst>
+                  <p:par>
+                    <p:cTn id="3" fill="hold">
+                      <p:stCondLst>
+                        <p:cond delay="indefinite"/>
+                      </p:stCondLst>
+                      <p:childTnLst>
+                        <p:par>
+                          <p:cTn id="4" fill="hold">
+                            <p:stCondLst>
+                              <p:cond delay="0"/>
+                            </p:stCondLst>
+                            <p:childTnLst>
+                              <p:par>
+                                <p:cTn id="5" presetID="1" presetClass="entr" presetSubtype="0" fill="hold" nodeType="clickEffect">
+                                  <p:stCondLst>
+                                    <p:cond delay="0"/>
+                                  </p:stCondLst>
+                                  <p:childTnLst>
+                                    <p:set>
+                                      <p:cBhvr>
+                                        <p:cTn id="6" dur="1" fill="hold">
+                                          <p:stCondLst>
+                                            <p:cond delay="0"/>
+                                          </p:stCondLst>
+                                        </p:cTn>
+                                        <p:tgtEl>
+                                          <p:spTgt spid="7"/>
+                                        </p:tgtEl>
+                                        <p:attrNameLst>
+                                          <p:attrName>style.visibility</p:attrName>
+                                        </p:attrNameLst>
+                                      </p:cBhvr>
+                                      <p:to>
+                                        <p:strVal val="visible"/>
+                                      </p:to>
+                                    </p:set>
+                                  </p:childTnLst>
+                                </p:cTn>
+                              </p:par>
+                            </p:childTnLst>
+                          </p:cTn>
+                        </p:par>
+                      </p:childTnLst>
+                    </p:cTn>
+                  </p:par>
+                  <p:par>
+                    <p:cTn id="7" fill="hold">
+                      <p:stCondLst>
+                        <p:cond delay="indefinite"/>
+                      </p:stCondLst>
+                      <p:childTnLst>
+                        <p:par>
+                          <p:cTn id="8" fill="hold">
+                            <p:stCondLst>
+                              <p:cond delay="0"/>
+                            </p:stCondLst>
+                            <p:childTnLst>
+                              <p:par>
+                                <p:cTn id="9" presetID="1" presetClass="entr" presetSubtype="0" fill="hold" grpId="0" nodeType="clickEffect">
+                                  <p:stCondLst>
+                                    <p:cond delay="0"/>
+                                  </p:stCondLst>
+                                  <p:childTnLst>
+                                    <p:set>
+                                      <p:cBhvr>
+                                        <p:cTn id="10" dur="1" fill="hold">
+                                          <p:stCondLst>
+                                            <p:cond delay="0"/>
+                                          </p:stCondLst>
+                                        </p:cTn>
+                                        <p:tgtEl>
+                                          <p:spTgt spid="10"/>
+                                        </p:tgtEl>
+                                        <p:attrNameLst>
+                                          <p:attrName>style.visibility</p:attrName>
+                                        </p:attrNameLst>
+                                      </p:cBhvr>
+                                      <p:to>
+                                        <p:strVal val="visible"/>
+                                      </p:to>
+                                    </p:set>
+                                  </p:childTnLst>
+                                </p:cTn>
+                              </p:par>
+                            </p:childTnLst>
+                          </p:cTn>
+                        </p:par>
+                      </p:childTnLst>
+                    </p:cTn>
+                  </p:par>
+                </p:childTnLst>
+              </p:cTn>
+              <p:prevCondLst>
+                <p:cond evt="onPrev" delay="0">
+                  <p:tgtEl>
+                    <p:sldTgt/>
+                  </p:tgtEl>
+                </p:cond>
+              </p:prevCondLst>
+              <p:nextCondLst>
+                <p:cond evt="onNext" delay="0">
+                  <p:tgtEl>
+                    <p:sldTgt/>
+                  </p:tgtEl>
+                </p:cond>
+              </p:nextCondLst>
+            </p:seq>
+          </p:childTnLst>
+        </p:cTn>
+      </p:par>
+    </p:tnLst>
+    <p:bldLst>
+      <p:bldP spid="10" grpId="0" animBg="1"/>
     </p:bldLst>
   </p:timing>
 </p:sld>

--- a/teaching/CS472/Timetable/OOD-V2.pptx
+++ b/teaching/CS472/Timetable/OOD-V2.pptx
@@ -10,19 +10,19 @@
   <p:sldIdLst>
     <p:sldId id="256" r:id="rId2"/>
     <p:sldId id="276" r:id="rId3"/>
-    <p:sldId id="324" r:id="rId4"/>
-    <p:sldId id="322" r:id="rId5"/>
-    <p:sldId id="323" r:id="rId6"/>
-    <p:sldId id="325" r:id="rId7"/>
-    <p:sldId id="326" r:id="rId8"/>
-    <p:sldId id="327" r:id="rId9"/>
-    <p:sldId id="328" r:id="rId10"/>
-    <p:sldId id="329" r:id="rId11"/>
-    <p:sldId id="331" r:id="rId12"/>
-    <p:sldId id="332" r:id="rId13"/>
-    <p:sldId id="333" r:id="rId14"/>
-    <p:sldId id="334" r:id="rId15"/>
-    <p:sldId id="335" r:id="rId16"/>
+    <p:sldId id="343" r:id="rId4"/>
+    <p:sldId id="324" r:id="rId5"/>
+    <p:sldId id="322" r:id="rId6"/>
+    <p:sldId id="323" r:id="rId7"/>
+    <p:sldId id="325" r:id="rId8"/>
+    <p:sldId id="326" r:id="rId9"/>
+    <p:sldId id="327" r:id="rId10"/>
+    <p:sldId id="328" r:id="rId11"/>
+    <p:sldId id="329" r:id="rId12"/>
+    <p:sldId id="331" r:id="rId13"/>
+    <p:sldId id="332" r:id="rId14"/>
+    <p:sldId id="333" r:id="rId15"/>
+    <p:sldId id="334" r:id="rId16"/>
     <p:sldId id="336" r:id="rId17"/>
     <p:sldId id="337" r:id="rId18"/>
     <p:sldId id="338" r:id="rId19"/>
@@ -586,7 +586,7 @@
         <p:cNvPr id="1" name="">
           <a:extLst>
             <a:ext uri="{FF2B5EF4-FFF2-40B4-BE49-F238E27FC236}">
-              <a16:creationId xmlns:a16="http://schemas.microsoft.com/office/drawing/2014/main" id="{98131B25-5843-3A7C-C952-69A9B1FAAC30}"/>
+              <a16:creationId xmlns:a16="http://schemas.microsoft.com/office/drawing/2014/main" id="{6F5E06B1-1C9B-3FBE-9552-4CDC99012D20}"/>
             </a:ext>
           </a:extLst>
         </p:cNvPr>
@@ -606,7 +606,7 @@
           <p:cNvPr id="2" name="Slide Image Placeholder 1">
             <a:extLst>
               <a:ext uri="{FF2B5EF4-FFF2-40B4-BE49-F238E27FC236}">
-                <a16:creationId xmlns:a16="http://schemas.microsoft.com/office/drawing/2014/main" id="{DB7AACB7-89CD-E973-41D8-95D6879A175D}"/>
+                <a16:creationId xmlns:a16="http://schemas.microsoft.com/office/drawing/2014/main" id="{D247CBA3-CC1C-0C44-690B-A4392175CC26}"/>
               </a:ext>
             </a:extLst>
           </p:cNvPr>
@@ -631,7 +631,7 @@
           <p:cNvPr id="3" name="Notes Placeholder 2">
             <a:extLst>
               <a:ext uri="{FF2B5EF4-FFF2-40B4-BE49-F238E27FC236}">
-                <a16:creationId xmlns:a16="http://schemas.microsoft.com/office/drawing/2014/main" id="{99615127-C899-53FC-C593-064C5409791D}"/>
+                <a16:creationId xmlns:a16="http://schemas.microsoft.com/office/drawing/2014/main" id="{140C886F-66C0-BBF6-862C-48171374AEED}"/>
               </a:ext>
             </a:extLst>
           </p:cNvPr>
@@ -701,7 +701,7 @@
           <p:cNvPr id="4" name="Slide Number Placeholder 3">
             <a:extLst>
               <a:ext uri="{FF2B5EF4-FFF2-40B4-BE49-F238E27FC236}">
-                <a16:creationId xmlns:a16="http://schemas.microsoft.com/office/drawing/2014/main" id="{BFB9B5CE-58D3-36C4-B661-34975334C48D}"/>
+                <a16:creationId xmlns:a16="http://schemas.microsoft.com/office/drawing/2014/main" id="{E079332C-90D5-5D5E-8E7E-4D5C3310E463}"/>
               </a:ext>
             </a:extLst>
           </p:cNvPr>
@@ -719,7 +719,327 @@
           <a:p>
             <a:fld id="{29370A86-051A-7C48-98C3-08CACFB9377A}" type="slidenum">
               <a:rPr lang="en-BE" smtClean="0"/>
+              <a:t>12</a:t>
+            </a:fld>
+            <a:endParaRPr lang="en-BE"/>
+          </a:p>
+        </p:txBody>
+      </p:sp>
+    </p:spTree>
+    <p:extLst>
+      <p:ext uri="{BB962C8B-B14F-4D97-AF65-F5344CB8AC3E}">
+        <p14:creationId xmlns:p14="http://schemas.microsoft.com/office/powerpoint/2010/main" val="3877363070"/>
+      </p:ext>
+    </p:extLst>
+  </p:cSld>
+  <p:clrMapOvr>
+    <a:masterClrMapping/>
+  </p:clrMapOvr>
+</p:notes>
+</file>
+
+<file path=ppt/notesSlides/notesSlide11.xml><?xml version="1.0" encoding="utf-8"?>
+<p:notes xmlns:a="http://schemas.openxmlformats.org/drawingml/2006/main" xmlns:r="http://schemas.openxmlformats.org/officeDocument/2006/relationships" xmlns:p="http://schemas.openxmlformats.org/presentationml/2006/main">
+  <p:cSld>
+    <p:spTree>
+      <p:nvGrpSpPr>
+        <p:cNvPr id="1" name="">
+          <a:extLst>
+            <a:ext uri="{FF2B5EF4-FFF2-40B4-BE49-F238E27FC236}">
+              <a16:creationId xmlns:a16="http://schemas.microsoft.com/office/drawing/2014/main" id="{DAA36A75-6D91-C22C-6E52-A280DBE0313C}"/>
+            </a:ext>
+          </a:extLst>
+        </p:cNvPr>
+        <p:cNvGrpSpPr/>
+        <p:nvPr/>
+      </p:nvGrpSpPr>
+      <p:grpSpPr>
+        <a:xfrm>
+          <a:off x="0" y="0"/>
+          <a:ext cx="0" cy="0"/>
+          <a:chOff x="0" y="0"/>
+          <a:chExt cx="0" cy="0"/>
+        </a:xfrm>
+      </p:grpSpPr>
+      <p:sp>
+        <p:nvSpPr>
+          <p:cNvPr id="2" name="Slide Image Placeholder 1">
+            <a:extLst>
+              <a:ext uri="{FF2B5EF4-FFF2-40B4-BE49-F238E27FC236}">
+                <a16:creationId xmlns:a16="http://schemas.microsoft.com/office/drawing/2014/main" id="{7AC2B452-A240-DE3A-4817-543C948F6A63}"/>
+              </a:ext>
+            </a:extLst>
+          </p:cNvPr>
+          <p:cNvSpPr>
+            <a:spLocks noGrp="1" noRot="1" noChangeAspect="1"/>
+          </p:cNvSpPr>
+          <p:nvPr>
+            <p:ph type="sldImg"/>
+          </p:nvPr>
+        </p:nvSpPr>
+        <p:spPr/>
+        <p:txBody>
+          <a:bodyPr/>
+          <a:lstStyle/>
+          <a:p>
+            <a:endParaRPr lang="en-US"/>
+          </a:p>
+        </p:txBody>
+      </p:sp>
+      <p:sp>
+        <p:nvSpPr>
+          <p:cNvPr id="3" name="Notes Placeholder 2">
+            <a:extLst>
+              <a:ext uri="{FF2B5EF4-FFF2-40B4-BE49-F238E27FC236}">
+                <a16:creationId xmlns:a16="http://schemas.microsoft.com/office/drawing/2014/main" id="{2E4D060D-FF89-C97E-8DA1-09DDFE0543C0}"/>
+              </a:ext>
+            </a:extLst>
+          </p:cNvPr>
+          <p:cNvSpPr>
+            <a:spLocks noGrp="1"/>
+          </p:cNvSpPr>
+          <p:nvPr>
+            <p:ph type="body" idx="1"/>
+          </p:nvPr>
+        </p:nvSpPr>
+        <p:spPr/>
+        <p:txBody>
+          <a:bodyPr/>
+          <a:lstStyle/>
+          <a:p>
+            <a:r>
+              <a:rPr lang="en-GB" dirty="0"/>
+              <a:t>The Controller starts the process. It tells the Street: update your traffic.</a:t>
+            </a:r>
+          </a:p>
+          <a:p>
+            <a:pPr marL="0" marR="0" lvl="0" indent="0" algn="l" defTabSz="914400" rtl="0" eaLnBrk="1" fontAlgn="auto" latinLnBrk="0" hangingPunct="1">
+              <a:lnSpc>
+                <a:spcPct val="100000"/>
+              </a:lnSpc>
+              <a:spcBef>
+                <a:spcPts val="0"/>
+              </a:spcBef>
+              <a:spcAft>
+                <a:spcPts val="0"/>
+              </a:spcAft>
+              <a:buClrTx/>
+              <a:buSzTx/>
+              <a:buFontTx/>
+              <a:buNone/>
+              <a:tabLst/>
+              <a:defRPr/>
+            </a:pPr>
+            <a:r>
+              <a:rPr lang="en-GB" dirty="0"/>
+              <a:t>Inside </a:t>
+            </a:r>
+            <a:r>
+              <a:rPr lang="en-GB" dirty="0" err="1"/>
+              <a:t>updateTraffic</a:t>
+            </a:r>
+            <a:r>
+              <a:rPr lang="en-GB" dirty="0"/>
+              <a:t>(), the Street loops through each </a:t>
+            </a:r>
+            <a:r>
+              <a:rPr lang="en-GB" dirty="0" err="1"/>
+              <a:t>TrafficLight</a:t>
+            </a:r>
+            <a:r>
+              <a:rPr lang="en-GB" dirty="0"/>
+              <a:t> it contains.”</a:t>
+            </a:r>
+          </a:p>
+          <a:p>
+            <a:endParaRPr lang="en-US" dirty="0"/>
+          </a:p>
+        </p:txBody>
+      </p:sp>
+      <p:sp>
+        <p:nvSpPr>
+          <p:cNvPr id="4" name="Slide Number Placeholder 3">
+            <a:extLst>
+              <a:ext uri="{FF2B5EF4-FFF2-40B4-BE49-F238E27FC236}">
+                <a16:creationId xmlns:a16="http://schemas.microsoft.com/office/drawing/2014/main" id="{F9A352DC-6177-77CF-6F92-D5463507C842}"/>
+              </a:ext>
+            </a:extLst>
+          </p:cNvPr>
+          <p:cNvSpPr>
+            <a:spLocks noGrp="1"/>
+          </p:cNvSpPr>
+          <p:nvPr>
+            <p:ph type="sldNum" sz="quarter" idx="5"/>
+          </p:nvPr>
+        </p:nvSpPr>
+        <p:spPr/>
+        <p:txBody>
+          <a:bodyPr/>
+          <a:lstStyle/>
+          <a:p>
+            <a:fld id="{29370A86-051A-7C48-98C3-08CACFB9377A}" type="slidenum">
+              <a:rPr lang="en-BE" smtClean="0"/>
               <a:t>13</a:t>
+            </a:fld>
+            <a:endParaRPr lang="en-BE"/>
+          </a:p>
+        </p:txBody>
+      </p:sp>
+    </p:spTree>
+    <p:extLst>
+      <p:ext uri="{BB962C8B-B14F-4D97-AF65-F5344CB8AC3E}">
+        <p14:creationId xmlns:p14="http://schemas.microsoft.com/office/powerpoint/2010/main" val="1296479695"/>
+      </p:ext>
+    </p:extLst>
+  </p:cSld>
+  <p:clrMapOvr>
+    <a:masterClrMapping/>
+  </p:clrMapOvr>
+</p:notes>
+</file>
+
+<file path=ppt/notesSlides/notesSlide12.xml><?xml version="1.0" encoding="utf-8"?>
+<p:notes xmlns:a="http://schemas.openxmlformats.org/drawingml/2006/main" xmlns:r="http://schemas.openxmlformats.org/officeDocument/2006/relationships" xmlns:p="http://schemas.openxmlformats.org/presentationml/2006/main">
+  <p:cSld>
+    <p:spTree>
+      <p:nvGrpSpPr>
+        <p:cNvPr id="1" name="">
+          <a:extLst>
+            <a:ext uri="{FF2B5EF4-FFF2-40B4-BE49-F238E27FC236}">
+              <a16:creationId xmlns:a16="http://schemas.microsoft.com/office/drawing/2014/main" id="{98131B25-5843-3A7C-C952-69A9B1FAAC30}"/>
+            </a:ext>
+          </a:extLst>
+        </p:cNvPr>
+        <p:cNvGrpSpPr/>
+        <p:nvPr/>
+      </p:nvGrpSpPr>
+      <p:grpSpPr>
+        <a:xfrm>
+          <a:off x="0" y="0"/>
+          <a:ext cx="0" cy="0"/>
+          <a:chOff x="0" y="0"/>
+          <a:chExt cx="0" cy="0"/>
+        </a:xfrm>
+      </p:grpSpPr>
+      <p:sp>
+        <p:nvSpPr>
+          <p:cNvPr id="2" name="Slide Image Placeholder 1">
+            <a:extLst>
+              <a:ext uri="{FF2B5EF4-FFF2-40B4-BE49-F238E27FC236}">
+                <a16:creationId xmlns:a16="http://schemas.microsoft.com/office/drawing/2014/main" id="{DB7AACB7-89CD-E973-41D8-95D6879A175D}"/>
+              </a:ext>
+            </a:extLst>
+          </p:cNvPr>
+          <p:cNvSpPr>
+            <a:spLocks noGrp="1" noRot="1" noChangeAspect="1"/>
+          </p:cNvSpPr>
+          <p:nvPr>
+            <p:ph type="sldImg"/>
+          </p:nvPr>
+        </p:nvSpPr>
+        <p:spPr/>
+        <p:txBody>
+          <a:bodyPr/>
+          <a:lstStyle/>
+          <a:p>
+            <a:endParaRPr lang="en-US"/>
+          </a:p>
+        </p:txBody>
+      </p:sp>
+      <p:sp>
+        <p:nvSpPr>
+          <p:cNvPr id="3" name="Notes Placeholder 2">
+            <a:extLst>
+              <a:ext uri="{FF2B5EF4-FFF2-40B4-BE49-F238E27FC236}">
+                <a16:creationId xmlns:a16="http://schemas.microsoft.com/office/drawing/2014/main" id="{99615127-C899-53FC-C593-064C5409791D}"/>
+              </a:ext>
+            </a:extLst>
+          </p:cNvPr>
+          <p:cNvSpPr>
+            <a:spLocks noGrp="1"/>
+          </p:cNvSpPr>
+          <p:nvPr>
+            <p:ph type="body" idx="1"/>
+          </p:nvPr>
+        </p:nvSpPr>
+        <p:spPr/>
+        <p:txBody>
+          <a:bodyPr/>
+          <a:lstStyle/>
+          <a:p>
+            <a:r>
+              <a:rPr lang="en-GB" dirty="0"/>
+              <a:t>The Controller starts the process. It tells the Street: update your traffic.</a:t>
+            </a:r>
+          </a:p>
+          <a:p>
+            <a:pPr marL="0" marR="0" lvl="0" indent="0" algn="l" defTabSz="914400" rtl="0" eaLnBrk="1" fontAlgn="auto" latinLnBrk="0" hangingPunct="1">
+              <a:lnSpc>
+                <a:spcPct val="100000"/>
+              </a:lnSpc>
+              <a:spcBef>
+                <a:spcPts val="0"/>
+              </a:spcBef>
+              <a:spcAft>
+                <a:spcPts val="0"/>
+              </a:spcAft>
+              <a:buClrTx/>
+              <a:buSzTx/>
+              <a:buFontTx/>
+              <a:buNone/>
+              <a:tabLst/>
+              <a:defRPr/>
+            </a:pPr>
+            <a:r>
+              <a:rPr lang="en-GB" dirty="0"/>
+              <a:t>Inside </a:t>
+            </a:r>
+            <a:r>
+              <a:rPr lang="en-GB" dirty="0" err="1"/>
+              <a:t>updateTraffic</a:t>
+            </a:r>
+            <a:r>
+              <a:rPr lang="en-GB" dirty="0"/>
+              <a:t>(), the Street loops through each </a:t>
+            </a:r>
+            <a:r>
+              <a:rPr lang="en-GB" dirty="0" err="1"/>
+              <a:t>TrafficLight</a:t>
+            </a:r>
+            <a:r>
+              <a:rPr lang="en-GB" dirty="0"/>
+              <a:t> it contains.”</a:t>
+            </a:r>
+          </a:p>
+          <a:p>
+            <a:endParaRPr lang="en-US" dirty="0"/>
+          </a:p>
+        </p:txBody>
+      </p:sp>
+      <p:sp>
+        <p:nvSpPr>
+          <p:cNvPr id="4" name="Slide Number Placeholder 3">
+            <a:extLst>
+              <a:ext uri="{FF2B5EF4-FFF2-40B4-BE49-F238E27FC236}">
+                <a16:creationId xmlns:a16="http://schemas.microsoft.com/office/drawing/2014/main" id="{BFB9B5CE-58D3-36C4-B661-34975334C48D}"/>
+              </a:ext>
+            </a:extLst>
+          </p:cNvPr>
+          <p:cNvSpPr>
+            <a:spLocks noGrp="1"/>
+          </p:cNvSpPr>
+          <p:nvPr>
+            <p:ph type="sldNum" sz="quarter" idx="5"/>
+          </p:nvPr>
+        </p:nvSpPr>
+        <p:spPr/>
+        <p:txBody>
+          <a:bodyPr/>
+          <a:lstStyle/>
+          <a:p>
+            <a:fld id="{29370A86-051A-7C48-98C3-08CACFB9377A}" type="slidenum">
+              <a:rPr lang="en-BE" smtClean="0"/>
+              <a:t>14</a:t>
             </a:fld>
             <a:endParaRPr lang="en-BE"/>
           </a:p>
@@ -738,7 +1058,7 @@
 </p:notes>
 </file>
 
-<file path=ppt/notesSlides/notesSlide11.xml><?xml version="1.0" encoding="utf-8"?>
+<file path=ppt/notesSlides/notesSlide13.xml><?xml version="1.0" encoding="utf-8"?>
 <p:notes xmlns:a="http://schemas.openxmlformats.org/drawingml/2006/main" xmlns:r="http://schemas.openxmlformats.org/officeDocument/2006/relationships" xmlns:p="http://schemas.openxmlformats.org/presentationml/2006/main">
   <p:cSld>
     <p:spTree>
@@ -879,7 +1199,7 @@
           <a:p>
             <a:fld id="{29370A86-051A-7C48-98C3-08CACFB9377A}" type="slidenum">
               <a:rPr lang="en-BE" smtClean="0"/>
-              <a:t>14</a:t>
+              <a:t>15</a:t>
             </a:fld>
             <a:endParaRPr lang="en-BE"/>
           </a:p>
@@ -898,160 +1218,7 @@
 </p:notes>
 </file>
 
-<file path=ppt/notesSlides/notesSlide12.xml><?xml version="1.0" encoding="utf-8"?>
-<p:notes xmlns:a="http://schemas.openxmlformats.org/drawingml/2006/main" xmlns:r="http://schemas.openxmlformats.org/officeDocument/2006/relationships" xmlns:p="http://schemas.openxmlformats.org/presentationml/2006/main">
-  <p:cSld>
-    <p:spTree>
-      <p:nvGrpSpPr>
-        <p:cNvPr id="1" name="">
-          <a:extLst>
-            <a:ext uri="{FF2B5EF4-FFF2-40B4-BE49-F238E27FC236}">
-              <a16:creationId xmlns:a16="http://schemas.microsoft.com/office/drawing/2014/main" id="{1FAD6C92-850B-7D74-2F40-4D7D36F040EB}"/>
-            </a:ext>
-          </a:extLst>
-        </p:cNvPr>
-        <p:cNvGrpSpPr/>
-        <p:nvPr/>
-      </p:nvGrpSpPr>
-      <p:grpSpPr>
-        <a:xfrm>
-          <a:off x="0" y="0"/>
-          <a:ext cx="0" cy="0"/>
-          <a:chOff x="0" y="0"/>
-          <a:chExt cx="0" cy="0"/>
-        </a:xfrm>
-      </p:grpSpPr>
-      <p:sp>
-        <p:nvSpPr>
-          <p:cNvPr id="2" name="Slide Image Placeholder 1">
-            <a:extLst>
-              <a:ext uri="{FF2B5EF4-FFF2-40B4-BE49-F238E27FC236}">
-                <a16:creationId xmlns:a16="http://schemas.microsoft.com/office/drawing/2014/main" id="{CD73FEB8-8E59-432B-5108-E5D5543DAEEF}"/>
-              </a:ext>
-            </a:extLst>
-          </p:cNvPr>
-          <p:cNvSpPr>
-            <a:spLocks noGrp="1" noRot="1" noChangeAspect="1"/>
-          </p:cNvSpPr>
-          <p:nvPr>
-            <p:ph type="sldImg"/>
-          </p:nvPr>
-        </p:nvSpPr>
-        <p:spPr/>
-        <p:txBody>
-          <a:bodyPr/>
-          <a:lstStyle/>
-          <a:p>
-            <a:endParaRPr lang="en-US"/>
-          </a:p>
-        </p:txBody>
-      </p:sp>
-      <p:sp>
-        <p:nvSpPr>
-          <p:cNvPr id="3" name="Notes Placeholder 2">
-            <a:extLst>
-              <a:ext uri="{FF2B5EF4-FFF2-40B4-BE49-F238E27FC236}">
-                <a16:creationId xmlns:a16="http://schemas.microsoft.com/office/drawing/2014/main" id="{436F8782-CB68-3754-E474-6AD31F5B1C14}"/>
-              </a:ext>
-            </a:extLst>
-          </p:cNvPr>
-          <p:cNvSpPr>
-            <a:spLocks noGrp="1"/>
-          </p:cNvSpPr>
-          <p:nvPr>
-            <p:ph type="body" idx="1"/>
-          </p:nvPr>
-        </p:nvSpPr>
-        <p:spPr/>
-        <p:txBody>
-          <a:bodyPr/>
-          <a:lstStyle/>
-          <a:p>
-            <a:r>
-              <a:rPr lang="en-GB" dirty="0"/>
-              <a:t>Level 1 is reactive — students just code and maybe draw a diagram later.</a:t>
-            </a:r>
-          </a:p>
-          <a:p>
-            <a:r>
-              <a:rPr lang="en-GB" dirty="0"/>
-              <a:t>Level 2 is selective — they design only big features, but small PRs slowly degrade the architecture.</a:t>
-            </a:r>
-          </a:p>
-          <a:p>
-            <a:r>
-              <a:rPr lang="en-GB" dirty="0"/>
-              <a:t>Level 3 is intentional PR design — and this is our goal in Senior Design. Every meaningful pull request forces you to ask: Am I changing structure? Am I changing </a:t>
-            </a:r>
-            <a:r>
-              <a:rPr lang="en-GB" dirty="0" err="1"/>
-              <a:t>behavior</a:t>
-            </a:r>
-            <a:r>
-              <a:rPr lang="en-GB" dirty="0"/>
-              <a:t>? What diagram needs to be updated?</a:t>
-            </a:r>
-          </a:p>
-          <a:p>
-            <a:r>
-              <a:rPr lang="en-GB" dirty="0"/>
-              <a:t>Level 4 is architectural stewardship. That’s when teams actively evolve the architecture over time. They refactor intentionally, protect boundaries, and reduce coupling. That’s what senior engineers and architects do in industry.</a:t>
-            </a:r>
-          </a:p>
-          <a:p>
-            <a:r>
-              <a:rPr lang="en-GB" dirty="0"/>
-              <a:t>In this course, I expect Level 3. If you reach Level 4, that’s exceptional.</a:t>
-            </a:r>
-          </a:p>
-          <a:p>
-            <a:endParaRPr lang="en-US" dirty="0"/>
-          </a:p>
-        </p:txBody>
-      </p:sp>
-      <p:sp>
-        <p:nvSpPr>
-          <p:cNvPr id="4" name="Slide Number Placeholder 3">
-            <a:extLst>
-              <a:ext uri="{FF2B5EF4-FFF2-40B4-BE49-F238E27FC236}">
-                <a16:creationId xmlns:a16="http://schemas.microsoft.com/office/drawing/2014/main" id="{562229DD-1013-F911-8CEB-3E300377BF40}"/>
-              </a:ext>
-            </a:extLst>
-          </p:cNvPr>
-          <p:cNvSpPr>
-            <a:spLocks noGrp="1"/>
-          </p:cNvSpPr>
-          <p:nvPr>
-            <p:ph type="sldNum" sz="quarter" idx="5"/>
-          </p:nvPr>
-        </p:nvSpPr>
-        <p:spPr/>
-        <p:txBody>
-          <a:bodyPr/>
-          <a:lstStyle/>
-          <a:p>
-            <a:fld id="{29370A86-051A-7C48-98C3-08CACFB9377A}" type="slidenum">
-              <a:rPr lang="en-BE" smtClean="0"/>
-              <a:t>15</a:t>
-            </a:fld>
-            <a:endParaRPr lang="en-BE"/>
-          </a:p>
-        </p:txBody>
-      </p:sp>
-    </p:spTree>
-    <p:extLst>
-      <p:ext uri="{BB962C8B-B14F-4D97-AF65-F5344CB8AC3E}">
-        <p14:creationId xmlns:p14="http://schemas.microsoft.com/office/powerpoint/2010/main" val="2043924132"/>
-      </p:ext>
-    </p:extLst>
-  </p:cSld>
-  <p:clrMapOvr>
-    <a:masterClrMapping/>
-  </p:clrMapOvr>
-</p:notes>
-</file>
-
-<file path=ppt/notesSlides/notesSlide13.xml><?xml version="1.0" encoding="utf-8"?>
+<file path=ppt/notesSlides/notesSlide14.xml><?xml version="1.0" encoding="utf-8"?>
 <p:notes xmlns:a="http://schemas.openxmlformats.org/drawingml/2006/main" xmlns:r="http://schemas.openxmlformats.org/officeDocument/2006/relationships" xmlns:p="http://schemas.openxmlformats.org/presentationml/2006/main">
   <p:cSld>
     <p:spTree>
@@ -1166,7 +1333,7 @@
 </p:notes>
 </file>
 
-<file path=ppt/notesSlides/notesSlide14.xml><?xml version="1.0" encoding="utf-8"?>
+<file path=ppt/notesSlides/notesSlide15.xml><?xml version="1.0" encoding="utf-8"?>
 <p:notes xmlns:a="http://schemas.openxmlformats.org/drawingml/2006/main" xmlns:r="http://schemas.openxmlformats.org/officeDocument/2006/relationships" xmlns:p="http://schemas.openxmlformats.org/presentationml/2006/main">
   <p:cSld>
     <p:spTree>
@@ -1281,7 +1448,7 @@
 </p:notes>
 </file>
 
-<file path=ppt/notesSlides/notesSlide15.xml><?xml version="1.0" encoding="utf-8"?>
+<file path=ppt/notesSlides/notesSlide16.xml><?xml version="1.0" encoding="utf-8"?>
 <p:notes xmlns:a="http://schemas.openxmlformats.org/drawingml/2006/main" xmlns:r="http://schemas.openxmlformats.org/officeDocument/2006/relationships" xmlns:p="http://schemas.openxmlformats.org/presentationml/2006/main">
   <p:cSld>
     <p:spTree>
@@ -1396,7 +1563,7 @@
 </p:notes>
 </file>
 
-<file path=ppt/notesSlides/notesSlide16.xml><?xml version="1.0" encoding="utf-8"?>
+<file path=ppt/notesSlides/notesSlide17.xml><?xml version="1.0" encoding="utf-8"?>
 <p:notes xmlns:a="http://schemas.openxmlformats.org/drawingml/2006/main" xmlns:r="http://schemas.openxmlformats.org/officeDocument/2006/relationships" xmlns:p="http://schemas.openxmlformats.org/presentationml/2006/main">
   <p:cSld>
     <p:spTree>
@@ -1511,7 +1678,7 @@
 </p:notes>
 </file>
 
-<file path=ppt/notesSlides/notesSlide17.xml><?xml version="1.0" encoding="utf-8"?>
+<file path=ppt/notesSlides/notesSlide18.xml><?xml version="1.0" encoding="utf-8"?>
 <p:notes xmlns:a="http://schemas.openxmlformats.org/drawingml/2006/main" xmlns:r="http://schemas.openxmlformats.org/officeDocument/2006/relationships" xmlns:p="http://schemas.openxmlformats.org/presentationml/2006/main">
   <p:cSld>
     <p:spTree>
@@ -1626,7 +1793,7 @@
 </p:notes>
 </file>
 
-<file path=ppt/notesSlides/notesSlide18.xml><?xml version="1.0" encoding="utf-8"?>
+<file path=ppt/notesSlides/notesSlide19.xml><?xml version="1.0" encoding="utf-8"?>
 <p:notes xmlns:a="http://schemas.openxmlformats.org/drawingml/2006/main" xmlns:r="http://schemas.openxmlformats.org/officeDocument/2006/relationships" xmlns:p="http://schemas.openxmlformats.org/presentationml/2006/main">
   <p:cSld>
     <p:spTree>
@@ -1769,13 +1936,6 @@
           </p:nvPr>
         </p:nvSpPr>
         <p:spPr/>
-        <p:txBody>
-          <a:bodyPr/>
-          <a:lstStyle/>
-          <a:p>
-            <a:endParaRPr lang="en-US"/>
-          </a:p>
-        </p:txBody>
       </p:sp>
       <p:sp>
         <p:nvSpPr>
@@ -1797,10 +1957,9 @@
               <a:buChar char="•"/>
             </a:pPr>
             <a:r>
-              <a:rPr lang="en-GB" i="1" dirty="0"/>
-              <a:t>In bad design, responsibilities blur, so adding a feature touches everything.</a:t>
-            </a:r>
-            <a:endParaRPr lang="en-GB" dirty="0"/>
+              <a:rPr lang="en-GB" dirty="0"/>
+              <a:t>I know early stages can feel messy. That’s normal.</a:t>
+            </a:r>
           </a:p>
           <a:p>
             <a:pPr marL="171450" indent="-171450">
@@ -1808,12 +1967,9 @@
               <a:buChar char="•"/>
             </a:pPr>
             <a:r>
-              <a:rPr lang="en-GB" i="1" dirty="0"/>
-              <a:t>In good design, a feature maps to 1–2 responsibilities, which maps to a small PR.</a:t>
-            </a:r>
-            <a:endParaRPr lang="en-GB" dirty="0"/>
-          </a:p>
-          <a:p>
+              <a:rPr lang="en-GB" dirty="0"/>
+              <a:t>What’s not normal is staying blocked.</a:t>
+            </a:r>
             <a:endParaRPr lang="en-US" dirty="0"/>
           </a:p>
         </p:txBody>
@@ -1835,7 +1991,433 @@
           <a:p>
             <a:fld id="{29370A86-051A-7C48-98C3-08CACFB9377A}" type="slidenum">
               <a:rPr lang="en-BE" smtClean="0"/>
-              <a:t>5</a:t>
+              <a:t>2</a:t>
+            </a:fld>
+            <a:endParaRPr lang="en-BE"/>
+          </a:p>
+        </p:txBody>
+      </p:sp>
+    </p:spTree>
+    <p:extLst>
+      <p:ext uri="{BB962C8B-B14F-4D97-AF65-F5344CB8AC3E}">
+        <p14:creationId xmlns:p14="http://schemas.microsoft.com/office/powerpoint/2010/main" val="1947868548"/>
+      </p:ext>
+    </p:extLst>
+  </p:cSld>
+  <p:clrMapOvr>
+    <a:masterClrMapping/>
+  </p:clrMapOvr>
+</p:notes>
+</file>
+
+<file path=ppt/notesSlides/notesSlide3.xml><?xml version="1.0" encoding="utf-8"?>
+<p:notes xmlns:a="http://schemas.openxmlformats.org/drawingml/2006/main" xmlns:r="http://schemas.openxmlformats.org/officeDocument/2006/relationships" xmlns:p="http://schemas.openxmlformats.org/presentationml/2006/main">
+  <p:cSld>
+    <p:spTree>
+      <p:nvGrpSpPr>
+        <p:cNvPr id="1" name=""/>
+        <p:cNvGrpSpPr/>
+        <p:nvPr/>
+      </p:nvGrpSpPr>
+      <p:grpSpPr>
+        <a:xfrm>
+          <a:off x="0" y="0"/>
+          <a:ext cx="0" cy="0"/>
+          <a:chOff x="0" y="0"/>
+          <a:chExt cx="0" cy="0"/>
+        </a:xfrm>
+      </p:grpSpPr>
+      <p:sp>
+        <p:nvSpPr>
+          <p:cNvPr id="2" name="Slide Image Placeholder 1"/>
+          <p:cNvSpPr>
+            <a:spLocks noGrp="1" noRot="1" noChangeAspect="1"/>
+          </p:cNvSpPr>
+          <p:nvPr>
+            <p:ph type="sldImg"/>
+          </p:nvPr>
+        </p:nvSpPr>
+        <p:spPr/>
+      </p:sp>
+      <p:sp>
+        <p:nvSpPr>
+          <p:cNvPr id="3" name="Notes Placeholder 2"/>
+          <p:cNvSpPr>
+            <a:spLocks noGrp="1"/>
+          </p:cNvSpPr>
+          <p:nvPr>
+            <p:ph type="body" idx="1"/>
+          </p:nvPr>
+        </p:nvSpPr>
+        <p:spPr/>
+        <p:txBody>
+          <a:bodyPr/>
+          <a:lstStyle/>
+          <a:p>
+            <a:pPr marL="171450" indent="-171450">
+              <a:buFontTx/>
+              <a:buChar char="-"/>
+            </a:pPr>
+            <a:r>
+              <a:rPr lang="en-GB" dirty="0"/>
+              <a:t>The real world is ambiguous. Software must bring structure to ambiguity.</a:t>
+            </a:r>
+          </a:p>
+          <a:p>
+            <a:pPr marL="171450" indent="-171450">
+              <a:buFontTx/>
+              <a:buChar char="-"/>
+            </a:pPr>
+            <a:r>
+              <a:rPr lang="en-GB" dirty="0"/>
+              <a:t>Domain </a:t>
+            </a:r>
+            <a:r>
+              <a:rPr lang="en-GB" dirty="0" err="1"/>
+              <a:t>modeling</a:t>
+            </a:r>
+            <a:r>
+              <a:rPr lang="en-GB" dirty="0"/>
+              <a:t> is about understanding the problem — not solving it yet. Core concepts</a:t>
+            </a:r>
+          </a:p>
+          <a:p>
+            <a:pPr marL="628650" marR="0" lvl="1" indent="-171450" algn="l" defTabSz="914400" rtl="0" eaLnBrk="1" fontAlgn="auto" latinLnBrk="0" hangingPunct="1">
+              <a:lnSpc>
+                <a:spcPct val="100000"/>
+              </a:lnSpc>
+              <a:spcBef>
+                <a:spcPts val="0"/>
+              </a:spcBef>
+              <a:spcAft>
+                <a:spcPts val="0"/>
+              </a:spcAft>
+              <a:buClrTx/>
+              <a:buSzTx/>
+              <a:buFontTx/>
+              <a:buChar char="-"/>
+              <a:tabLst/>
+              <a:defRPr/>
+            </a:pPr>
+            <a:r>
+              <a:rPr lang="en-GB" dirty="0"/>
+              <a:t>Identify core concepts (Book, User, Loan, Street, </a:t>
+            </a:r>
+            <a:r>
+              <a:rPr lang="en-GB" dirty="0" err="1"/>
+              <a:t>TrafficLight</a:t>
+            </a:r>
+            <a:r>
+              <a:rPr lang="en-GB" dirty="0"/>
+              <a:t>, etc.)</a:t>
+            </a:r>
+          </a:p>
+          <a:p>
+            <a:pPr marL="628650" marR="0" lvl="1" indent="-171450" algn="l" defTabSz="914400" rtl="0" eaLnBrk="1" fontAlgn="auto" latinLnBrk="0" hangingPunct="1">
+              <a:lnSpc>
+                <a:spcPct val="100000"/>
+              </a:lnSpc>
+              <a:spcBef>
+                <a:spcPts val="0"/>
+              </a:spcBef>
+              <a:spcAft>
+                <a:spcPts val="0"/>
+              </a:spcAft>
+              <a:buClrTx/>
+              <a:buSzTx/>
+              <a:buFontTx/>
+              <a:buChar char="-"/>
+              <a:tabLst/>
+              <a:defRPr/>
+            </a:pPr>
+            <a:r>
+              <a:rPr lang="en-GB" dirty="0"/>
+              <a:t>Focus on </a:t>
+            </a:r>
+            <a:r>
+              <a:rPr lang="en-GB" b="1" dirty="0"/>
+              <a:t>what exists</a:t>
+            </a:r>
+            <a:endParaRPr lang="en-GB" dirty="0"/>
+          </a:p>
+          <a:p>
+            <a:pPr marL="628650" marR="0" lvl="1" indent="-171450" algn="l" defTabSz="914400" rtl="0" eaLnBrk="1" fontAlgn="auto" latinLnBrk="0" hangingPunct="1">
+              <a:lnSpc>
+                <a:spcPct val="100000"/>
+              </a:lnSpc>
+              <a:spcBef>
+                <a:spcPts val="0"/>
+              </a:spcBef>
+              <a:spcAft>
+                <a:spcPts val="0"/>
+              </a:spcAft>
+              <a:buClrTx/>
+              <a:buSzTx/>
+              <a:buFontTx/>
+              <a:buChar char="-"/>
+              <a:tabLst/>
+              <a:defRPr/>
+            </a:pPr>
+            <a:r>
+              <a:rPr lang="en-GB" dirty="0"/>
+              <a:t>No implementation details</a:t>
+            </a:r>
+          </a:p>
+          <a:p>
+            <a:pPr marL="171450" indent="-171450">
+              <a:buFontTx/>
+              <a:buChar char="-"/>
+            </a:pPr>
+            <a:r>
+              <a:rPr lang="en-GB" dirty="0"/>
+              <a:t>Now we move from understanding to engineering. This is the transition from </a:t>
+            </a:r>
+            <a:r>
+              <a:rPr lang="en-GB" i="1" dirty="0"/>
+              <a:t>conceptual clarity</a:t>
+            </a:r>
+            <a:r>
+              <a:rPr lang="en-GB" dirty="0"/>
+              <a:t> to </a:t>
+            </a:r>
+            <a:r>
+              <a:rPr lang="en-GB" i="1" dirty="0"/>
+              <a:t>structural clarity</a:t>
+            </a:r>
+            <a:r>
+              <a:rPr lang="en-GB" dirty="0"/>
+              <a:t>.</a:t>
+            </a:r>
+          </a:p>
+          <a:p>
+            <a:pPr marL="628650" lvl="1" indent="-171450">
+              <a:buFontTx/>
+              <a:buChar char="-"/>
+            </a:pPr>
+            <a:r>
+              <a:rPr lang="en-GB" dirty="0"/>
+              <a:t>Define concepts, responsibilities, and interfaces</a:t>
+            </a:r>
+          </a:p>
+          <a:p>
+            <a:pPr marL="171450" lvl="0" indent="-171450">
+              <a:buFontTx/>
+              <a:buChar char="-"/>
+            </a:pPr>
+            <a:r>
+              <a:rPr lang="en-GB" dirty="0"/>
+              <a:t>Implementation + PR + CI</a:t>
+            </a:r>
+          </a:p>
+          <a:p>
+            <a:pPr marL="171450" lvl="0" indent="-171450">
+              <a:buFontTx/>
+              <a:buChar char="-"/>
+            </a:pPr>
+            <a:r>
+              <a:rPr lang="en-GB" dirty="0"/>
+              <a:t>Code follows design</a:t>
+            </a:r>
+          </a:p>
+          <a:p>
+            <a:pPr marL="171450" lvl="0" indent="-171450">
+              <a:buFontTx/>
+              <a:buChar char="-"/>
+            </a:pPr>
+            <a:r>
+              <a:rPr lang="en-GB" dirty="0"/>
+              <a:t>Each PR implements a </a:t>
+            </a:r>
+            <a:r>
+              <a:rPr lang="en-GB" b="1" dirty="0"/>
+              <a:t>design slice</a:t>
+            </a:r>
+          </a:p>
+          <a:p>
+            <a:pPr marL="171450" lvl="0" indent="-171450">
+              <a:buFontTx/>
+              <a:buChar char="-"/>
+            </a:pPr>
+            <a:r>
+              <a:rPr lang="en-GB" dirty="0"/>
+              <a:t>CI validates design assumptions</a:t>
+            </a:r>
+          </a:p>
+          <a:p>
+            <a:pPr marL="171450" lvl="0" indent="-171450">
+              <a:buFontTx/>
+              <a:buChar char="-"/>
+            </a:pPr>
+            <a:r>
+              <a:rPr lang="en-GB" dirty="0"/>
+              <a:t>Review checks alignment with design</a:t>
+            </a:r>
+          </a:p>
+          <a:p>
+            <a:pPr marL="628650" lvl="1" indent="-171450">
+              <a:buFontTx/>
+              <a:buChar char="-"/>
+            </a:pPr>
+            <a:endParaRPr lang="en-US" dirty="0"/>
+          </a:p>
+        </p:txBody>
+      </p:sp>
+      <p:sp>
+        <p:nvSpPr>
+          <p:cNvPr id="4" name="Slide Number Placeholder 3"/>
+          <p:cNvSpPr>
+            <a:spLocks noGrp="1"/>
+          </p:cNvSpPr>
+          <p:nvPr>
+            <p:ph type="sldNum" sz="quarter" idx="5"/>
+          </p:nvPr>
+        </p:nvSpPr>
+        <p:spPr/>
+        <p:txBody>
+          <a:bodyPr/>
+          <a:lstStyle/>
+          <a:p>
+            <a:fld id="{29370A86-051A-7C48-98C3-08CACFB9377A}" type="slidenum">
+              <a:rPr lang="en-BE" smtClean="0"/>
+              <a:t>4</a:t>
+            </a:fld>
+            <a:endParaRPr lang="en-BE"/>
+          </a:p>
+        </p:txBody>
+      </p:sp>
+    </p:spTree>
+    <p:extLst>
+      <p:ext uri="{BB962C8B-B14F-4D97-AF65-F5344CB8AC3E}">
+        <p14:creationId xmlns:p14="http://schemas.microsoft.com/office/powerpoint/2010/main" val="3602548983"/>
+      </p:ext>
+    </p:extLst>
+  </p:cSld>
+  <p:clrMapOvr>
+    <a:masterClrMapping/>
+  </p:clrMapOvr>
+</p:notes>
+</file>
+
+<file path=ppt/notesSlides/notesSlide4.xml><?xml version="1.0" encoding="utf-8"?>
+<p:notes xmlns:a="http://schemas.openxmlformats.org/drawingml/2006/main" xmlns:r="http://schemas.openxmlformats.org/officeDocument/2006/relationships" xmlns:p="http://schemas.openxmlformats.org/presentationml/2006/main">
+  <p:cSld>
+    <p:spTree>
+      <p:nvGrpSpPr>
+        <p:cNvPr id="1" name=""/>
+        <p:cNvGrpSpPr/>
+        <p:nvPr/>
+      </p:nvGrpSpPr>
+      <p:grpSpPr>
+        <a:xfrm>
+          <a:off x="0" y="0"/>
+          <a:ext cx="0" cy="0"/>
+          <a:chOff x="0" y="0"/>
+          <a:chExt cx="0" cy="0"/>
+        </a:xfrm>
+      </p:grpSpPr>
+      <p:sp>
+        <p:nvSpPr>
+          <p:cNvPr id="2" name="Slide Image Placeholder 1"/>
+          <p:cNvSpPr>
+            <a:spLocks noGrp="1" noRot="1" noChangeAspect="1"/>
+          </p:cNvSpPr>
+          <p:nvPr>
+            <p:ph type="sldImg"/>
+          </p:nvPr>
+        </p:nvSpPr>
+        <p:spPr/>
+        <p:txBody>
+          <a:bodyPr/>
+          <a:lstStyle/>
+          <a:p>
+            <a:endParaRPr lang="en-US"/>
+          </a:p>
+        </p:txBody>
+      </p:sp>
+      <p:sp>
+        <p:nvSpPr>
+          <p:cNvPr id="3" name="Notes Placeholder 2"/>
+          <p:cNvSpPr>
+            <a:spLocks noGrp="1"/>
+          </p:cNvSpPr>
+          <p:nvPr>
+            <p:ph type="body" idx="1"/>
+          </p:nvPr>
+        </p:nvSpPr>
+        <p:spPr/>
+        <p:txBody>
+          <a:bodyPr/>
+          <a:lstStyle/>
+          <a:p>
+            <a:pPr marL="0" indent="0">
+              <a:buFont typeface="Arial" panose="020B0604020202020204" pitchFamily="34" charset="0"/>
+              <a:buNone/>
+            </a:pPr>
+            <a:r>
+              <a:rPr lang="en-GB" dirty="0"/>
+              <a:t>Now that we’ve seen how requirements turn into pull requests, the real question is:</a:t>
+            </a:r>
+            <a:br>
+              <a:rPr lang="en-GB" dirty="0"/>
+            </a:br>
+            <a:r>
+              <a:rPr lang="en-GB" b="1" dirty="0"/>
+              <a:t>How do we design so that change doesn’t destroy our system?</a:t>
+            </a:r>
+            <a:endParaRPr lang="en-GB" i="1" dirty="0"/>
+          </a:p>
+          <a:p>
+            <a:pPr marL="171450" indent="-171450">
+              <a:buFont typeface="Arial" panose="020B0604020202020204" pitchFamily="34" charset="0"/>
+              <a:buChar char="•"/>
+            </a:pPr>
+            <a:endParaRPr lang="en-GB" i="1" dirty="0"/>
+          </a:p>
+          <a:p>
+            <a:pPr marL="171450" indent="-171450">
+              <a:buFont typeface="Arial" panose="020B0604020202020204" pitchFamily="34" charset="0"/>
+              <a:buChar char="•"/>
+            </a:pPr>
+            <a:r>
+              <a:rPr lang="en-GB" i="1" dirty="0"/>
+              <a:t>In bad design, responsibilities blur, so adding a feature touches everything.</a:t>
+            </a:r>
+            <a:endParaRPr lang="en-GB" dirty="0"/>
+          </a:p>
+          <a:p>
+            <a:pPr marL="171450" indent="-171450">
+              <a:buFont typeface="Arial" panose="020B0604020202020204" pitchFamily="34" charset="0"/>
+              <a:buChar char="•"/>
+            </a:pPr>
+            <a:r>
+              <a:rPr lang="en-GB" i="1" dirty="0"/>
+              <a:t>In good design, a feature maps to 1–2 responsibilities, which maps to a small PR.</a:t>
+            </a:r>
+            <a:endParaRPr lang="en-GB" dirty="0"/>
+          </a:p>
+          <a:p>
+            <a:endParaRPr lang="en-US" dirty="0"/>
+          </a:p>
+        </p:txBody>
+      </p:sp>
+      <p:sp>
+        <p:nvSpPr>
+          <p:cNvPr id="4" name="Slide Number Placeholder 3"/>
+          <p:cNvSpPr>
+            <a:spLocks noGrp="1"/>
+          </p:cNvSpPr>
+          <p:nvPr>
+            <p:ph type="sldNum" sz="quarter" idx="5"/>
+          </p:nvPr>
+        </p:nvSpPr>
+        <p:spPr/>
+        <p:txBody>
+          <a:bodyPr/>
+          <a:lstStyle/>
+          <a:p>
+            <a:fld id="{29370A86-051A-7C48-98C3-08CACFB9377A}" type="slidenum">
+              <a:rPr lang="en-BE" smtClean="0"/>
+              <a:t>6</a:t>
             </a:fld>
             <a:endParaRPr lang="en-BE"/>
           </a:p>
@@ -1854,7 +2436,7 @@
 </p:notes>
 </file>
 
-<file path=ppt/notesSlides/notesSlide3.xml><?xml version="1.0" encoding="utf-8"?>
+<file path=ppt/notesSlides/notesSlide5.xml><?xml version="1.0" encoding="utf-8"?>
 <p:notes xmlns:a="http://schemas.openxmlformats.org/drawingml/2006/main" xmlns:r="http://schemas.openxmlformats.org/officeDocument/2006/relationships" xmlns:p="http://schemas.openxmlformats.org/presentationml/2006/main">
   <p:cSld>
     <p:spTree>
@@ -1972,7 +2554,7 @@
           <a:p>
             <a:fld id="{29370A86-051A-7C48-98C3-08CACFB9377A}" type="slidenum">
               <a:rPr lang="en-BE" smtClean="0"/>
-              <a:t>6</a:t>
+              <a:t>7</a:t>
             </a:fld>
             <a:endParaRPr lang="en-BE"/>
           </a:p>
@@ -1991,7 +2573,7 @@
 </p:notes>
 </file>
 
-<file path=ppt/notesSlides/notesSlide4.xml><?xml version="1.0" encoding="utf-8"?>
+<file path=ppt/notesSlides/notesSlide6.xml><?xml version="1.0" encoding="utf-8"?>
 <p:notes xmlns:a="http://schemas.openxmlformats.org/drawingml/2006/main" xmlns:r="http://schemas.openxmlformats.org/officeDocument/2006/relationships" xmlns:p="http://schemas.openxmlformats.org/presentationml/2006/main">
   <p:cSld>
     <p:spTree>
@@ -2109,7 +2691,7 @@
           <a:p>
             <a:fld id="{29370A86-051A-7C48-98C3-08CACFB9377A}" type="slidenum">
               <a:rPr lang="en-BE" smtClean="0"/>
-              <a:t>7</a:t>
+              <a:t>8</a:t>
             </a:fld>
             <a:endParaRPr lang="en-BE"/>
           </a:p>
@@ -2128,7 +2710,7 @@
 </p:notes>
 </file>
 
-<file path=ppt/notesSlides/notesSlide5.xml><?xml version="1.0" encoding="utf-8"?>
+<file path=ppt/notesSlides/notesSlide7.xml><?xml version="1.0" encoding="utf-8"?>
 <p:notes xmlns:a="http://schemas.openxmlformats.org/drawingml/2006/main" xmlns:r="http://schemas.openxmlformats.org/officeDocument/2006/relationships" xmlns:p="http://schemas.openxmlformats.org/presentationml/2006/main">
   <p:cSld>
     <p:spTree>
@@ -2224,7 +2806,7 @@
           <a:p>
             <a:fld id="{29370A86-051A-7C48-98C3-08CACFB9377A}" type="slidenum">
               <a:rPr lang="en-BE" smtClean="0"/>
-              <a:t>8</a:t>
+              <a:t>9</a:t>
             </a:fld>
             <a:endParaRPr lang="en-BE"/>
           </a:p>
@@ -2243,7 +2825,7 @@
 </p:notes>
 </file>
 
-<file path=ppt/notesSlides/notesSlide6.xml><?xml version="1.0" encoding="utf-8"?>
+<file path=ppt/notesSlides/notesSlide8.xml><?xml version="1.0" encoding="utf-8"?>
 <p:notes xmlns:a="http://schemas.openxmlformats.org/drawingml/2006/main" xmlns:r="http://schemas.openxmlformats.org/officeDocument/2006/relationships" xmlns:p="http://schemas.openxmlformats.org/presentationml/2006/main">
   <p:cSld>
     <p:spTree>
@@ -2339,7 +2921,7 @@
           <a:p>
             <a:fld id="{29370A86-051A-7C48-98C3-08CACFB9377A}" type="slidenum">
               <a:rPr lang="en-BE" smtClean="0"/>
-              <a:t>9</a:t>
+              <a:t>10</a:t>
             </a:fld>
             <a:endParaRPr lang="en-BE"/>
           </a:p>
@@ -2358,7 +2940,7 @@
 </p:notes>
 </file>
 
-<file path=ppt/notesSlides/notesSlide7.xml><?xml version="1.0" encoding="utf-8"?>
+<file path=ppt/notesSlides/notesSlide9.xml><?xml version="1.0" encoding="utf-8"?>
 <p:notes xmlns:a="http://schemas.openxmlformats.org/drawingml/2006/main" xmlns:r="http://schemas.openxmlformats.org/officeDocument/2006/relationships" xmlns:p="http://schemas.openxmlformats.org/presentationml/2006/main">
   <p:cSld>
     <p:spTree>
@@ -2454,7 +3036,7 @@
           <a:p>
             <a:fld id="{29370A86-051A-7C48-98C3-08CACFB9377A}" type="slidenum">
               <a:rPr lang="en-BE" smtClean="0"/>
-              <a:t>10</a:t>
+              <a:t>11</a:t>
             </a:fld>
             <a:endParaRPr lang="en-BE"/>
           </a:p>
@@ -2464,326 +3046,6 @@
     <p:extLst>
       <p:ext uri="{BB962C8B-B14F-4D97-AF65-F5344CB8AC3E}">
         <p14:creationId xmlns:p14="http://schemas.microsoft.com/office/powerpoint/2010/main" val="1164167717"/>
-      </p:ext>
-    </p:extLst>
-  </p:cSld>
-  <p:clrMapOvr>
-    <a:masterClrMapping/>
-  </p:clrMapOvr>
-</p:notes>
-</file>
-
-<file path=ppt/notesSlides/notesSlide8.xml><?xml version="1.0" encoding="utf-8"?>
-<p:notes xmlns:a="http://schemas.openxmlformats.org/drawingml/2006/main" xmlns:r="http://schemas.openxmlformats.org/officeDocument/2006/relationships" xmlns:p="http://schemas.openxmlformats.org/presentationml/2006/main">
-  <p:cSld>
-    <p:spTree>
-      <p:nvGrpSpPr>
-        <p:cNvPr id="1" name="">
-          <a:extLst>
-            <a:ext uri="{FF2B5EF4-FFF2-40B4-BE49-F238E27FC236}">
-              <a16:creationId xmlns:a16="http://schemas.microsoft.com/office/drawing/2014/main" id="{6F5E06B1-1C9B-3FBE-9552-4CDC99012D20}"/>
-            </a:ext>
-          </a:extLst>
-        </p:cNvPr>
-        <p:cNvGrpSpPr/>
-        <p:nvPr/>
-      </p:nvGrpSpPr>
-      <p:grpSpPr>
-        <a:xfrm>
-          <a:off x="0" y="0"/>
-          <a:ext cx="0" cy="0"/>
-          <a:chOff x="0" y="0"/>
-          <a:chExt cx="0" cy="0"/>
-        </a:xfrm>
-      </p:grpSpPr>
-      <p:sp>
-        <p:nvSpPr>
-          <p:cNvPr id="2" name="Slide Image Placeholder 1">
-            <a:extLst>
-              <a:ext uri="{FF2B5EF4-FFF2-40B4-BE49-F238E27FC236}">
-                <a16:creationId xmlns:a16="http://schemas.microsoft.com/office/drawing/2014/main" id="{D247CBA3-CC1C-0C44-690B-A4392175CC26}"/>
-              </a:ext>
-            </a:extLst>
-          </p:cNvPr>
-          <p:cNvSpPr>
-            <a:spLocks noGrp="1" noRot="1" noChangeAspect="1"/>
-          </p:cNvSpPr>
-          <p:nvPr>
-            <p:ph type="sldImg"/>
-          </p:nvPr>
-        </p:nvSpPr>
-        <p:spPr/>
-        <p:txBody>
-          <a:bodyPr/>
-          <a:lstStyle/>
-          <a:p>
-            <a:endParaRPr lang="en-US"/>
-          </a:p>
-        </p:txBody>
-      </p:sp>
-      <p:sp>
-        <p:nvSpPr>
-          <p:cNvPr id="3" name="Notes Placeholder 2">
-            <a:extLst>
-              <a:ext uri="{FF2B5EF4-FFF2-40B4-BE49-F238E27FC236}">
-                <a16:creationId xmlns:a16="http://schemas.microsoft.com/office/drawing/2014/main" id="{140C886F-66C0-BBF6-862C-48171374AEED}"/>
-              </a:ext>
-            </a:extLst>
-          </p:cNvPr>
-          <p:cNvSpPr>
-            <a:spLocks noGrp="1"/>
-          </p:cNvSpPr>
-          <p:nvPr>
-            <p:ph type="body" idx="1"/>
-          </p:nvPr>
-        </p:nvSpPr>
-        <p:spPr/>
-        <p:txBody>
-          <a:bodyPr/>
-          <a:lstStyle/>
-          <a:p>
-            <a:r>
-              <a:rPr lang="en-GB" dirty="0"/>
-              <a:t>The Controller starts the process. It tells the Street: update your traffic.</a:t>
-            </a:r>
-          </a:p>
-          <a:p>
-            <a:pPr marL="0" marR="0" lvl="0" indent="0" algn="l" defTabSz="914400" rtl="0" eaLnBrk="1" fontAlgn="auto" latinLnBrk="0" hangingPunct="1">
-              <a:lnSpc>
-                <a:spcPct val="100000"/>
-              </a:lnSpc>
-              <a:spcBef>
-                <a:spcPts val="0"/>
-              </a:spcBef>
-              <a:spcAft>
-                <a:spcPts val="0"/>
-              </a:spcAft>
-              <a:buClrTx/>
-              <a:buSzTx/>
-              <a:buFontTx/>
-              <a:buNone/>
-              <a:tabLst/>
-              <a:defRPr/>
-            </a:pPr>
-            <a:r>
-              <a:rPr lang="en-GB" dirty="0"/>
-              <a:t>Inside </a:t>
-            </a:r>
-            <a:r>
-              <a:rPr lang="en-GB" dirty="0" err="1"/>
-              <a:t>updateTraffic</a:t>
-            </a:r>
-            <a:r>
-              <a:rPr lang="en-GB" dirty="0"/>
-              <a:t>(), the Street loops through each </a:t>
-            </a:r>
-            <a:r>
-              <a:rPr lang="en-GB" dirty="0" err="1"/>
-              <a:t>TrafficLight</a:t>
-            </a:r>
-            <a:r>
-              <a:rPr lang="en-GB" dirty="0"/>
-              <a:t> it contains.”</a:t>
-            </a:r>
-          </a:p>
-          <a:p>
-            <a:endParaRPr lang="en-US" dirty="0"/>
-          </a:p>
-        </p:txBody>
-      </p:sp>
-      <p:sp>
-        <p:nvSpPr>
-          <p:cNvPr id="4" name="Slide Number Placeholder 3">
-            <a:extLst>
-              <a:ext uri="{FF2B5EF4-FFF2-40B4-BE49-F238E27FC236}">
-                <a16:creationId xmlns:a16="http://schemas.microsoft.com/office/drawing/2014/main" id="{E079332C-90D5-5D5E-8E7E-4D5C3310E463}"/>
-              </a:ext>
-            </a:extLst>
-          </p:cNvPr>
-          <p:cNvSpPr>
-            <a:spLocks noGrp="1"/>
-          </p:cNvSpPr>
-          <p:nvPr>
-            <p:ph type="sldNum" sz="quarter" idx="5"/>
-          </p:nvPr>
-        </p:nvSpPr>
-        <p:spPr/>
-        <p:txBody>
-          <a:bodyPr/>
-          <a:lstStyle/>
-          <a:p>
-            <a:fld id="{29370A86-051A-7C48-98C3-08CACFB9377A}" type="slidenum">
-              <a:rPr lang="en-BE" smtClean="0"/>
-              <a:t>11</a:t>
-            </a:fld>
-            <a:endParaRPr lang="en-BE"/>
-          </a:p>
-        </p:txBody>
-      </p:sp>
-    </p:spTree>
-    <p:extLst>
-      <p:ext uri="{BB962C8B-B14F-4D97-AF65-F5344CB8AC3E}">
-        <p14:creationId xmlns:p14="http://schemas.microsoft.com/office/powerpoint/2010/main" val="3877363070"/>
-      </p:ext>
-    </p:extLst>
-  </p:cSld>
-  <p:clrMapOvr>
-    <a:masterClrMapping/>
-  </p:clrMapOvr>
-</p:notes>
-</file>
-
-<file path=ppt/notesSlides/notesSlide9.xml><?xml version="1.0" encoding="utf-8"?>
-<p:notes xmlns:a="http://schemas.openxmlformats.org/drawingml/2006/main" xmlns:r="http://schemas.openxmlformats.org/officeDocument/2006/relationships" xmlns:p="http://schemas.openxmlformats.org/presentationml/2006/main">
-  <p:cSld>
-    <p:spTree>
-      <p:nvGrpSpPr>
-        <p:cNvPr id="1" name="">
-          <a:extLst>
-            <a:ext uri="{FF2B5EF4-FFF2-40B4-BE49-F238E27FC236}">
-              <a16:creationId xmlns:a16="http://schemas.microsoft.com/office/drawing/2014/main" id="{DAA36A75-6D91-C22C-6E52-A280DBE0313C}"/>
-            </a:ext>
-          </a:extLst>
-        </p:cNvPr>
-        <p:cNvGrpSpPr/>
-        <p:nvPr/>
-      </p:nvGrpSpPr>
-      <p:grpSpPr>
-        <a:xfrm>
-          <a:off x="0" y="0"/>
-          <a:ext cx="0" cy="0"/>
-          <a:chOff x="0" y="0"/>
-          <a:chExt cx="0" cy="0"/>
-        </a:xfrm>
-      </p:grpSpPr>
-      <p:sp>
-        <p:nvSpPr>
-          <p:cNvPr id="2" name="Slide Image Placeholder 1">
-            <a:extLst>
-              <a:ext uri="{FF2B5EF4-FFF2-40B4-BE49-F238E27FC236}">
-                <a16:creationId xmlns:a16="http://schemas.microsoft.com/office/drawing/2014/main" id="{7AC2B452-A240-DE3A-4817-543C948F6A63}"/>
-              </a:ext>
-            </a:extLst>
-          </p:cNvPr>
-          <p:cNvSpPr>
-            <a:spLocks noGrp="1" noRot="1" noChangeAspect="1"/>
-          </p:cNvSpPr>
-          <p:nvPr>
-            <p:ph type="sldImg"/>
-          </p:nvPr>
-        </p:nvSpPr>
-        <p:spPr/>
-        <p:txBody>
-          <a:bodyPr/>
-          <a:lstStyle/>
-          <a:p>
-            <a:endParaRPr lang="en-US"/>
-          </a:p>
-        </p:txBody>
-      </p:sp>
-      <p:sp>
-        <p:nvSpPr>
-          <p:cNvPr id="3" name="Notes Placeholder 2">
-            <a:extLst>
-              <a:ext uri="{FF2B5EF4-FFF2-40B4-BE49-F238E27FC236}">
-                <a16:creationId xmlns:a16="http://schemas.microsoft.com/office/drawing/2014/main" id="{2E4D060D-FF89-C97E-8DA1-09DDFE0543C0}"/>
-              </a:ext>
-            </a:extLst>
-          </p:cNvPr>
-          <p:cNvSpPr>
-            <a:spLocks noGrp="1"/>
-          </p:cNvSpPr>
-          <p:nvPr>
-            <p:ph type="body" idx="1"/>
-          </p:nvPr>
-        </p:nvSpPr>
-        <p:spPr/>
-        <p:txBody>
-          <a:bodyPr/>
-          <a:lstStyle/>
-          <a:p>
-            <a:r>
-              <a:rPr lang="en-GB" dirty="0"/>
-              <a:t>The Controller starts the process. It tells the Street: update your traffic.</a:t>
-            </a:r>
-          </a:p>
-          <a:p>
-            <a:pPr marL="0" marR="0" lvl="0" indent="0" algn="l" defTabSz="914400" rtl="0" eaLnBrk="1" fontAlgn="auto" latinLnBrk="0" hangingPunct="1">
-              <a:lnSpc>
-                <a:spcPct val="100000"/>
-              </a:lnSpc>
-              <a:spcBef>
-                <a:spcPts val="0"/>
-              </a:spcBef>
-              <a:spcAft>
-                <a:spcPts val="0"/>
-              </a:spcAft>
-              <a:buClrTx/>
-              <a:buSzTx/>
-              <a:buFontTx/>
-              <a:buNone/>
-              <a:tabLst/>
-              <a:defRPr/>
-            </a:pPr>
-            <a:r>
-              <a:rPr lang="en-GB" dirty="0"/>
-              <a:t>Inside </a:t>
-            </a:r>
-            <a:r>
-              <a:rPr lang="en-GB" dirty="0" err="1"/>
-              <a:t>updateTraffic</a:t>
-            </a:r>
-            <a:r>
-              <a:rPr lang="en-GB" dirty="0"/>
-              <a:t>(), the Street loops through each </a:t>
-            </a:r>
-            <a:r>
-              <a:rPr lang="en-GB" dirty="0" err="1"/>
-              <a:t>TrafficLight</a:t>
-            </a:r>
-            <a:r>
-              <a:rPr lang="en-GB" dirty="0"/>
-              <a:t> it contains.”</a:t>
-            </a:r>
-          </a:p>
-          <a:p>
-            <a:endParaRPr lang="en-US" dirty="0"/>
-          </a:p>
-        </p:txBody>
-      </p:sp>
-      <p:sp>
-        <p:nvSpPr>
-          <p:cNvPr id="4" name="Slide Number Placeholder 3">
-            <a:extLst>
-              <a:ext uri="{FF2B5EF4-FFF2-40B4-BE49-F238E27FC236}">
-                <a16:creationId xmlns:a16="http://schemas.microsoft.com/office/drawing/2014/main" id="{F9A352DC-6177-77CF-6F92-D5463507C842}"/>
-              </a:ext>
-            </a:extLst>
-          </p:cNvPr>
-          <p:cNvSpPr>
-            <a:spLocks noGrp="1"/>
-          </p:cNvSpPr>
-          <p:nvPr>
-            <p:ph type="sldNum" sz="quarter" idx="5"/>
-          </p:nvPr>
-        </p:nvSpPr>
-        <p:spPr/>
-        <p:txBody>
-          <a:bodyPr/>
-          <a:lstStyle/>
-          <a:p>
-            <a:fld id="{29370A86-051A-7C48-98C3-08CACFB9377A}" type="slidenum">
-              <a:rPr lang="en-BE" smtClean="0"/>
-              <a:t>12</a:t>
-            </a:fld>
-            <a:endParaRPr lang="en-BE"/>
-          </a:p>
-        </p:txBody>
-      </p:sp>
-    </p:spTree>
-    <p:extLst>
-      <p:ext uri="{BB962C8B-B14F-4D97-AF65-F5344CB8AC3E}">
-        <p14:creationId xmlns:p14="http://schemas.microsoft.com/office/powerpoint/2010/main" val="1296479695"/>
       </p:ext>
     </p:extLst>
   </p:cSld>
@@ -6204,6 +6466,472 @@
         <p:cNvPr id="1" name="">
           <a:extLst>
             <a:ext uri="{FF2B5EF4-FFF2-40B4-BE49-F238E27FC236}">
+              <a16:creationId xmlns:a16="http://schemas.microsoft.com/office/drawing/2014/main" id="{1D93AA2D-010E-DD16-BB32-786E16F71A5C}"/>
+            </a:ext>
+          </a:extLst>
+        </p:cNvPr>
+        <p:cNvGrpSpPr/>
+        <p:nvPr/>
+      </p:nvGrpSpPr>
+      <p:grpSpPr>
+        <a:xfrm>
+          <a:off x="0" y="0"/>
+          <a:ext cx="0" cy="0"/>
+          <a:chOff x="0" y="0"/>
+          <a:chExt cx="0" cy="0"/>
+        </a:xfrm>
+      </p:grpSpPr>
+      <p:sp>
+        <p:nvSpPr>
+          <p:cNvPr id="4" name="Title 1">
+            <a:extLst>
+              <a:ext uri="{FF2B5EF4-FFF2-40B4-BE49-F238E27FC236}">
+                <a16:creationId xmlns:a16="http://schemas.microsoft.com/office/drawing/2014/main" id="{B51741D5-4469-65B4-E6AB-1840E0AA0463}"/>
+              </a:ext>
+            </a:extLst>
+          </p:cNvPr>
+          <p:cNvSpPr>
+            <a:spLocks noGrp="1"/>
+          </p:cNvSpPr>
+          <p:nvPr>
+            <p:ph type="title"/>
+          </p:nvPr>
+        </p:nvSpPr>
+        <p:spPr>
+          <a:xfrm>
+            <a:off x="838200" y="37676"/>
+            <a:ext cx="10515600" cy="1026849"/>
+          </a:xfrm>
+        </p:spPr>
+        <p:txBody>
+          <a:bodyPr/>
+          <a:lstStyle/>
+          <a:p>
+            <a:r>
+              <a:rPr lang="en-GB" b="1" dirty="0"/>
+              <a:t>Think of Google Maps</a:t>
+            </a:r>
+            <a:endParaRPr lang="en-GB" dirty="0"/>
+          </a:p>
+        </p:txBody>
+      </p:sp>
+      <p:pic>
+        <p:nvPicPr>
+          <p:cNvPr id="7" name="Picture 6" descr="A map of a city and street&#10;&#10;AI-generated content may be incorrect.">
+            <a:extLst>
+              <a:ext uri="{FF2B5EF4-FFF2-40B4-BE49-F238E27FC236}">
+                <a16:creationId xmlns:a16="http://schemas.microsoft.com/office/drawing/2014/main" id="{BB495570-ECF0-F1D3-E4D8-558505EE8239}"/>
+              </a:ext>
+            </a:extLst>
+          </p:cNvPr>
+          <p:cNvPicPr>
+            <a:picLocks noChangeAspect="1"/>
+          </p:cNvPicPr>
+          <p:nvPr/>
+        </p:nvPicPr>
+        <p:blipFill>
+          <a:blip r:embed="rId3"/>
+          <a:srcRect l="49166" t="28381" b="3405"/>
+          <a:stretch>
+            <a:fillRect/>
+          </a:stretch>
+        </p:blipFill>
+        <p:spPr>
+          <a:xfrm>
+            <a:off x="5635689" y="1951856"/>
+            <a:ext cx="4133712" cy="3698004"/>
+          </a:xfrm>
+          <a:prstGeom prst="rect">
+            <a:avLst/>
+          </a:prstGeom>
+          <a:ln>
+            <a:solidFill>
+              <a:schemeClr val="tx1"/>
+            </a:solidFill>
+          </a:ln>
+        </p:spPr>
+      </p:pic>
+      <p:sp>
+        <p:nvSpPr>
+          <p:cNvPr id="8" name="TextBox 7">
+            <a:extLst>
+              <a:ext uri="{FF2B5EF4-FFF2-40B4-BE49-F238E27FC236}">
+                <a16:creationId xmlns:a16="http://schemas.microsoft.com/office/drawing/2014/main" id="{9EEEB512-E9D4-4662-0E45-AC86FAE99E4F}"/>
+              </a:ext>
+            </a:extLst>
+          </p:cNvPr>
+          <p:cNvSpPr txBox="1"/>
+          <p:nvPr/>
+        </p:nvSpPr>
+        <p:spPr>
+          <a:xfrm>
+            <a:off x="3792376" y="967322"/>
+            <a:ext cx="3074956" cy="830997"/>
+          </a:xfrm>
+          <a:prstGeom prst="rect">
+            <a:avLst/>
+          </a:prstGeom>
+          <a:noFill/>
+          <a:ln w="28575">
+            <a:solidFill>
+              <a:srgbClr val="C00000"/>
+            </a:solidFill>
+          </a:ln>
+        </p:spPr>
+        <p:txBody>
+          <a:bodyPr wrap="square" rtlCol="0">
+            <a:spAutoFit/>
+          </a:bodyPr>
+          <a:lstStyle/>
+          <a:p>
+            <a:r>
+              <a:rPr lang="en-US" sz="2400" dirty="0"/>
+              <a:t>System = City</a:t>
+            </a:r>
+          </a:p>
+          <a:p>
+            <a:r>
+              <a:rPr lang="en-US" sz="2400" dirty="0"/>
+              <a:t>Your PR = One Street</a:t>
+            </a:r>
+          </a:p>
+        </p:txBody>
+      </p:sp>
+      <p:sp>
+        <p:nvSpPr>
+          <p:cNvPr id="10" name="TextBox 9">
+            <a:extLst>
+              <a:ext uri="{FF2B5EF4-FFF2-40B4-BE49-F238E27FC236}">
+                <a16:creationId xmlns:a16="http://schemas.microsoft.com/office/drawing/2014/main" id="{4E19D6EC-BC12-6351-7B35-9DC3801647C6}"/>
+              </a:ext>
+            </a:extLst>
+          </p:cNvPr>
+          <p:cNvSpPr txBox="1"/>
+          <p:nvPr/>
+        </p:nvSpPr>
+        <p:spPr>
+          <a:xfrm>
+            <a:off x="838200" y="5793475"/>
+            <a:ext cx="10731759" cy="830997"/>
+          </a:xfrm>
+          <a:prstGeom prst="rect">
+            <a:avLst/>
+          </a:prstGeom>
+          <a:noFill/>
+          <a:ln w="28575">
+            <a:solidFill>
+              <a:srgbClr val="C00000"/>
+            </a:solidFill>
+          </a:ln>
+        </p:spPr>
+        <p:txBody>
+          <a:bodyPr wrap="square">
+            <a:spAutoFit/>
+          </a:bodyPr>
+          <a:lstStyle/>
+          <a:p>
+            <a:r>
+              <a:rPr lang="en-GB" sz="2400" dirty="0"/>
+              <a:t>You do </a:t>
+            </a:r>
+            <a:r>
+              <a:rPr lang="en-GB" sz="2400" b="1" dirty="0"/>
+              <a:t>NOT</a:t>
+            </a:r>
+            <a:r>
+              <a:rPr lang="en-GB" sz="2400" dirty="0"/>
+              <a:t> redraw the entire system.</a:t>
+            </a:r>
+            <a:br>
+              <a:rPr lang="en-GB" sz="2400" dirty="0"/>
+            </a:br>
+            <a:r>
+              <a:rPr lang="en-GB" sz="2400" dirty="0"/>
+              <a:t>You show only the </a:t>
+            </a:r>
+            <a:r>
+              <a:rPr lang="en-GB" sz="2400" b="1" dirty="0"/>
+              <a:t>part your PR changes</a:t>
+            </a:r>
+            <a:r>
+              <a:rPr lang="en-GB" sz="2400" dirty="0"/>
+              <a:t> - but it must clearly fit back into the whole.</a:t>
+            </a:r>
+            <a:endParaRPr lang="en-US" sz="2400" dirty="0"/>
+          </a:p>
+        </p:txBody>
+      </p:sp>
+      <p:pic>
+        <p:nvPicPr>
+          <p:cNvPr id="11" name="Picture 10" descr="A map of a city and street&#10;&#10;AI-generated content may be incorrect.">
+            <a:extLst>
+              <a:ext uri="{FF2B5EF4-FFF2-40B4-BE49-F238E27FC236}">
+                <a16:creationId xmlns:a16="http://schemas.microsoft.com/office/drawing/2014/main" id="{91217AFC-7669-0E56-7A89-5484A96E17BE}"/>
+              </a:ext>
+            </a:extLst>
+          </p:cNvPr>
+          <p:cNvPicPr>
+            <a:picLocks noChangeAspect="1"/>
+          </p:cNvPicPr>
+          <p:nvPr/>
+        </p:nvPicPr>
+        <p:blipFill>
+          <a:blip r:embed="rId3"/>
+          <a:srcRect t="28381" r="53275" b="3405"/>
+          <a:stretch>
+            <a:fillRect/>
+          </a:stretch>
+        </p:blipFill>
+        <p:spPr>
+          <a:xfrm>
+            <a:off x="1257560" y="1951856"/>
+            <a:ext cx="3799632" cy="3698004"/>
+          </a:xfrm>
+          <a:prstGeom prst="rect">
+            <a:avLst/>
+          </a:prstGeom>
+          <a:ln>
+            <a:solidFill>
+              <a:schemeClr val="tx1"/>
+            </a:solidFill>
+          </a:ln>
+        </p:spPr>
+      </p:pic>
+    </p:spTree>
+    <p:extLst>
+      <p:ext uri="{BB962C8B-B14F-4D97-AF65-F5344CB8AC3E}">
+        <p14:creationId xmlns:p14="http://schemas.microsoft.com/office/powerpoint/2010/main" val="321433039"/>
+      </p:ext>
+    </p:extLst>
+  </p:cSld>
+  <p:clrMapOvr>
+    <a:masterClrMapping/>
+  </p:clrMapOvr>
+  <p:timing>
+    <p:tnLst>
+      <p:par>
+        <p:cTn id="1" dur="indefinite" restart="never" nodeType="tmRoot">
+          <p:childTnLst>
+            <p:seq concurrent="1" nextAc="seek">
+              <p:cTn id="2" dur="indefinite" nodeType="mainSeq">
+                <p:childTnLst>
+                  <p:par>
+                    <p:cTn id="3" fill="hold">
+                      <p:stCondLst>
+                        <p:cond delay="indefinite"/>
+                      </p:stCondLst>
+                      <p:childTnLst>
+                        <p:par>
+                          <p:cTn id="4" fill="hold">
+                            <p:stCondLst>
+                              <p:cond delay="0"/>
+                            </p:stCondLst>
+                            <p:childTnLst>
+                              <p:par>
+                                <p:cTn id="5" presetID="1" presetClass="entr" presetSubtype="0" fill="hold" grpId="0" nodeType="clickEffect">
+                                  <p:stCondLst>
+                                    <p:cond delay="0"/>
+                                  </p:stCondLst>
+                                  <p:childTnLst>
+                                    <p:set>
+                                      <p:cBhvr>
+                                        <p:cTn id="6" dur="1" fill="hold">
+                                          <p:stCondLst>
+                                            <p:cond delay="0"/>
+                                          </p:stCondLst>
+                                        </p:cTn>
+                                        <p:tgtEl>
+                                          <p:spTgt spid="8"/>
+                                        </p:tgtEl>
+                                        <p:attrNameLst>
+                                          <p:attrName>style.visibility</p:attrName>
+                                        </p:attrNameLst>
+                                      </p:cBhvr>
+                                      <p:to>
+                                        <p:strVal val="visible"/>
+                                      </p:to>
+                                    </p:set>
+                                  </p:childTnLst>
+                                </p:cTn>
+                              </p:par>
+                            </p:childTnLst>
+                          </p:cTn>
+                        </p:par>
+                      </p:childTnLst>
+                    </p:cTn>
+                  </p:par>
+                  <p:par>
+                    <p:cTn id="7" fill="hold">
+                      <p:stCondLst>
+                        <p:cond delay="indefinite"/>
+                      </p:stCondLst>
+                      <p:childTnLst>
+                        <p:par>
+                          <p:cTn id="8" fill="hold">
+                            <p:stCondLst>
+                              <p:cond delay="0"/>
+                            </p:stCondLst>
+                            <p:childTnLst>
+                              <p:par>
+                                <p:cTn id="9" presetID="1" presetClass="entr" presetSubtype="0" fill="hold" nodeType="clickEffect">
+                                  <p:stCondLst>
+                                    <p:cond delay="0"/>
+                                  </p:stCondLst>
+                                  <p:childTnLst>
+                                    <p:set>
+                                      <p:cBhvr>
+                                        <p:cTn id="10" dur="1" fill="hold">
+                                          <p:stCondLst>
+                                            <p:cond delay="0"/>
+                                          </p:stCondLst>
+                                        </p:cTn>
+                                        <p:tgtEl>
+                                          <p:spTgt spid="11"/>
+                                        </p:tgtEl>
+                                        <p:attrNameLst>
+                                          <p:attrName>style.visibility</p:attrName>
+                                        </p:attrNameLst>
+                                      </p:cBhvr>
+                                      <p:to>
+                                        <p:strVal val="visible"/>
+                                      </p:to>
+                                    </p:set>
+                                  </p:childTnLst>
+                                </p:cTn>
+                              </p:par>
+                            </p:childTnLst>
+                          </p:cTn>
+                        </p:par>
+                      </p:childTnLst>
+                    </p:cTn>
+                  </p:par>
+                  <p:par>
+                    <p:cTn id="11" fill="hold">
+                      <p:stCondLst>
+                        <p:cond delay="indefinite"/>
+                      </p:stCondLst>
+                      <p:childTnLst>
+                        <p:par>
+                          <p:cTn id="12" fill="hold">
+                            <p:stCondLst>
+                              <p:cond delay="0"/>
+                            </p:stCondLst>
+                            <p:childTnLst>
+                              <p:par>
+                                <p:cTn id="13" presetID="1" presetClass="entr" presetSubtype="0" fill="hold" nodeType="clickEffect">
+                                  <p:stCondLst>
+                                    <p:cond delay="0"/>
+                                  </p:stCondLst>
+                                  <p:childTnLst>
+                                    <p:set>
+                                      <p:cBhvr>
+                                        <p:cTn id="14" dur="1" fill="hold">
+                                          <p:stCondLst>
+                                            <p:cond delay="0"/>
+                                          </p:stCondLst>
+                                        </p:cTn>
+                                        <p:tgtEl>
+                                          <p:spTgt spid="7"/>
+                                        </p:tgtEl>
+                                        <p:attrNameLst>
+                                          <p:attrName>style.visibility</p:attrName>
+                                        </p:attrNameLst>
+                                      </p:cBhvr>
+                                      <p:to>
+                                        <p:strVal val="visible"/>
+                                      </p:to>
+                                    </p:set>
+                                  </p:childTnLst>
+                                </p:cTn>
+                              </p:par>
+                            </p:childTnLst>
+                          </p:cTn>
+                        </p:par>
+                      </p:childTnLst>
+                    </p:cTn>
+                  </p:par>
+                  <p:par>
+                    <p:cTn id="15" fill="hold">
+                      <p:stCondLst>
+                        <p:cond delay="indefinite"/>
+                      </p:stCondLst>
+                      <p:childTnLst>
+                        <p:par>
+                          <p:cTn id="16" fill="hold">
+                            <p:stCondLst>
+                              <p:cond delay="0"/>
+                            </p:stCondLst>
+                            <p:childTnLst>
+                              <p:par>
+                                <p:cTn id="17" presetID="1" presetClass="entr" presetSubtype="0" fill="hold" grpId="0" nodeType="clickEffect">
+                                  <p:stCondLst>
+                                    <p:cond delay="0"/>
+                                  </p:stCondLst>
+                                  <p:childTnLst>
+                                    <p:set>
+                                      <p:cBhvr>
+                                        <p:cTn id="18" dur="1" fill="hold">
+                                          <p:stCondLst>
+                                            <p:cond delay="0"/>
+                                          </p:stCondLst>
+                                        </p:cTn>
+                                        <p:tgtEl>
+                                          <p:spTgt spid="10"/>
+                                        </p:tgtEl>
+                                        <p:attrNameLst>
+                                          <p:attrName>style.visibility</p:attrName>
+                                        </p:attrNameLst>
+                                      </p:cBhvr>
+                                      <p:to>
+                                        <p:strVal val="visible"/>
+                                      </p:to>
+                                    </p:set>
+                                  </p:childTnLst>
+                                </p:cTn>
+                              </p:par>
+                            </p:childTnLst>
+                          </p:cTn>
+                        </p:par>
+                      </p:childTnLst>
+                    </p:cTn>
+                  </p:par>
+                </p:childTnLst>
+              </p:cTn>
+              <p:prevCondLst>
+                <p:cond evt="onPrev" delay="0">
+                  <p:tgtEl>
+                    <p:sldTgt/>
+                  </p:tgtEl>
+                </p:cond>
+              </p:prevCondLst>
+              <p:nextCondLst>
+                <p:cond evt="onNext" delay="0">
+                  <p:tgtEl>
+                    <p:sldTgt/>
+                  </p:tgtEl>
+                </p:cond>
+              </p:nextCondLst>
+            </p:seq>
+          </p:childTnLst>
+        </p:cTn>
+      </p:par>
+    </p:tnLst>
+    <p:bldLst>
+      <p:bldP spid="8" grpId="0" animBg="1"/>
+      <p:bldP spid="10" grpId="0" animBg="1"/>
+    </p:bldLst>
+  </p:timing>
+</p:sld>
+</file>
+
+<file path=ppt/slides/slide11.xml><?xml version="1.0" encoding="utf-8"?>
+<p:sld xmlns:a="http://schemas.openxmlformats.org/drawingml/2006/main" xmlns:r="http://schemas.openxmlformats.org/officeDocument/2006/relationships" xmlns:p="http://schemas.openxmlformats.org/presentationml/2006/main">
+  <p:cSld>
+    <p:spTree>
+      <p:nvGrpSpPr>
+        <p:cNvPr id="1" name="">
+          <a:extLst>
+            <a:ext uri="{FF2B5EF4-FFF2-40B4-BE49-F238E27FC236}">
               <a16:creationId xmlns:a16="http://schemas.microsoft.com/office/drawing/2014/main" id="{3A25D1A0-AF78-3BC3-121E-BBAC0DF3276C}"/>
             </a:ext>
           </a:extLst>
@@ -6255,10 +6983,10 @@
       </p:sp>
       <p:sp>
         <p:nvSpPr>
-          <p:cNvPr id="8" name="TextBox 7">
-            <a:extLst>
-              <a:ext uri="{FF2B5EF4-FFF2-40B4-BE49-F238E27FC236}">
-                <a16:creationId xmlns:a16="http://schemas.microsoft.com/office/drawing/2014/main" id="{F41AB91A-4B11-CF8E-D9F8-5E7B42732E31}"/>
+          <p:cNvPr id="3" name="TextBox 2">
+            <a:extLst>
+              <a:ext uri="{FF2B5EF4-FFF2-40B4-BE49-F238E27FC236}">
+                <a16:creationId xmlns:a16="http://schemas.microsoft.com/office/drawing/2014/main" id="{EE69B124-BA37-6C74-A320-5761DB98F15B}"/>
               </a:ext>
             </a:extLst>
           </p:cNvPr>
@@ -6267,54 +6995,8 @@
         </p:nvSpPr>
         <p:spPr>
           <a:xfrm>
-            <a:off x="1814286" y="989881"/>
-            <a:ext cx="3074956" cy="830997"/>
-          </a:xfrm>
-          <a:prstGeom prst="rect">
-            <a:avLst/>
-          </a:prstGeom>
-          <a:noFill/>
-          <a:ln w="28575">
-            <a:solidFill>
-              <a:srgbClr val="C00000"/>
-            </a:solidFill>
-          </a:ln>
-        </p:spPr>
-        <p:txBody>
-          <a:bodyPr wrap="square" rtlCol="0">
-            <a:spAutoFit/>
-          </a:bodyPr>
-          <a:lstStyle/>
-          <a:p>
-            <a:r>
-              <a:rPr lang="en-US" sz="2400" dirty="0"/>
-              <a:t>System = City</a:t>
-            </a:r>
-          </a:p>
-          <a:p>
-            <a:r>
-              <a:rPr lang="en-US" sz="2400" dirty="0"/>
-              <a:t>Your PR = One Street</a:t>
-            </a:r>
-          </a:p>
-        </p:txBody>
-      </p:sp>
-      <p:sp>
-        <p:nvSpPr>
-          <p:cNvPr id="3" name="TextBox 2">
-            <a:extLst>
-              <a:ext uri="{FF2B5EF4-FFF2-40B4-BE49-F238E27FC236}">
-                <a16:creationId xmlns:a16="http://schemas.microsoft.com/office/drawing/2014/main" id="{EE69B124-BA37-6C74-A320-5761DB98F15B}"/>
-              </a:ext>
-            </a:extLst>
-          </p:cNvPr>
-          <p:cNvSpPr txBox="1"/>
-          <p:nvPr/>
-        </p:nvSpPr>
-        <p:spPr>
-          <a:xfrm>
-            <a:off x="345233" y="2390244"/>
-            <a:ext cx="7025951" cy="3293209"/>
+            <a:off x="269034" y="2707505"/>
+            <a:ext cx="6704821" cy="3016210"/>
           </a:xfrm>
           <a:prstGeom prst="rect">
             <a:avLst/>
@@ -6331,30 +7013,16 @@
               <a:buNone/>
             </a:pPr>
             <a:r>
-              <a:rPr lang="en-GB" sz="2800" b="1" dirty="0"/>
-              <a:t>GitHub Issue:</a:t>
-            </a:r>
-          </a:p>
-          <a:p>
-            <a:pPr>
-              <a:buNone/>
-            </a:pPr>
-            <a:r>
               <a:rPr lang="en-GB" sz="2300" b="1" dirty="0"/>
-              <a:t>Issue #42 </a:t>
-            </a:r>
-            <a:r>
-              <a:rPr lang="en-GB" sz="2300" dirty="0"/>
-              <a:t>– Add Traffic Light Support to Streets</a:t>
-            </a:r>
-          </a:p>
-          <a:p>
-            <a:pPr>
-              <a:buNone/>
-            </a:pPr>
+              <a:t>Requirement </a:t>
+            </a:r>
+            <a:r>
+              <a:rPr lang="en-GB" sz="2400" dirty="0"/>
+              <a:t>(What Must Be True After Merge)</a:t>
+            </a:r>
             <a:r>
               <a:rPr lang="en-GB" sz="2300" b="1" dirty="0"/>
-              <a:t>Requirement:</a:t>
+              <a:t>:</a:t>
             </a:r>
           </a:p>
           <a:p>
@@ -6393,7 +7061,7 @@
               <a:buChar char="•"/>
             </a:pPr>
             <a:r>
-              <a:rPr lang="en-GB" sz="2000" dirty="0"/>
+              <a:rPr lang="en-GB" dirty="0"/>
               <a:t>Have a location (latitude, longitude)</a:t>
             </a:r>
           </a:p>
@@ -6403,7 +7071,7 @@
               <a:buChar char="•"/>
             </a:pPr>
             <a:r>
-              <a:rPr lang="en-GB" sz="2000" dirty="0"/>
+              <a:rPr lang="en-GB" dirty="0"/>
               <a:t>Have a status (RED, YELLOW, GREEN)</a:t>
             </a:r>
           </a:p>
@@ -6413,9 +7081,14 @@
               <a:buChar char="•"/>
             </a:pPr>
             <a:r>
-              <a:rPr lang="en-GB" sz="2000" dirty="0"/>
+              <a:rPr lang="en-GB" dirty="0"/>
               <a:t>Be changeable dynamically</a:t>
             </a:r>
+          </a:p>
+          <a:p>
+            <a:endParaRPr lang="en-GB" sz="2400" dirty="0"/>
+          </a:p>
+          <a:p>
             <a:endParaRPr lang="en-GB" sz="2000" b="1" dirty="0"/>
           </a:p>
         </p:txBody>
@@ -6436,8 +7109,8 @@
         </p:nvCxnSpPr>
         <p:spPr>
           <a:xfrm>
-            <a:off x="6805904" y="1820878"/>
-            <a:ext cx="0" cy="4579922"/>
+            <a:off x="6731260" y="2434132"/>
+            <a:ext cx="0" cy="3686750"/>
           </a:xfrm>
           <a:prstGeom prst="line">
             <a:avLst/>
@@ -6477,8 +7150,8 @@
         </p:nvSpPr>
         <p:spPr>
           <a:xfrm>
-            <a:off x="6945863" y="1861116"/>
-            <a:ext cx="4683965" cy="3323987"/>
+            <a:off x="6800461" y="2375317"/>
+            <a:ext cx="4969328" cy="3847207"/>
           </a:xfrm>
           <a:prstGeom prst="rect">
             <a:avLst/>
@@ -6492,20 +7165,27 @@
           <a:lstStyle/>
           <a:p>
             <a:r>
-              <a:rPr lang="en-GB" sz="2400" dirty="0"/>
-              <a:t>Are we redesigning the entire city?</a:t>
-            </a:r>
-          </a:p>
-          <a:p>
-            <a:pPr lvl="1"/>
-            <a:r>
-              <a:rPr lang="en-GB" sz="2000" dirty="0"/>
-              <a:t>We are modifying one street and introducing a new element inside it.</a:t>
-            </a:r>
-          </a:p>
-          <a:p>
-            <a:pPr lvl="1"/>
-            <a:endParaRPr lang="en-GB" sz="2000" dirty="0"/>
+              <a:rPr lang="en-GB" sz="2200" b="1" dirty="0"/>
+              <a:t>Design evidence (</a:t>
+            </a:r>
+            <a:r>
+              <a:rPr lang="en-GB" b="1" dirty="0"/>
+              <a:t>What Changes in the System</a:t>
+            </a:r>
+            <a:r>
+              <a:rPr lang="en-GB" sz="2200" b="1" dirty="0"/>
+              <a:t>):</a:t>
+            </a:r>
+          </a:p>
+          <a:p>
+            <a:endParaRPr lang="en-GB" sz="2200" b="1" dirty="0"/>
+          </a:p>
+          <a:p>
+            <a:r>
+              <a:rPr lang="en-GB" sz="2200" b="1" dirty="0"/>
+              <a:t>Structural Change → Class Diagram</a:t>
+            </a:r>
+            <a:endParaRPr lang="en-GB" sz="2200" dirty="0"/>
           </a:p>
           <a:p>
             <a:pPr marL="342900" indent="-342900">
@@ -6514,8 +7194,13 @@
             </a:pPr>
             <a:r>
               <a:rPr lang="en-GB" sz="2400" dirty="0"/>
-              <a:t>Does this change structure?</a:t>
-            </a:r>
+              <a:t>New class: </a:t>
+            </a:r>
+            <a:r>
+              <a:rPr lang="en-GB" dirty="0" err="1"/>
+              <a:t>TrafficLight</a:t>
+            </a:r>
+            <a:endParaRPr lang="en-GB" sz="2400" dirty="0"/>
           </a:p>
           <a:p>
             <a:pPr marL="342900" indent="-342900">
@@ -6524,16 +7209,43 @@
             </a:pPr>
             <a:r>
               <a:rPr lang="en-GB" sz="2400" dirty="0"/>
-              <a:t>Does this change </a:t>
-            </a:r>
-            <a:r>
-              <a:rPr lang="en-GB" sz="2400" dirty="0" err="1"/>
-              <a:t>behavior</a:t>
-            </a:r>
-            <a:r>
-              <a:rPr lang="en-GB" sz="2400" dirty="0"/>
-              <a:t>?</a:t>
-            </a:r>
+              <a:t>New relationship: </a:t>
+            </a:r>
+            <a:r>
+              <a:rPr lang="en-GB" dirty="0"/>
+              <a:t>Street 1 → * </a:t>
+            </a:r>
+            <a:r>
+              <a:rPr lang="en-GB" dirty="0" err="1"/>
+              <a:t>TrafficLight</a:t>
+            </a:r>
+            <a:endParaRPr lang="en-GB" sz="2400" dirty="0"/>
+          </a:p>
+          <a:p>
+            <a:r>
+              <a:rPr lang="en-GB" sz="2400" b="1" dirty="0" err="1"/>
+              <a:t>Behavioral</a:t>
+            </a:r>
+            <a:r>
+              <a:rPr lang="en-GB" sz="2400" b="1" dirty="0"/>
+              <a:t> Change → Sequence Diagram</a:t>
+            </a:r>
+            <a:endParaRPr lang="en-GB" sz="2400" dirty="0"/>
+          </a:p>
+          <a:p>
+            <a:pPr marL="285750" indent="-285750">
+              <a:buFont typeface="Arial" panose="020B0604020202020204" pitchFamily="34" charset="0"/>
+              <a:buChar char="•"/>
+            </a:pPr>
+            <a:r>
+              <a:rPr lang="en-GB" dirty="0"/>
+              <a:t>Controller → Street → </a:t>
+            </a:r>
+            <a:r>
+              <a:rPr lang="en-GB" dirty="0" err="1"/>
+              <a:t>TrafficLight</a:t>
+            </a:r>
+            <a:endParaRPr lang="en-GB" sz="2400" dirty="0"/>
           </a:p>
           <a:p>
             <a:pPr marL="342900" indent="-342900">
@@ -6542,69 +7254,26 @@
             </a:pPr>
             <a:r>
               <a:rPr lang="en-GB" sz="2400" dirty="0"/>
-              <a:t>Which diagram do we need?</a:t>
-            </a:r>
-          </a:p>
-          <a:p>
-            <a:pPr marL="800100" lvl="1" indent="-342900">
-              <a:buFont typeface="Arial" panose="020B0604020202020204" pitchFamily="34" charset="0"/>
-              <a:buChar char="•"/>
-            </a:pPr>
-            <a:r>
-              <a:rPr lang="en-GB" b="1" dirty="0"/>
-              <a:t>New class</a:t>
+              <a:t>New interaction: </a:t>
+            </a:r>
+            <a:r>
+              <a:rPr lang="en-GB" dirty="0" err="1"/>
+              <a:t>advanceState</a:t>
             </a:r>
             <a:r>
               <a:rPr lang="en-GB" dirty="0"/>
-              <a:t>: </a:t>
-            </a:r>
-            <a:r>
-              <a:rPr lang="en-GB" dirty="0" err="1"/>
-              <a:t>TrafficLight</a:t>
-            </a:r>
-            <a:endParaRPr lang="en-GB" dirty="0"/>
-          </a:p>
-          <a:p>
-            <a:pPr marL="800100" lvl="1" indent="-342900">
-              <a:buFont typeface="Arial" panose="020B0604020202020204" pitchFamily="34" charset="0"/>
-              <a:buChar char="•"/>
-            </a:pPr>
-            <a:r>
-              <a:rPr lang="en-GB" b="1" dirty="0"/>
-              <a:t>New relationship</a:t>
-            </a:r>
-            <a:r>
-              <a:rPr lang="en-GB" dirty="0"/>
-              <a:t>: Street → </a:t>
-            </a:r>
-            <a:r>
-              <a:rPr lang="en-GB" dirty="0" err="1"/>
-              <a:t>TrafficLight</a:t>
-            </a:r>
-            <a:endParaRPr lang="en-GB" dirty="0"/>
-          </a:p>
-          <a:p>
-            <a:pPr marL="800100" lvl="1" indent="-342900">
-              <a:buFont typeface="Arial" panose="020B0604020202020204" pitchFamily="34" charset="0"/>
-              <a:buChar char="•"/>
-            </a:pPr>
-            <a:r>
-              <a:rPr lang="en-GB" b="1" dirty="0"/>
-              <a:t>New interaction</a:t>
-            </a:r>
-            <a:r>
-              <a:rPr lang="en-GB" dirty="0"/>
-              <a:t>: Change light status</a:t>
-            </a:r>
-          </a:p>
-        </p:txBody>
-      </p:sp>
-      <p:sp>
-        <p:nvSpPr>
-          <p:cNvPr id="14" name="TextBox 13">
-            <a:extLst>
-              <a:ext uri="{FF2B5EF4-FFF2-40B4-BE49-F238E27FC236}">
-                <a16:creationId xmlns:a16="http://schemas.microsoft.com/office/drawing/2014/main" id="{51D19E5B-106B-D3A8-AEC8-E52A86C84D1B}"/>
+              <a:t>()</a:t>
+            </a:r>
+            <a:endParaRPr lang="en-GB" sz="2400" dirty="0"/>
+          </a:p>
+        </p:txBody>
+      </p:sp>
+      <p:sp>
+        <p:nvSpPr>
+          <p:cNvPr id="17" name="TextBox 16">
+            <a:extLst>
+              <a:ext uri="{FF2B5EF4-FFF2-40B4-BE49-F238E27FC236}">
+                <a16:creationId xmlns:a16="http://schemas.microsoft.com/office/drawing/2014/main" id="{46277036-3BA2-3CA7-D31B-62310BA4EC28}"/>
               </a:ext>
             </a:extLst>
           </p:cNvPr>
@@ -6613,8 +7282,8 @@
         </p:nvSpPr>
         <p:spPr>
           <a:xfrm>
-            <a:off x="6945863" y="5381529"/>
-            <a:ext cx="4900899" cy="1200329"/>
+            <a:off x="562172" y="987582"/>
+            <a:ext cx="10791628" cy="1446550"/>
           </a:xfrm>
           <a:prstGeom prst="rect">
             <a:avLst/>
@@ -6627,34 +7296,95 @@
           </a:bodyPr>
           <a:lstStyle/>
           <a:p>
-            <a:r>
-              <a:rPr lang="en-GB" dirty="0"/>
-              <a:t>Both diagrams are needed</a:t>
-            </a:r>
-          </a:p>
-          <a:p>
-            <a:pPr marL="285750" indent="-285750">
-              <a:buFont typeface="Arial" panose="020B0604020202020204" pitchFamily="34" charset="0"/>
-              <a:buChar char="•"/>
+            <a:pPr>
+              <a:buNone/>
             </a:pPr>
             <a:r>
-              <a:rPr lang="en-GB" dirty="0"/>
-              <a:t>Structural change → Class Diagram</a:t>
-            </a:r>
-          </a:p>
-          <a:p>
-            <a:pPr marL="285750" indent="-285750">
-              <a:buFont typeface="Arial" panose="020B0604020202020204" pitchFamily="34" charset="0"/>
-              <a:buChar char="•"/>
+              <a:rPr lang="en-GB" sz="2200" b="1" dirty="0"/>
+              <a:t>Linked Issue: </a:t>
+            </a:r>
+            <a:r>
+              <a:rPr lang="en-GB" sz="2200" dirty="0"/>
+              <a:t>Issue #42 – Add Traffic Light Support to Streets</a:t>
+            </a:r>
+          </a:p>
+          <a:p>
+            <a:pPr>
+              <a:buNone/>
             </a:pPr>
             <a:r>
-              <a:rPr lang="en-GB" dirty="0" err="1"/>
-              <a:t>Behavioral</a:t>
-            </a:r>
-            <a:r>
-              <a:rPr lang="en-GB" dirty="0"/>
-              <a:t> change → Sequence Diagram (light change)</a:t>
-            </a:r>
+              <a:rPr lang="en-GB" sz="2200" b="1" dirty="0"/>
+              <a:t>PR Title</a:t>
+            </a:r>
+            <a:r>
+              <a:rPr lang="en-GB" sz="2200" dirty="0"/>
+              <a:t>: Add </a:t>
+            </a:r>
+            <a:r>
+              <a:rPr lang="en-GB" sz="2200" dirty="0" err="1"/>
+              <a:t>TrafficLight</a:t>
+            </a:r>
+            <a:r>
+              <a:rPr lang="en-GB" sz="2200" dirty="0"/>
+              <a:t> support to Street model</a:t>
+            </a:r>
+          </a:p>
+          <a:p>
+            <a:pPr>
+              <a:buNone/>
+            </a:pPr>
+            <a:r>
+              <a:rPr lang="en-GB" sz="2200" b="1" dirty="0"/>
+              <a:t>PR Description: </a:t>
+            </a:r>
+            <a:r>
+              <a:rPr lang="en-GB" sz="2200" dirty="0"/>
+              <a:t>This PR introduces traffic light functionality to streets to support dynamic traffic control and future traffic system features.</a:t>
+            </a:r>
+          </a:p>
+        </p:txBody>
+      </p:sp>
+      <p:sp>
+        <p:nvSpPr>
+          <p:cNvPr id="23" name="TextBox 22">
+            <a:extLst>
+              <a:ext uri="{FF2B5EF4-FFF2-40B4-BE49-F238E27FC236}">
+                <a16:creationId xmlns:a16="http://schemas.microsoft.com/office/drawing/2014/main" id="{E0053702-37EE-835E-E76A-BEADEF324651}"/>
+              </a:ext>
+            </a:extLst>
+          </p:cNvPr>
+          <p:cNvSpPr txBox="1"/>
+          <p:nvPr/>
+        </p:nvSpPr>
+        <p:spPr>
+          <a:xfrm>
+            <a:off x="1717221" y="6228890"/>
+            <a:ext cx="7473820" cy="461665"/>
+          </a:xfrm>
+          <a:prstGeom prst="rect">
+            <a:avLst/>
+          </a:prstGeom>
+          <a:noFill/>
+          <a:ln w="28575">
+            <a:solidFill>
+              <a:srgbClr val="0000EA"/>
+            </a:solidFill>
+          </a:ln>
+        </p:spPr>
+        <p:txBody>
+          <a:bodyPr wrap="square">
+            <a:spAutoFit/>
+          </a:bodyPr>
+          <a:lstStyle/>
+          <a:p>
+            <a:pPr>
+              <a:buNone/>
+            </a:pPr>
+            <a:r>
+              <a:rPr lang="en-GB" sz="2400" b="1" dirty="0"/>
+              <a:t>Before writing code, we make the design change visible.</a:t>
+            </a:r>
+            <a:endParaRPr lang="en-GB" sz="2400" dirty="0"/>
           </a:p>
         </p:txBody>
       </p:sp>
@@ -6668,10 +7398,253 @@
   <p:clrMapOvr>
     <a:masterClrMapping/>
   </p:clrMapOvr>
+  <p:timing>
+    <p:tnLst>
+      <p:par>
+        <p:cTn id="1" dur="indefinite" restart="never" nodeType="tmRoot">
+          <p:childTnLst>
+            <p:seq concurrent="1" nextAc="seek">
+              <p:cTn id="2" dur="indefinite" nodeType="mainSeq">
+                <p:childTnLst>
+                  <p:par>
+                    <p:cTn id="3" fill="hold">
+                      <p:stCondLst>
+                        <p:cond delay="indefinite"/>
+                      </p:stCondLst>
+                      <p:childTnLst>
+                        <p:par>
+                          <p:cTn id="4" fill="hold">
+                            <p:stCondLst>
+                              <p:cond delay="0"/>
+                            </p:stCondLst>
+                            <p:childTnLst>
+                              <p:par>
+                                <p:cTn id="5" presetID="1" presetClass="entr" presetSubtype="0" fill="hold" grpId="0" nodeType="clickEffect">
+                                  <p:stCondLst>
+                                    <p:cond delay="0"/>
+                                  </p:stCondLst>
+                                  <p:childTnLst>
+                                    <p:set>
+                                      <p:cBhvr>
+                                        <p:cTn id="6" dur="1" fill="hold">
+                                          <p:stCondLst>
+                                            <p:cond delay="0"/>
+                                          </p:stCondLst>
+                                        </p:cTn>
+                                        <p:tgtEl>
+                                          <p:spTgt spid="17"/>
+                                        </p:tgtEl>
+                                        <p:attrNameLst>
+                                          <p:attrName>style.visibility</p:attrName>
+                                        </p:attrNameLst>
+                                      </p:cBhvr>
+                                      <p:to>
+                                        <p:strVal val="visible"/>
+                                      </p:to>
+                                    </p:set>
+                                  </p:childTnLst>
+                                </p:cTn>
+                              </p:par>
+                            </p:childTnLst>
+                          </p:cTn>
+                        </p:par>
+                      </p:childTnLst>
+                    </p:cTn>
+                  </p:par>
+                  <p:par>
+                    <p:cTn id="7" fill="hold">
+                      <p:stCondLst>
+                        <p:cond delay="indefinite"/>
+                      </p:stCondLst>
+                      <p:childTnLst>
+                        <p:par>
+                          <p:cTn id="8" fill="hold">
+                            <p:stCondLst>
+                              <p:cond delay="0"/>
+                            </p:stCondLst>
+                            <p:childTnLst>
+                              <p:par>
+                                <p:cTn id="9" presetID="1" presetClass="entr" presetSubtype="0" fill="hold" grpId="0" nodeType="clickEffect">
+                                  <p:stCondLst>
+                                    <p:cond delay="0"/>
+                                  </p:stCondLst>
+                                  <p:childTnLst>
+                                    <p:set>
+                                      <p:cBhvr>
+                                        <p:cTn id="10" dur="1" fill="hold">
+                                          <p:stCondLst>
+                                            <p:cond delay="0"/>
+                                          </p:stCondLst>
+                                        </p:cTn>
+                                        <p:tgtEl>
+                                          <p:spTgt spid="3"/>
+                                        </p:tgtEl>
+                                        <p:attrNameLst>
+                                          <p:attrName>style.visibility</p:attrName>
+                                        </p:attrNameLst>
+                                      </p:cBhvr>
+                                      <p:to>
+                                        <p:strVal val="visible"/>
+                                      </p:to>
+                                    </p:set>
+                                  </p:childTnLst>
+                                </p:cTn>
+                              </p:par>
+                            </p:childTnLst>
+                          </p:cTn>
+                        </p:par>
+                      </p:childTnLst>
+                    </p:cTn>
+                  </p:par>
+                  <p:par>
+                    <p:cTn id="11" fill="hold">
+                      <p:stCondLst>
+                        <p:cond delay="indefinite"/>
+                      </p:stCondLst>
+                      <p:childTnLst>
+                        <p:par>
+                          <p:cTn id="12" fill="hold">
+                            <p:stCondLst>
+                              <p:cond delay="0"/>
+                            </p:stCondLst>
+                            <p:childTnLst>
+                              <p:par>
+                                <p:cTn id="13" presetID="1" presetClass="entr" presetSubtype="0" fill="hold" grpId="0" nodeType="clickEffect">
+                                  <p:stCondLst>
+                                    <p:cond delay="0"/>
+                                  </p:stCondLst>
+                                  <p:childTnLst>
+                                    <p:set>
+                                      <p:cBhvr>
+                                        <p:cTn id="14" dur="1" fill="hold">
+                                          <p:stCondLst>
+                                            <p:cond delay="0"/>
+                                          </p:stCondLst>
+                                        </p:cTn>
+                                        <p:tgtEl>
+                                          <p:spTgt spid="11"/>
+                                        </p:tgtEl>
+                                        <p:attrNameLst>
+                                          <p:attrName>style.visibility</p:attrName>
+                                        </p:attrNameLst>
+                                      </p:cBhvr>
+                                      <p:to>
+                                        <p:strVal val="visible"/>
+                                      </p:to>
+                                    </p:set>
+                                  </p:childTnLst>
+                                </p:cTn>
+                              </p:par>
+                              <p:par>
+                                <p:cTn id="15" presetID="1" presetClass="entr" presetSubtype="0" fill="hold" nodeType="withEffect">
+                                  <p:stCondLst>
+                                    <p:cond delay="0"/>
+                                  </p:stCondLst>
+                                  <p:childTnLst>
+                                    <p:set>
+                                      <p:cBhvr>
+                                        <p:cTn id="16" dur="1" fill="hold">
+                                          <p:stCondLst>
+                                            <p:cond delay="0"/>
+                                          </p:stCondLst>
+                                        </p:cTn>
+                                        <p:tgtEl>
+                                          <p:spTgt spid="6"/>
+                                        </p:tgtEl>
+                                        <p:attrNameLst>
+                                          <p:attrName>style.visibility</p:attrName>
+                                        </p:attrNameLst>
+                                      </p:cBhvr>
+                                      <p:to>
+                                        <p:strVal val="visible"/>
+                                      </p:to>
+                                    </p:set>
+                                  </p:childTnLst>
+                                </p:cTn>
+                              </p:par>
+                            </p:childTnLst>
+                          </p:cTn>
+                        </p:par>
+                      </p:childTnLst>
+                    </p:cTn>
+                  </p:par>
+                  <p:par>
+                    <p:cTn id="17" fill="hold">
+                      <p:stCondLst>
+                        <p:cond delay="indefinite"/>
+                      </p:stCondLst>
+                      <p:childTnLst>
+                        <p:par>
+                          <p:cTn id="18" fill="hold">
+                            <p:stCondLst>
+                              <p:cond delay="0"/>
+                            </p:stCondLst>
+                            <p:childTnLst>
+                              <p:par>
+                                <p:cTn id="19" presetID="1" presetClass="entr" presetSubtype="0" fill="hold" grpId="0" nodeType="clickEffect">
+                                  <p:stCondLst>
+                                    <p:cond delay="0"/>
+                                  </p:stCondLst>
+                                  <p:childTnLst>
+                                    <p:set>
+                                      <p:cBhvr>
+                                        <p:cTn id="20" dur="1" fill="hold">
+                                          <p:stCondLst>
+                                            <p:cond delay="0"/>
+                                          </p:stCondLst>
+                                        </p:cTn>
+                                        <p:tgtEl>
+                                          <p:spTgt spid="23"/>
+                                        </p:tgtEl>
+                                        <p:attrNameLst>
+                                          <p:attrName>style.visibility</p:attrName>
+                                        </p:attrNameLst>
+                                      </p:cBhvr>
+                                      <p:to>
+                                        <p:strVal val="visible"/>
+                                      </p:to>
+                                    </p:set>
+                                  </p:childTnLst>
+                                </p:cTn>
+                              </p:par>
+                            </p:childTnLst>
+                          </p:cTn>
+                        </p:par>
+                      </p:childTnLst>
+                    </p:cTn>
+                  </p:par>
+                </p:childTnLst>
+              </p:cTn>
+              <p:prevCondLst>
+                <p:cond evt="onPrev" delay="0">
+                  <p:tgtEl>
+                    <p:sldTgt/>
+                  </p:tgtEl>
+                </p:cond>
+              </p:prevCondLst>
+              <p:nextCondLst>
+                <p:cond evt="onNext" delay="0">
+                  <p:tgtEl>
+                    <p:sldTgt/>
+                  </p:tgtEl>
+                </p:cond>
+              </p:nextCondLst>
+            </p:seq>
+          </p:childTnLst>
+        </p:cTn>
+      </p:par>
+    </p:tnLst>
+    <p:bldLst>
+      <p:bldP spid="3" grpId="0"/>
+      <p:bldP spid="11" grpId="0"/>
+      <p:bldP spid="17" grpId="0"/>
+      <p:bldP spid="23" grpId="0" animBg="1"/>
+    </p:bldLst>
+  </p:timing>
 </p:sld>
 </file>
 
-<file path=ppt/slides/slide11.xml><?xml version="1.0" encoding="utf-8"?>
+<file path=ppt/slides/slide12.xml><?xml version="1.0" encoding="utf-8"?>
 <p:sld xmlns:a="http://schemas.openxmlformats.org/drawingml/2006/main" xmlns:r="http://schemas.openxmlformats.org/officeDocument/2006/relationships" xmlns:p="http://schemas.openxmlformats.org/presentationml/2006/main">
   <p:cSld>
     <p:spTree>
@@ -6717,7 +7690,7 @@
           <a:p>
             <a:fld id="{76FC44FA-978A-2F4D-B308-AF3FA2E1E6ED}" type="slidenum">
               <a:rPr lang="en-BE" smtClean="0"/>
-              <a:t>11</a:t>
+              <a:t>12</a:t>
             </a:fld>
             <a:endParaRPr lang="en-BE"/>
           </a:p>
@@ -7186,10 +8159,171 @@
   <p:clrMapOvr>
     <a:masterClrMapping/>
   </p:clrMapOvr>
+  <p:timing>
+    <p:tnLst>
+      <p:par>
+        <p:cTn id="1" dur="indefinite" restart="never" nodeType="tmRoot">
+          <p:childTnLst>
+            <p:seq concurrent="1" nextAc="seek">
+              <p:cTn id="2" dur="indefinite" nodeType="mainSeq">
+                <p:childTnLst>
+                  <p:par>
+                    <p:cTn id="3" fill="hold">
+                      <p:stCondLst>
+                        <p:cond delay="indefinite"/>
+                      </p:stCondLst>
+                      <p:childTnLst>
+                        <p:par>
+                          <p:cTn id="4" fill="hold">
+                            <p:stCondLst>
+                              <p:cond delay="0"/>
+                            </p:stCondLst>
+                            <p:childTnLst>
+                              <p:par>
+                                <p:cTn id="5" presetID="1" presetClass="entr" presetSubtype="0" fill="hold" grpId="0" nodeType="clickEffect">
+                                  <p:stCondLst>
+                                    <p:cond delay="0"/>
+                                  </p:stCondLst>
+                                  <p:childTnLst>
+                                    <p:set>
+                                      <p:cBhvr>
+                                        <p:cTn id="6" dur="1" fill="hold">
+                                          <p:stCondLst>
+                                            <p:cond delay="0"/>
+                                          </p:stCondLst>
+                                        </p:cTn>
+                                        <p:tgtEl>
+                                          <p:spTgt spid="4"/>
+                                        </p:tgtEl>
+                                        <p:attrNameLst>
+                                          <p:attrName>style.visibility</p:attrName>
+                                        </p:attrNameLst>
+                                      </p:cBhvr>
+                                      <p:to>
+                                        <p:strVal val="visible"/>
+                                      </p:to>
+                                    </p:set>
+                                  </p:childTnLst>
+                                </p:cTn>
+                              </p:par>
+                              <p:par>
+                                <p:cTn id="7" presetID="1" presetClass="entr" presetSubtype="0" fill="hold" grpId="0" nodeType="withEffect">
+                                  <p:stCondLst>
+                                    <p:cond delay="0"/>
+                                  </p:stCondLst>
+                                  <p:childTnLst>
+                                    <p:set>
+                                      <p:cBhvr>
+                                        <p:cTn id="8" dur="1" fill="hold">
+                                          <p:stCondLst>
+                                            <p:cond delay="0"/>
+                                          </p:stCondLst>
+                                        </p:cTn>
+                                        <p:tgtEl>
+                                          <p:spTgt spid="13"/>
+                                        </p:tgtEl>
+                                        <p:attrNameLst>
+                                          <p:attrName>style.visibility</p:attrName>
+                                        </p:attrNameLst>
+                                      </p:cBhvr>
+                                      <p:to>
+                                        <p:strVal val="visible"/>
+                                      </p:to>
+                                    </p:set>
+                                  </p:childTnLst>
+                                </p:cTn>
+                              </p:par>
+                              <p:par>
+                                <p:cTn id="9" presetID="1" presetClass="entr" presetSubtype="0" fill="hold" grpId="0" nodeType="withEffect">
+                                  <p:stCondLst>
+                                    <p:cond delay="0"/>
+                                  </p:stCondLst>
+                                  <p:childTnLst>
+                                    <p:set>
+                                      <p:cBhvr>
+                                        <p:cTn id="10" dur="1" fill="hold">
+                                          <p:stCondLst>
+                                            <p:cond delay="0"/>
+                                          </p:stCondLst>
+                                        </p:cTn>
+                                        <p:tgtEl>
+                                          <p:spTgt spid="3"/>
+                                        </p:tgtEl>
+                                        <p:attrNameLst>
+                                          <p:attrName>style.visibility</p:attrName>
+                                        </p:attrNameLst>
+                                      </p:cBhvr>
+                                      <p:to>
+                                        <p:strVal val="visible"/>
+                                      </p:to>
+                                    </p:set>
+                                  </p:childTnLst>
+                                </p:cTn>
+                              </p:par>
+                              <p:par>
+                                <p:cTn id="11" presetID="1" presetClass="entr" presetSubtype="0" fill="hold" nodeType="withEffect">
+                                  <p:stCondLst>
+                                    <p:cond delay="0"/>
+                                  </p:stCondLst>
+                                  <p:childTnLst>
+                                    <p:set>
+                                      <p:cBhvr>
+                                        <p:cTn id="12" dur="1" fill="hold">
+                                          <p:stCondLst>
+                                            <p:cond delay="0"/>
+                                          </p:stCondLst>
+                                        </p:cTn>
+                                        <p:tgtEl>
+                                          <p:spTgt spid="11270"/>
+                                        </p:tgtEl>
+                                        <p:attrNameLst>
+                                          <p:attrName>style.visibility</p:attrName>
+                                        </p:attrNameLst>
+                                      </p:cBhvr>
+                                      <p:to>
+                                        <p:strVal val="visible"/>
+                                      </p:to>
+                                    </p:set>
+                                  </p:childTnLst>
+                                </p:cTn>
+                              </p:par>
+                            </p:childTnLst>
+                          </p:cTn>
+                        </p:par>
+                      </p:childTnLst>
+                    </p:cTn>
+                  </p:par>
+                </p:childTnLst>
+              </p:cTn>
+              <p:prevCondLst>
+                <p:cond evt="onPrev" delay="0">
+                  <p:tgtEl>
+                    <p:sldTgt/>
+                  </p:tgtEl>
+                </p:cond>
+              </p:prevCondLst>
+              <p:nextCondLst>
+                <p:cond evt="onNext" delay="0">
+                  <p:tgtEl>
+                    <p:sldTgt/>
+                  </p:tgtEl>
+                </p:cond>
+              </p:nextCondLst>
+            </p:seq>
+          </p:childTnLst>
+        </p:cTn>
+      </p:par>
+    </p:tnLst>
+    <p:bldLst>
+      <p:bldP spid="4" grpId="0"/>
+      <p:bldP spid="13" grpId="0"/>
+      <p:bldP spid="3" grpId="0"/>
+    </p:bldLst>
+  </p:timing>
 </p:sld>
 </file>
 
-<file path=ppt/slides/slide12.xml><?xml version="1.0" encoding="utf-8"?>
+<file path=ppt/slides/slide13.xml><?xml version="1.0" encoding="utf-8"?>
 <p:sld xmlns:a="http://schemas.openxmlformats.org/drawingml/2006/main" xmlns:r="http://schemas.openxmlformats.org/officeDocument/2006/relationships" xmlns:p="http://schemas.openxmlformats.org/presentationml/2006/main">
   <p:cSld>
     <p:spTree>
@@ -7235,7 +8369,7 @@
           <a:p>
             <a:fld id="{76FC44FA-978A-2F4D-B308-AF3FA2E1E6ED}" type="slidenum">
               <a:rPr lang="en-BE" smtClean="0"/>
-              <a:t>12</a:t>
+              <a:t>13</a:t>
             </a:fld>
             <a:endParaRPr lang="en-BE"/>
           </a:p>
@@ -7565,7 +8699,7 @@
 </p:sld>
 </file>
 
-<file path=ppt/slides/slide13.xml><?xml version="1.0" encoding="utf-8"?>
+<file path=ppt/slides/slide14.xml><?xml version="1.0" encoding="utf-8"?>
 <p:sld xmlns:a="http://schemas.openxmlformats.org/drawingml/2006/main" xmlns:r="http://schemas.openxmlformats.org/officeDocument/2006/relationships" xmlns:p="http://schemas.openxmlformats.org/presentationml/2006/main">
   <p:cSld>
     <p:spTree>
@@ -7611,7 +8745,7 @@
           <a:p>
             <a:fld id="{76FC44FA-978A-2F4D-B308-AF3FA2E1E6ED}" type="slidenum">
               <a:rPr lang="en-BE" smtClean="0"/>
-              <a:t>13</a:t>
+              <a:t>14</a:t>
             </a:fld>
             <a:endParaRPr lang="en-BE"/>
           </a:p>
@@ -7828,7 +8962,7 @@
 </p:sld>
 </file>
 
-<file path=ppt/slides/slide14.xml><?xml version="1.0" encoding="utf-8"?>
+<file path=ppt/slides/slide15.xml><?xml version="1.0" encoding="utf-8"?>
 <p:sld xmlns:a="http://schemas.openxmlformats.org/drawingml/2006/main" xmlns:r="http://schemas.openxmlformats.org/officeDocument/2006/relationships" xmlns:p="http://schemas.openxmlformats.org/presentationml/2006/main">
   <p:cSld>
     <p:spTree>
@@ -7874,7 +9008,7 @@
           <a:p>
             <a:fld id="{76FC44FA-978A-2F4D-B308-AF3FA2E1E6ED}" type="slidenum">
               <a:rPr lang="en-BE" smtClean="0"/>
-              <a:t>14</a:t>
+              <a:t>15</a:t>
             </a:fld>
             <a:endParaRPr lang="en-BE"/>
           </a:p>
@@ -8534,905 +9668,6 @@
   <p:clrMapOvr>
     <a:masterClrMapping/>
   </p:clrMapOvr>
-</p:sld>
-</file>
-
-<file path=ppt/slides/slide15.xml><?xml version="1.0" encoding="utf-8"?>
-<p:sld xmlns:a="http://schemas.openxmlformats.org/drawingml/2006/main" xmlns:r="http://schemas.openxmlformats.org/officeDocument/2006/relationships" xmlns:p="http://schemas.openxmlformats.org/presentationml/2006/main">
-  <p:cSld>
-    <p:spTree>
-      <p:nvGrpSpPr>
-        <p:cNvPr id="1" name="">
-          <a:extLst>
-            <a:ext uri="{FF2B5EF4-FFF2-40B4-BE49-F238E27FC236}">
-              <a16:creationId xmlns:a16="http://schemas.microsoft.com/office/drawing/2014/main" id="{BD3E88BC-313C-6FBB-1997-2121723D270B}"/>
-            </a:ext>
-          </a:extLst>
-        </p:cNvPr>
-        <p:cNvGrpSpPr/>
-        <p:nvPr/>
-      </p:nvGrpSpPr>
-      <p:grpSpPr>
-        <a:xfrm>
-          <a:off x="0" y="0"/>
-          <a:ext cx="0" cy="0"/>
-          <a:chOff x="0" y="0"/>
-          <a:chExt cx="0" cy="0"/>
-        </a:xfrm>
-      </p:grpSpPr>
-      <p:sp>
-        <p:nvSpPr>
-          <p:cNvPr id="4" name="Slide Number Placeholder 3">
-            <a:extLst>
-              <a:ext uri="{FF2B5EF4-FFF2-40B4-BE49-F238E27FC236}">
-                <a16:creationId xmlns:a16="http://schemas.microsoft.com/office/drawing/2014/main" id="{2ABFCF74-0780-2528-9FB6-D9DEF623CE17}"/>
-              </a:ext>
-            </a:extLst>
-          </p:cNvPr>
-          <p:cNvSpPr>
-            <a:spLocks noGrp="1"/>
-          </p:cNvSpPr>
-          <p:nvPr>
-            <p:ph type="sldNum" sz="quarter" idx="12"/>
-          </p:nvPr>
-        </p:nvSpPr>
-        <p:spPr/>
-        <p:txBody>
-          <a:bodyPr/>
-          <a:lstStyle/>
-          <a:p>
-            <a:fld id="{76FC44FA-978A-2F4D-B308-AF3FA2E1E6ED}" type="slidenum">
-              <a:rPr lang="en-BE" smtClean="0"/>
-              <a:t>15</a:t>
-            </a:fld>
-            <a:endParaRPr lang="en-BE" dirty="0"/>
-          </a:p>
-        </p:txBody>
-      </p:sp>
-      <p:sp>
-        <p:nvSpPr>
-          <p:cNvPr id="14" name="Title 1">
-            <a:extLst>
-              <a:ext uri="{FF2B5EF4-FFF2-40B4-BE49-F238E27FC236}">
-                <a16:creationId xmlns:a16="http://schemas.microsoft.com/office/drawing/2014/main" id="{28451834-F87C-C7F5-DD4D-20B1EDB479E0}"/>
-              </a:ext>
-            </a:extLst>
-          </p:cNvPr>
-          <p:cNvSpPr>
-            <a:spLocks noGrp="1"/>
-          </p:cNvSpPr>
-          <p:nvPr>
-            <p:ph type="title"/>
-          </p:nvPr>
-        </p:nvSpPr>
-        <p:spPr>
-          <a:xfrm>
-            <a:off x="838200" y="37676"/>
-            <a:ext cx="10515600" cy="1026849"/>
-          </a:xfrm>
-        </p:spPr>
-        <p:txBody>
-          <a:bodyPr/>
-          <a:lstStyle/>
-          <a:p>
-            <a:r>
-              <a:rPr lang="en-GB" b="1" dirty="0"/>
-              <a:t>Design Maturity in Senior Projects</a:t>
-            </a:r>
-          </a:p>
-        </p:txBody>
-      </p:sp>
-      <p:sp>
-        <p:nvSpPr>
-          <p:cNvPr id="2" name="AutoShape 2" descr="Output image">
-            <a:extLst>
-              <a:ext uri="{FF2B5EF4-FFF2-40B4-BE49-F238E27FC236}">
-                <a16:creationId xmlns:a16="http://schemas.microsoft.com/office/drawing/2014/main" id="{1099CC66-596E-5033-99D3-5F5AEFA108AA}"/>
-              </a:ext>
-            </a:extLst>
-          </p:cNvPr>
-          <p:cNvSpPr>
-            <a:spLocks noChangeAspect="1" noChangeArrowheads="1"/>
-          </p:cNvSpPr>
-          <p:nvPr/>
-        </p:nvSpPr>
-        <p:spPr bwMode="auto">
-          <a:xfrm>
-            <a:off x="5943600" y="3276600"/>
-            <a:ext cx="304800" cy="304800"/>
-          </a:xfrm>
-          <a:prstGeom prst="rect">
-            <a:avLst/>
-          </a:prstGeom>
-          <a:noFill/>
-          <a:extLst>
-            <a:ext uri="{909E8E84-426E-40DD-AFC4-6F175D3DCCD1}">
-              <a14:hiddenFill xmlns:a14="http://schemas.microsoft.com/office/drawing/2010/main">
-                <a:solidFill>
-                  <a:srgbClr val="FFFFFF"/>
-                </a:solidFill>
-              </a14:hiddenFill>
-            </a:ext>
-          </a:extLst>
-        </p:spPr>
-        <p:txBody>
-          <a:bodyPr vert="horz" wrap="square" lIns="91440" tIns="45720" rIns="91440" bIns="45720" numCol="1" anchor="t" anchorCtr="0" compatLnSpc="1">
-            <a:prstTxWarp prst="textNoShape">
-              <a:avLst/>
-            </a:prstTxWarp>
-          </a:bodyPr>
-          <a:lstStyle/>
-          <a:p>
-            <a:endParaRPr lang="en-US"/>
-          </a:p>
-        </p:txBody>
-      </p:sp>
-      <p:sp>
-        <p:nvSpPr>
-          <p:cNvPr id="3" name="AutoShape 4" descr="Output image">
-            <a:extLst>
-              <a:ext uri="{FF2B5EF4-FFF2-40B4-BE49-F238E27FC236}">
-                <a16:creationId xmlns:a16="http://schemas.microsoft.com/office/drawing/2014/main" id="{47CBCA86-8755-E922-4DA8-77D678DAE5B8}"/>
-              </a:ext>
-            </a:extLst>
-          </p:cNvPr>
-          <p:cNvSpPr>
-            <a:spLocks noChangeAspect="1" noChangeArrowheads="1"/>
-          </p:cNvSpPr>
-          <p:nvPr/>
-        </p:nvSpPr>
-        <p:spPr bwMode="auto">
-          <a:xfrm>
-            <a:off x="6096000" y="3429000"/>
-            <a:ext cx="304800" cy="304800"/>
-          </a:xfrm>
-          <a:prstGeom prst="rect">
-            <a:avLst/>
-          </a:prstGeom>
-          <a:noFill/>
-          <a:extLst>
-            <a:ext uri="{909E8E84-426E-40DD-AFC4-6F175D3DCCD1}">
-              <a14:hiddenFill xmlns:a14="http://schemas.microsoft.com/office/drawing/2010/main">
-                <a:solidFill>
-                  <a:srgbClr val="FFFFFF"/>
-                </a:solidFill>
-              </a14:hiddenFill>
-            </a:ext>
-          </a:extLst>
-        </p:spPr>
-        <p:txBody>
-          <a:bodyPr vert="horz" wrap="square" lIns="91440" tIns="45720" rIns="91440" bIns="45720" numCol="1" anchor="t" anchorCtr="0" compatLnSpc="1">
-            <a:prstTxWarp prst="textNoShape">
-              <a:avLst/>
-            </a:prstTxWarp>
-          </a:bodyPr>
-          <a:lstStyle/>
-          <a:p>
-            <a:endParaRPr lang="en-US"/>
-          </a:p>
-        </p:txBody>
-      </p:sp>
-      <p:sp>
-        <p:nvSpPr>
-          <p:cNvPr id="5" name="AutoShape 6" descr="Generated image">
-            <a:extLst>
-              <a:ext uri="{FF2B5EF4-FFF2-40B4-BE49-F238E27FC236}">
-                <a16:creationId xmlns:a16="http://schemas.microsoft.com/office/drawing/2014/main" id="{DA7B8717-7E4C-714A-C527-1F10859E5294}"/>
-              </a:ext>
-            </a:extLst>
-          </p:cNvPr>
-          <p:cNvSpPr>
-            <a:spLocks noChangeAspect="1" noChangeArrowheads="1"/>
-          </p:cNvSpPr>
-          <p:nvPr/>
-        </p:nvSpPr>
-        <p:spPr bwMode="auto">
-          <a:xfrm>
-            <a:off x="6248400" y="3581400"/>
-            <a:ext cx="304800" cy="304800"/>
-          </a:xfrm>
-          <a:prstGeom prst="rect">
-            <a:avLst/>
-          </a:prstGeom>
-          <a:noFill/>
-          <a:extLst>
-            <a:ext uri="{909E8E84-426E-40DD-AFC4-6F175D3DCCD1}">
-              <a14:hiddenFill xmlns:a14="http://schemas.microsoft.com/office/drawing/2010/main">
-                <a:solidFill>
-                  <a:srgbClr val="FFFFFF"/>
-                </a:solidFill>
-              </a14:hiddenFill>
-            </a:ext>
-          </a:extLst>
-        </p:spPr>
-        <p:txBody>
-          <a:bodyPr vert="horz" wrap="square" lIns="91440" tIns="45720" rIns="91440" bIns="45720" numCol="1" anchor="t" anchorCtr="0" compatLnSpc="1">
-            <a:prstTxWarp prst="textNoShape">
-              <a:avLst/>
-            </a:prstTxWarp>
-          </a:bodyPr>
-          <a:lstStyle/>
-          <a:p>
-            <a:endParaRPr lang="en-US"/>
-          </a:p>
-        </p:txBody>
-      </p:sp>
-      <p:sp>
-        <p:nvSpPr>
-          <p:cNvPr id="6" name="AutoShape 8">
-            <a:extLst>
-              <a:ext uri="{FF2B5EF4-FFF2-40B4-BE49-F238E27FC236}">
-                <a16:creationId xmlns:a16="http://schemas.microsoft.com/office/drawing/2014/main" id="{DB6AAA15-F4CE-D344-D09F-EECE8725C017}"/>
-              </a:ext>
-            </a:extLst>
-          </p:cNvPr>
-          <p:cNvSpPr>
-            <a:spLocks noChangeAspect="1" noChangeArrowheads="1"/>
-          </p:cNvSpPr>
-          <p:nvPr/>
-        </p:nvSpPr>
-        <p:spPr bwMode="auto">
-          <a:xfrm>
-            <a:off x="6400800" y="3733800"/>
-            <a:ext cx="304800" cy="304800"/>
-          </a:xfrm>
-          <a:prstGeom prst="rect">
-            <a:avLst/>
-          </a:prstGeom>
-          <a:noFill/>
-          <a:extLst>
-            <a:ext uri="{909E8E84-426E-40DD-AFC4-6F175D3DCCD1}">
-              <a14:hiddenFill xmlns:a14="http://schemas.microsoft.com/office/drawing/2010/main">
-                <a:solidFill>
-                  <a:srgbClr val="FFFFFF"/>
-                </a:solidFill>
-              </a14:hiddenFill>
-            </a:ext>
-          </a:extLst>
-        </p:spPr>
-        <p:txBody>
-          <a:bodyPr vert="horz" wrap="square" lIns="91440" tIns="45720" rIns="91440" bIns="45720" numCol="1" anchor="t" anchorCtr="0" compatLnSpc="1">
-            <a:prstTxWarp prst="textNoShape">
-              <a:avLst/>
-            </a:prstTxWarp>
-          </a:bodyPr>
-          <a:lstStyle/>
-          <a:p>
-            <a:endParaRPr lang="en-US"/>
-          </a:p>
-        </p:txBody>
-      </p:sp>
-      <p:cxnSp>
-        <p:nvCxnSpPr>
-          <p:cNvPr id="22" name="Straight Connector 21">
-            <a:extLst>
-              <a:ext uri="{FF2B5EF4-FFF2-40B4-BE49-F238E27FC236}">
-                <a16:creationId xmlns:a16="http://schemas.microsoft.com/office/drawing/2014/main" id="{7285521A-6C1E-6F4D-E740-A551419BA692}"/>
-              </a:ext>
-            </a:extLst>
-          </p:cNvPr>
-          <p:cNvCxnSpPr>
-            <a:cxnSpLocks/>
-          </p:cNvCxnSpPr>
-          <p:nvPr/>
-        </p:nvCxnSpPr>
-        <p:spPr>
-          <a:xfrm>
-            <a:off x="5411755" y="1240315"/>
-            <a:ext cx="0" cy="5116035"/>
-          </a:xfrm>
-          <a:prstGeom prst="line">
-            <a:avLst/>
-          </a:prstGeom>
-          <a:ln w="38100">
-            <a:solidFill>
-              <a:schemeClr val="tx1"/>
-            </a:solidFill>
-          </a:ln>
-        </p:spPr>
-        <p:style>
-          <a:lnRef idx="1">
-            <a:schemeClr val="accent1"/>
-          </a:lnRef>
-          <a:fillRef idx="0">
-            <a:schemeClr val="accent1"/>
-          </a:fillRef>
-          <a:effectRef idx="0">
-            <a:schemeClr val="accent1"/>
-          </a:effectRef>
-          <a:fontRef idx="minor">
-            <a:schemeClr val="tx1"/>
-          </a:fontRef>
-        </p:style>
-      </p:cxnSp>
-      <p:sp>
-        <p:nvSpPr>
-          <p:cNvPr id="9" name="TextBox 8">
-            <a:extLst>
-              <a:ext uri="{FF2B5EF4-FFF2-40B4-BE49-F238E27FC236}">
-                <a16:creationId xmlns:a16="http://schemas.microsoft.com/office/drawing/2014/main" id="{B4EB11F2-7E09-1E9A-B5A9-0EF6BAC65EB8}"/>
-              </a:ext>
-            </a:extLst>
-          </p:cNvPr>
-          <p:cNvSpPr txBox="1"/>
-          <p:nvPr/>
-        </p:nvSpPr>
-        <p:spPr>
-          <a:xfrm>
-            <a:off x="524070" y="2950458"/>
-            <a:ext cx="4051041" cy="1261884"/>
-          </a:xfrm>
-          <a:prstGeom prst="rect">
-            <a:avLst/>
-          </a:prstGeom>
-          <a:noFill/>
-        </p:spPr>
-        <p:txBody>
-          <a:bodyPr wrap="square">
-            <a:spAutoFit/>
-          </a:bodyPr>
-          <a:lstStyle/>
-          <a:p>
-            <a:pPr>
-              <a:buNone/>
-            </a:pPr>
-            <a:r>
-              <a:rPr lang="en-BE" sz="2800" b="1" dirty="0"/>
-              <a:t>🔴 </a:t>
-            </a:r>
-            <a:r>
-              <a:rPr lang="en-GB" sz="2800" b="1" dirty="0"/>
-              <a:t>Level 1 — Reactive</a:t>
-            </a:r>
-          </a:p>
-          <a:p>
-            <a:pPr marL="342900" indent="-342900">
-              <a:buFont typeface="Arial" panose="020B0604020202020204" pitchFamily="34" charset="0"/>
-              <a:buChar char="•"/>
-            </a:pPr>
-            <a:r>
-              <a:rPr lang="en-GB" sz="2400" dirty="0"/>
-              <a:t>Code first.</a:t>
-            </a:r>
-          </a:p>
-          <a:p>
-            <a:pPr marL="342900" indent="-342900">
-              <a:buFont typeface="Arial" panose="020B0604020202020204" pitchFamily="34" charset="0"/>
-              <a:buChar char="•"/>
-            </a:pPr>
-            <a:r>
-              <a:rPr lang="en-GB" sz="2400" dirty="0"/>
-              <a:t>Diagram after (if at all).</a:t>
-            </a:r>
-          </a:p>
-        </p:txBody>
-      </p:sp>
-      <p:sp>
-        <p:nvSpPr>
-          <p:cNvPr id="11" name="TextBox 10">
-            <a:extLst>
-              <a:ext uri="{FF2B5EF4-FFF2-40B4-BE49-F238E27FC236}">
-                <a16:creationId xmlns:a16="http://schemas.microsoft.com/office/drawing/2014/main" id="{47ACA38B-1C12-D4EA-7CB4-F7426E88FBED}"/>
-              </a:ext>
-            </a:extLst>
-          </p:cNvPr>
-          <p:cNvSpPr txBox="1"/>
-          <p:nvPr/>
-        </p:nvSpPr>
-        <p:spPr>
-          <a:xfrm>
-            <a:off x="387055" y="4700699"/>
-            <a:ext cx="4340456" cy="1261884"/>
-          </a:xfrm>
-          <a:prstGeom prst="rect">
-            <a:avLst/>
-          </a:prstGeom>
-          <a:noFill/>
-        </p:spPr>
-        <p:txBody>
-          <a:bodyPr wrap="square">
-            <a:spAutoFit/>
-          </a:bodyPr>
-          <a:lstStyle/>
-          <a:p>
-            <a:pPr>
-              <a:buNone/>
-            </a:pPr>
-            <a:r>
-              <a:rPr lang="en-BE" sz="2800" b="1" dirty="0"/>
-              <a:t>🟠 </a:t>
-            </a:r>
-            <a:r>
-              <a:rPr lang="en-GB" sz="2800" b="1" dirty="0"/>
-              <a:t>Level 2 — Selective</a:t>
-            </a:r>
-          </a:p>
-          <a:p>
-            <a:pPr marL="342900" indent="-342900">
-              <a:buFont typeface="Arial" panose="020B0604020202020204" pitchFamily="34" charset="0"/>
-              <a:buChar char="•"/>
-            </a:pPr>
-            <a:r>
-              <a:rPr lang="en-GB" sz="2400" dirty="0"/>
-              <a:t>Design only major features.</a:t>
-            </a:r>
-          </a:p>
-          <a:p>
-            <a:pPr marL="342900" indent="-342900">
-              <a:buFont typeface="Arial" panose="020B0604020202020204" pitchFamily="34" charset="0"/>
-              <a:buChar char="•"/>
-            </a:pPr>
-            <a:r>
-              <a:rPr lang="en-GB" sz="2400" dirty="0"/>
-              <a:t>Small PRs skip design.</a:t>
-            </a:r>
-          </a:p>
-        </p:txBody>
-      </p:sp>
-      <p:sp>
-        <p:nvSpPr>
-          <p:cNvPr id="19" name="TextBox 18">
-            <a:extLst>
-              <a:ext uri="{FF2B5EF4-FFF2-40B4-BE49-F238E27FC236}">
-                <a16:creationId xmlns:a16="http://schemas.microsoft.com/office/drawing/2014/main" id="{8C09A847-81D3-01AD-7586-612A90B5B85B}"/>
-              </a:ext>
-            </a:extLst>
-          </p:cNvPr>
-          <p:cNvSpPr txBox="1"/>
-          <p:nvPr/>
-        </p:nvSpPr>
-        <p:spPr>
-          <a:xfrm>
-            <a:off x="5559490" y="1240315"/>
-            <a:ext cx="5637237" cy="2492990"/>
-          </a:xfrm>
-          <a:prstGeom prst="rect">
-            <a:avLst/>
-          </a:prstGeom>
-          <a:noFill/>
-          <a:ln w="38100">
-            <a:solidFill>
-              <a:srgbClr val="006600"/>
-            </a:solidFill>
-          </a:ln>
-        </p:spPr>
-        <p:txBody>
-          <a:bodyPr wrap="square">
-            <a:spAutoFit/>
-          </a:bodyPr>
-          <a:lstStyle/>
-          <a:p>
-            <a:pPr>
-              <a:buNone/>
-            </a:pPr>
-            <a:r>
-              <a:rPr lang="en-BE" sz="2800" b="1" dirty="0"/>
-              <a:t>🟡 </a:t>
-            </a:r>
-            <a:r>
-              <a:rPr lang="en-GB" sz="2800" b="1" dirty="0"/>
-              <a:t>Level 3 — Intentional PR Design</a:t>
-            </a:r>
-            <a:endParaRPr lang="en-BE" sz="2800" b="1" dirty="0"/>
-          </a:p>
-          <a:p>
-            <a:pPr>
-              <a:buNone/>
-            </a:pPr>
-            <a:r>
-              <a:rPr lang="en-GB" sz="2800" b="1" dirty="0"/>
-              <a:t>Every meaningful PR:</a:t>
-            </a:r>
-          </a:p>
-          <a:p>
-            <a:pPr marL="342900" indent="-342900">
-              <a:buFont typeface="Arial" panose="020B0604020202020204" pitchFamily="34" charset="0"/>
-              <a:buChar char="•"/>
-            </a:pPr>
-            <a:r>
-              <a:rPr lang="en-GB" sz="2400" dirty="0"/>
-              <a:t>Evaluates structural impact</a:t>
-            </a:r>
-          </a:p>
-          <a:p>
-            <a:pPr marL="342900" indent="-342900">
-              <a:buFont typeface="Arial" panose="020B0604020202020204" pitchFamily="34" charset="0"/>
-              <a:buChar char="•"/>
-            </a:pPr>
-            <a:r>
-              <a:rPr lang="en-GB" sz="2400" dirty="0"/>
-              <a:t>Evaluates </a:t>
-            </a:r>
-            <a:r>
-              <a:rPr lang="en-GB" sz="2400" dirty="0" err="1"/>
-              <a:t>behavioral</a:t>
-            </a:r>
-            <a:r>
-              <a:rPr lang="en-GB" sz="2400" dirty="0"/>
-              <a:t> impact</a:t>
-            </a:r>
-          </a:p>
-          <a:p>
-            <a:pPr marL="342900" indent="-342900">
-              <a:buFont typeface="Arial" panose="020B0604020202020204" pitchFamily="34" charset="0"/>
-              <a:buChar char="•"/>
-            </a:pPr>
-            <a:r>
-              <a:rPr lang="en-GB" sz="2400" dirty="0"/>
-              <a:t>Updates the correct diagram</a:t>
-            </a:r>
-          </a:p>
-          <a:p>
-            <a:pPr>
-              <a:buNone/>
-            </a:pPr>
-            <a:r>
-              <a:rPr lang="en-GB" sz="2800" b="1" dirty="0"/>
-              <a:t>Senior Design Target</a:t>
-            </a:r>
-            <a:endParaRPr lang="en-GB" sz="2800" dirty="0"/>
-          </a:p>
-        </p:txBody>
-      </p:sp>
-      <p:sp>
-        <p:nvSpPr>
-          <p:cNvPr id="23" name="TextBox 22">
-            <a:extLst>
-              <a:ext uri="{FF2B5EF4-FFF2-40B4-BE49-F238E27FC236}">
-                <a16:creationId xmlns:a16="http://schemas.microsoft.com/office/drawing/2014/main" id="{77FECFED-048E-05B8-1116-2A61B66FE600}"/>
-              </a:ext>
-            </a:extLst>
-          </p:cNvPr>
-          <p:cNvSpPr txBox="1"/>
-          <p:nvPr/>
-        </p:nvSpPr>
-        <p:spPr>
-          <a:xfrm>
-            <a:off x="5559490" y="3896921"/>
-            <a:ext cx="6102220" cy="2800767"/>
-          </a:xfrm>
-          <a:prstGeom prst="rect">
-            <a:avLst/>
-          </a:prstGeom>
-          <a:noFill/>
-        </p:spPr>
-        <p:txBody>
-          <a:bodyPr wrap="square">
-            <a:spAutoFit/>
-          </a:bodyPr>
-          <a:lstStyle/>
-          <a:p>
-            <a:pPr>
-              <a:buNone/>
-            </a:pPr>
-            <a:r>
-              <a:rPr lang="en-BE" sz="2800" b="1" dirty="0"/>
-              <a:t>🟢 </a:t>
-            </a:r>
-            <a:r>
-              <a:rPr lang="en-GB" sz="2800" b="1" dirty="0"/>
-              <a:t>Level 4 — Architectural Stewardship</a:t>
-            </a:r>
-          </a:p>
-          <a:p>
-            <a:pPr>
-              <a:buNone/>
-            </a:pPr>
-            <a:r>
-              <a:rPr lang="en-GB" sz="2800" dirty="0"/>
-              <a:t>Architecture evolves intentionally:</a:t>
-            </a:r>
-          </a:p>
-          <a:p>
-            <a:pPr marL="285750" indent="-285750">
-              <a:buFont typeface="Arial" panose="020B0604020202020204" pitchFamily="34" charset="0"/>
-              <a:buChar char="•"/>
-            </a:pPr>
-            <a:r>
-              <a:rPr lang="en-GB" sz="2400" dirty="0"/>
-              <a:t>Refactor proactively</a:t>
-            </a:r>
-          </a:p>
-          <a:p>
-            <a:pPr marL="285750" indent="-285750">
-              <a:buFont typeface="Arial" panose="020B0604020202020204" pitchFamily="34" charset="0"/>
-              <a:buChar char="•"/>
-            </a:pPr>
-            <a:r>
-              <a:rPr lang="en-GB" sz="2400" dirty="0"/>
-              <a:t>Protect boundaries</a:t>
-            </a:r>
-          </a:p>
-          <a:p>
-            <a:pPr marL="285750" indent="-285750">
-              <a:buFont typeface="Arial" panose="020B0604020202020204" pitchFamily="34" charset="0"/>
-              <a:buChar char="•"/>
-            </a:pPr>
-            <a:r>
-              <a:rPr lang="en-GB" sz="2400" dirty="0"/>
-              <a:t>Reduce coupling</a:t>
-            </a:r>
-          </a:p>
-          <a:p>
-            <a:pPr marL="285750" indent="-285750">
-              <a:buFont typeface="Arial" panose="020B0604020202020204" pitchFamily="34" charset="0"/>
-              <a:buChar char="•"/>
-            </a:pPr>
-            <a:r>
-              <a:rPr lang="en-GB" sz="2400" dirty="0"/>
-              <a:t>Improve design over time</a:t>
-            </a:r>
-          </a:p>
-          <a:p>
-            <a:r>
-              <a:rPr lang="en-GB" sz="2400" b="1" dirty="0"/>
-              <a:t>Senior engineers and architects do in industry.</a:t>
-            </a:r>
-          </a:p>
-        </p:txBody>
-      </p:sp>
-      <p:sp>
-        <p:nvSpPr>
-          <p:cNvPr id="26" name="TextBox 25">
-            <a:extLst>
-              <a:ext uri="{FF2B5EF4-FFF2-40B4-BE49-F238E27FC236}">
-                <a16:creationId xmlns:a16="http://schemas.microsoft.com/office/drawing/2014/main" id="{BE5A1DFC-64F8-BC41-3AE6-039265CADD38}"/>
-              </a:ext>
-            </a:extLst>
-          </p:cNvPr>
-          <p:cNvSpPr txBox="1"/>
-          <p:nvPr/>
-        </p:nvSpPr>
-        <p:spPr>
-          <a:xfrm>
-            <a:off x="242603" y="1326304"/>
-            <a:ext cx="5095286" cy="954107"/>
-          </a:xfrm>
-          <a:prstGeom prst="rect">
-            <a:avLst/>
-          </a:prstGeom>
-          <a:noFill/>
-        </p:spPr>
-        <p:txBody>
-          <a:bodyPr wrap="square">
-            <a:spAutoFit/>
-          </a:bodyPr>
-          <a:lstStyle/>
-          <a:p>
-            <a:r>
-              <a:rPr lang="en-GB" sz="2800" dirty="0"/>
-              <a:t>There are four levels of design maturity in software projects.</a:t>
-            </a:r>
-            <a:endParaRPr lang="en-US" sz="2800" dirty="0"/>
-          </a:p>
-        </p:txBody>
-      </p:sp>
-    </p:spTree>
-    <p:extLst>
-      <p:ext uri="{BB962C8B-B14F-4D97-AF65-F5344CB8AC3E}">
-        <p14:creationId xmlns:p14="http://schemas.microsoft.com/office/powerpoint/2010/main" val="2003188299"/>
-      </p:ext>
-    </p:extLst>
-  </p:cSld>
-  <p:clrMapOvr>
-    <a:masterClrMapping/>
-  </p:clrMapOvr>
-  <p:timing>
-    <p:tnLst>
-      <p:par>
-        <p:cTn id="1" dur="indefinite" restart="never" nodeType="tmRoot">
-          <p:childTnLst>
-            <p:seq concurrent="1" nextAc="seek">
-              <p:cTn id="2" dur="indefinite" nodeType="mainSeq">
-                <p:childTnLst>
-                  <p:par>
-                    <p:cTn id="3" fill="hold">
-                      <p:stCondLst>
-                        <p:cond delay="indefinite"/>
-                      </p:stCondLst>
-                      <p:childTnLst>
-                        <p:par>
-                          <p:cTn id="4" fill="hold">
-                            <p:stCondLst>
-                              <p:cond delay="0"/>
-                            </p:stCondLst>
-                            <p:childTnLst>
-                              <p:par>
-                                <p:cTn id="5" presetID="1" presetClass="entr" presetSubtype="0" fill="hold" grpId="0" nodeType="clickEffect">
-                                  <p:stCondLst>
-                                    <p:cond delay="0"/>
-                                  </p:stCondLst>
-                                  <p:childTnLst>
-                                    <p:set>
-                                      <p:cBhvr>
-                                        <p:cTn id="6" dur="1" fill="hold">
-                                          <p:stCondLst>
-                                            <p:cond delay="0"/>
-                                          </p:stCondLst>
-                                        </p:cTn>
-                                        <p:tgtEl>
-                                          <p:spTgt spid="9"/>
-                                        </p:tgtEl>
-                                        <p:attrNameLst>
-                                          <p:attrName>style.visibility</p:attrName>
-                                        </p:attrNameLst>
-                                      </p:cBhvr>
-                                      <p:to>
-                                        <p:strVal val="visible"/>
-                                      </p:to>
-                                    </p:set>
-                                  </p:childTnLst>
-                                </p:cTn>
-                              </p:par>
-                            </p:childTnLst>
-                          </p:cTn>
-                        </p:par>
-                      </p:childTnLst>
-                    </p:cTn>
-                  </p:par>
-                  <p:par>
-                    <p:cTn id="7" fill="hold">
-                      <p:stCondLst>
-                        <p:cond delay="indefinite"/>
-                      </p:stCondLst>
-                      <p:childTnLst>
-                        <p:par>
-                          <p:cTn id="8" fill="hold">
-                            <p:stCondLst>
-                              <p:cond delay="0"/>
-                            </p:stCondLst>
-                            <p:childTnLst>
-                              <p:par>
-                                <p:cTn id="9" presetID="1" presetClass="entr" presetSubtype="0" fill="hold" grpId="0" nodeType="clickEffect">
-                                  <p:stCondLst>
-                                    <p:cond delay="0"/>
-                                  </p:stCondLst>
-                                  <p:childTnLst>
-                                    <p:set>
-                                      <p:cBhvr>
-                                        <p:cTn id="10" dur="1" fill="hold">
-                                          <p:stCondLst>
-                                            <p:cond delay="0"/>
-                                          </p:stCondLst>
-                                        </p:cTn>
-                                        <p:tgtEl>
-                                          <p:spTgt spid="11"/>
-                                        </p:tgtEl>
-                                        <p:attrNameLst>
-                                          <p:attrName>style.visibility</p:attrName>
-                                        </p:attrNameLst>
-                                      </p:cBhvr>
-                                      <p:to>
-                                        <p:strVal val="visible"/>
-                                      </p:to>
-                                    </p:set>
-                                  </p:childTnLst>
-                                </p:cTn>
-                              </p:par>
-                            </p:childTnLst>
-                          </p:cTn>
-                        </p:par>
-                      </p:childTnLst>
-                    </p:cTn>
-                  </p:par>
-                  <p:par>
-                    <p:cTn id="11" fill="hold">
-                      <p:stCondLst>
-                        <p:cond delay="indefinite"/>
-                      </p:stCondLst>
-                      <p:childTnLst>
-                        <p:par>
-                          <p:cTn id="12" fill="hold">
-                            <p:stCondLst>
-                              <p:cond delay="0"/>
-                            </p:stCondLst>
-                            <p:childTnLst>
-                              <p:par>
-                                <p:cTn id="13" presetID="1" presetClass="entr" presetSubtype="0" fill="hold" grpId="0" nodeType="clickEffect">
-                                  <p:stCondLst>
-                                    <p:cond delay="0"/>
-                                  </p:stCondLst>
-                                  <p:childTnLst>
-                                    <p:set>
-                                      <p:cBhvr>
-                                        <p:cTn id="14" dur="1" fill="hold">
-                                          <p:stCondLst>
-                                            <p:cond delay="0"/>
-                                          </p:stCondLst>
-                                        </p:cTn>
-                                        <p:tgtEl>
-                                          <p:spTgt spid="19"/>
-                                        </p:tgtEl>
-                                        <p:attrNameLst>
-                                          <p:attrName>style.visibility</p:attrName>
-                                        </p:attrNameLst>
-                                      </p:cBhvr>
-                                      <p:to>
-                                        <p:strVal val="visible"/>
-                                      </p:to>
-                                    </p:set>
-                                  </p:childTnLst>
-                                </p:cTn>
-                              </p:par>
-                            </p:childTnLst>
-                          </p:cTn>
-                        </p:par>
-                      </p:childTnLst>
-                    </p:cTn>
-                  </p:par>
-                  <p:par>
-                    <p:cTn id="15" fill="hold">
-                      <p:stCondLst>
-                        <p:cond delay="indefinite"/>
-                      </p:stCondLst>
-                      <p:childTnLst>
-                        <p:par>
-                          <p:cTn id="16" fill="hold">
-                            <p:stCondLst>
-                              <p:cond delay="0"/>
-                            </p:stCondLst>
-                            <p:childTnLst>
-                              <p:par>
-                                <p:cTn id="17" presetID="1" presetClass="entr" presetSubtype="0" fill="hold" grpId="0" nodeType="clickEffect">
-                                  <p:stCondLst>
-                                    <p:cond delay="0"/>
-                                  </p:stCondLst>
-                                  <p:childTnLst>
-                                    <p:set>
-                                      <p:cBhvr>
-                                        <p:cTn id="18" dur="1" fill="hold">
-                                          <p:stCondLst>
-                                            <p:cond delay="0"/>
-                                          </p:stCondLst>
-                                        </p:cTn>
-                                        <p:tgtEl>
-                                          <p:spTgt spid="23"/>
-                                        </p:tgtEl>
-                                        <p:attrNameLst>
-                                          <p:attrName>style.visibility</p:attrName>
-                                        </p:attrNameLst>
-                                      </p:cBhvr>
-                                      <p:to>
-                                        <p:strVal val="visible"/>
-                                      </p:to>
-                                    </p:set>
-                                  </p:childTnLst>
-                                </p:cTn>
-                              </p:par>
-                            </p:childTnLst>
-                          </p:cTn>
-                        </p:par>
-                      </p:childTnLst>
-                    </p:cTn>
-                  </p:par>
-                </p:childTnLst>
-              </p:cTn>
-              <p:prevCondLst>
-                <p:cond evt="onPrev" delay="0">
-                  <p:tgtEl>
-                    <p:sldTgt/>
-                  </p:tgtEl>
-                </p:cond>
-              </p:prevCondLst>
-              <p:nextCondLst>
-                <p:cond evt="onNext" delay="0">
-                  <p:tgtEl>
-                    <p:sldTgt/>
-                  </p:tgtEl>
-                </p:cond>
-              </p:nextCondLst>
-            </p:seq>
-          </p:childTnLst>
-        </p:cTn>
-      </p:par>
-    </p:tnLst>
-    <p:bldLst>
-      <p:bldP spid="9" grpId="0"/>
-      <p:bldP spid="11" grpId="0"/>
-      <p:bldP spid="19" grpId="0" animBg="1"/>
-      <p:bldP spid="23" grpId="0"/>
-    </p:bldLst>
-  </p:timing>
 </p:sld>
 </file>
 
@@ -12874,7 +13109,12 @@
             <p:ph type="title"/>
           </p:nvPr>
         </p:nvSpPr>
-        <p:spPr/>
+        <p:spPr>
+          <a:xfrm>
+            <a:off x="685306" y="69699"/>
+            <a:ext cx="10515600" cy="1325563"/>
+          </a:xfrm>
+        </p:spPr>
         <p:txBody>
           <a:bodyPr/>
           <a:lstStyle/>
@@ -12902,13 +13142,18 @@
             <p:ph idx="1"/>
           </p:nvPr>
         </p:nvSpPr>
-        <p:spPr/>
+        <p:spPr>
+          <a:xfrm>
+            <a:off x="838200" y="1087099"/>
+            <a:ext cx="10515600" cy="4351338"/>
+          </a:xfrm>
+        </p:spPr>
         <p:txBody>
           <a:bodyPr/>
           <a:lstStyle/>
           <a:p>
             <a:r>
-              <a:rPr lang="en-BE"/>
+              <a:rPr lang="en-BE" dirty="0"/>
               <a:t>Grading Lab 1 </a:t>
             </a:r>
           </a:p>
@@ -12937,6 +13182,19 @@
               <a:rPr lang="en-BE" dirty="0"/>
               <a:t>Team 40%</a:t>
             </a:r>
+          </a:p>
+          <a:p>
+            <a:r>
+              <a:rPr lang="en-GB" dirty="0"/>
+              <a:t>Navigating Client Challenges</a:t>
+            </a:r>
+            <a:endParaRPr lang="en-BE" dirty="0"/>
+          </a:p>
+          <a:p>
+            <a:pPr marL="0" indent="0">
+              <a:buNone/>
+            </a:pPr>
+            <a:endParaRPr lang="en-BE" dirty="0"/>
           </a:p>
         </p:txBody>
       </p:sp>
@@ -12984,7 +13242,7 @@
           <p:nvPr/>
         </p:nvPicPr>
         <p:blipFill>
-          <a:blip r:embed="rId2"/>
+          <a:blip r:embed="rId3"/>
           <a:stretch>
             <a:fillRect/>
           </a:stretch>
@@ -13092,6 +13350,138 @@
   <p:clrMapOvr>
     <a:masterClrMapping/>
   </p:clrMapOvr>
+  <p:timing>
+    <p:tnLst>
+      <p:par>
+        <p:cTn id="1" dur="indefinite" restart="never" nodeType="tmRoot">
+          <p:childTnLst>
+            <p:seq concurrent="1" nextAc="seek">
+              <p:cTn id="2" dur="indefinite" nodeType="mainSeq">
+                <p:childTnLst>
+                  <p:par>
+                    <p:cTn id="3" fill="hold">
+                      <p:stCondLst>
+                        <p:cond delay="indefinite"/>
+                      </p:stCondLst>
+                      <p:childTnLst>
+                        <p:par>
+                          <p:cTn id="4" fill="hold">
+                            <p:stCondLst>
+                              <p:cond delay="0"/>
+                            </p:stCondLst>
+                            <p:childTnLst>
+                              <p:par>
+                                <p:cTn id="5" presetID="1" presetClass="entr" presetSubtype="0" fill="hold" nodeType="clickEffect">
+                                  <p:stCondLst>
+                                    <p:cond delay="0"/>
+                                  </p:stCondLst>
+                                  <p:childTnLst>
+                                    <p:set>
+                                      <p:cBhvr>
+                                        <p:cTn id="6" dur="1" fill="hold">
+                                          <p:stCondLst>
+                                            <p:cond delay="0"/>
+                                          </p:stCondLst>
+                                        </p:cTn>
+                                        <p:tgtEl>
+                                          <p:spTgt spid="9"/>
+                                        </p:tgtEl>
+                                        <p:attrNameLst>
+                                          <p:attrName>style.visibility</p:attrName>
+                                        </p:attrNameLst>
+                                      </p:cBhvr>
+                                      <p:to>
+                                        <p:strVal val="visible"/>
+                                      </p:to>
+                                    </p:set>
+                                  </p:childTnLst>
+                                </p:cTn>
+                              </p:par>
+                              <p:par>
+                                <p:cTn id="7" presetID="1" presetClass="entr" presetSubtype="0" fill="hold" grpId="0" nodeType="withEffect">
+                                  <p:stCondLst>
+                                    <p:cond delay="0"/>
+                                  </p:stCondLst>
+                                  <p:childTnLst>
+                                    <p:set>
+                                      <p:cBhvr>
+                                        <p:cTn id="8" dur="1" fill="hold">
+                                          <p:stCondLst>
+                                            <p:cond delay="0"/>
+                                          </p:stCondLst>
+                                        </p:cTn>
+                                        <p:tgtEl>
+                                          <p:spTgt spid="11"/>
+                                        </p:tgtEl>
+                                        <p:attrNameLst>
+                                          <p:attrName>style.visibility</p:attrName>
+                                        </p:attrNameLst>
+                                      </p:cBhvr>
+                                      <p:to>
+                                        <p:strVal val="visible"/>
+                                      </p:to>
+                                    </p:set>
+                                  </p:childTnLst>
+                                </p:cTn>
+                              </p:par>
+                              <p:par>
+                                <p:cTn id="9" presetID="1" presetClass="entr" presetSubtype="0" fill="hold" nodeType="withEffect">
+                                  <p:stCondLst>
+                                    <p:cond delay="0"/>
+                                  </p:stCondLst>
+                                  <p:childTnLst>
+                                    <p:set>
+                                      <p:cBhvr>
+                                        <p:cTn id="10" dur="1" fill="hold">
+                                          <p:stCondLst>
+                                            <p:cond delay="0"/>
+                                          </p:stCondLst>
+                                        </p:cTn>
+                                        <p:tgtEl>
+                                          <p:spTgt spid="8"/>
+                                        </p:tgtEl>
+                                        <p:attrNameLst>
+                                          <p:attrName>style.visibility</p:attrName>
+                                        </p:attrNameLst>
+                                      </p:cBhvr>
+                                      <p:to>
+                                        <p:strVal val="visible"/>
+                                      </p:to>
+                                    </p:set>
+                                  </p:childTnLst>
+                                </p:cTn>
+                              </p:par>
+                            </p:childTnLst>
+                          </p:cTn>
+                        </p:par>
+                      </p:childTnLst>
+                    </p:cTn>
+                  </p:par>
+                </p:childTnLst>
+              </p:cTn>
+              <p:prevCondLst>
+                <p:cond evt="onPrev" delay="0">
+                  <p:tgtEl>
+                    <p:sldTgt/>
+                  </p:tgtEl>
+                </p:cond>
+              </p:prevCondLst>
+              <p:nextCondLst>
+                <p:cond evt="onNext" delay="0">
+                  <p:tgtEl>
+                    <p:sldTgt/>
+                  </p:tgtEl>
+                </p:cond>
+              </p:nextCondLst>
+            </p:seq>
+          </p:childTnLst>
+        </p:cTn>
+      </p:par>
+    </p:tnLst>
+    <p:bldLst>
+      <p:bldP spid="11" grpId="0"/>
+    </p:bldLst>
+  </p:timing>
 </p:sld>
 </file>
 
@@ -14646,6 +15036,361 @@
   <p:cSld>
     <p:spTree>
       <p:nvGrpSpPr>
+        <p:cNvPr id="1" name="">
+          <a:extLst>
+            <a:ext uri="{FF2B5EF4-FFF2-40B4-BE49-F238E27FC236}">
+              <a16:creationId xmlns:a16="http://schemas.microsoft.com/office/drawing/2014/main" id="{607AEE8E-B599-79CB-38D2-EA0CB339BAF5}"/>
+            </a:ext>
+          </a:extLst>
+        </p:cNvPr>
+        <p:cNvGrpSpPr/>
+        <p:nvPr/>
+      </p:nvGrpSpPr>
+      <p:grpSpPr>
+        <a:xfrm>
+          <a:off x="0" y="0"/>
+          <a:ext cx="0" cy="0"/>
+          <a:chOff x="0" y="0"/>
+          <a:chExt cx="0" cy="0"/>
+        </a:xfrm>
+      </p:grpSpPr>
+      <p:sp>
+        <p:nvSpPr>
+          <p:cNvPr id="2" name="Title 1">
+            <a:extLst>
+              <a:ext uri="{FF2B5EF4-FFF2-40B4-BE49-F238E27FC236}">
+                <a16:creationId xmlns:a16="http://schemas.microsoft.com/office/drawing/2014/main" id="{56FB954B-88B6-8E29-35EE-68EF8AF6BFA1}"/>
+              </a:ext>
+            </a:extLst>
+          </p:cNvPr>
+          <p:cNvSpPr>
+            <a:spLocks noGrp="1"/>
+          </p:cNvSpPr>
+          <p:nvPr>
+            <p:ph type="title"/>
+          </p:nvPr>
+        </p:nvSpPr>
+        <p:spPr/>
+        <p:txBody>
+          <a:bodyPr>
+            <a:normAutofit/>
+          </a:bodyPr>
+          <a:lstStyle/>
+          <a:p>
+            <a:r>
+              <a:rPr lang="en-BE" sz="3600" dirty="0"/>
+              <a:t>Announcements - </a:t>
+            </a:r>
+            <a:r>
+              <a:rPr lang="en-GB" sz="3600" b="1" dirty="0"/>
+              <a:t>Business Collaboration Opportunity</a:t>
+            </a:r>
+            <a:endParaRPr lang="en-BE" sz="3600" dirty="0"/>
+          </a:p>
+        </p:txBody>
+      </p:sp>
+      <p:sp>
+        <p:nvSpPr>
+          <p:cNvPr id="3" name="Content Placeholder 2">
+            <a:extLst>
+              <a:ext uri="{FF2B5EF4-FFF2-40B4-BE49-F238E27FC236}">
+                <a16:creationId xmlns:a16="http://schemas.microsoft.com/office/drawing/2014/main" id="{D2FA1202-0582-C469-B55A-C06093DAE818}"/>
+              </a:ext>
+            </a:extLst>
+          </p:cNvPr>
+          <p:cNvSpPr>
+            <a:spLocks noGrp="1"/>
+          </p:cNvSpPr>
+          <p:nvPr>
+            <p:ph idx="1"/>
+          </p:nvPr>
+        </p:nvSpPr>
+        <p:spPr>
+          <a:xfrm>
+            <a:off x="838200" y="1610278"/>
+            <a:ext cx="10515600" cy="4351338"/>
+          </a:xfrm>
+        </p:spPr>
+        <p:txBody>
+          <a:bodyPr>
+            <a:normAutofit fontScale="92500" lnSpcReduction="10000"/>
+          </a:bodyPr>
+          <a:lstStyle/>
+          <a:p>
+            <a:pPr marL="0" indent="0">
+              <a:buNone/>
+            </a:pPr>
+            <a:r>
+              <a:rPr lang="en-GB" b="1" dirty="0"/>
+              <a:t>Partner Course</a:t>
+            </a:r>
+          </a:p>
+          <a:p>
+            <a:r>
+              <a:rPr lang="en-GB" dirty="0"/>
+              <a:t>BGES 302: Growing Business Organizations</a:t>
+            </a:r>
+            <a:br>
+              <a:rPr lang="en-GB" dirty="0"/>
+            </a:br>
+            <a:r>
+              <a:rPr lang="en-GB" dirty="0"/>
+              <a:t>Dr. Huston Pullen (College of Business)</a:t>
+            </a:r>
+          </a:p>
+          <a:p>
+            <a:pPr marL="0" indent="0">
+              <a:buNone/>
+            </a:pPr>
+            <a:r>
+              <a:rPr lang="en-GB" b="1" dirty="0"/>
+              <a:t>What You Get</a:t>
+            </a:r>
+          </a:p>
+          <a:p>
+            <a:pPr marL="457200" lvl="1" indent="0">
+              <a:buNone/>
+            </a:pPr>
+            <a:r>
+              <a:rPr lang="en-GB" dirty="0"/>
+              <a:t>• Business students as advisors</a:t>
+            </a:r>
+            <a:br>
+              <a:rPr lang="en-GB" dirty="0"/>
+            </a:br>
+            <a:r>
+              <a:rPr lang="en-GB" dirty="0"/>
+              <a:t>• Market validation perspective</a:t>
+            </a:r>
+            <a:br>
+              <a:rPr lang="en-GB" dirty="0"/>
+            </a:br>
+            <a:r>
+              <a:rPr lang="en-GB" dirty="0"/>
+              <a:t>• Help refining value proposition</a:t>
+            </a:r>
+            <a:br>
+              <a:rPr lang="en-GB" dirty="0"/>
+            </a:br>
+            <a:r>
+              <a:rPr lang="en-GB" dirty="0"/>
+              <a:t>• Stronger final presentation</a:t>
+            </a:r>
+          </a:p>
+          <a:p>
+            <a:pPr marL="0" indent="0">
+              <a:buNone/>
+            </a:pPr>
+            <a:r>
+              <a:rPr lang="en-GB" b="1" dirty="0"/>
+              <a:t>Your Commitment</a:t>
+            </a:r>
+          </a:p>
+          <a:p>
+            <a:pPr marL="457200" lvl="1" indent="0">
+              <a:buNone/>
+            </a:pPr>
+            <a:r>
+              <a:rPr lang="en-GB" dirty="0"/>
+              <a:t>• ~2 meetings total this semester</a:t>
+            </a:r>
+            <a:br>
+              <a:rPr lang="en-GB" dirty="0"/>
+            </a:br>
+            <a:r>
+              <a:rPr lang="en-GB" dirty="0"/>
+              <a:t>• 45–60 minutes each</a:t>
+            </a:r>
+            <a:br>
+              <a:rPr lang="en-GB" dirty="0"/>
+            </a:br>
+            <a:r>
+              <a:rPr lang="en-GB" dirty="0"/>
+              <a:t>• Professional collaboration</a:t>
+            </a:r>
+          </a:p>
+          <a:p>
+            <a:pPr marL="0" indent="0">
+              <a:buNone/>
+            </a:pPr>
+            <a:endParaRPr lang="en-GB" dirty="0"/>
+          </a:p>
+          <a:p>
+            <a:pPr marL="0" indent="0">
+              <a:buNone/>
+            </a:pPr>
+            <a:endParaRPr lang="en-GB" dirty="0"/>
+          </a:p>
+        </p:txBody>
+      </p:sp>
+      <p:sp>
+        <p:nvSpPr>
+          <p:cNvPr id="4" name="Slide Number Placeholder 3">
+            <a:extLst>
+              <a:ext uri="{FF2B5EF4-FFF2-40B4-BE49-F238E27FC236}">
+                <a16:creationId xmlns:a16="http://schemas.microsoft.com/office/drawing/2014/main" id="{76688B4E-9B46-2908-6951-1644C59CECD9}"/>
+              </a:ext>
+            </a:extLst>
+          </p:cNvPr>
+          <p:cNvSpPr>
+            <a:spLocks noGrp="1"/>
+          </p:cNvSpPr>
+          <p:nvPr>
+            <p:ph type="sldNum" sz="quarter" idx="12"/>
+          </p:nvPr>
+        </p:nvSpPr>
+        <p:spPr/>
+        <p:txBody>
+          <a:bodyPr/>
+          <a:lstStyle/>
+          <a:p>
+            <a:fld id="{76FC44FA-978A-2F4D-B308-AF3FA2E1E6ED}" type="slidenum">
+              <a:rPr lang="en-BE" smtClean="0"/>
+              <a:t>3</a:t>
+            </a:fld>
+            <a:endParaRPr lang="en-BE"/>
+          </a:p>
+        </p:txBody>
+      </p:sp>
+      <p:sp>
+        <p:nvSpPr>
+          <p:cNvPr id="6" name="TextBox 5">
+            <a:extLst>
+              <a:ext uri="{FF2B5EF4-FFF2-40B4-BE49-F238E27FC236}">
+                <a16:creationId xmlns:a16="http://schemas.microsoft.com/office/drawing/2014/main" id="{B386F0F0-C5FA-33D4-141F-C971A7B065FD}"/>
+              </a:ext>
+            </a:extLst>
+          </p:cNvPr>
+          <p:cNvSpPr txBox="1"/>
+          <p:nvPr/>
+        </p:nvSpPr>
+        <p:spPr>
+          <a:xfrm>
+            <a:off x="1696616" y="6081067"/>
+            <a:ext cx="6913984" cy="461665"/>
+          </a:xfrm>
+          <a:prstGeom prst="rect">
+            <a:avLst/>
+          </a:prstGeom>
+          <a:noFill/>
+          <a:ln w="28575">
+            <a:solidFill>
+              <a:srgbClr val="0000EA"/>
+            </a:solidFill>
+          </a:ln>
+        </p:spPr>
+        <p:txBody>
+          <a:bodyPr wrap="square">
+            <a:spAutoFit/>
+          </a:bodyPr>
+          <a:lstStyle/>
+          <a:p>
+            <a:pPr algn="ctr">
+              <a:buNone/>
+            </a:pPr>
+            <a:r>
+              <a:rPr lang="en-GB" sz="2400" dirty="0"/>
+              <a:t>I will submit your team for pairing by 02/18/2026.</a:t>
+            </a:r>
+          </a:p>
+        </p:txBody>
+      </p:sp>
+    </p:spTree>
+    <p:extLst>
+      <p:ext uri="{BB962C8B-B14F-4D97-AF65-F5344CB8AC3E}">
+        <p14:creationId xmlns:p14="http://schemas.microsoft.com/office/powerpoint/2010/main" val="2516787150"/>
+      </p:ext>
+    </p:extLst>
+  </p:cSld>
+  <p:clrMapOvr>
+    <a:masterClrMapping/>
+  </p:clrMapOvr>
+  <p:timing>
+    <p:tnLst>
+      <p:par>
+        <p:cTn id="1" dur="indefinite" restart="never" nodeType="tmRoot">
+          <p:childTnLst>
+            <p:seq concurrent="1" nextAc="seek">
+              <p:cTn id="2" dur="indefinite" nodeType="mainSeq">
+                <p:childTnLst>
+                  <p:par>
+                    <p:cTn id="3" fill="hold">
+                      <p:stCondLst>
+                        <p:cond delay="indefinite"/>
+                      </p:stCondLst>
+                      <p:childTnLst>
+                        <p:par>
+                          <p:cTn id="4" fill="hold">
+                            <p:stCondLst>
+                              <p:cond delay="0"/>
+                            </p:stCondLst>
+                            <p:childTnLst>
+                              <p:par>
+                                <p:cTn id="5" presetID="1" presetClass="entr" presetSubtype="0" fill="hold" grpId="0" nodeType="clickEffect">
+                                  <p:stCondLst>
+                                    <p:cond delay="0"/>
+                                  </p:stCondLst>
+                                  <p:childTnLst>
+                                    <p:set>
+                                      <p:cBhvr>
+                                        <p:cTn id="6" dur="1" fill="hold">
+                                          <p:stCondLst>
+                                            <p:cond delay="0"/>
+                                          </p:stCondLst>
+                                        </p:cTn>
+                                        <p:tgtEl>
+                                          <p:spTgt spid="6"/>
+                                        </p:tgtEl>
+                                        <p:attrNameLst>
+                                          <p:attrName>style.visibility</p:attrName>
+                                        </p:attrNameLst>
+                                      </p:cBhvr>
+                                      <p:to>
+                                        <p:strVal val="visible"/>
+                                      </p:to>
+                                    </p:set>
+                                  </p:childTnLst>
+                                </p:cTn>
+                              </p:par>
+                            </p:childTnLst>
+                          </p:cTn>
+                        </p:par>
+                      </p:childTnLst>
+                    </p:cTn>
+                  </p:par>
+                </p:childTnLst>
+              </p:cTn>
+              <p:prevCondLst>
+                <p:cond evt="onPrev" delay="0">
+                  <p:tgtEl>
+                    <p:sldTgt/>
+                  </p:tgtEl>
+                </p:cond>
+              </p:prevCondLst>
+              <p:nextCondLst>
+                <p:cond evt="onNext" delay="0">
+                  <p:tgtEl>
+                    <p:sldTgt/>
+                  </p:tgtEl>
+                </p:cond>
+              </p:nextCondLst>
+            </p:seq>
+          </p:childTnLst>
+        </p:cTn>
+      </p:par>
+    </p:tnLst>
+    <p:bldLst>
+      <p:bldP spid="6" grpId="0" animBg="1"/>
+    </p:bldLst>
+  </p:timing>
+</p:sld>
+</file>
+
+<file path=ppt/slides/slide4.xml><?xml version="1.0" encoding="utf-8"?>
+<p:sld xmlns:a="http://schemas.openxmlformats.org/drawingml/2006/main" xmlns:r="http://schemas.openxmlformats.org/officeDocument/2006/relationships" xmlns:p="http://schemas.openxmlformats.org/presentationml/2006/main">
+  <p:cSld>
+    <p:spTree>
+      <p:nvGrpSpPr>
         <p:cNvPr id="1" name=""/>
         <p:cNvGrpSpPr/>
         <p:nvPr/>
@@ -14692,53 +15437,6 @@
           </a:p>
         </p:txBody>
       </p:sp>
-      <p:pic>
-        <p:nvPicPr>
-          <p:cNvPr id="3077" name="Picture 5" descr="Ecosystem icon | Premium Vector">
-            <a:extLst>
-              <a:ext uri="{FF2B5EF4-FFF2-40B4-BE49-F238E27FC236}">
-                <a16:creationId xmlns:a16="http://schemas.microsoft.com/office/drawing/2014/main" id="{3556FA7E-AFF2-2396-6346-1D1B902CF46D}"/>
-              </a:ext>
-            </a:extLst>
-          </p:cNvPr>
-          <p:cNvPicPr>
-            <a:picLocks noChangeAspect="1" noChangeArrowheads="1"/>
-          </p:cNvPicPr>
-          <p:nvPr/>
-        </p:nvPicPr>
-        <p:blipFill>
-          <a:blip r:embed="rId2">
-            <a:extLst>
-              <a:ext uri="{28A0092B-C50C-407E-A947-70E740481C1C}">
-                <a14:useLocalDpi xmlns:a14="http://schemas.microsoft.com/office/drawing/2010/main" val="0"/>
-              </a:ext>
-            </a:extLst>
-          </a:blip>
-          <a:srcRect/>
-          <a:stretch>
-            <a:fillRect/>
-          </a:stretch>
-        </p:blipFill>
-        <p:spPr bwMode="auto">
-          <a:xfrm>
-            <a:off x="9575800" y="-3810000"/>
-            <a:ext cx="2857500" cy="2857500"/>
-          </a:xfrm>
-          <a:prstGeom prst="rect">
-            <a:avLst/>
-          </a:prstGeom>
-          <a:noFill/>
-          <a:extLst>
-            <a:ext uri="{909E8E84-426E-40DD-AFC4-6F175D3DCCD1}">
-              <a14:hiddenFill xmlns:a14="http://schemas.microsoft.com/office/drawing/2010/main">
-                <a:solidFill>
-                  <a:srgbClr val="FFFFFF"/>
-                </a:solidFill>
-              </a14:hiddenFill>
-            </a:ext>
-          </a:extLst>
-        </p:spPr>
-      </p:pic>
       <p:grpSp>
         <p:nvGrpSpPr>
           <p:cNvPr id="12" name="Group 11">
@@ -14753,7 +15451,7 @@
         </p:nvGrpSpPr>
         <p:grpSpPr>
           <a:xfrm>
-            <a:off x="53742" y="2495235"/>
+            <a:off x="53742" y="1935400"/>
             <a:ext cx="1818213" cy="2173055"/>
             <a:chOff x="527523" y="2494436"/>
             <a:chExt cx="1818213" cy="2173055"/>
@@ -14843,12 +15541,106 @@
           </p:txBody>
         </p:sp>
       </p:grpSp>
+      <p:sp>
+        <p:nvSpPr>
+          <p:cNvPr id="19" name="Slide Number Placeholder 18">
+            <a:extLst>
+              <a:ext uri="{FF2B5EF4-FFF2-40B4-BE49-F238E27FC236}">
+                <a16:creationId xmlns:a16="http://schemas.microsoft.com/office/drawing/2014/main" id="{964C6481-2B05-7438-8D78-53426A493C78}"/>
+              </a:ext>
+            </a:extLst>
+          </p:cNvPr>
+          <p:cNvSpPr>
+            <a:spLocks noGrp="1"/>
+          </p:cNvSpPr>
+          <p:nvPr>
+            <p:ph type="sldNum" sz="quarter" idx="12"/>
+          </p:nvPr>
+        </p:nvSpPr>
+        <p:spPr/>
+        <p:txBody>
+          <a:bodyPr/>
+          <a:lstStyle/>
+          <a:p>
+            <a:fld id="{76FC44FA-978A-2F4D-B308-AF3FA2E1E6ED}" type="slidenum">
+              <a:rPr lang="en-BE" smtClean="0"/>
+              <a:t>4</a:t>
+            </a:fld>
+            <a:endParaRPr lang="en-BE"/>
+          </a:p>
+        </p:txBody>
+      </p:sp>
+      <p:sp>
+        <p:nvSpPr>
+          <p:cNvPr id="21" name="TextBox 20">
+            <a:extLst>
+              <a:ext uri="{FF2B5EF4-FFF2-40B4-BE49-F238E27FC236}">
+                <a16:creationId xmlns:a16="http://schemas.microsoft.com/office/drawing/2014/main" id="{9014FC33-E40C-763B-7BCB-91BA31DA2B76}"/>
+              </a:ext>
+            </a:extLst>
+          </p:cNvPr>
+          <p:cNvSpPr txBox="1"/>
+          <p:nvPr/>
+        </p:nvSpPr>
+        <p:spPr>
+          <a:xfrm>
+            <a:off x="1007210" y="5356075"/>
+            <a:ext cx="9749949" cy="1200329"/>
+          </a:xfrm>
+          <a:prstGeom prst="rect">
+            <a:avLst/>
+          </a:prstGeom>
+          <a:noFill/>
+          <a:ln w="28575">
+            <a:solidFill>
+              <a:srgbClr val="0000EA"/>
+            </a:solidFill>
+          </a:ln>
+        </p:spPr>
+        <p:txBody>
+          <a:bodyPr wrap="square">
+            <a:spAutoFit/>
+          </a:bodyPr>
+          <a:lstStyle/>
+          <a:p>
+            <a:pPr marL="342900" indent="-342900">
+              <a:buFont typeface="Arial" panose="020B0604020202020204" pitchFamily="34" charset="0"/>
+              <a:buChar char="•"/>
+            </a:pPr>
+            <a:r>
+              <a:rPr lang="en-GB" sz="2400" dirty="0"/>
+              <a:t>The real world is ambiguous. Software must bring structure to ambiguity.</a:t>
+            </a:r>
+          </a:p>
+          <a:p>
+            <a:pPr marL="342900" indent="-342900">
+              <a:buFont typeface="Arial" panose="020B0604020202020204" pitchFamily="34" charset="0"/>
+              <a:buChar char="•"/>
+            </a:pPr>
+            <a:r>
+              <a:rPr lang="en-GB" sz="2400" dirty="0"/>
+              <a:t>Failure happens because you skip Domain clarity or Design clarity.</a:t>
+            </a:r>
+          </a:p>
+          <a:p>
+            <a:pPr marL="342900" indent="-342900">
+              <a:buFont typeface="Arial" panose="020B0604020202020204" pitchFamily="34" charset="0"/>
+              <a:buChar char="•"/>
+            </a:pPr>
+            <a:r>
+              <a:rPr lang="en-GB" sz="2400" dirty="0"/>
+              <a:t>Design is the bridge between messy reality and stable collaboration.</a:t>
+            </a:r>
+            <a:endParaRPr lang="en-US" sz="2400" dirty="0"/>
+          </a:p>
+        </p:txBody>
+      </p:sp>
       <p:grpSp>
         <p:nvGrpSpPr>
-          <p:cNvPr id="16" name="Group 15">
-            <a:extLst>
-              <a:ext uri="{FF2B5EF4-FFF2-40B4-BE49-F238E27FC236}">
-                <a16:creationId xmlns:a16="http://schemas.microsoft.com/office/drawing/2014/main" id="{40EEF904-73C0-6776-DA9F-A2440456B1E5}"/>
+          <p:cNvPr id="28" name="Group 27">
+            <a:extLst>
+              <a:ext uri="{FF2B5EF4-FFF2-40B4-BE49-F238E27FC236}">
+                <a16:creationId xmlns:a16="http://schemas.microsoft.com/office/drawing/2014/main" id="{0D2A7C7E-80E6-4B17-31A9-48E2D3789668}"/>
               </a:ext>
             </a:extLst>
           </p:cNvPr>
@@ -14857,51 +15649,156 @@
         </p:nvGrpSpPr>
         <p:grpSpPr>
           <a:xfrm>
-            <a:off x="1915569" y="2356313"/>
-            <a:ext cx="3190696" cy="2725778"/>
-            <a:chOff x="1915569" y="2356313"/>
-            <a:chExt cx="3190696" cy="2725778"/>
+            <a:off x="1915569" y="1796478"/>
+            <a:ext cx="3765861" cy="3134459"/>
+            <a:chOff x="1915569" y="1796478"/>
+            <a:chExt cx="3765861" cy="3134459"/>
           </a:xfrm>
         </p:grpSpPr>
-        <p:pic>
-          <p:nvPicPr>
-            <p:cNvPr id="6" name="Google Shape;195;p9" descr="hand drawn architectural sketch of a modern fantastic city with high  futuristic buildings and people in the streets Stock Vector Image &amp; Art -  Alamy">
+        <p:grpSp>
+          <p:nvGrpSpPr>
+            <p:cNvPr id="16" name="Group 15">
               <a:extLst>
                 <a:ext uri="{FF2B5EF4-FFF2-40B4-BE49-F238E27FC236}">
-                  <a16:creationId xmlns:a16="http://schemas.microsoft.com/office/drawing/2014/main" id="{59107E59-3D34-189C-1583-D25E4E71F925}"/>
+                  <a16:creationId xmlns:a16="http://schemas.microsoft.com/office/drawing/2014/main" id="{40EEF904-73C0-6776-DA9F-A2440456B1E5}"/>
                 </a:ext>
               </a:extLst>
             </p:cNvPr>
-            <p:cNvPicPr preferRelativeResize="0"/>
+            <p:cNvGrpSpPr/>
             <p:nvPr/>
-          </p:nvPicPr>
-          <p:blipFill rotWithShape="1">
-            <a:blip r:embed="rId5">
-              <a:alphaModFix/>
-            </a:blip>
-            <a:srcRect b="11422"/>
-            <a:stretch/>
-          </p:blipFill>
-          <p:spPr>
+          </p:nvGrpSpPr>
+          <p:grpSpPr>
             <a:xfrm>
-              <a:off x="2648394" y="2356313"/>
-              <a:ext cx="2457871" cy="2145373"/>
+              <a:off x="1915569" y="1796478"/>
+              <a:ext cx="3190696" cy="2725778"/>
+              <a:chOff x="1915569" y="2356313"/>
+              <a:chExt cx="3190696" cy="2725778"/>
             </a:xfrm>
-            <a:prstGeom prst="rect">
-              <a:avLst/>
-            </a:prstGeom>
-            <a:noFill/>
-            <a:ln>
+          </p:grpSpPr>
+          <p:pic>
+            <p:nvPicPr>
+              <p:cNvPr id="6" name="Google Shape;195;p9" descr="hand drawn architectural sketch of a modern fantastic city with high  futuristic buildings and people in the streets Stock Vector Image &amp; Art -  Alamy">
+                <a:extLst>
+                  <a:ext uri="{FF2B5EF4-FFF2-40B4-BE49-F238E27FC236}">
+                    <a16:creationId xmlns:a16="http://schemas.microsoft.com/office/drawing/2014/main" id="{59107E59-3D34-189C-1583-D25E4E71F925}"/>
+                  </a:ext>
+                </a:extLst>
+              </p:cNvPr>
+              <p:cNvPicPr preferRelativeResize="0"/>
+              <p:nvPr/>
+            </p:nvPicPr>
+            <p:blipFill rotWithShape="1">
+              <a:blip r:embed="rId5">
+                <a:alphaModFix/>
+              </a:blip>
+              <a:srcRect b="11422"/>
+              <a:stretch/>
+            </p:blipFill>
+            <p:spPr>
+              <a:xfrm>
+                <a:off x="2648394" y="2356313"/>
+                <a:ext cx="2457871" cy="2145373"/>
+              </a:xfrm>
+              <a:prstGeom prst="rect">
+                <a:avLst/>
+              </a:prstGeom>
               <a:noFill/>
-            </a:ln>
-          </p:spPr>
-        </p:pic>
+              <a:ln>
+                <a:noFill/>
+              </a:ln>
+            </p:spPr>
+          </p:pic>
+          <p:sp>
+            <p:nvSpPr>
+              <p:cNvPr id="9" name="TextBox 8">
+                <a:extLst>
+                  <a:ext uri="{FF2B5EF4-FFF2-40B4-BE49-F238E27FC236}">
+                    <a16:creationId xmlns:a16="http://schemas.microsoft.com/office/drawing/2014/main" id="{43926F67-4614-E81D-CF2B-FFA14D5FEDC2}"/>
+                  </a:ext>
+                </a:extLst>
+              </p:cNvPr>
+              <p:cNvSpPr txBox="1"/>
+              <p:nvPr/>
+            </p:nvSpPr>
+            <p:spPr>
+              <a:xfrm>
+                <a:off x="2648394" y="4681981"/>
+                <a:ext cx="2303762" cy="400110"/>
+              </a:xfrm>
+              <a:prstGeom prst="rect">
+                <a:avLst/>
+              </a:prstGeom>
+              <a:noFill/>
+            </p:spPr>
+            <p:txBody>
+              <a:bodyPr wrap="square" rtlCol="0">
+                <a:spAutoFit/>
+              </a:bodyPr>
+              <a:lstStyle/>
+              <a:p>
+                <a:r>
+                  <a:rPr lang="en-US" sz="2000" dirty="0"/>
+                  <a:t>Domain Model - DPI</a:t>
+                </a:r>
+              </a:p>
+            </p:txBody>
+          </p:sp>
+          <p:sp>
+            <p:nvSpPr>
+              <p:cNvPr id="13" name="Right Arrow 12">
+                <a:extLst>
+                  <a:ext uri="{FF2B5EF4-FFF2-40B4-BE49-F238E27FC236}">
+                    <a16:creationId xmlns:a16="http://schemas.microsoft.com/office/drawing/2014/main" id="{92DCB4C4-E71D-95A1-C221-E0CB05DE8078}"/>
+                  </a:ext>
+                </a:extLst>
+              </p:cNvPr>
+              <p:cNvSpPr/>
+              <p:nvPr/>
+            </p:nvSpPr>
+            <p:spPr>
+              <a:xfrm>
+                <a:off x="1915569" y="3261426"/>
+                <a:ext cx="601230" cy="335146"/>
+              </a:xfrm>
+              <a:prstGeom prst="rightArrow">
+                <a:avLst/>
+              </a:prstGeom>
+              <a:solidFill>
+                <a:schemeClr val="tx1"/>
+              </a:solidFill>
+            </p:spPr>
+            <p:style>
+              <a:lnRef idx="2">
+                <a:schemeClr val="accent1">
+                  <a:shade val="15000"/>
+                </a:schemeClr>
+              </a:lnRef>
+              <a:fillRef idx="1">
+                <a:schemeClr val="accent1"/>
+              </a:fillRef>
+              <a:effectRef idx="0">
+                <a:schemeClr val="accent1"/>
+              </a:effectRef>
+              <a:fontRef idx="minor">
+                <a:schemeClr val="lt1"/>
+              </a:fontRef>
+            </p:style>
+            <p:txBody>
+              <a:bodyPr rtlCol="0" anchor="ctr"/>
+              <a:lstStyle/>
+              <a:p>
+                <a:pPr algn="ctr"/>
+                <a:endParaRPr lang="en-US"/>
+              </a:p>
+            </p:txBody>
+          </p:sp>
+        </p:grpSp>
         <p:sp>
           <p:nvSpPr>
-            <p:cNvPr id="9" name="TextBox 8">
+            <p:cNvPr id="23" name="TextBox 22">
               <a:extLst>
                 <a:ext uri="{FF2B5EF4-FFF2-40B4-BE49-F238E27FC236}">
-                  <a16:creationId xmlns:a16="http://schemas.microsoft.com/office/drawing/2014/main" id="{43926F67-4614-E81D-CF2B-FFA14D5FEDC2}"/>
+                  <a16:creationId xmlns:a16="http://schemas.microsoft.com/office/drawing/2014/main" id="{1D1ED6F0-192B-EB3A-2F41-0A1A6D9BFF17}"/>
                 </a:ext>
               </a:extLst>
             </p:cNvPr>
@@ -14910,8 +15807,8 @@
           </p:nvSpPr>
           <p:spPr>
             <a:xfrm>
-              <a:off x="2648394" y="4681981"/>
-              <a:ext cx="2303762" cy="400110"/>
+              <a:off x="2516799" y="4561605"/>
+              <a:ext cx="3164631" cy="369332"/>
             </a:xfrm>
             <a:prstGeom prst="rect">
               <a:avLst/>
@@ -14919,74 +15816,30 @@
             <a:noFill/>
           </p:spPr>
           <p:txBody>
-            <a:bodyPr wrap="square" rtlCol="0">
+            <a:bodyPr wrap="square">
               <a:spAutoFit/>
             </a:bodyPr>
             <a:lstStyle/>
             <a:p>
               <a:r>
-                <a:rPr lang="en-US" sz="2000" dirty="0"/>
-                <a:t>Domain Model - DPI</a:t>
+                <a:rPr lang="en-GB" dirty="0"/>
+                <a:t>Reduces </a:t>
               </a:r>
-            </a:p>
-          </p:txBody>
-        </p:sp>
-        <p:sp>
-          <p:nvSpPr>
-            <p:cNvPr id="13" name="Right Arrow 12">
-              <a:extLst>
-                <a:ext uri="{FF2B5EF4-FFF2-40B4-BE49-F238E27FC236}">
-                  <a16:creationId xmlns:a16="http://schemas.microsoft.com/office/drawing/2014/main" id="{92DCB4C4-E71D-95A1-C221-E0CB05DE8078}"/>
-                </a:ext>
-              </a:extLst>
-            </p:cNvPr>
-            <p:cNvSpPr/>
-            <p:nvPr/>
-          </p:nvSpPr>
-          <p:spPr>
-            <a:xfrm>
-              <a:off x="1915569" y="3261426"/>
-              <a:ext cx="601230" cy="335146"/>
-            </a:xfrm>
-            <a:prstGeom prst="rightArrow">
-              <a:avLst/>
-            </a:prstGeom>
-            <a:solidFill>
-              <a:schemeClr val="tx1"/>
-            </a:solidFill>
-          </p:spPr>
-          <p:style>
-            <a:lnRef idx="2">
-              <a:schemeClr val="accent1">
-                <a:shade val="15000"/>
-              </a:schemeClr>
-            </a:lnRef>
-            <a:fillRef idx="1">
-              <a:schemeClr val="accent1"/>
-            </a:fillRef>
-            <a:effectRef idx="0">
-              <a:schemeClr val="accent1"/>
-            </a:effectRef>
-            <a:fontRef idx="minor">
-              <a:schemeClr val="lt1"/>
-            </a:fontRef>
-          </p:style>
-          <p:txBody>
-            <a:bodyPr rtlCol="0" anchor="ctr"/>
-            <a:lstStyle/>
-            <a:p>
-              <a:pPr algn="ctr"/>
-              <a:endParaRPr lang="en-US"/>
+              <a:r>
+                <a:rPr lang="en-GB" b="1" dirty="0"/>
+                <a:t>conceptual conflict</a:t>
+              </a:r>
+              <a:endParaRPr lang="en-US" dirty="0"/>
             </a:p>
           </p:txBody>
         </p:sp>
       </p:grpSp>
       <p:grpSp>
         <p:nvGrpSpPr>
-          <p:cNvPr id="17" name="Group 16">
-            <a:extLst>
-              <a:ext uri="{FF2B5EF4-FFF2-40B4-BE49-F238E27FC236}">
-                <a16:creationId xmlns:a16="http://schemas.microsoft.com/office/drawing/2014/main" id="{03ABC0DF-5679-1ACA-4074-37CD6D23B14B}"/>
+          <p:cNvPr id="29" name="Group 28">
+            <a:extLst>
+              <a:ext uri="{FF2B5EF4-FFF2-40B4-BE49-F238E27FC236}">
+                <a16:creationId xmlns:a16="http://schemas.microsoft.com/office/drawing/2014/main" id="{39043593-64C2-323A-3A29-D3F7EEABDF0E}"/>
               </a:ext>
             </a:extLst>
           </p:cNvPr>
@@ -14995,65 +15848,170 @@
         </p:nvGrpSpPr>
         <p:grpSpPr>
           <a:xfrm>
-            <a:off x="5280955" y="2021173"/>
-            <a:ext cx="3018886" cy="2949410"/>
-            <a:chOff x="5280955" y="2021173"/>
-            <a:chExt cx="3018886" cy="2949410"/>
+            <a:off x="5280955" y="1461338"/>
+            <a:ext cx="3295053" cy="3370477"/>
+            <a:chOff x="5280955" y="1461338"/>
+            <a:chExt cx="3295053" cy="3370477"/>
           </a:xfrm>
         </p:grpSpPr>
-        <p:pic>
-          <p:nvPicPr>
-            <p:cNvPr id="3081" name="Picture 9" descr="it architecture analyst line icon vector illustration 33064252 Vector Art  at Vecteezy">
+        <p:grpSp>
+          <p:nvGrpSpPr>
+            <p:cNvPr id="17" name="Group 16">
               <a:extLst>
                 <a:ext uri="{FF2B5EF4-FFF2-40B4-BE49-F238E27FC236}">
-                  <a16:creationId xmlns:a16="http://schemas.microsoft.com/office/drawing/2014/main" id="{7A347320-CD02-E540-2335-FFBABE36D2F1}"/>
+                  <a16:creationId xmlns:a16="http://schemas.microsoft.com/office/drawing/2014/main" id="{03ABC0DF-5679-1ACA-4074-37CD6D23B14B}"/>
                 </a:ext>
               </a:extLst>
             </p:cNvPr>
-            <p:cNvPicPr>
-              <a:picLocks noChangeAspect="1" noChangeArrowheads="1"/>
-            </p:cNvPicPr>
+            <p:cNvGrpSpPr/>
             <p:nvPr/>
-          </p:nvPicPr>
-          <p:blipFill rotWithShape="1">
-            <a:blip r:embed="rId6">
+          </p:nvGrpSpPr>
+          <p:grpSpPr>
+            <a:xfrm>
+              <a:off x="5280955" y="1461338"/>
+              <a:ext cx="3018886" cy="2949410"/>
+              <a:chOff x="5280955" y="2021173"/>
+              <a:chExt cx="3018886" cy="2949410"/>
+            </a:xfrm>
+          </p:grpSpPr>
+          <p:pic>
+            <p:nvPicPr>
+              <p:cNvPr id="3081" name="Picture 9" descr="it architecture analyst line icon vector illustration 33064252 Vector Art  at Vecteezy">
+                <a:extLst>
+                  <a:ext uri="{FF2B5EF4-FFF2-40B4-BE49-F238E27FC236}">
+                    <a16:creationId xmlns:a16="http://schemas.microsoft.com/office/drawing/2014/main" id="{7A347320-CD02-E540-2335-FFBABE36D2F1}"/>
+                  </a:ext>
+                </a:extLst>
+              </p:cNvPr>
+              <p:cNvPicPr>
+                <a:picLocks noChangeAspect="1" noChangeArrowheads="1"/>
+              </p:cNvPicPr>
+              <p:nvPr/>
+            </p:nvPicPr>
+            <p:blipFill rotWithShape="1">
+              <a:blip r:embed="rId6">
+                <a:extLst>
+                  <a:ext uri="{28A0092B-C50C-407E-A947-70E740481C1C}">
+                    <a14:useLocalDpi xmlns:a14="http://schemas.microsoft.com/office/drawing/2010/main" val="0"/>
+                  </a:ext>
+                </a:extLst>
+              </a:blip>
+              <a:srcRect l="12853" t="12936" r="12521" b="12836"/>
+              <a:stretch>
+                <a:fillRect/>
+              </a:stretch>
+            </p:blipFill>
+            <p:spPr bwMode="auto">
+              <a:xfrm>
+                <a:off x="5996079" y="2021173"/>
+                <a:ext cx="2303762" cy="2291476"/>
+              </a:xfrm>
+              <a:prstGeom prst="rect">
+                <a:avLst/>
+              </a:prstGeom>
+              <a:noFill/>
               <a:extLst>
-                <a:ext uri="{28A0092B-C50C-407E-A947-70E740481C1C}">
-                  <a14:useLocalDpi xmlns:a14="http://schemas.microsoft.com/office/drawing/2010/main" val="0"/>
+                <a:ext uri="{909E8E84-426E-40DD-AFC4-6F175D3DCCD1}">
+                  <a14:hiddenFill xmlns:a14="http://schemas.microsoft.com/office/drawing/2010/main">
+                    <a:solidFill>
+                      <a:srgbClr val="FFFFFF"/>
+                    </a:solidFill>
+                  </a14:hiddenFill>
                 </a:ext>
               </a:extLst>
-            </a:blip>
-            <a:srcRect l="12853" t="12936" r="12521" b="12836"/>
-            <a:stretch>
-              <a:fillRect/>
-            </a:stretch>
-          </p:blipFill>
-          <p:spPr bwMode="auto">
-            <a:xfrm>
-              <a:off x="5996079" y="2021173"/>
-              <a:ext cx="2303762" cy="2291476"/>
-            </a:xfrm>
-            <a:prstGeom prst="rect">
-              <a:avLst/>
-            </a:prstGeom>
-            <a:noFill/>
-            <a:extLst>
-              <a:ext uri="{909E8E84-426E-40DD-AFC4-6F175D3DCCD1}">
-                <a14:hiddenFill xmlns:a14="http://schemas.microsoft.com/office/drawing/2010/main">
-                  <a:solidFill>
-                    <a:srgbClr val="FFFFFF"/>
-                  </a:solidFill>
-                </a14:hiddenFill>
-              </a:ext>
-            </a:extLst>
-          </p:spPr>
-        </p:pic>
+            </p:spPr>
+          </p:pic>
+          <p:sp>
+            <p:nvSpPr>
+              <p:cNvPr id="10" name="TextBox 9">
+                <a:extLst>
+                  <a:ext uri="{FF2B5EF4-FFF2-40B4-BE49-F238E27FC236}">
+                    <a16:creationId xmlns:a16="http://schemas.microsoft.com/office/drawing/2014/main" id="{AF39F7CB-9092-4C7D-6694-A509B4E1868A}"/>
+                  </a:ext>
+                </a:extLst>
+              </p:cNvPr>
+              <p:cNvSpPr txBox="1"/>
+              <p:nvPr/>
+            </p:nvSpPr>
+            <p:spPr>
+              <a:xfrm>
+                <a:off x="5973845" y="4570473"/>
+                <a:ext cx="2303762" cy="400110"/>
+              </a:xfrm>
+              <a:prstGeom prst="rect">
+                <a:avLst/>
+              </a:prstGeom>
+              <a:noFill/>
+            </p:spPr>
+            <p:txBody>
+              <a:bodyPr wrap="square" rtlCol="0">
+                <a:spAutoFit/>
+              </a:bodyPr>
+              <a:lstStyle/>
+              <a:p>
+                <a:r>
+                  <a:rPr lang="en-US" sz="2000" dirty="0"/>
+                  <a:t>Design Model - DPII</a:t>
+                </a:r>
+              </a:p>
+            </p:txBody>
+          </p:sp>
+          <p:sp>
+            <p:nvSpPr>
+              <p:cNvPr id="14" name="Right Arrow 13">
+                <a:extLst>
+                  <a:ext uri="{FF2B5EF4-FFF2-40B4-BE49-F238E27FC236}">
+                    <a16:creationId xmlns:a16="http://schemas.microsoft.com/office/drawing/2014/main" id="{07A6EF04-AA98-033D-E9B6-313975F54D2D}"/>
+                  </a:ext>
+                </a:extLst>
+              </p:cNvPr>
+              <p:cNvSpPr/>
+              <p:nvPr/>
+            </p:nvSpPr>
+            <p:spPr>
+              <a:xfrm>
+                <a:off x="5280955" y="3261426"/>
+                <a:ext cx="601230" cy="335146"/>
+              </a:xfrm>
+              <a:prstGeom prst="rightArrow">
+                <a:avLst/>
+              </a:prstGeom>
+              <a:solidFill>
+                <a:schemeClr val="tx1"/>
+              </a:solidFill>
+            </p:spPr>
+            <p:style>
+              <a:lnRef idx="2">
+                <a:schemeClr val="accent1">
+                  <a:shade val="15000"/>
+                </a:schemeClr>
+              </a:lnRef>
+              <a:fillRef idx="1">
+                <a:schemeClr val="accent1"/>
+              </a:fillRef>
+              <a:effectRef idx="0">
+                <a:schemeClr val="accent1"/>
+              </a:effectRef>
+              <a:fontRef idx="minor">
+                <a:schemeClr val="lt1"/>
+              </a:fontRef>
+            </p:style>
+            <p:txBody>
+              <a:bodyPr rtlCol="0" anchor="ctr"/>
+              <a:lstStyle/>
+              <a:p>
+                <a:pPr algn="ctr"/>
+                <a:endParaRPr lang="en-US"/>
+              </a:p>
+            </p:txBody>
+          </p:sp>
+        </p:grpSp>
         <p:sp>
           <p:nvSpPr>
-            <p:cNvPr id="10" name="TextBox 9">
+            <p:cNvPr id="25" name="TextBox 24">
               <a:extLst>
                 <a:ext uri="{FF2B5EF4-FFF2-40B4-BE49-F238E27FC236}">
-                  <a16:creationId xmlns:a16="http://schemas.microsoft.com/office/drawing/2014/main" id="{AF39F7CB-9092-4C7D-6694-A509B4E1868A}"/>
+                  <a16:creationId xmlns:a16="http://schemas.microsoft.com/office/drawing/2014/main" id="{0FD73732-1299-7694-D591-A696C666582A}"/>
                 </a:ext>
               </a:extLst>
             </p:cNvPr>
@@ -15062,8 +16020,8 @@
           </p:nvSpPr>
           <p:spPr>
             <a:xfrm>
-              <a:off x="5973845" y="4570473"/>
-              <a:ext cx="2303762" cy="400110"/>
+              <a:off x="5828524" y="4462483"/>
+              <a:ext cx="2747484" cy="369332"/>
             </a:xfrm>
             <a:prstGeom prst="rect">
               <a:avLst/>
@@ -15071,74 +16029,30 @@
             <a:noFill/>
           </p:spPr>
           <p:txBody>
-            <a:bodyPr wrap="square" rtlCol="0">
+            <a:bodyPr wrap="square">
               <a:spAutoFit/>
             </a:bodyPr>
             <a:lstStyle/>
             <a:p>
               <a:r>
-                <a:rPr lang="en-US" sz="2000" dirty="0"/>
-                <a:t>Design Model - DPII</a:t>
+                <a:rPr lang="en-GB" dirty="0"/>
+                <a:t>Reduces </a:t>
               </a:r>
-            </a:p>
-          </p:txBody>
-        </p:sp>
-        <p:sp>
-          <p:nvSpPr>
-            <p:cNvPr id="14" name="Right Arrow 13">
-              <a:extLst>
-                <a:ext uri="{FF2B5EF4-FFF2-40B4-BE49-F238E27FC236}">
-                  <a16:creationId xmlns:a16="http://schemas.microsoft.com/office/drawing/2014/main" id="{07A6EF04-AA98-033D-E9B6-313975F54D2D}"/>
-                </a:ext>
-              </a:extLst>
-            </p:cNvPr>
-            <p:cNvSpPr/>
-            <p:nvPr/>
-          </p:nvSpPr>
-          <p:spPr>
-            <a:xfrm>
-              <a:off x="5280955" y="3261426"/>
-              <a:ext cx="601230" cy="335146"/>
-            </a:xfrm>
-            <a:prstGeom prst="rightArrow">
-              <a:avLst/>
-            </a:prstGeom>
-            <a:solidFill>
-              <a:schemeClr val="tx1"/>
-            </a:solidFill>
-          </p:spPr>
-          <p:style>
-            <a:lnRef idx="2">
-              <a:schemeClr val="accent1">
-                <a:shade val="15000"/>
-              </a:schemeClr>
-            </a:lnRef>
-            <a:fillRef idx="1">
-              <a:schemeClr val="accent1"/>
-            </a:fillRef>
-            <a:effectRef idx="0">
-              <a:schemeClr val="accent1"/>
-            </a:effectRef>
-            <a:fontRef idx="minor">
-              <a:schemeClr val="lt1"/>
-            </a:fontRef>
-          </p:style>
-          <p:txBody>
-            <a:bodyPr rtlCol="0" anchor="ctr"/>
-            <a:lstStyle/>
-            <a:p>
-              <a:pPr algn="ctr"/>
-              <a:endParaRPr lang="en-US"/>
+              <a:r>
+                <a:rPr lang="en-GB" b="1" dirty="0"/>
+                <a:t>structural conflict</a:t>
+              </a:r>
+              <a:endParaRPr lang="en-US" dirty="0"/>
             </a:p>
           </p:txBody>
         </p:sp>
       </p:grpSp>
       <p:grpSp>
         <p:nvGrpSpPr>
-          <p:cNvPr id="18" name="Group 17">
-            <a:extLst>
-              <a:ext uri="{FF2B5EF4-FFF2-40B4-BE49-F238E27FC236}">
-                <a16:creationId xmlns:a16="http://schemas.microsoft.com/office/drawing/2014/main" id="{CD82A67B-C371-3C20-782D-56281CBFD329}"/>
+          <p:cNvPr id="30" name="Group 29">
+            <a:extLst>
+              <a:ext uri="{FF2B5EF4-FFF2-40B4-BE49-F238E27FC236}">
+                <a16:creationId xmlns:a16="http://schemas.microsoft.com/office/drawing/2014/main" id="{58E166D8-A7BF-A001-75A5-BE34A0CB933C}"/>
               </a:ext>
             </a:extLst>
           </p:cNvPr>
@@ -15147,65 +16061,170 @@
         </p:nvGrpSpPr>
         <p:grpSpPr>
           <a:xfrm>
-            <a:off x="8576008" y="2194129"/>
-            <a:ext cx="3158115" cy="2519429"/>
-            <a:chOff x="8576008" y="2194129"/>
-            <a:chExt cx="3158115" cy="2519429"/>
+            <a:off x="8576008" y="1634294"/>
+            <a:ext cx="3447965" cy="2872573"/>
+            <a:chOff x="8576008" y="1634294"/>
+            <a:chExt cx="3447965" cy="2872573"/>
           </a:xfrm>
         </p:grpSpPr>
-        <p:pic>
-          <p:nvPicPr>
-            <p:cNvPr id="3074" name="Picture 2" descr="Pull Request Icons - Free SVG &amp; PNG Pull Request Images - Noun Project">
+        <p:grpSp>
+          <p:nvGrpSpPr>
+            <p:cNvPr id="18" name="Group 17">
               <a:extLst>
                 <a:ext uri="{FF2B5EF4-FFF2-40B4-BE49-F238E27FC236}">
-                  <a16:creationId xmlns:a16="http://schemas.microsoft.com/office/drawing/2014/main" id="{77F94D26-A0AE-BE59-9311-3EA5BDC9BB6A}"/>
+                  <a16:creationId xmlns:a16="http://schemas.microsoft.com/office/drawing/2014/main" id="{CD82A67B-C371-3C20-782D-56281CBFD329}"/>
                 </a:ext>
               </a:extLst>
             </p:cNvPr>
-            <p:cNvPicPr>
-              <a:picLocks noChangeAspect="1" noChangeArrowheads="1"/>
-            </p:cNvPicPr>
+            <p:cNvGrpSpPr/>
             <p:nvPr/>
-          </p:nvPicPr>
-          <p:blipFill>
-            <a:blip r:embed="rId7">
+          </p:nvGrpSpPr>
+          <p:grpSpPr>
+            <a:xfrm>
+              <a:off x="8576008" y="1634294"/>
+              <a:ext cx="3158115" cy="2519429"/>
+              <a:chOff x="8576008" y="2194129"/>
+              <a:chExt cx="3158115" cy="2519429"/>
+            </a:xfrm>
+          </p:grpSpPr>
+          <p:pic>
+            <p:nvPicPr>
+              <p:cNvPr id="3074" name="Picture 2" descr="Pull Request Icons - Free SVG &amp; PNG Pull Request Images - Noun Project">
+                <a:extLst>
+                  <a:ext uri="{FF2B5EF4-FFF2-40B4-BE49-F238E27FC236}">
+                    <a16:creationId xmlns:a16="http://schemas.microsoft.com/office/drawing/2014/main" id="{77F94D26-A0AE-BE59-9311-3EA5BDC9BB6A}"/>
+                  </a:ext>
+                </a:extLst>
+              </p:cNvPr>
+              <p:cNvPicPr>
+                <a:picLocks noChangeAspect="1" noChangeArrowheads="1"/>
+              </p:cNvPicPr>
+              <p:nvPr/>
+            </p:nvPicPr>
+            <p:blipFill>
+              <a:blip r:embed="rId7">
+                <a:extLst>
+                  <a:ext uri="{28A0092B-C50C-407E-A947-70E740481C1C}">
+                    <a14:useLocalDpi xmlns:a14="http://schemas.microsoft.com/office/drawing/2010/main" val="0"/>
+                  </a:ext>
+                </a:extLst>
+              </a:blip>
+              <a:srcRect/>
+              <a:stretch>
+                <a:fillRect/>
+              </a:stretch>
+            </p:blipFill>
+            <p:spPr bwMode="auto">
+              <a:xfrm rot="5400000">
+                <a:off x="9184717" y="2085173"/>
+                <a:ext cx="1925092" cy="2143004"/>
+              </a:xfrm>
+              <a:prstGeom prst="rect">
+                <a:avLst/>
+              </a:prstGeom>
+              <a:noFill/>
               <a:extLst>
-                <a:ext uri="{28A0092B-C50C-407E-A947-70E740481C1C}">
-                  <a14:useLocalDpi xmlns:a14="http://schemas.microsoft.com/office/drawing/2010/main" val="0"/>
+                <a:ext uri="{909E8E84-426E-40DD-AFC4-6F175D3DCCD1}">
+                  <a14:hiddenFill xmlns:a14="http://schemas.microsoft.com/office/drawing/2010/main">
+                    <a:solidFill>
+                      <a:srgbClr val="FFFFFF"/>
+                    </a:solidFill>
+                  </a14:hiddenFill>
                 </a:ext>
               </a:extLst>
-            </a:blip>
-            <a:srcRect/>
-            <a:stretch>
-              <a:fillRect/>
-            </a:stretch>
-          </p:blipFill>
-          <p:spPr bwMode="auto">
-            <a:xfrm rot="5400000">
-              <a:off x="9184717" y="2085173"/>
-              <a:ext cx="1925092" cy="2143004"/>
-            </a:xfrm>
-            <a:prstGeom prst="rect">
-              <a:avLst/>
-            </a:prstGeom>
-            <a:noFill/>
-            <a:extLst>
-              <a:ext uri="{909E8E84-426E-40DD-AFC4-6F175D3DCCD1}">
-                <a14:hiddenFill xmlns:a14="http://schemas.microsoft.com/office/drawing/2010/main">
-                  <a:solidFill>
-                    <a:srgbClr val="FFFFFF"/>
-                  </a:solidFill>
-                </a14:hiddenFill>
-              </a:ext>
-            </a:extLst>
-          </p:spPr>
-        </p:pic>
+            </p:spPr>
+          </p:pic>
+          <p:sp>
+            <p:nvSpPr>
+              <p:cNvPr id="11" name="TextBox 10">
+                <a:extLst>
+                  <a:ext uri="{FF2B5EF4-FFF2-40B4-BE49-F238E27FC236}">
+                    <a16:creationId xmlns:a16="http://schemas.microsoft.com/office/drawing/2014/main" id="{45B8A00F-85CD-0373-6208-77AB24E31BD7}"/>
+                  </a:ext>
+                </a:extLst>
+              </p:cNvPr>
+              <p:cNvSpPr txBox="1"/>
+              <p:nvPr/>
+            </p:nvSpPr>
+            <p:spPr>
+              <a:xfrm>
+                <a:off x="8876623" y="4313448"/>
+                <a:ext cx="2857500" cy="400110"/>
+              </a:xfrm>
+              <a:prstGeom prst="rect">
+                <a:avLst/>
+              </a:prstGeom>
+              <a:noFill/>
+            </p:spPr>
+            <p:txBody>
+              <a:bodyPr wrap="square" rtlCol="0">
+                <a:spAutoFit/>
+              </a:bodyPr>
+              <a:lstStyle/>
+              <a:p>
+                <a:r>
+                  <a:rPr lang="en-US" sz="2000" dirty="0"/>
+                  <a:t>Implementation + PR + CI</a:t>
+                </a:r>
+              </a:p>
+            </p:txBody>
+          </p:sp>
+          <p:sp>
+            <p:nvSpPr>
+              <p:cNvPr id="15" name="Right Arrow 14">
+                <a:extLst>
+                  <a:ext uri="{FF2B5EF4-FFF2-40B4-BE49-F238E27FC236}">
+                    <a16:creationId xmlns:a16="http://schemas.microsoft.com/office/drawing/2014/main" id="{3251922D-FC0C-7809-F87F-C7087C1E5C10}"/>
+                  </a:ext>
+                </a:extLst>
+              </p:cNvPr>
+              <p:cNvSpPr/>
+              <p:nvPr/>
+            </p:nvSpPr>
+            <p:spPr>
+              <a:xfrm>
+                <a:off x="8576008" y="3046473"/>
+                <a:ext cx="601230" cy="335146"/>
+              </a:xfrm>
+              <a:prstGeom prst="rightArrow">
+                <a:avLst/>
+              </a:prstGeom>
+              <a:solidFill>
+                <a:schemeClr val="tx1"/>
+              </a:solidFill>
+            </p:spPr>
+            <p:style>
+              <a:lnRef idx="2">
+                <a:schemeClr val="accent1">
+                  <a:shade val="15000"/>
+                </a:schemeClr>
+              </a:lnRef>
+              <a:fillRef idx="1">
+                <a:schemeClr val="accent1"/>
+              </a:fillRef>
+              <a:effectRef idx="0">
+                <a:schemeClr val="accent1"/>
+              </a:effectRef>
+              <a:fontRef idx="minor">
+                <a:schemeClr val="lt1"/>
+              </a:fontRef>
+            </p:style>
+            <p:txBody>
+              <a:bodyPr rtlCol="0" anchor="ctr"/>
+              <a:lstStyle/>
+              <a:p>
+                <a:pPr algn="ctr"/>
+                <a:endParaRPr lang="en-US"/>
+              </a:p>
+            </p:txBody>
+          </p:sp>
+        </p:grpSp>
         <p:sp>
           <p:nvSpPr>
-            <p:cNvPr id="11" name="TextBox 10">
+            <p:cNvPr id="27" name="TextBox 26">
               <a:extLst>
                 <a:ext uri="{FF2B5EF4-FFF2-40B4-BE49-F238E27FC236}">
-                  <a16:creationId xmlns:a16="http://schemas.microsoft.com/office/drawing/2014/main" id="{45B8A00F-85CD-0373-6208-77AB24E31BD7}"/>
+                  <a16:creationId xmlns:a16="http://schemas.microsoft.com/office/drawing/2014/main" id="{39EBA464-B239-E4B5-FA49-F3D3DFBB3F87}"/>
                 </a:ext>
               </a:extLst>
             </p:cNvPr>
@@ -15214,8 +16233,8 @@
           </p:nvSpPr>
           <p:spPr>
             <a:xfrm>
-              <a:off x="8876623" y="4313448"/>
-              <a:ext cx="2857500" cy="400110"/>
+              <a:off x="8900450" y="4137535"/>
+              <a:ext cx="3123523" cy="369332"/>
             </a:xfrm>
             <a:prstGeom prst="rect">
               <a:avLst/>
@@ -15223,97 +16242,24 @@
             <a:noFill/>
           </p:spPr>
           <p:txBody>
-            <a:bodyPr wrap="square" rtlCol="0">
+            <a:bodyPr wrap="square">
               <a:spAutoFit/>
             </a:bodyPr>
             <a:lstStyle/>
             <a:p>
               <a:r>
-                <a:rPr lang="en-US" sz="2000" dirty="0"/>
-                <a:t>Implementation + PR + CI</a:t>
+                <a:rPr lang="en-GB" dirty="0"/>
+                <a:t>CI reduces </a:t>
               </a:r>
-            </a:p>
-          </p:txBody>
-        </p:sp>
-        <p:sp>
-          <p:nvSpPr>
-            <p:cNvPr id="15" name="Right Arrow 14">
-              <a:extLst>
-                <a:ext uri="{FF2B5EF4-FFF2-40B4-BE49-F238E27FC236}">
-                  <a16:creationId xmlns:a16="http://schemas.microsoft.com/office/drawing/2014/main" id="{3251922D-FC0C-7809-F87F-C7087C1E5C10}"/>
-                </a:ext>
-              </a:extLst>
-            </p:cNvPr>
-            <p:cNvSpPr/>
-            <p:nvPr/>
-          </p:nvSpPr>
-          <p:spPr>
-            <a:xfrm>
-              <a:off x="8576008" y="3046473"/>
-              <a:ext cx="601230" cy="335146"/>
-            </a:xfrm>
-            <a:prstGeom prst="rightArrow">
-              <a:avLst/>
-            </a:prstGeom>
-            <a:solidFill>
-              <a:schemeClr val="tx1"/>
-            </a:solidFill>
-          </p:spPr>
-          <p:style>
-            <a:lnRef idx="2">
-              <a:schemeClr val="accent1">
-                <a:shade val="15000"/>
-              </a:schemeClr>
-            </a:lnRef>
-            <a:fillRef idx="1">
-              <a:schemeClr val="accent1"/>
-            </a:fillRef>
-            <a:effectRef idx="0">
-              <a:schemeClr val="accent1"/>
-            </a:effectRef>
-            <a:fontRef idx="minor">
-              <a:schemeClr val="lt1"/>
-            </a:fontRef>
-          </p:style>
-          <p:txBody>
-            <a:bodyPr rtlCol="0" anchor="ctr"/>
-            <a:lstStyle/>
-            <a:p>
-              <a:pPr algn="ctr"/>
-              <a:endParaRPr lang="en-US"/>
+              <a:r>
+                <a:rPr lang="en-GB" b="1" dirty="0"/>
+                <a:t>integration conflict</a:t>
+              </a:r>
+              <a:endParaRPr lang="en-US" dirty="0"/>
             </a:p>
           </p:txBody>
         </p:sp>
       </p:grpSp>
-      <p:sp>
-        <p:nvSpPr>
-          <p:cNvPr id="19" name="Slide Number Placeholder 18">
-            <a:extLst>
-              <a:ext uri="{FF2B5EF4-FFF2-40B4-BE49-F238E27FC236}">
-                <a16:creationId xmlns:a16="http://schemas.microsoft.com/office/drawing/2014/main" id="{964C6481-2B05-7438-8D78-53426A493C78}"/>
-              </a:ext>
-            </a:extLst>
-          </p:cNvPr>
-          <p:cNvSpPr>
-            <a:spLocks noGrp="1"/>
-          </p:cNvSpPr>
-          <p:nvPr>
-            <p:ph type="sldNum" sz="quarter" idx="12"/>
-          </p:nvPr>
-        </p:nvSpPr>
-        <p:spPr/>
-        <p:txBody>
-          <a:bodyPr/>
-          <a:lstStyle/>
-          <a:p>
-            <a:fld id="{76FC44FA-978A-2F4D-B308-AF3FA2E1E6ED}" type="slidenum">
-              <a:rPr lang="en-BE" smtClean="0"/>
-              <a:t>3</a:t>
-            </a:fld>
-            <a:endParaRPr lang="en-BE"/>
-          </a:p>
-        </p:txBody>
-      </p:sp>
     </p:spTree>
     <p:extLst>
       <p:ext uri="{BB962C8B-B14F-4D97-AF65-F5344CB8AC3E}">
@@ -15403,7 +16349,7 @@
                                           </p:stCondLst>
                                         </p:cTn>
                                         <p:tgtEl>
-                                          <p:spTgt spid="16"/>
+                                          <p:spTgt spid="28"/>
                                         </p:tgtEl>
                                         <p:attrNameLst>
                                           <p:attrName>style.visibility</p:attrName>
@@ -15448,7 +16394,7 @@
                                           </p:stCondLst>
                                         </p:cTn>
                                         <p:tgtEl>
-                                          <p:spTgt spid="17"/>
+                                          <p:spTgt spid="29"/>
                                         </p:tgtEl>
                                         <p:attrNameLst>
                                           <p:attrName>style.visibility</p:attrName>
@@ -15493,7 +16439,52 @@
                                           </p:stCondLst>
                                         </p:cTn>
                                         <p:tgtEl>
-                                          <p:spTgt spid="18"/>
+                                          <p:spTgt spid="30"/>
+                                        </p:tgtEl>
+                                        <p:attrNameLst>
+                                          <p:attrName>style.visibility</p:attrName>
+                                        </p:attrNameLst>
+                                      </p:cBhvr>
+                                      <p:to>
+                                        <p:strVal val="visible"/>
+                                      </p:to>
+                                    </p:set>
+                                  </p:childTnLst>
+                                </p:cTn>
+                              </p:par>
+                            </p:childTnLst>
+                          </p:cTn>
+                        </p:par>
+                      </p:childTnLst>
+                    </p:cTn>
+                  </p:par>
+                  <p:par>
+                    <p:cTn id="19" fill="hold">
+                      <p:stCondLst>
+                        <p:cond delay="indefinite"/>
+                      </p:stCondLst>
+                      <p:childTnLst>
+                        <p:par>
+                          <p:cTn id="20" fill="hold">
+                            <p:stCondLst>
+                              <p:cond delay="0"/>
+                            </p:stCondLst>
+                            <p:childTnLst>
+                              <p:par>
+                                <p:cTn id="21" presetID="1" presetClass="entr" presetSubtype="0" fill="hold" grpId="0" nodeType="clickEffect">
+                                  <p:stCondLst>
+                                    <p:cond delay="0"/>
+                                  </p:stCondLst>
+                                  <p:childTnLst>
+                                    <p:set>
+                                      <p:cBhvr>
+                                        <p:cTn id="22" dur="1" fill="hold">
+                                          <p:stCondLst>
+                                            <p:cond delay="0"/>
+                                          </p:stCondLst>
+                                        </p:cTn>
+                                        <p:tgtEl>
+                                          <p:spTgt spid="21"/>
                                         </p:tgtEl>
                                         <p:attrNameLst>
                                           <p:attrName>style.visibility</p:attrName>
@@ -15533,11 +16524,14 @@
         </p:cTn>
       </p:par>
     </p:tnLst>
+    <p:bldLst>
+      <p:bldP spid="21" grpId="0" animBg="1"/>
+    </p:bldLst>
   </p:timing>
 </p:sld>
 </file>
 
-<file path=ppt/slides/slide4.xml><?xml version="1.0" encoding="utf-8"?>
+<file path=ppt/slides/slide5.xml><?xml version="1.0" encoding="utf-8"?>
 <p:sld xmlns:a="http://schemas.openxmlformats.org/drawingml/2006/main" xmlns:r="http://schemas.openxmlformats.org/officeDocument/2006/relationships" xmlns:p="http://schemas.openxmlformats.org/presentationml/2006/main">
   <p:cSld>
     <p:spTree>
@@ -15602,7 +16596,7 @@
         </p:nvGrpSpPr>
         <p:grpSpPr>
           <a:xfrm>
-            <a:off x="477669" y="1283711"/>
+            <a:off x="1765294" y="1333225"/>
             <a:ext cx="3930557" cy="5094991"/>
             <a:chOff x="477669" y="1283711"/>
             <a:chExt cx="3930557" cy="5094991"/>
@@ -16150,7 +17144,7 @@
         </p:nvGrpSpPr>
         <p:grpSpPr>
           <a:xfrm>
-            <a:off x="7783775" y="1250730"/>
+            <a:off x="7007335" y="1259780"/>
             <a:ext cx="3930557" cy="5096570"/>
             <a:chOff x="7783775" y="1250730"/>
             <a:chExt cx="3930557" cy="5096570"/>
@@ -16707,7 +17701,7 @@
           <a:p>
             <a:fld id="{76FC44FA-978A-2F4D-B308-AF3FA2E1E6ED}" type="slidenum">
               <a:rPr lang="en-BE" smtClean="0"/>
-              <a:t>4</a:t>
+              <a:t>5</a:t>
             </a:fld>
             <a:endParaRPr lang="en-BE"/>
           </a:p>
@@ -16726,7 +17720,7 @@
 </p:sld>
 </file>
 
-<file path=ppt/slides/slide5.xml><?xml version="1.0" encoding="utf-8"?>
+<file path=ppt/slides/slide6.xml><?xml version="1.0" encoding="utf-8"?>
 <p:sld xmlns:a="http://schemas.openxmlformats.org/drawingml/2006/main" xmlns:r="http://schemas.openxmlformats.org/officeDocument/2006/relationships" xmlns:p="http://schemas.openxmlformats.org/presentationml/2006/main">
   <p:cSld>
     <p:spTree>
@@ -17268,7 +18262,7 @@
           <a:p>
             <a:fld id="{76FC44FA-978A-2F4D-B308-AF3FA2E1E6ED}" type="slidenum">
               <a:rPr lang="en-BE" smtClean="0"/>
-              <a:t>5</a:t>
+              <a:t>6</a:t>
             </a:fld>
             <a:endParaRPr lang="en-BE"/>
           </a:p>
@@ -17621,7 +18615,7 @@
 </p:sld>
 </file>
 
-<file path=ppt/slides/slide6.xml><?xml version="1.0" encoding="utf-8"?>
+<file path=ppt/slides/slide7.xml><?xml version="1.0" encoding="utf-8"?>
 <p:sld xmlns:a="http://schemas.openxmlformats.org/drawingml/2006/main" xmlns:r="http://schemas.openxmlformats.org/officeDocument/2006/relationships" xmlns:p="http://schemas.openxmlformats.org/presentationml/2006/main">
   <p:cSld>
     <p:spTree>
@@ -17854,7 +18848,7 @@
           <a:p>
             <a:fld id="{76FC44FA-978A-2F4D-B308-AF3FA2E1E6ED}" type="slidenum">
               <a:rPr lang="en-BE" smtClean="0"/>
-              <a:t>6</a:t>
+              <a:t>7</a:t>
             </a:fld>
             <a:endParaRPr lang="en-BE"/>
           </a:p>
@@ -18443,7 +19437,7 @@
 </p:sld>
 </file>
 
-<file path=ppt/slides/slide7.xml><?xml version="1.0" encoding="utf-8"?>
+<file path=ppt/slides/slide8.xml><?xml version="1.0" encoding="utf-8"?>
 <p:sld xmlns:a="http://schemas.openxmlformats.org/drawingml/2006/main" xmlns:r="http://schemas.openxmlformats.org/officeDocument/2006/relationships" xmlns:p="http://schemas.openxmlformats.org/presentationml/2006/main">
   <p:cSld>
     <p:spTree>
@@ -18523,7 +19517,7 @@
           <a:p>
             <a:fld id="{76FC44FA-978A-2F4D-B308-AF3FA2E1E6ED}" type="slidenum">
               <a:rPr lang="en-BE" smtClean="0"/>
-              <a:t>7</a:t>
+              <a:t>8</a:t>
             </a:fld>
             <a:endParaRPr lang="en-BE"/>
           </a:p>
@@ -18569,10 +19563,6 @@
             <a:pPr>
               <a:buNone/>
             </a:pPr>
-            <a:r>
-              <a:rPr lang="en-GB" sz="2400" b="1" dirty="0"/>
-              <a:t>(DP II – Design Model)</a:t>
-            </a:r>
             <a:endParaRPr lang="en-GB" sz="2400" dirty="0"/>
           </a:p>
           <a:p>
@@ -18709,18 +19699,6 @@
             </a:r>
           </a:p>
           <a:p>
-            <a:r>
-              <a:rPr lang="en-GB" sz="2400" b="1" dirty="0"/>
-              <a:t>(DP I – Domain </a:t>
-            </a:r>
-            <a:r>
-              <a:rPr lang="en-GB" sz="2400" b="1" dirty="0" err="1"/>
-              <a:t>Behavior</a:t>
-            </a:r>
-            <a:r>
-              <a:rPr lang="en-GB" sz="2400" b="1" dirty="0"/>
-              <a:t>)</a:t>
-            </a:r>
             <a:endParaRPr lang="en-GB" sz="2400" dirty="0"/>
           </a:p>
           <a:p>
@@ -18947,11 +19925,7 @@
                                           </p:stCondLst>
                                         </p:cTn>
                                         <p:tgtEl>
-                                          <p:spTgt spid="3">
-                                            <p:txEl>
-                                              <p:pRg st="1" end="1"/>
-                                            </p:txEl>
-                                          </p:spTgt>
+                                          <p:spTgt spid="9"/>
                                         </p:tgtEl>
                                         <p:attrNameLst>
                                           <p:attrName>style.visibility</p:attrName>
@@ -18978,9 +19952,9 @@
                                           </p:stCondLst>
                                         </p:cTn>
                                         <p:tgtEl>
-                                          <p:spTgt spid="3">
+                                          <p:spTgt spid="5">
                                             <p:txEl>
-                                              <p:pRg st="2" end="2"/>
+                                              <p:pRg st="0" end="0"/>
                                             </p:txEl>
                                           </p:spTgt>
                                         </p:tgtEl>
@@ -19029,7 +20003,7 @@
                                         <p:tgtEl>
                                           <p:spTgt spid="3">
                                             <p:txEl>
-                                              <p:pRg st="3" end="3"/>
+                                              <p:pRg st="2" end="2"/>
                                             </p:txEl>
                                           </p:spTgt>
                                         </p:tgtEl>
@@ -19044,39 +20018,26 @@
                                   </p:childTnLst>
                                 </p:cTn>
                               </p:par>
+                            </p:childTnLst>
+                          </p:cTn>
+                        </p:par>
+                      </p:childTnLst>
+                    </p:cTn>
+                  </p:par>
+                  <p:par>
+                    <p:cTn id="15" fill="hold">
+                      <p:stCondLst>
+                        <p:cond delay="indefinite"/>
+                      </p:stCondLst>
+                      <p:childTnLst>
+                        <p:par>
+                          <p:cTn id="16" fill="hold">
+                            <p:stCondLst>
+                              <p:cond delay="0"/>
+                            </p:stCondLst>
+                            <p:childTnLst>
                               <p:par>
-                                <p:cTn id="15" presetID="1" presetClass="entr" presetSubtype="0" fill="hold" nodeType="withEffect">
-                                  <p:stCondLst>
-                                    <p:cond delay="0"/>
-                                  </p:stCondLst>
-                                  <p:childTnLst>
-                                    <p:set>
-                                      <p:cBhvr>
-                                        <p:cTn id="16" dur="1" fill="hold">
-                                          <p:stCondLst>
-                                            <p:cond delay="0"/>
-                                          </p:stCondLst>
-                                        </p:cTn>
-                                        <p:tgtEl>
-                                          <p:spTgt spid="3">
-                                            <p:txEl>
-                                              <p:pRg st="4" end="4"/>
-                                            </p:txEl>
-                                          </p:spTgt>
-                                        </p:tgtEl>
-                                        <p:attrNameLst>
-                                          <p:attrName>style.visibility</p:attrName>
-                                        </p:attrNameLst>
-                                      </p:cBhvr>
-                                      <p:to>
-                                        <p:strVal val="visible"/>
-                                      </p:to>
-                                    </p:set>
-                                  </p:childTnLst>
-                                </p:cTn>
-                              </p:par>
-                              <p:par>
-                                <p:cTn id="17" presetID="1" presetClass="entr" presetSubtype="0" fill="hold" nodeType="withEffect">
+                                <p:cTn id="17" presetID="1" presetClass="entr" presetSubtype="0" fill="hold" nodeType="clickEffect">
                                   <p:stCondLst>
                                     <p:cond delay="0"/>
                                   </p:stCondLst>
@@ -19091,7 +20052,7 @@
                                         <p:tgtEl>
                                           <p:spTgt spid="3">
                                             <p:txEl>
-                                              <p:pRg st="5" end="5"/>
+                                              <p:pRg st="3" end="3"/>
                                             </p:txEl>
                                           </p:spTgt>
                                         </p:tgtEl>
@@ -19122,7 +20083,7 @@
                                         <p:tgtEl>
                                           <p:spTgt spid="3">
                                             <p:txEl>
-                                              <p:pRg st="6" end="6"/>
+                                              <p:pRg st="4" end="4"/>
                                             </p:txEl>
                                           </p:spTgt>
                                         </p:tgtEl>
@@ -19153,6 +20114,68 @@
                                         <p:tgtEl>
                                           <p:spTgt spid="3">
                                             <p:txEl>
+                                              <p:pRg st="5" end="5"/>
+                                            </p:txEl>
+                                          </p:spTgt>
+                                        </p:tgtEl>
+                                        <p:attrNameLst>
+                                          <p:attrName>style.visibility</p:attrName>
+                                        </p:attrNameLst>
+                                      </p:cBhvr>
+                                      <p:to>
+                                        <p:strVal val="visible"/>
+                                      </p:to>
+                                    </p:set>
+                                  </p:childTnLst>
+                                </p:cTn>
+                              </p:par>
+                              <p:par>
+                                <p:cTn id="23" presetID="1" presetClass="entr" presetSubtype="0" fill="hold" nodeType="withEffect">
+                                  <p:stCondLst>
+                                    <p:cond delay="0"/>
+                                  </p:stCondLst>
+                                  <p:childTnLst>
+                                    <p:set>
+                                      <p:cBhvr>
+                                        <p:cTn id="24" dur="1" fill="hold">
+                                          <p:stCondLst>
+                                            <p:cond delay="0"/>
+                                          </p:stCondLst>
+                                        </p:cTn>
+                                        <p:tgtEl>
+                                          <p:spTgt spid="3">
+                                            <p:txEl>
+                                              <p:pRg st="6" end="6"/>
+                                            </p:txEl>
+                                          </p:spTgt>
+                                        </p:tgtEl>
+                                        <p:attrNameLst>
+                                          <p:attrName>style.visibility</p:attrName>
+                                        </p:attrNameLst>
+                                      </p:cBhvr>
+                                      <p:to>
+                                        <p:strVal val="visible"/>
+                                      </p:to>
+                                    </p:set>
+                                  </p:childTnLst>
+                                </p:cTn>
+                              </p:par>
+                              <p:par>
+                                <p:cTn id="25" presetID="1" presetClass="entr" presetSubtype="0" fill="hold" nodeType="withEffect">
+                                  <p:stCondLst>
+                                    <p:cond delay="0"/>
+                                  </p:stCondLst>
+                                  <p:childTnLst>
+                                    <p:set>
+                                      <p:cBhvr>
+                                        <p:cTn id="26" dur="1" fill="hold">
+                                          <p:stCondLst>
+                                            <p:cond delay="0"/>
+                                          </p:stCondLst>
+                                        </p:cTn>
+                                        <p:tgtEl>
+                                          <p:spTgt spid="3">
+                                            <p:txEl>
                                               <p:pRg st="7" end="7"/>
                                             </p:txEl>
                                           </p:spTgt>
@@ -19175,26 +20198,26 @@
                     </p:cTn>
                   </p:par>
                   <p:par>
-                    <p:cTn id="23" fill="hold">
+                    <p:cTn id="27" fill="hold">
                       <p:stCondLst>
                         <p:cond delay="indefinite"/>
                       </p:stCondLst>
                       <p:childTnLst>
                         <p:par>
-                          <p:cTn id="24" fill="hold">
+                          <p:cTn id="28" fill="hold">
                             <p:stCondLst>
                               <p:cond delay="0"/>
                             </p:stCondLst>
                             <p:childTnLst>
                               <p:par>
-                                <p:cTn id="25" presetID="1" presetClass="entr" presetSubtype="0" fill="hold" nodeType="clickEffect">
+                                <p:cTn id="29" presetID="1" presetClass="entr" presetSubtype="0" fill="hold" nodeType="clickEffect">
                                   <p:stCondLst>
                                     <p:cond delay="0"/>
                                   </p:stCondLst>
                                   <p:childTnLst>
                                     <p:set>
                                       <p:cBhvr>
-                                        <p:cTn id="26" dur="1" fill="hold">
+                                        <p:cTn id="30" dur="1" fill="hold">
                                           <p:stCondLst>
                                             <p:cond delay="0"/>
                                           </p:stCondLst>
@@ -19218,14 +20241,14 @@
                                 </p:cTn>
                               </p:par>
                               <p:par>
-                                <p:cTn id="27" presetID="1" presetClass="entr" presetSubtype="0" fill="hold" nodeType="withEffect">
+                                <p:cTn id="31" presetID="1" presetClass="entr" presetSubtype="0" fill="hold" nodeType="withEffect">
                                   <p:stCondLst>
                                     <p:cond delay="0"/>
                                   </p:stCondLst>
                                   <p:childTnLst>
                                     <p:set>
                                       <p:cBhvr>
-                                        <p:cTn id="28" dur="1" fill="hold">
+                                        <p:cTn id="32" dur="1" fill="hold">
                                           <p:stCondLst>
                                             <p:cond delay="0"/>
                                           </p:stCondLst>
@@ -19255,81 +20278,19 @@
                     </p:cTn>
                   </p:par>
                   <p:par>
-                    <p:cTn id="29" fill="hold">
+                    <p:cTn id="33" fill="hold">
                       <p:stCondLst>
                         <p:cond delay="indefinite"/>
                       </p:stCondLst>
                       <p:childTnLst>
                         <p:par>
-                          <p:cTn id="30" fill="hold">
+                          <p:cTn id="34" fill="hold">
                             <p:stCondLst>
                               <p:cond delay="0"/>
                             </p:stCondLst>
                             <p:childTnLst>
                               <p:par>
-                                <p:cTn id="31" presetID="1" presetClass="entr" presetSubtype="0" fill="hold" nodeType="clickEffect">
-                                  <p:stCondLst>
-                                    <p:cond delay="0"/>
-                                  </p:stCondLst>
-                                  <p:childTnLst>
-                                    <p:set>
-                                      <p:cBhvr>
-                                        <p:cTn id="32" dur="1" fill="hold">
-                                          <p:stCondLst>
-                                            <p:cond delay="0"/>
-                                          </p:stCondLst>
-                                        </p:cTn>
-                                        <p:tgtEl>
-                                          <p:spTgt spid="5">
-                                            <p:txEl>
-                                              <p:pRg st="0" end="0"/>
-                                            </p:txEl>
-                                          </p:spTgt>
-                                        </p:tgtEl>
-                                        <p:attrNameLst>
-                                          <p:attrName>style.visibility</p:attrName>
-                                        </p:attrNameLst>
-                                      </p:cBhvr>
-                                      <p:to>
-                                        <p:strVal val="visible"/>
-                                      </p:to>
-                                    </p:set>
-                                  </p:childTnLst>
-                                </p:cTn>
-                              </p:par>
-                              <p:par>
-                                <p:cTn id="33" presetID="1" presetClass="entr" presetSubtype="0" fill="hold" nodeType="withEffect">
-                                  <p:stCondLst>
-                                    <p:cond delay="0"/>
-                                  </p:stCondLst>
-                                  <p:childTnLst>
-                                    <p:set>
-                                      <p:cBhvr>
-                                        <p:cTn id="34" dur="1" fill="hold">
-                                          <p:stCondLst>
-                                            <p:cond delay="0"/>
-                                          </p:stCondLst>
-                                        </p:cTn>
-                                        <p:tgtEl>
-                                          <p:spTgt spid="5">
-                                            <p:txEl>
-                                              <p:pRg st="1" end="1"/>
-                                            </p:txEl>
-                                          </p:spTgt>
-                                        </p:tgtEl>
-                                        <p:attrNameLst>
-                                          <p:attrName>style.visibility</p:attrName>
-                                        </p:attrNameLst>
-                                      </p:cBhvr>
-                                      <p:to>
-                                        <p:strVal val="visible"/>
-                                      </p:to>
-                                    </p:set>
-                                  </p:childTnLst>
-                                </p:cTn>
-                              </p:par>
-                              <p:par>
-                                <p:cTn id="35" presetID="1" presetClass="entr" presetSubtype="0" fill="hold" nodeType="withEffect">
+                                <p:cTn id="35" presetID="1" presetClass="entr" presetSubtype="0" fill="hold" nodeType="clickEffect">
                                   <p:stCondLst>
                                     <p:cond delay="0"/>
                                   </p:stCondLst>
@@ -19660,7 +20621,7 @@
 </p:sld>
 </file>
 
-<file path=ppt/slides/slide8.xml><?xml version="1.0" encoding="utf-8"?>
+<file path=ppt/slides/slide9.xml><?xml version="1.0" encoding="utf-8"?>
 <p:sld xmlns:a="http://schemas.openxmlformats.org/drawingml/2006/main" xmlns:r="http://schemas.openxmlformats.org/officeDocument/2006/relationships" xmlns:p="http://schemas.openxmlformats.org/presentationml/2006/main">
   <p:cSld>
     <p:spTree>
@@ -19739,8 +20700,8 @@
         </p:blipFill>
         <p:spPr>
           <a:xfrm>
-            <a:off x="5121511" y="1064525"/>
-            <a:ext cx="5757983" cy="4580214"/>
+            <a:off x="5121511" y="1064524"/>
+            <a:ext cx="6093885" cy="4847409"/>
           </a:xfrm>
           <a:prstGeom prst="rect">
             <a:avLst/>
@@ -19808,7 +20769,7 @@
         </p:nvSpPr>
         <p:spPr>
           <a:xfrm>
-            <a:off x="4519625" y="6010860"/>
+            <a:off x="4519625" y="6085504"/>
             <a:ext cx="6834175" cy="461665"/>
           </a:xfrm>
           <a:prstGeom prst="rect">
@@ -20011,345 +20972,6 @@
     </p:tnLst>
     <p:bldLst>
       <p:bldP spid="8" grpId="0" animBg="1"/>
-    </p:bldLst>
-  </p:timing>
-</p:sld>
-</file>
-
-<file path=ppt/slides/slide9.xml><?xml version="1.0" encoding="utf-8"?>
-<p:sld xmlns:a="http://schemas.openxmlformats.org/drawingml/2006/main" xmlns:r="http://schemas.openxmlformats.org/officeDocument/2006/relationships" xmlns:p="http://schemas.openxmlformats.org/presentationml/2006/main">
-  <p:cSld>
-    <p:spTree>
-      <p:nvGrpSpPr>
-        <p:cNvPr id="1" name="">
-          <a:extLst>
-            <a:ext uri="{FF2B5EF4-FFF2-40B4-BE49-F238E27FC236}">
-              <a16:creationId xmlns:a16="http://schemas.microsoft.com/office/drawing/2014/main" id="{1D93AA2D-010E-DD16-BB32-786E16F71A5C}"/>
-            </a:ext>
-          </a:extLst>
-        </p:cNvPr>
-        <p:cNvGrpSpPr/>
-        <p:nvPr/>
-      </p:nvGrpSpPr>
-      <p:grpSpPr>
-        <a:xfrm>
-          <a:off x="0" y="0"/>
-          <a:ext cx="0" cy="0"/>
-          <a:chOff x="0" y="0"/>
-          <a:chExt cx="0" cy="0"/>
-        </a:xfrm>
-      </p:grpSpPr>
-      <p:sp>
-        <p:nvSpPr>
-          <p:cNvPr id="4" name="Title 1">
-            <a:extLst>
-              <a:ext uri="{FF2B5EF4-FFF2-40B4-BE49-F238E27FC236}">
-                <a16:creationId xmlns:a16="http://schemas.microsoft.com/office/drawing/2014/main" id="{B51741D5-4469-65B4-E6AB-1840E0AA0463}"/>
-              </a:ext>
-            </a:extLst>
-          </p:cNvPr>
-          <p:cNvSpPr>
-            <a:spLocks noGrp="1"/>
-          </p:cNvSpPr>
-          <p:nvPr>
-            <p:ph type="title"/>
-          </p:nvPr>
-        </p:nvSpPr>
-        <p:spPr>
-          <a:xfrm>
-            <a:off x="838200" y="37676"/>
-            <a:ext cx="10515600" cy="1026849"/>
-          </a:xfrm>
-        </p:spPr>
-        <p:txBody>
-          <a:bodyPr/>
-          <a:lstStyle/>
-          <a:p>
-            <a:r>
-              <a:rPr lang="en-GB" b="1" dirty="0"/>
-              <a:t>Think of Google Maps</a:t>
-            </a:r>
-            <a:endParaRPr lang="en-GB" dirty="0"/>
-          </a:p>
-        </p:txBody>
-      </p:sp>
-      <p:pic>
-        <p:nvPicPr>
-          <p:cNvPr id="7" name="Picture 6" descr="A map of a city and street&#10;&#10;AI-generated content may be incorrect.">
-            <a:extLst>
-              <a:ext uri="{FF2B5EF4-FFF2-40B4-BE49-F238E27FC236}">
-                <a16:creationId xmlns:a16="http://schemas.microsoft.com/office/drawing/2014/main" id="{BB495570-ECF0-F1D3-E4D8-558505EE8239}"/>
-              </a:ext>
-            </a:extLst>
-          </p:cNvPr>
-          <p:cNvPicPr>
-            <a:picLocks noChangeAspect="1"/>
-          </p:cNvPicPr>
-          <p:nvPr/>
-        </p:nvPicPr>
-        <p:blipFill>
-          <a:blip r:embed="rId3"/>
-          <a:srcRect t="28381" b="3405"/>
-          <a:stretch>
-            <a:fillRect/>
-          </a:stretch>
-        </p:blipFill>
-        <p:spPr>
-          <a:xfrm>
-            <a:off x="1814285" y="1951856"/>
-            <a:ext cx="7772400" cy="3534546"/>
-          </a:xfrm>
-          <a:prstGeom prst="rect">
-            <a:avLst/>
-          </a:prstGeom>
-          <a:ln>
-            <a:solidFill>
-              <a:schemeClr val="tx1"/>
-            </a:solidFill>
-          </a:ln>
-        </p:spPr>
-      </p:pic>
-      <p:sp>
-        <p:nvSpPr>
-          <p:cNvPr id="8" name="TextBox 7">
-            <a:extLst>
-              <a:ext uri="{FF2B5EF4-FFF2-40B4-BE49-F238E27FC236}">
-                <a16:creationId xmlns:a16="http://schemas.microsoft.com/office/drawing/2014/main" id="{9EEEB512-E9D4-4662-0E45-AC86FAE99E4F}"/>
-              </a:ext>
-            </a:extLst>
-          </p:cNvPr>
-          <p:cNvSpPr txBox="1"/>
-          <p:nvPr/>
-        </p:nvSpPr>
-        <p:spPr>
-          <a:xfrm>
-            <a:off x="1814286" y="989881"/>
-            <a:ext cx="3074956" cy="830997"/>
-          </a:xfrm>
-          <a:prstGeom prst="rect">
-            <a:avLst/>
-          </a:prstGeom>
-          <a:noFill/>
-          <a:ln w="28575">
-            <a:solidFill>
-              <a:srgbClr val="C00000"/>
-            </a:solidFill>
-          </a:ln>
-        </p:spPr>
-        <p:txBody>
-          <a:bodyPr wrap="square" rtlCol="0">
-            <a:spAutoFit/>
-          </a:bodyPr>
-          <a:lstStyle/>
-          <a:p>
-            <a:r>
-              <a:rPr lang="en-US" sz="2400" dirty="0"/>
-              <a:t>System = City</a:t>
-            </a:r>
-          </a:p>
-          <a:p>
-            <a:r>
-              <a:rPr lang="en-US" sz="2400" dirty="0"/>
-              <a:t>Your PR = One Street</a:t>
-            </a:r>
-          </a:p>
-        </p:txBody>
-      </p:sp>
-      <p:sp>
-        <p:nvSpPr>
-          <p:cNvPr id="10" name="TextBox 9">
-            <a:extLst>
-              <a:ext uri="{FF2B5EF4-FFF2-40B4-BE49-F238E27FC236}">
-                <a16:creationId xmlns:a16="http://schemas.microsoft.com/office/drawing/2014/main" id="{4E19D6EC-BC12-6351-7B35-9DC3801647C6}"/>
-              </a:ext>
-            </a:extLst>
-          </p:cNvPr>
-          <p:cNvSpPr txBox="1"/>
-          <p:nvPr/>
-        </p:nvSpPr>
-        <p:spPr>
-          <a:xfrm>
-            <a:off x="838200" y="5793475"/>
-            <a:ext cx="10731759" cy="830997"/>
-          </a:xfrm>
-          <a:prstGeom prst="rect">
-            <a:avLst/>
-          </a:prstGeom>
-          <a:noFill/>
-          <a:ln w="28575">
-            <a:solidFill>
-              <a:srgbClr val="C00000"/>
-            </a:solidFill>
-          </a:ln>
-        </p:spPr>
-        <p:txBody>
-          <a:bodyPr wrap="square">
-            <a:spAutoFit/>
-          </a:bodyPr>
-          <a:lstStyle/>
-          <a:p>
-            <a:r>
-              <a:rPr lang="en-GB" sz="2400" dirty="0"/>
-              <a:t>You do </a:t>
-            </a:r>
-            <a:r>
-              <a:rPr lang="en-GB" sz="2400" b="1" dirty="0"/>
-              <a:t>NOT</a:t>
-            </a:r>
-            <a:r>
-              <a:rPr lang="en-GB" sz="2400" dirty="0"/>
-              <a:t> redraw the entire system.</a:t>
-            </a:r>
-            <a:br>
-              <a:rPr lang="en-GB" sz="2400" dirty="0"/>
-            </a:br>
-            <a:r>
-              <a:rPr lang="en-GB" sz="2400" dirty="0"/>
-              <a:t>You show only the </a:t>
-            </a:r>
-            <a:r>
-              <a:rPr lang="en-GB" sz="2400" b="1" dirty="0"/>
-              <a:t>part your PR changes</a:t>
-            </a:r>
-            <a:r>
-              <a:rPr lang="en-GB" sz="2400" dirty="0"/>
-              <a:t> — but it must clearly fit back into the whole.</a:t>
-            </a:r>
-            <a:endParaRPr lang="en-US" sz="2400" dirty="0"/>
-          </a:p>
-        </p:txBody>
-      </p:sp>
-    </p:spTree>
-    <p:extLst>
-      <p:ext uri="{BB962C8B-B14F-4D97-AF65-F5344CB8AC3E}">
-        <p14:creationId xmlns:p14="http://schemas.microsoft.com/office/powerpoint/2010/main" val="321433039"/>
-      </p:ext>
-    </p:extLst>
-  </p:cSld>
-  <p:clrMapOvr>
-    <a:masterClrMapping/>
-  </p:clrMapOvr>
-  <p:timing>
-    <p:tnLst>
-      <p:par>
-        <p:cTn id="1" dur="indefinite" restart="never" nodeType="tmRoot">
-          <p:childTnLst>
-            <p:seq concurrent="1" nextAc="seek">
-              <p:cTn id="2" dur="indefinite" nodeType="mainSeq">
-                <p:childTnLst>
-                  <p:par>
-                    <p:cTn id="3" fill="hold">
-                      <p:stCondLst>
-                        <p:cond delay="indefinite"/>
-                      </p:stCondLst>
-                      <p:childTnLst>
-                        <p:par>
-                          <p:cTn id="4" fill="hold">
-                            <p:stCondLst>
-                              <p:cond delay="0"/>
-                            </p:stCondLst>
-                            <p:childTnLst>
-                              <p:par>
-                                <p:cTn id="5" presetID="1" presetClass="entr" presetSubtype="0" fill="hold" nodeType="clickEffect">
-                                  <p:stCondLst>
-                                    <p:cond delay="0"/>
-                                  </p:stCondLst>
-                                  <p:childTnLst>
-                                    <p:set>
-                                      <p:cBhvr>
-                                        <p:cTn id="6" dur="1" fill="hold">
-                                          <p:stCondLst>
-                                            <p:cond delay="0"/>
-                                          </p:stCondLst>
-                                        </p:cTn>
-                                        <p:tgtEl>
-                                          <p:spTgt spid="7"/>
-                                        </p:tgtEl>
-                                        <p:attrNameLst>
-                                          <p:attrName>style.visibility</p:attrName>
-                                        </p:attrNameLst>
-                                      </p:cBhvr>
-                                      <p:to>
-                                        <p:strVal val="visible"/>
-                                      </p:to>
-                                    </p:set>
-                                  </p:childTnLst>
-                                </p:cTn>
-                              </p:par>
-                            </p:childTnLst>
-                          </p:cTn>
-                        </p:par>
-                      </p:childTnLst>
-                    </p:cTn>
-                  </p:par>
-                  <p:par>
-                    <p:cTn id="7" fill="hold">
-                      <p:stCondLst>
-                        <p:cond delay="indefinite"/>
-                      </p:stCondLst>
-                      <p:childTnLst>
-                        <p:par>
-                          <p:cTn id="8" fill="hold">
-                            <p:stCondLst>
-                              <p:cond delay="0"/>
-                            </p:stCondLst>
-                            <p:childTnLst>
-                              <p:par>
-                                <p:cTn id="9" presetID="1" presetClass="entr" presetSubtype="0" fill="hold" grpId="0" nodeType="clickEffect">
-                                  <p:stCondLst>
-                                    <p:cond delay="0"/>
-                                  </p:stCondLst>
-                                  <p:childTnLst>
-                                    <p:set>
-                                      <p:cBhvr>
-                                        <p:cTn id="10" dur="1" fill="hold">
-                                          <p:stCondLst>
-                                            <p:cond delay="0"/>
-                                          </p:stCondLst>
-                                        </p:cTn>
-                                        <p:tgtEl>
-                                          <p:spTgt spid="10"/>
-                                        </p:tgtEl>
-                                        <p:attrNameLst>
-                                          <p:attrName>style.visibility</p:attrName>
-                                        </p:attrNameLst>
-                                      </p:cBhvr>
-                                      <p:to>
-                                        <p:strVal val="visible"/>
-                                      </p:to>
-                                    </p:set>
-                                  </p:childTnLst>
-                                </p:cTn>
-                              </p:par>
-                            </p:childTnLst>
-                          </p:cTn>
-                        </p:par>
-                      </p:childTnLst>
-                    </p:cTn>
-                  </p:par>
-                </p:childTnLst>
-              </p:cTn>
-              <p:prevCondLst>
-                <p:cond evt="onPrev" delay="0">
-                  <p:tgtEl>
-                    <p:sldTgt/>
-                  </p:tgtEl>
-                </p:cond>
-              </p:prevCondLst>
-              <p:nextCondLst>
-                <p:cond evt="onNext" delay="0">
-                  <p:tgtEl>
-                    <p:sldTgt/>
-                  </p:tgtEl>
-                </p:cond>
-              </p:nextCondLst>
-            </p:seq>
-          </p:childTnLst>
-        </p:cTn>
-      </p:par>
-    </p:tnLst>
-    <p:bldLst>
-      <p:bldP spid="10" grpId="0" animBg="1"/>
     </p:bldLst>
   </p:timing>
 </p:sld>
